--- a/NLU Training - Javascript For QA.pptx
+++ b/NLU Training - Javascript For QA.pptx
@@ -5,10 +5,10 @@
     <p:sldMasterId id="2147483702" r:id="rId1"/>
   </p:sldMasterIdLst>
   <p:notesMasterIdLst>
-    <p:notesMasterId r:id="rId22"/>
+    <p:notesMasterId r:id="rId21"/>
   </p:notesMasterIdLst>
   <p:handoutMasterIdLst>
-    <p:handoutMasterId r:id="rId23"/>
+    <p:handoutMasterId r:id="rId22"/>
   </p:handoutMasterIdLst>
   <p:sldIdLst>
     <p:sldId id="256" r:id="rId2"/>
@@ -16,21 +16,20 @@
     <p:sldId id="333" r:id="rId4"/>
     <p:sldId id="334" r:id="rId5"/>
     <p:sldId id="335" r:id="rId6"/>
-    <p:sldId id="336" r:id="rId7"/>
-    <p:sldId id="337" r:id="rId8"/>
-    <p:sldId id="307" r:id="rId9"/>
-    <p:sldId id="318" r:id="rId10"/>
-    <p:sldId id="338" r:id="rId11"/>
-    <p:sldId id="317" r:id="rId12"/>
-    <p:sldId id="339" r:id="rId13"/>
-    <p:sldId id="321" r:id="rId14"/>
-    <p:sldId id="331" r:id="rId15"/>
-    <p:sldId id="325" r:id="rId16"/>
-    <p:sldId id="326" r:id="rId17"/>
-    <p:sldId id="327" r:id="rId18"/>
-    <p:sldId id="340" r:id="rId19"/>
-    <p:sldId id="341" r:id="rId20"/>
-    <p:sldId id="285" r:id="rId21"/>
+    <p:sldId id="337" r:id="rId7"/>
+    <p:sldId id="307" r:id="rId8"/>
+    <p:sldId id="318" r:id="rId9"/>
+    <p:sldId id="338" r:id="rId10"/>
+    <p:sldId id="317" r:id="rId11"/>
+    <p:sldId id="339" r:id="rId12"/>
+    <p:sldId id="321" r:id="rId13"/>
+    <p:sldId id="331" r:id="rId14"/>
+    <p:sldId id="325" r:id="rId15"/>
+    <p:sldId id="326" r:id="rId16"/>
+    <p:sldId id="327" r:id="rId17"/>
+    <p:sldId id="340" r:id="rId18"/>
+    <p:sldId id="341" r:id="rId19"/>
+    <p:sldId id="285" r:id="rId20"/>
   </p:sldIdLst>
   <p:sldSz cx="12192000" cy="6858000"/>
   <p:notesSz cx="6858000" cy="9144000"/>
@@ -139,7 +138,6 @@
             <p14:sldId id="333"/>
             <p14:sldId id="334"/>
             <p14:sldId id="335"/>
-            <p14:sldId id="336"/>
             <p14:sldId id="337"/>
             <p14:sldId id="307"/>
             <p14:sldId id="318"/>
@@ -273,7 +271,7 @@
               <a:rPr lang="en-US" smtClean="0">
                 <a:latin typeface="Source Sans Pro" panose="020B0503030403020204" pitchFamily="34" charset="0"/>
               </a:rPr>
-              <a:t>11/21/2017</a:t>
+              <a:t>3/12/2018</a:t>
             </a:fld>
             <a:endParaRPr lang="en-US" dirty="0">
               <a:latin typeface="Source Sans Pro" panose="020B0503030403020204" pitchFamily="34" charset="0"/>
@@ -451,7 +449,7 @@
             <a:fld id="{ACAD2996-C03F-47DF-9010-22BB95A4AB9B}" type="datetimeFigureOut">
               <a:rPr lang="en-US" smtClean="0"/>
               <a:pPr/>
-              <a:t>11/21/2017</a:t>
+              <a:t>3/12/2018</a:t>
             </a:fld>
             <a:endParaRPr lang="en-US" dirty="0"/>
           </a:p>
@@ -853,208 +851,208 @@
           <a:lstStyle/>
           <a:p>
             <a:r>
-              <a:rPr lang="zh-CN" altLang="en-US" dirty="0" smtClean="0"/>
+              <a:rPr lang="zh-CN" altLang="en-US" dirty="0"/>
               <a:t>终端演示脚本：</a:t>
             </a:r>
-            <a:endParaRPr lang="en-US" dirty="0" smtClean="0"/>
-          </a:p>
-          <a:p>
-            <a:r>
-              <a:rPr lang="en-US" dirty="0" err="1" smtClean="0"/>
+            <a:endParaRPr lang="en-US" dirty="0"/>
+          </a:p>
+          <a:p>
+            <a:r>
+              <a:rPr lang="en-US" dirty="0" err="1"/>
               <a:t>var</a:t>
             </a:r>
             <a:r>
-              <a:rPr lang="en-US" baseline="0" dirty="0" smtClean="0"/>
+              <a:rPr lang="en-US" baseline="0" dirty="0"/>
               <a:t> </a:t>
             </a:r>
             <a:r>
-              <a:rPr lang="en-US" baseline="0" dirty="0" err="1" smtClean="0"/>
+              <a:rPr lang="en-US" baseline="0" dirty="0" err="1"/>
               <a:t>a,b</a:t>
             </a:r>
-            <a:endParaRPr lang="en-US" baseline="0" dirty="0" smtClean="0"/>
-          </a:p>
-          <a:p>
-            <a:r>
-              <a:rPr lang="en-US" baseline="0" dirty="0" smtClean="0"/>
+            <a:endParaRPr lang="en-US" baseline="0" dirty="0"/>
+          </a:p>
+          <a:p>
+            <a:r>
+              <a:rPr lang="en-US" baseline="0" dirty="0"/>
               <a:t>a=1</a:t>
             </a:r>
           </a:p>
           <a:p>
             <a:r>
-              <a:rPr lang="en-US" baseline="0" dirty="0" smtClean="0"/>
+              <a:rPr lang="en-US" baseline="0" dirty="0"/>
               <a:t>b=2</a:t>
             </a:r>
           </a:p>
           <a:p>
             <a:r>
-              <a:rPr lang="en-US" baseline="0" dirty="0" err="1" smtClean="0"/>
+              <a:rPr lang="en-US" baseline="0" dirty="0" err="1"/>
               <a:t>a+b</a:t>
             </a:r>
-            <a:endParaRPr lang="en-US" baseline="0" dirty="0" smtClean="0"/>
-          </a:p>
-          <a:p>
-            <a:r>
-              <a:rPr lang="en-US" baseline="0" dirty="0" smtClean="0"/>
+            <a:endParaRPr lang="en-US" baseline="0" dirty="0"/>
+          </a:p>
+          <a:p>
+            <a:r>
+              <a:rPr lang="en-US" baseline="0" dirty="0"/>
               <a:t>console.log(</a:t>
             </a:r>
             <a:r>
-              <a:rPr lang="en-US" baseline="0" dirty="0" err="1" smtClean="0"/>
+              <a:rPr lang="en-US" baseline="0" dirty="0" err="1"/>
               <a:t>a+b</a:t>
             </a:r>
             <a:r>
-              <a:rPr lang="en-US" baseline="0" dirty="0" smtClean="0"/>
+              <a:rPr lang="en-US" baseline="0" dirty="0"/>
               <a:t>)</a:t>
             </a:r>
           </a:p>
           <a:p>
             <a:r>
-              <a:rPr lang="en-US" baseline="0" dirty="0" smtClean="0"/>
+              <a:rPr lang="en-US" baseline="0" dirty="0"/>
               <a:t>console.log(“hello world”)</a:t>
             </a:r>
           </a:p>
           <a:p>
-            <a:endParaRPr lang="en-US" baseline="0" dirty="0" smtClean="0"/>
-          </a:p>
-          <a:p>
-            <a:r>
-              <a:rPr lang="en-US" baseline="0" dirty="0" smtClean="0"/>
+            <a:endParaRPr lang="en-US" baseline="0" dirty="0"/>
+          </a:p>
+          <a:p>
+            <a:r>
+              <a:rPr lang="en-US" baseline="0" dirty="0"/>
               <a:t>Online</a:t>
             </a:r>
             <a:r>
-              <a:rPr lang="zh-CN" altLang="en-US" baseline="0" dirty="0" smtClean="0"/>
+              <a:rPr lang="zh-CN" altLang="en-US" baseline="0" dirty="0"/>
               <a:t>演示脚本：</a:t>
             </a:r>
-            <a:endParaRPr lang="en-US" altLang="zh-CN" baseline="0" dirty="0" smtClean="0"/>
-          </a:p>
-          <a:p>
-            <a:r>
-              <a:rPr lang="en-US" altLang="zh-CN" baseline="0" dirty="0" smtClean="0"/>
+            <a:endParaRPr lang="en-US" altLang="zh-CN" baseline="0" dirty="0"/>
+          </a:p>
+          <a:p>
+            <a:r>
+              <a:rPr lang="en-US" altLang="zh-CN" baseline="0" dirty="0"/>
               <a:t>1. </a:t>
             </a:r>
             <a:r>
-              <a:rPr lang="zh-CN" altLang="en-US" baseline="0" dirty="0" smtClean="0"/>
+              <a:rPr lang="zh-CN" altLang="en-US" baseline="0" dirty="0"/>
               <a:t>设置</a:t>
             </a:r>
             <a:r>
-              <a:rPr lang="en-US" altLang="zh-CN" baseline="0" dirty="0" err="1" smtClean="0"/>
+              <a:rPr lang="en-US" altLang="zh-CN" baseline="0" dirty="0" err="1"/>
               <a:t>Javascript</a:t>
             </a:r>
             <a:r>
-              <a:rPr lang="en-US" altLang="zh-CN" baseline="0" dirty="0" smtClean="0"/>
+              <a:rPr lang="en-US" altLang="zh-CN" baseline="0" dirty="0"/>
               <a:t> LOAD Type=No wrap – in &lt;body&gt;</a:t>
             </a:r>
           </a:p>
           <a:p>
             <a:r>
-              <a:rPr lang="zh-CN" altLang="en-US" baseline="0" dirty="0" smtClean="0"/>
+              <a:rPr lang="zh-CN" altLang="en-US" baseline="0" dirty="0"/>
               <a:t>与终端相同</a:t>
             </a:r>
-            <a:endParaRPr lang="en-US" baseline="0" dirty="0" smtClean="0"/>
-          </a:p>
-          <a:p>
-            <a:endParaRPr lang="en-US" baseline="0" dirty="0" smtClean="0"/>
-          </a:p>
-          <a:p>
-            <a:r>
-              <a:rPr lang="en-US" baseline="0" dirty="0" smtClean="0"/>
+            <a:endParaRPr lang="en-US" baseline="0" dirty="0"/>
+          </a:p>
+          <a:p>
+            <a:endParaRPr lang="en-US" baseline="0" dirty="0"/>
+          </a:p>
+          <a:p>
+            <a:r>
+              <a:rPr lang="en-US" baseline="0" dirty="0"/>
               <a:t>IDE</a:t>
             </a:r>
             <a:r>
-              <a:rPr lang="zh-CN" altLang="en-US" baseline="0" dirty="0" smtClean="0"/>
+              <a:rPr lang="zh-CN" altLang="en-US" baseline="0" dirty="0"/>
               <a:t>演示脚本：</a:t>
             </a:r>
-            <a:endParaRPr lang="en-US" altLang="zh-CN" baseline="0" dirty="0" smtClean="0"/>
-          </a:p>
-          <a:p>
-            <a:r>
-              <a:rPr lang="en-US" altLang="zh-CN" baseline="0" dirty="0" smtClean="0"/>
+            <a:endParaRPr lang="en-US" altLang="zh-CN" baseline="0" dirty="0"/>
+          </a:p>
+          <a:p>
+            <a:r>
+              <a:rPr lang="en-US" altLang="zh-CN" baseline="0" dirty="0"/>
               <a:t>1. </a:t>
             </a:r>
             <a:r>
-              <a:rPr lang="zh-CN" altLang="en-US" baseline="0" dirty="0" smtClean="0"/>
+              <a:rPr lang="zh-CN" altLang="en-US" baseline="0" dirty="0"/>
               <a:t>创建目录</a:t>
             </a:r>
             <a:r>
-              <a:rPr lang="en-US" altLang="zh-CN" baseline="0" dirty="0" smtClean="0"/>
+              <a:rPr lang="en-US" altLang="zh-CN" baseline="0" dirty="0"/>
               <a:t>HelloWorld, D:\Working\Projects\Nodejs\HelloWorld</a:t>
             </a:r>
-            <a:endParaRPr lang="en-US" baseline="0" dirty="0" smtClean="0"/>
-          </a:p>
-          <a:p>
-            <a:r>
-              <a:rPr lang="en-US" altLang="zh-CN" baseline="0" dirty="0" smtClean="0"/>
+            <a:endParaRPr lang="en-US" baseline="0" dirty="0"/>
+          </a:p>
+          <a:p>
+            <a:r>
+              <a:rPr lang="en-US" altLang="zh-CN" baseline="0" dirty="0"/>
               <a:t>2. </a:t>
             </a:r>
             <a:r>
-              <a:rPr lang="zh-CN" altLang="en-US" baseline="0" dirty="0" smtClean="0"/>
+              <a:rPr lang="zh-CN" altLang="en-US" baseline="0" dirty="0"/>
               <a:t>创建脚本</a:t>
             </a:r>
             <a:r>
-              <a:rPr lang="en-US" altLang="zh-CN" baseline="0" dirty="0" smtClean="0"/>
+              <a:rPr lang="en-US" altLang="zh-CN" baseline="0" dirty="0"/>
               <a:t>,sample.js</a:t>
             </a:r>
-            <a:endParaRPr lang="en-US" baseline="0" dirty="0" smtClean="0"/>
-          </a:p>
-          <a:p>
-            <a:r>
-              <a:rPr lang="en-US" baseline="0" dirty="0" smtClean="0"/>
+            <a:endParaRPr lang="en-US" baseline="0" dirty="0"/>
+          </a:p>
+          <a:p>
+            <a:r>
+              <a:rPr lang="en-US" baseline="0" dirty="0"/>
               <a:t>3. </a:t>
             </a:r>
             <a:r>
-              <a:rPr lang="en-US" baseline="0" dirty="0" err="1" smtClean="0"/>
+              <a:rPr lang="en-US" baseline="0" dirty="0" err="1"/>
               <a:t>Nodejs</a:t>
             </a:r>
             <a:r>
-              <a:rPr lang="en-US" baseline="0" dirty="0" smtClean="0"/>
+              <a:rPr lang="en-US" baseline="0" dirty="0"/>
               <a:t> </a:t>
             </a:r>
             <a:r>
-              <a:rPr lang="en-US" baseline="0" dirty="0" err="1" smtClean="0"/>
+              <a:rPr lang="en-US" baseline="0" dirty="0" err="1"/>
               <a:t>docker</a:t>
             </a:r>
             <a:r>
-              <a:rPr lang="en-US" baseline="0" dirty="0" smtClean="0"/>
+              <a:rPr lang="en-US" baseline="0" dirty="0"/>
               <a:t>:</a:t>
             </a:r>
           </a:p>
           <a:p>
             <a:r>
-              <a:rPr lang="en-US" altLang="zh-CN" baseline="0" dirty="0" smtClean="0"/>
+              <a:rPr lang="en-US" altLang="zh-CN" baseline="0" dirty="0"/>
               <a:t>    Docker run -it --</a:t>
             </a:r>
             <a:r>
-              <a:rPr lang="en-US" altLang="zh-CN" baseline="0" dirty="0" err="1" smtClean="0"/>
+              <a:rPr lang="en-US" altLang="zh-CN" baseline="0" dirty="0" err="1"/>
               <a:t>rm</a:t>
             </a:r>
             <a:r>
-              <a:rPr lang="en-US" altLang="zh-CN" baseline="0" dirty="0" smtClean="0"/>
+              <a:rPr lang="en-US" altLang="zh-CN" baseline="0" dirty="0"/>
               <a:t> -v D:\Working\Projects\Nodejs\HelloWorld:/usr/src/app -w /</a:t>
             </a:r>
             <a:r>
-              <a:rPr lang="en-US" altLang="zh-CN" baseline="0" dirty="0" err="1" smtClean="0"/>
+              <a:rPr lang="en-US" altLang="zh-CN" baseline="0" dirty="0" err="1"/>
               <a:t>usr</a:t>
             </a:r>
             <a:r>
-              <a:rPr lang="en-US" altLang="zh-CN" baseline="0" dirty="0" smtClean="0"/>
+              <a:rPr lang="en-US" altLang="zh-CN" baseline="0" dirty="0"/>
               <a:t>/</a:t>
             </a:r>
             <a:r>
-              <a:rPr lang="en-US" altLang="zh-CN" baseline="0" dirty="0" err="1" smtClean="0"/>
+              <a:rPr lang="en-US" altLang="zh-CN" baseline="0" dirty="0" err="1"/>
               <a:t>src</a:t>
             </a:r>
             <a:r>
-              <a:rPr lang="en-US" altLang="zh-CN" baseline="0" dirty="0" smtClean="0"/>
+              <a:rPr lang="en-US" altLang="zh-CN" baseline="0" dirty="0"/>
               <a:t>/app </a:t>
             </a:r>
             <a:r>
-              <a:rPr lang="en-US" altLang="zh-CN" baseline="0" dirty="0" err="1" smtClean="0"/>
+              <a:rPr lang="en-US" altLang="zh-CN" baseline="0" dirty="0" err="1"/>
               <a:t>nodejs</a:t>
             </a:r>
             <a:r>
-              <a:rPr lang="en-US" altLang="zh-CN" baseline="0" dirty="0" smtClean="0"/>
+              <a:rPr lang="en-US" altLang="zh-CN" baseline="0" dirty="0"/>
               <a:t>-dev node sample.js</a:t>
             </a:r>
-            <a:endParaRPr lang="en-US" baseline="0" dirty="0" smtClean="0"/>
+            <a:endParaRPr lang="en-US" baseline="0" dirty="0"/>
           </a:p>
         </p:txBody>
       </p:sp>
@@ -1139,150 +1137,22 @@
           <a:bodyPr/>
           <a:lstStyle/>
           <a:p>
-            <a:pPr marL="0" marR="0" lvl="0" indent="0" algn="l" defTabSz="914400" rtl="0" eaLnBrk="1" fontAlgn="auto" latinLnBrk="0" hangingPunct="1">
-              <a:lnSpc>
-                <a:spcPct val="100000"/>
-              </a:lnSpc>
-              <a:spcBef>
-                <a:spcPts val="0"/>
-              </a:spcBef>
-              <a:spcAft>
-                <a:spcPts val="0"/>
-              </a:spcAft>
-              <a:buClrTx/>
-              <a:buSzTx/>
-              <a:buFontTx/>
-              <a:buNone/>
-              <a:tabLst/>
-              <a:defRPr/>
-            </a:pPr>
-            <a:r>
-              <a:rPr lang="en-US" altLang="zh-CN" dirty="0" smtClean="0"/>
-              <a:t>1. </a:t>
-            </a:r>
-            <a:r>
-              <a:rPr lang="zh-CN" altLang="en-US" dirty="0" smtClean="0"/>
-              <a:t>创建目录 </a:t>
-            </a:r>
-            <a:r>
-              <a:rPr lang="en-US" altLang="zh-CN" dirty="0" smtClean="0"/>
-              <a:t>HelloWorld</a:t>
-            </a:r>
-            <a:r>
-              <a:rPr lang="en-US" altLang="zh-CN" baseline="0" dirty="0" smtClean="0"/>
-              <a:t>, </a:t>
-            </a:r>
-            <a:r>
-              <a:rPr lang="en-US" altLang="zh-CN" baseline="0" dirty="0" smtClean="0"/>
-              <a:t>D:\Working\Projects\Nodejs\HelloWorld</a:t>
-            </a:r>
-            <a:endParaRPr lang="en-US" baseline="0" dirty="0" smtClean="0"/>
-          </a:p>
-          <a:p>
-            <a:r>
-              <a:rPr lang="en-US" dirty="0" smtClean="0"/>
-              <a:t>2. </a:t>
-            </a:r>
-            <a:r>
-              <a:rPr lang="zh-CN" altLang="en-US" dirty="0" smtClean="0"/>
-              <a:t>一般后端</a:t>
-            </a:r>
-            <a:endParaRPr lang="en-US" altLang="zh-CN" dirty="0" smtClean="0"/>
-          </a:p>
-          <a:p>
-            <a:r>
-              <a:rPr lang="en-US" altLang="zh-CN" dirty="0" smtClean="0"/>
-              <a:t>    </a:t>
-            </a:r>
-            <a:r>
-              <a:rPr lang="zh-CN" altLang="en-US" dirty="0" smtClean="0"/>
-              <a:t>一般后端需要基于</a:t>
-            </a:r>
-            <a:r>
-              <a:rPr lang="en-US" altLang="zh-CN" dirty="0" smtClean="0"/>
-              <a:t>IIS</a:t>
-            </a:r>
-            <a:r>
-              <a:rPr lang="zh-CN" altLang="en-US" dirty="0" smtClean="0"/>
-              <a:t>服务器 </a:t>
-            </a:r>
-            <a:endParaRPr lang="en-US" altLang="zh-CN" dirty="0" smtClean="0"/>
-          </a:p>
-          <a:p>
-            <a:r>
-              <a:rPr lang="en-US" altLang="zh-CN" baseline="0" dirty="0" smtClean="0"/>
-              <a:t>    </a:t>
-            </a:r>
-            <a:r>
-              <a:rPr lang="en-US" altLang="zh-CN" dirty="0" smtClean="0"/>
-              <a:t>HelloWorld.html, </a:t>
-            </a:r>
-            <a:r>
-              <a:rPr lang="zh-CN" altLang="en-US" dirty="0" smtClean="0"/>
-              <a:t>上传到</a:t>
-            </a:r>
-            <a:r>
-              <a:rPr lang="en-US" altLang="zh-CN" dirty="0" err="1" smtClean="0"/>
-              <a:t>CFDev</a:t>
-            </a:r>
-            <a:r>
-              <a:rPr lang="en-US" altLang="zh-CN" dirty="0" smtClean="0"/>
-              <a:t>,</a:t>
-            </a:r>
-            <a:r>
-              <a:rPr lang="en-US" altLang="zh-CN" baseline="0" dirty="0" smtClean="0"/>
-              <a:t> C:\WebApp\HelloWorld, IIS</a:t>
-            </a:r>
-            <a:r>
-              <a:rPr lang="zh-CN" altLang="en-US" baseline="0" dirty="0" smtClean="0"/>
-              <a:t>创建应用</a:t>
-            </a:r>
-            <a:r>
-              <a:rPr lang="en-US" altLang="zh-CN" baseline="0" dirty="0" smtClean="0"/>
-              <a:t>HelloWorld</a:t>
-            </a:r>
-            <a:endParaRPr lang="en-US" altLang="zh-CN" dirty="0" smtClean="0"/>
-          </a:p>
-          <a:p>
-            <a:r>
-              <a:rPr lang="en-US" dirty="0" smtClean="0"/>
-              <a:t>3. </a:t>
-            </a:r>
-            <a:r>
-              <a:rPr lang="en-US" dirty="0" err="1" smtClean="0"/>
-              <a:t>Javascript</a:t>
-            </a:r>
-            <a:r>
-              <a:rPr lang="zh-CN" altLang="en-US" dirty="0" smtClean="0"/>
-              <a:t>后端</a:t>
-            </a:r>
-            <a:endParaRPr lang="en-US" altLang="zh-CN" dirty="0" smtClean="0"/>
-          </a:p>
-          <a:p>
-            <a:r>
-              <a:rPr lang="en-US" altLang="zh-CN" dirty="0" smtClean="0"/>
-              <a:t>    </a:t>
-            </a:r>
-            <a:r>
-              <a:rPr lang="zh-CN" altLang="en-US" dirty="0" smtClean="0"/>
-              <a:t>需要安装</a:t>
-            </a:r>
-            <a:r>
-              <a:rPr lang="en-US" altLang="zh-CN" dirty="0" err="1" smtClean="0"/>
-              <a:t>Javascript</a:t>
-            </a:r>
-            <a:r>
-              <a:rPr lang="zh-CN" altLang="en-US" dirty="0" smtClean="0"/>
-              <a:t>解析器，就像浏览器执行一样在后台执行脚本</a:t>
-            </a:r>
-            <a:endParaRPr lang="en-US" altLang="zh-CN" dirty="0" smtClean="0"/>
-          </a:p>
-          <a:p>
-            <a:r>
-              <a:rPr lang="en-US" altLang="zh-CN" dirty="0" smtClean="0"/>
-              <a:t>    HelloWorld.js</a:t>
-            </a:r>
-            <a:endParaRPr lang="en-US" dirty="0"/>
+            <a:r>
+              <a:rPr lang="en-US" altLang="zh-CN" dirty="0"/>
+              <a:t>‘2015’ == 2015</a:t>
+            </a:r>
+          </a:p>
+          <a:p>
+            <a:r>
+              <a:rPr lang="en-US" altLang="zh-CN" dirty="0"/>
+              <a:t>0 == false</a:t>
+            </a:r>
+          </a:p>
+          <a:p>
+            <a:r>
+              <a:rPr lang="en-US" altLang="zh-CN" dirty="0"/>
+              <a:t>null == undefined</a:t>
+            </a:r>
           </a:p>
         </p:txBody>
       </p:sp>
@@ -1304,7 +1174,7 @@
             <a:fld id="{1F36095F-851B-4C6B-93FA-49215E044C0A}" type="slidenum">
               <a:rPr lang="en-US" smtClean="0"/>
               <a:pPr/>
-              <a:t>6</a:t>
+              <a:t>9</a:t>
             </a:fld>
             <a:endParaRPr lang="en-US" dirty="0"/>
           </a:p>
@@ -1313,7 +1183,7 @@
     </p:spTree>
     <p:extLst>
       <p:ext uri="{BB962C8B-B14F-4D97-AF65-F5344CB8AC3E}">
-        <p14:creationId xmlns:p14="http://schemas.microsoft.com/office/powerpoint/2010/main" val="1175379240"/>
+        <p14:creationId xmlns:p14="http://schemas.microsoft.com/office/powerpoint/2010/main" val="36998248"/>
       </p:ext>
     </p:extLst>
   </p:cSld>
@@ -1368,20 +1238,74 @@
           <a:lstStyle/>
           <a:p>
             <a:r>
-              <a:rPr lang="en-US" altLang="zh-CN" dirty="0" smtClean="0"/>
-              <a:t>‘2015’ == 2015</a:t>
-            </a:r>
-          </a:p>
-          <a:p>
-            <a:r>
-              <a:rPr lang="en-US" altLang="zh-CN" dirty="0" smtClean="0"/>
-              <a:t>0 == false</a:t>
-            </a:r>
-          </a:p>
-          <a:p>
-            <a:r>
-              <a:rPr lang="en-US" altLang="zh-CN" dirty="0" smtClean="0"/>
-              <a:t>null == undefined</a:t>
+              <a:rPr lang="en-US" dirty="0"/>
+              <a:t>https://fiddle.jshell.net/</a:t>
+            </a:r>
+          </a:p>
+          <a:p>
+            <a:endParaRPr lang="en-US" dirty="0"/>
+          </a:p>
+          <a:p>
+            <a:r>
+              <a:rPr lang="en-US" dirty="0"/>
+              <a:t>&lt;p class="label"&gt;Hello world&lt;/p&gt;</a:t>
+            </a:r>
+          </a:p>
+          <a:p>
+            <a:r>
+              <a:rPr lang="en-US" dirty="0"/>
+              <a:t>&lt;button </a:t>
+            </a:r>
+            <a:r>
+              <a:rPr lang="en-US" dirty="0" err="1"/>
+              <a:t>onclick</a:t>
+            </a:r>
+            <a:r>
+              <a:rPr lang="en-US" dirty="0"/>
+              <a:t>="say();"&gt;Say&lt;/button&gt;</a:t>
+            </a:r>
+          </a:p>
+          <a:p>
+            <a:endParaRPr lang="en-US" dirty="0"/>
+          </a:p>
+          <a:p>
+            <a:r>
+              <a:rPr lang="en-US" dirty="0"/>
+              <a:t>function say(){</a:t>
+            </a:r>
+          </a:p>
+          <a:p>
+            <a:r>
+              <a:rPr lang="en-US" dirty="0"/>
+              <a:t>	//</a:t>
+            </a:r>
+            <a:r>
+              <a:rPr lang="en-US" dirty="0" err="1"/>
+              <a:t>document.querySelector</a:t>
+            </a:r>
+            <a:r>
+              <a:rPr lang="en-US" dirty="0"/>
+              <a:t>(".label").</a:t>
+            </a:r>
+            <a:r>
+              <a:rPr lang="en-US" dirty="0" err="1"/>
+              <a:t>innerHTML</a:t>
+            </a:r>
+            <a:r>
+              <a:rPr lang="en-US" dirty="0"/>
+              <a:t>="Hello World! I am online";</a:t>
+            </a:r>
+          </a:p>
+          <a:p>
+            <a:r>
+              <a:rPr lang="en-US" dirty="0"/>
+              <a:t>$(".label").text("Hello World! I am online!");</a:t>
+            </a:r>
+          </a:p>
+          <a:p>
+            <a:r>
+              <a:rPr lang="en-US" dirty="0"/>
+              <a:t>}</a:t>
             </a:r>
           </a:p>
         </p:txBody>
@@ -1404,162 +1328,7 @@
             <a:fld id="{1F36095F-851B-4C6B-93FA-49215E044C0A}" type="slidenum">
               <a:rPr lang="en-US" smtClean="0"/>
               <a:pPr/>
-              <a:t>10</a:t>
-            </a:fld>
-            <a:endParaRPr lang="en-US" dirty="0"/>
-          </a:p>
-        </p:txBody>
-      </p:sp>
-    </p:spTree>
-    <p:extLst>
-      <p:ext uri="{BB962C8B-B14F-4D97-AF65-F5344CB8AC3E}">
-        <p14:creationId xmlns:p14="http://schemas.microsoft.com/office/powerpoint/2010/main" val="36998248"/>
-      </p:ext>
-    </p:extLst>
-  </p:cSld>
-  <p:clrMapOvr>
-    <a:masterClrMapping/>
-  </p:clrMapOvr>
-</p:notes>
-</file>
-
-<file path=ppt/notesSlides/notesSlide5.xml><?xml version="1.0" encoding="utf-8"?>
-<p:notes xmlns:a="http://schemas.openxmlformats.org/drawingml/2006/main" xmlns:r="http://schemas.openxmlformats.org/officeDocument/2006/relationships" xmlns:p="http://schemas.openxmlformats.org/presentationml/2006/main">
-  <p:cSld>
-    <p:spTree>
-      <p:nvGrpSpPr>
-        <p:cNvPr id="1" name=""/>
-        <p:cNvGrpSpPr/>
-        <p:nvPr/>
-      </p:nvGrpSpPr>
-      <p:grpSpPr>
-        <a:xfrm>
-          <a:off x="0" y="0"/>
-          <a:ext cx="0" cy="0"/>
-          <a:chOff x="0" y="0"/>
-          <a:chExt cx="0" cy="0"/>
-        </a:xfrm>
-      </p:grpSpPr>
-      <p:sp>
-        <p:nvSpPr>
-          <p:cNvPr id="2" name="Slide Image Placeholder 1"/>
-          <p:cNvSpPr>
-            <a:spLocks noGrp="1" noRot="1" noChangeAspect="1"/>
-          </p:cNvSpPr>
-          <p:nvPr>
-            <p:ph type="sldImg"/>
-          </p:nvPr>
-        </p:nvSpPr>
-        <p:spPr/>
-      </p:sp>
-      <p:sp>
-        <p:nvSpPr>
-          <p:cNvPr id="3" name="Notes Placeholder 2"/>
-          <p:cNvSpPr>
-            <a:spLocks noGrp="1"/>
-          </p:cNvSpPr>
-          <p:nvPr>
-            <p:ph type="body" idx="1"/>
-          </p:nvPr>
-        </p:nvSpPr>
-        <p:spPr/>
-        <p:txBody>
-          <a:bodyPr/>
-          <a:lstStyle/>
-          <a:p>
-            <a:r>
-              <a:rPr lang="en-US" dirty="0" smtClean="0"/>
-              <a:t>https://fiddle.jshell.net/</a:t>
-            </a:r>
-          </a:p>
-          <a:p>
-            <a:endParaRPr lang="en-US" dirty="0" smtClean="0"/>
-          </a:p>
-          <a:p>
-            <a:r>
-              <a:rPr lang="en-US" dirty="0" smtClean="0"/>
-              <a:t>&lt;p class="label"&gt;Hello world&lt;/p&gt;</a:t>
-            </a:r>
-          </a:p>
-          <a:p>
-            <a:r>
-              <a:rPr lang="en-US" dirty="0" smtClean="0"/>
-              <a:t>&lt;button </a:t>
-            </a:r>
-            <a:r>
-              <a:rPr lang="en-US" dirty="0" err="1" smtClean="0"/>
-              <a:t>onclick</a:t>
-            </a:r>
-            <a:r>
-              <a:rPr lang="en-US" dirty="0" smtClean="0"/>
-              <a:t>="say();"&gt;Say&lt;/button&gt;</a:t>
-            </a:r>
-          </a:p>
-          <a:p>
-            <a:endParaRPr lang="en-US" dirty="0" smtClean="0"/>
-          </a:p>
-          <a:p>
-            <a:r>
-              <a:rPr lang="en-US" dirty="0" smtClean="0"/>
-              <a:t>function say(){</a:t>
-            </a:r>
-          </a:p>
-          <a:p>
-            <a:r>
-              <a:rPr lang="en-US" dirty="0" smtClean="0"/>
-              <a:t>	//</a:t>
-            </a:r>
-            <a:r>
-              <a:rPr lang="en-US" dirty="0" err="1" smtClean="0"/>
-              <a:t>document.querySelector</a:t>
-            </a:r>
-            <a:r>
-              <a:rPr lang="en-US" dirty="0" smtClean="0"/>
-              <a:t>(".label").</a:t>
-            </a:r>
-            <a:r>
-              <a:rPr lang="en-US" dirty="0" err="1" smtClean="0"/>
-              <a:t>innerHTML</a:t>
-            </a:r>
-            <a:r>
-              <a:rPr lang="en-US" dirty="0" smtClean="0"/>
-              <a:t>="Hello World! I am online";</a:t>
-            </a:r>
-          </a:p>
-          <a:p>
-            <a:r>
-              <a:rPr lang="en-US" dirty="0" smtClean="0"/>
-              <a:t>$(".label").text("Hello World! I am online!");</a:t>
-            </a:r>
-          </a:p>
-          <a:p>
-            <a:r>
-              <a:rPr lang="en-US" dirty="0" smtClean="0"/>
-              <a:t>}</a:t>
-            </a:r>
-            <a:endParaRPr lang="en-US" dirty="0"/>
-          </a:p>
-        </p:txBody>
-      </p:sp>
-      <p:sp>
-        <p:nvSpPr>
-          <p:cNvPr id="4" name="Slide Number Placeholder 3"/>
-          <p:cNvSpPr>
-            <a:spLocks noGrp="1"/>
-          </p:cNvSpPr>
-          <p:nvPr>
-            <p:ph type="sldNum" sz="quarter" idx="10"/>
-          </p:nvPr>
-        </p:nvSpPr>
-        <p:spPr/>
-        <p:txBody>
-          <a:bodyPr/>
-          <a:lstStyle/>
-          <a:p>
-            <a:fld id="{1F36095F-851B-4C6B-93FA-49215E044C0A}" type="slidenum">
-              <a:rPr lang="en-US" smtClean="0"/>
-              <a:pPr/>
-              <a:t>13</a:t>
+              <a:t>12</a:t>
             </a:fld>
             <a:endParaRPr lang="en-US" dirty="0"/>
           </a:p>
@@ -10567,7 +10336,7 @@
           <a:lstStyle/>
           <a:p>
             <a:r>
-              <a:rPr lang="en-US" sz="4400" b="1" dirty="0" smtClean="0">
+              <a:rPr lang="en-US" sz="4400" b="1" dirty="0">
                 <a:effectLst>
                   <a:outerShdw blurRad="38100" dist="38100" dir="2700000" algn="tl">
                     <a:srgbClr val="000000">
@@ -10578,15 +10347,6 @@
               </a:rPr>
               <a:t>Northern Lights University</a:t>
             </a:r>
-            <a:endParaRPr lang="en-US" sz="4400" b="1" dirty="0">
-              <a:effectLst>
-                <a:outerShdw blurRad="38100" dist="38100" dir="2700000" algn="tl">
-                  <a:srgbClr val="000000">
-                    <a:alpha val="43137"/>
-                  </a:srgbClr>
-                </a:outerShdw>
-              </a:effectLst>
-            </a:endParaRPr>
           </a:p>
         </p:txBody>
       </p:sp>
@@ -10613,11 +10373,11 @@
           <a:lstStyle/>
           <a:p>
             <a:r>
-              <a:rPr lang="en-US" i="1" dirty="0" err="1" smtClean="0"/>
+              <a:rPr lang="en-US" i="1" dirty="0" err="1"/>
               <a:t>Javascript</a:t>
             </a:r>
             <a:r>
-              <a:rPr lang="zh-CN" altLang="en-US" i="1" dirty="0" smtClean="0"/>
+              <a:rPr lang="zh-CN" altLang="en-US" i="1" dirty="0"/>
               <a:t>基础</a:t>
             </a:r>
             <a:endParaRPr lang="en-US" i="1" dirty="0"/>
@@ -10634,510 +10394,10 @@
   <p:clrMapOvr>
     <a:masterClrMapping/>
   </p:clrMapOvr>
-  <p:timing>
-    <p:tnLst>
-      <p:par>
-        <p:cTn id="1" dur="indefinite" restart="never" nodeType="tmRoot"/>
-      </p:par>
-    </p:tnLst>
-  </p:timing>
 </p:sld>
 </file>
 
 <file path=ppt/slides/slide10.xml><?xml version="1.0" encoding="utf-8"?>
-<p:sld xmlns:a="http://schemas.openxmlformats.org/drawingml/2006/main" xmlns:r="http://schemas.openxmlformats.org/officeDocument/2006/relationships" xmlns:p="http://schemas.openxmlformats.org/presentationml/2006/main">
-  <p:cSld>
-    <p:spTree>
-      <p:nvGrpSpPr>
-        <p:cNvPr id="1" name=""/>
-        <p:cNvGrpSpPr/>
-        <p:nvPr/>
-      </p:nvGrpSpPr>
-      <p:grpSpPr>
-        <a:xfrm>
-          <a:off x="0" y="0"/>
-          <a:ext cx="0" cy="0"/>
-          <a:chOff x="0" y="0"/>
-          <a:chExt cx="0" cy="0"/>
-        </a:xfrm>
-      </p:grpSpPr>
-      <p:sp>
-        <p:nvSpPr>
-          <p:cNvPr id="2" name="Title 1"/>
-          <p:cNvSpPr>
-            <a:spLocks noGrp="1"/>
-          </p:cNvSpPr>
-          <p:nvPr>
-            <p:ph type="title"/>
-          </p:nvPr>
-        </p:nvSpPr>
-        <p:spPr/>
-        <p:txBody>
-          <a:bodyPr>
-            <a:normAutofit/>
-          </a:bodyPr>
-          <a:lstStyle/>
-          <a:p>
-            <a:r>
-              <a:rPr lang="en-US" altLang="zh-CN" dirty="0" smtClean="0"/>
-              <a:t>==</a:t>
-            </a:r>
-            <a:r>
-              <a:rPr lang="zh-CN" altLang="en-US" dirty="0" smtClean="0"/>
-              <a:t>和</a:t>
-            </a:r>
-            <a:r>
-              <a:rPr lang="en-US" altLang="zh-CN" dirty="0" smtClean="0"/>
-              <a:t>===</a:t>
-            </a:r>
-            <a:endParaRPr lang="en-US" dirty="0"/>
-          </a:p>
-        </p:txBody>
-      </p:sp>
-      <p:graphicFrame>
-        <p:nvGraphicFramePr>
-          <p:cNvPr id="4" name="Content Placeholder 3"/>
-          <p:cNvGraphicFramePr>
-            <a:graphicFrameLocks noGrp="1"/>
-          </p:cNvGraphicFramePr>
-          <p:nvPr>
-            <p:ph idx="1"/>
-            <p:extLst>
-              <p:ext uri="{D42A27DB-BD31-4B8C-83A1-F6EECF244321}">
-                <p14:modId xmlns:p14="http://schemas.microsoft.com/office/powerpoint/2010/main" val="3909934317"/>
-              </p:ext>
-            </p:extLst>
-          </p:nvPr>
-        </p:nvGraphicFramePr>
-        <p:xfrm>
-          <a:off x="838200" y="2314575"/>
-          <a:ext cx="10515600" cy="2931160"/>
-        </p:xfrm>
-        <a:graphic>
-          <a:graphicData uri="http://schemas.openxmlformats.org/drawingml/2006/table">
-            <a:tbl>
-              <a:tblPr firstRow="1" bandRow="1">
-                <a:tableStyleId>{5C22544A-7EE6-4342-B048-85BDC9FD1C3A}</a:tableStyleId>
-              </a:tblPr>
-              <a:tblGrid>
-                <a:gridCol w="5257800">
-                  <a:extLst>
-                    <a:ext uri="{9D8B030D-6E8A-4147-A177-3AD203B41FA5}">
-                      <a16:colId xmlns:a16="http://schemas.microsoft.com/office/drawing/2014/main" val="3810940566"/>
-                    </a:ext>
-                  </a:extLst>
-                </a:gridCol>
-                <a:gridCol w="5257800">
-                  <a:extLst>
-                    <a:ext uri="{9D8B030D-6E8A-4147-A177-3AD203B41FA5}">
-                      <a16:colId xmlns:a16="http://schemas.microsoft.com/office/drawing/2014/main" val="2702119546"/>
-                    </a:ext>
-                  </a:extLst>
-                </a:gridCol>
-              </a:tblGrid>
-              <a:tr h="370840">
-                <a:tc>
-                  <a:txBody>
-                    <a:bodyPr/>
-                    <a:lstStyle/>
-                    <a:p>
-                      <a:pPr marL="0" marR="0" lvl="0" indent="0" algn="l" defTabSz="914400" rtl="0" eaLnBrk="1" fontAlgn="auto" latinLnBrk="0" hangingPunct="1">
-                        <a:lnSpc>
-                          <a:spcPct val="100000"/>
-                        </a:lnSpc>
-                        <a:spcBef>
-                          <a:spcPts val="0"/>
-                        </a:spcBef>
-                        <a:spcAft>
-                          <a:spcPts val="0"/>
-                        </a:spcAft>
-                        <a:buClrTx/>
-                        <a:buSzTx/>
-                        <a:buFontTx/>
-                        <a:buNone/>
-                        <a:tabLst/>
-                        <a:defRPr/>
-                      </a:pPr>
-                      <a:r>
-                        <a:rPr lang="en-US" altLang="zh-CN" dirty="0" smtClean="0">
-                          <a:latin typeface="微软雅黑" panose="020B0503020204020204" pitchFamily="34" charset="-122"/>
-                          <a:ea typeface="微软雅黑" panose="020B0503020204020204" pitchFamily="34" charset="-122"/>
-                        </a:rPr>
-                        <a:t>===</a:t>
-                      </a:r>
-                      <a:endParaRPr lang="zh-CN" altLang="en-US" dirty="0" smtClean="0">
-                        <a:latin typeface="微软雅黑" panose="020B0503020204020204" pitchFamily="34" charset="-122"/>
-                        <a:ea typeface="微软雅黑" panose="020B0503020204020204" pitchFamily="34" charset="-122"/>
-                      </a:endParaRPr>
-                    </a:p>
-                  </a:txBody>
-                  <a:tcPr/>
-                </a:tc>
-                <a:tc>
-                  <a:txBody>
-                    <a:bodyPr/>
-                    <a:lstStyle/>
-                    <a:p>
-                      <a:pPr marL="0" marR="0" lvl="0" indent="0" algn="l" defTabSz="914400" rtl="0" eaLnBrk="1" fontAlgn="auto" latinLnBrk="0" hangingPunct="1">
-                        <a:lnSpc>
-                          <a:spcPct val="100000"/>
-                        </a:lnSpc>
-                        <a:spcBef>
-                          <a:spcPts val="0"/>
-                        </a:spcBef>
-                        <a:spcAft>
-                          <a:spcPts val="0"/>
-                        </a:spcAft>
-                        <a:buClrTx/>
-                        <a:buSzTx/>
-                        <a:buFontTx/>
-                        <a:buNone/>
-                        <a:tabLst/>
-                        <a:defRPr/>
-                      </a:pPr>
-                      <a:r>
-                        <a:rPr lang="en-US" altLang="zh-CN" dirty="0" smtClean="0">
-                          <a:latin typeface="微软雅黑" panose="020B0503020204020204" pitchFamily="34" charset="-122"/>
-                          <a:ea typeface="微软雅黑" panose="020B0503020204020204" pitchFamily="34" charset="-122"/>
-                        </a:rPr>
-                        <a:t>==</a:t>
-                      </a:r>
-                      <a:endParaRPr lang="zh-CN" altLang="en-US" dirty="0" smtClean="0">
-                        <a:latin typeface="微软雅黑" panose="020B0503020204020204" pitchFamily="34" charset="-122"/>
-                        <a:ea typeface="微软雅黑" panose="020B0503020204020204" pitchFamily="34" charset="-122"/>
-                      </a:endParaRPr>
-                    </a:p>
-                  </a:txBody>
-                  <a:tcPr/>
-                </a:tc>
-                <a:extLst>
-                  <a:ext uri="{0D108BD9-81ED-4DB2-BD59-A6C34878D82A}">
-                    <a16:rowId xmlns:a16="http://schemas.microsoft.com/office/drawing/2014/main" val="1442974952"/>
-                  </a:ext>
-                </a:extLst>
-              </a:tr>
-              <a:tr h="370840">
-                <a:tc>
-                  <a:txBody>
-                    <a:bodyPr/>
-                    <a:lstStyle/>
-                    <a:p>
-                      <a:pPr marL="285750" indent="-285750">
-                        <a:buFont typeface="Arial" panose="020B0604020202020204" pitchFamily="34" charset="0"/>
-                        <a:buChar char="•"/>
-                      </a:pPr>
-                      <a:r>
-                        <a:rPr lang="zh-CN" altLang="en-US" dirty="0" smtClean="0">
-                          <a:latin typeface="微软雅黑" panose="020B0503020204020204" pitchFamily="34" charset="-122"/>
-                          <a:ea typeface="微软雅黑" panose="020B0503020204020204" pitchFamily="34" charset="-122"/>
-                        </a:rPr>
-                        <a:t>判断类型</a:t>
-                      </a:r>
-                      <a:endParaRPr lang="en-US" altLang="zh-CN" dirty="0" smtClean="0">
-                        <a:latin typeface="微软雅黑" panose="020B0503020204020204" pitchFamily="34" charset="-122"/>
-                        <a:ea typeface="微软雅黑" panose="020B0503020204020204" pitchFamily="34" charset="-122"/>
-                      </a:endParaRPr>
-                    </a:p>
-                    <a:p>
-                      <a:pPr marL="285750" indent="-285750">
-                        <a:buFont typeface="Arial" panose="020B0604020202020204" pitchFamily="34" charset="0"/>
-                        <a:buChar char="•"/>
-                      </a:pPr>
-                      <a:r>
-                        <a:rPr lang="zh-CN" altLang="en-US" dirty="0" smtClean="0">
-                          <a:latin typeface="微软雅黑" panose="020B0503020204020204" pitchFamily="34" charset="-122"/>
-                          <a:ea typeface="微软雅黑" panose="020B0503020204020204" pitchFamily="34" charset="-122"/>
-                        </a:rPr>
-                        <a:t>类型相同</a:t>
-                      </a:r>
-                      <a:r>
-                        <a:rPr lang="en-US" altLang="zh-CN" dirty="0" smtClean="0">
-                          <a:latin typeface="微软雅黑" panose="020B0503020204020204" pitchFamily="34" charset="-122"/>
-                          <a:ea typeface="微软雅黑" panose="020B0503020204020204" pitchFamily="34" charset="-122"/>
-                        </a:rPr>
-                        <a:t>:</a:t>
-                      </a:r>
-                    </a:p>
-                    <a:p>
-                      <a:pPr marL="742950" lvl="1" indent="-285750">
-                        <a:buFont typeface="Arial" panose="020B0604020202020204" pitchFamily="34" charset="0"/>
-                        <a:buChar char="•"/>
-                      </a:pPr>
-                      <a:r>
-                        <a:rPr lang="en-US" altLang="zh-CN" dirty="0" smtClean="0">
-                          <a:latin typeface="微软雅黑" panose="020B0503020204020204" pitchFamily="34" charset="-122"/>
-                          <a:ea typeface="微软雅黑" panose="020B0503020204020204" pitchFamily="34" charset="-122"/>
-                        </a:rPr>
-                        <a:t>null === null</a:t>
-                      </a:r>
-                    </a:p>
-                    <a:p>
-                      <a:pPr marL="742950" lvl="1" indent="-285750">
-                        <a:buFont typeface="Arial" panose="020B0604020202020204" pitchFamily="34" charset="0"/>
-                        <a:buChar char="•"/>
-                      </a:pPr>
-                      <a:r>
-                        <a:rPr lang="en-US" altLang="zh-CN" dirty="0" smtClean="0">
-                          <a:latin typeface="微软雅黑" panose="020B0503020204020204" pitchFamily="34" charset="-122"/>
-                          <a:ea typeface="微软雅黑" panose="020B0503020204020204" pitchFamily="34" charset="-122"/>
-                        </a:rPr>
-                        <a:t>undefined === undefined</a:t>
-                      </a:r>
-                    </a:p>
-                    <a:p>
-                      <a:pPr marL="742950" lvl="1" indent="-285750">
-                        <a:buFont typeface="Arial" panose="020B0604020202020204" pitchFamily="34" charset="0"/>
-                        <a:buChar char="•"/>
-                      </a:pPr>
-                      <a:r>
-                        <a:rPr lang="en-US" altLang="zh-CN" dirty="0" err="1" smtClean="0">
-                          <a:latin typeface="微软雅黑" panose="020B0503020204020204" pitchFamily="34" charset="-122"/>
-                          <a:ea typeface="微软雅黑" panose="020B0503020204020204" pitchFamily="34" charset="-122"/>
-                        </a:rPr>
-                        <a:t>NaN</a:t>
-                      </a:r>
-                      <a:r>
-                        <a:rPr lang="en-US" altLang="zh-CN" dirty="0" smtClean="0">
-                          <a:latin typeface="微软雅黑" panose="020B0503020204020204" pitchFamily="34" charset="-122"/>
-                          <a:ea typeface="微软雅黑" panose="020B0503020204020204" pitchFamily="34" charset="-122"/>
-                        </a:rPr>
-                        <a:t> !== </a:t>
-                      </a:r>
-                      <a:r>
-                        <a:rPr lang="en-US" altLang="zh-CN" dirty="0" err="1" smtClean="0">
-                          <a:latin typeface="微软雅黑" panose="020B0503020204020204" pitchFamily="34" charset="-122"/>
-                          <a:ea typeface="微软雅黑" panose="020B0503020204020204" pitchFamily="34" charset="-122"/>
-                        </a:rPr>
-                        <a:t>NaN</a:t>
-                      </a:r>
-                      <a:endParaRPr lang="en-US" altLang="zh-CN" dirty="0" smtClean="0">
-                        <a:latin typeface="微软雅黑" panose="020B0503020204020204" pitchFamily="34" charset="-122"/>
-                        <a:ea typeface="微软雅黑" panose="020B0503020204020204" pitchFamily="34" charset="-122"/>
-                      </a:endParaRPr>
-                    </a:p>
-                    <a:p>
-                      <a:pPr marL="742950" lvl="1" indent="-285750">
-                        <a:buFont typeface="Arial" panose="020B0604020202020204" pitchFamily="34" charset="0"/>
-                        <a:buChar char="•"/>
-                      </a:pPr>
-                      <a:r>
-                        <a:rPr lang="en-US" altLang="zh-CN" dirty="0" smtClean="0">
-                          <a:latin typeface="微软雅黑" panose="020B0503020204020204" pitchFamily="34" charset="-122"/>
-                          <a:ea typeface="微软雅黑" panose="020B0503020204020204" pitchFamily="34" charset="-122"/>
-                        </a:rPr>
-                        <a:t>{} !== {}</a:t>
-                      </a:r>
-                      <a:endParaRPr lang="zh-CN" altLang="en-US" dirty="0" smtClean="0">
-                        <a:latin typeface="微软雅黑" panose="020B0503020204020204" pitchFamily="34" charset="-122"/>
-                        <a:ea typeface="微软雅黑" panose="020B0503020204020204" pitchFamily="34" charset="-122"/>
-                      </a:endParaRPr>
-                    </a:p>
-                  </a:txBody>
-                  <a:tcPr/>
-                </a:tc>
-                <a:tc>
-                  <a:txBody>
-                    <a:bodyPr/>
-                    <a:lstStyle/>
-                    <a:p>
-                      <a:pPr marL="285750" indent="-285750">
-                        <a:buFont typeface="Arial" panose="020B0604020202020204" pitchFamily="34" charset="0"/>
-                        <a:buChar char="•"/>
-                      </a:pPr>
-                      <a:r>
-                        <a:rPr lang="zh-CN" altLang="en-US" dirty="0" smtClean="0">
-                          <a:latin typeface="微软雅黑" panose="020B0503020204020204" pitchFamily="34" charset="-122"/>
-                          <a:ea typeface="微软雅黑" panose="020B0503020204020204" pitchFamily="34" charset="-122"/>
-                        </a:rPr>
-                        <a:t>类型相同，与</a:t>
-                      </a:r>
-                      <a:r>
-                        <a:rPr lang="en-US" altLang="zh-CN" dirty="0" smtClean="0">
-                          <a:latin typeface="微软雅黑" panose="020B0503020204020204" pitchFamily="34" charset="-122"/>
-                          <a:ea typeface="微软雅黑" panose="020B0503020204020204" pitchFamily="34" charset="-122"/>
-                        </a:rPr>
-                        <a:t>===</a:t>
-                      </a:r>
-                      <a:r>
-                        <a:rPr lang="zh-CN" altLang="en-US" dirty="0" smtClean="0">
-                          <a:latin typeface="微软雅黑" panose="020B0503020204020204" pitchFamily="34" charset="-122"/>
-                          <a:ea typeface="微软雅黑" panose="020B0503020204020204" pitchFamily="34" charset="-122"/>
-                        </a:rPr>
-                        <a:t>逻辑相同</a:t>
-                      </a:r>
-                      <a:endParaRPr lang="en-US" altLang="zh-CN" dirty="0" smtClean="0">
-                        <a:latin typeface="微软雅黑" panose="020B0503020204020204" pitchFamily="34" charset="-122"/>
-                        <a:ea typeface="微软雅黑" panose="020B0503020204020204" pitchFamily="34" charset="-122"/>
-                      </a:endParaRPr>
-                    </a:p>
-                    <a:p>
-                      <a:pPr marL="285750" indent="-285750">
-                        <a:buFont typeface="Arial" panose="020B0604020202020204" pitchFamily="34" charset="0"/>
-                        <a:buChar char="•"/>
-                      </a:pPr>
-                      <a:r>
-                        <a:rPr lang="zh-CN" altLang="en-US" dirty="0" smtClean="0">
-                          <a:latin typeface="微软雅黑" panose="020B0503020204020204" pitchFamily="34" charset="-122"/>
-                          <a:ea typeface="微软雅黑" panose="020B0503020204020204" pitchFamily="34" charset="-122"/>
-                        </a:rPr>
-                        <a:t>类型不同，进行</a:t>
-                      </a:r>
-                      <a:r>
-                        <a:rPr lang="zh-CN" altLang="en-US" b="1" dirty="0" smtClean="0">
-                          <a:latin typeface="微软雅黑" panose="020B0503020204020204" pitchFamily="34" charset="-122"/>
-                          <a:ea typeface="微软雅黑" panose="020B0503020204020204" pitchFamily="34" charset="-122"/>
-                        </a:rPr>
-                        <a:t>尝试转换</a:t>
-                      </a:r>
-                      <a:endParaRPr lang="en-US" altLang="zh-CN" b="1" dirty="0" smtClean="0">
-                        <a:latin typeface="微软雅黑" panose="020B0503020204020204" pitchFamily="34" charset="-122"/>
-                        <a:ea typeface="微软雅黑" panose="020B0503020204020204" pitchFamily="34" charset="-122"/>
-                      </a:endParaRPr>
-                    </a:p>
-                    <a:p>
-                      <a:pPr marL="742950" lvl="1" indent="-285750">
-                        <a:buFont typeface="Arial" panose="020B0604020202020204" pitchFamily="34" charset="0"/>
-                        <a:buChar char="•"/>
-                      </a:pPr>
-                      <a:r>
-                        <a:rPr lang="en-US" altLang="zh-CN" dirty="0" smtClean="0">
-                          <a:latin typeface="微软雅黑" panose="020B0503020204020204" pitchFamily="34" charset="-122"/>
-                          <a:ea typeface="微软雅黑" panose="020B0503020204020204" pitchFamily="34" charset="-122"/>
-                        </a:rPr>
-                        <a:t>null == undefined </a:t>
-                      </a:r>
-                    </a:p>
-                    <a:p>
-                      <a:pPr marL="742950" lvl="1" indent="-285750">
-                        <a:buFont typeface="Arial" panose="020B0604020202020204" pitchFamily="34" charset="0"/>
-                        <a:buChar char="•"/>
-                      </a:pPr>
-                      <a:r>
-                        <a:rPr lang="en-US" altLang="zh-CN" dirty="0" smtClean="0">
-                          <a:latin typeface="微软雅黑" panose="020B0503020204020204" pitchFamily="34" charset="-122"/>
-                          <a:ea typeface="微软雅黑" panose="020B0503020204020204" pitchFamily="34" charset="-122"/>
-                        </a:rPr>
-                        <a:t>number == string </a:t>
-                      </a:r>
-                    </a:p>
-                    <a:p>
-                      <a:pPr marL="742950" lvl="1" indent="-285750">
-                        <a:buFont typeface="Arial" panose="020B0604020202020204" pitchFamily="34" charset="0"/>
-                        <a:buChar char="•"/>
-                      </a:pPr>
-                      <a:r>
-                        <a:rPr lang="en-US" altLang="zh-CN" dirty="0" err="1" smtClean="0">
-                          <a:latin typeface="微软雅黑" panose="020B0503020204020204" pitchFamily="34" charset="-122"/>
-                          <a:ea typeface="微软雅黑" panose="020B0503020204020204" pitchFamily="34" charset="-122"/>
-                        </a:rPr>
-                        <a:t>boolean</a:t>
-                      </a:r>
-                      <a:r>
-                        <a:rPr lang="en-US" altLang="zh-CN" dirty="0" smtClean="0">
-                          <a:latin typeface="微软雅黑" panose="020B0503020204020204" pitchFamily="34" charset="-122"/>
-                          <a:ea typeface="微软雅黑" panose="020B0503020204020204" pitchFamily="34" charset="-122"/>
-                        </a:rPr>
-                        <a:t> == other</a:t>
-                      </a:r>
-                    </a:p>
-                    <a:p>
-                      <a:pPr marL="742950" marR="0" lvl="1" indent="-285750" algn="l" defTabSz="914400" rtl="0" eaLnBrk="1" fontAlgn="auto" latinLnBrk="0" hangingPunct="1">
-                        <a:lnSpc>
-                          <a:spcPct val="100000"/>
-                        </a:lnSpc>
-                        <a:spcBef>
-                          <a:spcPts val="0"/>
-                        </a:spcBef>
-                        <a:spcAft>
-                          <a:spcPts val="0"/>
-                        </a:spcAft>
-                        <a:buClrTx/>
-                        <a:buSzTx/>
-                        <a:buFont typeface="Arial" panose="020B0604020202020204" pitchFamily="34" charset="0"/>
-                        <a:buChar char="•"/>
-                        <a:tabLst/>
-                        <a:defRPr/>
-                      </a:pPr>
-                      <a:r>
-                        <a:rPr lang="en-US" altLang="zh-CN" dirty="0" smtClean="0">
-                          <a:latin typeface="微软雅黑" panose="020B0503020204020204" pitchFamily="34" charset="-122"/>
-                          <a:ea typeface="微软雅黑" panose="020B0503020204020204" pitchFamily="34" charset="-122"/>
-                        </a:rPr>
-                        <a:t>object == other (</a:t>
-                      </a:r>
-                      <a:r>
-                        <a:rPr lang="zh-CN" altLang="en-US" dirty="0" smtClean="0">
-                          <a:latin typeface="微软雅黑" panose="020B0503020204020204" pitchFamily="34" charset="-122"/>
-                          <a:ea typeface="微软雅黑" panose="020B0503020204020204" pitchFamily="34" charset="-122"/>
-                        </a:rPr>
-                        <a:t>将</a:t>
-                      </a:r>
-                      <a:r>
-                        <a:rPr lang="en-US" altLang="zh-CN" dirty="0" smtClean="0">
-                          <a:latin typeface="微软雅黑" panose="020B0503020204020204" pitchFamily="34" charset="-122"/>
-                          <a:ea typeface="微软雅黑" panose="020B0503020204020204" pitchFamily="34" charset="-122"/>
-                        </a:rPr>
-                        <a:t>object</a:t>
-                      </a:r>
-                      <a:r>
-                        <a:rPr lang="zh-CN" altLang="en-US" dirty="0" smtClean="0">
-                          <a:latin typeface="微软雅黑" panose="020B0503020204020204" pitchFamily="34" charset="-122"/>
-                          <a:ea typeface="微软雅黑" panose="020B0503020204020204" pitchFamily="34" charset="-122"/>
-                        </a:rPr>
-                        <a:t>转换为基本类型</a:t>
-                      </a:r>
-                      <a:r>
-                        <a:rPr lang="en-US" altLang="zh-CN" dirty="0" smtClean="0">
-                          <a:latin typeface="微软雅黑" panose="020B0503020204020204" pitchFamily="34" charset="-122"/>
-                          <a:ea typeface="微软雅黑" panose="020B0503020204020204" pitchFamily="34" charset="-122"/>
-                        </a:rPr>
-                        <a:t>)</a:t>
-                      </a:r>
-                      <a:endParaRPr lang="en-US" dirty="0" smtClean="0">
-                        <a:latin typeface="微软雅黑" panose="020B0503020204020204" pitchFamily="34" charset="-122"/>
-                        <a:ea typeface="微软雅黑" panose="020B0503020204020204" pitchFamily="34" charset="-122"/>
-                      </a:endParaRPr>
-                    </a:p>
-                    <a:p>
-                      <a:pPr lvl="1"/>
-                      <a:endParaRPr lang="en-US" altLang="zh-CN" dirty="0" smtClean="0">
-                        <a:latin typeface="微软雅黑" panose="020B0503020204020204" pitchFamily="34" charset="-122"/>
-                        <a:ea typeface="微软雅黑" panose="020B0503020204020204" pitchFamily="34" charset="-122"/>
-                      </a:endParaRPr>
-                    </a:p>
-                    <a:p>
-                      <a:endParaRPr lang="en-US" dirty="0">
-                        <a:latin typeface="微软雅黑" panose="020B0503020204020204" pitchFamily="34" charset="-122"/>
-                        <a:ea typeface="微软雅黑" panose="020B0503020204020204" pitchFamily="34" charset="-122"/>
-                      </a:endParaRPr>
-                    </a:p>
-                  </a:txBody>
-                  <a:tcPr/>
-                </a:tc>
-                <a:extLst>
-                  <a:ext uri="{0D108BD9-81ED-4DB2-BD59-A6C34878D82A}">
-                    <a16:rowId xmlns:a16="http://schemas.microsoft.com/office/drawing/2014/main" val="3365815390"/>
-                  </a:ext>
-                </a:extLst>
-              </a:tr>
-            </a:tbl>
-          </a:graphicData>
-        </a:graphic>
-      </p:graphicFrame>
-    </p:spTree>
-    <p:extLst>
-      <p:ext uri="{BB962C8B-B14F-4D97-AF65-F5344CB8AC3E}">
-        <p14:creationId xmlns:p14="http://schemas.microsoft.com/office/powerpoint/2010/main" val="280718863"/>
-      </p:ext>
-    </p:extLst>
-  </p:cSld>
-  <p:clrMapOvr>
-    <a:masterClrMapping/>
-  </p:clrMapOvr>
-</p:sld>
-</file>
-
-<file path=ppt/slides/slide11.xml><?xml version="1.0" encoding="utf-8"?>
 <p:sld xmlns:a="http://schemas.openxmlformats.org/drawingml/2006/main" xmlns:r="http://schemas.openxmlformats.org/officeDocument/2006/relationships" xmlns:p="http://schemas.openxmlformats.org/presentationml/2006/main">
   <p:cSld>
     <p:spTree>
@@ -11196,7 +10456,7 @@
           </a:lstStyle>
           <a:p>
             <a:r>
-              <a:rPr lang="zh-CN" altLang="en-US" dirty="0" smtClean="0"/>
+              <a:rPr lang="zh-CN" altLang="en-US" dirty="0"/>
               <a:t>表达式</a:t>
             </a:r>
             <a:endParaRPr lang="en-US" dirty="0"/>
@@ -11429,19 +10689,19 @@
               <a:buNone/>
             </a:pPr>
             <a:r>
-              <a:rPr lang="en-US" altLang="zh-CN" dirty="0" smtClean="0"/>
+              <a:rPr lang="en-US" altLang="zh-CN" dirty="0"/>
               <a:t>------</a:t>
             </a:r>
             <a:r>
-              <a:rPr lang="zh-CN" altLang="en-US" dirty="0" smtClean="0"/>
+              <a:rPr lang="zh-CN" altLang="en-US" dirty="0"/>
               <a:t>可以让</a:t>
             </a:r>
             <a:r>
-              <a:rPr lang="en-US" altLang="zh-CN" dirty="0" err="1" smtClean="0"/>
+              <a:rPr lang="en-US" altLang="zh-CN" dirty="0" err="1"/>
               <a:t>js</a:t>
             </a:r>
             <a:r>
-              <a:rPr lang="zh-CN" altLang="en-US" dirty="0" smtClean="0"/>
+              <a:rPr lang="zh-CN" altLang="en-US" dirty="0"/>
               <a:t>解析器产生值的的短语</a:t>
             </a:r>
             <a:endParaRPr lang="en-US" dirty="0"/>
@@ -11572,10 +10832,10 @@
               <a:buChar char="v"/>
             </a:pPr>
             <a:r>
-              <a:rPr lang="zh-CN" altLang="en-US" dirty="0" smtClean="0"/>
+              <a:rPr lang="zh-CN" altLang="en-US" dirty="0"/>
               <a:t>原始表达式</a:t>
             </a:r>
-            <a:endParaRPr lang="en-US" altLang="zh-CN" dirty="0" smtClean="0"/>
+            <a:endParaRPr lang="en-US" altLang="zh-CN" dirty="0"/>
           </a:p>
           <a:p>
             <a:pPr marL="548640" indent="-365760">
@@ -11586,10 +10846,10 @@
               <a:buChar char="v"/>
             </a:pPr>
             <a:r>
-              <a:rPr lang="zh-CN" altLang="en-US" dirty="0" smtClean="0"/>
+              <a:rPr lang="zh-CN" altLang="en-US" dirty="0"/>
               <a:t>复合表达式</a:t>
             </a:r>
-            <a:endParaRPr lang="en-US" altLang="zh-CN" dirty="0" smtClean="0"/>
+            <a:endParaRPr lang="en-US" altLang="zh-CN" dirty="0"/>
           </a:p>
           <a:p>
             <a:pPr marL="548640" indent="-365760">
@@ -11601,13 +10861,9 @@
             </a:pPr>
             <a:r>
               <a:rPr lang="zh-CN" altLang="en-US" dirty="0"/>
-              <a:t>初始</a:t>
-            </a:r>
-            <a:r>
-              <a:rPr lang="zh-CN" altLang="en-US" dirty="0" smtClean="0"/>
-              <a:t>化表达式</a:t>
-            </a:r>
-            <a:endParaRPr lang="en-US" altLang="zh-CN" dirty="0" smtClean="0"/>
+              <a:t>初始化表达式</a:t>
+            </a:r>
+            <a:endParaRPr lang="en-US" altLang="zh-CN" dirty="0"/>
           </a:p>
           <a:p>
             <a:pPr marL="548640" indent="-365760">
@@ -11619,13 +10875,9 @@
             </a:pPr>
             <a:r>
               <a:rPr lang="zh-CN" altLang="en-US" dirty="0"/>
-              <a:t>函</a:t>
-            </a:r>
-            <a:r>
-              <a:rPr lang="zh-CN" altLang="en-US" dirty="0" smtClean="0"/>
-              <a:t>数表达式</a:t>
-            </a:r>
-            <a:endParaRPr lang="en-US" altLang="zh-CN" dirty="0" smtClean="0"/>
+              <a:t>函数表达式</a:t>
+            </a:r>
+            <a:endParaRPr lang="en-US" altLang="zh-CN" dirty="0"/>
           </a:p>
           <a:p>
             <a:pPr marL="548640" indent="-365760">
@@ -11637,13 +10889,9 @@
             </a:pPr>
             <a:r>
               <a:rPr lang="zh-CN" altLang="en-US" dirty="0"/>
-              <a:t>属</a:t>
-            </a:r>
-            <a:r>
-              <a:rPr lang="zh-CN" altLang="en-US" dirty="0" smtClean="0"/>
-              <a:t>性访问表达式</a:t>
-            </a:r>
-            <a:endParaRPr lang="en-US" altLang="zh-CN" dirty="0" smtClean="0"/>
+              <a:t>属性访问表达式</a:t>
+            </a:r>
+            <a:endParaRPr lang="en-US" altLang="zh-CN" dirty="0"/>
           </a:p>
           <a:p>
             <a:pPr marL="548640" indent="-365760">
@@ -11655,13 +10903,9 @@
             </a:pPr>
             <a:r>
               <a:rPr lang="zh-CN" altLang="en-US" dirty="0"/>
-              <a:t>调</a:t>
-            </a:r>
-            <a:r>
-              <a:rPr lang="zh-CN" altLang="en-US" dirty="0" smtClean="0"/>
-              <a:t>用表达式</a:t>
-            </a:r>
-            <a:endParaRPr lang="en-US" altLang="zh-CN" dirty="0" smtClean="0"/>
+              <a:t>调用表达式</a:t>
+            </a:r>
+            <a:endParaRPr lang="en-US" altLang="zh-CN" dirty="0"/>
           </a:p>
           <a:p>
             <a:pPr marL="548640" indent="-365760">
@@ -11673,11 +10917,7 @@
             </a:pPr>
             <a:r>
               <a:rPr lang="zh-CN" altLang="en-US" dirty="0"/>
-              <a:t>对</a:t>
-            </a:r>
-            <a:r>
-              <a:rPr lang="zh-CN" altLang="en-US" dirty="0" smtClean="0"/>
-              <a:t>象创建表达式</a:t>
+              <a:t>对象创建表达式</a:t>
             </a:r>
             <a:endParaRPr lang="en-US" dirty="0"/>
           </a:p>
@@ -11800,10 +11040,9 @@
           </a:lstStyle>
           <a:p>
             <a:r>
-              <a:rPr lang="en-US" dirty="0" smtClean="0"/>
+              <a:rPr lang="en-US" dirty="0"/>
               <a:t>2015</a:t>
             </a:r>
-            <a:endParaRPr lang="en-US" dirty="0"/>
           </a:p>
         </p:txBody>
       </p:sp>
@@ -11924,10 +11163,9 @@
           </a:lstStyle>
           <a:p>
             <a:r>
-              <a:rPr lang="en-US" dirty="0" smtClean="0"/>
+              <a:rPr lang="en-US" dirty="0"/>
               <a:t>2015*2016</a:t>
             </a:r>
-            <a:endParaRPr lang="en-US" dirty="0"/>
           </a:p>
         </p:txBody>
       </p:sp>
@@ -12048,10 +11286,9 @@
           </a:lstStyle>
           <a:p>
             <a:r>
-              <a:rPr lang="en-US" dirty="0" smtClean="0"/>
+              <a:rPr lang="en-US" dirty="0"/>
               <a:t>[2015,2016]</a:t>
             </a:r>
-            <a:endParaRPr lang="en-US" dirty="0"/>
           </a:p>
         </p:txBody>
       </p:sp>
@@ -12172,10 +11409,9 @@
           </a:lstStyle>
           <a:p>
             <a:r>
-              <a:rPr lang="en-US" dirty="0" smtClean="0"/>
+              <a:rPr lang="en-US" dirty="0"/>
               <a:t>a = function(){}</a:t>
             </a:r>
-            <a:endParaRPr lang="en-US" dirty="0"/>
           </a:p>
         </p:txBody>
       </p:sp>
@@ -12296,14 +11532,13 @@
           </a:lstStyle>
           <a:p>
             <a:r>
-              <a:rPr lang="en-US" dirty="0" err="1" smtClean="0"/>
+              <a:rPr lang="en-US" dirty="0" err="1"/>
               <a:t>a.b</a:t>
             </a:r>
             <a:r>
-              <a:rPr lang="en-US" dirty="0" smtClean="0"/>
+              <a:rPr lang="en-US" dirty="0"/>
               <a:t> , a[‘b’]</a:t>
             </a:r>
-            <a:endParaRPr lang="en-US" dirty="0"/>
           </a:p>
         </p:txBody>
       </p:sp>
@@ -12424,10 +11659,9 @@
           </a:lstStyle>
           <a:p>
             <a:r>
-              <a:rPr lang="en-US" dirty="0" smtClean="0"/>
+              <a:rPr lang="en-US" dirty="0"/>
               <a:t>a()</a:t>
             </a:r>
-            <a:endParaRPr lang="en-US" dirty="0"/>
           </a:p>
         </p:txBody>
       </p:sp>
@@ -12548,10 +11782,9 @@
           </a:lstStyle>
           <a:p>
             <a:r>
-              <a:rPr lang="en-US" dirty="0" smtClean="0"/>
+              <a:rPr lang="en-US" dirty="0"/>
               <a:t>new Array()</a:t>
             </a:r>
-            <a:endParaRPr lang="en-US" dirty="0"/>
           </a:p>
         </p:txBody>
       </p:sp>
@@ -12568,7 +11801,7 @@
 </p:sld>
 </file>
 
-<file path=ppt/slides/slide12.xml><?xml version="1.0" encoding="utf-8"?>
+<file path=ppt/slides/slide11.xml><?xml version="1.0" encoding="utf-8"?>
 <p:sld xmlns:a="http://schemas.openxmlformats.org/drawingml/2006/main" xmlns:r="http://schemas.openxmlformats.org/officeDocument/2006/relationships" xmlns:p="http://schemas.openxmlformats.org/presentationml/2006/main">
   <p:cSld>
     <p:spTree>
@@ -12601,15 +11834,15 @@
           <a:lstStyle/>
           <a:p>
             <a:r>
-              <a:rPr lang="zh-CN" altLang="en-US" dirty="0" smtClean="0"/>
+              <a:rPr lang="zh-CN" altLang="en-US" dirty="0"/>
               <a:t>自学 </a:t>
             </a:r>
             <a:r>
-              <a:rPr lang="en-US" altLang="zh-CN" dirty="0" smtClean="0"/>
+              <a:rPr lang="en-US" altLang="zh-CN" dirty="0"/>
               <a:t>— </a:t>
             </a:r>
             <a:r>
-              <a:rPr lang="zh-CN" altLang="en-US" dirty="0" smtClean="0"/>
+              <a:rPr lang="zh-CN" altLang="en-US" dirty="0"/>
               <a:t>举一反三</a:t>
             </a:r>
             <a:endParaRPr lang="en-US" dirty="0"/>
@@ -12632,38 +11865,26 @@
           <a:lstStyle/>
           <a:p>
             <a:r>
-              <a:rPr lang="en-US" altLang="zh-CN" dirty="0" smtClean="0"/>
+              <a:rPr lang="en-US" altLang="zh-CN" dirty="0"/>
               <a:t>MDN web docs</a:t>
             </a:r>
           </a:p>
           <a:p>
             <a:pPr lvl="1"/>
-            <a:r>
-              <a:rPr lang="en-US" dirty="0" smtClean="0">
-                <a:hlinkClick r:id="rId2"/>
-              </a:rPr>
-              <a:t>https</a:t>
-            </a:r>
             <a:r>
               <a:rPr lang="en-US" dirty="0">
                 <a:hlinkClick r:id="rId2"/>
               </a:rPr>
-              <a:t>://</a:t>
-            </a:r>
-            <a:r>
-              <a:rPr lang="en-US" dirty="0" smtClean="0">
-                <a:hlinkClick r:id="rId2"/>
-              </a:rPr>
-              <a:t>developer.mozilla.org</a:t>
-            </a:r>
-            <a:endParaRPr lang="en-US" dirty="0" smtClean="0"/>
-          </a:p>
-          <a:p>
-            <a:r>
-              <a:rPr lang="en-US" dirty="0" err="1" smtClean="0"/>
+              <a:t>https://developer.mozilla.org</a:t>
+            </a:r>
+            <a:endParaRPr lang="en-US" dirty="0"/>
+          </a:p>
+          <a:p>
+            <a:r>
+              <a:rPr lang="en-US" dirty="0" err="1"/>
               <a:t>FreeCodeCamp</a:t>
             </a:r>
-            <a:endParaRPr lang="en-US" dirty="0" smtClean="0"/>
+            <a:endParaRPr lang="en-US" dirty="0"/>
           </a:p>
           <a:p>
             <a:pPr lvl="1"/>
@@ -12671,15 +11892,9 @@
               <a:rPr lang="en-US" dirty="0">
                 <a:hlinkClick r:id="rId3"/>
               </a:rPr>
-              <a:t>https://</a:t>
-            </a:r>
-            <a:r>
-              <a:rPr lang="en-US" dirty="0" smtClean="0">
-                <a:hlinkClick r:id="rId3"/>
-              </a:rPr>
-              <a:t>www.freecodecamp.org</a:t>
-            </a:r>
-            <a:endParaRPr lang="en-US" dirty="0" smtClean="0"/>
+              <a:t>https://www.freecodecamp.org</a:t>
+            </a:r>
+            <a:endParaRPr lang="en-US" dirty="0"/>
           </a:p>
         </p:txBody>
       </p:sp>
@@ -12687,6 +11902,375 @@
     <p:extLst>
       <p:ext uri="{BB962C8B-B14F-4D97-AF65-F5344CB8AC3E}">
         <p14:creationId xmlns:p14="http://schemas.microsoft.com/office/powerpoint/2010/main" val="497771498"/>
+      </p:ext>
+    </p:extLst>
+  </p:cSld>
+  <p:clrMapOvr>
+    <a:masterClrMapping/>
+  </p:clrMapOvr>
+</p:sld>
+</file>
+
+<file path=ppt/slides/slide12.xml><?xml version="1.0" encoding="utf-8"?>
+<p:sld xmlns:a="http://schemas.openxmlformats.org/drawingml/2006/main" xmlns:r="http://schemas.openxmlformats.org/officeDocument/2006/relationships" xmlns:p="http://schemas.openxmlformats.org/presentationml/2006/main">
+  <p:cSld>
+    <p:spTree>
+      <p:nvGrpSpPr>
+        <p:cNvPr id="1" name=""/>
+        <p:cNvGrpSpPr/>
+        <p:nvPr/>
+      </p:nvGrpSpPr>
+      <p:grpSpPr>
+        <a:xfrm>
+          <a:off x="0" y="0"/>
+          <a:ext cx="0" cy="0"/>
+          <a:chOff x="0" y="0"/>
+          <a:chExt cx="0" cy="0"/>
+        </a:xfrm>
+      </p:grpSpPr>
+      <p:sp>
+        <p:nvSpPr>
+          <p:cNvPr id="4" name="标题 1"/>
+          <p:cNvSpPr>
+            <a:spLocks noGrp="1"/>
+          </p:cNvSpPr>
+          <p:nvPr/>
+        </p:nvSpPr>
+        <p:spPr>
+          <a:xfrm>
+            <a:off x="1295400" y="785326"/>
+            <a:ext cx="9601200" cy="1142385"/>
+          </a:xfrm>
+          <a:prstGeom prst="rect">
+            <a:avLst/>
+          </a:prstGeom>
+        </p:spPr>
+        <p:txBody>
+          <a:bodyPr vert="horz" lIns="91440" tIns="45720" rIns="91440" bIns="45720" rtlCol="0" anchor="b">
+            <a:normAutofit/>
+          </a:bodyPr>
+          <a:lstStyle>
+            <a:lvl1pPr algn="l" defTabSz="914400" rtl="0" eaLnBrk="1" latinLnBrk="0" hangingPunct="1">
+              <a:lnSpc>
+                <a:spcPct val="90000"/>
+              </a:lnSpc>
+              <a:spcBef>
+                <a:spcPct val="0"/>
+              </a:spcBef>
+              <a:buNone/>
+              <a:defRPr lang="zh-CN" sz="3200" b="1" kern="1200">
+                <a:solidFill>
+                  <a:schemeClr val="accent1"/>
+                </a:solidFill>
+                <a:latin typeface="+mj-lt"/>
+                <a:ea typeface="Microsoft YaHei UI" panose="020B0503020204020204" pitchFamily="34" charset="-122"/>
+                <a:cs typeface="+mj-cs"/>
+              </a:defRPr>
+            </a:lvl1pPr>
+          </a:lstStyle>
+          <a:p>
+            <a:r>
+              <a:rPr lang="en-US" altLang="zh-CN" dirty="0"/>
+              <a:t>jQuery</a:t>
+            </a:r>
+            <a:r>
+              <a:rPr lang="zh-CN" altLang="en-US" dirty="0"/>
+              <a:t>的概念</a:t>
+            </a:r>
+          </a:p>
+        </p:txBody>
+      </p:sp>
+      <p:sp>
+        <p:nvSpPr>
+          <p:cNvPr id="5" name="内容占位符 2"/>
+          <p:cNvSpPr>
+            <a:spLocks noGrp="1"/>
+          </p:cNvSpPr>
+          <p:nvPr/>
+        </p:nvSpPr>
+        <p:spPr>
+          <a:xfrm>
+            <a:off x="1295400" y="2262674"/>
+            <a:ext cx="9601200" cy="3809999"/>
+          </a:xfrm>
+          <a:prstGeom prst="rect">
+            <a:avLst/>
+          </a:prstGeom>
+        </p:spPr>
+        <p:txBody>
+          <a:bodyPr vert="horz" lIns="91440" tIns="45720" rIns="91440" bIns="45720" rtlCol="0">
+            <a:normAutofit/>
+          </a:bodyPr>
+          <a:lstStyle>
+            <a:lvl1pPr marL="228600" indent="-228600" algn="l" defTabSz="914400" rtl="0" eaLnBrk="1" latinLnBrk="0" hangingPunct="1">
+              <a:lnSpc>
+                <a:spcPct val="90000"/>
+              </a:lnSpc>
+              <a:spcBef>
+                <a:spcPts val="1800"/>
+              </a:spcBef>
+              <a:buClr>
+                <a:schemeClr val="accent1"/>
+              </a:buClr>
+              <a:buSzPct val="100000"/>
+              <a:buFont typeface="Arial" pitchFamily="34" charset="0"/>
+              <a:buChar char="▪"/>
+              <a:defRPr lang="zh-CN" sz="2000" kern="1200">
+                <a:solidFill>
+                  <a:schemeClr val="tx1"/>
+                </a:solidFill>
+                <a:latin typeface="+mn-lt"/>
+                <a:ea typeface="Microsoft YaHei UI" panose="020B0503020204020204" pitchFamily="34" charset="-122"/>
+                <a:cs typeface="+mn-cs"/>
+              </a:defRPr>
+            </a:lvl1pPr>
+            <a:lvl2pPr marL="457200" indent="-182880" algn="l" defTabSz="914400" rtl="0" eaLnBrk="1" latinLnBrk="0" hangingPunct="1">
+              <a:lnSpc>
+                <a:spcPct val="90000"/>
+              </a:lnSpc>
+              <a:spcBef>
+                <a:spcPts val="1200"/>
+              </a:spcBef>
+              <a:buClr>
+                <a:schemeClr val="accent1"/>
+              </a:buClr>
+              <a:buSzPct val="100000"/>
+              <a:buFont typeface="Arial" pitchFamily="34" charset="0"/>
+              <a:buChar char="▪"/>
+              <a:defRPr lang="zh-CN" sz="1800" kern="1200">
+                <a:solidFill>
+                  <a:schemeClr val="tx1"/>
+                </a:solidFill>
+                <a:latin typeface="+mn-lt"/>
+                <a:ea typeface="Microsoft YaHei UI" panose="020B0503020204020204" pitchFamily="34" charset="-122"/>
+                <a:cs typeface="+mn-cs"/>
+              </a:defRPr>
+            </a:lvl2pPr>
+            <a:lvl3pPr marL="685800" indent="-179388" algn="l" defTabSz="914400" rtl="0" eaLnBrk="1" latinLnBrk="0" hangingPunct="1">
+              <a:lnSpc>
+                <a:spcPct val="90000"/>
+              </a:lnSpc>
+              <a:spcBef>
+                <a:spcPts val="800"/>
+              </a:spcBef>
+              <a:buClr>
+                <a:schemeClr val="accent1"/>
+              </a:buClr>
+              <a:buSzPct val="100000"/>
+              <a:buFont typeface="Arial" pitchFamily="34" charset="0"/>
+              <a:buChar char="▪"/>
+              <a:defRPr lang="zh-CN" sz="1600" kern="1200">
+                <a:solidFill>
+                  <a:schemeClr val="tx1"/>
+                </a:solidFill>
+                <a:latin typeface="+mn-lt"/>
+                <a:ea typeface="Microsoft YaHei UI" panose="020B0503020204020204" pitchFamily="34" charset="-122"/>
+                <a:cs typeface="+mn-cs"/>
+              </a:defRPr>
+            </a:lvl3pPr>
+            <a:lvl4pPr marL="914400" indent="-182880" algn="l" defTabSz="914400" rtl="0" eaLnBrk="1" latinLnBrk="0" hangingPunct="1">
+              <a:lnSpc>
+                <a:spcPct val="90000"/>
+              </a:lnSpc>
+              <a:spcBef>
+                <a:spcPts val="800"/>
+              </a:spcBef>
+              <a:buClr>
+                <a:schemeClr val="accent1"/>
+              </a:buClr>
+              <a:buSzPct val="100000"/>
+              <a:buFont typeface="Arial" pitchFamily="34" charset="0"/>
+              <a:buChar char="▪"/>
+              <a:defRPr lang="zh-CN" sz="1400" kern="1200">
+                <a:solidFill>
+                  <a:schemeClr val="tx1"/>
+                </a:solidFill>
+                <a:latin typeface="+mn-lt"/>
+                <a:ea typeface="Microsoft YaHei UI" panose="020B0503020204020204" pitchFamily="34" charset="-122"/>
+                <a:cs typeface="+mn-cs"/>
+              </a:defRPr>
+            </a:lvl4pPr>
+            <a:lvl5pPr marL="1143000" indent="-179388" algn="l" defTabSz="914400" rtl="0" eaLnBrk="1" latinLnBrk="0" hangingPunct="1">
+              <a:lnSpc>
+                <a:spcPct val="90000"/>
+              </a:lnSpc>
+              <a:spcBef>
+                <a:spcPts val="600"/>
+              </a:spcBef>
+              <a:buClr>
+                <a:schemeClr val="accent1"/>
+              </a:buClr>
+              <a:buSzPct val="100000"/>
+              <a:buFont typeface="Arial" pitchFamily="34" charset="0"/>
+              <a:buChar char="▪"/>
+              <a:defRPr lang="zh-CN" sz="1400" kern="1200">
+                <a:solidFill>
+                  <a:schemeClr val="tx1"/>
+                </a:solidFill>
+                <a:latin typeface="+mn-lt"/>
+                <a:ea typeface="Microsoft YaHei UI" panose="020B0503020204020204" pitchFamily="34" charset="-122"/>
+                <a:cs typeface="+mn-cs"/>
+              </a:defRPr>
+            </a:lvl5pPr>
+            <a:lvl6pPr marL="1371600" indent="-182880" algn="l" defTabSz="914400" rtl="0" eaLnBrk="1" latinLnBrk="0" hangingPunct="1">
+              <a:lnSpc>
+                <a:spcPct val="90000"/>
+              </a:lnSpc>
+              <a:spcBef>
+                <a:spcPts val="600"/>
+              </a:spcBef>
+              <a:buClr>
+                <a:schemeClr val="accent1"/>
+              </a:buClr>
+              <a:buSzPct val="100000"/>
+              <a:buFont typeface="Arial" pitchFamily="34" charset="0"/>
+              <a:buChar char="▪"/>
+              <a:defRPr lang="zh-CN" sz="1400" kern="1200">
+                <a:solidFill>
+                  <a:schemeClr val="tx1"/>
+                </a:solidFill>
+                <a:latin typeface="+mn-lt"/>
+                <a:ea typeface="+mn-ea"/>
+                <a:cs typeface="+mn-cs"/>
+              </a:defRPr>
+            </a:lvl6pPr>
+            <a:lvl7pPr marL="1600200" indent="-179388" algn="l" defTabSz="914400" rtl="0" eaLnBrk="1" latinLnBrk="0" hangingPunct="1">
+              <a:lnSpc>
+                <a:spcPct val="90000"/>
+              </a:lnSpc>
+              <a:spcBef>
+                <a:spcPts val="600"/>
+              </a:spcBef>
+              <a:buClr>
+                <a:schemeClr val="accent1"/>
+              </a:buClr>
+              <a:buSzPct val="100000"/>
+              <a:buFont typeface="Arial" pitchFamily="34" charset="0"/>
+              <a:buChar char="▪"/>
+              <a:defRPr lang="zh-CN" sz="1400" kern="1200">
+                <a:solidFill>
+                  <a:schemeClr val="tx1"/>
+                </a:solidFill>
+                <a:latin typeface="+mn-lt"/>
+                <a:ea typeface="+mn-ea"/>
+                <a:cs typeface="+mn-cs"/>
+              </a:defRPr>
+            </a:lvl7pPr>
+            <a:lvl8pPr marL="1828800" indent="-182880" algn="l" defTabSz="914400" rtl="0" eaLnBrk="1" latinLnBrk="0" hangingPunct="1">
+              <a:lnSpc>
+                <a:spcPct val="90000"/>
+              </a:lnSpc>
+              <a:spcBef>
+                <a:spcPts val="600"/>
+              </a:spcBef>
+              <a:buClr>
+                <a:schemeClr val="accent1"/>
+              </a:buClr>
+              <a:buSzPct val="100000"/>
+              <a:buFont typeface="Arial" pitchFamily="34" charset="0"/>
+              <a:buChar char="▪"/>
+              <a:defRPr lang="zh-CN" sz="1400" kern="1200">
+                <a:solidFill>
+                  <a:schemeClr val="tx1"/>
+                </a:solidFill>
+                <a:latin typeface="+mn-lt"/>
+                <a:ea typeface="+mn-ea"/>
+                <a:cs typeface="+mn-cs"/>
+              </a:defRPr>
+            </a:lvl8pPr>
+            <a:lvl9pPr marL="2057400" indent="-179388" algn="l" defTabSz="914400" rtl="0" eaLnBrk="1" latinLnBrk="0" hangingPunct="1">
+              <a:lnSpc>
+                <a:spcPct val="90000"/>
+              </a:lnSpc>
+              <a:spcBef>
+                <a:spcPts val="600"/>
+              </a:spcBef>
+              <a:buClr>
+                <a:schemeClr val="accent1"/>
+              </a:buClr>
+              <a:buSzPct val="100000"/>
+              <a:buFont typeface="Arial" pitchFamily="34" charset="0"/>
+              <a:buChar char="▪"/>
+              <a:defRPr lang="zh-CN" sz="1400" kern="1200">
+                <a:solidFill>
+                  <a:schemeClr val="tx1"/>
+                </a:solidFill>
+                <a:latin typeface="+mn-lt"/>
+                <a:ea typeface="+mn-ea"/>
+                <a:cs typeface="+mn-cs"/>
+              </a:defRPr>
+            </a:lvl9pPr>
+          </a:lstStyle>
+          <a:p>
+            <a:r>
+              <a:rPr lang="en-US" altLang="zh-CN" b="1" dirty="0"/>
+              <a:t>jQuery </a:t>
+            </a:r>
+            <a:r>
+              <a:rPr lang="zh-CN" altLang="en-US" b="1" dirty="0"/>
+              <a:t>是一个 </a:t>
+            </a:r>
+            <a:r>
+              <a:rPr lang="en-US" altLang="zh-CN" b="1" dirty="0"/>
+              <a:t>JavaScript </a:t>
+            </a:r>
+            <a:r>
+              <a:rPr lang="zh-CN" altLang="en-US" b="1" dirty="0"/>
+              <a:t>库</a:t>
+            </a:r>
+            <a:r>
+              <a:rPr lang="en-US" altLang="zh-CN" b="1" dirty="0"/>
+              <a:t>,</a:t>
+            </a:r>
+            <a:r>
+              <a:rPr lang="zh-CN" altLang="en-US" b="1" dirty="0"/>
+              <a:t>专门用于操作页面元素与后台请求</a:t>
+            </a:r>
+            <a:endParaRPr lang="en-US" altLang="zh-CN" b="1" dirty="0"/>
+          </a:p>
+          <a:p>
+            <a:r>
+              <a:rPr lang="en-US" altLang="zh-CN" b="1" dirty="0"/>
+              <a:t>jQuery </a:t>
+            </a:r>
+            <a:r>
+              <a:rPr lang="zh-CN" altLang="en-US" b="1" dirty="0"/>
+              <a:t>极大地简化了 </a:t>
+            </a:r>
+            <a:r>
+              <a:rPr lang="en-US" altLang="zh-CN" b="1" dirty="0"/>
+              <a:t>JavaScript </a:t>
+            </a:r>
+            <a:r>
+              <a:rPr lang="zh-CN" altLang="en-US" b="1" dirty="0"/>
+              <a:t>编程</a:t>
+            </a:r>
+            <a:endParaRPr lang="en-US" altLang="zh-CN" b="1" dirty="0"/>
+          </a:p>
+          <a:p>
+            <a:r>
+              <a:rPr lang="en-US" altLang="zh-CN" b="1" dirty="0">
+                <a:hlinkClick r:id="rId3"/>
+              </a:rPr>
+              <a:t>http://jquery.com/</a:t>
+            </a:r>
+            <a:endParaRPr lang="en-US" altLang="zh-CN" b="1" dirty="0"/>
+          </a:p>
+          <a:p>
+            <a:r>
+              <a:rPr lang="en-US" altLang="zh-CN" dirty="0">
+                <a:hlinkClick r:id="rId4"/>
+              </a:rPr>
+              <a:t>http://jquery.cuishifeng.cn/</a:t>
+            </a:r>
+            <a:endParaRPr lang="en-US" altLang="zh-CN" dirty="0"/>
+          </a:p>
+        </p:txBody>
+      </p:sp>
+    </p:spTree>
+    <p:extLst>
+      <p:ext uri="{BB962C8B-B14F-4D97-AF65-F5344CB8AC3E}">
+        <p14:creationId xmlns:p14="http://schemas.microsoft.com/office/powerpoint/2010/main" val="3082768612"/>
       </p:ext>
     </p:extLst>
   </p:cSld>
@@ -12755,14 +12339,13 @@
           </a:lstStyle>
           <a:p>
             <a:r>
-              <a:rPr lang="en-US" altLang="zh-CN" dirty="0" smtClean="0"/>
+              <a:rPr lang="en-US" altLang="zh-CN" dirty="0"/>
               <a:t>jQuery</a:t>
             </a:r>
             <a:r>
-              <a:rPr lang="zh-CN" altLang="en-US" dirty="0" smtClean="0"/>
-              <a:t>的概念</a:t>
-            </a:r>
-            <a:endParaRPr lang="zh-CN" altLang="en-US" dirty="0"/>
+              <a:rPr lang="zh-CN" altLang="en-US" dirty="0"/>
+              <a:t>基础选择器</a:t>
+            </a:r>
           </a:p>
         </p:txBody>
       </p:sp>
@@ -12989,86 +12572,47 @@
           </a:lstStyle>
           <a:p>
             <a:r>
-              <a:rPr lang="en-US" altLang="zh-CN" b="1" dirty="0"/>
-              <a:t>jQuery </a:t>
-            </a:r>
-            <a:r>
-              <a:rPr lang="zh-CN" altLang="en-US" b="1" dirty="0"/>
-              <a:t>是一个 </a:t>
-            </a:r>
-            <a:r>
-              <a:rPr lang="en-US" altLang="zh-CN" b="1" dirty="0"/>
-              <a:t>JavaScript </a:t>
-            </a:r>
-            <a:r>
-              <a:rPr lang="zh-CN" altLang="en-US" b="1" dirty="0" smtClean="0"/>
-              <a:t>库</a:t>
-            </a:r>
-            <a:r>
-              <a:rPr lang="en-US" altLang="zh-CN" b="1" dirty="0" smtClean="0"/>
-              <a:t>,</a:t>
-            </a:r>
-            <a:r>
-              <a:rPr lang="zh-CN" altLang="en-US" b="1" dirty="0" smtClean="0"/>
-              <a:t>专门用于操作页面元素与后台请求</a:t>
-            </a:r>
-            <a:endParaRPr lang="en-US" altLang="zh-CN" b="1" dirty="0" smtClean="0"/>
-          </a:p>
-          <a:p>
-            <a:r>
-              <a:rPr lang="en-US" altLang="zh-CN" b="1" dirty="0"/>
-              <a:t>jQuery </a:t>
-            </a:r>
-            <a:r>
-              <a:rPr lang="zh-CN" altLang="en-US" b="1" dirty="0"/>
-              <a:t>极大地简化了 </a:t>
-            </a:r>
-            <a:r>
-              <a:rPr lang="en-US" altLang="zh-CN" b="1" dirty="0"/>
-              <a:t>JavaScript </a:t>
-            </a:r>
-            <a:r>
-              <a:rPr lang="zh-CN" altLang="en-US" b="1" dirty="0" smtClean="0"/>
-              <a:t>编程</a:t>
-            </a:r>
-            <a:endParaRPr lang="en-US" altLang="zh-CN" b="1" dirty="0" smtClean="0"/>
-          </a:p>
-          <a:p>
-            <a:r>
-              <a:rPr lang="en-US" altLang="zh-CN" b="1" dirty="0">
-                <a:hlinkClick r:id="rId3"/>
-              </a:rPr>
-              <a:t>http://jquery.com</a:t>
-            </a:r>
-            <a:r>
-              <a:rPr lang="en-US" altLang="zh-CN" b="1" dirty="0" smtClean="0">
-                <a:hlinkClick r:id="rId3"/>
-              </a:rPr>
-              <a:t>/</a:t>
-            </a:r>
-            <a:endParaRPr lang="en-US" altLang="zh-CN" b="1" dirty="0" smtClean="0"/>
-          </a:p>
-          <a:p>
-            <a:r>
-              <a:rPr lang="en-US" altLang="zh-CN" dirty="0">
-                <a:hlinkClick r:id="rId4"/>
-              </a:rPr>
-              <a:t>http://jquery.cuishifeng.cn</a:t>
-            </a:r>
-            <a:r>
-              <a:rPr lang="en-US" altLang="zh-CN" dirty="0" smtClean="0">
-                <a:hlinkClick r:id="rId4"/>
-              </a:rPr>
-              <a:t>/</a:t>
-            </a:r>
-            <a:endParaRPr lang="en-US" altLang="zh-CN" dirty="0" smtClean="0"/>
+              <a:rPr lang="en-US" altLang="zh-CN" dirty="0"/>
+              <a:t>id</a:t>
+            </a:r>
+            <a:r>
+              <a:rPr lang="zh-CN" altLang="en-US" dirty="0"/>
+              <a:t>选择器           </a:t>
+            </a:r>
+            <a:r>
+              <a:rPr lang="en-US" altLang="zh-CN" dirty="0"/>
+              <a:t>$(“#id”)</a:t>
+            </a:r>
+          </a:p>
+          <a:p>
+            <a:r>
+              <a:rPr lang="zh-CN" altLang="en-US" dirty="0"/>
+              <a:t>元素选择器       </a:t>
+            </a:r>
+            <a:r>
+              <a:rPr lang="en-US" altLang="zh-CN" dirty="0"/>
+              <a:t>$(“.class”)</a:t>
+            </a:r>
+          </a:p>
+          <a:p>
+            <a:r>
+              <a:rPr lang="zh-CN" altLang="en-US" dirty="0"/>
+              <a:t>类选择器           </a:t>
+            </a:r>
+            <a:r>
+              <a:rPr lang="en-US" altLang="zh-CN" dirty="0"/>
+              <a:t>$(“element”)</a:t>
+            </a:r>
+          </a:p>
+          <a:p>
+            <a:endParaRPr lang="zh-CN" altLang="en-US" dirty="0"/>
           </a:p>
         </p:txBody>
       </p:sp>
     </p:spTree>
     <p:extLst>
       <p:ext uri="{BB962C8B-B14F-4D97-AF65-F5344CB8AC3E}">
-        <p14:creationId xmlns:p14="http://schemas.microsoft.com/office/powerpoint/2010/main" val="3082768612"/>
+        <p14:creationId xmlns:p14="http://schemas.microsoft.com/office/powerpoint/2010/main" val="1103970233"/>
       </p:ext>
     </p:extLst>
   </p:cSld>
@@ -13137,14 +12681,13 @@
           </a:lstStyle>
           <a:p>
             <a:r>
-              <a:rPr lang="en-US" altLang="zh-CN" dirty="0" smtClean="0"/>
+              <a:rPr lang="en-US" altLang="zh-CN" dirty="0"/>
               <a:t>jQuery</a:t>
             </a:r>
             <a:r>
-              <a:rPr lang="zh-CN" altLang="en-US" dirty="0" smtClean="0"/>
-              <a:t>基础选择器</a:t>
-            </a:r>
-            <a:endParaRPr lang="zh-CN" altLang="en-US" dirty="0"/>
+              <a:rPr lang="zh-CN" altLang="en-US" dirty="0"/>
+              <a:t>属性选择器</a:t>
+            </a:r>
           </a:p>
         </p:txBody>
       </p:sp>
@@ -13371,39 +12914,45 @@
           </a:lstStyle>
           <a:p>
             <a:r>
-              <a:rPr lang="en-US" altLang="zh-CN" dirty="0" smtClean="0"/>
-              <a:t>id</a:t>
-            </a:r>
-            <a:r>
-              <a:rPr lang="zh-CN" altLang="en-US" dirty="0" smtClean="0"/>
-              <a:t>选择器           </a:t>
-            </a:r>
-            <a:r>
-              <a:rPr lang="en-US" altLang="zh-CN" dirty="0" smtClean="0"/>
-              <a:t>$(“#id”)</a:t>
-            </a:r>
-          </a:p>
-          <a:p>
-            <a:r>
-              <a:rPr lang="zh-CN" altLang="en-US" dirty="0" smtClean="0"/>
-              <a:t>元素选择器       </a:t>
-            </a:r>
-            <a:r>
-              <a:rPr lang="en-US" altLang="zh-CN" dirty="0" smtClean="0"/>
-              <a:t>$(“.class”)</a:t>
-            </a:r>
-          </a:p>
-          <a:p>
-            <a:r>
-              <a:rPr lang="zh-CN" altLang="en-US" dirty="0" smtClean="0"/>
-              <a:t>类选择器           </a:t>
-            </a:r>
-            <a:r>
-              <a:rPr lang="en-US" altLang="zh-CN" dirty="0" smtClean="0"/>
-              <a:t>$(“element”)</a:t>
-            </a:r>
-          </a:p>
-          <a:p>
+              <a:rPr lang="en-US" altLang="zh-CN" dirty="0"/>
+              <a:t>[attribute=value]</a:t>
+            </a:r>
+          </a:p>
+          <a:p>
+            <a:r>
+              <a:rPr lang="en-US" altLang="zh-CN" dirty="0"/>
+              <a:t>[attribute!=value]</a:t>
+            </a:r>
+          </a:p>
+          <a:p>
+            <a:r>
+              <a:rPr lang="en-US" altLang="zh-CN" dirty="0"/>
+              <a:t>[attribute*=value]</a:t>
+            </a:r>
+          </a:p>
+          <a:p>
+            <a:r>
+              <a:rPr lang="en-US" altLang="zh-CN" dirty="0"/>
+              <a:t>[attribute|=value]</a:t>
+            </a:r>
+          </a:p>
+          <a:p>
+            <a:r>
+              <a:rPr lang="en-US" altLang="zh-CN" dirty="0"/>
+              <a:t>[attribute~=value]</a:t>
+            </a:r>
+          </a:p>
+          <a:p>
+            <a:r>
+              <a:rPr lang="en-US" altLang="zh-CN" dirty="0"/>
+              <a:t>[attribute^=value]</a:t>
+            </a:r>
+          </a:p>
+          <a:p>
+            <a:r>
+              <a:rPr lang="en-US" altLang="zh-CN" dirty="0"/>
+              <a:t>[attribute$=value]</a:t>
+            </a:r>
             <a:endParaRPr lang="zh-CN" altLang="en-US" dirty="0"/>
           </a:p>
         </p:txBody>
@@ -13411,7 +12960,7 @@
     </p:spTree>
     <p:extLst>
       <p:ext uri="{BB962C8B-B14F-4D97-AF65-F5344CB8AC3E}">
-        <p14:creationId xmlns:p14="http://schemas.microsoft.com/office/powerpoint/2010/main" val="1103970233"/>
+        <p14:creationId xmlns:p14="http://schemas.microsoft.com/office/powerpoint/2010/main" val="1565545526"/>
       </p:ext>
     </p:extLst>
   </p:cSld>
@@ -13480,14 +13029,13 @@
           </a:lstStyle>
           <a:p>
             <a:r>
-              <a:rPr lang="en-US" altLang="zh-CN" dirty="0" smtClean="0"/>
+              <a:rPr lang="en-US" altLang="zh-CN" dirty="0"/>
               <a:t>jQuery</a:t>
             </a:r>
             <a:r>
-              <a:rPr lang="zh-CN" altLang="en-US" dirty="0" smtClean="0"/>
-              <a:t>属性选择器</a:t>
-            </a:r>
-            <a:endParaRPr lang="zh-CN" altLang="en-US" dirty="0"/>
+              <a:rPr lang="zh-CN" altLang="en-US" dirty="0"/>
+              <a:t>表单选择器</a:t>
+            </a:r>
           </a:p>
         </p:txBody>
       </p:sp>
@@ -13714,44 +13262,38 @@
           </a:lstStyle>
           <a:p>
             <a:r>
-              <a:rPr lang="en-US" altLang="zh-CN" dirty="0" smtClean="0"/>
-              <a:t>[attribute=value]</a:t>
-            </a:r>
-          </a:p>
-          <a:p>
-            <a:r>
-              <a:rPr lang="en-US" altLang="zh-CN" dirty="0" smtClean="0"/>
-              <a:t>[attribute!=value]</a:t>
-            </a:r>
-          </a:p>
-          <a:p>
-            <a:r>
-              <a:rPr lang="en-US" altLang="zh-CN" dirty="0" smtClean="0"/>
-              <a:t>[attribute*=value]</a:t>
-            </a:r>
-          </a:p>
-          <a:p>
-            <a:r>
-              <a:rPr lang="en-US" altLang="zh-CN" dirty="0" smtClean="0"/>
-              <a:t>[attribute|=value]</a:t>
-            </a:r>
-          </a:p>
-          <a:p>
-            <a:r>
-              <a:rPr lang="en-US" altLang="zh-CN" dirty="0" smtClean="0"/>
-              <a:t>[attribute~=value]</a:t>
-            </a:r>
-          </a:p>
-          <a:p>
-            <a:r>
-              <a:rPr lang="en-US" altLang="zh-CN" dirty="0" smtClean="0"/>
-              <a:t>[attribute^=value]</a:t>
-            </a:r>
-          </a:p>
-          <a:p>
-            <a:r>
-              <a:rPr lang="en-US" altLang="zh-CN" dirty="0" smtClean="0"/>
-              <a:t>[attribute$=value]</a:t>
+              <a:rPr lang="en-US" altLang="zh-CN" dirty="0"/>
+              <a:t>$(:input)</a:t>
+            </a:r>
+          </a:p>
+          <a:p>
+            <a:r>
+              <a:rPr lang="en-US" altLang="zh-CN" dirty="0"/>
+              <a:t>$(:text)</a:t>
+            </a:r>
+          </a:p>
+          <a:p>
+            <a:r>
+              <a:rPr lang="en-US" altLang="zh-CN" dirty="0"/>
+              <a:t>$(:password)</a:t>
+            </a:r>
+          </a:p>
+          <a:p>
+            <a:r>
+              <a:rPr lang="en-US" altLang="zh-CN" dirty="0"/>
+              <a:t>$(:submit)</a:t>
+            </a:r>
+          </a:p>
+          <a:p>
+            <a:r>
+              <a:rPr lang="en-US" altLang="zh-CN" dirty="0"/>
+              <a:t>$(:checked)</a:t>
+            </a:r>
+          </a:p>
+          <a:p>
+            <a:r>
+              <a:rPr lang="en-US" altLang="zh-CN" dirty="0"/>
+              <a:t>$(':selected')</a:t>
             </a:r>
             <a:endParaRPr lang="zh-CN" altLang="en-US" dirty="0"/>
           </a:p>
@@ -13760,7 +13302,7 @@
     </p:spTree>
     <p:extLst>
       <p:ext uri="{BB962C8B-B14F-4D97-AF65-F5344CB8AC3E}">
-        <p14:creationId xmlns:p14="http://schemas.microsoft.com/office/powerpoint/2010/main" val="1565545526"/>
+        <p14:creationId xmlns:p14="http://schemas.microsoft.com/office/powerpoint/2010/main" val="4135499373"/>
       </p:ext>
     </p:extLst>
   </p:cSld>
@@ -13829,357 +13371,13 @@
           </a:lstStyle>
           <a:p>
             <a:r>
-              <a:rPr lang="en-US" altLang="zh-CN" dirty="0" smtClean="0"/>
-              <a:t>jQuery</a:t>
-            </a:r>
-            <a:r>
-              <a:rPr lang="zh-CN" altLang="en-US" dirty="0" smtClean="0"/>
-              <a:t>表单选择器</a:t>
-            </a:r>
-            <a:endParaRPr lang="zh-CN" altLang="en-US" dirty="0"/>
-          </a:p>
-        </p:txBody>
-      </p:sp>
-      <p:sp>
-        <p:nvSpPr>
-          <p:cNvPr id="5" name="内容占位符 2"/>
-          <p:cNvSpPr>
-            <a:spLocks noGrp="1"/>
-          </p:cNvSpPr>
-          <p:nvPr/>
-        </p:nvSpPr>
-        <p:spPr>
-          <a:xfrm>
-            <a:off x="1295400" y="2262674"/>
-            <a:ext cx="9601200" cy="3809999"/>
-          </a:xfrm>
-          <a:prstGeom prst="rect">
-            <a:avLst/>
-          </a:prstGeom>
-        </p:spPr>
-        <p:txBody>
-          <a:bodyPr vert="horz" lIns="91440" tIns="45720" rIns="91440" bIns="45720" rtlCol="0">
-            <a:normAutofit/>
-          </a:bodyPr>
-          <a:lstStyle>
-            <a:lvl1pPr marL="228600" indent="-228600" algn="l" defTabSz="914400" rtl="0" eaLnBrk="1" latinLnBrk="0" hangingPunct="1">
-              <a:lnSpc>
-                <a:spcPct val="90000"/>
-              </a:lnSpc>
-              <a:spcBef>
-                <a:spcPts val="1800"/>
-              </a:spcBef>
-              <a:buClr>
-                <a:schemeClr val="accent1"/>
-              </a:buClr>
-              <a:buSzPct val="100000"/>
-              <a:buFont typeface="Arial" pitchFamily="34" charset="0"/>
-              <a:buChar char="▪"/>
-              <a:defRPr lang="zh-CN" sz="2000" kern="1200">
-                <a:solidFill>
-                  <a:schemeClr val="tx1"/>
-                </a:solidFill>
-                <a:latin typeface="+mn-lt"/>
-                <a:ea typeface="Microsoft YaHei UI" panose="020B0503020204020204" pitchFamily="34" charset="-122"/>
-                <a:cs typeface="+mn-cs"/>
-              </a:defRPr>
-            </a:lvl1pPr>
-            <a:lvl2pPr marL="457200" indent="-182880" algn="l" defTabSz="914400" rtl="0" eaLnBrk="1" latinLnBrk="0" hangingPunct="1">
-              <a:lnSpc>
-                <a:spcPct val="90000"/>
-              </a:lnSpc>
-              <a:spcBef>
-                <a:spcPts val="1200"/>
-              </a:spcBef>
-              <a:buClr>
-                <a:schemeClr val="accent1"/>
-              </a:buClr>
-              <a:buSzPct val="100000"/>
-              <a:buFont typeface="Arial" pitchFamily="34" charset="0"/>
-              <a:buChar char="▪"/>
-              <a:defRPr lang="zh-CN" sz="1800" kern="1200">
-                <a:solidFill>
-                  <a:schemeClr val="tx1"/>
-                </a:solidFill>
-                <a:latin typeface="+mn-lt"/>
-                <a:ea typeface="Microsoft YaHei UI" panose="020B0503020204020204" pitchFamily="34" charset="-122"/>
-                <a:cs typeface="+mn-cs"/>
-              </a:defRPr>
-            </a:lvl2pPr>
-            <a:lvl3pPr marL="685800" indent="-179388" algn="l" defTabSz="914400" rtl="0" eaLnBrk="1" latinLnBrk="0" hangingPunct="1">
-              <a:lnSpc>
-                <a:spcPct val="90000"/>
-              </a:lnSpc>
-              <a:spcBef>
-                <a:spcPts val="800"/>
-              </a:spcBef>
-              <a:buClr>
-                <a:schemeClr val="accent1"/>
-              </a:buClr>
-              <a:buSzPct val="100000"/>
-              <a:buFont typeface="Arial" pitchFamily="34" charset="0"/>
-              <a:buChar char="▪"/>
-              <a:defRPr lang="zh-CN" sz="1600" kern="1200">
-                <a:solidFill>
-                  <a:schemeClr val="tx1"/>
-                </a:solidFill>
-                <a:latin typeface="+mn-lt"/>
-                <a:ea typeface="Microsoft YaHei UI" panose="020B0503020204020204" pitchFamily="34" charset="-122"/>
-                <a:cs typeface="+mn-cs"/>
-              </a:defRPr>
-            </a:lvl3pPr>
-            <a:lvl4pPr marL="914400" indent="-182880" algn="l" defTabSz="914400" rtl="0" eaLnBrk="1" latinLnBrk="0" hangingPunct="1">
-              <a:lnSpc>
-                <a:spcPct val="90000"/>
-              </a:lnSpc>
-              <a:spcBef>
-                <a:spcPts val="800"/>
-              </a:spcBef>
-              <a:buClr>
-                <a:schemeClr val="accent1"/>
-              </a:buClr>
-              <a:buSzPct val="100000"/>
-              <a:buFont typeface="Arial" pitchFamily="34" charset="0"/>
-              <a:buChar char="▪"/>
-              <a:defRPr lang="zh-CN" sz="1400" kern="1200">
-                <a:solidFill>
-                  <a:schemeClr val="tx1"/>
-                </a:solidFill>
-                <a:latin typeface="+mn-lt"/>
-                <a:ea typeface="Microsoft YaHei UI" panose="020B0503020204020204" pitchFamily="34" charset="-122"/>
-                <a:cs typeface="+mn-cs"/>
-              </a:defRPr>
-            </a:lvl4pPr>
-            <a:lvl5pPr marL="1143000" indent="-179388" algn="l" defTabSz="914400" rtl="0" eaLnBrk="1" latinLnBrk="0" hangingPunct="1">
-              <a:lnSpc>
-                <a:spcPct val="90000"/>
-              </a:lnSpc>
-              <a:spcBef>
-                <a:spcPts val="600"/>
-              </a:spcBef>
-              <a:buClr>
-                <a:schemeClr val="accent1"/>
-              </a:buClr>
-              <a:buSzPct val="100000"/>
-              <a:buFont typeface="Arial" pitchFamily="34" charset="0"/>
-              <a:buChar char="▪"/>
-              <a:defRPr lang="zh-CN" sz="1400" kern="1200">
-                <a:solidFill>
-                  <a:schemeClr val="tx1"/>
-                </a:solidFill>
-                <a:latin typeface="+mn-lt"/>
-                <a:ea typeface="Microsoft YaHei UI" panose="020B0503020204020204" pitchFamily="34" charset="-122"/>
-                <a:cs typeface="+mn-cs"/>
-              </a:defRPr>
-            </a:lvl5pPr>
-            <a:lvl6pPr marL="1371600" indent="-182880" algn="l" defTabSz="914400" rtl="0" eaLnBrk="1" latinLnBrk="0" hangingPunct="1">
-              <a:lnSpc>
-                <a:spcPct val="90000"/>
-              </a:lnSpc>
-              <a:spcBef>
-                <a:spcPts val="600"/>
-              </a:spcBef>
-              <a:buClr>
-                <a:schemeClr val="accent1"/>
-              </a:buClr>
-              <a:buSzPct val="100000"/>
-              <a:buFont typeface="Arial" pitchFamily="34" charset="0"/>
-              <a:buChar char="▪"/>
-              <a:defRPr lang="zh-CN" sz="1400" kern="1200">
-                <a:solidFill>
-                  <a:schemeClr val="tx1"/>
-                </a:solidFill>
-                <a:latin typeface="+mn-lt"/>
-                <a:ea typeface="+mn-ea"/>
-                <a:cs typeface="+mn-cs"/>
-              </a:defRPr>
-            </a:lvl6pPr>
-            <a:lvl7pPr marL="1600200" indent="-179388" algn="l" defTabSz="914400" rtl="0" eaLnBrk="1" latinLnBrk="0" hangingPunct="1">
-              <a:lnSpc>
-                <a:spcPct val="90000"/>
-              </a:lnSpc>
-              <a:spcBef>
-                <a:spcPts val="600"/>
-              </a:spcBef>
-              <a:buClr>
-                <a:schemeClr val="accent1"/>
-              </a:buClr>
-              <a:buSzPct val="100000"/>
-              <a:buFont typeface="Arial" pitchFamily="34" charset="0"/>
-              <a:buChar char="▪"/>
-              <a:defRPr lang="zh-CN" sz="1400" kern="1200">
-                <a:solidFill>
-                  <a:schemeClr val="tx1"/>
-                </a:solidFill>
-                <a:latin typeface="+mn-lt"/>
-                <a:ea typeface="+mn-ea"/>
-                <a:cs typeface="+mn-cs"/>
-              </a:defRPr>
-            </a:lvl7pPr>
-            <a:lvl8pPr marL="1828800" indent="-182880" algn="l" defTabSz="914400" rtl="0" eaLnBrk="1" latinLnBrk="0" hangingPunct="1">
-              <a:lnSpc>
-                <a:spcPct val="90000"/>
-              </a:lnSpc>
-              <a:spcBef>
-                <a:spcPts val="600"/>
-              </a:spcBef>
-              <a:buClr>
-                <a:schemeClr val="accent1"/>
-              </a:buClr>
-              <a:buSzPct val="100000"/>
-              <a:buFont typeface="Arial" pitchFamily="34" charset="0"/>
-              <a:buChar char="▪"/>
-              <a:defRPr lang="zh-CN" sz="1400" kern="1200">
-                <a:solidFill>
-                  <a:schemeClr val="tx1"/>
-                </a:solidFill>
-                <a:latin typeface="+mn-lt"/>
-                <a:ea typeface="+mn-ea"/>
-                <a:cs typeface="+mn-cs"/>
-              </a:defRPr>
-            </a:lvl8pPr>
-            <a:lvl9pPr marL="2057400" indent="-179388" algn="l" defTabSz="914400" rtl="0" eaLnBrk="1" latinLnBrk="0" hangingPunct="1">
-              <a:lnSpc>
-                <a:spcPct val="90000"/>
-              </a:lnSpc>
-              <a:spcBef>
-                <a:spcPts val="600"/>
-              </a:spcBef>
-              <a:buClr>
-                <a:schemeClr val="accent1"/>
-              </a:buClr>
-              <a:buSzPct val="100000"/>
-              <a:buFont typeface="Arial" pitchFamily="34" charset="0"/>
-              <a:buChar char="▪"/>
-              <a:defRPr lang="zh-CN" sz="1400" kern="1200">
-                <a:solidFill>
-                  <a:schemeClr val="tx1"/>
-                </a:solidFill>
-                <a:latin typeface="+mn-lt"/>
-                <a:ea typeface="+mn-ea"/>
-                <a:cs typeface="+mn-cs"/>
-              </a:defRPr>
-            </a:lvl9pPr>
-          </a:lstStyle>
-          <a:p>
-            <a:r>
-              <a:rPr lang="en-US" altLang="zh-CN" dirty="0" smtClean="0"/>
-              <a:t>$(:input)</a:t>
-            </a:r>
-          </a:p>
-          <a:p>
-            <a:r>
-              <a:rPr lang="en-US" altLang="zh-CN" dirty="0" smtClean="0"/>
-              <a:t>$(:text)</a:t>
-            </a:r>
-          </a:p>
-          <a:p>
-            <a:r>
-              <a:rPr lang="en-US" altLang="zh-CN" dirty="0" smtClean="0"/>
-              <a:t>$(:password)</a:t>
-            </a:r>
-          </a:p>
-          <a:p>
-            <a:r>
-              <a:rPr lang="en-US" altLang="zh-CN" dirty="0" smtClean="0"/>
-              <a:t>$(:submit)</a:t>
-            </a:r>
-          </a:p>
-          <a:p>
-            <a:r>
-              <a:rPr lang="en-US" altLang="zh-CN" dirty="0" smtClean="0"/>
-              <a:t>$(:checked)</a:t>
-            </a:r>
-          </a:p>
-          <a:p>
-            <a:r>
               <a:rPr lang="en-US" altLang="zh-CN" dirty="0"/>
-              <a:t>$(':selected')</a:t>
-            </a:r>
-            <a:endParaRPr lang="zh-CN" altLang="en-US" dirty="0"/>
-          </a:p>
-        </p:txBody>
-      </p:sp>
-    </p:spTree>
-    <p:extLst>
-      <p:ext uri="{BB962C8B-B14F-4D97-AF65-F5344CB8AC3E}">
-        <p14:creationId xmlns:p14="http://schemas.microsoft.com/office/powerpoint/2010/main" val="4135499373"/>
-      </p:ext>
-    </p:extLst>
-  </p:cSld>
-  <p:clrMapOvr>
-    <a:masterClrMapping/>
-  </p:clrMapOvr>
-</p:sld>
-</file>
-
-<file path=ppt/slides/slide17.xml><?xml version="1.0" encoding="utf-8"?>
-<p:sld xmlns:a="http://schemas.openxmlformats.org/drawingml/2006/main" xmlns:r="http://schemas.openxmlformats.org/officeDocument/2006/relationships" xmlns:p="http://schemas.openxmlformats.org/presentationml/2006/main">
-  <p:cSld>
-    <p:spTree>
-      <p:nvGrpSpPr>
-        <p:cNvPr id="1" name=""/>
-        <p:cNvGrpSpPr/>
-        <p:nvPr/>
-      </p:nvGrpSpPr>
-      <p:grpSpPr>
-        <a:xfrm>
-          <a:off x="0" y="0"/>
-          <a:ext cx="0" cy="0"/>
-          <a:chOff x="0" y="0"/>
-          <a:chExt cx="0" cy="0"/>
-        </a:xfrm>
-      </p:grpSpPr>
-      <p:sp>
-        <p:nvSpPr>
-          <p:cNvPr id="4" name="标题 1"/>
-          <p:cNvSpPr>
-            <a:spLocks noGrp="1"/>
-          </p:cNvSpPr>
-          <p:nvPr/>
-        </p:nvSpPr>
-        <p:spPr>
-          <a:xfrm>
-            <a:off x="1295400" y="785326"/>
-            <a:ext cx="9601200" cy="1142385"/>
-          </a:xfrm>
-          <a:prstGeom prst="rect">
-            <a:avLst/>
-          </a:prstGeom>
-        </p:spPr>
-        <p:txBody>
-          <a:bodyPr vert="horz" lIns="91440" tIns="45720" rIns="91440" bIns="45720" rtlCol="0" anchor="b">
-            <a:normAutofit/>
-          </a:bodyPr>
-          <a:lstStyle>
-            <a:lvl1pPr algn="l" defTabSz="914400" rtl="0" eaLnBrk="1" latinLnBrk="0" hangingPunct="1">
-              <a:lnSpc>
-                <a:spcPct val="90000"/>
-              </a:lnSpc>
-              <a:spcBef>
-                <a:spcPct val="0"/>
-              </a:spcBef>
-              <a:buNone/>
-              <a:defRPr lang="zh-CN" sz="3200" b="1" kern="1200">
-                <a:solidFill>
-                  <a:schemeClr val="accent1"/>
-                </a:solidFill>
-                <a:latin typeface="+mj-lt"/>
-                <a:ea typeface="Microsoft YaHei UI" panose="020B0503020204020204" pitchFamily="34" charset="-122"/>
-                <a:cs typeface="+mj-cs"/>
-              </a:defRPr>
-            </a:lvl1pPr>
-          </a:lstStyle>
-          <a:p>
-            <a:r>
-              <a:rPr lang="en-US" altLang="zh-CN" dirty="0" smtClean="0"/>
               <a:t>DOM</a:t>
             </a:r>
             <a:r>
-              <a:rPr lang="zh-CN" altLang="en-US" dirty="0" smtClean="0"/>
+              <a:rPr lang="zh-CN" altLang="en-US" dirty="0"/>
               <a:t>元素操作</a:t>
             </a:r>
-            <a:endParaRPr lang="zh-CN" altLang="en-US" dirty="0"/>
           </a:p>
         </p:txBody>
       </p:sp>
@@ -14406,93 +13604,93 @@
           </a:lstStyle>
           <a:p>
             <a:r>
-              <a:rPr lang="en-US" altLang="zh-CN" dirty="0" err="1" smtClean="0"/>
+              <a:rPr lang="en-US" altLang="zh-CN" dirty="0" err="1"/>
               <a:t>attr</a:t>
             </a:r>
             <a:r>
-              <a:rPr lang="en-US" altLang="zh-CN" dirty="0" smtClean="0"/>
+              <a:rPr lang="en-US" altLang="zh-CN" dirty="0"/>
               <a:t>(‘</a:t>
             </a:r>
             <a:r>
-              <a:rPr lang="en-US" altLang="zh-CN" dirty="0" err="1" smtClean="0"/>
+              <a:rPr lang="en-US" altLang="zh-CN" dirty="0" err="1"/>
               <a:t>attribute’,’value</a:t>
             </a:r>
             <a:r>
-              <a:rPr lang="en-US" altLang="zh-CN" dirty="0" smtClean="0"/>
+              <a:rPr lang="en-US" altLang="zh-CN" dirty="0"/>
               <a:t>’)</a:t>
             </a:r>
           </a:p>
           <a:p>
             <a:r>
-              <a:rPr lang="en-US" altLang="zh-CN" dirty="0" smtClean="0"/>
+              <a:rPr lang="en-US" altLang="zh-CN" dirty="0"/>
               <a:t>html(value)</a:t>
             </a:r>
           </a:p>
           <a:p>
             <a:r>
-              <a:rPr lang="en-US" altLang="zh-CN" dirty="0" smtClean="0"/>
+              <a:rPr lang="en-US" altLang="zh-CN" dirty="0"/>
               <a:t>text(value)</a:t>
             </a:r>
           </a:p>
           <a:p>
             <a:r>
-              <a:rPr lang="en-US" altLang="zh-CN" dirty="0" err="1" smtClean="0"/>
+              <a:rPr lang="en-US" altLang="zh-CN" dirty="0" err="1"/>
               <a:t>addClass</a:t>
             </a:r>
             <a:r>
-              <a:rPr lang="en-US" altLang="zh-CN" dirty="0" smtClean="0"/>
+              <a:rPr lang="en-US" altLang="zh-CN" dirty="0"/>
               <a:t>(‘class-name’)    /    </a:t>
             </a:r>
             <a:r>
-              <a:rPr lang="en-US" altLang="zh-CN" dirty="0" err="1" smtClean="0"/>
+              <a:rPr lang="en-US" altLang="zh-CN" dirty="0" err="1"/>
               <a:t>removeClass</a:t>
             </a:r>
             <a:r>
-              <a:rPr lang="en-US" altLang="zh-CN" dirty="0" smtClean="0"/>
+              <a:rPr lang="en-US" altLang="zh-CN" dirty="0"/>
               <a:t>(‘class-name’)</a:t>
             </a:r>
           </a:p>
           <a:p>
             <a:r>
-              <a:rPr lang="en-US" altLang="zh-CN" dirty="0" err="1" smtClean="0"/>
+              <a:rPr lang="en-US" altLang="zh-CN" dirty="0" err="1"/>
               <a:t>css</a:t>
             </a:r>
             <a:r>
-              <a:rPr lang="en-US" altLang="zh-CN" dirty="0" smtClean="0"/>
+              <a:rPr lang="en-US" altLang="zh-CN" dirty="0"/>
               <a:t>(‘style-</a:t>
             </a:r>
             <a:r>
-              <a:rPr lang="en-US" altLang="zh-CN" dirty="0" err="1" smtClean="0"/>
+              <a:rPr lang="en-US" altLang="zh-CN" dirty="0" err="1"/>
               <a:t>property’,’value</a:t>
             </a:r>
             <a:r>
-              <a:rPr lang="en-US" altLang="zh-CN" dirty="0" smtClean="0"/>
+              <a:rPr lang="en-US" altLang="zh-CN" dirty="0"/>
               <a:t>’)</a:t>
             </a:r>
           </a:p>
           <a:p>
             <a:r>
-              <a:rPr lang="en-US" altLang="zh-CN" dirty="0" smtClean="0"/>
+              <a:rPr lang="en-US" altLang="zh-CN" dirty="0"/>
               <a:t>append() </a:t>
             </a:r>
             <a:r>
-              <a:rPr lang="en-US" altLang="zh-CN" dirty="0" err="1" smtClean="0"/>
+              <a:rPr lang="en-US" altLang="zh-CN" dirty="0" err="1"/>
               <a:t>appendTo</a:t>
             </a:r>
             <a:r>
-              <a:rPr lang="en-US" altLang="zh-CN" dirty="0" smtClean="0"/>
+              <a:rPr lang="en-US" altLang="zh-CN" dirty="0"/>
               <a:t>()</a:t>
             </a:r>
           </a:p>
           <a:p>
             <a:r>
-              <a:rPr lang="en-US" altLang="zh-CN" dirty="0" smtClean="0"/>
+              <a:rPr lang="en-US" altLang="zh-CN" dirty="0"/>
               <a:t>before()   /    after()</a:t>
             </a:r>
           </a:p>
           <a:p>
             <a:r>
-              <a:rPr lang="en-US" altLang="zh-CN" dirty="0" smtClean="0"/>
+              <a:rPr lang="en-US" altLang="zh-CN" dirty="0"/>
               <a:t>remove()   /    empty();</a:t>
             </a:r>
           </a:p>
@@ -14508,6 +13706,158 @@
     <p:extLst>
       <p:ext uri="{BB962C8B-B14F-4D97-AF65-F5344CB8AC3E}">
         <p14:creationId xmlns:p14="http://schemas.microsoft.com/office/powerpoint/2010/main" val="319368085"/>
+      </p:ext>
+    </p:extLst>
+  </p:cSld>
+  <p:clrMapOvr>
+    <a:masterClrMapping/>
+  </p:clrMapOvr>
+</p:sld>
+</file>
+
+<file path=ppt/slides/slide17.xml><?xml version="1.0" encoding="utf-8"?>
+<p:sld xmlns:a="http://schemas.openxmlformats.org/drawingml/2006/main" xmlns:r="http://schemas.openxmlformats.org/officeDocument/2006/relationships" xmlns:p="http://schemas.openxmlformats.org/presentationml/2006/main">
+  <p:cSld>
+    <p:spTree>
+      <p:nvGrpSpPr>
+        <p:cNvPr id="1" name=""/>
+        <p:cNvGrpSpPr/>
+        <p:nvPr/>
+      </p:nvGrpSpPr>
+      <p:grpSpPr>
+        <a:xfrm>
+          <a:off x="0" y="0"/>
+          <a:ext cx="0" cy="0"/>
+          <a:chOff x="0" y="0"/>
+          <a:chExt cx="0" cy="0"/>
+        </a:xfrm>
+      </p:grpSpPr>
+      <p:sp>
+        <p:nvSpPr>
+          <p:cNvPr id="2" name="Title 1"/>
+          <p:cNvSpPr>
+            <a:spLocks noGrp="1"/>
+          </p:cNvSpPr>
+          <p:nvPr>
+            <p:ph type="title"/>
+          </p:nvPr>
+        </p:nvSpPr>
+        <p:spPr/>
+        <p:txBody>
+          <a:bodyPr/>
+          <a:lstStyle/>
+          <a:p>
+            <a:r>
+              <a:rPr lang="en-US" dirty="0" err="1"/>
+              <a:t>Nodejs</a:t>
+            </a:r>
+            <a:endParaRPr lang="en-US" dirty="0"/>
+          </a:p>
+        </p:txBody>
+      </p:sp>
+      <p:sp>
+        <p:nvSpPr>
+          <p:cNvPr id="3" name="Content Placeholder 2"/>
+          <p:cNvSpPr>
+            <a:spLocks noGrp="1"/>
+          </p:cNvSpPr>
+          <p:nvPr>
+            <p:ph idx="1"/>
+          </p:nvPr>
+        </p:nvSpPr>
+        <p:spPr/>
+        <p:txBody>
+          <a:bodyPr/>
+          <a:lstStyle/>
+          <a:p>
+            <a:r>
+              <a:rPr lang="en-US" altLang="zh-CN" dirty="0"/>
+              <a:t>Node.js </a:t>
+            </a:r>
+            <a:r>
+              <a:rPr lang="zh-CN" altLang="en-US" dirty="0"/>
+              <a:t>是一个基于 </a:t>
+            </a:r>
+            <a:r>
+              <a:rPr lang="en-US" altLang="zh-CN" dirty="0"/>
+              <a:t>Chrome V8 </a:t>
+            </a:r>
+            <a:r>
+              <a:rPr lang="zh-CN" altLang="en-US" dirty="0"/>
+              <a:t>引擎的 </a:t>
+            </a:r>
+            <a:r>
+              <a:rPr lang="en-US" altLang="zh-CN" dirty="0"/>
+              <a:t>JavaScript </a:t>
+            </a:r>
+            <a:r>
+              <a:rPr lang="zh-CN" altLang="en-US" dirty="0"/>
+              <a:t>运行环境。 </a:t>
+            </a:r>
+            <a:br>
+              <a:rPr lang="zh-CN" altLang="en-US" dirty="0"/>
+            </a:br>
+            <a:r>
+              <a:rPr lang="en-US" altLang="zh-CN" dirty="0"/>
+              <a:t>Node.js </a:t>
+            </a:r>
+            <a:r>
+              <a:rPr lang="zh-CN" altLang="en-US" dirty="0"/>
+              <a:t>使用了一个事件驱动、非阻塞式 </a:t>
+            </a:r>
+            <a:r>
+              <a:rPr lang="en-US" altLang="zh-CN" dirty="0"/>
+              <a:t>I/O </a:t>
+            </a:r>
+            <a:r>
+              <a:rPr lang="zh-CN" altLang="en-US" dirty="0"/>
+              <a:t>的模型，使其轻量又高效。 </a:t>
+            </a:r>
+            <a:br>
+              <a:rPr lang="zh-CN" altLang="en-US" dirty="0"/>
+            </a:br>
+            <a:r>
+              <a:rPr lang="en-US" altLang="zh-CN" dirty="0"/>
+              <a:t>Node.js </a:t>
+            </a:r>
+            <a:r>
+              <a:rPr lang="zh-CN" altLang="en-US" dirty="0"/>
+              <a:t>的包管理器 </a:t>
+            </a:r>
+            <a:r>
+              <a:rPr lang="en-US" altLang="zh-CN" dirty="0" err="1"/>
+              <a:t>npm</a:t>
+            </a:r>
+            <a:r>
+              <a:rPr lang="zh-CN" altLang="en-US" dirty="0"/>
+              <a:t>，是全球最大的开源库生态系统。</a:t>
+            </a:r>
+            <a:endParaRPr lang="en-US" dirty="0"/>
+          </a:p>
+          <a:p>
+            <a:r>
+              <a:rPr lang="en-US" dirty="0">
+                <a:hlinkClick r:id="rId2"/>
+              </a:rPr>
+              <a:t>http://nodejs.cn/</a:t>
+            </a:r>
+            <a:endParaRPr lang="en-US" dirty="0"/>
+          </a:p>
+          <a:p>
+            <a:r>
+              <a:rPr lang="en-US" dirty="0">
+                <a:hlinkClick r:id="rId3"/>
+              </a:rPr>
+              <a:t>https://nodejs.org/en/</a:t>
+            </a:r>
+            <a:endParaRPr lang="en-US" dirty="0"/>
+          </a:p>
+        </p:txBody>
+      </p:sp>
+    </p:spTree>
+    <p:extLst>
+      <p:ext uri="{BB962C8B-B14F-4D97-AF65-F5344CB8AC3E}">
+        <p14:creationId xmlns:p14="http://schemas.microsoft.com/office/powerpoint/2010/main" val="1534142673"/>
       </p:ext>
     </p:extLst>
   </p:cSld>
@@ -14550,8 +13900,16 @@
           <a:lstStyle/>
           <a:p>
             <a:r>
-              <a:rPr lang="en-US" dirty="0" err="1" smtClean="0"/>
-              <a:t>Nodejs</a:t>
+              <a:rPr lang="zh-CN" altLang="en-US" dirty="0"/>
+              <a:t>自学 </a:t>
+            </a:r>
+            <a:r>
+              <a:rPr lang="en-US" altLang="zh-CN" dirty="0"/>
+              <a:t>– </a:t>
+            </a:r>
+            <a:r>
+              <a:rPr lang="zh-CN" altLang="en-US" dirty="0"/>
+              <a:t>开源项目</a:t>
             </a:r>
             <a:endParaRPr lang="en-US" dirty="0"/>
           </a:p>
@@ -14574,236 +13932,38 @@
           <a:p>
             <a:r>
               <a:rPr lang="en-US" altLang="zh-CN" dirty="0"/>
-              <a:t>Node.js </a:t>
-            </a:r>
-            <a:r>
-              <a:rPr lang="zh-CN" altLang="en-US" dirty="0"/>
-              <a:t>是一个基于 </a:t>
-            </a:r>
-            <a:r>
-              <a:rPr lang="en-US" altLang="zh-CN" dirty="0"/>
-              <a:t>Chrome V8 </a:t>
-            </a:r>
-            <a:r>
-              <a:rPr lang="zh-CN" altLang="en-US" dirty="0"/>
-              <a:t>引擎的 </a:t>
-            </a:r>
-            <a:r>
-              <a:rPr lang="en-US" altLang="zh-CN" dirty="0"/>
-              <a:t>JavaScript </a:t>
-            </a:r>
-            <a:r>
-              <a:rPr lang="zh-CN" altLang="en-US" dirty="0"/>
-              <a:t>运行环境。 </a:t>
-            </a:r>
-            <a:r>
-              <a:rPr lang="zh-CN" altLang="en-US" dirty="0"/>
-              <a:t/>
-            </a:r>
-            <a:br>
-              <a:rPr lang="zh-CN" altLang="en-US" dirty="0"/>
-            </a:br>
-            <a:r>
-              <a:rPr lang="en-US" altLang="zh-CN" dirty="0"/>
-              <a:t>Node.js </a:t>
-            </a:r>
-            <a:r>
-              <a:rPr lang="zh-CN" altLang="en-US" dirty="0"/>
-              <a:t>使用了一个事件驱动、非阻塞式 </a:t>
-            </a:r>
-            <a:r>
-              <a:rPr lang="en-US" altLang="zh-CN" dirty="0"/>
-              <a:t>I/O </a:t>
-            </a:r>
-            <a:r>
-              <a:rPr lang="zh-CN" altLang="en-US" dirty="0"/>
-              <a:t>的模型，使其轻量又高效。 </a:t>
-            </a:r>
-            <a:r>
-              <a:rPr lang="zh-CN" altLang="en-US" dirty="0"/>
-              <a:t/>
-            </a:r>
-            <a:br>
-              <a:rPr lang="zh-CN" altLang="en-US" dirty="0"/>
-            </a:br>
-            <a:r>
-              <a:rPr lang="en-US" altLang="zh-CN" dirty="0"/>
-              <a:t>Node.js </a:t>
-            </a:r>
-            <a:r>
-              <a:rPr lang="zh-CN" altLang="en-US" dirty="0"/>
-              <a:t>的包管理器 </a:t>
-            </a:r>
-            <a:r>
-              <a:rPr lang="en-US" altLang="zh-CN" dirty="0" err="1"/>
-              <a:t>npm</a:t>
-            </a:r>
-            <a:r>
-              <a:rPr lang="zh-CN" altLang="en-US" dirty="0"/>
-              <a:t>，是全球最大的开源库生态系统。</a:t>
-            </a:r>
-            <a:endParaRPr lang="en-US" dirty="0" smtClean="0"/>
-          </a:p>
-          <a:p>
-            <a:r>
-              <a:rPr lang="en-US" dirty="0" smtClean="0">
+              <a:t>N-blog</a:t>
+            </a:r>
+          </a:p>
+          <a:p>
+            <a:pPr lvl="1"/>
+            <a:r>
+              <a:rPr lang="en-US" altLang="zh-CN" dirty="0">
                 <a:hlinkClick r:id="rId2"/>
               </a:rPr>
-              <a:t>http</a:t>
-            </a:r>
-            <a:r>
-              <a:rPr lang="en-US" dirty="0">
-                <a:hlinkClick r:id="rId2"/>
-              </a:rPr>
-              <a:t>://nodejs.cn</a:t>
-            </a:r>
-            <a:r>
-              <a:rPr lang="en-US" dirty="0" smtClean="0">
-                <a:hlinkClick r:id="rId2"/>
-              </a:rPr>
-              <a:t>/</a:t>
-            </a:r>
-            <a:endParaRPr lang="en-US" dirty="0" smtClean="0"/>
-          </a:p>
-          <a:p>
+              <a:t>https://github.com/nswbmw/N-blog</a:t>
+            </a:r>
+            <a:endParaRPr lang="en-US" altLang="zh-CN" dirty="0"/>
+          </a:p>
+          <a:p>
+            <a:r>
+              <a:rPr lang="en-US" altLang="zh-CN" dirty="0"/>
+              <a:t>Example</a:t>
+            </a:r>
+          </a:p>
+          <a:p>
+            <a:pPr lvl="1"/>
             <a:r>
               <a:rPr lang="en-US" dirty="0">
                 <a:hlinkClick r:id="rId3"/>
               </a:rPr>
-              <a:t>https://nodejs.org/en</a:t>
-            </a:r>
-            <a:r>
-              <a:rPr lang="en-US" dirty="0" smtClean="0">
-                <a:hlinkClick r:id="rId3"/>
-              </a:rPr>
-              <a:t>/</a:t>
-            </a:r>
-            <a:endParaRPr lang="en-US" dirty="0" smtClean="0"/>
-          </a:p>
-        </p:txBody>
-      </p:sp>
-    </p:spTree>
-    <p:extLst>
-      <p:ext uri="{BB962C8B-B14F-4D97-AF65-F5344CB8AC3E}">
-        <p14:creationId xmlns:p14="http://schemas.microsoft.com/office/powerpoint/2010/main" val="1534142673"/>
-      </p:ext>
-    </p:extLst>
-  </p:cSld>
-  <p:clrMapOvr>
-    <a:masterClrMapping/>
-  </p:clrMapOvr>
-</p:sld>
-</file>
-
-<file path=ppt/slides/slide19.xml><?xml version="1.0" encoding="utf-8"?>
-<p:sld xmlns:a="http://schemas.openxmlformats.org/drawingml/2006/main" xmlns:r="http://schemas.openxmlformats.org/officeDocument/2006/relationships" xmlns:p="http://schemas.openxmlformats.org/presentationml/2006/main">
-  <p:cSld>
-    <p:spTree>
-      <p:nvGrpSpPr>
-        <p:cNvPr id="1" name=""/>
-        <p:cNvGrpSpPr/>
-        <p:nvPr/>
-      </p:nvGrpSpPr>
-      <p:grpSpPr>
-        <a:xfrm>
-          <a:off x="0" y="0"/>
-          <a:ext cx="0" cy="0"/>
-          <a:chOff x="0" y="0"/>
-          <a:chExt cx="0" cy="0"/>
-        </a:xfrm>
-      </p:grpSpPr>
-      <p:sp>
-        <p:nvSpPr>
-          <p:cNvPr id="2" name="Title 1"/>
-          <p:cNvSpPr>
-            <a:spLocks noGrp="1"/>
-          </p:cNvSpPr>
-          <p:nvPr>
-            <p:ph type="title"/>
-          </p:nvPr>
-        </p:nvSpPr>
-        <p:spPr/>
-        <p:txBody>
-          <a:bodyPr/>
-          <a:lstStyle/>
-          <a:p>
-            <a:r>
-              <a:rPr lang="zh-CN" altLang="en-US" dirty="0" smtClean="0"/>
-              <a:t>自学 </a:t>
-            </a:r>
-            <a:r>
-              <a:rPr lang="en-US" altLang="zh-CN" dirty="0" smtClean="0"/>
-              <a:t>– </a:t>
-            </a:r>
-            <a:r>
-              <a:rPr lang="zh-CN" altLang="en-US" dirty="0" smtClean="0"/>
-              <a:t>开源项目</a:t>
+              <a:t>https://github.com/Learn365/Blog_nodejs</a:t>
             </a:r>
             <a:endParaRPr lang="en-US" dirty="0"/>
           </a:p>
-        </p:txBody>
-      </p:sp>
-      <p:sp>
-        <p:nvSpPr>
-          <p:cNvPr id="3" name="Content Placeholder 2"/>
-          <p:cNvSpPr>
-            <a:spLocks noGrp="1"/>
-          </p:cNvSpPr>
-          <p:nvPr>
-            <p:ph idx="1"/>
-          </p:nvPr>
-        </p:nvSpPr>
-        <p:spPr/>
-        <p:txBody>
-          <a:bodyPr/>
-          <a:lstStyle/>
-          <a:p>
-            <a:r>
-              <a:rPr lang="en-US" altLang="zh-CN" dirty="0" smtClean="0"/>
-              <a:t>N-blog</a:t>
-            </a:r>
-          </a:p>
           <a:p>
             <a:pPr lvl="1"/>
-            <a:r>
-              <a:rPr lang="en-US" altLang="zh-CN" dirty="0">
-                <a:hlinkClick r:id="rId2"/>
-              </a:rPr>
-              <a:t>https://</a:t>
-            </a:r>
-            <a:r>
-              <a:rPr lang="en-US" altLang="zh-CN" dirty="0" smtClean="0">
-                <a:hlinkClick r:id="rId2"/>
-              </a:rPr>
-              <a:t>github.com/nswbmw/N-blog</a:t>
-            </a:r>
-            <a:endParaRPr lang="en-US" altLang="zh-CN" dirty="0" smtClean="0"/>
-          </a:p>
-          <a:p>
-            <a:r>
-              <a:rPr lang="en-US" altLang="zh-CN" dirty="0" smtClean="0"/>
-              <a:t>Example</a:t>
-            </a:r>
-          </a:p>
-          <a:p>
-            <a:pPr lvl="1"/>
-            <a:r>
-              <a:rPr lang="en-US" dirty="0">
-                <a:hlinkClick r:id="rId3"/>
-              </a:rPr>
-              <a:t>https://</a:t>
-            </a:r>
-            <a:r>
-              <a:rPr lang="en-US" dirty="0" smtClean="0">
-                <a:hlinkClick r:id="rId3"/>
-              </a:rPr>
-              <a:t>github.com/Learn365/Blog_nodejs</a:t>
-            </a:r>
-            <a:endParaRPr lang="en-US" dirty="0" smtClean="0"/>
-          </a:p>
-          <a:p>
-            <a:pPr lvl="1"/>
-            <a:endParaRPr lang="en-US" dirty="0" smtClean="0"/>
+            <a:endParaRPr lang="en-US" dirty="0"/>
           </a:p>
         </p:txBody>
       </p:sp>
@@ -14820,146 +13980,7 @@
 </p:sld>
 </file>
 
-<file path=ppt/slides/slide2.xml><?xml version="1.0" encoding="utf-8"?>
-<p:sld xmlns:a="http://schemas.openxmlformats.org/drawingml/2006/main" xmlns:r="http://schemas.openxmlformats.org/officeDocument/2006/relationships" xmlns:p="http://schemas.openxmlformats.org/presentationml/2006/main">
-  <p:cSld>
-    <p:spTree>
-      <p:nvGrpSpPr>
-        <p:cNvPr id="1" name=""/>
-        <p:cNvGrpSpPr/>
-        <p:nvPr/>
-      </p:nvGrpSpPr>
-      <p:grpSpPr>
-        <a:xfrm>
-          <a:off x="0" y="0"/>
-          <a:ext cx="0" cy="0"/>
-          <a:chOff x="0" y="0"/>
-          <a:chExt cx="0" cy="0"/>
-        </a:xfrm>
-      </p:grpSpPr>
-      <p:sp>
-        <p:nvSpPr>
-          <p:cNvPr id="2" name="Title 1"/>
-          <p:cNvSpPr>
-            <a:spLocks noGrp="1"/>
-          </p:cNvSpPr>
-          <p:nvPr>
-            <p:ph type="title"/>
-          </p:nvPr>
-        </p:nvSpPr>
-        <p:spPr/>
-        <p:txBody>
-          <a:bodyPr/>
-          <a:lstStyle/>
-          <a:p>
-            <a:r>
-              <a:rPr lang="zh-CN" altLang="en-US" b="1" dirty="0"/>
-              <a:t>培训课堂注意事项</a:t>
-            </a:r>
-            <a:endParaRPr lang="en-US" dirty="0"/>
-          </a:p>
-        </p:txBody>
-      </p:sp>
-      <p:sp>
-        <p:nvSpPr>
-          <p:cNvPr id="3" name="Content Placeholder 2"/>
-          <p:cNvSpPr>
-            <a:spLocks noGrp="1"/>
-          </p:cNvSpPr>
-          <p:nvPr>
-            <p:ph idx="1"/>
-          </p:nvPr>
-        </p:nvSpPr>
-        <p:spPr/>
-        <p:txBody>
-          <a:bodyPr/>
-          <a:lstStyle/>
-          <a:p>
-            <a:pPr marL="385763" indent="-385763">
-              <a:buFont typeface="+mj-lt"/>
-              <a:buAutoNum type="arabicPeriod"/>
-              <a:defRPr/>
-            </a:pPr>
-            <a:r>
-              <a:rPr lang="zh-CN" altLang="en-US" dirty="0">
-                <a:latin typeface="+mn-ea"/>
-              </a:rPr>
-              <a:t>请自觉遵守培训纪律，培训期间不得旷课，没有特殊事项，不得请假。</a:t>
-            </a:r>
-            <a:endParaRPr lang="en-US" altLang="zh-CN" dirty="0">
-              <a:latin typeface="+mn-ea"/>
-            </a:endParaRPr>
-          </a:p>
-          <a:p>
-            <a:pPr marL="385763" indent="-385763">
-              <a:buFont typeface="+mj-lt"/>
-              <a:buAutoNum type="arabicPeriod"/>
-              <a:defRPr/>
-            </a:pPr>
-            <a:r>
-              <a:rPr lang="zh-CN" altLang="en-US" dirty="0">
-                <a:latin typeface="+mn-ea"/>
-              </a:rPr>
-              <a:t>上课期间，请将手机调至静音状态，认真听讲，如有特殊原因需接听电话，在征得讲师同意后到教室外接听。</a:t>
-            </a:r>
-            <a:endParaRPr lang="en-US" altLang="zh-CN" dirty="0">
-              <a:latin typeface="+mn-ea"/>
-            </a:endParaRPr>
-          </a:p>
-          <a:p>
-            <a:pPr marL="385763" indent="-385763">
-              <a:buFont typeface="+mj-lt"/>
-              <a:buAutoNum type="arabicPeriod"/>
-              <a:defRPr/>
-            </a:pPr>
-            <a:r>
-              <a:rPr lang="zh-CN" altLang="en-US" dirty="0">
-                <a:latin typeface="+mn-ea"/>
-              </a:rPr>
-              <a:t>培训期间请提前</a:t>
-            </a:r>
-            <a:r>
-              <a:rPr lang="en-US" altLang="zh-CN" dirty="0">
-                <a:latin typeface="+mn-ea"/>
-              </a:rPr>
-              <a:t>5</a:t>
-            </a:r>
-            <a:r>
-              <a:rPr lang="zh-CN" altLang="en-US" dirty="0">
-                <a:latin typeface="+mn-ea"/>
-              </a:rPr>
-              <a:t>分钟到达教室，并及时签到，每人每节课前签到一次，不得多签或代签。</a:t>
-            </a:r>
-            <a:endParaRPr lang="en-US" dirty="0">
-              <a:latin typeface="+mn-ea"/>
-            </a:endParaRPr>
-          </a:p>
-          <a:p>
-            <a:endParaRPr lang="en-US" dirty="0"/>
-          </a:p>
-        </p:txBody>
-      </p:sp>
-    </p:spTree>
-    <p:extLst>
-      <p:ext uri="{BB962C8B-B14F-4D97-AF65-F5344CB8AC3E}">
-        <p14:creationId xmlns:p14="http://schemas.microsoft.com/office/powerpoint/2010/main" val="1141033321"/>
-      </p:ext>
-    </p:extLst>
-  </p:cSld>
-  <p:clrMapOvr>
-    <a:masterClrMapping/>
-  </p:clrMapOvr>
-  <p:timing>
-    <p:tnLst>
-      <p:par>
-        <p:cTn id="1" dur="indefinite" restart="never" nodeType="tmRoot"/>
-      </p:par>
-    </p:tnLst>
-  </p:timing>
-</p:sld>
-</file>
-
-<file path=ppt/slides/slide20.xml><?xml version="1.0" encoding="utf-8"?>
+<file path=ppt/slides/slide19.xml><?xml version="1.0" encoding="utf-8"?>
 <p:sld xmlns:a="http://schemas.openxmlformats.org/drawingml/2006/main" xmlns:r="http://schemas.openxmlformats.org/officeDocument/2006/relationships" xmlns:p="http://schemas.openxmlformats.org/presentationml/2006/main">
   <p:cSld>
     <p:spTree>
@@ -15029,18 +14050,11 @@
           <a:lstStyle/>
           <a:p>
             <a:r>
-              <a:rPr lang="en-US" sz="5400" dirty="0" smtClean="0">
-                <a:latin typeface="Source Sans Pro" panose="020B0503030403020204" pitchFamily="34" charset="0"/>
-                <a:ea typeface="Source Sans Pro" panose="020B0503030403020204" pitchFamily="34" charset="0"/>
-              </a:rPr>
-              <a:t>Thank </a:t>
-            </a:r>
-            <a:r>
               <a:rPr lang="en-US" sz="5400" dirty="0">
                 <a:latin typeface="Source Sans Pro" panose="020B0503030403020204" pitchFamily="34" charset="0"/>
                 <a:ea typeface="Source Sans Pro" panose="020B0503030403020204" pitchFamily="34" charset="0"/>
               </a:rPr>
-              <a:t>you!</a:t>
+              <a:t>Thank you!</a:t>
             </a:r>
           </a:p>
         </p:txBody>
@@ -15055,13 +14069,138 @@
   <p:clrMapOvr>
     <a:masterClrMapping/>
   </p:clrMapOvr>
-  <p:timing>
-    <p:tnLst>
-      <p:par>
-        <p:cTn id="1" dur="indefinite" restart="never" nodeType="tmRoot"/>
-      </p:par>
-    </p:tnLst>
-  </p:timing>
+</p:sld>
+</file>
+
+<file path=ppt/slides/slide2.xml><?xml version="1.0" encoding="utf-8"?>
+<p:sld xmlns:a="http://schemas.openxmlformats.org/drawingml/2006/main" xmlns:r="http://schemas.openxmlformats.org/officeDocument/2006/relationships" xmlns:p="http://schemas.openxmlformats.org/presentationml/2006/main">
+  <p:cSld>
+    <p:spTree>
+      <p:nvGrpSpPr>
+        <p:cNvPr id="1" name=""/>
+        <p:cNvGrpSpPr/>
+        <p:nvPr/>
+      </p:nvGrpSpPr>
+      <p:grpSpPr>
+        <a:xfrm>
+          <a:off x="0" y="0"/>
+          <a:ext cx="0" cy="0"/>
+          <a:chOff x="0" y="0"/>
+          <a:chExt cx="0" cy="0"/>
+        </a:xfrm>
+      </p:grpSpPr>
+      <p:sp>
+        <p:nvSpPr>
+          <p:cNvPr id="2" name="Title 1"/>
+          <p:cNvSpPr>
+            <a:spLocks noGrp="1"/>
+          </p:cNvSpPr>
+          <p:nvPr>
+            <p:ph type="title"/>
+          </p:nvPr>
+        </p:nvSpPr>
+        <p:spPr/>
+        <p:txBody>
+          <a:bodyPr/>
+          <a:lstStyle/>
+          <a:p>
+            <a:r>
+              <a:rPr lang="zh-CN" altLang="en-US" b="1" dirty="0"/>
+              <a:t>培训课堂注意事项</a:t>
+            </a:r>
+            <a:endParaRPr lang="en-US" dirty="0"/>
+          </a:p>
+        </p:txBody>
+      </p:sp>
+      <p:sp>
+        <p:nvSpPr>
+          <p:cNvPr id="3" name="Content Placeholder 2"/>
+          <p:cNvSpPr>
+            <a:spLocks noGrp="1"/>
+          </p:cNvSpPr>
+          <p:nvPr>
+            <p:ph idx="1"/>
+          </p:nvPr>
+        </p:nvSpPr>
+        <p:spPr/>
+        <p:txBody>
+          <a:bodyPr/>
+          <a:lstStyle/>
+          <a:p>
+            <a:pPr marL="385763" indent="-385763">
+              <a:buFont typeface="+mj-lt"/>
+              <a:buAutoNum type="arabicPeriod"/>
+              <a:defRPr/>
+            </a:pPr>
+            <a:r>
+              <a:rPr lang="zh-CN" altLang="en-US" dirty="0">
+                <a:latin typeface="+mn-ea"/>
+              </a:rPr>
+              <a:t>请自觉遵守培训纪律，培训期间不得旷课，没有特殊事项，不得请假。</a:t>
+            </a:r>
+            <a:endParaRPr lang="en-US" altLang="zh-CN" dirty="0">
+              <a:latin typeface="+mn-ea"/>
+            </a:endParaRPr>
+          </a:p>
+          <a:p>
+            <a:pPr marL="385763" indent="-385763">
+              <a:buFont typeface="+mj-lt"/>
+              <a:buAutoNum type="arabicPeriod"/>
+              <a:defRPr/>
+            </a:pPr>
+            <a:r>
+              <a:rPr lang="zh-CN" altLang="en-US" dirty="0">
+                <a:latin typeface="+mn-ea"/>
+              </a:rPr>
+              <a:t>上课期间，请将手机调至静音状态，认真听讲，如有特殊原因需接听电话，在征得讲师同意后到教室外接听。</a:t>
+            </a:r>
+            <a:endParaRPr lang="en-US" altLang="zh-CN" dirty="0">
+              <a:latin typeface="+mn-ea"/>
+            </a:endParaRPr>
+          </a:p>
+          <a:p>
+            <a:pPr marL="385763" indent="-385763">
+              <a:buFont typeface="+mj-lt"/>
+              <a:buAutoNum type="arabicPeriod"/>
+              <a:defRPr/>
+            </a:pPr>
+            <a:r>
+              <a:rPr lang="zh-CN" altLang="en-US" dirty="0">
+                <a:latin typeface="+mn-ea"/>
+              </a:rPr>
+              <a:t>培训期间请提前</a:t>
+            </a:r>
+            <a:r>
+              <a:rPr lang="en-US" altLang="zh-CN" dirty="0">
+                <a:latin typeface="+mn-ea"/>
+              </a:rPr>
+              <a:t>5</a:t>
+            </a:r>
+            <a:r>
+              <a:rPr lang="zh-CN" altLang="en-US" dirty="0">
+                <a:latin typeface="+mn-ea"/>
+              </a:rPr>
+              <a:t>分钟到达教室，并及时签到，每人每节课前签到一次，不得多签或代签。</a:t>
+            </a:r>
+            <a:endParaRPr lang="en-US" dirty="0">
+              <a:latin typeface="+mn-ea"/>
+            </a:endParaRPr>
+          </a:p>
+          <a:p>
+            <a:endParaRPr lang="en-US" dirty="0"/>
+          </a:p>
+        </p:txBody>
+      </p:sp>
+    </p:spTree>
+    <p:extLst>
+      <p:ext uri="{BB962C8B-B14F-4D97-AF65-F5344CB8AC3E}">
+        <p14:creationId xmlns:p14="http://schemas.microsoft.com/office/powerpoint/2010/main" val="1141033321"/>
+      </p:ext>
+    </p:extLst>
+  </p:cSld>
+  <p:clrMapOvr>
+    <a:masterClrMapping/>
+  </p:clrMapOvr>
 </p:sld>
 </file>
 
@@ -15100,15 +14239,15 @@
           <a:lstStyle/>
           <a:p>
             <a:r>
-              <a:rPr lang="en-US" altLang="zh-CN" dirty="0" err="1" smtClean="0"/>
+              <a:rPr lang="en-US" altLang="zh-CN" dirty="0" err="1"/>
               <a:t>Javascript</a:t>
             </a:r>
             <a:r>
-              <a:rPr lang="en-US" altLang="zh-CN" dirty="0" smtClean="0"/>
+              <a:rPr lang="en-US" altLang="zh-CN" dirty="0"/>
               <a:t> </a:t>
             </a:r>
             <a:r>
-              <a:rPr lang="zh-CN" altLang="en-US" dirty="0" smtClean="0"/>
+              <a:rPr lang="zh-CN" altLang="en-US" dirty="0"/>
               <a:t>基础</a:t>
             </a:r>
             <a:endParaRPr lang="en-US" dirty="0"/>
@@ -15131,52 +14270,59 @@
           <a:lstStyle/>
           <a:p>
             <a:r>
-              <a:rPr lang="zh-CN" altLang="en-US" dirty="0" smtClean="0"/>
+              <a:rPr lang="zh-CN" altLang="en-US" dirty="0"/>
               <a:t>背景与发展</a:t>
             </a:r>
-            <a:endParaRPr lang="en-US" dirty="0" smtClean="0"/>
-          </a:p>
-          <a:p>
-            <a:r>
-              <a:rPr lang="zh-CN" altLang="en-US" dirty="0" smtClean="0"/>
+            <a:endParaRPr lang="en-US" dirty="0"/>
+          </a:p>
+          <a:p>
+            <a:r>
+              <a:rPr lang="zh-CN" altLang="en-US" dirty="0"/>
               <a:t>开发工具</a:t>
             </a:r>
-            <a:endParaRPr lang="en-US" dirty="0" smtClean="0"/>
-          </a:p>
-          <a:p>
-            <a:r>
-              <a:rPr lang="zh-CN" altLang="en-US" dirty="0" smtClean="0"/>
-              <a:t>前端与后端</a:t>
-            </a:r>
-            <a:endParaRPr lang="en-US" altLang="zh-CN" dirty="0" smtClean="0"/>
-          </a:p>
-          <a:p>
-            <a:r>
-              <a:rPr lang="en-US" altLang="zh-CN" dirty="0" err="1" smtClean="0"/>
+            <a:endParaRPr lang="en-US" altLang="zh-CN" dirty="0"/>
+          </a:p>
+          <a:p>
+            <a:r>
+              <a:rPr lang="en-US" altLang="zh-CN" dirty="0"/>
+              <a:t>Nodejs</a:t>
+            </a:r>
+          </a:p>
+          <a:p>
+            <a:r>
+              <a:rPr lang="en-US" altLang="zh-CN" dirty="0" err="1"/>
               <a:t>Javascript</a:t>
             </a:r>
             <a:r>
-              <a:rPr lang="en-US" altLang="zh-CN" dirty="0" smtClean="0"/>
+              <a:rPr lang="en-US" altLang="zh-CN" dirty="0"/>
               <a:t> </a:t>
             </a:r>
             <a:r>
-              <a:rPr lang="zh-CN" altLang="en-US" dirty="0" smtClean="0"/>
+              <a:rPr lang="zh-CN" altLang="en-US" dirty="0"/>
               <a:t>基础</a:t>
             </a:r>
-            <a:endParaRPr lang="en-US" altLang="zh-CN" dirty="0" smtClean="0"/>
-          </a:p>
-          <a:p>
-            <a:r>
-              <a:rPr lang="en-US" altLang="zh-CN" dirty="0" smtClean="0"/>
-              <a:t>JQuery</a:t>
-            </a:r>
-          </a:p>
-          <a:p>
-            <a:r>
-              <a:rPr lang="en-US" altLang="zh-CN" dirty="0" err="1" smtClean="0"/>
-              <a:t>NodeJs</a:t>
-            </a:r>
-            <a:endParaRPr lang="en-US" altLang="zh-CN" dirty="0" smtClean="0"/>
+            <a:endParaRPr lang="en-US" altLang="zh-CN" dirty="0"/>
+          </a:p>
+          <a:p>
+            <a:r>
+              <a:rPr lang="zh-CN" altLang="en-US" dirty="0"/>
+              <a:t>正则表达式 </a:t>
+            </a:r>
+            <a:r>
+              <a:rPr lang="en-US" altLang="zh-CN" dirty="0"/>
+              <a:t>(</a:t>
+            </a:r>
+            <a:r>
+              <a:rPr lang="en-US" altLang="zh-CN"/>
+              <a:t>Regular Expression)</a:t>
+            </a:r>
+            <a:endParaRPr lang="en-US" altLang="zh-CN" dirty="0"/>
+          </a:p>
+          <a:p>
+            <a:r>
+              <a:rPr lang="en-US" altLang="zh-CN" dirty="0"/>
+              <a:t>Git</a:t>
+            </a:r>
           </a:p>
           <a:p>
             <a:endParaRPr lang="en-US" dirty="0"/>
@@ -15229,7 +14375,7 @@
           <a:lstStyle/>
           <a:p>
             <a:r>
-              <a:rPr lang="zh-CN" altLang="en-US" dirty="0" smtClean="0"/>
+              <a:rPr lang="zh-CN" altLang="en-US" dirty="0"/>
               <a:t>背景与发展</a:t>
             </a:r>
             <a:endParaRPr lang="en-US" dirty="0"/>
@@ -15254,12 +14400,8 @@
           <a:lstStyle/>
           <a:p>
             <a:r>
-              <a:rPr lang="zh-CN" altLang="en-US" dirty="0" smtClean="0"/>
-              <a:t>一</a:t>
-            </a:r>
-            <a:r>
               <a:rPr lang="zh-CN" altLang="en-US" dirty="0"/>
-              <a:t>种</a:t>
+              <a:t>一种</a:t>
             </a:r>
             <a:r>
               <a:rPr lang="zh-CN" altLang="en-US" dirty="0">
@@ -15295,13 +14437,9 @@
             </a:r>
             <a:r>
               <a:rPr lang="zh-CN" altLang="en-US" dirty="0"/>
-              <a:t>、基于原型的语言，内置支持类型</a:t>
-            </a:r>
-            <a:r>
-              <a:rPr lang="zh-CN" altLang="en-US" dirty="0" smtClean="0"/>
-              <a:t>。</a:t>
-            </a:r>
-            <a:endParaRPr lang="en-US" altLang="zh-CN" dirty="0" smtClean="0"/>
+              <a:t>、基于原型的语言，内置支持类型。</a:t>
+            </a:r>
+            <a:endParaRPr lang="en-US" altLang="zh-CN" dirty="0"/>
           </a:p>
           <a:p>
             <a:r>
@@ -15361,7 +14499,7 @@
               <a:t>，因此取名为</a:t>
             </a:r>
             <a:r>
-              <a:rPr lang="en-US" altLang="zh-CN" dirty="0" smtClean="0">
+              <a:rPr lang="en-US" altLang="zh-CN" dirty="0">
                 <a:solidFill>
                   <a:srgbClr val="FF0000"/>
                 </a:solidFill>
@@ -15369,10 +14507,10 @@
               <a:t>JavaScript</a:t>
             </a:r>
             <a:r>
-              <a:rPr lang="zh-CN" altLang="en-US" dirty="0" smtClean="0"/>
+              <a:rPr lang="zh-CN" altLang="en-US" dirty="0"/>
               <a:t>。</a:t>
             </a:r>
-            <a:endParaRPr lang="en-US" altLang="zh-CN" dirty="0" smtClean="0"/>
+            <a:endParaRPr lang="en-US" altLang="zh-CN" dirty="0"/>
           </a:p>
           <a:p>
             <a:r>
@@ -15417,23 +14555,15 @@
             </a:r>
             <a:r>
               <a:rPr lang="zh-CN" altLang="en-US" dirty="0"/>
-              <a:t>，三家成三足鼎立之势</a:t>
-            </a:r>
-            <a:r>
-              <a:rPr lang="zh-CN" altLang="en-US" dirty="0" smtClean="0"/>
-              <a:t>。后经</a:t>
-            </a:r>
-            <a:r>
-              <a:rPr lang="en-US" altLang="zh-CN" dirty="0" smtClean="0"/>
+              <a:t>，三家成三足鼎立之势。后经</a:t>
+            </a:r>
+            <a:r>
+              <a:rPr lang="en-US" altLang="zh-CN" dirty="0"/>
               <a:t>ECMA</a:t>
             </a:r>
             <a:r>
               <a:rPr lang="zh-CN" altLang="en-US" dirty="0"/>
-              <a:t>（欧洲计算机制造商协会</a:t>
-            </a:r>
-            <a:r>
-              <a:rPr lang="zh-CN" altLang="en-US" dirty="0" smtClean="0"/>
-              <a:t>）协商以</a:t>
+              <a:t>（欧洲计算机制造商协会）协商以</a:t>
             </a:r>
             <a:r>
               <a:rPr lang="en-US" altLang="zh-CN" dirty="0"/>
@@ -15444,19 +14574,15 @@
               <a:t>为基础制定了</a:t>
             </a:r>
             <a:r>
-              <a:rPr lang="en-US" altLang="zh-CN" dirty="0" smtClean="0"/>
+              <a:rPr lang="en-US" altLang="zh-CN" dirty="0"/>
               <a:t>ECMA-262</a:t>
             </a:r>
             <a:r>
-              <a:rPr lang="zh-CN" altLang="en-US" dirty="0" smtClean="0"/>
-              <a:t>标准，一</a:t>
-            </a:r>
-            <a:r>
               <a:rPr lang="zh-CN" altLang="en-US" dirty="0"/>
-              <a:t>统为</a:t>
-            </a:r>
-            <a:r>
-              <a:rPr lang="en-US" altLang="zh-CN" dirty="0" smtClean="0">
+              <a:t>标准，一统为</a:t>
+            </a:r>
+            <a:r>
+              <a:rPr lang="en-US" altLang="zh-CN" dirty="0">
                 <a:solidFill>
                   <a:srgbClr val="FF0000"/>
                 </a:solidFill>
@@ -15464,14 +14590,14 @@
               <a:t>ECMAScript</a:t>
             </a:r>
             <a:r>
-              <a:rPr lang="zh-CN" altLang="en-US" dirty="0" smtClean="0"/>
+              <a:rPr lang="zh-CN" altLang="en-US" dirty="0"/>
               <a:t>。</a:t>
             </a:r>
-            <a:endParaRPr lang="en-US" altLang="zh-CN" dirty="0" smtClean="0"/>
-          </a:p>
-          <a:p>
-            <a:r>
-              <a:rPr lang="en-US" altLang="zh-CN" dirty="0" smtClean="0">
+            <a:endParaRPr lang="en-US" altLang="zh-CN" dirty="0"/>
+          </a:p>
+          <a:p>
+            <a:r>
+              <a:rPr lang="en-US" altLang="zh-CN" dirty="0">
                 <a:solidFill>
                   <a:srgbClr val="FF0000"/>
                 </a:solidFill>
@@ -15480,7 +14606,7 @@
             </a:r>
           </a:p>
           <a:p>
-            <a:endParaRPr lang="en-US" altLang="zh-CN" dirty="0" smtClean="0"/>
+            <a:endParaRPr lang="en-US" altLang="zh-CN" dirty="0"/>
           </a:p>
         </p:txBody>
       </p:sp>
@@ -15530,7 +14656,7 @@
           <a:lstStyle/>
           <a:p>
             <a:r>
-              <a:rPr lang="zh-CN" altLang="en-US" dirty="0" smtClean="0"/>
+              <a:rPr lang="zh-CN" altLang="en-US" dirty="0"/>
               <a:t>开发工具</a:t>
             </a:r>
             <a:endParaRPr lang="en-US" dirty="0"/>
@@ -15555,91 +14681,62 @@
           <a:lstStyle/>
           <a:p>
             <a:r>
-              <a:rPr lang="zh-CN" altLang="en-US" dirty="0" smtClean="0"/>
+              <a:rPr lang="zh-CN" altLang="en-US" dirty="0"/>
               <a:t>终端</a:t>
             </a:r>
-            <a:endParaRPr lang="en-US" altLang="zh-CN" dirty="0" smtClean="0"/>
+            <a:endParaRPr lang="en-US" altLang="zh-CN" dirty="0"/>
           </a:p>
           <a:p>
             <a:pPr lvl="1"/>
             <a:r>
-              <a:rPr lang="zh-CN" altLang="en-US" dirty="0" smtClean="0"/>
+              <a:rPr lang="zh-CN" altLang="en-US" dirty="0"/>
               <a:t>浏览器 </a:t>
             </a:r>
             <a:r>
-              <a:rPr lang="en-US" altLang="zh-CN" dirty="0" smtClean="0"/>
+              <a:rPr lang="en-US" altLang="zh-CN" dirty="0"/>
               <a:t>Chrome</a:t>
             </a:r>
             <a:r>
-              <a:rPr lang="zh-CN" altLang="en-US" dirty="0" smtClean="0"/>
+              <a:rPr lang="zh-CN" altLang="en-US" dirty="0"/>
               <a:t>，</a:t>
             </a:r>
             <a:r>
-              <a:rPr lang="en-US" altLang="zh-CN" dirty="0" smtClean="0"/>
+              <a:rPr lang="en-US" altLang="zh-CN" dirty="0"/>
               <a:t>Firefox</a:t>
             </a:r>
             <a:r>
-              <a:rPr lang="zh-CN" altLang="en-US" dirty="0" smtClean="0"/>
+              <a:rPr lang="zh-CN" altLang="en-US" dirty="0"/>
               <a:t>， </a:t>
             </a:r>
             <a:r>
-              <a:rPr lang="en-US" altLang="zh-CN" dirty="0" smtClean="0"/>
+              <a:rPr lang="en-US" altLang="zh-CN" dirty="0"/>
               <a:t>Edge</a:t>
             </a:r>
           </a:p>
           <a:p>
+            <a:r>
+              <a:rPr lang="en-US" altLang="zh-CN" dirty="0"/>
+              <a:t>IDE </a:t>
+            </a:r>
+            <a:r>
+              <a:rPr lang="zh-CN" altLang="en-US" dirty="0"/>
+              <a:t>（整合开发环境）</a:t>
+            </a:r>
+            <a:endParaRPr lang="en-US" altLang="zh-CN" dirty="0"/>
+          </a:p>
+          <a:p>
             <a:pPr lvl="1"/>
             <a:r>
-              <a:rPr lang="en-US" altLang="zh-CN" dirty="0" err="1" smtClean="0"/>
+              <a:rPr lang="en-US" altLang="zh-CN" dirty="0"/>
+              <a:t>Visual Studio Code</a:t>
+            </a:r>
+          </a:p>
+          <a:p>
+            <a:pPr lvl="1"/>
+            <a:r>
+              <a:rPr lang="en-US" altLang="zh-CN" dirty="0"/>
               <a:t>Nodejs</a:t>
             </a:r>
-            <a:endParaRPr lang="en-US" altLang="zh-CN" dirty="0" smtClean="0"/>
-          </a:p>
-          <a:p>
-            <a:r>
-              <a:rPr lang="en-US" altLang="zh-CN" dirty="0" smtClean="0"/>
-              <a:t>Online</a:t>
-            </a:r>
-          </a:p>
-          <a:p>
-            <a:pPr lvl="1"/>
-            <a:r>
-              <a:rPr lang="en-US" altLang="zh-CN" dirty="0"/>
-              <a:t>fiddle.jshell.net</a:t>
-            </a:r>
-          </a:p>
-          <a:p>
-            <a:pPr lvl="1"/>
-            <a:r>
-              <a:rPr lang="en-US" altLang="zh-CN" dirty="0" smtClean="0"/>
-              <a:t>Codepen.io</a:t>
-            </a:r>
-          </a:p>
-          <a:p>
-            <a:r>
-              <a:rPr lang="en-US" altLang="zh-CN" dirty="0" smtClean="0"/>
-              <a:t>IDE </a:t>
-            </a:r>
-            <a:r>
-              <a:rPr lang="zh-CN" altLang="en-US" dirty="0" smtClean="0"/>
-              <a:t>（整合开发环境）</a:t>
-            </a:r>
-            <a:endParaRPr lang="en-US" altLang="zh-CN" dirty="0" smtClean="0"/>
-          </a:p>
-          <a:p>
-            <a:pPr lvl="1"/>
-            <a:r>
-              <a:rPr lang="en-US" altLang="zh-CN" dirty="0" smtClean="0"/>
-              <a:t>Visual Studio Code</a:t>
-            </a:r>
-          </a:p>
-          <a:p>
-            <a:pPr lvl="1"/>
-            <a:r>
-              <a:rPr lang="en-US" altLang="zh-CN" dirty="0" smtClean="0"/>
-              <a:t>Sublime</a:t>
-            </a:r>
-            <a:endParaRPr lang="en-US" dirty="0"/>
           </a:p>
         </p:txBody>
       </p:sp>
@@ -15689,8 +14786,16 @@
           <a:lstStyle/>
           <a:p>
             <a:r>
-              <a:rPr lang="zh-CN" altLang="en-US" dirty="0" smtClean="0"/>
-              <a:t>前端与后端</a:t>
+              <a:rPr lang="en-US" altLang="zh-CN" dirty="0" err="1"/>
+              <a:t>Javascript</a:t>
+            </a:r>
+            <a:r>
+              <a:rPr lang="en-US" altLang="zh-CN" dirty="0"/>
+              <a:t> </a:t>
+            </a:r>
+            <a:r>
+              <a:rPr lang="zh-CN" altLang="en-US" dirty="0"/>
+              <a:t>基础</a:t>
             </a:r>
             <a:endParaRPr lang="en-US" dirty="0"/>
           </a:p>
@@ -15712,194 +14817,39 @@
           <a:lstStyle/>
           <a:p>
             <a:r>
-              <a:rPr lang="zh-CN" altLang="en-US" dirty="0" smtClean="0"/>
-              <a:t>诞生之初仅为前端嵌入式开发，生存空间有限</a:t>
-            </a:r>
-            <a:endParaRPr lang="en-US" altLang="zh-CN" dirty="0" smtClean="0"/>
-          </a:p>
-          <a:p>
-            <a:r>
-              <a:rPr lang="en-US" altLang="zh-CN" dirty="0" smtClean="0"/>
-              <a:t>Ajax</a:t>
-            </a:r>
-            <a:r>
-              <a:rPr lang="zh-CN" altLang="en-US" dirty="0" smtClean="0"/>
-              <a:t>焕发生机</a:t>
-            </a:r>
-            <a:endParaRPr lang="en-US" altLang="zh-CN" dirty="0" smtClean="0"/>
-          </a:p>
-          <a:p>
-            <a:r>
-              <a:rPr lang="zh-CN" altLang="en-US" dirty="0" smtClean="0"/>
-              <a:t>前端框架层出不穷，</a:t>
-            </a:r>
-            <a:r>
-              <a:rPr lang="en-US" altLang="zh-CN" dirty="0" err="1" smtClean="0"/>
-              <a:t>AngularJs</a:t>
-            </a:r>
-            <a:r>
-              <a:rPr lang="en-US" altLang="zh-CN" dirty="0" smtClean="0"/>
-              <a:t>, React(Facebook)</a:t>
-            </a:r>
-          </a:p>
-          <a:p>
-            <a:r>
-              <a:rPr lang="zh-CN" altLang="en-US" dirty="0" smtClean="0"/>
-              <a:t>基于</a:t>
-            </a:r>
-            <a:r>
-              <a:rPr lang="en-US" altLang="zh-CN" dirty="0" smtClean="0"/>
-              <a:t>V8</a:t>
-            </a:r>
-            <a:r>
-              <a:rPr lang="zh-CN" altLang="en-US" dirty="0" smtClean="0"/>
-              <a:t>的</a:t>
-            </a:r>
-            <a:r>
-              <a:rPr lang="en-US" altLang="zh-CN" dirty="0" err="1" smtClean="0"/>
-              <a:t>Nodejs</a:t>
-            </a:r>
-            <a:r>
-              <a:rPr lang="zh-CN" altLang="en-US" dirty="0" smtClean="0"/>
-              <a:t>问世，空前繁荣，可谓</a:t>
-            </a:r>
-            <a:r>
-              <a:rPr lang="zh-CN" altLang="en-US" dirty="0" smtClean="0">
-                <a:solidFill>
-                  <a:srgbClr val="FF0000"/>
-                </a:solidFill>
-              </a:rPr>
-              <a:t>前后通吃</a:t>
-            </a:r>
-            <a:endParaRPr lang="en-US" altLang="zh-CN" dirty="0" smtClean="0">
-              <a:solidFill>
-                <a:srgbClr val="FF0000"/>
-              </a:solidFill>
-            </a:endParaRPr>
-          </a:p>
-          <a:p>
-            <a:r>
-              <a:rPr lang="zh-CN" altLang="en-US" dirty="0" smtClean="0"/>
-              <a:t>与一般后端开发对比</a:t>
-            </a:r>
-            <a:endParaRPr lang="en-US" dirty="0"/>
-          </a:p>
-        </p:txBody>
-      </p:sp>
-    </p:spTree>
-    <p:extLst>
-      <p:ext uri="{BB962C8B-B14F-4D97-AF65-F5344CB8AC3E}">
-        <p14:creationId xmlns:p14="http://schemas.microsoft.com/office/powerpoint/2010/main" val="1982530306"/>
-      </p:ext>
-    </p:extLst>
-  </p:cSld>
-  <p:clrMapOvr>
-    <a:masterClrMapping/>
-  </p:clrMapOvr>
-</p:sld>
-</file>
-
-<file path=ppt/slides/slide7.xml><?xml version="1.0" encoding="utf-8"?>
-<p:sld xmlns:a="http://schemas.openxmlformats.org/drawingml/2006/main" xmlns:r="http://schemas.openxmlformats.org/officeDocument/2006/relationships" xmlns:p="http://schemas.openxmlformats.org/presentationml/2006/main">
-  <p:cSld>
-    <p:spTree>
-      <p:nvGrpSpPr>
-        <p:cNvPr id="1" name=""/>
-        <p:cNvGrpSpPr/>
-        <p:nvPr/>
-      </p:nvGrpSpPr>
-      <p:grpSpPr>
-        <a:xfrm>
-          <a:off x="0" y="0"/>
-          <a:ext cx="0" cy="0"/>
-          <a:chOff x="0" y="0"/>
-          <a:chExt cx="0" cy="0"/>
-        </a:xfrm>
-      </p:grpSpPr>
-      <p:sp>
-        <p:nvSpPr>
-          <p:cNvPr id="2" name="Title 1"/>
-          <p:cNvSpPr>
-            <a:spLocks noGrp="1"/>
-          </p:cNvSpPr>
-          <p:nvPr>
-            <p:ph type="title"/>
-          </p:nvPr>
-        </p:nvSpPr>
-        <p:spPr/>
-        <p:txBody>
-          <a:bodyPr/>
-          <a:lstStyle/>
-          <a:p>
-            <a:r>
-              <a:rPr lang="en-US" altLang="zh-CN" dirty="0" err="1" smtClean="0"/>
-              <a:t>Javascript</a:t>
+              <a:rPr lang="zh-CN" altLang="en-US" dirty="0"/>
+              <a:t>数据类型</a:t>
+            </a:r>
+            <a:endParaRPr lang="en-US" altLang="zh-CN" dirty="0"/>
+          </a:p>
+          <a:p>
+            <a:r>
+              <a:rPr lang="zh-CN" altLang="en-US" dirty="0"/>
+              <a:t>运算符</a:t>
+            </a:r>
+            <a:endParaRPr lang="en-US" altLang="zh-CN" dirty="0"/>
+          </a:p>
+          <a:p>
+            <a:r>
+              <a:rPr lang="zh-CN" altLang="en-US" dirty="0"/>
+              <a:t>表达式</a:t>
+            </a:r>
+            <a:endParaRPr lang="en-US" altLang="zh-CN" dirty="0"/>
+          </a:p>
+          <a:p>
+            <a:r>
+              <a:rPr lang="zh-CN" altLang="en-US" dirty="0"/>
+              <a:t>自学</a:t>
             </a:r>
             <a:r>
               <a:rPr lang="en-US" altLang="zh-CN" dirty="0"/>
-              <a:t> </a:t>
-            </a:r>
-            <a:r>
-              <a:rPr lang="zh-CN" altLang="en-US" dirty="0" smtClean="0"/>
-              <a:t>基础</a:t>
-            </a:r>
-            <a:endParaRPr lang="en-US" dirty="0"/>
-          </a:p>
-        </p:txBody>
-      </p:sp>
-      <p:sp>
-        <p:nvSpPr>
-          <p:cNvPr id="3" name="Content Placeholder 2"/>
-          <p:cNvSpPr>
-            <a:spLocks noGrp="1"/>
-          </p:cNvSpPr>
-          <p:nvPr>
-            <p:ph idx="1"/>
-          </p:nvPr>
-        </p:nvSpPr>
-        <p:spPr/>
-        <p:txBody>
-          <a:bodyPr/>
-          <a:lstStyle/>
-          <a:p>
-            <a:r>
-              <a:rPr lang="zh-CN" altLang="en-US" dirty="0" smtClean="0"/>
-              <a:t>数据类型</a:t>
-            </a:r>
-            <a:endParaRPr lang="en-US" altLang="zh-CN" dirty="0" smtClean="0"/>
-          </a:p>
-          <a:p>
-            <a:r>
-              <a:rPr lang="zh-CN" altLang="en-US" dirty="0" smtClean="0"/>
-              <a:t>运算符</a:t>
-            </a:r>
-            <a:endParaRPr lang="en-US" altLang="zh-CN" dirty="0" smtClean="0"/>
-          </a:p>
-          <a:p>
-            <a:r>
-              <a:rPr lang="zh-CN" altLang="en-US" dirty="0" smtClean="0"/>
-              <a:t>表达式</a:t>
-            </a:r>
-            <a:endParaRPr lang="en-US" altLang="zh-CN" dirty="0" smtClean="0"/>
-          </a:p>
-          <a:p>
-            <a:r>
-              <a:rPr lang="zh-CN" altLang="en-US" dirty="0" smtClean="0"/>
-              <a:t>自学</a:t>
-            </a:r>
-            <a:r>
-              <a:rPr lang="en-US" altLang="zh-CN" dirty="0"/>
-              <a:t> </a:t>
-            </a:r>
-            <a:r>
-              <a:rPr lang="en-US" altLang="zh-CN" dirty="0" smtClean="0"/>
-              <a:t>– </a:t>
-            </a:r>
-            <a:r>
-              <a:rPr lang="zh-CN" altLang="en-US" dirty="0" smtClean="0"/>
+              <a:t> – </a:t>
+            </a:r>
+            <a:r>
+              <a:rPr lang="zh-CN" altLang="en-US" dirty="0"/>
               <a:t>举一反三</a:t>
             </a:r>
-            <a:endParaRPr lang="en-US" altLang="zh-CN" dirty="0" smtClean="0"/>
+            <a:endParaRPr lang="en-US" altLang="zh-CN" dirty="0"/>
           </a:p>
         </p:txBody>
       </p:sp>
@@ -15916,7 +14866,7 @@
 </p:sld>
 </file>
 
-<file path=ppt/slides/slide8.xml><?xml version="1.0" encoding="utf-8"?>
+<file path=ppt/slides/slide7.xml><?xml version="1.0" encoding="utf-8"?>
 <p:sld xmlns:a="http://schemas.openxmlformats.org/drawingml/2006/main" xmlns:r="http://schemas.openxmlformats.org/officeDocument/2006/relationships" xmlns:p="http://schemas.openxmlformats.org/presentationml/2006/main">
   <p:cSld>
     <p:spTree>
@@ -15975,10 +14925,9 @@
           </a:lstStyle>
           <a:p>
             <a:r>
-              <a:rPr lang="zh-CN" altLang="en-US" dirty="0" smtClean="0"/>
+              <a:rPr lang="zh-CN" altLang="en-US" dirty="0"/>
               <a:t>数据类型</a:t>
             </a:r>
-            <a:endParaRPr lang="zh-CN" altLang="en-US" dirty="0"/>
           </a:p>
         </p:txBody>
       </p:sp>
@@ -16206,101 +15155,65 @@
           <a:p>
             <a:r>
               <a:rPr lang="en-US" altLang="zh-CN" dirty="0"/>
-              <a:t>n</a:t>
-            </a:r>
-            <a:r>
-              <a:rPr lang="en-US" altLang="zh-CN" dirty="0" smtClean="0"/>
-              <a:t>umber</a:t>
+              <a:t>number</a:t>
             </a:r>
           </a:p>
           <a:p>
             <a:r>
               <a:rPr lang="en-US" altLang="zh-CN" dirty="0"/>
-              <a:t>s</a:t>
-            </a:r>
-            <a:r>
-              <a:rPr lang="en-US" altLang="zh-CN" dirty="0" smtClean="0"/>
-              <a:t>tring</a:t>
+              <a:t>string</a:t>
             </a:r>
           </a:p>
           <a:p>
             <a:r>
               <a:rPr lang="en-US" altLang="zh-CN" dirty="0" err="1"/>
-              <a:t>b</a:t>
-            </a:r>
-            <a:r>
-              <a:rPr lang="en-US" altLang="zh-CN" dirty="0" err="1" smtClean="0"/>
-              <a:t>oolean</a:t>
-            </a:r>
-            <a:endParaRPr lang="en-US" altLang="zh-CN" dirty="0" smtClean="0"/>
+              <a:t>boolean</a:t>
+            </a:r>
+            <a:endParaRPr lang="en-US" altLang="zh-CN" dirty="0"/>
           </a:p>
           <a:p>
             <a:r>
               <a:rPr lang="en-US" altLang="zh-CN" dirty="0"/>
-              <a:t>n</a:t>
-            </a:r>
-            <a:r>
-              <a:rPr lang="en-US" altLang="zh-CN" dirty="0" smtClean="0"/>
-              <a:t>ull</a:t>
+              <a:t>null</a:t>
             </a:r>
           </a:p>
           <a:p>
             <a:r>
               <a:rPr lang="en-US" altLang="zh-CN" dirty="0"/>
-              <a:t>u</a:t>
-            </a:r>
-            <a:r>
-              <a:rPr lang="en-US" altLang="zh-CN" dirty="0" smtClean="0"/>
-              <a:t>ndefined</a:t>
+              <a:t>undefined</a:t>
             </a:r>
           </a:p>
           <a:p>
             <a:r>
               <a:rPr lang="en-US" altLang="zh-CN" dirty="0"/>
-              <a:t>o</a:t>
-            </a:r>
-            <a:r>
-              <a:rPr lang="en-US" altLang="zh-CN" dirty="0" smtClean="0"/>
-              <a:t>bject</a:t>
+              <a:t>object</a:t>
             </a:r>
           </a:p>
           <a:p>
             <a:pPr lvl="1"/>
             <a:r>
               <a:rPr lang="en-US" altLang="zh-CN" dirty="0"/>
-              <a:t>f</a:t>
-            </a:r>
-            <a:r>
-              <a:rPr lang="en-US" altLang="zh-CN" dirty="0" smtClean="0"/>
-              <a:t>unction</a:t>
+              <a:t>function</a:t>
             </a:r>
           </a:p>
           <a:p>
             <a:pPr lvl="1"/>
             <a:r>
               <a:rPr lang="en-US" altLang="zh-CN" dirty="0"/>
-              <a:t>a</a:t>
-            </a:r>
-            <a:r>
-              <a:rPr lang="en-US" altLang="zh-CN" dirty="0" smtClean="0"/>
-              <a:t>rray</a:t>
+              <a:t>array</a:t>
             </a:r>
           </a:p>
           <a:p>
             <a:pPr lvl="1"/>
             <a:r>
               <a:rPr lang="en-US" altLang="zh-CN" dirty="0"/>
-              <a:t>d</a:t>
-            </a:r>
-            <a:r>
-              <a:rPr lang="en-US" altLang="zh-CN" dirty="0" smtClean="0"/>
-              <a:t>ate</a:t>
+              <a:t>date</a:t>
             </a:r>
           </a:p>
           <a:p>
             <a:pPr lvl="1"/>
             <a:r>
-              <a:rPr lang="en-US" altLang="zh-CN" dirty="0" smtClean="0"/>
+              <a:rPr lang="en-US" altLang="zh-CN" dirty="0"/>
               <a:t>…..</a:t>
             </a:r>
           </a:p>
@@ -16423,10 +15336,9 @@
           </a:lstStyle>
           <a:p>
             <a:r>
-              <a:rPr lang="zh-CN" altLang="en-US" sz="3200" b="1" dirty="0" smtClean="0"/>
+              <a:rPr lang="zh-CN" altLang="en-US" sz="3200" b="1" dirty="0"/>
               <a:t>基础类型</a:t>
             </a:r>
-            <a:endParaRPr lang="zh-CN" altLang="en-US" sz="3200" b="1" dirty="0"/>
           </a:p>
         </p:txBody>
       </p:sp>
@@ -16443,7 +15355,7 @@
 </p:sld>
 </file>
 
-<file path=ppt/slides/slide9.xml><?xml version="1.0" encoding="utf-8"?>
+<file path=ppt/slides/slide8.xml><?xml version="1.0" encoding="utf-8"?>
 <p:sld xmlns:a="http://schemas.openxmlformats.org/drawingml/2006/main" xmlns:r="http://schemas.openxmlformats.org/officeDocument/2006/relationships" xmlns:p="http://schemas.openxmlformats.org/presentationml/2006/main">
   <p:cSld>
     <p:spTree>
@@ -16502,7 +15414,7 @@
           </a:lstStyle>
           <a:p>
             <a:r>
-              <a:rPr lang="zh-CN" altLang="en-US" dirty="0" smtClean="0"/>
+              <a:rPr lang="zh-CN" altLang="en-US" dirty="0"/>
               <a:t>运算符</a:t>
             </a:r>
             <a:endParaRPr lang="en-US" dirty="0"/>
@@ -16815,7 +15727,7 @@
                     <a:lstStyle/>
                     <a:p>
                       <a:r>
-                        <a:rPr lang="zh-CN" altLang="en-US" dirty="0" smtClean="0">
+                        <a:rPr lang="zh-CN" altLang="en-US" dirty="0">
                           <a:latin typeface="微软雅黑" panose="020B0503020204020204" pitchFamily="34" charset="-122"/>
                           <a:ea typeface="微软雅黑" panose="020B0503020204020204" pitchFamily="34" charset="-122"/>
                         </a:rPr>
@@ -16852,49 +15764,49 @@
                         <a:defRPr/>
                       </a:pPr>
                       <a:r>
-                        <a:rPr lang="en-US" altLang="zh-CN" dirty="0" smtClean="0">
+                        <a:rPr lang="en-US" altLang="zh-CN" dirty="0">
                           <a:latin typeface="微软雅黑" panose="020B0503020204020204" pitchFamily="34" charset="-122"/>
                           <a:ea typeface="微软雅黑" panose="020B0503020204020204" pitchFamily="34" charset="-122"/>
                         </a:rPr>
                         <a:t>+</a:t>
                       </a:r>
                       <a:r>
-                        <a:rPr lang="zh-CN" altLang="en-US" dirty="0" smtClean="0">
+                        <a:rPr lang="zh-CN" altLang="en-US" dirty="0">
                           <a:latin typeface="微软雅黑" panose="020B0503020204020204" pitchFamily="34" charset="-122"/>
                           <a:ea typeface="微软雅黑" panose="020B0503020204020204" pitchFamily="34" charset="-122"/>
                         </a:rPr>
                         <a:t>，</a:t>
                       </a:r>
                       <a:r>
-                        <a:rPr lang="en-US" altLang="zh-CN" dirty="0" smtClean="0">
+                        <a:rPr lang="en-US" altLang="zh-CN" dirty="0">
                           <a:latin typeface="微软雅黑" panose="020B0503020204020204" pitchFamily="34" charset="-122"/>
                           <a:ea typeface="微软雅黑" panose="020B0503020204020204" pitchFamily="34" charset="-122"/>
                         </a:rPr>
                         <a:t>-</a:t>
                       </a:r>
                       <a:r>
-                        <a:rPr lang="zh-CN" altLang="en-US" dirty="0" smtClean="0">
+                        <a:rPr lang="zh-CN" altLang="en-US" dirty="0">
                           <a:latin typeface="微软雅黑" panose="020B0503020204020204" pitchFamily="34" charset="-122"/>
                           <a:ea typeface="微软雅黑" panose="020B0503020204020204" pitchFamily="34" charset="-122"/>
                         </a:rPr>
                         <a:t>，* ，</a:t>
                       </a:r>
                       <a:r>
-                        <a:rPr lang="en-US" altLang="zh-CN" dirty="0" smtClean="0">
+                        <a:rPr lang="en-US" altLang="zh-CN" dirty="0">
                           <a:latin typeface="微软雅黑" panose="020B0503020204020204" pitchFamily="34" charset="-122"/>
                           <a:ea typeface="微软雅黑" panose="020B0503020204020204" pitchFamily="34" charset="-122"/>
                         </a:rPr>
                         <a:t>/</a:t>
                       </a:r>
                       <a:r>
-                        <a:rPr lang="zh-CN" altLang="en-US" dirty="0" smtClean="0">
+                        <a:rPr lang="zh-CN" altLang="en-US" dirty="0">
                           <a:latin typeface="微软雅黑" panose="020B0503020204020204" pitchFamily="34" charset="-122"/>
                           <a:ea typeface="微软雅黑" panose="020B0503020204020204" pitchFamily="34" charset="-122"/>
                         </a:rPr>
                         <a:t>，</a:t>
                       </a:r>
                       <a:r>
-                        <a:rPr lang="en-US" altLang="zh-CN" dirty="0" smtClean="0">
+                        <a:rPr lang="en-US" altLang="zh-CN" dirty="0">
                           <a:latin typeface="微软雅黑" panose="020B0503020204020204" pitchFamily="34" charset="-122"/>
                           <a:ea typeface="微软雅黑" panose="020B0503020204020204" pitchFamily="34" charset="-122"/>
                         </a:rPr>
@@ -16917,7 +15829,7 @@
                     <a:lstStyle/>
                     <a:p>
                       <a:r>
-                        <a:rPr lang="zh-CN" altLang="en-US" dirty="0" smtClean="0">
+                        <a:rPr lang="zh-CN" altLang="en-US" dirty="0">
                           <a:latin typeface="微软雅黑" panose="020B0503020204020204" pitchFamily="34" charset="-122"/>
                           <a:ea typeface="微软雅黑" panose="020B0503020204020204" pitchFamily="34" charset="-122"/>
                         </a:rPr>
@@ -16954,49 +15866,49 @@
                         <a:defRPr/>
                       </a:pPr>
                       <a:r>
-                        <a:rPr lang="en-US" altLang="zh-CN" dirty="0" smtClean="0">
+                        <a:rPr lang="en-US" altLang="zh-CN" dirty="0">
                           <a:latin typeface="微软雅黑" panose="020B0503020204020204" pitchFamily="34" charset="-122"/>
                           <a:ea typeface="微软雅黑" panose="020B0503020204020204" pitchFamily="34" charset="-122"/>
                         </a:rPr>
                         <a:t>&amp;&amp;</a:t>
                       </a:r>
                       <a:r>
-                        <a:rPr lang="zh-CN" altLang="en-US" dirty="0" smtClean="0">
+                        <a:rPr lang="zh-CN" altLang="en-US" dirty="0">
                           <a:latin typeface="微软雅黑" panose="020B0503020204020204" pitchFamily="34" charset="-122"/>
                           <a:ea typeface="微软雅黑" panose="020B0503020204020204" pitchFamily="34" charset="-122"/>
                         </a:rPr>
                         <a:t>，</a:t>
                       </a:r>
                       <a:r>
-                        <a:rPr lang="en-US" altLang="zh-CN" dirty="0" smtClean="0">
+                        <a:rPr lang="en-US" altLang="zh-CN" dirty="0">
                           <a:latin typeface="微软雅黑" panose="020B0503020204020204" pitchFamily="34" charset="-122"/>
                           <a:ea typeface="微软雅黑" panose="020B0503020204020204" pitchFamily="34" charset="-122"/>
                         </a:rPr>
                         <a:t>||</a:t>
                       </a:r>
                       <a:r>
-                        <a:rPr lang="zh-CN" altLang="en-US" dirty="0" smtClean="0">
+                        <a:rPr lang="zh-CN" altLang="en-US" dirty="0">
                           <a:latin typeface="微软雅黑" panose="020B0503020204020204" pitchFamily="34" charset="-122"/>
                           <a:ea typeface="微软雅黑" panose="020B0503020204020204" pitchFamily="34" charset="-122"/>
                         </a:rPr>
                         <a:t>，！，</a:t>
                       </a:r>
                       <a:r>
-                        <a:rPr lang="en-US" altLang="zh-CN" dirty="0" smtClean="0">
+                        <a:rPr lang="en-US" altLang="zh-CN" dirty="0">
                           <a:latin typeface="微软雅黑" panose="020B0503020204020204" pitchFamily="34" charset="-122"/>
                           <a:ea typeface="微软雅黑" panose="020B0503020204020204" pitchFamily="34" charset="-122"/>
                         </a:rPr>
                         <a:t>==</a:t>
                       </a:r>
                       <a:r>
-                        <a:rPr lang="zh-CN" altLang="en-US" dirty="0" smtClean="0">
+                        <a:rPr lang="zh-CN" altLang="en-US" dirty="0">
                           <a:latin typeface="微软雅黑" panose="020B0503020204020204" pitchFamily="34" charset="-122"/>
                           <a:ea typeface="微软雅黑" panose="020B0503020204020204" pitchFamily="34" charset="-122"/>
                         </a:rPr>
                         <a:t>，</a:t>
                       </a:r>
                       <a:r>
-                        <a:rPr lang="en-US" altLang="zh-CN" dirty="0" smtClean="0">
+                        <a:rPr lang="en-US" altLang="zh-CN" dirty="0">
                           <a:latin typeface="微软雅黑" panose="020B0503020204020204" pitchFamily="34" charset="-122"/>
                           <a:ea typeface="微软雅黑" panose="020B0503020204020204" pitchFamily="34" charset="-122"/>
                         </a:rPr>
@@ -17019,16 +15931,12 @@
                     <a:lstStyle/>
                     <a:p>
                       <a:r>
-                        <a:rPr lang="en-US" dirty="0" smtClean="0">
+                        <a:rPr lang="en-US" dirty="0">
                           <a:latin typeface="微软雅黑" panose="020B0503020204020204" pitchFamily="34" charset="-122"/>
                           <a:ea typeface="微软雅黑" panose="020B0503020204020204" pitchFamily="34" charset="-122"/>
                         </a:rPr>
                         <a:t>,</a:t>
                       </a:r>
-                      <a:endParaRPr lang="en-US" dirty="0">
-                        <a:latin typeface="微软雅黑" panose="020B0503020204020204" pitchFamily="34" charset="-122"/>
-                        <a:ea typeface="微软雅黑" panose="020B0503020204020204" pitchFamily="34" charset="-122"/>
-                      </a:endParaRPr>
                     </a:p>
                   </a:txBody>
                   <a:tcPr/>
@@ -17056,75 +15964,75 @@
                         <a:defRPr/>
                       </a:pPr>
                       <a:r>
-                        <a:rPr lang="en-US" dirty="0" err="1" smtClean="0">
+                        <a:rPr lang="en-US" dirty="0" err="1">
                           <a:latin typeface="微软雅黑" panose="020B0503020204020204" pitchFamily="34" charset="-122"/>
                           <a:ea typeface="微软雅黑" panose="020B0503020204020204" pitchFamily="34" charset="-122"/>
                         </a:rPr>
                         <a:t>var</a:t>
                       </a:r>
                       <a:r>
-                        <a:rPr lang="en-US" dirty="0" smtClean="0">
+                        <a:rPr lang="en-US" dirty="0">
                           <a:latin typeface="微软雅黑" panose="020B0503020204020204" pitchFamily="34" charset="-122"/>
                           <a:ea typeface="微软雅黑" panose="020B0503020204020204" pitchFamily="34" charset="-122"/>
                         </a:rPr>
                         <a:t> </a:t>
                       </a:r>
                       <a:r>
-                        <a:rPr lang="en-US" dirty="0" err="1" smtClean="0">
+                        <a:rPr lang="en-US" dirty="0" err="1">
                           <a:latin typeface="微软雅黑" panose="020B0503020204020204" pitchFamily="34" charset="-122"/>
                           <a:ea typeface="微软雅黑" panose="020B0503020204020204" pitchFamily="34" charset="-122"/>
                         </a:rPr>
                         <a:t>a,b</a:t>
                       </a:r>
                       <a:r>
-                        <a:rPr lang="en-US" dirty="0" smtClean="0">
+                        <a:rPr lang="en-US" dirty="0">
                           <a:latin typeface="微软雅黑" panose="020B0503020204020204" pitchFamily="34" charset="-122"/>
                           <a:ea typeface="微软雅黑" panose="020B0503020204020204" pitchFamily="34" charset="-122"/>
                         </a:rPr>
                         <a:t>; a=1,b=2;</a:t>
                       </a:r>
                       <a:br>
-                        <a:rPr lang="en-US" dirty="0" smtClean="0">
+                        <a:rPr lang="en-US" dirty="0">
                           <a:latin typeface="微软雅黑" panose="020B0503020204020204" pitchFamily="34" charset="-122"/>
                           <a:ea typeface="微软雅黑" panose="020B0503020204020204" pitchFamily="34" charset="-122"/>
                         </a:rPr>
                       </a:br>
-                      <a:endParaRPr lang="en-US" dirty="0" smtClean="0">
+                      <a:endParaRPr lang="en-US" dirty="0">
                         <a:latin typeface="微软雅黑" panose="020B0503020204020204" pitchFamily="34" charset="-122"/>
                         <a:ea typeface="微软雅黑" panose="020B0503020204020204" pitchFamily="34" charset="-122"/>
                       </a:endParaRPr>
                     </a:p>
                     <a:p>
                       <a:r>
-                        <a:rPr lang="en-US" dirty="0" err="1" smtClean="0">
+                        <a:rPr lang="en-US" dirty="0" err="1">
                           <a:latin typeface="微软雅黑" panose="020B0503020204020204" pitchFamily="34" charset="-122"/>
                           <a:ea typeface="微软雅黑" panose="020B0503020204020204" pitchFamily="34" charset="-122"/>
                         </a:rPr>
                         <a:t>var</a:t>
                       </a:r>
                       <a:r>
-                        <a:rPr lang="en-US" dirty="0" smtClean="0">
+                        <a:rPr lang="en-US" dirty="0">
                           <a:latin typeface="微软雅黑" panose="020B0503020204020204" pitchFamily="34" charset="-122"/>
                           <a:ea typeface="微软雅黑" panose="020B0503020204020204" pitchFamily="34" charset="-122"/>
                         </a:rPr>
                         <a:t> </a:t>
                       </a:r>
                       <a:r>
-                        <a:rPr lang="en-US" dirty="0" err="1" smtClean="0">
+                        <a:rPr lang="en-US" dirty="0" err="1">
                           <a:latin typeface="微软雅黑" panose="020B0503020204020204" pitchFamily="34" charset="-122"/>
                           <a:ea typeface="微软雅黑" panose="020B0503020204020204" pitchFamily="34" charset="-122"/>
                         </a:rPr>
                         <a:t>val</a:t>
                       </a:r>
                       <a:r>
-                        <a:rPr lang="en-US" dirty="0" smtClean="0">
+                        <a:rPr lang="en-US" dirty="0">
                           <a:latin typeface="微软雅黑" panose="020B0503020204020204" pitchFamily="34" charset="-122"/>
                           <a:ea typeface="微软雅黑" panose="020B0503020204020204" pitchFamily="34" charset="-122"/>
                         </a:rPr>
                         <a:t>=(2015,2016,2017);</a:t>
                       </a:r>
                       <a:r>
-                        <a:rPr lang="en-US" dirty="0" smtClean="0">
+                        <a:rPr lang="en-US" dirty="0">
                           <a:solidFill>
                             <a:srgbClr val="00B050"/>
                           </a:solidFill>
@@ -17134,7 +16042,7 @@
                         <a:t>  //</a:t>
                       </a:r>
                       <a:r>
-                        <a:rPr lang="en-US" dirty="0" err="1" smtClean="0">
+                        <a:rPr lang="en-US" dirty="0" err="1">
                           <a:solidFill>
                             <a:srgbClr val="00B050"/>
                           </a:solidFill>
@@ -17144,7 +16052,7 @@
                         <a:t>val</a:t>
                       </a:r>
                       <a:r>
-                        <a:rPr lang="en-US" dirty="0" smtClean="0">
+                        <a:rPr lang="en-US" dirty="0">
                           <a:solidFill>
                             <a:srgbClr val="00B050"/>
                           </a:solidFill>
@@ -17174,16 +16082,12 @@
                     <a:lstStyle/>
                     <a:p>
                       <a:r>
-                        <a:rPr lang="en-US" dirty="0" smtClean="0">
+                        <a:rPr lang="en-US" dirty="0">
                           <a:latin typeface="微软雅黑" panose="020B0503020204020204" pitchFamily="34" charset="-122"/>
                           <a:ea typeface="微软雅黑" panose="020B0503020204020204" pitchFamily="34" charset="-122"/>
                         </a:rPr>
                         <a:t>delete</a:t>
                       </a:r>
-                      <a:endParaRPr lang="en-US" dirty="0">
-                        <a:latin typeface="微软雅黑" panose="020B0503020204020204" pitchFamily="34" charset="-122"/>
-                        <a:ea typeface="微软雅黑" panose="020B0503020204020204" pitchFamily="34" charset="-122"/>
-                      </a:endParaRPr>
                     </a:p>
                   </a:txBody>
                   <a:tcPr/>
@@ -17194,28 +16098,28 @@
                     <a:lstStyle/>
                     <a:p>
                       <a:r>
-                        <a:rPr lang="en-US" dirty="0" err="1" smtClean="0">
+                        <a:rPr lang="en-US" dirty="0" err="1">
                           <a:latin typeface="微软雅黑" panose="020B0503020204020204" pitchFamily="34" charset="-122"/>
                           <a:ea typeface="微软雅黑" panose="020B0503020204020204" pitchFamily="34" charset="-122"/>
                         </a:rPr>
                         <a:t>var</a:t>
                       </a:r>
                       <a:r>
-                        <a:rPr lang="en-US" dirty="0" smtClean="0">
+                        <a:rPr lang="en-US" dirty="0">
                           <a:latin typeface="微软雅黑" panose="020B0503020204020204" pitchFamily="34" charset="-122"/>
                           <a:ea typeface="微软雅黑" panose="020B0503020204020204" pitchFamily="34" charset="-122"/>
                         </a:rPr>
                         <a:t> </a:t>
                       </a:r>
                       <a:r>
-                        <a:rPr lang="en-US" dirty="0" err="1" smtClean="0">
+                        <a:rPr lang="en-US" dirty="0" err="1">
                           <a:latin typeface="微软雅黑" panose="020B0503020204020204" pitchFamily="34" charset="-122"/>
                           <a:ea typeface="微软雅黑" panose="020B0503020204020204" pitchFamily="34" charset="-122"/>
                         </a:rPr>
                         <a:t>obj</a:t>
                       </a:r>
                       <a:r>
-                        <a:rPr lang="en-US" dirty="0" smtClean="0">
+                        <a:rPr lang="en-US" dirty="0">
                           <a:latin typeface="微软雅黑" panose="020B0503020204020204" pitchFamily="34" charset="-122"/>
                           <a:ea typeface="微软雅黑" panose="020B0503020204020204" pitchFamily="34" charset="-122"/>
                         </a:rPr>
@@ -17224,21 +16128,21 @@
                     </a:p>
                     <a:p>
                       <a:r>
-                        <a:rPr lang="en-US" dirty="0" smtClean="0">
+                        <a:rPr lang="en-US" dirty="0">
                           <a:latin typeface="微软雅黑" panose="020B0503020204020204" pitchFamily="34" charset="-122"/>
                           <a:ea typeface="微软雅黑" panose="020B0503020204020204" pitchFamily="34" charset="-122"/>
                         </a:rPr>
                         <a:t>delete </a:t>
                       </a:r>
                       <a:r>
-                        <a:rPr lang="en-US" dirty="0" err="1" smtClean="0">
+                        <a:rPr lang="en-US" dirty="0" err="1">
                           <a:latin typeface="微软雅黑" panose="020B0503020204020204" pitchFamily="34" charset="-122"/>
                           <a:ea typeface="微软雅黑" panose="020B0503020204020204" pitchFamily="34" charset="-122"/>
                         </a:rPr>
                         <a:t>obj.x</a:t>
                       </a:r>
                       <a:r>
-                        <a:rPr lang="en-US" dirty="0" smtClean="0">
+                        <a:rPr lang="en-US" dirty="0">
                           <a:latin typeface="微软雅黑" panose="020B0503020204020204" pitchFamily="34" charset="-122"/>
                           <a:ea typeface="微软雅黑" panose="020B0503020204020204" pitchFamily="34" charset="-122"/>
                         </a:rPr>
@@ -17247,21 +16151,21 @@
                     </a:p>
                     <a:p>
                       <a:r>
-                        <a:rPr lang="en-US" dirty="0" err="1" smtClean="0">
+                        <a:rPr lang="en-US" dirty="0" err="1">
                           <a:latin typeface="微软雅黑" panose="020B0503020204020204" pitchFamily="34" charset="-122"/>
                           <a:ea typeface="微软雅黑" panose="020B0503020204020204" pitchFamily="34" charset="-122"/>
                         </a:rPr>
                         <a:t>obj.x</a:t>
                       </a:r>
                       <a:r>
-                        <a:rPr lang="en-US" dirty="0" smtClean="0">
+                        <a:rPr lang="en-US" dirty="0">
                           <a:latin typeface="微软雅黑" panose="020B0503020204020204" pitchFamily="34" charset="-122"/>
                           <a:ea typeface="微软雅黑" panose="020B0503020204020204" pitchFamily="34" charset="-122"/>
                         </a:rPr>
                         <a:t>  </a:t>
                       </a:r>
                       <a:r>
-                        <a:rPr lang="en-US" dirty="0" smtClean="0">
+                        <a:rPr lang="en-US" dirty="0">
                           <a:solidFill>
                             <a:srgbClr val="00B050"/>
                           </a:solidFill>
@@ -17287,16 +16191,12 @@
                     <a:lstStyle/>
                     <a:p>
                       <a:r>
-                        <a:rPr lang="en-US" dirty="0" smtClean="0">
+                        <a:rPr lang="en-US" dirty="0">
                           <a:latin typeface="微软雅黑" panose="020B0503020204020204" pitchFamily="34" charset="-122"/>
                           <a:ea typeface="微软雅黑" panose="020B0503020204020204" pitchFamily="34" charset="-122"/>
                         </a:rPr>
                         <a:t>in</a:t>
                       </a:r>
-                      <a:endParaRPr lang="en-US" dirty="0">
-                        <a:latin typeface="微软雅黑" panose="020B0503020204020204" pitchFamily="34" charset="-122"/>
-                        <a:ea typeface="微软雅黑" panose="020B0503020204020204" pitchFamily="34" charset="-122"/>
-                      </a:endParaRPr>
                     </a:p>
                   </a:txBody>
                   <a:tcPr/>
@@ -17307,21 +16207,21 @@
                     <a:lstStyle/>
                     <a:p>
                       <a:r>
-                        <a:rPr lang="en-US" dirty="0" smtClean="0">
+                        <a:rPr lang="en-US" dirty="0">
                           <a:latin typeface="微软雅黑" panose="020B0503020204020204" pitchFamily="34" charset="-122"/>
                           <a:ea typeface="微软雅黑" panose="020B0503020204020204" pitchFamily="34" charset="-122"/>
                         </a:rPr>
                         <a:t>x</a:t>
                       </a:r>
                       <a:r>
-                        <a:rPr lang="en-US" baseline="0" dirty="0" smtClean="0">
+                        <a:rPr lang="en-US" baseline="0" dirty="0">
                           <a:latin typeface="微软雅黑" panose="020B0503020204020204" pitchFamily="34" charset="-122"/>
                           <a:ea typeface="微软雅黑" panose="020B0503020204020204" pitchFamily="34" charset="-122"/>
                         </a:rPr>
                         <a:t> in </a:t>
                       </a:r>
                       <a:r>
-                        <a:rPr lang="en-US" baseline="0" dirty="0" err="1" smtClean="0">
+                        <a:rPr lang="en-US" baseline="0" dirty="0" err="1">
                           <a:latin typeface="微软雅黑" panose="020B0503020204020204" pitchFamily="34" charset="-122"/>
                           <a:ea typeface="微软雅黑" panose="020B0503020204020204" pitchFamily="34" charset="-122"/>
                         </a:rPr>
@@ -17348,16 +16248,12 @@
                     <a:lstStyle/>
                     <a:p>
                       <a:r>
-                        <a:rPr lang="en-US" dirty="0" smtClean="0">
+                        <a:rPr lang="en-US" dirty="0">
                           <a:latin typeface="微软雅黑" panose="020B0503020204020204" pitchFamily="34" charset="-122"/>
                           <a:ea typeface="微软雅黑" panose="020B0503020204020204" pitchFamily="34" charset="-122"/>
                         </a:rPr>
                         <a:t>new</a:t>
                       </a:r>
-                      <a:endParaRPr lang="en-US" dirty="0">
-                        <a:latin typeface="微软雅黑" panose="020B0503020204020204" pitchFamily="34" charset="-122"/>
-                        <a:ea typeface="微软雅黑" panose="020B0503020204020204" pitchFamily="34" charset="-122"/>
-                      </a:endParaRPr>
                     </a:p>
                   </a:txBody>
                   <a:tcPr/>
@@ -17389,6 +16285,499 @@
     <p:extLst>
       <p:ext uri="{BB962C8B-B14F-4D97-AF65-F5344CB8AC3E}">
         <p14:creationId xmlns:p14="http://schemas.microsoft.com/office/powerpoint/2010/main" val="492841756"/>
+      </p:ext>
+    </p:extLst>
+  </p:cSld>
+  <p:clrMapOvr>
+    <a:masterClrMapping/>
+  </p:clrMapOvr>
+</p:sld>
+</file>
+
+<file path=ppt/slides/slide9.xml><?xml version="1.0" encoding="utf-8"?>
+<p:sld xmlns:a="http://schemas.openxmlformats.org/drawingml/2006/main" xmlns:r="http://schemas.openxmlformats.org/officeDocument/2006/relationships" xmlns:p="http://schemas.openxmlformats.org/presentationml/2006/main">
+  <p:cSld>
+    <p:spTree>
+      <p:nvGrpSpPr>
+        <p:cNvPr id="1" name=""/>
+        <p:cNvGrpSpPr/>
+        <p:nvPr/>
+      </p:nvGrpSpPr>
+      <p:grpSpPr>
+        <a:xfrm>
+          <a:off x="0" y="0"/>
+          <a:ext cx="0" cy="0"/>
+          <a:chOff x="0" y="0"/>
+          <a:chExt cx="0" cy="0"/>
+        </a:xfrm>
+      </p:grpSpPr>
+      <p:sp>
+        <p:nvSpPr>
+          <p:cNvPr id="2" name="Title 1"/>
+          <p:cNvSpPr>
+            <a:spLocks noGrp="1"/>
+          </p:cNvSpPr>
+          <p:nvPr>
+            <p:ph type="title"/>
+          </p:nvPr>
+        </p:nvSpPr>
+        <p:spPr/>
+        <p:txBody>
+          <a:bodyPr>
+            <a:normAutofit/>
+          </a:bodyPr>
+          <a:lstStyle/>
+          <a:p>
+            <a:r>
+              <a:rPr lang="en-US" altLang="zh-CN" dirty="0"/>
+              <a:t>==</a:t>
+            </a:r>
+            <a:r>
+              <a:rPr lang="zh-CN" altLang="en-US" dirty="0"/>
+              <a:t>和</a:t>
+            </a:r>
+            <a:r>
+              <a:rPr lang="en-US" altLang="zh-CN" dirty="0"/>
+              <a:t>===</a:t>
+            </a:r>
+            <a:endParaRPr lang="en-US" dirty="0"/>
+          </a:p>
+        </p:txBody>
+      </p:sp>
+      <p:graphicFrame>
+        <p:nvGraphicFramePr>
+          <p:cNvPr id="4" name="Content Placeholder 3"/>
+          <p:cNvGraphicFramePr>
+            <a:graphicFrameLocks noGrp="1"/>
+          </p:cNvGraphicFramePr>
+          <p:nvPr>
+            <p:ph idx="1"/>
+            <p:extLst>
+              <p:ext uri="{D42A27DB-BD31-4B8C-83A1-F6EECF244321}">
+                <p14:modId xmlns:p14="http://schemas.microsoft.com/office/powerpoint/2010/main" val="3909934317"/>
+              </p:ext>
+            </p:extLst>
+          </p:nvPr>
+        </p:nvGraphicFramePr>
+        <p:xfrm>
+          <a:off x="838200" y="2314575"/>
+          <a:ext cx="10515600" cy="2931160"/>
+        </p:xfrm>
+        <a:graphic>
+          <a:graphicData uri="http://schemas.openxmlformats.org/drawingml/2006/table">
+            <a:tbl>
+              <a:tblPr firstRow="1" bandRow="1">
+                <a:tableStyleId>{5C22544A-7EE6-4342-B048-85BDC9FD1C3A}</a:tableStyleId>
+              </a:tblPr>
+              <a:tblGrid>
+                <a:gridCol w="5257800">
+                  <a:extLst>
+                    <a:ext uri="{9D8B030D-6E8A-4147-A177-3AD203B41FA5}">
+                      <a16:colId xmlns:a16="http://schemas.microsoft.com/office/drawing/2014/main" val="3810940566"/>
+                    </a:ext>
+                  </a:extLst>
+                </a:gridCol>
+                <a:gridCol w="5257800">
+                  <a:extLst>
+                    <a:ext uri="{9D8B030D-6E8A-4147-A177-3AD203B41FA5}">
+                      <a16:colId xmlns:a16="http://schemas.microsoft.com/office/drawing/2014/main" val="2702119546"/>
+                    </a:ext>
+                  </a:extLst>
+                </a:gridCol>
+              </a:tblGrid>
+              <a:tr h="370840">
+                <a:tc>
+                  <a:txBody>
+                    <a:bodyPr/>
+                    <a:lstStyle/>
+                    <a:p>
+                      <a:pPr marL="0" marR="0" lvl="0" indent="0" algn="l" defTabSz="914400" rtl="0" eaLnBrk="1" fontAlgn="auto" latinLnBrk="0" hangingPunct="1">
+                        <a:lnSpc>
+                          <a:spcPct val="100000"/>
+                        </a:lnSpc>
+                        <a:spcBef>
+                          <a:spcPts val="0"/>
+                        </a:spcBef>
+                        <a:spcAft>
+                          <a:spcPts val="0"/>
+                        </a:spcAft>
+                        <a:buClrTx/>
+                        <a:buSzTx/>
+                        <a:buFontTx/>
+                        <a:buNone/>
+                        <a:tabLst/>
+                        <a:defRPr/>
+                      </a:pPr>
+                      <a:r>
+                        <a:rPr lang="en-US" altLang="zh-CN" dirty="0">
+                          <a:latin typeface="微软雅黑" panose="020B0503020204020204" pitchFamily="34" charset="-122"/>
+                          <a:ea typeface="微软雅黑" panose="020B0503020204020204" pitchFamily="34" charset="-122"/>
+                        </a:rPr>
+                        <a:t>===</a:t>
+                      </a:r>
+                      <a:endParaRPr lang="zh-CN" altLang="en-US" dirty="0">
+                        <a:latin typeface="微软雅黑" panose="020B0503020204020204" pitchFamily="34" charset="-122"/>
+                        <a:ea typeface="微软雅黑" panose="020B0503020204020204" pitchFamily="34" charset="-122"/>
+                      </a:endParaRPr>
+                    </a:p>
+                  </a:txBody>
+                  <a:tcPr/>
+                </a:tc>
+                <a:tc>
+                  <a:txBody>
+                    <a:bodyPr/>
+                    <a:lstStyle/>
+                    <a:p>
+                      <a:pPr marL="0" marR="0" lvl="0" indent="0" algn="l" defTabSz="914400" rtl="0" eaLnBrk="1" fontAlgn="auto" latinLnBrk="0" hangingPunct="1">
+                        <a:lnSpc>
+                          <a:spcPct val="100000"/>
+                        </a:lnSpc>
+                        <a:spcBef>
+                          <a:spcPts val="0"/>
+                        </a:spcBef>
+                        <a:spcAft>
+                          <a:spcPts val="0"/>
+                        </a:spcAft>
+                        <a:buClrTx/>
+                        <a:buSzTx/>
+                        <a:buFontTx/>
+                        <a:buNone/>
+                        <a:tabLst/>
+                        <a:defRPr/>
+                      </a:pPr>
+                      <a:r>
+                        <a:rPr lang="en-US" altLang="zh-CN" dirty="0">
+                          <a:latin typeface="微软雅黑" panose="020B0503020204020204" pitchFamily="34" charset="-122"/>
+                          <a:ea typeface="微软雅黑" panose="020B0503020204020204" pitchFamily="34" charset="-122"/>
+                        </a:rPr>
+                        <a:t>==</a:t>
+                      </a:r>
+                      <a:endParaRPr lang="zh-CN" altLang="en-US" dirty="0">
+                        <a:latin typeface="微软雅黑" panose="020B0503020204020204" pitchFamily="34" charset="-122"/>
+                        <a:ea typeface="微软雅黑" panose="020B0503020204020204" pitchFamily="34" charset="-122"/>
+                      </a:endParaRPr>
+                    </a:p>
+                  </a:txBody>
+                  <a:tcPr/>
+                </a:tc>
+                <a:extLst>
+                  <a:ext uri="{0D108BD9-81ED-4DB2-BD59-A6C34878D82A}">
+                    <a16:rowId xmlns:a16="http://schemas.microsoft.com/office/drawing/2014/main" val="1442974952"/>
+                  </a:ext>
+                </a:extLst>
+              </a:tr>
+              <a:tr h="370840">
+                <a:tc>
+                  <a:txBody>
+                    <a:bodyPr/>
+                    <a:lstStyle/>
+                    <a:p>
+                      <a:pPr marL="285750" indent="-285750">
+                        <a:buFont typeface="Arial" panose="020B0604020202020204" pitchFamily="34" charset="0"/>
+                        <a:buChar char="•"/>
+                      </a:pPr>
+                      <a:r>
+                        <a:rPr lang="zh-CN" altLang="en-US" dirty="0">
+                          <a:latin typeface="微软雅黑" panose="020B0503020204020204" pitchFamily="34" charset="-122"/>
+                          <a:ea typeface="微软雅黑" panose="020B0503020204020204" pitchFamily="34" charset="-122"/>
+                        </a:rPr>
+                        <a:t>判断类型</a:t>
+                      </a:r>
+                      <a:endParaRPr lang="en-US" altLang="zh-CN" dirty="0">
+                        <a:latin typeface="微软雅黑" panose="020B0503020204020204" pitchFamily="34" charset="-122"/>
+                        <a:ea typeface="微软雅黑" panose="020B0503020204020204" pitchFamily="34" charset="-122"/>
+                      </a:endParaRPr>
+                    </a:p>
+                    <a:p>
+                      <a:pPr marL="285750" indent="-285750">
+                        <a:buFont typeface="Arial" panose="020B0604020202020204" pitchFamily="34" charset="0"/>
+                        <a:buChar char="•"/>
+                      </a:pPr>
+                      <a:r>
+                        <a:rPr lang="zh-CN" altLang="en-US" dirty="0">
+                          <a:latin typeface="微软雅黑" panose="020B0503020204020204" pitchFamily="34" charset="-122"/>
+                          <a:ea typeface="微软雅黑" panose="020B0503020204020204" pitchFamily="34" charset="-122"/>
+                        </a:rPr>
+                        <a:t>类型相同</a:t>
+                      </a:r>
+                      <a:r>
+                        <a:rPr lang="en-US" altLang="zh-CN" dirty="0">
+                          <a:latin typeface="微软雅黑" panose="020B0503020204020204" pitchFamily="34" charset="-122"/>
+                          <a:ea typeface="微软雅黑" panose="020B0503020204020204" pitchFamily="34" charset="-122"/>
+                        </a:rPr>
+                        <a:t>:</a:t>
+                      </a:r>
+                    </a:p>
+                    <a:p>
+                      <a:pPr marL="742950" lvl="1" indent="-285750">
+                        <a:buFont typeface="Arial" panose="020B0604020202020204" pitchFamily="34" charset="0"/>
+                        <a:buChar char="•"/>
+                      </a:pPr>
+                      <a:r>
+                        <a:rPr lang="en-US" altLang="zh-CN" dirty="0">
+                          <a:latin typeface="微软雅黑" panose="020B0503020204020204" pitchFamily="34" charset="-122"/>
+                          <a:ea typeface="微软雅黑" panose="020B0503020204020204" pitchFamily="34" charset="-122"/>
+                        </a:rPr>
+                        <a:t>null === null</a:t>
+                      </a:r>
+                    </a:p>
+                    <a:p>
+                      <a:pPr marL="742950" lvl="1" indent="-285750">
+                        <a:buFont typeface="Arial" panose="020B0604020202020204" pitchFamily="34" charset="0"/>
+                        <a:buChar char="•"/>
+                      </a:pPr>
+                      <a:r>
+                        <a:rPr lang="en-US" altLang="zh-CN" dirty="0">
+                          <a:latin typeface="微软雅黑" panose="020B0503020204020204" pitchFamily="34" charset="-122"/>
+                          <a:ea typeface="微软雅黑" panose="020B0503020204020204" pitchFamily="34" charset="-122"/>
+                        </a:rPr>
+                        <a:t>undefined === undefined</a:t>
+                      </a:r>
+                    </a:p>
+                    <a:p>
+                      <a:pPr marL="742950" lvl="1" indent="-285750">
+                        <a:buFont typeface="Arial" panose="020B0604020202020204" pitchFamily="34" charset="0"/>
+                        <a:buChar char="•"/>
+                      </a:pPr>
+                      <a:r>
+                        <a:rPr lang="en-US" altLang="zh-CN" dirty="0" err="1">
+                          <a:latin typeface="微软雅黑" panose="020B0503020204020204" pitchFamily="34" charset="-122"/>
+                          <a:ea typeface="微软雅黑" panose="020B0503020204020204" pitchFamily="34" charset="-122"/>
+                        </a:rPr>
+                        <a:t>NaN</a:t>
+                      </a:r>
+                      <a:r>
+                        <a:rPr lang="en-US" altLang="zh-CN" dirty="0">
+                          <a:latin typeface="微软雅黑" panose="020B0503020204020204" pitchFamily="34" charset="-122"/>
+                          <a:ea typeface="微软雅黑" panose="020B0503020204020204" pitchFamily="34" charset="-122"/>
+                        </a:rPr>
+                        <a:t> !== </a:t>
+                      </a:r>
+                      <a:r>
+                        <a:rPr lang="en-US" altLang="zh-CN" dirty="0" err="1">
+                          <a:latin typeface="微软雅黑" panose="020B0503020204020204" pitchFamily="34" charset="-122"/>
+                          <a:ea typeface="微软雅黑" panose="020B0503020204020204" pitchFamily="34" charset="-122"/>
+                        </a:rPr>
+                        <a:t>NaN</a:t>
+                      </a:r>
+                      <a:endParaRPr lang="en-US" altLang="zh-CN" dirty="0">
+                        <a:latin typeface="微软雅黑" panose="020B0503020204020204" pitchFamily="34" charset="-122"/>
+                        <a:ea typeface="微软雅黑" panose="020B0503020204020204" pitchFamily="34" charset="-122"/>
+                      </a:endParaRPr>
+                    </a:p>
+                    <a:p>
+                      <a:pPr marL="742950" lvl="1" indent="-285750">
+                        <a:buFont typeface="Arial" panose="020B0604020202020204" pitchFamily="34" charset="0"/>
+                        <a:buChar char="•"/>
+                      </a:pPr>
+                      <a:r>
+                        <a:rPr lang="en-US" altLang="zh-CN" dirty="0">
+                          <a:latin typeface="微软雅黑" panose="020B0503020204020204" pitchFamily="34" charset="-122"/>
+                          <a:ea typeface="微软雅黑" panose="020B0503020204020204" pitchFamily="34" charset="-122"/>
+                        </a:rPr>
+                        <a:t>{} !== {}</a:t>
+                      </a:r>
+                      <a:endParaRPr lang="zh-CN" altLang="en-US" dirty="0">
+                        <a:latin typeface="微软雅黑" panose="020B0503020204020204" pitchFamily="34" charset="-122"/>
+                        <a:ea typeface="微软雅黑" panose="020B0503020204020204" pitchFamily="34" charset="-122"/>
+                      </a:endParaRPr>
+                    </a:p>
+                  </a:txBody>
+                  <a:tcPr/>
+                </a:tc>
+                <a:tc>
+                  <a:txBody>
+                    <a:bodyPr/>
+                    <a:lstStyle/>
+                    <a:p>
+                      <a:pPr marL="285750" indent="-285750">
+                        <a:buFont typeface="Arial" panose="020B0604020202020204" pitchFamily="34" charset="0"/>
+                        <a:buChar char="•"/>
+                      </a:pPr>
+                      <a:r>
+                        <a:rPr lang="zh-CN" altLang="en-US" dirty="0">
+                          <a:latin typeface="微软雅黑" panose="020B0503020204020204" pitchFamily="34" charset="-122"/>
+                          <a:ea typeface="微软雅黑" panose="020B0503020204020204" pitchFamily="34" charset="-122"/>
+                        </a:rPr>
+                        <a:t>类型相同，与</a:t>
+                      </a:r>
+                      <a:r>
+                        <a:rPr lang="en-US" altLang="zh-CN" dirty="0">
+                          <a:latin typeface="微软雅黑" panose="020B0503020204020204" pitchFamily="34" charset="-122"/>
+                          <a:ea typeface="微软雅黑" panose="020B0503020204020204" pitchFamily="34" charset="-122"/>
+                        </a:rPr>
+                        <a:t>===</a:t>
+                      </a:r>
+                      <a:r>
+                        <a:rPr lang="zh-CN" altLang="en-US" dirty="0">
+                          <a:latin typeface="微软雅黑" panose="020B0503020204020204" pitchFamily="34" charset="-122"/>
+                          <a:ea typeface="微软雅黑" panose="020B0503020204020204" pitchFamily="34" charset="-122"/>
+                        </a:rPr>
+                        <a:t>逻辑相同</a:t>
+                      </a:r>
+                      <a:endParaRPr lang="en-US" altLang="zh-CN" dirty="0">
+                        <a:latin typeface="微软雅黑" panose="020B0503020204020204" pitchFamily="34" charset="-122"/>
+                        <a:ea typeface="微软雅黑" panose="020B0503020204020204" pitchFamily="34" charset="-122"/>
+                      </a:endParaRPr>
+                    </a:p>
+                    <a:p>
+                      <a:pPr marL="285750" indent="-285750">
+                        <a:buFont typeface="Arial" panose="020B0604020202020204" pitchFamily="34" charset="0"/>
+                        <a:buChar char="•"/>
+                      </a:pPr>
+                      <a:r>
+                        <a:rPr lang="zh-CN" altLang="en-US" dirty="0">
+                          <a:latin typeface="微软雅黑" panose="020B0503020204020204" pitchFamily="34" charset="-122"/>
+                          <a:ea typeface="微软雅黑" panose="020B0503020204020204" pitchFamily="34" charset="-122"/>
+                        </a:rPr>
+                        <a:t>类型不同，进行</a:t>
+                      </a:r>
+                      <a:r>
+                        <a:rPr lang="zh-CN" altLang="en-US" b="1" dirty="0">
+                          <a:latin typeface="微软雅黑" panose="020B0503020204020204" pitchFamily="34" charset="-122"/>
+                          <a:ea typeface="微软雅黑" panose="020B0503020204020204" pitchFamily="34" charset="-122"/>
+                        </a:rPr>
+                        <a:t>尝试转换</a:t>
+                      </a:r>
+                      <a:endParaRPr lang="en-US" altLang="zh-CN" b="1" dirty="0">
+                        <a:latin typeface="微软雅黑" panose="020B0503020204020204" pitchFamily="34" charset="-122"/>
+                        <a:ea typeface="微软雅黑" panose="020B0503020204020204" pitchFamily="34" charset="-122"/>
+                      </a:endParaRPr>
+                    </a:p>
+                    <a:p>
+                      <a:pPr marL="742950" lvl="1" indent="-285750">
+                        <a:buFont typeface="Arial" panose="020B0604020202020204" pitchFamily="34" charset="0"/>
+                        <a:buChar char="•"/>
+                      </a:pPr>
+                      <a:r>
+                        <a:rPr lang="en-US" altLang="zh-CN" dirty="0">
+                          <a:latin typeface="微软雅黑" panose="020B0503020204020204" pitchFamily="34" charset="-122"/>
+                          <a:ea typeface="微软雅黑" panose="020B0503020204020204" pitchFamily="34" charset="-122"/>
+                        </a:rPr>
+                        <a:t>null == undefined </a:t>
+                      </a:r>
+                    </a:p>
+                    <a:p>
+                      <a:pPr marL="742950" lvl="1" indent="-285750">
+                        <a:buFont typeface="Arial" panose="020B0604020202020204" pitchFamily="34" charset="0"/>
+                        <a:buChar char="•"/>
+                      </a:pPr>
+                      <a:r>
+                        <a:rPr lang="en-US" altLang="zh-CN" dirty="0">
+                          <a:latin typeface="微软雅黑" panose="020B0503020204020204" pitchFamily="34" charset="-122"/>
+                          <a:ea typeface="微软雅黑" panose="020B0503020204020204" pitchFamily="34" charset="-122"/>
+                        </a:rPr>
+                        <a:t>number == string </a:t>
+                      </a:r>
+                    </a:p>
+                    <a:p>
+                      <a:pPr marL="742950" lvl="1" indent="-285750">
+                        <a:buFont typeface="Arial" panose="020B0604020202020204" pitchFamily="34" charset="0"/>
+                        <a:buChar char="•"/>
+                      </a:pPr>
+                      <a:r>
+                        <a:rPr lang="en-US" altLang="zh-CN" dirty="0" err="1">
+                          <a:latin typeface="微软雅黑" panose="020B0503020204020204" pitchFamily="34" charset="-122"/>
+                          <a:ea typeface="微软雅黑" panose="020B0503020204020204" pitchFamily="34" charset="-122"/>
+                        </a:rPr>
+                        <a:t>boolean</a:t>
+                      </a:r>
+                      <a:r>
+                        <a:rPr lang="en-US" altLang="zh-CN" dirty="0">
+                          <a:latin typeface="微软雅黑" panose="020B0503020204020204" pitchFamily="34" charset="-122"/>
+                          <a:ea typeface="微软雅黑" panose="020B0503020204020204" pitchFamily="34" charset="-122"/>
+                        </a:rPr>
+                        <a:t> == other</a:t>
+                      </a:r>
+                    </a:p>
+                    <a:p>
+                      <a:pPr marL="742950" marR="0" lvl="1" indent="-285750" algn="l" defTabSz="914400" rtl="0" eaLnBrk="1" fontAlgn="auto" latinLnBrk="0" hangingPunct="1">
+                        <a:lnSpc>
+                          <a:spcPct val="100000"/>
+                        </a:lnSpc>
+                        <a:spcBef>
+                          <a:spcPts val="0"/>
+                        </a:spcBef>
+                        <a:spcAft>
+                          <a:spcPts val="0"/>
+                        </a:spcAft>
+                        <a:buClrTx/>
+                        <a:buSzTx/>
+                        <a:buFont typeface="Arial" panose="020B0604020202020204" pitchFamily="34" charset="0"/>
+                        <a:buChar char="•"/>
+                        <a:tabLst/>
+                        <a:defRPr/>
+                      </a:pPr>
+                      <a:r>
+                        <a:rPr lang="en-US" altLang="zh-CN" dirty="0">
+                          <a:latin typeface="微软雅黑" panose="020B0503020204020204" pitchFamily="34" charset="-122"/>
+                          <a:ea typeface="微软雅黑" panose="020B0503020204020204" pitchFamily="34" charset="-122"/>
+                        </a:rPr>
+                        <a:t>object == other (</a:t>
+                      </a:r>
+                      <a:r>
+                        <a:rPr lang="zh-CN" altLang="en-US" dirty="0">
+                          <a:latin typeface="微软雅黑" panose="020B0503020204020204" pitchFamily="34" charset="-122"/>
+                          <a:ea typeface="微软雅黑" panose="020B0503020204020204" pitchFamily="34" charset="-122"/>
+                        </a:rPr>
+                        <a:t>将</a:t>
+                      </a:r>
+                      <a:r>
+                        <a:rPr lang="en-US" altLang="zh-CN" dirty="0">
+                          <a:latin typeface="微软雅黑" panose="020B0503020204020204" pitchFamily="34" charset="-122"/>
+                          <a:ea typeface="微软雅黑" panose="020B0503020204020204" pitchFamily="34" charset="-122"/>
+                        </a:rPr>
+                        <a:t>object</a:t>
+                      </a:r>
+                      <a:r>
+                        <a:rPr lang="zh-CN" altLang="en-US" dirty="0">
+                          <a:latin typeface="微软雅黑" panose="020B0503020204020204" pitchFamily="34" charset="-122"/>
+                          <a:ea typeface="微软雅黑" panose="020B0503020204020204" pitchFamily="34" charset="-122"/>
+                        </a:rPr>
+                        <a:t>转换为基本类型</a:t>
+                      </a:r>
+                      <a:r>
+                        <a:rPr lang="en-US" altLang="zh-CN" dirty="0">
+                          <a:latin typeface="微软雅黑" panose="020B0503020204020204" pitchFamily="34" charset="-122"/>
+                          <a:ea typeface="微软雅黑" panose="020B0503020204020204" pitchFamily="34" charset="-122"/>
+                        </a:rPr>
+                        <a:t>)</a:t>
+                      </a:r>
+                      <a:endParaRPr lang="en-US" dirty="0">
+                        <a:latin typeface="微软雅黑" panose="020B0503020204020204" pitchFamily="34" charset="-122"/>
+                        <a:ea typeface="微软雅黑" panose="020B0503020204020204" pitchFamily="34" charset="-122"/>
+                      </a:endParaRPr>
+                    </a:p>
+                    <a:p>
+                      <a:pPr lvl="1"/>
+                      <a:endParaRPr lang="en-US" altLang="zh-CN" dirty="0">
+                        <a:latin typeface="微软雅黑" panose="020B0503020204020204" pitchFamily="34" charset="-122"/>
+                        <a:ea typeface="微软雅黑" panose="020B0503020204020204" pitchFamily="34" charset="-122"/>
+                      </a:endParaRPr>
+                    </a:p>
+                    <a:p>
+                      <a:endParaRPr lang="en-US" dirty="0">
+                        <a:latin typeface="微软雅黑" panose="020B0503020204020204" pitchFamily="34" charset="-122"/>
+                        <a:ea typeface="微软雅黑" panose="020B0503020204020204" pitchFamily="34" charset="-122"/>
+                      </a:endParaRPr>
+                    </a:p>
+                  </a:txBody>
+                  <a:tcPr/>
+                </a:tc>
+                <a:extLst>
+                  <a:ext uri="{0D108BD9-81ED-4DB2-BD59-A6C34878D82A}">
+                    <a16:rowId xmlns:a16="http://schemas.microsoft.com/office/drawing/2014/main" val="3365815390"/>
+                  </a:ext>
+                </a:extLst>
+              </a:tr>
+            </a:tbl>
+          </a:graphicData>
+        </a:graphic>
+      </p:graphicFrame>
+    </p:spTree>
+    <p:extLst>
+      <p:ext uri="{BB962C8B-B14F-4D97-AF65-F5344CB8AC3E}">
+        <p14:creationId xmlns:p14="http://schemas.microsoft.com/office/powerpoint/2010/main" val="280718863"/>
       </p:ext>
     </p:extLst>
   </p:cSld>

--- a/NLU Training - Javascript For QA.pptx
+++ b/NLU Training - Javascript For QA.pptx
@@ -5,31 +5,29 @@
     <p:sldMasterId id="2147483702" r:id="rId1"/>
   </p:sldMasterIdLst>
   <p:notesMasterIdLst>
-    <p:notesMasterId r:id="rId21"/>
+    <p:notesMasterId r:id="rId19"/>
   </p:notesMasterIdLst>
   <p:handoutMasterIdLst>
-    <p:handoutMasterId r:id="rId22"/>
+    <p:handoutMasterId r:id="rId20"/>
   </p:handoutMasterIdLst>
   <p:sldIdLst>
     <p:sldId id="256" r:id="rId2"/>
     <p:sldId id="305" r:id="rId3"/>
     <p:sldId id="333" r:id="rId4"/>
-    <p:sldId id="334" r:id="rId5"/>
-    <p:sldId id="335" r:id="rId6"/>
-    <p:sldId id="337" r:id="rId7"/>
-    <p:sldId id="307" r:id="rId8"/>
-    <p:sldId id="318" r:id="rId9"/>
-    <p:sldId id="338" r:id="rId10"/>
-    <p:sldId id="317" r:id="rId11"/>
-    <p:sldId id="339" r:id="rId12"/>
-    <p:sldId id="321" r:id="rId13"/>
-    <p:sldId id="331" r:id="rId14"/>
-    <p:sldId id="325" r:id="rId15"/>
-    <p:sldId id="326" r:id="rId16"/>
-    <p:sldId id="327" r:id="rId17"/>
-    <p:sldId id="340" r:id="rId18"/>
-    <p:sldId id="341" r:id="rId19"/>
-    <p:sldId id="285" r:id="rId20"/>
+    <p:sldId id="342" r:id="rId5"/>
+    <p:sldId id="334" r:id="rId6"/>
+    <p:sldId id="335" r:id="rId7"/>
+    <p:sldId id="337" r:id="rId8"/>
+    <p:sldId id="343" r:id="rId9"/>
+    <p:sldId id="339" r:id="rId10"/>
+    <p:sldId id="321" r:id="rId11"/>
+    <p:sldId id="331" r:id="rId12"/>
+    <p:sldId id="325" r:id="rId13"/>
+    <p:sldId id="326" r:id="rId14"/>
+    <p:sldId id="327" r:id="rId15"/>
+    <p:sldId id="340" r:id="rId16"/>
+    <p:sldId id="341" r:id="rId17"/>
+    <p:sldId id="285" r:id="rId18"/>
   </p:sldIdLst>
   <p:sldSz cx="12192000" cy="6858000"/>
   <p:notesSz cx="6858000" cy="9144000"/>
@@ -136,13 +134,11 @@
             <p14:sldId id="256"/>
             <p14:sldId id="305"/>
             <p14:sldId id="333"/>
+            <p14:sldId id="342"/>
             <p14:sldId id="334"/>
             <p14:sldId id="335"/>
             <p14:sldId id="337"/>
-            <p14:sldId id="307"/>
-            <p14:sldId id="318"/>
-            <p14:sldId id="338"/>
-            <p14:sldId id="317"/>
+            <p14:sldId id="343"/>
             <p14:sldId id="339"/>
             <p14:sldId id="321"/>
             <p14:sldId id="331"/>
@@ -271,7 +267,7 @@
               <a:rPr lang="en-US" smtClean="0">
                 <a:latin typeface="Source Sans Pro" panose="020B0503030403020204" pitchFamily="34" charset="0"/>
               </a:rPr>
-              <a:t>3/12/2018</a:t>
+              <a:t>3/18/2018</a:t>
             </a:fld>
             <a:endParaRPr lang="en-US" dirty="0">
               <a:latin typeface="Source Sans Pro" panose="020B0503030403020204" pitchFamily="34" charset="0"/>
@@ -449,7 +445,7 @@
             <a:fld id="{ACAD2996-C03F-47DF-9010-22BB95A4AB9B}" type="datetimeFigureOut">
               <a:rPr lang="en-US" smtClean="0"/>
               <a:pPr/>
-              <a:t>3/12/2018</a:t>
+              <a:t>3/18/2018</a:t>
             </a:fld>
             <a:endParaRPr lang="en-US" dirty="0"/>
           </a:p>
@@ -850,208 +846,739 @@
           <a:bodyPr/>
           <a:lstStyle/>
           <a:p>
-            <a:r>
-              <a:rPr lang="zh-CN" altLang="en-US" dirty="0"/>
-              <a:t>终端演示脚本：</a:t>
-            </a:r>
-            <a:endParaRPr lang="en-US" dirty="0"/>
-          </a:p>
-          <a:p>
-            <a:r>
-              <a:rPr lang="en-US" dirty="0" err="1"/>
-              <a:t>var</a:t>
-            </a:r>
-            <a:r>
-              <a:rPr lang="en-US" baseline="0" dirty="0"/>
+            <a:pPr marL="228600" marR="0" lvl="0" indent="-228600" algn="l" defTabSz="914400" rtl="0" eaLnBrk="1" fontAlgn="auto" latinLnBrk="0" hangingPunct="1">
+              <a:lnSpc>
+                <a:spcPct val="100000"/>
+              </a:lnSpc>
+              <a:spcBef>
+                <a:spcPts val="0"/>
+              </a:spcBef>
+              <a:spcAft>
+                <a:spcPts val="0"/>
+              </a:spcAft>
+              <a:buClrTx/>
+              <a:buSzTx/>
+              <a:buFontTx/>
+              <a:buAutoNum type="arabicPeriod"/>
+              <a:tabLst/>
+              <a:defRPr/>
+            </a:pPr>
+            <a:r>
+              <a:rPr lang="en-US" altLang="zh-CN" sz="1200" b="1" i="0" kern="1200" dirty="0">
+                <a:solidFill>
+                  <a:schemeClr val="tx1"/>
+                </a:solidFill>
+                <a:effectLst/>
+                <a:latin typeface="Source Sans Pro" panose="020B0503030403020204" pitchFamily="34" charset="0"/>
+                <a:ea typeface="+mn-ea"/>
+                <a:cs typeface="+mn-cs"/>
+              </a:rPr>
+              <a:t>Install Visual Studio Code [</a:t>
+            </a:r>
+            <a:r>
+              <a:rPr lang="en-US" altLang="zh-CN" sz="1200" b="0" u="sng" kern="1200" dirty="0">
+                <a:solidFill>
+                  <a:schemeClr val="tx1"/>
+                </a:solidFill>
+                <a:effectLst/>
+                <a:latin typeface="Source Sans Pro" panose="020B0503030403020204" pitchFamily="34" charset="0"/>
+                <a:ea typeface="+mn-ea"/>
+                <a:cs typeface="+mn-cs"/>
+              </a:rPr>
+              <a:t>https://code.visualstudio.com/]</a:t>
+            </a:r>
+            <a:endParaRPr lang="en-US" altLang="zh-CN" sz="1200" b="0" kern="1200" dirty="0">
+              <a:solidFill>
+                <a:schemeClr val="tx1"/>
+              </a:solidFill>
+              <a:effectLst/>
+              <a:latin typeface="Source Sans Pro" panose="020B0503030403020204" pitchFamily="34" charset="0"/>
+              <a:ea typeface="+mn-ea"/>
+              <a:cs typeface="+mn-cs"/>
+            </a:endParaRPr>
+          </a:p>
+          <a:p>
+            <a:pPr marL="228600" marR="0" lvl="0" indent="-228600" algn="l" defTabSz="914400" rtl="0" eaLnBrk="1" fontAlgn="auto" latinLnBrk="0" hangingPunct="1">
+              <a:lnSpc>
+                <a:spcPct val="100000"/>
+              </a:lnSpc>
+              <a:spcBef>
+                <a:spcPts val="0"/>
+              </a:spcBef>
+              <a:spcAft>
+                <a:spcPts val="0"/>
+              </a:spcAft>
+              <a:buClrTx/>
+              <a:buSzTx/>
+              <a:buFontTx/>
+              <a:buAutoNum type="arabicPeriod"/>
+              <a:tabLst/>
+              <a:defRPr/>
+            </a:pPr>
+            <a:r>
+              <a:rPr lang="en-US" altLang="zh-CN" sz="1200" b="1" i="0" kern="1200" dirty="0">
+                <a:solidFill>
+                  <a:schemeClr val="tx1"/>
+                </a:solidFill>
+                <a:effectLst/>
+                <a:latin typeface="Source Sans Pro" panose="020B0503030403020204" pitchFamily="34" charset="0"/>
+                <a:ea typeface="+mn-ea"/>
+                <a:cs typeface="+mn-cs"/>
+              </a:rPr>
+              <a:t>Install Git [</a:t>
+            </a:r>
+            <a:r>
+              <a:rPr lang="en-US" altLang="zh-CN" sz="1200" b="0" u="sng" kern="1200" dirty="0">
+                <a:solidFill>
+                  <a:schemeClr val="tx1"/>
+                </a:solidFill>
+                <a:effectLst/>
+                <a:latin typeface="Source Sans Pro" panose="020B0503030403020204" pitchFamily="34" charset="0"/>
+                <a:ea typeface="+mn-ea"/>
+                <a:cs typeface="+mn-cs"/>
+              </a:rPr>
+              <a:t>https://git-scm.com/</a:t>
+            </a:r>
+            <a:r>
+              <a:rPr lang="en-US" altLang="zh-CN" sz="1200" b="1" i="0" kern="1200" dirty="0">
+                <a:solidFill>
+                  <a:schemeClr val="tx1"/>
+                </a:solidFill>
+                <a:effectLst/>
+                <a:latin typeface="Source Sans Pro" panose="020B0503030403020204" pitchFamily="34" charset="0"/>
+                <a:ea typeface="+mn-ea"/>
+                <a:cs typeface="+mn-cs"/>
+              </a:rPr>
+              <a:t>]</a:t>
+            </a:r>
+          </a:p>
+          <a:p>
+            <a:pPr marL="228600" marR="0" lvl="0" indent="-228600" algn="l" defTabSz="914400" rtl="0" eaLnBrk="1" fontAlgn="auto" latinLnBrk="0" hangingPunct="1">
+              <a:lnSpc>
+                <a:spcPct val="100000"/>
+              </a:lnSpc>
+              <a:spcBef>
+                <a:spcPts val="0"/>
+              </a:spcBef>
+              <a:spcAft>
+                <a:spcPts val="0"/>
+              </a:spcAft>
+              <a:buClrTx/>
+              <a:buSzTx/>
+              <a:buFontTx/>
+              <a:buAutoNum type="arabicPeriod"/>
+              <a:tabLst/>
+              <a:defRPr/>
+            </a:pPr>
+            <a:r>
+              <a:rPr lang="en-US" altLang="zh-CN" sz="1200" b="1" i="0" kern="1200" dirty="0">
+                <a:solidFill>
+                  <a:schemeClr val="tx1"/>
+                </a:solidFill>
+                <a:effectLst/>
+                <a:latin typeface="Source Sans Pro" panose="020B0503030403020204" pitchFamily="34" charset="0"/>
+                <a:ea typeface="+mn-ea"/>
+                <a:cs typeface="+mn-cs"/>
+              </a:rPr>
+              <a:t>Install Nodejs [</a:t>
+            </a:r>
+            <a:r>
+              <a:rPr lang="en-US" altLang="zh-CN" sz="1200" b="0" u="sng" kern="1200" dirty="0">
+                <a:solidFill>
+                  <a:schemeClr val="tx1"/>
+                </a:solidFill>
+                <a:effectLst/>
+                <a:latin typeface="Source Sans Pro" panose="020B0503030403020204" pitchFamily="34" charset="0"/>
+                <a:ea typeface="+mn-ea"/>
+                <a:cs typeface="+mn-cs"/>
+              </a:rPr>
+              <a:t>http://nodejs.cn/</a:t>
+            </a:r>
+            <a:r>
+              <a:rPr lang="en-US" altLang="zh-CN" sz="1200" b="1" i="0" kern="1200" dirty="0">
+                <a:solidFill>
+                  <a:schemeClr val="tx1"/>
+                </a:solidFill>
+                <a:effectLst/>
+                <a:latin typeface="Source Sans Pro" panose="020B0503030403020204" pitchFamily="34" charset="0"/>
+                <a:ea typeface="+mn-ea"/>
+                <a:cs typeface="+mn-cs"/>
+              </a:rPr>
+              <a:t>]</a:t>
+            </a:r>
+          </a:p>
+          <a:p>
+            <a:pPr marL="228600" marR="0" lvl="0" indent="-228600" algn="l" defTabSz="914400" rtl="0" eaLnBrk="1" fontAlgn="auto" latinLnBrk="0" hangingPunct="1">
+              <a:lnSpc>
+                <a:spcPct val="100000"/>
+              </a:lnSpc>
+              <a:spcBef>
+                <a:spcPts val="0"/>
+              </a:spcBef>
+              <a:spcAft>
+                <a:spcPts val="0"/>
+              </a:spcAft>
+              <a:buClrTx/>
+              <a:buSzTx/>
+              <a:buFontTx/>
+              <a:buAutoNum type="arabicPeriod"/>
+              <a:tabLst/>
+              <a:defRPr/>
+            </a:pPr>
+            <a:r>
+              <a:rPr lang="en-US" altLang="zh-CN" sz="1200" b="1" i="0" kern="1200" dirty="0">
+                <a:solidFill>
+                  <a:schemeClr val="tx1"/>
+                </a:solidFill>
+                <a:effectLst/>
+                <a:latin typeface="Source Sans Pro" panose="020B0503030403020204" pitchFamily="34" charset="0"/>
+                <a:ea typeface="+mn-ea"/>
+                <a:cs typeface="+mn-cs"/>
+              </a:rPr>
+              <a:t>Create project folder </a:t>
+            </a:r>
+            <a:r>
+              <a:rPr lang="en-US" altLang="zh-CN" sz="1200" b="1" i="0" kern="1200" dirty="0" err="1">
+                <a:solidFill>
+                  <a:schemeClr val="tx1"/>
+                </a:solidFill>
+                <a:effectLst/>
+                <a:latin typeface="Source Sans Pro" panose="020B0503030403020204" pitchFamily="34" charset="0"/>
+                <a:ea typeface="+mn-ea"/>
+                <a:cs typeface="+mn-cs"/>
+              </a:rPr>
+              <a:t>hellojs</a:t>
+            </a:r>
+            <a:endParaRPr lang="en-US" altLang="zh-CN" sz="1200" b="1" i="0" kern="1200" dirty="0">
+              <a:solidFill>
+                <a:schemeClr val="tx1"/>
+              </a:solidFill>
+              <a:effectLst/>
+              <a:latin typeface="Source Sans Pro" panose="020B0503030403020204" pitchFamily="34" charset="0"/>
+              <a:ea typeface="+mn-ea"/>
+              <a:cs typeface="+mn-cs"/>
+            </a:endParaRPr>
+          </a:p>
+          <a:p>
+            <a:pPr marL="228600" marR="0" lvl="0" indent="-228600" algn="l" defTabSz="914400" rtl="0" eaLnBrk="1" fontAlgn="auto" latinLnBrk="0" hangingPunct="1">
+              <a:lnSpc>
+                <a:spcPct val="100000"/>
+              </a:lnSpc>
+              <a:spcBef>
+                <a:spcPts val="0"/>
+              </a:spcBef>
+              <a:spcAft>
+                <a:spcPts val="0"/>
+              </a:spcAft>
+              <a:buClrTx/>
+              <a:buSzTx/>
+              <a:buFontTx/>
+              <a:buAutoNum type="arabicPeriod"/>
+              <a:tabLst/>
+              <a:defRPr/>
+            </a:pPr>
+            <a:r>
+              <a:rPr lang="en-US" altLang="zh-CN" sz="1200" b="1" i="0" kern="1200" dirty="0" err="1">
+                <a:solidFill>
+                  <a:schemeClr val="tx1"/>
+                </a:solidFill>
+                <a:effectLst/>
+                <a:latin typeface="Source Sans Pro" panose="020B0503030403020204" pitchFamily="34" charset="0"/>
+                <a:ea typeface="+mn-ea"/>
+                <a:cs typeface="+mn-cs"/>
+              </a:rPr>
+              <a:t>Init</a:t>
+            </a:r>
+            <a:r>
+              <a:rPr lang="en-US" altLang="zh-CN" sz="1200" b="1" i="0" kern="1200" dirty="0">
+                <a:solidFill>
+                  <a:schemeClr val="tx1"/>
+                </a:solidFill>
+                <a:effectLst/>
+                <a:latin typeface="Source Sans Pro" panose="020B0503030403020204" pitchFamily="34" charset="0"/>
+                <a:ea typeface="+mn-ea"/>
+                <a:cs typeface="+mn-cs"/>
+              </a:rPr>
+              <a:t> a git repository</a:t>
+            </a:r>
+          </a:p>
+          <a:p>
+            <a:pPr marL="0" marR="0" lvl="0" indent="0" algn="l" defTabSz="914400" rtl="0" eaLnBrk="1" fontAlgn="auto" latinLnBrk="0" hangingPunct="1">
+              <a:lnSpc>
+                <a:spcPct val="100000"/>
+              </a:lnSpc>
+              <a:spcBef>
+                <a:spcPts val="0"/>
+              </a:spcBef>
+              <a:spcAft>
+                <a:spcPts val="0"/>
+              </a:spcAft>
+              <a:buClrTx/>
+              <a:buSzTx/>
+              <a:buFontTx/>
+              <a:buNone/>
+              <a:tabLst/>
+              <a:defRPr/>
+            </a:pPr>
+            <a:endParaRPr lang="en-US" altLang="zh-CN" sz="1200" b="1" i="0" kern="1200" dirty="0">
+              <a:solidFill>
+                <a:schemeClr val="tx1"/>
+              </a:solidFill>
+              <a:effectLst/>
+              <a:latin typeface="Source Sans Pro" panose="020B0503030403020204" pitchFamily="34" charset="0"/>
+              <a:ea typeface="+mn-ea"/>
+              <a:cs typeface="+mn-cs"/>
+            </a:endParaRPr>
+          </a:p>
+          <a:p>
+            <a:pPr marL="0" marR="0" lvl="0" indent="0" algn="l" defTabSz="914400" rtl="0" eaLnBrk="1" fontAlgn="auto" latinLnBrk="0" hangingPunct="1">
+              <a:lnSpc>
+                <a:spcPct val="100000"/>
+              </a:lnSpc>
+              <a:spcBef>
+                <a:spcPts val="0"/>
+              </a:spcBef>
+              <a:spcAft>
+                <a:spcPts val="0"/>
+              </a:spcAft>
+              <a:buClrTx/>
+              <a:buSzTx/>
+              <a:buFontTx/>
+              <a:buNone/>
+              <a:tabLst/>
+              <a:defRPr/>
+            </a:pPr>
+            <a:r>
+              <a:rPr lang="en-US" altLang="zh-CN" sz="1200" kern="1200" dirty="0">
+                <a:solidFill>
+                  <a:schemeClr val="tx1"/>
+                </a:solidFill>
+                <a:effectLst/>
+                <a:latin typeface="Source Sans Pro" panose="020B0503030403020204" pitchFamily="34" charset="0"/>
+                <a:ea typeface="+mn-ea"/>
+                <a:cs typeface="+mn-cs"/>
+              </a:rPr>
+              <a:t># Note: the </a:t>
+            </a:r>
+            <a:r>
+              <a:rPr lang="en-US" altLang="zh-CN" sz="1200" kern="1200" dirty="0" err="1">
+                <a:solidFill>
+                  <a:schemeClr val="tx1"/>
+                </a:solidFill>
+                <a:effectLst/>
+                <a:latin typeface="Source Sans Pro" panose="020B0503030403020204" pitchFamily="34" charset="0"/>
+                <a:ea typeface="+mn-ea"/>
+                <a:cs typeface="+mn-cs"/>
+              </a:rPr>
+              <a:t>comand</a:t>
+            </a:r>
+            <a:r>
+              <a:rPr lang="en-US" altLang="zh-CN" sz="1200" kern="1200" dirty="0">
+                <a:solidFill>
+                  <a:schemeClr val="tx1"/>
+                </a:solidFill>
+                <a:effectLst/>
+                <a:latin typeface="Source Sans Pro" panose="020B0503030403020204" pitchFamily="34" charset="0"/>
+                <a:ea typeface="+mn-ea"/>
+                <a:cs typeface="+mn-cs"/>
+              </a:rPr>
               <a:t> </a:t>
             </a:r>
             <a:r>
-              <a:rPr lang="en-US" baseline="0" dirty="0" err="1"/>
-              <a:t>a,b</a:t>
-            </a:r>
-            <a:endParaRPr lang="en-US" baseline="0" dirty="0"/>
-          </a:p>
-          <a:p>
-            <a:r>
-              <a:rPr lang="en-US" baseline="0" dirty="0"/>
-              <a:t>a=1</a:t>
-            </a:r>
-          </a:p>
-          <a:p>
-            <a:r>
-              <a:rPr lang="en-US" baseline="0" dirty="0"/>
-              <a:t>b=2</a:t>
-            </a:r>
-          </a:p>
-          <a:p>
-            <a:r>
-              <a:rPr lang="en-US" baseline="0" dirty="0" err="1"/>
-              <a:t>a+b</a:t>
-            </a:r>
-            <a:endParaRPr lang="en-US" baseline="0" dirty="0"/>
-          </a:p>
-          <a:p>
-            <a:r>
-              <a:rPr lang="en-US" baseline="0" dirty="0"/>
-              <a:t>console.log(</a:t>
-            </a:r>
-            <a:r>
-              <a:rPr lang="en-US" baseline="0" dirty="0" err="1"/>
-              <a:t>a+b</a:t>
-            </a:r>
-            <a:r>
-              <a:rPr lang="en-US" baseline="0" dirty="0"/>
-              <a:t>)</a:t>
-            </a:r>
-          </a:p>
-          <a:p>
-            <a:r>
-              <a:rPr lang="en-US" baseline="0" dirty="0"/>
-              <a:t>console.log(“hello world”)</a:t>
-            </a:r>
-          </a:p>
-          <a:p>
-            <a:endParaRPr lang="en-US" baseline="0" dirty="0"/>
-          </a:p>
-          <a:p>
-            <a:r>
-              <a:rPr lang="en-US" baseline="0" dirty="0"/>
-              <a:t>Online</a:t>
-            </a:r>
-            <a:r>
-              <a:rPr lang="zh-CN" altLang="en-US" baseline="0" dirty="0"/>
-              <a:t>演示脚本：</a:t>
-            </a:r>
-            <a:endParaRPr lang="en-US" altLang="zh-CN" baseline="0" dirty="0"/>
-          </a:p>
-          <a:p>
-            <a:r>
-              <a:rPr lang="en-US" altLang="zh-CN" baseline="0" dirty="0"/>
-              <a:t>1. </a:t>
-            </a:r>
-            <a:r>
-              <a:rPr lang="zh-CN" altLang="en-US" baseline="0" dirty="0"/>
-              <a:t>设置</a:t>
-            </a:r>
-            <a:r>
-              <a:rPr lang="en-US" altLang="zh-CN" baseline="0" dirty="0" err="1"/>
-              <a:t>Javascript</a:t>
-            </a:r>
-            <a:r>
-              <a:rPr lang="en-US" altLang="zh-CN" baseline="0" dirty="0"/>
-              <a:t> LOAD Type=No wrap – in &lt;body&gt;</a:t>
-            </a:r>
-          </a:p>
-          <a:p>
-            <a:r>
-              <a:rPr lang="zh-CN" altLang="en-US" baseline="0" dirty="0"/>
-              <a:t>与终端相同</a:t>
-            </a:r>
-            <a:endParaRPr lang="en-US" baseline="0" dirty="0"/>
-          </a:p>
-          <a:p>
-            <a:endParaRPr lang="en-US" baseline="0" dirty="0"/>
-          </a:p>
-          <a:p>
-            <a:r>
-              <a:rPr lang="en-US" baseline="0" dirty="0"/>
-              <a:t>IDE</a:t>
-            </a:r>
-            <a:r>
-              <a:rPr lang="zh-CN" altLang="en-US" baseline="0" dirty="0"/>
-              <a:t>演示脚本：</a:t>
-            </a:r>
-            <a:endParaRPr lang="en-US" altLang="zh-CN" baseline="0" dirty="0"/>
-          </a:p>
-          <a:p>
-            <a:r>
-              <a:rPr lang="en-US" altLang="zh-CN" baseline="0" dirty="0"/>
-              <a:t>1. </a:t>
-            </a:r>
-            <a:r>
-              <a:rPr lang="zh-CN" altLang="en-US" baseline="0" dirty="0"/>
-              <a:t>创建目录</a:t>
-            </a:r>
-            <a:r>
-              <a:rPr lang="en-US" altLang="zh-CN" baseline="0" dirty="0"/>
-              <a:t>HelloWorld, D:\Working\Projects\Nodejs\HelloWorld</a:t>
-            </a:r>
-            <a:endParaRPr lang="en-US" baseline="0" dirty="0"/>
-          </a:p>
-          <a:p>
-            <a:r>
-              <a:rPr lang="en-US" altLang="zh-CN" baseline="0" dirty="0"/>
-              <a:t>2. </a:t>
-            </a:r>
-            <a:r>
-              <a:rPr lang="zh-CN" altLang="en-US" baseline="0" dirty="0"/>
-              <a:t>创建脚本</a:t>
-            </a:r>
-            <a:r>
-              <a:rPr lang="en-US" altLang="zh-CN" baseline="0" dirty="0"/>
-              <a:t>,sample.js</a:t>
-            </a:r>
-            <a:endParaRPr lang="en-US" baseline="0" dirty="0"/>
-          </a:p>
-          <a:p>
-            <a:r>
-              <a:rPr lang="en-US" baseline="0" dirty="0"/>
-              <a:t>3. </a:t>
-            </a:r>
-            <a:r>
-              <a:rPr lang="en-US" baseline="0" dirty="0" err="1"/>
-              <a:t>Nodejs</a:t>
-            </a:r>
-            <a:r>
-              <a:rPr lang="en-US" baseline="0" dirty="0"/>
+              <a:rPr lang="en-US" altLang="zh-CN" sz="1200" kern="1200" dirty="0" err="1">
+                <a:solidFill>
+                  <a:schemeClr val="tx1"/>
+                </a:solidFill>
+                <a:effectLst/>
+                <a:latin typeface="Source Sans Pro" panose="020B0503030403020204" pitchFamily="34" charset="0"/>
+                <a:ea typeface="+mn-ea"/>
+                <a:cs typeface="+mn-cs"/>
+              </a:rPr>
+              <a:t>pormpt</a:t>
+            </a:r>
+            <a:r>
+              <a:rPr lang="en-US" altLang="zh-CN" sz="1200" kern="1200" dirty="0">
+                <a:solidFill>
+                  <a:schemeClr val="tx1"/>
+                </a:solidFill>
+                <a:effectLst/>
+                <a:latin typeface="Source Sans Pro" panose="020B0503030403020204" pitchFamily="34" charset="0"/>
+                <a:ea typeface="+mn-ea"/>
+                <a:cs typeface="+mn-cs"/>
+              </a:rPr>
+              <a:t> appended a state '(master)’</a:t>
+            </a:r>
+            <a:r>
+              <a:rPr lang="en-US" altLang="zh-CN" dirty="0"/>
               <a:t> </a:t>
             </a:r>
-            <a:r>
-              <a:rPr lang="en-US" baseline="0" dirty="0" err="1"/>
-              <a:t>docker</a:t>
-            </a:r>
-            <a:r>
-              <a:rPr lang="en-US" baseline="0" dirty="0"/>
-              <a:t>:</a:t>
-            </a:r>
-          </a:p>
-          <a:p>
-            <a:r>
-              <a:rPr lang="en-US" altLang="zh-CN" baseline="0" dirty="0"/>
-              <a:t>    Docker run -it --</a:t>
-            </a:r>
-            <a:r>
-              <a:rPr lang="en-US" altLang="zh-CN" baseline="0" dirty="0" err="1"/>
-              <a:t>rm</a:t>
-            </a:r>
-            <a:r>
-              <a:rPr lang="en-US" altLang="zh-CN" baseline="0" dirty="0"/>
-              <a:t> -v D:\Working\Projects\Nodejs\HelloWorld:/usr/src/app -w /</a:t>
-            </a:r>
-            <a:r>
-              <a:rPr lang="en-US" altLang="zh-CN" baseline="0" dirty="0" err="1"/>
-              <a:t>usr</a:t>
-            </a:r>
-            <a:r>
-              <a:rPr lang="en-US" altLang="zh-CN" baseline="0" dirty="0"/>
-              <a:t>/</a:t>
-            </a:r>
-            <a:r>
-              <a:rPr lang="en-US" altLang="zh-CN" baseline="0" dirty="0" err="1"/>
-              <a:t>src</a:t>
-            </a:r>
-            <a:r>
-              <a:rPr lang="en-US" altLang="zh-CN" baseline="0" dirty="0"/>
-              <a:t>/app </a:t>
-            </a:r>
-            <a:r>
-              <a:rPr lang="en-US" altLang="zh-CN" baseline="0" dirty="0" err="1"/>
-              <a:t>nodejs</a:t>
-            </a:r>
-            <a:r>
-              <a:rPr lang="en-US" altLang="zh-CN" baseline="0" dirty="0"/>
-              <a:t>-dev node sample.js</a:t>
-            </a:r>
+          </a:p>
+          <a:p>
+            <a:pPr marL="0" marR="0" lvl="0" indent="0" algn="l" defTabSz="914400" rtl="0" eaLnBrk="1" fontAlgn="auto" latinLnBrk="0" hangingPunct="1">
+              <a:lnSpc>
+                <a:spcPct val="100000"/>
+              </a:lnSpc>
+              <a:spcBef>
+                <a:spcPts val="0"/>
+              </a:spcBef>
+              <a:spcAft>
+                <a:spcPts val="0"/>
+              </a:spcAft>
+              <a:buClrTx/>
+              <a:buSzTx/>
+              <a:buFontTx/>
+              <a:buNone/>
+              <a:tabLst/>
+              <a:defRPr/>
+            </a:pPr>
+            <a:r>
+              <a:rPr lang="en-US" altLang="zh-CN" sz="1200" kern="1200" dirty="0">
+                <a:solidFill>
+                  <a:schemeClr val="tx1"/>
+                </a:solidFill>
+                <a:effectLst/>
+                <a:latin typeface="Source Sans Pro" panose="020B0503030403020204" pitchFamily="34" charset="0"/>
+                <a:ea typeface="+mn-ea"/>
+                <a:cs typeface="+mn-cs"/>
+              </a:rPr>
+              <a:t># which means the git repository initialized </a:t>
+            </a:r>
+            <a:r>
+              <a:rPr lang="en-US" altLang="zh-CN" sz="1200" kern="1200" dirty="0" err="1">
+                <a:solidFill>
+                  <a:schemeClr val="tx1"/>
+                </a:solidFill>
+                <a:effectLst/>
+                <a:latin typeface="Source Sans Pro" panose="020B0503030403020204" pitchFamily="34" charset="0"/>
+                <a:ea typeface="+mn-ea"/>
+                <a:cs typeface="+mn-cs"/>
+              </a:rPr>
+              <a:t>successfull</a:t>
+            </a:r>
+            <a:r>
+              <a:rPr lang="en-US" altLang="zh-CN" dirty="0"/>
+              <a:t> </a:t>
+            </a:r>
+          </a:p>
+          <a:p>
+            <a:pPr marL="0" marR="0" lvl="0" indent="0" algn="l" defTabSz="914400" rtl="0" eaLnBrk="1" fontAlgn="auto" latinLnBrk="0" hangingPunct="1">
+              <a:lnSpc>
+                <a:spcPct val="100000"/>
+              </a:lnSpc>
+              <a:spcBef>
+                <a:spcPts val="0"/>
+              </a:spcBef>
+              <a:spcAft>
+                <a:spcPts val="0"/>
+              </a:spcAft>
+              <a:buClrTx/>
+              <a:buSzTx/>
+              <a:buFontTx/>
+              <a:buNone/>
+              <a:tabLst/>
+              <a:defRPr/>
+            </a:pPr>
+            <a:r>
+              <a:rPr lang="en-US" altLang="zh-CN" sz="1200" kern="1200" dirty="0">
+                <a:solidFill>
+                  <a:schemeClr val="tx1"/>
+                </a:solidFill>
+                <a:effectLst/>
+                <a:latin typeface="Source Sans Pro" panose="020B0503030403020204" pitchFamily="34" charset="0"/>
+                <a:ea typeface="+mn-ea"/>
+                <a:cs typeface="+mn-cs"/>
+              </a:rPr>
+              <a:t># and the current branch being working on is master, which is the default branch usually</a:t>
+            </a:r>
+            <a:r>
+              <a:rPr lang="en-US" altLang="zh-CN" dirty="0"/>
+              <a:t> </a:t>
+            </a:r>
+          </a:p>
+          <a:p>
+            <a:pPr marL="0" marR="0" lvl="0" indent="0" algn="l" defTabSz="914400" rtl="0" eaLnBrk="1" fontAlgn="auto" latinLnBrk="0" hangingPunct="1">
+              <a:lnSpc>
+                <a:spcPct val="100000"/>
+              </a:lnSpc>
+              <a:spcBef>
+                <a:spcPts val="0"/>
+              </a:spcBef>
+              <a:spcAft>
+                <a:spcPts val="0"/>
+              </a:spcAft>
+              <a:buClrTx/>
+              <a:buSzTx/>
+              <a:buFontTx/>
+              <a:buNone/>
+              <a:tabLst/>
+              <a:defRPr/>
+            </a:pPr>
+            <a:r>
+              <a:rPr lang="en-US" altLang="zh-CN" sz="1200" kern="1200" dirty="0">
+                <a:solidFill>
+                  <a:schemeClr val="tx1"/>
+                </a:solidFill>
+                <a:effectLst/>
+                <a:latin typeface="Source Sans Pro" panose="020B0503030403020204" pitchFamily="34" charset="0"/>
+                <a:ea typeface="+mn-ea"/>
+                <a:cs typeface="+mn-cs"/>
+              </a:rPr>
+              <a:t># 1. git managers the source code </a:t>
+            </a:r>
+            <a:r>
+              <a:rPr lang="en-US" altLang="zh-CN" sz="1200" kern="1200" dirty="0" err="1">
+                <a:solidFill>
+                  <a:schemeClr val="tx1"/>
+                </a:solidFill>
+                <a:effectLst/>
+                <a:latin typeface="Source Sans Pro" panose="020B0503030403020204" pitchFamily="34" charset="0"/>
+                <a:ea typeface="+mn-ea"/>
+                <a:cs typeface="+mn-cs"/>
+              </a:rPr>
+              <a:t>wihtin</a:t>
+            </a:r>
+            <a:r>
+              <a:rPr lang="en-US" altLang="zh-CN" sz="1200" kern="1200" dirty="0">
+                <a:solidFill>
+                  <a:schemeClr val="tx1"/>
+                </a:solidFill>
+                <a:effectLst/>
+                <a:latin typeface="Source Sans Pro" panose="020B0503030403020204" pitchFamily="34" charset="0"/>
+                <a:ea typeface="+mn-ea"/>
+                <a:cs typeface="+mn-cs"/>
+              </a:rPr>
+              <a:t> a folder, locate the working folder to see the git repository.</a:t>
+            </a:r>
+            <a:r>
+              <a:rPr lang="en-US" altLang="zh-CN" dirty="0"/>
+              <a:t> </a:t>
+            </a:r>
+          </a:p>
+          <a:p>
+            <a:pPr marL="0" marR="0" lvl="0" indent="0" algn="l" defTabSz="914400" rtl="0" eaLnBrk="1" fontAlgn="auto" latinLnBrk="0" hangingPunct="1">
+              <a:lnSpc>
+                <a:spcPct val="100000"/>
+              </a:lnSpc>
+              <a:spcBef>
+                <a:spcPts val="0"/>
+              </a:spcBef>
+              <a:spcAft>
+                <a:spcPts val="0"/>
+              </a:spcAft>
+              <a:buClrTx/>
+              <a:buSzTx/>
+              <a:buFontTx/>
+              <a:buNone/>
+              <a:tabLst/>
+              <a:defRPr/>
+            </a:pPr>
+            <a:r>
+              <a:rPr lang="en-US" altLang="zh-CN" sz="1200" kern="1200" dirty="0">
+                <a:solidFill>
+                  <a:schemeClr val="tx1"/>
+                </a:solidFill>
+                <a:effectLst/>
+                <a:latin typeface="Source Sans Pro" panose="020B0503030403020204" pitchFamily="34" charset="0"/>
+                <a:ea typeface="+mn-ea"/>
+                <a:cs typeface="+mn-cs"/>
+              </a:rPr>
+              <a:t># 2. the git repository .git defaults to hidden, and not able to see in the file trees of VS-code either</a:t>
+            </a:r>
+            <a:r>
+              <a:rPr lang="en-US" altLang="zh-CN" dirty="0"/>
+              <a:t> </a:t>
+            </a:r>
+          </a:p>
+          <a:p>
+            <a:pPr marL="0" marR="0" lvl="0" indent="0" algn="l" defTabSz="914400" rtl="0" eaLnBrk="1" fontAlgn="auto" latinLnBrk="0" hangingPunct="1">
+              <a:lnSpc>
+                <a:spcPct val="100000"/>
+              </a:lnSpc>
+              <a:spcBef>
+                <a:spcPts val="0"/>
+              </a:spcBef>
+              <a:spcAft>
+                <a:spcPts val="0"/>
+              </a:spcAft>
+              <a:buClrTx/>
+              <a:buSzTx/>
+              <a:buFontTx/>
+              <a:buNone/>
+              <a:tabLst/>
+              <a:defRPr/>
+            </a:pPr>
+            <a:r>
+              <a:rPr lang="en-US" altLang="zh-CN" sz="1200" kern="1200" dirty="0">
+                <a:solidFill>
+                  <a:schemeClr val="tx1"/>
+                </a:solidFill>
+                <a:effectLst/>
+                <a:latin typeface="Source Sans Pro" panose="020B0503030403020204" pitchFamily="34" charset="0"/>
+                <a:ea typeface="+mn-ea"/>
+                <a:cs typeface="+mn-cs"/>
+              </a:rPr>
+              <a:t># 3. don't touch it</a:t>
+            </a:r>
+            <a:r>
+              <a:rPr lang="en-US" altLang="zh-CN" dirty="0"/>
+              <a:t> </a:t>
+            </a:r>
+          </a:p>
+          <a:p>
+            <a:pPr marL="0" marR="0" lvl="0" indent="0" algn="l" defTabSz="914400" rtl="0" eaLnBrk="1" fontAlgn="auto" latinLnBrk="0" hangingPunct="1">
+              <a:lnSpc>
+                <a:spcPct val="100000"/>
+              </a:lnSpc>
+              <a:spcBef>
+                <a:spcPts val="0"/>
+              </a:spcBef>
+              <a:spcAft>
+                <a:spcPts val="0"/>
+              </a:spcAft>
+              <a:buClrTx/>
+              <a:buSzTx/>
+              <a:buFontTx/>
+              <a:buNone/>
+              <a:tabLst/>
+              <a:defRPr/>
+            </a:pPr>
+            <a:endParaRPr lang="en-US" altLang="zh-CN" sz="1200" kern="1200" dirty="0">
+              <a:solidFill>
+                <a:schemeClr val="tx1"/>
+              </a:solidFill>
+              <a:effectLst/>
+              <a:latin typeface="Source Sans Pro" panose="020B0503030403020204" pitchFamily="34" charset="0"/>
+              <a:ea typeface="+mn-ea"/>
+              <a:cs typeface="+mn-cs"/>
+            </a:endParaRPr>
+          </a:p>
+          <a:p>
+            <a:pPr marL="0" marR="0" lvl="0" indent="0" algn="l" defTabSz="914400" rtl="0" eaLnBrk="1" fontAlgn="auto" latinLnBrk="0" hangingPunct="1">
+              <a:lnSpc>
+                <a:spcPct val="100000"/>
+              </a:lnSpc>
+              <a:spcBef>
+                <a:spcPts val="0"/>
+              </a:spcBef>
+              <a:spcAft>
+                <a:spcPts val="0"/>
+              </a:spcAft>
+              <a:buClrTx/>
+              <a:buSzTx/>
+              <a:buFontTx/>
+              <a:buNone/>
+              <a:tabLst/>
+              <a:defRPr/>
+            </a:pPr>
+            <a:r>
+              <a:rPr lang="en-US" altLang="zh-CN" sz="1200" kern="1200" dirty="0">
+                <a:solidFill>
+                  <a:schemeClr val="tx1"/>
+                </a:solidFill>
+                <a:effectLst/>
+                <a:latin typeface="Source Sans Pro" panose="020B0503030403020204" pitchFamily="34" charset="0"/>
+                <a:ea typeface="+mn-ea"/>
+                <a:cs typeface="+mn-cs"/>
+              </a:rPr>
+              <a:t># First of all to config user name and email in local</a:t>
+            </a:r>
+            <a:r>
+              <a:rPr lang="en-US" altLang="zh-CN" dirty="0"/>
+              <a:t> </a:t>
+            </a:r>
+          </a:p>
+          <a:p>
+            <a:pPr marL="0" marR="0" lvl="0" indent="0" algn="l" defTabSz="914400" rtl="0" eaLnBrk="1" fontAlgn="auto" latinLnBrk="0" hangingPunct="1">
+              <a:lnSpc>
+                <a:spcPct val="100000"/>
+              </a:lnSpc>
+              <a:spcBef>
+                <a:spcPts val="0"/>
+              </a:spcBef>
+              <a:spcAft>
+                <a:spcPts val="0"/>
+              </a:spcAft>
+              <a:buClrTx/>
+              <a:buSzTx/>
+              <a:buFontTx/>
+              <a:buNone/>
+              <a:tabLst/>
+              <a:defRPr/>
+            </a:pPr>
+            <a:r>
+              <a:rPr lang="en-US" altLang="zh-CN" dirty="0"/>
+              <a:t>git config --local </a:t>
+            </a:r>
+            <a:r>
+              <a:rPr lang="en-US" altLang="zh-CN" dirty="0" err="1"/>
+              <a:t>user.email</a:t>
+            </a:r>
+            <a:r>
+              <a:rPr lang="en-US" altLang="zh-CN" dirty="0"/>
+              <a:t> </a:t>
+            </a:r>
+            <a:r>
+              <a:rPr lang="en-US" altLang="zh-CN" sz="1200" kern="1200" dirty="0">
+                <a:solidFill>
+                  <a:schemeClr val="tx1"/>
+                </a:solidFill>
+                <a:effectLst/>
+                <a:latin typeface="Source Sans Pro" panose="020B0503030403020204" pitchFamily="34" charset="0"/>
+                <a:ea typeface="+mn-ea"/>
+                <a:cs typeface="+mn-cs"/>
+              </a:rPr>
+              <a:t>"baikangwang@hotmail.com"</a:t>
+            </a:r>
+            <a:r>
+              <a:rPr lang="en-US" altLang="zh-CN" dirty="0"/>
+              <a:t> </a:t>
+            </a:r>
+          </a:p>
+          <a:p>
+            <a:pPr marL="0" marR="0" lvl="0" indent="0" algn="l" defTabSz="914400" rtl="0" eaLnBrk="1" fontAlgn="auto" latinLnBrk="0" hangingPunct="1">
+              <a:lnSpc>
+                <a:spcPct val="100000"/>
+              </a:lnSpc>
+              <a:spcBef>
+                <a:spcPts val="0"/>
+              </a:spcBef>
+              <a:spcAft>
+                <a:spcPts val="0"/>
+              </a:spcAft>
+              <a:buClrTx/>
+              <a:buSzTx/>
+              <a:buFontTx/>
+              <a:buNone/>
+              <a:tabLst/>
+              <a:defRPr/>
+            </a:pPr>
+            <a:r>
+              <a:rPr lang="en-US" altLang="zh-CN" dirty="0"/>
+              <a:t>git config --local user.name </a:t>
+            </a:r>
+            <a:r>
+              <a:rPr lang="en-US" altLang="zh-CN" sz="1200" kern="1200" dirty="0">
+                <a:solidFill>
+                  <a:schemeClr val="tx1"/>
+                </a:solidFill>
+                <a:effectLst/>
+                <a:latin typeface="Source Sans Pro" panose="020B0503030403020204" pitchFamily="34" charset="0"/>
+                <a:ea typeface="+mn-ea"/>
+                <a:cs typeface="+mn-cs"/>
+              </a:rPr>
+              <a:t>"baikangwang"</a:t>
+            </a:r>
+            <a:endParaRPr lang="en-US" altLang="zh-CN" sz="1200" b="1" i="0" kern="1200" dirty="0">
+              <a:solidFill>
+                <a:schemeClr val="tx1"/>
+              </a:solidFill>
+              <a:effectLst/>
+              <a:latin typeface="Source Sans Pro" panose="020B0503030403020204" pitchFamily="34" charset="0"/>
+              <a:ea typeface="+mn-ea"/>
+              <a:cs typeface="+mn-cs"/>
+            </a:endParaRPr>
+          </a:p>
+          <a:p>
             <a:endParaRPr lang="en-US" baseline="0" dirty="0"/>
           </a:p>
         </p:txBody>
@@ -1074,7 +1601,7 @@
             <a:fld id="{1F36095F-851B-4C6B-93FA-49215E044C0A}" type="slidenum">
               <a:rPr lang="en-US" smtClean="0"/>
               <a:pPr/>
-              <a:t>5</a:t>
+              <a:t>6</a:t>
             </a:fld>
             <a:endParaRPr lang="en-US" dirty="0"/>
           </a:p>
@@ -1094,6 +1621,818 @@
 </file>
 
 <file path=ppt/notesSlides/notesSlide3.xml><?xml version="1.0" encoding="utf-8"?>
+<p:notes xmlns:a="http://schemas.openxmlformats.org/drawingml/2006/main" xmlns:r="http://schemas.openxmlformats.org/officeDocument/2006/relationships" xmlns:p="http://schemas.openxmlformats.org/presentationml/2006/main">
+  <p:cSld>
+    <p:spTree>
+      <p:nvGrpSpPr>
+        <p:cNvPr id="1" name=""/>
+        <p:cNvGrpSpPr/>
+        <p:nvPr/>
+      </p:nvGrpSpPr>
+      <p:grpSpPr>
+        <a:xfrm>
+          <a:off x="0" y="0"/>
+          <a:ext cx="0" cy="0"/>
+          <a:chOff x="0" y="0"/>
+          <a:chExt cx="0" cy="0"/>
+        </a:xfrm>
+      </p:grpSpPr>
+      <p:sp>
+        <p:nvSpPr>
+          <p:cNvPr id="2" name="幻灯片图像占位符 1"/>
+          <p:cNvSpPr>
+            <a:spLocks noGrp="1" noRot="1" noChangeAspect="1"/>
+          </p:cNvSpPr>
+          <p:nvPr>
+            <p:ph type="sldImg"/>
+          </p:nvPr>
+        </p:nvSpPr>
+        <p:spPr/>
+      </p:sp>
+      <p:sp>
+        <p:nvSpPr>
+          <p:cNvPr id="3" name="备注占位符 2"/>
+          <p:cNvSpPr>
+            <a:spLocks noGrp="1"/>
+          </p:cNvSpPr>
+          <p:nvPr>
+            <p:ph type="body" idx="1"/>
+          </p:nvPr>
+        </p:nvSpPr>
+        <p:spPr/>
+        <p:txBody>
+          <a:bodyPr/>
+          <a:lstStyle/>
+          <a:p>
+            <a:r>
+              <a:rPr lang="en-US" altLang="zh-CN" dirty="0"/>
+              <a:t>Playground in node</a:t>
+            </a:r>
+          </a:p>
+          <a:p>
+            <a:r>
+              <a:rPr lang="en-US" altLang="zh-CN" dirty="0"/>
+              <a:t>1. </a:t>
+            </a:r>
+            <a:r>
+              <a:rPr lang="zh-CN" altLang="en-US" dirty="0"/>
+              <a:t>声明变量 </a:t>
+            </a:r>
+            <a:r>
+              <a:rPr lang="en-US" altLang="zh-CN" dirty="0"/>
+              <a:t>let</a:t>
+            </a:r>
+          </a:p>
+          <a:p>
+            <a:r>
+              <a:rPr lang="en-US" altLang="zh-CN" dirty="0"/>
+              <a:t>2. </a:t>
+            </a:r>
+            <a:r>
+              <a:rPr lang="zh-CN" altLang="en-US" dirty="0"/>
+              <a:t>讲解和演示 </a:t>
+            </a:r>
+            <a:r>
+              <a:rPr lang="en-US" altLang="zh-CN" dirty="0"/>
+              <a:t>String, Number, Boolean, Array, Object </a:t>
+            </a:r>
+            <a:r>
+              <a:rPr lang="zh-CN" altLang="en-US" dirty="0"/>
+              <a:t>数据类型</a:t>
+            </a:r>
+            <a:endParaRPr lang="en-US" altLang="zh-CN" dirty="0"/>
+          </a:p>
+          <a:p>
+            <a:endParaRPr lang="en-US" altLang="zh-CN" dirty="0"/>
+          </a:p>
+          <a:p>
+            <a:r>
+              <a:rPr lang="en-US" altLang="zh-CN" dirty="0">
+                <a:effectLst/>
+              </a:rPr>
+              <a:t>String </a:t>
+            </a:r>
+            <a:r>
+              <a:rPr lang="zh-CN" altLang="en-US" dirty="0">
+                <a:effectLst/>
+              </a:rPr>
+              <a:t>字符串，一段文本。 要指示变量是字符串，你应该将它们用引号包裹起来。</a:t>
+            </a:r>
+            <a:endParaRPr lang="en-US" altLang="zh-CN" dirty="0">
+              <a:effectLst/>
+            </a:endParaRPr>
+          </a:p>
+          <a:p>
+            <a:r>
+              <a:rPr lang="en-US" altLang="zh-CN" dirty="0">
+                <a:effectLst/>
+              </a:rPr>
+              <a:t>Number </a:t>
+            </a:r>
+            <a:r>
+              <a:rPr lang="zh-CN" altLang="en-US" dirty="0">
+                <a:effectLst/>
+              </a:rPr>
+              <a:t>数字，一个数字。不用引号包围。</a:t>
+            </a:r>
+            <a:endParaRPr lang="en-US" altLang="zh-CN" dirty="0">
+              <a:effectLst/>
+            </a:endParaRPr>
+          </a:p>
+          <a:p>
+            <a:r>
+              <a:rPr lang="en-US" altLang="zh-CN" dirty="0">
+                <a:effectLst/>
+              </a:rPr>
+              <a:t>Boolean </a:t>
+            </a:r>
+            <a:r>
+              <a:rPr lang="zh-CN" altLang="en-US" dirty="0">
+                <a:effectLst/>
+              </a:rPr>
+              <a:t>布尔型，一个 </a:t>
+            </a:r>
+            <a:r>
+              <a:rPr lang="en-US" altLang="zh-CN" dirty="0">
+                <a:effectLst/>
+              </a:rPr>
+              <a:t>True/False </a:t>
+            </a:r>
+            <a:r>
+              <a:rPr lang="zh-CN" altLang="en-US" dirty="0">
+                <a:effectLst/>
+              </a:rPr>
+              <a:t>（真 </a:t>
+            </a:r>
+            <a:r>
+              <a:rPr lang="en-US" altLang="zh-CN" dirty="0">
+                <a:effectLst/>
+              </a:rPr>
+              <a:t>/ </a:t>
+            </a:r>
+            <a:r>
+              <a:rPr lang="zh-CN" altLang="en-US" dirty="0">
+                <a:effectLst/>
+              </a:rPr>
+              <a:t>假）值。 </a:t>
+            </a:r>
+            <a:r>
+              <a:rPr lang="en-US" altLang="zh-CN" dirty="0">
+                <a:effectLst/>
+              </a:rPr>
+              <a:t>true/false </a:t>
+            </a:r>
+            <a:r>
+              <a:rPr lang="zh-CN" altLang="en-US" dirty="0">
+                <a:effectLst/>
+              </a:rPr>
+              <a:t>是 </a:t>
+            </a:r>
+            <a:r>
+              <a:rPr lang="en-US" altLang="zh-CN" dirty="0">
+                <a:effectLst/>
+              </a:rPr>
+              <a:t>JS </a:t>
+            </a:r>
+            <a:r>
+              <a:rPr lang="zh-CN" altLang="en-US" dirty="0">
+                <a:effectLst/>
+              </a:rPr>
+              <a:t>里的特殊关键字，不需要引号。</a:t>
+            </a:r>
+            <a:endParaRPr lang="en-US" altLang="zh-CN" dirty="0">
+              <a:effectLst/>
+            </a:endParaRPr>
+          </a:p>
+          <a:p>
+            <a:r>
+              <a:rPr lang="en-US" altLang="zh-CN" dirty="0">
+                <a:effectLst/>
+              </a:rPr>
+              <a:t>Array </a:t>
+            </a:r>
+            <a:r>
+              <a:rPr lang="zh-CN" altLang="en-US" dirty="0">
+                <a:effectLst/>
+              </a:rPr>
+              <a:t>数组，一种允许你存储多个值在一个引用里的结构。</a:t>
+            </a:r>
+            <a:endParaRPr lang="en-US" altLang="zh-CN" dirty="0">
+              <a:effectLst/>
+            </a:endParaRPr>
+          </a:p>
+          <a:p>
+            <a:r>
+              <a:rPr lang="en-US" altLang="zh-CN" dirty="0">
+                <a:effectLst/>
+              </a:rPr>
+              <a:t>Object </a:t>
+            </a:r>
+            <a:r>
+              <a:rPr lang="zh-CN" altLang="en-US" dirty="0">
+                <a:effectLst/>
+              </a:rPr>
+              <a:t>对象，基本上 </a:t>
+            </a:r>
+            <a:r>
+              <a:rPr lang="en-US" altLang="zh-CN" dirty="0">
+                <a:effectLst/>
+              </a:rPr>
+              <a:t>JavaScript </a:t>
+            </a:r>
+            <a:r>
+              <a:rPr lang="zh-CN" altLang="en-US" dirty="0">
+                <a:effectLst/>
+              </a:rPr>
+              <a:t>里的任何东西都是对象，而且都可以被储存在变量里。</a:t>
+            </a:r>
+            <a:endParaRPr lang="zh-CN" altLang="en-US" dirty="0"/>
+          </a:p>
+        </p:txBody>
+      </p:sp>
+      <p:sp>
+        <p:nvSpPr>
+          <p:cNvPr id="4" name="灯片编号占位符 3"/>
+          <p:cNvSpPr>
+            <a:spLocks noGrp="1"/>
+          </p:cNvSpPr>
+          <p:nvPr>
+            <p:ph type="sldNum" sz="quarter" idx="10"/>
+          </p:nvPr>
+        </p:nvSpPr>
+        <p:spPr/>
+        <p:txBody>
+          <a:bodyPr/>
+          <a:lstStyle/>
+          <a:p>
+            <a:fld id="{1F36095F-851B-4C6B-93FA-49215E044C0A}" type="slidenum">
+              <a:rPr lang="en-US" smtClean="0"/>
+              <a:pPr/>
+              <a:t>7</a:t>
+            </a:fld>
+            <a:endParaRPr lang="en-US" dirty="0"/>
+          </a:p>
+        </p:txBody>
+      </p:sp>
+    </p:spTree>
+    <p:extLst>
+      <p:ext uri="{BB962C8B-B14F-4D97-AF65-F5344CB8AC3E}">
+        <p14:creationId xmlns:p14="http://schemas.microsoft.com/office/powerpoint/2010/main" val="2500983138"/>
+      </p:ext>
+    </p:extLst>
+  </p:cSld>
+  <p:clrMapOvr>
+    <a:masterClrMapping/>
+  </p:clrMapOvr>
+</p:notes>
+</file>
+
+<file path=ppt/notesSlides/notesSlide4.xml><?xml version="1.0" encoding="utf-8"?>
+<p:notes xmlns:a="http://schemas.openxmlformats.org/drawingml/2006/main" xmlns:r="http://schemas.openxmlformats.org/officeDocument/2006/relationships" xmlns:p="http://schemas.openxmlformats.org/presentationml/2006/main">
+  <p:cSld>
+    <p:spTree>
+      <p:nvGrpSpPr>
+        <p:cNvPr id="1" name=""/>
+        <p:cNvGrpSpPr/>
+        <p:nvPr/>
+      </p:nvGrpSpPr>
+      <p:grpSpPr>
+        <a:xfrm>
+          <a:off x="0" y="0"/>
+          <a:ext cx="0" cy="0"/>
+          <a:chOff x="0" y="0"/>
+          <a:chExt cx="0" cy="0"/>
+        </a:xfrm>
+      </p:grpSpPr>
+      <p:sp>
+        <p:nvSpPr>
+          <p:cNvPr id="2" name="幻灯片图像占位符 1"/>
+          <p:cNvSpPr>
+            <a:spLocks noGrp="1" noRot="1" noChangeAspect="1"/>
+          </p:cNvSpPr>
+          <p:nvPr>
+            <p:ph type="sldImg"/>
+          </p:nvPr>
+        </p:nvSpPr>
+        <p:spPr/>
+      </p:sp>
+      <p:sp>
+        <p:nvSpPr>
+          <p:cNvPr id="3" name="备注占位符 2"/>
+          <p:cNvSpPr>
+            <a:spLocks noGrp="1"/>
+          </p:cNvSpPr>
+          <p:nvPr>
+            <p:ph type="body" idx="1"/>
+          </p:nvPr>
+        </p:nvSpPr>
+        <p:spPr/>
+        <p:txBody>
+          <a:bodyPr/>
+          <a:lstStyle/>
+          <a:p>
+            <a:r>
+              <a:rPr lang="en-US" altLang="zh-CN" dirty="0"/>
+              <a:t>Playground in node</a:t>
+            </a:r>
+          </a:p>
+          <a:p>
+            <a:pPr marL="228600" indent="-228600">
+              <a:buAutoNum type="arabicPeriod"/>
+            </a:pPr>
+            <a:r>
+              <a:rPr lang="zh-CN" altLang="en-US" dirty="0"/>
+              <a:t>讲解和演示运算符</a:t>
+            </a:r>
+            <a:endParaRPr lang="en-US" altLang="zh-CN" dirty="0"/>
+          </a:p>
+          <a:p>
+            <a:pPr marL="228600" indent="-228600">
+              <a:buAutoNum type="arabicPeriod"/>
+            </a:pPr>
+            <a:endParaRPr lang="en-US" altLang="zh-CN" dirty="0"/>
+          </a:p>
+          <a:p>
+            <a:pPr marL="0" indent="0">
+              <a:buNone/>
+            </a:pPr>
+            <a:r>
+              <a:rPr lang="en-US" altLang="zh-CN" dirty="0">
+                <a:effectLst/>
+              </a:rPr>
+              <a:t>+,     </a:t>
+            </a:r>
+            <a:r>
+              <a:rPr lang="zh-CN" altLang="en-US" dirty="0">
+                <a:effectLst/>
+              </a:rPr>
+              <a:t>连接用来相加两个数字，或者连接两个字符串</a:t>
+            </a:r>
+            <a:br>
+              <a:rPr lang="en-US" altLang="zh-CN" dirty="0">
+                <a:effectLst/>
+              </a:rPr>
+            </a:br>
+            <a:r>
+              <a:rPr lang="en-US" altLang="zh-CN" dirty="0">
+                <a:effectLst/>
+              </a:rPr>
+              <a:t>- * /  </a:t>
+            </a:r>
+            <a:r>
+              <a:rPr lang="zh-CN" altLang="en-US" dirty="0">
+                <a:effectLst/>
+              </a:rPr>
+              <a:t>这些运算符操作将与你期望它们在基础数学中所做的一样。</a:t>
+            </a:r>
+            <a:endParaRPr lang="en-US" altLang="zh-CN" dirty="0">
+              <a:effectLst/>
+            </a:endParaRPr>
+          </a:p>
+          <a:p>
+            <a:pPr marL="0" indent="0">
+              <a:buNone/>
+            </a:pPr>
+            <a:r>
+              <a:rPr lang="en-US" altLang="zh-CN" dirty="0">
+                <a:effectLst/>
+              </a:rPr>
+              <a:t>=      </a:t>
+            </a:r>
+            <a:r>
+              <a:rPr lang="zh-CN" altLang="en-US" dirty="0">
+                <a:effectLst/>
+              </a:rPr>
+              <a:t>它将一个值赋给一个变量</a:t>
+            </a:r>
+            <a:endParaRPr lang="en-US" altLang="zh-CN" dirty="0">
+              <a:effectLst/>
+            </a:endParaRPr>
+          </a:p>
+          <a:p>
+            <a:pPr marL="0" indent="0">
+              <a:buNone/>
+            </a:pPr>
+            <a:r>
+              <a:rPr lang="en-US" altLang="zh-CN" dirty="0">
+                <a:effectLst/>
+              </a:rPr>
+              <a:t>=== </a:t>
+            </a:r>
+            <a:r>
+              <a:rPr lang="zh-CN" altLang="en-US" dirty="0">
+                <a:effectLst/>
+              </a:rPr>
+              <a:t>它将测试两个值是否相等，而且会返回一个 </a:t>
+            </a:r>
+            <a:r>
+              <a:rPr lang="en-US" altLang="zh-CN" dirty="0">
+                <a:effectLst/>
+              </a:rPr>
+              <a:t>true/false </a:t>
+            </a:r>
+            <a:r>
+              <a:rPr lang="zh-CN" altLang="en-US" dirty="0">
+                <a:effectLst/>
+              </a:rPr>
+              <a:t>（布尔型）值。</a:t>
+            </a:r>
+            <a:endParaRPr lang="en-US" altLang="zh-CN" dirty="0">
+              <a:effectLst/>
+            </a:endParaRPr>
+          </a:p>
+          <a:p>
+            <a:pPr marL="0" indent="0">
+              <a:buNone/>
+            </a:pPr>
+            <a:r>
+              <a:rPr lang="en-US" altLang="zh-CN" dirty="0">
+                <a:effectLst/>
+              </a:rPr>
+              <a:t>! !== </a:t>
+            </a:r>
+            <a:r>
+              <a:rPr lang="zh-CN" altLang="en-US" dirty="0">
+                <a:effectLst/>
+              </a:rPr>
+              <a:t>经常与相等运算一起使用，非运算符在</a:t>
+            </a:r>
+            <a:r>
+              <a:rPr lang="en-US" altLang="zh-CN" dirty="0">
+                <a:effectLst/>
+              </a:rPr>
+              <a:t>JS</a:t>
+            </a:r>
+            <a:r>
+              <a:rPr lang="zh-CN" altLang="en-US" dirty="0">
+                <a:effectLst/>
+              </a:rPr>
+              <a:t>中表示逻辑非</a:t>
+            </a:r>
+            <a:r>
+              <a:rPr lang="en-US" altLang="zh-CN" dirty="0">
+                <a:effectLst/>
+              </a:rPr>
+              <a:t>——</a:t>
+            </a:r>
+            <a:r>
+              <a:rPr lang="zh-CN" altLang="en-US" dirty="0">
+                <a:effectLst/>
+              </a:rPr>
+              <a:t>它也返回一个布尔值。</a:t>
+            </a:r>
+            <a:endParaRPr lang="en-US" altLang="zh-CN" dirty="0"/>
+          </a:p>
+        </p:txBody>
+      </p:sp>
+      <p:sp>
+        <p:nvSpPr>
+          <p:cNvPr id="4" name="灯片编号占位符 3"/>
+          <p:cNvSpPr>
+            <a:spLocks noGrp="1"/>
+          </p:cNvSpPr>
+          <p:nvPr>
+            <p:ph type="sldNum" sz="quarter" idx="10"/>
+          </p:nvPr>
+        </p:nvSpPr>
+        <p:spPr/>
+        <p:txBody>
+          <a:bodyPr/>
+          <a:lstStyle/>
+          <a:p>
+            <a:fld id="{1F36095F-851B-4C6B-93FA-49215E044C0A}" type="slidenum">
+              <a:rPr lang="en-US" smtClean="0"/>
+              <a:pPr/>
+              <a:t>8</a:t>
+            </a:fld>
+            <a:endParaRPr lang="en-US" dirty="0"/>
+          </a:p>
+        </p:txBody>
+      </p:sp>
+    </p:spTree>
+    <p:extLst>
+      <p:ext uri="{BB962C8B-B14F-4D97-AF65-F5344CB8AC3E}">
+        <p14:creationId xmlns:p14="http://schemas.microsoft.com/office/powerpoint/2010/main" val="2950719829"/>
+      </p:ext>
+    </p:extLst>
+  </p:cSld>
+  <p:clrMapOvr>
+    <a:masterClrMapping/>
+  </p:clrMapOvr>
+</p:notes>
+</file>
+
+<file path=ppt/notesSlides/notesSlide5.xml><?xml version="1.0" encoding="utf-8"?>
+<p:notes xmlns:a="http://schemas.openxmlformats.org/drawingml/2006/main" xmlns:r="http://schemas.openxmlformats.org/officeDocument/2006/relationships" xmlns:p="http://schemas.openxmlformats.org/presentationml/2006/main">
+  <p:cSld>
+    <p:spTree>
+      <p:nvGrpSpPr>
+        <p:cNvPr id="1" name=""/>
+        <p:cNvGrpSpPr/>
+        <p:nvPr/>
+      </p:nvGrpSpPr>
+      <p:grpSpPr>
+        <a:xfrm>
+          <a:off x="0" y="0"/>
+          <a:ext cx="0" cy="0"/>
+          <a:chOff x="0" y="0"/>
+          <a:chExt cx="0" cy="0"/>
+        </a:xfrm>
+      </p:grpSpPr>
+      <p:sp>
+        <p:nvSpPr>
+          <p:cNvPr id="2" name="幻灯片图像占位符 1"/>
+          <p:cNvSpPr>
+            <a:spLocks noGrp="1" noRot="1" noChangeAspect="1"/>
+          </p:cNvSpPr>
+          <p:nvPr>
+            <p:ph type="sldImg"/>
+          </p:nvPr>
+        </p:nvSpPr>
+        <p:spPr/>
+      </p:sp>
+      <p:sp>
+        <p:nvSpPr>
+          <p:cNvPr id="3" name="备注占位符 2"/>
+          <p:cNvSpPr>
+            <a:spLocks noGrp="1"/>
+          </p:cNvSpPr>
+          <p:nvPr>
+            <p:ph type="body" idx="1"/>
+          </p:nvPr>
+        </p:nvSpPr>
+        <p:spPr/>
+        <p:txBody>
+          <a:bodyPr/>
+          <a:lstStyle/>
+          <a:p>
+            <a:r>
+              <a:rPr lang="zh-CN" altLang="en-US" dirty="0"/>
+              <a:t>故事二 学习 </a:t>
+            </a:r>
+            <a:r>
+              <a:rPr lang="en-US" altLang="zh-CN" dirty="0"/>
+              <a:t>for, while, if-else, switch, function, class, regular-</a:t>
+            </a:r>
+            <a:r>
+              <a:rPr lang="en-US" altLang="zh-CN" dirty="0" err="1"/>
+              <a:t>exp</a:t>
+            </a:r>
+            <a:r>
+              <a:rPr lang="en-US" altLang="zh-CN" dirty="0"/>
+              <a:t>, web-driver</a:t>
+            </a:r>
+          </a:p>
+          <a:p>
+            <a:endParaRPr lang="en-US" altLang="zh-CN" dirty="0"/>
+          </a:p>
+          <a:p>
+            <a:pPr marL="228600" indent="-228600">
+              <a:buAutoNum type="arabicPeriod"/>
+            </a:pPr>
+            <a:r>
+              <a:rPr lang="zh-CN" altLang="en-US" dirty="0"/>
+              <a:t>创建</a:t>
+            </a:r>
+            <a:r>
+              <a:rPr lang="en-US" altLang="zh-CN" dirty="0"/>
+              <a:t>story.js</a:t>
+            </a:r>
+          </a:p>
+          <a:p>
+            <a:pPr marL="228600" indent="-228600">
+              <a:buAutoNum type="arabicPeriod"/>
+            </a:pPr>
+            <a:r>
+              <a:rPr lang="zh-CN" altLang="en-US" dirty="0"/>
+              <a:t>写下故事</a:t>
+            </a:r>
+            <a:endParaRPr lang="en-US" altLang="zh-CN" dirty="0"/>
+          </a:p>
+          <a:p>
+            <a:pPr marL="228600" indent="-228600">
+              <a:buAutoNum type="arabicPeriod"/>
+            </a:pPr>
+            <a:endParaRPr lang="en-US" altLang="zh-CN" dirty="0"/>
+          </a:p>
+          <a:p>
+            <a:r>
+              <a:rPr lang="en-US" altLang="zh-CN" sz="1200" b="0" i="0" kern="1200" dirty="0">
+                <a:solidFill>
+                  <a:schemeClr val="tx1"/>
+                </a:solidFill>
+                <a:effectLst/>
+                <a:latin typeface="Source Sans Pro" panose="020B0503030403020204" pitchFamily="34" charset="0"/>
+                <a:ea typeface="+mn-ea"/>
+                <a:cs typeface="+mn-cs"/>
+              </a:rPr>
+              <a:t>// The Rabbit Mom stands in the front of the door </a:t>
+            </a:r>
+          </a:p>
+          <a:p>
+            <a:r>
+              <a:rPr lang="en-US" altLang="zh-CN" sz="1200" b="0" i="0" kern="1200" dirty="0">
+                <a:solidFill>
+                  <a:schemeClr val="tx1"/>
+                </a:solidFill>
+                <a:effectLst/>
+                <a:latin typeface="Source Sans Pro" panose="020B0503030403020204" pitchFamily="34" charset="0"/>
+                <a:ea typeface="+mn-ea"/>
+                <a:cs typeface="+mn-cs"/>
+              </a:rPr>
+              <a:t>// Asks the baby "Open the door" </a:t>
+            </a:r>
+          </a:p>
+          <a:p>
+            <a:r>
+              <a:rPr lang="en-US" altLang="zh-CN" sz="1200" b="0" i="0" kern="1200" dirty="0">
+                <a:solidFill>
+                  <a:schemeClr val="tx1"/>
+                </a:solidFill>
+                <a:effectLst/>
+                <a:latin typeface="Source Sans Pro" panose="020B0503030403020204" pitchFamily="34" charset="0"/>
+                <a:ea typeface="+mn-ea"/>
+                <a:cs typeface="+mn-cs"/>
+              </a:rPr>
+              <a:t>// And say "I am Mom" </a:t>
+            </a:r>
+          </a:p>
+          <a:p>
+            <a:r>
+              <a:rPr lang="en-US" altLang="zh-CN" sz="1200" b="0" i="0" kern="1200" dirty="0">
+                <a:solidFill>
+                  <a:schemeClr val="tx1"/>
+                </a:solidFill>
+                <a:effectLst/>
+                <a:latin typeface="Source Sans Pro" panose="020B0503030403020204" pitchFamily="34" charset="0"/>
+                <a:ea typeface="+mn-ea"/>
+                <a:cs typeface="+mn-cs"/>
+              </a:rPr>
+              <a:t>// The rabbit baby opens the door </a:t>
+            </a:r>
+          </a:p>
+          <a:p>
+            <a:endParaRPr lang="en-US" altLang="zh-CN" sz="1200" b="0" i="0" kern="1200" dirty="0">
+              <a:solidFill>
+                <a:schemeClr val="tx1"/>
+              </a:solidFill>
+              <a:effectLst/>
+              <a:latin typeface="Source Sans Pro" panose="020B0503030403020204" pitchFamily="34" charset="0"/>
+              <a:ea typeface="+mn-ea"/>
+              <a:cs typeface="+mn-cs"/>
+            </a:endParaRPr>
+          </a:p>
+          <a:p>
+            <a:r>
+              <a:rPr lang="en-US" altLang="zh-CN" sz="1200" b="0" i="0" kern="1200" dirty="0">
+                <a:solidFill>
+                  <a:schemeClr val="tx1"/>
+                </a:solidFill>
+                <a:effectLst/>
+                <a:latin typeface="Source Sans Pro" panose="020B0503030403020204" pitchFamily="34" charset="0"/>
+                <a:ea typeface="+mn-ea"/>
+                <a:cs typeface="+mn-cs"/>
+              </a:rPr>
+              <a:t>let given="Given: stand in the front of the door"; </a:t>
+            </a:r>
+          </a:p>
+          <a:p>
+            <a:r>
+              <a:rPr lang="en-US" altLang="zh-CN" sz="1200" b="0" i="0" kern="1200" dirty="0">
+                <a:solidFill>
+                  <a:schemeClr val="tx1"/>
+                </a:solidFill>
+                <a:effectLst/>
+                <a:latin typeface="Source Sans Pro" panose="020B0503030403020204" pitchFamily="34" charset="0"/>
+                <a:ea typeface="+mn-ea"/>
+                <a:cs typeface="+mn-cs"/>
+              </a:rPr>
+              <a:t>let when1="When: ask Open the door"; </a:t>
+            </a:r>
+          </a:p>
+          <a:p>
+            <a:r>
+              <a:rPr lang="en-US" altLang="zh-CN" sz="1200" b="0" i="0" kern="1200" dirty="0">
+                <a:solidFill>
+                  <a:schemeClr val="tx1"/>
+                </a:solidFill>
+                <a:effectLst/>
+                <a:latin typeface="Source Sans Pro" panose="020B0503030403020204" pitchFamily="34" charset="0"/>
+                <a:ea typeface="+mn-ea"/>
+                <a:cs typeface="+mn-cs"/>
+              </a:rPr>
+              <a:t>let when2="When: I am Mom"; </a:t>
+            </a:r>
+          </a:p>
+          <a:p>
+            <a:r>
+              <a:rPr lang="en-US" altLang="zh-CN" sz="1200" b="0" i="0" kern="1200">
+                <a:solidFill>
+                  <a:schemeClr val="tx1"/>
+                </a:solidFill>
+                <a:effectLst/>
+                <a:latin typeface="Source Sans Pro" panose="020B0503030403020204" pitchFamily="34" charset="0"/>
+                <a:ea typeface="+mn-ea"/>
+                <a:cs typeface="+mn-cs"/>
+              </a:rPr>
+              <a:t>let </a:t>
+            </a:r>
+            <a:r>
+              <a:rPr lang="en-US" altLang="zh-CN" sz="1200" b="0" i="0" kern="1200" dirty="0">
+                <a:solidFill>
+                  <a:schemeClr val="tx1"/>
+                </a:solidFill>
+                <a:effectLst/>
+                <a:latin typeface="Source Sans Pro" panose="020B0503030403020204" pitchFamily="34" charset="0"/>
+                <a:ea typeface="+mn-ea"/>
+                <a:cs typeface="+mn-cs"/>
+              </a:rPr>
+              <a:t>then = "Then: open the </a:t>
+            </a:r>
+            <a:r>
+              <a:rPr lang="en-US" altLang="zh-CN" sz="1200" b="0" i="0" kern="1200">
+                <a:solidFill>
+                  <a:schemeClr val="tx1"/>
+                </a:solidFill>
+                <a:effectLst/>
+                <a:latin typeface="Source Sans Pro" panose="020B0503030403020204" pitchFamily="34" charset="0"/>
+                <a:ea typeface="+mn-ea"/>
+                <a:cs typeface="+mn-cs"/>
+              </a:rPr>
+              <a:t>door";</a:t>
+            </a:r>
+          </a:p>
+          <a:p>
+            <a:endParaRPr lang="en-US" altLang="zh-CN" sz="1200" b="0" i="0" kern="1200" dirty="0">
+              <a:solidFill>
+                <a:schemeClr val="tx1"/>
+              </a:solidFill>
+              <a:effectLst/>
+              <a:latin typeface="Source Sans Pro" panose="020B0503030403020204" pitchFamily="34" charset="0"/>
+              <a:ea typeface="+mn-ea"/>
+              <a:cs typeface="+mn-cs"/>
+            </a:endParaRPr>
+          </a:p>
+          <a:p>
+            <a:r>
+              <a:rPr lang="en-US" altLang="zh-CN" sz="1200" b="0" i="0" kern="1200" dirty="0">
+                <a:solidFill>
+                  <a:schemeClr val="tx1"/>
+                </a:solidFill>
+                <a:effectLst/>
+                <a:latin typeface="Source Sans Pro" panose="020B0503030403020204" pitchFamily="34" charset="0"/>
+                <a:ea typeface="+mn-ea"/>
+                <a:cs typeface="+mn-cs"/>
+              </a:rPr>
+              <a:t># commit git add . &amp;&amp; git commit -m "initial story"</a:t>
+            </a:r>
+          </a:p>
+          <a:p>
+            <a:pPr marL="0" indent="0">
+              <a:buNone/>
+            </a:pPr>
+            <a:endParaRPr lang="en-US" altLang="zh-CN" dirty="0"/>
+          </a:p>
+        </p:txBody>
+      </p:sp>
+      <p:sp>
+        <p:nvSpPr>
+          <p:cNvPr id="4" name="灯片编号占位符 3"/>
+          <p:cNvSpPr>
+            <a:spLocks noGrp="1"/>
+          </p:cNvSpPr>
+          <p:nvPr>
+            <p:ph type="sldNum" sz="quarter" idx="10"/>
+          </p:nvPr>
+        </p:nvSpPr>
+        <p:spPr/>
+        <p:txBody>
+          <a:bodyPr/>
+          <a:lstStyle/>
+          <a:p>
+            <a:fld id="{1F36095F-851B-4C6B-93FA-49215E044C0A}" type="slidenum">
+              <a:rPr lang="en-US" smtClean="0"/>
+              <a:pPr/>
+              <a:t>9</a:t>
+            </a:fld>
+            <a:endParaRPr lang="en-US" dirty="0"/>
+          </a:p>
+        </p:txBody>
+      </p:sp>
+    </p:spTree>
+    <p:extLst>
+      <p:ext uri="{BB962C8B-B14F-4D97-AF65-F5344CB8AC3E}">
+        <p14:creationId xmlns:p14="http://schemas.microsoft.com/office/powerpoint/2010/main" val="456700010"/>
+      </p:ext>
+    </p:extLst>
+  </p:cSld>
+  <p:clrMapOvr>
+    <a:masterClrMapping/>
+  </p:clrMapOvr>
+</p:notes>
+</file>
+
+<file path=ppt/notesSlides/notesSlide6.xml><?xml version="1.0" encoding="utf-8"?>
 <p:notes xmlns:a="http://schemas.openxmlformats.org/drawingml/2006/main" xmlns:r="http://schemas.openxmlformats.org/officeDocument/2006/relationships" xmlns:p="http://schemas.openxmlformats.org/presentationml/2006/main">
   <p:cSld>
     <p:spTree>
@@ -1138,20 +2477,74 @@
           <a:lstStyle/>
           <a:p>
             <a:r>
-              <a:rPr lang="en-US" altLang="zh-CN" dirty="0"/>
-              <a:t>‘2015’ == 2015</a:t>
-            </a:r>
-          </a:p>
-          <a:p>
-            <a:r>
-              <a:rPr lang="en-US" altLang="zh-CN" dirty="0"/>
-              <a:t>0 == false</a:t>
-            </a:r>
-          </a:p>
-          <a:p>
-            <a:r>
-              <a:rPr lang="en-US" altLang="zh-CN" dirty="0"/>
-              <a:t>null == undefined</a:t>
+              <a:rPr lang="en-US" dirty="0"/>
+              <a:t>https://fiddle.jshell.net/</a:t>
+            </a:r>
+          </a:p>
+          <a:p>
+            <a:endParaRPr lang="en-US" dirty="0"/>
+          </a:p>
+          <a:p>
+            <a:r>
+              <a:rPr lang="en-US" dirty="0"/>
+              <a:t>&lt;p class="label"&gt;Hello world&lt;/p&gt;</a:t>
+            </a:r>
+          </a:p>
+          <a:p>
+            <a:r>
+              <a:rPr lang="en-US" dirty="0"/>
+              <a:t>&lt;button </a:t>
+            </a:r>
+            <a:r>
+              <a:rPr lang="en-US" dirty="0" err="1"/>
+              <a:t>onclick</a:t>
+            </a:r>
+            <a:r>
+              <a:rPr lang="en-US" dirty="0"/>
+              <a:t>="say();"&gt;Say&lt;/button&gt;</a:t>
+            </a:r>
+          </a:p>
+          <a:p>
+            <a:endParaRPr lang="en-US" dirty="0"/>
+          </a:p>
+          <a:p>
+            <a:r>
+              <a:rPr lang="en-US" dirty="0"/>
+              <a:t>function say(){</a:t>
+            </a:r>
+          </a:p>
+          <a:p>
+            <a:r>
+              <a:rPr lang="en-US" dirty="0"/>
+              <a:t>	//</a:t>
+            </a:r>
+            <a:r>
+              <a:rPr lang="en-US" dirty="0" err="1"/>
+              <a:t>document.querySelector</a:t>
+            </a:r>
+            <a:r>
+              <a:rPr lang="en-US" dirty="0"/>
+              <a:t>(".label").</a:t>
+            </a:r>
+            <a:r>
+              <a:rPr lang="en-US" dirty="0" err="1"/>
+              <a:t>innerHTML</a:t>
+            </a:r>
+            <a:r>
+              <a:rPr lang="en-US" dirty="0"/>
+              <a:t>="Hello World! I am online";</a:t>
+            </a:r>
+          </a:p>
+          <a:p>
+            <a:r>
+              <a:rPr lang="en-US" dirty="0"/>
+              <a:t>$(".label").text("Hello World! I am online!");</a:t>
+            </a:r>
+          </a:p>
+          <a:p>
+            <a:r>
+              <a:rPr lang="en-US" dirty="0"/>
+              <a:t>}</a:t>
             </a:r>
           </a:p>
         </p:txBody>
@@ -1174,161 +2567,7 @@
             <a:fld id="{1F36095F-851B-4C6B-93FA-49215E044C0A}" type="slidenum">
               <a:rPr lang="en-US" smtClean="0"/>
               <a:pPr/>
-              <a:t>9</a:t>
-            </a:fld>
-            <a:endParaRPr lang="en-US" dirty="0"/>
-          </a:p>
-        </p:txBody>
-      </p:sp>
-    </p:spTree>
-    <p:extLst>
-      <p:ext uri="{BB962C8B-B14F-4D97-AF65-F5344CB8AC3E}">
-        <p14:creationId xmlns:p14="http://schemas.microsoft.com/office/powerpoint/2010/main" val="36998248"/>
-      </p:ext>
-    </p:extLst>
-  </p:cSld>
-  <p:clrMapOvr>
-    <a:masterClrMapping/>
-  </p:clrMapOvr>
-</p:notes>
-</file>
-
-<file path=ppt/notesSlides/notesSlide4.xml><?xml version="1.0" encoding="utf-8"?>
-<p:notes xmlns:a="http://schemas.openxmlformats.org/drawingml/2006/main" xmlns:r="http://schemas.openxmlformats.org/officeDocument/2006/relationships" xmlns:p="http://schemas.openxmlformats.org/presentationml/2006/main">
-  <p:cSld>
-    <p:spTree>
-      <p:nvGrpSpPr>
-        <p:cNvPr id="1" name=""/>
-        <p:cNvGrpSpPr/>
-        <p:nvPr/>
-      </p:nvGrpSpPr>
-      <p:grpSpPr>
-        <a:xfrm>
-          <a:off x="0" y="0"/>
-          <a:ext cx="0" cy="0"/>
-          <a:chOff x="0" y="0"/>
-          <a:chExt cx="0" cy="0"/>
-        </a:xfrm>
-      </p:grpSpPr>
-      <p:sp>
-        <p:nvSpPr>
-          <p:cNvPr id="2" name="Slide Image Placeholder 1"/>
-          <p:cNvSpPr>
-            <a:spLocks noGrp="1" noRot="1" noChangeAspect="1"/>
-          </p:cNvSpPr>
-          <p:nvPr>
-            <p:ph type="sldImg"/>
-          </p:nvPr>
-        </p:nvSpPr>
-        <p:spPr/>
-      </p:sp>
-      <p:sp>
-        <p:nvSpPr>
-          <p:cNvPr id="3" name="Notes Placeholder 2"/>
-          <p:cNvSpPr>
-            <a:spLocks noGrp="1"/>
-          </p:cNvSpPr>
-          <p:nvPr>
-            <p:ph type="body" idx="1"/>
-          </p:nvPr>
-        </p:nvSpPr>
-        <p:spPr/>
-        <p:txBody>
-          <a:bodyPr/>
-          <a:lstStyle/>
-          <a:p>
-            <a:r>
-              <a:rPr lang="en-US" dirty="0"/>
-              <a:t>https://fiddle.jshell.net/</a:t>
-            </a:r>
-          </a:p>
-          <a:p>
-            <a:endParaRPr lang="en-US" dirty="0"/>
-          </a:p>
-          <a:p>
-            <a:r>
-              <a:rPr lang="en-US" dirty="0"/>
-              <a:t>&lt;p class="label"&gt;Hello world&lt;/p&gt;</a:t>
-            </a:r>
-          </a:p>
-          <a:p>
-            <a:r>
-              <a:rPr lang="en-US" dirty="0"/>
-              <a:t>&lt;button </a:t>
-            </a:r>
-            <a:r>
-              <a:rPr lang="en-US" dirty="0" err="1"/>
-              <a:t>onclick</a:t>
-            </a:r>
-            <a:r>
-              <a:rPr lang="en-US" dirty="0"/>
-              <a:t>="say();"&gt;Say&lt;/button&gt;</a:t>
-            </a:r>
-          </a:p>
-          <a:p>
-            <a:endParaRPr lang="en-US" dirty="0"/>
-          </a:p>
-          <a:p>
-            <a:r>
-              <a:rPr lang="en-US" dirty="0"/>
-              <a:t>function say(){</a:t>
-            </a:r>
-          </a:p>
-          <a:p>
-            <a:r>
-              <a:rPr lang="en-US" dirty="0"/>
-              <a:t>	//</a:t>
-            </a:r>
-            <a:r>
-              <a:rPr lang="en-US" dirty="0" err="1"/>
-              <a:t>document.querySelector</a:t>
-            </a:r>
-            <a:r>
-              <a:rPr lang="en-US" dirty="0"/>
-              <a:t>(".label").</a:t>
-            </a:r>
-            <a:r>
-              <a:rPr lang="en-US" dirty="0" err="1"/>
-              <a:t>innerHTML</a:t>
-            </a:r>
-            <a:r>
-              <a:rPr lang="en-US" dirty="0"/>
-              <a:t>="Hello World! I am online";</a:t>
-            </a:r>
-          </a:p>
-          <a:p>
-            <a:r>
-              <a:rPr lang="en-US" dirty="0"/>
-              <a:t>$(".label").text("Hello World! I am online!");</a:t>
-            </a:r>
-          </a:p>
-          <a:p>
-            <a:r>
-              <a:rPr lang="en-US" dirty="0"/>
-              <a:t>}</a:t>
-            </a:r>
-          </a:p>
-        </p:txBody>
-      </p:sp>
-      <p:sp>
-        <p:nvSpPr>
-          <p:cNvPr id="4" name="Slide Number Placeholder 3"/>
-          <p:cNvSpPr>
-            <a:spLocks noGrp="1"/>
-          </p:cNvSpPr>
-          <p:nvPr>
-            <p:ph type="sldNum" sz="quarter" idx="10"/>
-          </p:nvPr>
-        </p:nvSpPr>
-        <p:spPr/>
-        <p:txBody>
-          <a:bodyPr/>
-          <a:lstStyle/>
-          <a:p>
-            <a:fld id="{1F36095F-851B-4C6B-93FA-49215E044C0A}" type="slidenum">
-              <a:rPr lang="en-US" smtClean="0"/>
-              <a:pPr/>
-              <a:t>12</a:t>
+              <a:t>10</a:t>
             </a:fld>
             <a:endParaRPr lang="en-US" dirty="0"/>
           </a:p>
@@ -10378,7 +11617,11 @@
             </a:r>
             <a:r>
               <a:rPr lang="zh-CN" altLang="en-US" i="1" dirty="0"/>
-              <a:t>基础</a:t>
+              <a:t> </a:t>
+            </a:r>
+            <a:r>
+              <a:rPr lang="en-US" altLang="zh-CN" i="1" dirty="0"/>
+              <a:t>For QA</a:t>
             </a:r>
             <a:endParaRPr lang="en-US" i="1" dirty="0"/>
           </a:p>
@@ -10398,1520 +11641,6 @@
 </file>
 
 <file path=ppt/slides/slide10.xml><?xml version="1.0" encoding="utf-8"?>
-<p:sld xmlns:a="http://schemas.openxmlformats.org/drawingml/2006/main" xmlns:r="http://schemas.openxmlformats.org/officeDocument/2006/relationships" xmlns:p="http://schemas.openxmlformats.org/presentationml/2006/main">
-  <p:cSld>
-    <p:spTree>
-      <p:nvGrpSpPr>
-        <p:cNvPr id="1" name=""/>
-        <p:cNvGrpSpPr/>
-        <p:nvPr/>
-      </p:nvGrpSpPr>
-      <p:grpSpPr>
-        <a:xfrm>
-          <a:off x="0" y="0"/>
-          <a:ext cx="0" cy="0"/>
-          <a:chOff x="0" y="0"/>
-          <a:chExt cx="0" cy="0"/>
-        </a:xfrm>
-      </p:grpSpPr>
-      <p:sp>
-        <p:nvSpPr>
-          <p:cNvPr id="4" name="Title 1"/>
-          <p:cNvSpPr>
-            <a:spLocks noGrp="1"/>
-          </p:cNvSpPr>
-          <p:nvPr/>
-        </p:nvSpPr>
-        <p:spPr>
-          <a:xfrm>
-            <a:off x="1295400" y="1062354"/>
-            <a:ext cx="9601200" cy="1142385"/>
-          </a:xfrm>
-          <a:prstGeom prst="rect">
-            <a:avLst/>
-          </a:prstGeom>
-        </p:spPr>
-        <p:txBody>
-          <a:bodyPr vert="horz" lIns="91440" tIns="45720" rIns="91440" bIns="45720" rtlCol="0" anchor="b">
-            <a:normAutofit/>
-          </a:bodyPr>
-          <a:lstStyle>
-            <a:lvl1pPr algn="l" defTabSz="914400" rtl="0" eaLnBrk="1" latinLnBrk="0" hangingPunct="1">
-              <a:lnSpc>
-                <a:spcPct val="90000"/>
-              </a:lnSpc>
-              <a:spcBef>
-                <a:spcPct val="0"/>
-              </a:spcBef>
-              <a:buNone/>
-              <a:defRPr lang="zh-CN" sz="3200" b="1" kern="1200">
-                <a:solidFill>
-                  <a:schemeClr val="accent1"/>
-                </a:solidFill>
-                <a:latin typeface="+mj-lt"/>
-                <a:ea typeface="Microsoft YaHei UI" panose="020B0503020204020204" pitchFamily="34" charset="-122"/>
-                <a:cs typeface="+mj-cs"/>
-              </a:defRPr>
-            </a:lvl1pPr>
-          </a:lstStyle>
-          <a:p>
-            <a:r>
-              <a:rPr lang="zh-CN" altLang="en-US" dirty="0"/>
-              <a:t>表达式</a:t>
-            </a:r>
-            <a:endParaRPr lang="en-US" dirty="0"/>
-          </a:p>
-        </p:txBody>
-      </p:sp>
-      <p:sp>
-        <p:nvSpPr>
-          <p:cNvPr id="5" name="Content Placeholder 2"/>
-          <p:cNvSpPr>
-            <a:spLocks noGrp="1"/>
-          </p:cNvSpPr>
-          <p:nvPr/>
-        </p:nvSpPr>
-        <p:spPr>
-          <a:xfrm>
-            <a:off x="3536091" y="1787399"/>
-            <a:ext cx="4396946" cy="417340"/>
-          </a:xfrm>
-          <a:prstGeom prst="rect">
-            <a:avLst/>
-          </a:prstGeom>
-        </p:spPr>
-        <p:txBody>
-          <a:bodyPr vert="horz" lIns="91440" tIns="45720" rIns="91440" bIns="45720" rtlCol="0">
-            <a:normAutofit/>
-          </a:bodyPr>
-          <a:lstStyle>
-            <a:lvl1pPr marL="228600" indent="-228600" algn="l" defTabSz="914400" rtl="0" eaLnBrk="1" latinLnBrk="0" hangingPunct="1">
-              <a:lnSpc>
-                <a:spcPct val="90000"/>
-              </a:lnSpc>
-              <a:spcBef>
-                <a:spcPts val="1800"/>
-              </a:spcBef>
-              <a:buClr>
-                <a:schemeClr val="accent1"/>
-              </a:buClr>
-              <a:buSzPct val="100000"/>
-              <a:buFont typeface="Arial" pitchFamily="34" charset="0"/>
-              <a:buChar char="▪"/>
-              <a:defRPr lang="zh-CN" sz="2000" kern="1200">
-                <a:solidFill>
-                  <a:schemeClr val="tx1"/>
-                </a:solidFill>
-                <a:latin typeface="+mn-lt"/>
-                <a:ea typeface="Microsoft YaHei UI" panose="020B0503020204020204" pitchFamily="34" charset="-122"/>
-                <a:cs typeface="+mn-cs"/>
-              </a:defRPr>
-            </a:lvl1pPr>
-            <a:lvl2pPr marL="457200" indent="-182880" algn="l" defTabSz="914400" rtl="0" eaLnBrk="1" latinLnBrk="0" hangingPunct="1">
-              <a:lnSpc>
-                <a:spcPct val="90000"/>
-              </a:lnSpc>
-              <a:spcBef>
-                <a:spcPts val="1200"/>
-              </a:spcBef>
-              <a:buClr>
-                <a:schemeClr val="accent1"/>
-              </a:buClr>
-              <a:buSzPct val="100000"/>
-              <a:buFont typeface="Arial" pitchFamily="34" charset="0"/>
-              <a:buChar char="▪"/>
-              <a:defRPr lang="zh-CN" sz="1800" kern="1200">
-                <a:solidFill>
-                  <a:schemeClr val="tx1"/>
-                </a:solidFill>
-                <a:latin typeface="+mn-lt"/>
-                <a:ea typeface="Microsoft YaHei UI" panose="020B0503020204020204" pitchFamily="34" charset="-122"/>
-                <a:cs typeface="+mn-cs"/>
-              </a:defRPr>
-            </a:lvl2pPr>
-            <a:lvl3pPr marL="685800" indent="-179388" algn="l" defTabSz="914400" rtl="0" eaLnBrk="1" latinLnBrk="0" hangingPunct="1">
-              <a:lnSpc>
-                <a:spcPct val="90000"/>
-              </a:lnSpc>
-              <a:spcBef>
-                <a:spcPts val="800"/>
-              </a:spcBef>
-              <a:buClr>
-                <a:schemeClr val="accent1"/>
-              </a:buClr>
-              <a:buSzPct val="100000"/>
-              <a:buFont typeface="Arial" pitchFamily="34" charset="0"/>
-              <a:buChar char="▪"/>
-              <a:defRPr lang="zh-CN" sz="1600" kern="1200">
-                <a:solidFill>
-                  <a:schemeClr val="tx1"/>
-                </a:solidFill>
-                <a:latin typeface="+mn-lt"/>
-                <a:ea typeface="Microsoft YaHei UI" panose="020B0503020204020204" pitchFamily="34" charset="-122"/>
-                <a:cs typeface="+mn-cs"/>
-              </a:defRPr>
-            </a:lvl3pPr>
-            <a:lvl4pPr marL="914400" indent="-182880" algn="l" defTabSz="914400" rtl="0" eaLnBrk="1" latinLnBrk="0" hangingPunct="1">
-              <a:lnSpc>
-                <a:spcPct val="90000"/>
-              </a:lnSpc>
-              <a:spcBef>
-                <a:spcPts val="800"/>
-              </a:spcBef>
-              <a:buClr>
-                <a:schemeClr val="accent1"/>
-              </a:buClr>
-              <a:buSzPct val="100000"/>
-              <a:buFont typeface="Arial" pitchFamily="34" charset="0"/>
-              <a:buChar char="▪"/>
-              <a:defRPr lang="zh-CN" sz="1400" kern="1200">
-                <a:solidFill>
-                  <a:schemeClr val="tx1"/>
-                </a:solidFill>
-                <a:latin typeface="+mn-lt"/>
-                <a:ea typeface="Microsoft YaHei UI" panose="020B0503020204020204" pitchFamily="34" charset="-122"/>
-                <a:cs typeface="+mn-cs"/>
-              </a:defRPr>
-            </a:lvl4pPr>
-            <a:lvl5pPr marL="1143000" indent="-179388" algn="l" defTabSz="914400" rtl="0" eaLnBrk="1" latinLnBrk="0" hangingPunct="1">
-              <a:lnSpc>
-                <a:spcPct val="90000"/>
-              </a:lnSpc>
-              <a:spcBef>
-                <a:spcPts val="600"/>
-              </a:spcBef>
-              <a:buClr>
-                <a:schemeClr val="accent1"/>
-              </a:buClr>
-              <a:buSzPct val="100000"/>
-              <a:buFont typeface="Arial" pitchFamily="34" charset="0"/>
-              <a:buChar char="▪"/>
-              <a:defRPr lang="zh-CN" sz="1400" kern="1200">
-                <a:solidFill>
-                  <a:schemeClr val="tx1"/>
-                </a:solidFill>
-                <a:latin typeface="+mn-lt"/>
-                <a:ea typeface="Microsoft YaHei UI" panose="020B0503020204020204" pitchFamily="34" charset="-122"/>
-                <a:cs typeface="+mn-cs"/>
-              </a:defRPr>
-            </a:lvl5pPr>
-            <a:lvl6pPr marL="1371600" indent="-182880" algn="l" defTabSz="914400" rtl="0" eaLnBrk="1" latinLnBrk="0" hangingPunct="1">
-              <a:lnSpc>
-                <a:spcPct val="90000"/>
-              </a:lnSpc>
-              <a:spcBef>
-                <a:spcPts val="600"/>
-              </a:spcBef>
-              <a:buClr>
-                <a:schemeClr val="accent1"/>
-              </a:buClr>
-              <a:buSzPct val="100000"/>
-              <a:buFont typeface="Arial" pitchFamily="34" charset="0"/>
-              <a:buChar char="▪"/>
-              <a:defRPr lang="zh-CN" sz="1400" kern="1200">
-                <a:solidFill>
-                  <a:schemeClr val="tx1"/>
-                </a:solidFill>
-                <a:latin typeface="+mn-lt"/>
-                <a:ea typeface="+mn-ea"/>
-                <a:cs typeface="+mn-cs"/>
-              </a:defRPr>
-            </a:lvl6pPr>
-            <a:lvl7pPr marL="1600200" indent="-179388" algn="l" defTabSz="914400" rtl="0" eaLnBrk="1" latinLnBrk="0" hangingPunct="1">
-              <a:lnSpc>
-                <a:spcPct val="90000"/>
-              </a:lnSpc>
-              <a:spcBef>
-                <a:spcPts val="600"/>
-              </a:spcBef>
-              <a:buClr>
-                <a:schemeClr val="accent1"/>
-              </a:buClr>
-              <a:buSzPct val="100000"/>
-              <a:buFont typeface="Arial" pitchFamily="34" charset="0"/>
-              <a:buChar char="▪"/>
-              <a:defRPr lang="zh-CN" sz="1400" kern="1200">
-                <a:solidFill>
-                  <a:schemeClr val="tx1"/>
-                </a:solidFill>
-                <a:latin typeface="+mn-lt"/>
-                <a:ea typeface="+mn-ea"/>
-                <a:cs typeface="+mn-cs"/>
-              </a:defRPr>
-            </a:lvl7pPr>
-            <a:lvl8pPr marL="1828800" indent="-182880" algn="l" defTabSz="914400" rtl="0" eaLnBrk="1" latinLnBrk="0" hangingPunct="1">
-              <a:lnSpc>
-                <a:spcPct val="90000"/>
-              </a:lnSpc>
-              <a:spcBef>
-                <a:spcPts val="600"/>
-              </a:spcBef>
-              <a:buClr>
-                <a:schemeClr val="accent1"/>
-              </a:buClr>
-              <a:buSzPct val="100000"/>
-              <a:buFont typeface="Arial" pitchFamily="34" charset="0"/>
-              <a:buChar char="▪"/>
-              <a:defRPr lang="zh-CN" sz="1400" kern="1200">
-                <a:solidFill>
-                  <a:schemeClr val="tx1"/>
-                </a:solidFill>
-                <a:latin typeface="+mn-lt"/>
-                <a:ea typeface="+mn-ea"/>
-                <a:cs typeface="+mn-cs"/>
-              </a:defRPr>
-            </a:lvl8pPr>
-            <a:lvl9pPr marL="2057400" indent="-179388" algn="l" defTabSz="914400" rtl="0" eaLnBrk="1" latinLnBrk="0" hangingPunct="1">
-              <a:lnSpc>
-                <a:spcPct val="90000"/>
-              </a:lnSpc>
-              <a:spcBef>
-                <a:spcPts val="600"/>
-              </a:spcBef>
-              <a:buClr>
-                <a:schemeClr val="accent1"/>
-              </a:buClr>
-              <a:buSzPct val="100000"/>
-              <a:buFont typeface="Arial" pitchFamily="34" charset="0"/>
-              <a:buChar char="▪"/>
-              <a:defRPr lang="zh-CN" sz="1400" kern="1200">
-                <a:solidFill>
-                  <a:schemeClr val="tx1"/>
-                </a:solidFill>
-                <a:latin typeface="+mn-lt"/>
-                <a:ea typeface="+mn-ea"/>
-                <a:cs typeface="+mn-cs"/>
-              </a:defRPr>
-            </a:lvl9pPr>
-          </a:lstStyle>
-          <a:p>
-            <a:pPr marL="0" indent="0">
-              <a:buNone/>
-            </a:pPr>
-            <a:r>
-              <a:rPr lang="en-US" altLang="zh-CN" dirty="0"/>
-              <a:t>------</a:t>
-            </a:r>
-            <a:r>
-              <a:rPr lang="zh-CN" altLang="en-US" dirty="0"/>
-              <a:t>可以让</a:t>
-            </a:r>
-            <a:r>
-              <a:rPr lang="en-US" altLang="zh-CN" dirty="0" err="1"/>
-              <a:t>js</a:t>
-            </a:r>
-            <a:r>
-              <a:rPr lang="zh-CN" altLang="en-US" dirty="0"/>
-              <a:t>解析器产生值的的短语</a:t>
-            </a:r>
-            <a:endParaRPr lang="en-US" dirty="0"/>
-          </a:p>
-        </p:txBody>
-      </p:sp>
-      <p:sp>
-        <p:nvSpPr>
-          <p:cNvPr id="6" name="TextBox 3"/>
-          <p:cNvSpPr txBox="1"/>
-          <p:nvPr/>
-        </p:nvSpPr>
-        <p:spPr>
-          <a:xfrm>
-            <a:off x="2594919" y="2848620"/>
-            <a:ext cx="2354491" cy="2947025"/>
-          </a:xfrm>
-          <a:prstGeom prst="rect">
-            <a:avLst/>
-          </a:prstGeom>
-          <a:noFill/>
-        </p:spPr>
-        <p:txBody>
-          <a:bodyPr wrap="none" rtlCol="0">
-            <a:spAutoFit/>
-          </a:bodyPr>
-          <a:lstStyle>
-            <a:defPPr>
-              <a:defRPr lang="en-US"/>
-            </a:defPPr>
-            <a:lvl1pPr marL="0" algn="l" defTabSz="914400" rtl="0" eaLnBrk="1" latinLnBrk="0" hangingPunct="1">
-              <a:defRPr sz="1800" kern="1200">
-                <a:solidFill>
-                  <a:schemeClr val="tx1"/>
-                </a:solidFill>
-                <a:latin typeface="+mn-lt"/>
-                <a:ea typeface="+mn-ea"/>
-                <a:cs typeface="+mn-cs"/>
-              </a:defRPr>
-            </a:lvl1pPr>
-            <a:lvl2pPr marL="457200" algn="l" defTabSz="914400" rtl="0" eaLnBrk="1" latinLnBrk="0" hangingPunct="1">
-              <a:defRPr sz="1800" kern="1200">
-                <a:solidFill>
-                  <a:schemeClr val="tx1"/>
-                </a:solidFill>
-                <a:latin typeface="+mn-lt"/>
-                <a:ea typeface="+mn-ea"/>
-                <a:cs typeface="+mn-cs"/>
-              </a:defRPr>
-            </a:lvl2pPr>
-            <a:lvl3pPr marL="914400" algn="l" defTabSz="914400" rtl="0" eaLnBrk="1" latinLnBrk="0" hangingPunct="1">
-              <a:defRPr sz="1800" kern="1200">
-                <a:solidFill>
-                  <a:schemeClr val="tx1"/>
-                </a:solidFill>
-                <a:latin typeface="+mn-lt"/>
-                <a:ea typeface="+mn-ea"/>
-                <a:cs typeface="+mn-cs"/>
-              </a:defRPr>
-            </a:lvl3pPr>
-            <a:lvl4pPr marL="1371600" algn="l" defTabSz="914400" rtl="0" eaLnBrk="1" latinLnBrk="0" hangingPunct="1">
-              <a:defRPr sz="1800" kern="1200">
-                <a:solidFill>
-                  <a:schemeClr val="tx1"/>
-                </a:solidFill>
-                <a:latin typeface="+mn-lt"/>
-                <a:ea typeface="+mn-ea"/>
-                <a:cs typeface="+mn-cs"/>
-              </a:defRPr>
-            </a:lvl4pPr>
-            <a:lvl5pPr marL="1828800" algn="l" defTabSz="914400" rtl="0" eaLnBrk="1" latinLnBrk="0" hangingPunct="1">
-              <a:defRPr sz="1800" kern="1200">
-                <a:solidFill>
-                  <a:schemeClr val="tx1"/>
-                </a:solidFill>
-                <a:latin typeface="+mn-lt"/>
-                <a:ea typeface="+mn-ea"/>
-                <a:cs typeface="+mn-cs"/>
-              </a:defRPr>
-            </a:lvl5pPr>
-            <a:lvl6pPr marL="2286000" algn="l" defTabSz="914400" rtl="0" eaLnBrk="1" latinLnBrk="0" hangingPunct="1">
-              <a:defRPr sz="1800" kern="1200">
-                <a:solidFill>
-                  <a:schemeClr val="tx1"/>
-                </a:solidFill>
-                <a:latin typeface="+mn-lt"/>
-                <a:ea typeface="+mn-ea"/>
-                <a:cs typeface="+mn-cs"/>
-              </a:defRPr>
-            </a:lvl6pPr>
-            <a:lvl7pPr marL="2743200" algn="l" defTabSz="914400" rtl="0" eaLnBrk="1" latinLnBrk="0" hangingPunct="1">
-              <a:defRPr sz="1800" kern="1200">
-                <a:solidFill>
-                  <a:schemeClr val="tx1"/>
-                </a:solidFill>
-                <a:latin typeface="+mn-lt"/>
-                <a:ea typeface="+mn-ea"/>
-                <a:cs typeface="+mn-cs"/>
-              </a:defRPr>
-            </a:lvl7pPr>
-            <a:lvl8pPr marL="3200400" algn="l" defTabSz="914400" rtl="0" eaLnBrk="1" latinLnBrk="0" hangingPunct="1">
-              <a:defRPr sz="1800" kern="1200">
-                <a:solidFill>
-                  <a:schemeClr val="tx1"/>
-                </a:solidFill>
-                <a:latin typeface="+mn-lt"/>
-                <a:ea typeface="+mn-ea"/>
-                <a:cs typeface="+mn-cs"/>
-              </a:defRPr>
-            </a:lvl8pPr>
-            <a:lvl9pPr marL="3657600" algn="l" defTabSz="914400" rtl="0" eaLnBrk="1" latinLnBrk="0" hangingPunct="1">
-              <a:defRPr sz="1800" kern="1200">
-                <a:solidFill>
-                  <a:schemeClr val="tx1"/>
-                </a:solidFill>
-                <a:latin typeface="+mn-lt"/>
-                <a:ea typeface="+mn-ea"/>
-                <a:cs typeface="+mn-cs"/>
-              </a:defRPr>
-            </a:lvl9pPr>
-          </a:lstStyle>
-          <a:p>
-            <a:pPr marL="548640" indent="-365760">
-              <a:lnSpc>
-                <a:spcPct val="150000"/>
-              </a:lnSpc>
-              <a:buFont typeface="Wingdings" panose="05000000000000000000" pitchFamily="2" charset="2"/>
-              <a:buChar char="v"/>
-            </a:pPr>
-            <a:r>
-              <a:rPr lang="zh-CN" altLang="en-US" dirty="0"/>
-              <a:t>原始表达式</a:t>
-            </a:r>
-            <a:endParaRPr lang="en-US" altLang="zh-CN" dirty="0"/>
-          </a:p>
-          <a:p>
-            <a:pPr marL="548640" indent="-365760">
-              <a:lnSpc>
-                <a:spcPct val="150000"/>
-              </a:lnSpc>
-              <a:buFont typeface="Wingdings" panose="05000000000000000000" pitchFamily="2" charset="2"/>
-              <a:buChar char="v"/>
-            </a:pPr>
-            <a:r>
-              <a:rPr lang="zh-CN" altLang="en-US" dirty="0"/>
-              <a:t>复合表达式</a:t>
-            </a:r>
-            <a:endParaRPr lang="en-US" altLang="zh-CN" dirty="0"/>
-          </a:p>
-          <a:p>
-            <a:pPr marL="548640" indent="-365760">
-              <a:lnSpc>
-                <a:spcPct val="150000"/>
-              </a:lnSpc>
-              <a:buFont typeface="Wingdings" panose="05000000000000000000" pitchFamily="2" charset="2"/>
-              <a:buChar char="v"/>
-            </a:pPr>
-            <a:r>
-              <a:rPr lang="zh-CN" altLang="en-US" dirty="0"/>
-              <a:t>初始化表达式</a:t>
-            </a:r>
-            <a:endParaRPr lang="en-US" altLang="zh-CN" dirty="0"/>
-          </a:p>
-          <a:p>
-            <a:pPr marL="548640" indent="-365760">
-              <a:lnSpc>
-                <a:spcPct val="150000"/>
-              </a:lnSpc>
-              <a:buFont typeface="Wingdings" panose="05000000000000000000" pitchFamily="2" charset="2"/>
-              <a:buChar char="v"/>
-            </a:pPr>
-            <a:r>
-              <a:rPr lang="zh-CN" altLang="en-US" dirty="0"/>
-              <a:t>函数表达式</a:t>
-            </a:r>
-            <a:endParaRPr lang="en-US" altLang="zh-CN" dirty="0"/>
-          </a:p>
-          <a:p>
-            <a:pPr marL="548640" indent="-365760">
-              <a:lnSpc>
-                <a:spcPct val="150000"/>
-              </a:lnSpc>
-              <a:buFont typeface="Wingdings" panose="05000000000000000000" pitchFamily="2" charset="2"/>
-              <a:buChar char="v"/>
-            </a:pPr>
-            <a:r>
-              <a:rPr lang="zh-CN" altLang="en-US" dirty="0"/>
-              <a:t>属性访问表达式</a:t>
-            </a:r>
-            <a:endParaRPr lang="en-US" altLang="zh-CN" dirty="0"/>
-          </a:p>
-          <a:p>
-            <a:pPr marL="548640" indent="-365760">
-              <a:lnSpc>
-                <a:spcPct val="150000"/>
-              </a:lnSpc>
-              <a:buFont typeface="Wingdings" panose="05000000000000000000" pitchFamily="2" charset="2"/>
-              <a:buChar char="v"/>
-            </a:pPr>
-            <a:r>
-              <a:rPr lang="zh-CN" altLang="en-US" dirty="0"/>
-              <a:t>调用表达式</a:t>
-            </a:r>
-            <a:endParaRPr lang="en-US" altLang="zh-CN" dirty="0"/>
-          </a:p>
-          <a:p>
-            <a:pPr marL="548640" indent="-365760">
-              <a:lnSpc>
-                <a:spcPct val="150000"/>
-              </a:lnSpc>
-              <a:buFont typeface="Wingdings" panose="05000000000000000000" pitchFamily="2" charset="2"/>
-              <a:buChar char="v"/>
-            </a:pPr>
-            <a:r>
-              <a:rPr lang="zh-CN" altLang="en-US" dirty="0"/>
-              <a:t>对象创建表达式</a:t>
-            </a:r>
-            <a:endParaRPr lang="en-US" dirty="0"/>
-          </a:p>
-        </p:txBody>
-      </p:sp>
-      <p:sp>
-        <p:nvSpPr>
-          <p:cNvPr id="7" name="TextBox 4"/>
-          <p:cNvSpPr txBox="1"/>
-          <p:nvPr/>
-        </p:nvSpPr>
-        <p:spPr>
-          <a:xfrm>
-            <a:off x="5398373" y="2920332"/>
-            <a:ext cx="697627" cy="369332"/>
-          </a:xfrm>
-          <a:prstGeom prst="rect">
-            <a:avLst/>
-          </a:prstGeom>
-          <a:noFill/>
-        </p:spPr>
-        <p:txBody>
-          <a:bodyPr wrap="none" rtlCol="0">
-            <a:spAutoFit/>
-          </a:bodyPr>
-          <a:lstStyle>
-            <a:defPPr>
-              <a:defRPr lang="en-US"/>
-            </a:defPPr>
-            <a:lvl1pPr marL="0" algn="l" defTabSz="914400" rtl="0" eaLnBrk="1" latinLnBrk="0" hangingPunct="1">
-              <a:defRPr sz="1800" kern="1200">
-                <a:solidFill>
-                  <a:schemeClr val="tx1"/>
-                </a:solidFill>
-                <a:latin typeface="+mn-lt"/>
-                <a:ea typeface="+mn-ea"/>
-                <a:cs typeface="+mn-cs"/>
-              </a:defRPr>
-            </a:lvl1pPr>
-            <a:lvl2pPr marL="457200" algn="l" defTabSz="914400" rtl="0" eaLnBrk="1" latinLnBrk="0" hangingPunct="1">
-              <a:defRPr sz="1800" kern="1200">
-                <a:solidFill>
-                  <a:schemeClr val="tx1"/>
-                </a:solidFill>
-                <a:latin typeface="+mn-lt"/>
-                <a:ea typeface="+mn-ea"/>
-                <a:cs typeface="+mn-cs"/>
-              </a:defRPr>
-            </a:lvl2pPr>
-            <a:lvl3pPr marL="914400" algn="l" defTabSz="914400" rtl="0" eaLnBrk="1" latinLnBrk="0" hangingPunct="1">
-              <a:defRPr sz="1800" kern="1200">
-                <a:solidFill>
-                  <a:schemeClr val="tx1"/>
-                </a:solidFill>
-                <a:latin typeface="+mn-lt"/>
-                <a:ea typeface="+mn-ea"/>
-                <a:cs typeface="+mn-cs"/>
-              </a:defRPr>
-            </a:lvl3pPr>
-            <a:lvl4pPr marL="1371600" algn="l" defTabSz="914400" rtl="0" eaLnBrk="1" latinLnBrk="0" hangingPunct="1">
-              <a:defRPr sz="1800" kern="1200">
-                <a:solidFill>
-                  <a:schemeClr val="tx1"/>
-                </a:solidFill>
-                <a:latin typeface="+mn-lt"/>
-                <a:ea typeface="+mn-ea"/>
-                <a:cs typeface="+mn-cs"/>
-              </a:defRPr>
-            </a:lvl4pPr>
-            <a:lvl5pPr marL="1828800" algn="l" defTabSz="914400" rtl="0" eaLnBrk="1" latinLnBrk="0" hangingPunct="1">
-              <a:defRPr sz="1800" kern="1200">
-                <a:solidFill>
-                  <a:schemeClr val="tx1"/>
-                </a:solidFill>
-                <a:latin typeface="+mn-lt"/>
-                <a:ea typeface="+mn-ea"/>
-                <a:cs typeface="+mn-cs"/>
-              </a:defRPr>
-            </a:lvl5pPr>
-            <a:lvl6pPr marL="2286000" algn="l" defTabSz="914400" rtl="0" eaLnBrk="1" latinLnBrk="0" hangingPunct="1">
-              <a:defRPr sz="1800" kern="1200">
-                <a:solidFill>
-                  <a:schemeClr val="tx1"/>
-                </a:solidFill>
-                <a:latin typeface="+mn-lt"/>
-                <a:ea typeface="+mn-ea"/>
-                <a:cs typeface="+mn-cs"/>
-              </a:defRPr>
-            </a:lvl6pPr>
-            <a:lvl7pPr marL="2743200" algn="l" defTabSz="914400" rtl="0" eaLnBrk="1" latinLnBrk="0" hangingPunct="1">
-              <a:defRPr sz="1800" kern="1200">
-                <a:solidFill>
-                  <a:schemeClr val="tx1"/>
-                </a:solidFill>
-                <a:latin typeface="+mn-lt"/>
-                <a:ea typeface="+mn-ea"/>
-                <a:cs typeface="+mn-cs"/>
-              </a:defRPr>
-            </a:lvl7pPr>
-            <a:lvl8pPr marL="3200400" algn="l" defTabSz="914400" rtl="0" eaLnBrk="1" latinLnBrk="0" hangingPunct="1">
-              <a:defRPr sz="1800" kern="1200">
-                <a:solidFill>
-                  <a:schemeClr val="tx1"/>
-                </a:solidFill>
-                <a:latin typeface="+mn-lt"/>
-                <a:ea typeface="+mn-ea"/>
-                <a:cs typeface="+mn-cs"/>
-              </a:defRPr>
-            </a:lvl8pPr>
-            <a:lvl9pPr marL="3657600" algn="l" defTabSz="914400" rtl="0" eaLnBrk="1" latinLnBrk="0" hangingPunct="1">
-              <a:defRPr sz="1800" kern="1200">
-                <a:solidFill>
-                  <a:schemeClr val="tx1"/>
-                </a:solidFill>
-                <a:latin typeface="+mn-lt"/>
-                <a:ea typeface="+mn-ea"/>
-                <a:cs typeface="+mn-cs"/>
-              </a:defRPr>
-            </a:lvl9pPr>
-          </a:lstStyle>
-          <a:p>
-            <a:r>
-              <a:rPr lang="en-US" dirty="0"/>
-              <a:t>2015</a:t>
-            </a:r>
-          </a:p>
-        </p:txBody>
-      </p:sp>
-      <p:sp>
-        <p:nvSpPr>
-          <p:cNvPr id="8" name="TextBox 5"/>
-          <p:cNvSpPr txBox="1"/>
-          <p:nvPr/>
-        </p:nvSpPr>
-        <p:spPr>
-          <a:xfrm>
-            <a:off x="5302077" y="3382980"/>
-            <a:ext cx="1300356" cy="369332"/>
-          </a:xfrm>
-          <a:prstGeom prst="rect">
-            <a:avLst/>
-          </a:prstGeom>
-          <a:noFill/>
-        </p:spPr>
-        <p:txBody>
-          <a:bodyPr wrap="none" rtlCol="0">
-            <a:spAutoFit/>
-          </a:bodyPr>
-          <a:lstStyle>
-            <a:defPPr>
-              <a:defRPr lang="en-US"/>
-            </a:defPPr>
-            <a:lvl1pPr marL="0" algn="l" defTabSz="914400" rtl="0" eaLnBrk="1" latinLnBrk="0" hangingPunct="1">
-              <a:defRPr sz="1800" kern="1200">
-                <a:solidFill>
-                  <a:schemeClr val="tx1"/>
-                </a:solidFill>
-                <a:latin typeface="+mn-lt"/>
-                <a:ea typeface="+mn-ea"/>
-                <a:cs typeface="+mn-cs"/>
-              </a:defRPr>
-            </a:lvl1pPr>
-            <a:lvl2pPr marL="457200" algn="l" defTabSz="914400" rtl="0" eaLnBrk="1" latinLnBrk="0" hangingPunct="1">
-              <a:defRPr sz="1800" kern="1200">
-                <a:solidFill>
-                  <a:schemeClr val="tx1"/>
-                </a:solidFill>
-                <a:latin typeface="+mn-lt"/>
-                <a:ea typeface="+mn-ea"/>
-                <a:cs typeface="+mn-cs"/>
-              </a:defRPr>
-            </a:lvl2pPr>
-            <a:lvl3pPr marL="914400" algn="l" defTabSz="914400" rtl="0" eaLnBrk="1" latinLnBrk="0" hangingPunct="1">
-              <a:defRPr sz="1800" kern="1200">
-                <a:solidFill>
-                  <a:schemeClr val="tx1"/>
-                </a:solidFill>
-                <a:latin typeface="+mn-lt"/>
-                <a:ea typeface="+mn-ea"/>
-                <a:cs typeface="+mn-cs"/>
-              </a:defRPr>
-            </a:lvl3pPr>
-            <a:lvl4pPr marL="1371600" algn="l" defTabSz="914400" rtl="0" eaLnBrk="1" latinLnBrk="0" hangingPunct="1">
-              <a:defRPr sz="1800" kern="1200">
-                <a:solidFill>
-                  <a:schemeClr val="tx1"/>
-                </a:solidFill>
-                <a:latin typeface="+mn-lt"/>
-                <a:ea typeface="+mn-ea"/>
-                <a:cs typeface="+mn-cs"/>
-              </a:defRPr>
-            </a:lvl4pPr>
-            <a:lvl5pPr marL="1828800" algn="l" defTabSz="914400" rtl="0" eaLnBrk="1" latinLnBrk="0" hangingPunct="1">
-              <a:defRPr sz="1800" kern="1200">
-                <a:solidFill>
-                  <a:schemeClr val="tx1"/>
-                </a:solidFill>
-                <a:latin typeface="+mn-lt"/>
-                <a:ea typeface="+mn-ea"/>
-                <a:cs typeface="+mn-cs"/>
-              </a:defRPr>
-            </a:lvl5pPr>
-            <a:lvl6pPr marL="2286000" algn="l" defTabSz="914400" rtl="0" eaLnBrk="1" latinLnBrk="0" hangingPunct="1">
-              <a:defRPr sz="1800" kern="1200">
-                <a:solidFill>
-                  <a:schemeClr val="tx1"/>
-                </a:solidFill>
-                <a:latin typeface="+mn-lt"/>
-                <a:ea typeface="+mn-ea"/>
-                <a:cs typeface="+mn-cs"/>
-              </a:defRPr>
-            </a:lvl6pPr>
-            <a:lvl7pPr marL="2743200" algn="l" defTabSz="914400" rtl="0" eaLnBrk="1" latinLnBrk="0" hangingPunct="1">
-              <a:defRPr sz="1800" kern="1200">
-                <a:solidFill>
-                  <a:schemeClr val="tx1"/>
-                </a:solidFill>
-                <a:latin typeface="+mn-lt"/>
-                <a:ea typeface="+mn-ea"/>
-                <a:cs typeface="+mn-cs"/>
-              </a:defRPr>
-            </a:lvl7pPr>
-            <a:lvl8pPr marL="3200400" algn="l" defTabSz="914400" rtl="0" eaLnBrk="1" latinLnBrk="0" hangingPunct="1">
-              <a:defRPr sz="1800" kern="1200">
-                <a:solidFill>
-                  <a:schemeClr val="tx1"/>
-                </a:solidFill>
-                <a:latin typeface="+mn-lt"/>
-                <a:ea typeface="+mn-ea"/>
-                <a:cs typeface="+mn-cs"/>
-              </a:defRPr>
-            </a:lvl8pPr>
-            <a:lvl9pPr marL="3657600" algn="l" defTabSz="914400" rtl="0" eaLnBrk="1" latinLnBrk="0" hangingPunct="1">
-              <a:defRPr sz="1800" kern="1200">
-                <a:solidFill>
-                  <a:schemeClr val="tx1"/>
-                </a:solidFill>
-                <a:latin typeface="+mn-lt"/>
-                <a:ea typeface="+mn-ea"/>
-                <a:cs typeface="+mn-cs"/>
-              </a:defRPr>
-            </a:lvl9pPr>
-          </a:lstStyle>
-          <a:p>
-            <a:r>
-              <a:rPr lang="en-US" dirty="0"/>
-              <a:t>2015*2016</a:t>
-            </a:r>
-          </a:p>
-        </p:txBody>
-      </p:sp>
-      <p:sp>
-        <p:nvSpPr>
-          <p:cNvPr id="9" name="TextBox 6"/>
-          <p:cNvSpPr txBox="1"/>
-          <p:nvPr/>
-        </p:nvSpPr>
-        <p:spPr>
-          <a:xfrm>
-            <a:off x="5302077" y="3752312"/>
-            <a:ext cx="1402948" cy="369332"/>
-          </a:xfrm>
-          <a:prstGeom prst="rect">
-            <a:avLst/>
-          </a:prstGeom>
-          <a:noFill/>
-        </p:spPr>
-        <p:txBody>
-          <a:bodyPr wrap="none" rtlCol="0">
-            <a:spAutoFit/>
-          </a:bodyPr>
-          <a:lstStyle>
-            <a:defPPr>
-              <a:defRPr lang="en-US"/>
-            </a:defPPr>
-            <a:lvl1pPr marL="0" algn="l" defTabSz="914400" rtl="0" eaLnBrk="1" latinLnBrk="0" hangingPunct="1">
-              <a:defRPr sz="1800" kern="1200">
-                <a:solidFill>
-                  <a:schemeClr val="tx1"/>
-                </a:solidFill>
-                <a:latin typeface="+mn-lt"/>
-                <a:ea typeface="+mn-ea"/>
-                <a:cs typeface="+mn-cs"/>
-              </a:defRPr>
-            </a:lvl1pPr>
-            <a:lvl2pPr marL="457200" algn="l" defTabSz="914400" rtl="0" eaLnBrk="1" latinLnBrk="0" hangingPunct="1">
-              <a:defRPr sz="1800" kern="1200">
-                <a:solidFill>
-                  <a:schemeClr val="tx1"/>
-                </a:solidFill>
-                <a:latin typeface="+mn-lt"/>
-                <a:ea typeface="+mn-ea"/>
-                <a:cs typeface="+mn-cs"/>
-              </a:defRPr>
-            </a:lvl2pPr>
-            <a:lvl3pPr marL="914400" algn="l" defTabSz="914400" rtl="0" eaLnBrk="1" latinLnBrk="0" hangingPunct="1">
-              <a:defRPr sz="1800" kern="1200">
-                <a:solidFill>
-                  <a:schemeClr val="tx1"/>
-                </a:solidFill>
-                <a:latin typeface="+mn-lt"/>
-                <a:ea typeface="+mn-ea"/>
-                <a:cs typeface="+mn-cs"/>
-              </a:defRPr>
-            </a:lvl3pPr>
-            <a:lvl4pPr marL="1371600" algn="l" defTabSz="914400" rtl="0" eaLnBrk="1" latinLnBrk="0" hangingPunct="1">
-              <a:defRPr sz="1800" kern="1200">
-                <a:solidFill>
-                  <a:schemeClr val="tx1"/>
-                </a:solidFill>
-                <a:latin typeface="+mn-lt"/>
-                <a:ea typeface="+mn-ea"/>
-                <a:cs typeface="+mn-cs"/>
-              </a:defRPr>
-            </a:lvl4pPr>
-            <a:lvl5pPr marL="1828800" algn="l" defTabSz="914400" rtl="0" eaLnBrk="1" latinLnBrk="0" hangingPunct="1">
-              <a:defRPr sz="1800" kern="1200">
-                <a:solidFill>
-                  <a:schemeClr val="tx1"/>
-                </a:solidFill>
-                <a:latin typeface="+mn-lt"/>
-                <a:ea typeface="+mn-ea"/>
-                <a:cs typeface="+mn-cs"/>
-              </a:defRPr>
-            </a:lvl5pPr>
-            <a:lvl6pPr marL="2286000" algn="l" defTabSz="914400" rtl="0" eaLnBrk="1" latinLnBrk="0" hangingPunct="1">
-              <a:defRPr sz="1800" kern="1200">
-                <a:solidFill>
-                  <a:schemeClr val="tx1"/>
-                </a:solidFill>
-                <a:latin typeface="+mn-lt"/>
-                <a:ea typeface="+mn-ea"/>
-                <a:cs typeface="+mn-cs"/>
-              </a:defRPr>
-            </a:lvl6pPr>
-            <a:lvl7pPr marL="2743200" algn="l" defTabSz="914400" rtl="0" eaLnBrk="1" latinLnBrk="0" hangingPunct="1">
-              <a:defRPr sz="1800" kern="1200">
-                <a:solidFill>
-                  <a:schemeClr val="tx1"/>
-                </a:solidFill>
-                <a:latin typeface="+mn-lt"/>
-                <a:ea typeface="+mn-ea"/>
-                <a:cs typeface="+mn-cs"/>
-              </a:defRPr>
-            </a:lvl7pPr>
-            <a:lvl8pPr marL="3200400" algn="l" defTabSz="914400" rtl="0" eaLnBrk="1" latinLnBrk="0" hangingPunct="1">
-              <a:defRPr sz="1800" kern="1200">
-                <a:solidFill>
-                  <a:schemeClr val="tx1"/>
-                </a:solidFill>
-                <a:latin typeface="+mn-lt"/>
-                <a:ea typeface="+mn-ea"/>
-                <a:cs typeface="+mn-cs"/>
-              </a:defRPr>
-            </a:lvl8pPr>
-            <a:lvl9pPr marL="3657600" algn="l" defTabSz="914400" rtl="0" eaLnBrk="1" latinLnBrk="0" hangingPunct="1">
-              <a:defRPr sz="1800" kern="1200">
-                <a:solidFill>
-                  <a:schemeClr val="tx1"/>
-                </a:solidFill>
-                <a:latin typeface="+mn-lt"/>
-                <a:ea typeface="+mn-ea"/>
-                <a:cs typeface="+mn-cs"/>
-              </a:defRPr>
-            </a:lvl9pPr>
-          </a:lstStyle>
-          <a:p>
-            <a:r>
-              <a:rPr lang="en-US" dirty="0"/>
-              <a:t>[2015,2016]</a:t>
-            </a:r>
-          </a:p>
-        </p:txBody>
-      </p:sp>
-      <p:sp>
-        <p:nvSpPr>
-          <p:cNvPr id="10" name="TextBox 7"/>
-          <p:cNvSpPr txBox="1"/>
-          <p:nvPr/>
-        </p:nvSpPr>
-        <p:spPr>
-          <a:xfrm>
-            <a:off x="5302077" y="4137466"/>
-            <a:ext cx="1691489" cy="369332"/>
-          </a:xfrm>
-          <a:prstGeom prst="rect">
-            <a:avLst/>
-          </a:prstGeom>
-          <a:noFill/>
-        </p:spPr>
-        <p:txBody>
-          <a:bodyPr wrap="none" rtlCol="0">
-            <a:spAutoFit/>
-          </a:bodyPr>
-          <a:lstStyle>
-            <a:defPPr>
-              <a:defRPr lang="en-US"/>
-            </a:defPPr>
-            <a:lvl1pPr marL="0" algn="l" defTabSz="914400" rtl="0" eaLnBrk="1" latinLnBrk="0" hangingPunct="1">
-              <a:defRPr sz="1800" kern="1200">
-                <a:solidFill>
-                  <a:schemeClr val="tx1"/>
-                </a:solidFill>
-                <a:latin typeface="+mn-lt"/>
-                <a:ea typeface="+mn-ea"/>
-                <a:cs typeface="+mn-cs"/>
-              </a:defRPr>
-            </a:lvl1pPr>
-            <a:lvl2pPr marL="457200" algn="l" defTabSz="914400" rtl="0" eaLnBrk="1" latinLnBrk="0" hangingPunct="1">
-              <a:defRPr sz="1800" kern="1200">
-                <a:solidFill>
-                  <a:schemeClr val="tx1"/>
-                </a:solidFill>
-                <a:latin typeface="+mn-lt"/>
-                <a:ea typeface="+mn-ea"/>
-                <a:cs typeface="+mn-cs"/>
-              </a:defRPr>
-            </a:lvl2pPr>
-            <a:lvl3pPr marL="914400" algn="l" defTabSz="914400" rtl="0" eaLnBrk="1" latinLnBrk="0" hangingPunct="1">
-              <a:defRPr sz="1800" kern="1200">
-                <a:solidFill>
-                  <a:schemeClr val="tx1"/>
-                </a:solidFill>
-                <a:latin typeface="+mn-lt"/>
-                <a:ea typeface="+mn-ea"/>
-                <a:cs typeface="+mn-cs"/>
-              </a:defRPr>
-            </a:lvl3pPr>
-            <a:lvl4pPr marL="1371600" algn="l" defTabSz="914400" rtl="0" eaLnBrk="1" latinLnBrk="0" hangingPunct="1">
-              <a:defRPr sz="1800" kern="1200">
-                <a:solidFill>
-                  <a:schemeClr val="tx1"/>
-                </a:solidFill>
-                <a:latin typeface="+mn-lt"/>
-                <a:ea typeface="+mn-ea"/>
-                <a:cs typeface="+mn-cs"/>
-              </a:defRPr>
-            </a:lvl4pPr>
-            <a:lvl5pPr marL="1828800" algn="l" defTabSz="914400" rtl="0" eaLnBrk="1" latinLnBrk="0" hangingPunct="1">
-              <a:defRPr sz="1800" kern="1200">
-                <a:solidFill>
-                  <a:schemeClr val="tx1"/>
-                </a:solidFill>
-                <a:latin typeface="+mn-lt"/>
-                <a:ea typeface="+mn-ea"/>
-                <a:cs typeface="+mn-cs"/>
-              </a:defRPr>
-            </a:lvl5pPr>
-            <a:lvl6pPr marL="2286000" algn="l" defTabSz="914400" rtl="0" eaLnBrk="1" latinLnBrk="0" hangingPunct="1">
-              <a:defRPr sz="1800" kern="1200">
-                <a:solidFill>
-                  <a:schemeClr val="tx1"/>
-                </a:solidFill>
-                <a:latin typeface="+mn-lt"/>
-                <a:ea typeface="+mn-ea"/>
-                <a:cs typeface="+mn-cs"/>
-              </a:defRPr>
-            </a:lvl6pPr>
-            <a:lvl7pPr marL="2743200" algn="l" defTabSz="914400" rtl="0" eaLnBrk="1" latinLnBrk="0" hangingPunct="1">
-              <a:defRPr sz="1800" kern="1200">
-                <a:solidFill>
-                  <a:schemeClr val="tx1"/>
-                </a:solidFill>
-                <a:latin typeface="+mn-lt"/>
-                <a:ea typeface="+mn-ea"/>
-                <a:cs typeface="+mn-cs"/>
-              </a:defRPr>
-            </a:lvl7pPr>
-            <a:lvl8pPr marL="3200400" algn="l" defTabSz="914400" rtl="0" eaLnBrk="1" latinLnBrk="0" hangingPunct="1">
-              <a:defRPr sz="1800" kern="1200">
-                <a:solidFill>
-                  <a:schemeClr val="tx1"/>
-                </a:solidFill>
-                <a:latin typeface="+mn-lt"/>
-                <a:ea typeface="+mn-ea"/>
-                <a:cs typeface="+mn-cs"/>
-              </a:defRPr>
-            </a:lvl8pPr>
-            <a:lvl9pPr marL="3657600" algn="l" defTabSz="914400" rtl="0" eaLnBrk="1" latinLnBrk="0" hangingPunct="1">
-              <a:defRPr sz="1800" kern="1200">
-                <a:solidFill>
-                  <a:schemeClr val="tx1"/>
-                </a:solidFill>
-                <a:latin typeface="+mn-lt"/>
-                <a:ea typeface="+mn-ea"/>
-                <a:cs typeface="+mn-cs"/>
-              </a:defRPr>
-            </a:lvl9pPr>
-          </a:lstStyle>
-          <a:p>
-            <a:r>
-              <a:rPr lang="en-US" dirty="0"/>
-              <a:t>a = function(){}</a:t>
-            </a:r>
-          </a:p>
-        </p:txBody>
-      </p:sp>
-      <p:sp>
-        <p:nvSpPr>
-          <p:cNvPr id="11" name="TextBox 8"/>
-          <p:cNvSpPr txBox="1"/>
-          <p:nvPr/>
-        </p:nvSpPr>
-        <p:spPr>
-          <a:xfrm>
-            <a:off x="5346121" y="4561221"/>
-            <a:ext cx="1184940" cy="369332"/>
-          </a:xfrm>
-          <a:prstGeom prst="rect">
-            <a:avLst/>
-          </a:prstGeom>
-          <a:noFill/>
-        </p:spPr>
-        <p:txBody>
-          <a:bodyPr wrap="none" rtlCol="0">
-            <a:spAutoFit/>
-          </a:bodyPr>
-          <a:lstStyle>
-            <a:defPPr>
-              <a:defRPr lang="en-US"/>
-            </a:defPPr>
-            <a:lvl1pPr marL="0" algn="l" defTabSz="914400" rtl="0" eaLnBrk="1" latinLnBrk="0" hangingPunct="1">
-              <a:defRPr sz="1800" kern="1200">
-                <a:solidFill>
-                  <a:schemeClr val="tx1"/>
-                </a:solidFill>
-                <a:latin typeface="+mn-lt"/>
-                <a:ea typeface="+mn-ea"/>
-                <a:cs typeface="+mn-cs"/>
-              </a:defRPr>
-            </a:lvl1pPr>
-            <a:lvl2pPr marL="457200" algn="l" defTabSz="914400" rtl="0" eaLnBrk="1" latinLnBrk="0" hangingPunct="1">
-              <a:defRPr sz="1800" kern="1200">
-                <a:solidFill>
-                  <a:schemeClr val="tx1"/>
-                </a:solidFill>
-                <a:latin typeface="+mn-lt"/>
-                <a:ea typeface="+mn-ea"/>
-                <a:cs typeface="+mn-cs"/>
-              </a:defRPr>
-            </a:lvl2pPr>
-            <a:lvl3pPr marL="914400" algn="l" defTabSz="914400" rtl="0" eaLnBrk="1" latinLnBrk="0" hangingPunct="1">
-              <a:defRPr sz="1800" kern="1200">
-                <a:solidFill>
-                  <a:schemeClr val="tx1"/>
-                </a:solidFill>
-                <a:latin typeface="+mn-lt"/>
-                <a:ea typeface="+mn-ea"/>
-                <a:cs typeface="+mn-cs"/>
-              </a:defRPr>
-            </a:lvl3pPr>
-            <a:lvl4pPr marL="1371600" algn="l" defTabSz="914400" rtl="0" eaLnBrk="1" latinLnBrk="0" hangingPunct="1">
-              <a:defRPr sz="1800" kern="1200">
-                <a:solidFill>
-                  <a:schemeClr val="tx1"/>
-                </a:solidFill>
-                <a:latin typeface="+mn-lt"/>
-                <a:ea typeface="+mn-ea"/>
-                <a:cs typeface="+mn-cs"/>
-              </a:defRPr>
-            </a:lvl4pPr>
-            <a:lvl5pPr marL="1828800" algn="l" defTabSz="914400" rtl="0" eaLnBrk="1" latinLnBrk="0" hangingPunct="1">
-              <a:defRPr sz="1800" kern="1200">
-                <a:solidFill>
-                  <a:schemeClr val="tx1"/>
-                </a:solidFill>
-                <a:latin typeface="+mn-lt"/>
-                <a:ea typeface="+mn-ea"/>
-                <a:cs typeface="+mn-cs"/>
-              </a:defRPr>
-            </a:lvl5pPr>
-            <a:lvl6pPr marL="2286000" algn="l" defTabSz="914400" rtl="0" eaLnBrk="1" latinLnBrk="0" hangingPunct="1">
-              <a:defRPr sz="1800" kern="1200">
-                <a:solidFill>
-                  <a:schemeClr val="tx1"/>
-                </a:solidFill>
-                <a:latin typeface="+mn-lt"/>
-                <a:ea typeface="+mn-ea"/>
-                <a:cs typeface="+mn-cs"/>
-              </a:defRPr>
-            </a:lvl6pPr>
-            <a:lvl7pPr marL="2743200" algn="l" defTabSz="914400" rtl="0" eaLnBrk="1" latinLnBrk="0" hangingPunct="1">
-              <a:defRPr sz="1800" kern="1200">
-                <a:solidFill>
-                  <a:schemeClr val="tx1"/>
-                </a:solidFill>
-                <a:latin typeface="+mn-lt"/>
-                <a:ea typeface="+mn-ea"/>
-                <a:cs typeface="+mn-cs"/>
-              </a:defRPr>
-            </a:lvl7pPr>
-            <a:lvl8pPr marL="3200400" algn="l" defTabSz="914400" rtl="0" eaLnBrk="1" latinLnBrk="0" hangingPunct="1">
-              <a:defRPr sz="1800" kern="1200">
-                <a:solidFill>
-                  <a:schemeClr val="tx1"/>
-                </a:solidFill>
-                <a:latin typeface="+mn-lt"/>
-                <a:ea typeface="+mn-ea"/>
-                <a:cs typeface="+mn-cs"/>
-              </a:defRPr>
-            </a:lvl8pPr>
-            <a:lvl9pPr marL="3657600" algn="l" defTabSz="914400" rtl="0" eaLnBrk="1" latinLnBrk="0" hangingPunct="1">
-              <a:defRPr sz="1800" kern="1200">
-                <a:solidFill>
-                  <a:schemeClr val="tx1"/>
-                </a:solidFill>
-                <a:latin typeface="+mn-lt"/>
-                <a:ea typeface="+mn-ea"/>
-                <a:cs typeface="+mn-cs"/>
-              </a:defRPr>
-            </a:lvl9pPr>
-          </a:lstStyle>
-          <a:p>
-            <a:r>
-              <a:rPr lang="en-US" dirty="0" err="1"/>
-              <a:t>a.b</a:t>
-            </a:r>
-            <a:r>
-              <a:rPr lang="en-US" dirty="0"/>
-              <a:t> , a[‘b’]</a:t>
-            </a:r>
-          </a:p>
-        </p:txBody>
-      </p:sp>
-      <p:sp>
-        <p:nvSpPr>
-          <p:cNvPr id="12" name="TextBox 9"/>
-          <p:cNvSpPr txBox="1"/>
-          <p:nvPr/>
-        </p:nvSpPr>
-        <p:spPr>
-          <a:xfrm>
-            <a:off x="5398373" y="4984976"/>
-            <a:ext cx="466794" cy="369332"/>
-          </a:xfrm>
-          <a:prstGeom prst="rect">
-            <a:avLst/>
-          </a:prstGeom>
-          <a:noFill/>
-        </p:spPr>
-        <p:txBody>
-          <a:bodyPr wrap="none" rtlCol="0">
-            <a:spAutoFit/>
-          </a:bodyPr>
-          <a:lstStyle>
-            <a:defPPr>
-              <a:defRPr lang="en-US"/>
-            </a:defPPr>
-            <a:lvl1pPr marL="0" algn="l" defTabSz="914400" rtl="0" eaLnBrk="1" latinLnBrk="0" hangingPunct="1">
-              <a:defRPr sz="1800" kern="1200">
-                <a:solidFill>
-                  <a:schemeClr val="tx1"/>
-                </a:solidFill>
-                <a:latin typeface="+mn-lt"/>
-                <a:ea typeface="+mn-ea"/>
-                <a:cs typeface="+mn-cs"/>
-              </a:defRPr>
-            </a:lvl1pPr>
-            <a:lvl2pPr marL="457200" algn="l" defTabSz="914400" rtl="0" eaLnBrk="1" latinLnBrk="0" hangingPunct="1">
-              <a:defRPr sz="1800" kern="1200">
-                <a:solidFill>
-                  <a:schemeClr val="tx1"/>
-                </a:solidFill>
-                <a:latin typeface="+mn-lt"/>
-                <a:ea typeface="+mn-ea"/>
-                <a:cs typeface="+mn-cs"/>
-              </a:defRPr>
-            </a:lvl2pPr>
-            <a:lvl3pPr marL="914400" algn="l" defTabSz="914400" rtl="0" eaLnBrk="1" latinLnBrk="0" hangingPunct="1">
-              <a:defRPr sz="1800" kern="1200">
-                <a:solidFill>
-                  <a:schemeClr val="tx1"/>
-                </a:solidFill>
-                <a:latin typeface="+mn-lt"/>
-                <a:ea typeface="+mn-ea"/>
-                <a:cs typeface="+mn-cs"/>
-              </a:defRPr>
-            </a:lvl3pPr>
-            <a:lvl4pPr marL="1371600" algn="l" defTabSz="914400" rtl="0" eaLnBrk="1" latinLnBrk="0" hangingPunct="1">
-              <a:defRPr sz="1800" kern="1200">
-                <a:solidFill>
-                  <a:schemeClr val="tx1"/>
-                </a:solidFill>
-                <a:latin typeface="+mn-lt"/>
-                <a:ea typeface="+mn-ea"/>
-                <a:cs typeface="+mn-cs"/>
-              </a:defRPr>
-            </a:lvl4pPr>
-            <a:lvl5pPr marL="1828800" algn="l" defTabSz="914400" rtl="0" eaLnBrk="1" latinLnBrk="0" hangingPunct="1">
-              <a:defRPr sz="1800" kern="1200">
-                <a:solidFill>
-                  <a:schemeClr val="tx1"/>
-                </a:solidFill>
-                <a:latin typeface="+mn-lt"/>
-                <a:ea typeface="+mn-ea"/>
-                <a:cs typeface="+mn-cs"/>
-              </a:defRPr>
-            </a:lvl5pPr>
-            <a:lvl6pPr marL="2286000" algn="l" defTabSz="914400" rtl="0" eaLnBrk="1" latinLnBrk="0" hangingPunct="1">
-              <a:defRPr sz="1800" kern="1200">
-                <a:solidFill>
-                  <a:schemeClr val="tx1"/>
-                </a:solidFill>
-                <a:latin typeface="+mn-lt"/>
-                <a:ea typeface="+mn-ea"/>
-                <a:cs typeface="+mn-cs"/>
-              </a:defRPr>
-            </a:lvl6pPr>
-            <a:lvl7pPr marL="2743200" algn="l" defTabSz="914400" rtl="0" eaLnBrk="1" latinLnBrk="0" hangingPunct="1">
-              <a:defRPr sz="1800" kern="1200">
-                <a:solidFill>
-                  <a:schemeClr val="tx1"/>
-                </a:solidFill>
-                <a:latin typeface="+mn-lt"/>
-                <a:ea typeface="+mn-ea"/>
-                <a:cs typeface="+mn-cs"/>
-              </a:defRPr>
-            </a:lvl7pPr>
-            <a:lvl8pPr marL="3200400" algn="l" defTabSz="914400" rtl="0" eaLnBrk="1" latinLnBrk="0" hangingPunct="1">
-              <a:defRPr sz="1800" kern="1200">
-                <a:solidFill>
-                  <a:schemeClr val="tx1"/>
-                </a:solidFill>
-                <a:latin typeface="+mn-lt"/>
-                <a:ea typeface="+mn-ea"/>
-                <a:cs typeface="+mn-cs"/>
-              </a:defRPr>
-            </a:lvl8pPr>
-            <a:lvl9pPr marL="3657600" algn="l" defTabSz="914400" rtl="0" eaLnBrk="1" latinLnBrk="0" hangingPunct="1">
-              <a:defRPr sz="1800" kern="1200">
-                <a:solidFill>
-                  <a:schemeClr val="tx1"/>
-                </a:solidFill>
-                <a:latin typeface="+mn-lt"/>
-                <a:ea typeface="+mn-ea"/>
-                <a:cs typeface="+mn-cs"/>
-              </a:defRPr>
-            </a:lvl9pPr>
-          </a:lstStyle>
-          <a:p>
-            <a:r>
-              <a:rPr lang="en-US" dirty="0"/>
-              <a:t>a()</a:t>
-            </a:r>
-          </a:p>
-        </p:txBody>
-      </p:sp>
-      <p:sp>
-        <p:nvSpPr>
-          <p:cNvPr id="13" name="TextBox 10"/>
-          <p:cNvSpPr txBox="1"/>
-          <p:nvPr/>
-        </p:nvSpPr>
-        <p:spPr>
-          <a:xfrm>
-            <a:off x="5398373" y="5354308"/>
-            <a:ext cx="1364541" cy="369332"/>
-          </a:xfrm>
-          <a:prstGeom prst="rect">
-            <a:avLst/>
-          </a:prstGeom>
-          <a:noFill/>
-        </p:spPr>
-        <p:txBody>
-          <a:bodyPr wrap="none" rtlCol="0">
-            <a:spAutoFit/>
-          </a:bodyPr>
-          <a:lstStyle>
-            <a:defPPr>
-              <a:defRPr lang="en-US"/>
-            </a:defPPr>
-            <a:lvl1pPr marL="0" algn="l" defTabSz="914400" rtl="0" eaLnBrk="1" latinLnBrk="0" hangingPunct="1">
-              <a:defRPr sz="1800" kern="1200">
-                <a:solidFill>
-                  <a:schemeClr val="tx1"/>
-                </a:solidFill>
-                <a:latin typeface="+mn-lt"/>
-                <a:ea typeface="+mn-ea"/>
-                <a:cs typeface="+mn-cs"/>
-              </a:defRPr>
-            </a:lvl1pPr>
-            <a:lvl2pPr marL="457200" algn="l" defTabSz="914400" rtl="0" eaLnBrk="1" latinLnBrk="0" hangingPunct="1">
-              <a:defRPr sz="1800" kern="1200">
-                <a:solidFill>
-                  <a:schemeClr val="tx1"/>
-                </a:solidFill>
-                <a:latin typeface="+mn-lt"/>
-                <a:ea typeface="+mn-ea"/>
-                <a:cs typeface="+mn-cs"/>
-              </a:defRPr>
-            </a:lvl2pPr>
-            <a:lvl3pPr marL="914400" algn="l" defTabSz="914400" rtl="0" eaLnBrk="1" latinLnBrk="0" hangingPunct="1">
-              <a:defRPr sz="1800" kern="1200">
-                <a:solidFill>
-                  <a:schemeClr val="tx1"/>
-                </a:solidFill>
-                <a:latin typeface="+mn-lt"/>
-                <a:ea typeface="+mn-ea"/>
-                <a:cs typeface="+mn-cs"/>
-              </a:defRPr>
-            </a:lvl3pPr>
-            <a:lvl4pPr marL="1371600" algn="l" defTabSz="914400" rtl="0" eaLnBrk="1" latinLnBrk="0" hangingPunct="1">
-              <a:defRPr sz="1800" kern="1200">
-                <a:solidFill>
-                  <a:schemeClr val="tx1"/>
-                </a:solidFill>
-                <a:latin typeface="+mn-lt"/>
-                <a:ea typeface="+mn-ea"/>
-                <a:cs typeface="+mn-cs"/>
-              </a:defRPr>
-            </a:lvl4pPr>
-            <a:lvl5pPr marL="1828800" algn="l" defTabSz="914400" rtl="0" eaLnBrk="1" latinLnBrk="0" hangingPunct="1">
-              <a:defRPr sz="1800" kern="1200">
-                <a:solidFill>
-                  <a:schemeClr val="tx1"/>
-                </a:solidFill>
-                <a:latin typeface="+mn-lt"/>
-                <a:ea typeface="+mn-ea"/>
-                <a:cs typeface="+mn-cs"/>
-              </a:defRPr>
-            </a:lvl5pPr>
-            <a:lvl6pPr marL="2286000" algn="l" defTabSz="914400" rtl="0" eaLnBrk="1" latinLnBrk="0" hangingPunct="1">
-              <a:defRPr sz="1800" kern="1200">
-                <a:solidFill>
-                  <a:schemeClr val="tx1"/>
-                </a:solidFill>
-                <a:latin typeface="+mn-lt"/>
-                <a:ea typeface="+mn-ea"/>
-                <a:cs typeface="+mn-cs"/>
-              </a:defRPr>
-            </a:lvl6pPr>
-            <a:lvl7pPr marL="2743200" algn="l" defTabSz="914400" rtl="0" eaLnBrk="1" latinLnBrk="0" hangingPunct="1">
-              <a:defRPr sz="1800" kern="1200">
-                <a:solidFill>
-                  <a:schemeClr val="tx1"/>
-                </a:solidFill>
-                <a:latin typeface="+mn-lt"/>
-                <a:ea typeface="+mn-ea"/>
-                <a:cs typeface="+mn-cs"/>
-              </a:defRPr>
-            </a:lvl7pPr>
-            <a:lvl8pPr marL="3200400" algn="l" defTabSz="914400" rtl="0" eaLnBrk="1" latinLnBrk="0" hangingPunct="1">
-              <a:defRPr sz="1800" kern="1200">
-                <a:solidFill>
-                  <a:schemeClr val="tx1"/>
-                </a:solidFill>
-                <a:latin typeface="+mn-lt"/>
-                <a:ea typeface="+mn-ea"/>
-                <a:cs typeface="+mn-cs"/>
-              </a:defRPr>
-            </a:lvl8pPr>
-            <a:lvl9pPr marL="3657600" algn="l" defTabSz="914400" rtl="0" eaLnBrk="1" latinLnBrk="0" hangingPunct="1">
-              <a:defRPr sz="1800" kern="1200">
-                <a:solidFill>
-                  <a:schemeClr val="tx1"/>
-                </a:solidFill>
-                <a:latin typeface="+mn-lt"/>
-                <a:ea typeface="+mn-ea"/>
-                <a:cs typeface="+mn-cs"/>
-              </a:defRPr>
-            </a:lvl9pPr>
-          </a:lstStyle>
-          <a:p>
-            <a:r>
-              <a:rPr lang="en-US" dirty="0"/>
-              <a:t>new Array()</a:t>
-            </a:r>
-          </a:p>
-        </p:txBody>
-      </p:sp>
-    </p:spTree>
-    <p:extLst>
-      <p:ext uri="{BB962C8B-B14F-4D97-AF65-F5344CB8AC3E}">
-        <p14:creationId xmlns:p14="http://schemas.microsoft.com/office/powerpoint/2010/main" val="25022438"/>
-      </p:ext>
-    </p:extLst>
-  </p:cSld>
-  <p:clrMapOvr>
-    <a:masterClrMapping/>
-  </p:clrMapOvr>
-</p:sld>
-</file>
-
-<file path=ppt/slides/slide11.xml><?xml version="1.0" encoding="utf-8"?>
-<p:sld xmlns:a="http://schemas.openxmlformats.org/drawingml/2006/main" xmlns:r="http://schemas.openxmlformats.org/officeDocument/2006/relationships" xmlns:p="http://schemas.openxmlformats.org/presentationml/2006/main">
-  <p:cSld>
-    <p:spTree>
-      <p:nvGrpSpPr>
-        <p:cNvPr id="1" name=""/>
-        <p:cNvGrpSpPr/>
-        <p:nvPr/>
-      </p:nvGrpSpPr>
-      <p:grpSpPr>
-        <a:xfrm>
-          <a:off x="0" y="0"/>
-          <a:ext cx="0" cy="0"/>
-          <a:chOff x="0" y="0"/>
-          <a:chExt cx="0" cy="0"/>
-        </a:xfrm>
-      </p:grpSpPr>
-      <p:sp>
-        <p:nvSpPr>
-          <p:cNvPr id="2" name="Title 1"/>
-          <p:cNvSpPr>
-            <a:spLocks noGrp="1"/>
-          </p:cNvSpPr>
-          <p:nvPr>
-            <p:ph type="title"/>
-          </p:nvPr>
-        </p:nvSpPr>
-        <p:spPr/>
-        <p:txBody>
-          <a:bodyPr/>
-          <a:lstStyle/>
-          <a:p>
-            <a:r>
-              <a:rPr lang="zh-CN" altLang="en-US" dirty="0"/>
-              <a:t>自学 </a:t>
-            </a:r>
-            <a:r>
-              <a:rPr lang="en-US" altLang="zh-CN" dirty="0"/>
-              <a:t>— </a:t>
-            </a:r>
-            <a:r>
-              <a:rPr lang="zh-CN" altLang="en-US" dirty="0"/>
-              <a:t>举一反三</a:t>
-            </a:r>
-            <a:endParaRPr lang="en-US" dirty="0"/>
-          </a:p>
-        </p:txBody>
-      </p:sp>
-      <p:sp>
-        <p:nvSpPr>
-          <p:cNvPr id="3" name="Content Placeholder 2"/>
-          <p:cNvSpPr>
-            <a:spLocks noGrp="1"/>
-          </p:cNvSpPr>
-          <p:nvPr>
-            <p:ph idx="1"/>
-          </p:nvPr>
-        </p:nvSpPr>
-        <p:spPr/>
-        <p:txBody>
-          <a:bodyPr/>
-          <a:lstStyle/>
-          <a:p>
-            <a:r>
-              <a:rPr lang="en-US" altLang="zh-CN" dirty="0"/>
-              <a:t>MDN web docs</a:t>
-            </a:r>
-          </a:p>
-          <a:p>
-            <a:pPr lvl="1"/>
-            <a:r>
-              <a:rPr lang="en-US" dirty="0">
-                <a:hlinkClick r:id="rId2"/>
-              </a:rPr>
-              <a:t>https://developer.mozilla.org</a:t>
-            </a:r>
-            <a:endParaRPr lang="en-US" dirty="0"/>
-          </a:p>
-          <a:p>
-            <a:r>
-              <a:rPr lang="en-US" dirty="0" err="1"/>
-              <a:t>FreeCodeCamp</a:t>
-            </a:r>
-            <a:endParaRPr lang="en-US" dirty="0"/>
-          </a:p>
-          <a:p>
-            <a:pPr lvl="1"/>
-            <a:r>
-              <a:rPr lang="en-US" dirty="0">
-                <a:hlinkClick r:id="rId3"/>
-              </a:rPr>
-              <a:t>https://www.freecodecamp.org</a:t>
-            </a:r>
-            <a:endParaRPr lang="en-US" dirty="0"/>
-          </a:p>
-        </p:txBody>
-      </p:sp>
-    </p:spTree>
-    <p:extLst>
-      <p:ext uri="{BB962C8B-B14F-4D97-AF65-F5344CB8AC3E}">
-        <p14:creationId xmlns:p14="http://schemas.microsoft.com/office/powerpoint/2010/main" val="497771498"/>
-      </p:ext>
-    </p:extLst>
-  </p:cSld>
-  <p:clrMapOvr>
-    <a:masterClrMapping/>
-  </p:clrMapOvr>
-</p:sld>
-</file>
-
-<file path=ppt/slides/slide12.xml><?xml version="1.0" encoding="utf-8"?>
 <p:sld xmlns:a="http://schemas.openxmlformats.org/drawingml/2006/main" xmlns:r="http://schemas.openxmlformats.org/officeDocument/2006/relationships" xmlns:p="http://schemas.openxmlformats.org/presentationml/2006/main">
   <p:cSld>
     <p:spTree>
@@ -12280,7 +12009,7 @@
 </p:sld>
 </file>
 
-<file path=ppt/slides/slide13.xml><?xml version="1.0" encoding="utf-8"?>
+<file path=ppt/slides/slide11.xml><?xml version="1.0" encoding="utf-8"?>
 <p:sld xmlns:a="http://schemas.openxmlformats.org/drawingml/2006/main" xmlns:r="http://schemas.openxmlformats.org/officeDocument/2006/relationships" xmlns:p="http://schemas.openxmlformats.org/presentationml/2006/main">
   <p:cSld>
     <p:spTree>
@@ -12622,7 +12351,7 @@
 </p:sld>
 </file>
 
-<file path=ppt/slides/slide14.xml><?xml version="1.0" encoding="utf-8"?>
+<file path=ppt/slides/slide12.xml><?xml version="1.0" encoding="utf-8"?>
 <p:sld xmlns:a="http://schemas.openxmlformats.org/drawingml/2006/main" xmlns:r="http://schemas.openxmlformats.org/officeDocument/2006/relationships" xmlns:p="http://schemas.openxmlformats.org/presentationml/2006/main">
   <p:cSld>
     <p:spTree>
@@ -12970,7 +12699,7 @@
 </p:sld>
 </file>
 
-<file path=ppt/slides/slide15.xml><?xml version="1.0" encoding="utf-8"?>
+<file path=ppt/slides/slide13.xml><?xml version="1.0" encoding="utf-8"?>
 <p:sld xmlns:a="http://schemas.openxmlformats.org/drawingml/2006/main" xmlns:r="http://schemas.openxmlformats.org/officeDocument/2006/relationships" xmlns:p="http://schemas.openxmlformats.org/presentationml/2006/main">
   <p:cSld>
     <p:spTree>
@@ -13312,7 +13041,7 @@
 </p:sld>
 </file>
 
-<file path=ppt/slides/slide16.xml><?xml version="1.0" encoding="utf-8"?>
+<file path=ppt/slides/slide14.xml><?xml version="1.0" encoding="utf-8"?>
 <p:sld xmlns:a="http://schemas.openxmlformats.org/drawingml/2006/main" xmlns:r="http://schemas.openxmlformats.org/officeDocument/2006/relationships" xmlns:p="http://schemas.openxmlformats.org/presentationml/2006/main">
   <p:cSld>
     <p:spTree>
@@ -13715,7 +13444,7 @@
 </p:sld>
 </file>
 
-<file path=ppt/slides/slide17.xml><?xml version="1.0" encoding="utf-8"?>
+<file path=ppt/slides/slide15.xml><?xml version="1.0" encoding="utf-8"?>
 <p:sld xmlns:a="http://schemas.openxmlformats.org/drawingml/2006/main" xmlns:r="http://schemas.openxmlformats.org/officeDocument/2006/relationships" xmlns:p="http://schemas.openxmlformats.org/presentationml/2006/main">
   <p:cSld>
     <p:spTree>
@@ -13867,7 +13596,7 @@
 </p:sld>
 </file>
 
-<file path=ppt/slides/slide18.xml><?xml version="1.0" encoding="utf-8"?>
+<file path=ppt/slides/slide16.xml><?xml version="1.0" encoding="utf-8"?>
 <p:sld xmlns:a="http://schemas.openxmlformats.org/drawingml/2006/main" xmlns:r="http://schemas.openxmlformats.org/officeDocument/2006/relationships" xmlns:p="http://schemas.openxmlformats.org/presentationml/2006/main">
   <p:cSld>
     <p:spTree>
@@ -13980,7 +13709,7 @@
 </p:sld>
 </file>
 
-<file path=ppt/slides/slide19.xml><?xml version="1.0" encoding="utf-8"?>
+<file path=ppt/slides/slide17.xml><?xml version="1.0" encoding="utf-8"?>
 <p:sld xmlns:a="http://schemas.openxmlformats.org/drawingml/2006/main" xmlns:r="http://schemas.openxmlformats.org/officeDocument/2006/relationships" xmlns:p="http://schemas.openxmlformats.org/presentationml/2006/main">
   <p:cSld>
     <p:spTree>
@@ -14239,16 +13968,8 @@
           <a:lstStyle/>
           <a:p>
             <a:r>
-              <a:rPr lang="en-US" altLang="zh-CN" dirty="0" err="1"/>
-              <a:t>Javascript</a:t>
-            </a:r>
-            <a:r>
-              <a:rPr lang="en-US" altLang="zh-CN" dirty="0"/>
-              <a:t> </a:t>
-            </a:r>
-            <a:r>
               <a:rPr lang="zh-CN" altLang="en-US" dirty="0"/>
-              <a:t>基础</a:t>
+              <a:t>目录</a:t>
             </a:r>
             <a:endParaRPr lang="en-US" dirty="0"/>
           </a:p>
@@ -14271,6 +13992,13 @@
           <a:p>
             <a:r>
               <a:rPr lang="zh-CN" altLang="en-US" dirty="0"/>
+              <a:t>目标</a:t>
+            </a:r>
+            <a:endParaRPr lang="en-US" altLang="zh-CN" dirty="0"/>
+          </a:p>
+          <a:p>
+            <a:r>
+              <a:rPr lang="zh-CN" altLang="en-US" dirty="0"/>
               <a:t>背景与发展</a:t>
             </a:r>
             <a:endParaRPr lang="en-US" dirty="0"/>
@@ -14284,45 +14012,20 @@
           </a:p>
           <a:p>
             <a:r>
+              <a:rPr lang="zh-CN" altLang="en-US" dirty="0"/>
+              <a:t>故事一 </a:t>
+            </a:r>
+            <a:r>
               <a:rPr lang="en-US" altLang="zh-CN" dirty="0"/>
-              <a:t>Nodejs</a:t>
-            </a:r>
-          </a:p>
-          <a:p>
-            <a:r>
-              <a:rPr lang="en-US" altLang="zh-CN" dirty="0" err="1"/>
-              <a:t>Javascript</a:t>
-            </a:r>
-            <a:r>
-              <a:rPr lang="en-US" altLang="zh-CN" dirty="0"/>
-              <a:t> </a:t>
-            </a:r>
+              <a:t>Peter &amp; Mary</a:t>
+            </a:r>
+          </a:p>
+          <a:p>
             <a:r>
               <a:rPr lang="zh-CN" altLang="en-US" dirty="0"/>
-              <a:t>基础</a:t>
+              <a:t>故事二 小兔子乖乖</a:t>
             </a:r>
             <a:endParaRPr lang="en-US" altLang="zh-CN" dirty="0"/>
-          </a:p>
-          <a:p>
-            <a:r>
-              <a:rPr lang="zh-CN" altLang="en-US" dirty="0"/>
-              <a:t>正则表达式 </a:t>
-            </a:r>
-            <a:r>
-              <a:rPr lang="en-US" altLang="zh-CN" dirty="0"/>
-              <a:t>(</a:t>
-            </a:r>
-            <a:r>
-              <a:rPr lang="en-US" altLang="zh-CN"/>
-              <a:t>Regular Expression)</a:t>
-            </a:r>
-            <a:endParaRPr lang="en-US" altLang="zh-CN" dirty="0"/>
-          </a:p>
-          <a:p>
-            <a:r>
-              <a:rPr lang="en-US" altLang="zh-CN" dirty="0"/>
-              <a:t>Git</a:t>
-            </a:r>
           </a:p>
           <a:p>
             <a:endParaRPr lang="en-US" dirty="0"/>
@@ -14361,7 +14064,13 @@
       </p:grpSpPr>
       <p:sp>
         <p:nvSpPr>
-          <p:cNvPr id="2" name="Title 1"/>
+          <p:cNvPr id="2" name="标题 1">
+            <a:extLst>
+              <a:ext uri="{FF2B5EF4-FFF2-40B4-BE49-F238E27FC236}">
+                <a16:creationId xmlns:a16="http://schemas.microsoft.com/office/drawing/2014/main" id="{D57EB205-D00E-478C-86A4-B34142391A7A}"/>
+              </a:ext>
+            </a:extLst>
+          </p:cNvPr>
           <p:cNvSpPr>
             <a:spLocks noGrp="1"/>
           </p:cNvSpPr>
@@ -14376,15 +14085,20 @@
           <a:p>
             <a:r>
               <a:rPr lang="zh-CN" altLang="en-US" dirty="0"/>
-              <a:t>背景与发展</a:t>
-            </a:r>
-            <a:endParaRPr lang="en-US" dirty="0"/>
+              <a:t>目标</a:t>
+            </a:r>
           </a:p>
         </p:txBody>
       </p:sp>
       <p:sp>
         <p:nvSpPr>
-          <p:cNvPr id="3" name="Content Placeholder 2"/>
+          <p:cNvPr id="3" name="内容占位符 2">
+            <a:extLst>
+              <a:ext uri="{FF2B5EF4-FFF2-40B4-BE49-F238E27FC236}">
+                <a16:creationId xmlns:a16="http://schemas.microsoft.com/office/drawing/2014/main" id="{F8F4DC89-212D-4C40-B228-E30DE370C530}"/>
+              </a:ext>
+            </a:extLst>
+          </p:cNvPr>
           <p:cNvSpPr>
             <a:spLocks noGrp="1"/>
           </p:cNvSpPr>
@@ -14395,225 +14109,99 @@
         <p:spPr/>
         <p:txBody>
           <a:bodyPr>
-            <a:normAutofit fontScale="92500"/>
+            <a:normAutofit lnSpcReduction="10000"/>
           </a:bodyPr>
           <a:lstStyle/>
           <a:p>
             <a:r>
-              <a:rPr lang="zh-CN" altLang="en-US" dirty="0"/>
-              <a:t>一种</a:t>
-            </a:r>
-            <a:r>
-              <a:rPr lang="zh-CN" altLang="en-US" dirty="0">
-                <a:solidFill>
-                  <a:srgbClr val="FF0000"/>
-                </a:solidFill>
-              </a:rPr>
-              <a:t>直译式脚本语言</a:t>
-            </a:r>
-            <a:r>
-              <a:rPr lang="zh-CN" altLang="en-US" dirty="0"/>
-              <a:t>，是一种</a:t>
-            </a:r>
-            <a:r>
-              <a:rPr lang="zh-CN" altLang="en-US" dirty="0">
-                <a:solidFill>
-                  <a:srgbClr val="FF0000"/>
-                </a:solidFill>
-              </a:rPr>
-              <a:t>动态类型</a:t>
-            </a:r>
-            <a:r>
-              <a:rPr lang="zh-CN" altLang="en-US" dirty="0"/>
-              <a:t>、</a:t>
-            </a:r>
-            <a:r>
-              <a:rPr lang="zh-CN" altLang="en-US" dirty="0">
-                <a:solidFill>
-                  <a:srgbClr val="FF0000"/>
-                </a:solidFill>
-              </a:rPr>
-              <a:t>弱类型</a:t>
-            </a:r>
-            <a:r>
-              <a:rPr lang="zh-CN" altLang="en-US" dirty="0"/>
-              <a:t>、基于原型的语言，内置支持类型。</a:t>
-            </a:r>
-            <a:endParaRPr lang="en-US" altLang="zh-CN" dirty="0"/>
-          </a:p>
-          <a:p>
-            <a:r>
-              <a:rPr lang="zh-CN" altLang="en-US" dirty="0"/>
-              <a:t>在</a:t>
-            </a:r>
-            <a:r>
               <a:rPr lang="en-US" altLang="zh-CN" dirty="0"/>
-              <a:t>1995</a:t>
-            </a:r>
-            <a:r>
-              <a:rPr lang="zh-CN" altLang="en-US" dirty="0"/>
-              <a:t>年时，由</a:t>
-            </a:r>
+              <a:t>Visual Studio Code</a:t>
+            </a:r>
+          </a:p>
+          <a:p>
             <a:r>
               <a:rPr lang="en-US" altLang="zh-CN" dirty="0"/>
-              <a:t>Netscape</a:t>
-            </a:r>
-            <a:r>
-              <a:rPr lang="zh-CN" altLang="en-US" dirty="0"/>
-              <a:t>公司在网景导航者浏览器上首次设计实现而成。因为</a:t>
-            </a:r>
-            <a:r>
-              <a:rPr lang="en-US" altLang="zh-CN" dirty="0"/>
-              <a:t>Netscape</a:t>
-            </a:r>
-            <a:r>
-              <a:rPr lang="zh-CN" altLang="en-US" dirty="0"/>
-              <a:t>与</a:t>
-            </a:r>
-            <a:r>
-              <a:rPr lang="en-US" altLang="zh-CN" dirty="0"/>
-              <a:t>Sun</a:t>
-            </a:r>
-            <a:r>
-              <a:rPr lang="zh-CN" altLang="en-US" dirty="0"/>
-              <a:t>合作，</a:t>
-            </a:r>
-            <a:r>
-              <a:rPr lang="en-US" altLang="zh-CN" dirty="0"/>
-              <a:t>Netscape</a:t>
-            </a:r>
-            <a:r>
-              <a:rPr lang="zh-CN" altLang="en-US" dirty="0"/>
-              <a:t>管理层希望它外观看起来像</a:t>
-            </a:r>
-            <a:r>
-              <a:rPr lang="en-US" altLang="zh-CN" dirty="0">
-                <a:solidFill>
-                  <a:srgbClr val="FF0000"/>
-                </a:solidFill>
-              </a:rPr>
-              <a:t>Java</a:t>
-            </a:r>
-            <a:r>
-              <a:rPr lang="zh-CN" altLang="en-US" dirty="0"/>
-              <a:t>，因此取名为</a:t>
-            </a:r>
-            <a:r>
-              <a:rPr lang="en-US" altLang="zh-CN" dirty="0">
-                <a:solidFill>
-                  <a:srgbClr val="FF0000"/>
-                </a:solidFill>
-              </a:rPr>
-              <a:t>JavaScript</a:t>
-            </a:r>
-            <a:r>
-              <a:rPr lang="zh-CN" altLang="en-US" dirty="0"/>
-              <a:t>。</a:t>
-            </a:r>
-            <a:endParaRPr lang="en-US" altLang="zh-CN" dirty="0"/>
-          </a:p>
-          <a:p>
-            <a:r>
-              <a:rPr lang="zh-CN" altLang="en-US" dirty="0"/>
-              <a:t>除了</a:t>
-            </a:r>
-            <a:r>
-              <a:rPr lang="en-US" altLang="zh-CN" dirty="0"/>
-              <a:t>Netscape</a:t>
-            </a:r>
-            <a:r>
-              <a:rPr lang="zh-CN" altLang="en-US" dirty="0"/>
-              <a:t>的</a:t>
-            </a:r>
+              <a:t>Git</a:t>
+            </a:r>
+          </a:p>
+          <a:p>
             <a:r>
               <a:rPr lang="en-US" altLang="zh-CN" dirty="0" err="1"/>
               <a:t>Javascript</a:t>
             </a:r>
             <a:r>
+              <a:rPr lang="en-US" altLang="zh-CN" dirty="0"/>
+              <a:t> </a:t>
+            </a:r>
+            <a:r>
               <a:rPr lang="zh-CN" altLang="en-US" dirty="0"/>
-              <a:t>， 微软推出</a:t>
-            </a:r>
+              <a:t>基础</a:t>
+            </a:r>
+            <a:endParaRPr lang="en-US" altLang="zh-CN" dirty="0"/>
+          </a:p>
+          <a:p>
+            <a:pPr lvl="1"/>
+            <a:r>
+              <a:rPr lang="zh-CN" altLang="en-US" dirty="0"/>
+              <a:t>数据类型</a:t>
+            </a:r>
+            <a:endParaRPr lang="en-US" altLang="zh-CN" dirty="0"/>
+          </a:p>
+          <a:p>
+            <a:pPr lvl="1"/>
+            <a:r>
+              <a:rPr lang="zh-CN" altLang="en-US" dirty="0"/>
+              <a:t>控制流</a:t>
+            </a:r>
+            <a:endParaRPr lang="en-US" altLang="zh-CN" dirty="0"/>
+          </a:p>
+          <a:p>
+            <a:pPr lvl="1"/>
             <a:r>
               <a:rPr lang="en-US" altLang="zh-CN" dirty="0"/>
-              <a:t>JScript</a:t>
+              <a:t>Function</a:t>
+            </a:r>
+          </a:p>
+          <a:p>
+            <a:r>
+              <a:rPr lang="en-US" altLang="zh-CN" dirty="0"/>
+              <a:t>Class(</a:t>
             </a:r>
             <a:r>
               <a:rPr lang="zh-CN" altLang="en-US" dirty="0"/>
-              <a:t>，</a:t>
-            </a:r>
-            <a:r>
-              <a:rPr lang="en-US" altLang="zh-CN" dirty="0" err="1"/>
-              <a:t>CEnvi</a:t>
+              <a:t>类</a:t>
+            </a:r>
+            <a:r>
+              <a:rPr lang="en-US" altLang="zh-CN" dirty="0"/>
+              <a:t>)</a:t>
+            </a:r>
+          </a:p>
+          <a:p>
+            <a:r>
+              <a:rPr lang="en-US" altLang="zh-CN" dirty="0"/>
+              <a:t>Regular-Expression</a:t>
             </a:r>
             <a:r>
               <a:rPr lang="zh-CN" altLang="en-US" dirty="0"/>
-              <a:t>推出</a:t>
-            </a:r>
-            <a:r>
-              <a:rPr lang="en-US" altLang="zh-CN" dirty="0" err="1"/>
-              <a:t>ScriptEase</a:t>
-            </a:r>
-            <a:r>
-              <a:rPr lang="zh-CN" altLang="en-US" dirty="0"/>
-              <a:t>，三家成三足鼎立之势。后经</a:t>
-            </a:r>
+              <a:t>（正则表达式）</a:t>
+            </a:r>
+            <a:endParaRPr lang="en-US" altLang="zh-CN" dirty="0"/>
+          </a:p>
+          <a:p>
             <a:r>
               <a:rPr lang="en-US" altLang="zh-CN" dirty="0"/>
-              <a:t>ECMA</a:t>
-            </a:r>
-            <a:r>
-              <a:rPr lang="zh-CN" altLang="en-US" dirty="0"/>
-              <a:t>（欧洲计算机制造商协会）协商以</a:t>
-            </a:r>
-            <a:r>
-              <a:rPr lang="en-US" altLang="zh-CN" dirty="0"/>
-              <a:t>JavaScript</a:t>
-            </a:r>
-            <a:r>
-              <a:rPr lang="zh-CN" altLang="en-US" dirty="0"/>
-              <a:t>为基础制定了</a:t>
-            </a:r>
-            <a:r>
-              <a:rPr lang="en-US" altLang="zh-CN" dirty="0"/>
-              <a:t>ECMA-262</a:t>
-            </a:r>
-            <a:r>
-              <a:rPr lang="zh-CN" altLang="en-US" dirty="0"/>
-              <a:t>标准，一统为</a:t>
-            </a:r>
-            <a:r>
-              <a:rPr lang="en-US" altLang="zh-CN" dirty="0">
-                <a:solidFill>
-                  <a:srgbClr val="FF0000"/>
-                </a:solidFill>
-              </a:rPr>
-              <a:t>ECMAScript</a:t>
-            </a:r>
-            <a:r>
-              <a:rPr lang="zh-CN" altLang="en-US" dirty="0"/>
-              <a:t>。</a:t>
-            </a:r>
-            <a:endParaRPr lang="en-US" altLang="zh-CN" dirty="0"/>
-          </a:p>
-          <a:p>
-            <a:r>
-              <a:rPr lang="en-US" altLang="zh-CN" dirty="0">
-                <a:solidFill>
-                  <a:srgbClr val="FF0000"/>
-                </a:solidFill>
-              </a:rPr>
-              <a:t>ECMAScript 6</a:t>
-            </a:r>
-          </a:p>
-          <a:p>
-            <a:endParaRPr lang="en-US" altLang="zh-CN" dirty="0"/>
+              <a:t>Selenium WebDriver</a:t>
+            </a:r>
+          </a:p>
+          <a:p>
+            <a:endParaRPr lang="zh-CN" altLang="en-US" dirty="0"/>
           </a:p>
         </p:txBody>
       </p:sp>
     </p:spTree>
     <p:extLst>
       <p:ext uri="{BB962C8B-B14F-4D97-AF65-F5344CB8AC3E}">
-        <p14:creationId xmlns:p14="http://schemas.microsoft.com/office/powerpoint/2010/main" val="1400318511"/>
+        <p14:creationId xmlns:p14="http://schemas.microsoft.com/office/powerpoint/2010/main" val="336344420"/>
       </p:ext>
     </p:extLst>
   </p:cSld>
@@ -14657,7 +14245,7 @@
           <a:p>
             <a:r>
               <a:rPr lang="zh-CN" altLang="en-US" dirty="0"/>
-              <a:t>开发工具</a:t>
+              <a:t>背景与发展</a:t>
             </a:r>
             <a:endParaRPr lang="en-US" dirty="0"/>
           </a:p>
@@ -14676,74 +14264,225 @@
         <p:spPr/>
         <p:txBody>
           <a:bodyPr>
-            <a:normAutofit/>
+            <a:normAutofit fontScale="92500"/>
           </a:bodyPr>
           <a:lstStyle/>
           <a:p>
             <a:r>
               <a:rPr lang="zh-CN" altLang="en-US" dirty="0"/>
-              <a:t>终端</a:t>
+              <a:t>一种</a:t>
+            </a:r>
+            <a:r>
+              <a:rPr lang="zh-CN" altLang="en-US" dirty="0">
+                <a:solidFill>
+                  <a:srgbClr val="FF0000"/>
+                </a:solidFill>
+              </a:rPr>
+              <a:t>直译式脚本语言</a:t>
+            </a:r>
+            <a:r>
+              <a:rPr lang="zh-CN" altLang="en-US" dirty="0"/>
+              <a:t>，是一种</a:t>
+            </a:r>
+            <a:r>
+              <a:rPr lang="zh-CN" altLang="en-US" dirty="0">
+                <a:solidFill>
+                  <a:srgbClr val="FF0000"/>
+                </a:solidFill>
+              </a:rPr>
+              <a:t>动态类型</a:t>
+            </a:r>
+            <a:r>
+              <a:rPr lang="zh-CN" altLang="en-US" dirty="0"/>
+              <a:t>、</a:t>
+            </a:r>
+            <a:r>
+              <a:rPr lang="zh-CN" altLang="en-US" dirty="0">
+                <a:solidFill>
+                  <a:srgbClr val="FF0000"/>
+                </a:solidFill>
+              </a:rPr>
+              <a:t>弱类型</a:t>
+            </a:r>
+            <a:r>
+              <a:rPr lang="zh-CN" altLang="en-US" dirty="0"/>
+              <a:t>、基于原型的语言，内置支持类型。</a:t>
             </a:r>
             <a:endParaRPr lang="en-US" altLang="zh-CN" dirty="0"/>
           </a:p>
           <a:p>
-            <a:pPr lvl="1"/>
             <a:r>
               <a:rPr lang="zh-CN" altLang="en-US" dirty="0"/>
-              <a:t>浏览器 </a:t>
+              <a:t>在</a:t>
             </a:r>
             <a:r>
               <a:rPr lang="en-US" altLang="zh-CN" dirty="0"/>
-              <a:t>Chrome</a:t>
+              <a:t>1995</a:t>
+            </a:r>
+            <a:r>
+              <a:rPr lang="zh-CN" altLang="en-US" dirty="0"/>
+              <a:t>年时，由</a:t>
+            </a:r>
+            <a:r>
+              <a:rPr lang="en-US" altLang="zh-CN" dirty="0"/>
+              <a:t>Netscape</a:t>
+            </a:r>
+            <a:r>
+              <a:rPr lang="zh-CN" altLang="en-US" dirty="0"/>
+              <a:t>公司在网景导航者浏览器上首次设计实现而成。因为</a:t>
+            </a:r>
+            <a:r>
+              <a:rPr lang="en-US" altLang="zh-CN" dirty="0"/>
+              <a:t>Netscape</a:t>
+            </a:r>
+            <a:r>
+              <a:rPr lang="zh-CN" altLang="en-US" dirty="0"/>
+              <a:t>与</a:t>
+            </a:r>
+            <a:r>
+              <a:rPr lang="en-US" altLang="zh-CN" dirty="0"/>
+              <a:t>Sun</a:t>
+            </a:r>
+            <a:r>
+              <a:rPr lang="zh-CN" altLang="en-US" dirty="0"/>
+              <a:t>合作，</a:t>
+            </a:r>
+            <a:r>
+              <a:rPr lang="en-US" altLang="zh-CN" dirty="0"/>
+              <a:t>Netscape</a:t>
+            </a:r>
+            <a:r>
+              <a:rPr lang="zh-CN" altLang="en-US" dirty="0"/>
+              <a:t>管理层希望它外观看起来像</a:t>
+            </a:r>
+            <a:r>
+              <a:rPr lang="en-US" altLang="zh-CN" dirty="0">
+                <a:solidFill>
+                  <a:srgbClr val="FF0000"/>
+                </a:solidFill>
+              </a:rPr>
+              <a:t>Java</a:t>
+            </a:r>
+            <a:r>
+              <a:rPr lang="zh-CN" altLang="en-US" dirty="0"/>
+              <a:t>，因此取名为</a:t>
+            </a:r>
+            <a:r>
+              <a:rPr lang="en-US" altLang="zh-CN" dirty="0">
+                <a:solidFill>
+                  <a:srgbClr val="FF0000"/>
+                </a:solidFill>
+              </a:rPr>
+              <a:t>JavaScript</a:t>
+            </a:r>
+            <a:r>
+              <a:rPr lang="zh-CN" altLang="en-US" dirty="0"/>
+              <a:t>。</a:t>
+            </a:r>
+            <a:endParaRPr lang="en-US" altLang="zh-CN" dirty="0"/>
+          </a:p>
+          <a:p>
+            <a:r>
+              <a:rPr lang="zh-CN" altLang="en-US" dirty="0"/>
+              <a:t>除了</a:t>
+            </a:r>
+            <a:r>
+              <a:rPr lang="en-US" altLang="zh-CN" dirty="0"/>
+              <a:t>Netscape</a:t>
+            </a:r>
+            <a:r>
+              <a:rPr lang="zh-CN" altLang="en-US" dirty="0"/>
+              <a:t>的</a:t>
+            </a:r>
+            <a:r>
+              <a:rPr lang="en-US" altLang="zh-CN" dirty="0" err="1"/>
+              <a:t>Javascript</a:t>
+            </a:r>
+            <a:r>
+              <a:rPr lang="zh-CN" altLang="en-US" dirty="0"/>
+              <a:t>， 微软推出</a:t>
+            </a:r>
+            <a:r>
+              <a:rPr lang="en-US" altLang="zh-CN" dirty="0"/>
+              <a:t>JScript</a:t>
             </a:r>
             <a:r>
               <a:rPr lang="zh-CN" altLang="en-US" dirty="0"/>
               <a:t>，</a:t>
             </a:r>
             <a:r>
+              <a:rPr lang="en-US" altLang="zh-CN" dirty="0" err="1"/>
+              <a:t>CEnvi</a:t>
+            </a:r>
+            <a:r>
+              <a:rPr lang="zh-CN" altLang="en-US" dirty="0"/>
+              <a:t>推出</a:t>
+            </a:r>
+            <a:r>
+              <a:rPr lang="en-US" altLang="zh-CN" dirty="0" err="1"/>
+              <a:t>ScriptEase</a:t>
+            </a:r>
+            <a:r>
+              <a:rPr lang="zh-CN" altLang="en-US" dirty="0"/>
+              <a:t>，三家成三足鼎立之势。后经</a:t>
+            </a:r>
+            <a:r>
               <a:rPr lang="en-US" altLang="zh-CN" dirty="0"/>
-              <a:t>Firefox</a:t>
+              <a:t>ECMA</a:t>
             </a:r>
             <a:r>
               <a:rPr lang="zh-CN" altLang="en-US" dirty="0"/>
-              <a:t>， </a:t>
+              <a:t>（欧洲计算机制造商协会）协商以</a:t>
             </a:r>
             <a:r>
               <a:rPr lang="en-US" altLang="zh-CN" dirty="0"/>
-              <a:t>Edge</a:t>
-            </a:r>
-          </a:p>
-          <a:p>
+              <a:t>JavaScript</a:t>
+            </a:r>
+            <a:r>
+              <a:rPr lang="zh-CN" altLang="en-US" dirty="0"/>
+              <a:t>为基础制定了</a:t>
+            </a:r>
             <a:r>
               <a:rPr lang="en-US" altLang="zh-CN" dirty="0"/>
-              <a:t>IDE </a:t>
+              <a:t>ECMA-262</a:t>
             </a:r>
             <a:r>
               <a:rPr lang="zh-CN" altLang="en-US" dirty="0"/>
-              <a:t>（整合开发环境）</a:t>
+              <a:t>标准，一统为</a:t>
+            </a:r>
+            <a:r>
+              <a:rPr lang="en-US" altLang="zh-CN" dirty="0">
+                <a:solidFill>
+                  <a:srgbClr val="FF0000"/>
+                </a:solidFill>
+              </a:rPr>
+              <a:t>ECMAScript</a:t>
+            </a:r>
+            <a:r>
+              <a:rPr lang="zh-CN" altLang="en-US" dirty="0"/>
+              <a:t>。</a:t>
             </a:r>
             <a:endParaRPr lang="en-US" altLang="zh-CN" dirty="0"/>
           </a:p>
           <a:p>
-            <a:pPr lvl="1"/>
-            <a:r>
-              <a:rPr lang="en-US" altLang="zh-CN" dirty="0"/>
-              <a:t>Visual Studio Code</a:t>
-            </a:r>
-          </a:p>
-          <a:p>
-            <a:pPr lvl="1"/>
-            <a:r>
-              <a:rPr lang="en-US" altLang="zh-CN" dirty="0"/>
-              <a:t>Nodejs</a:t>
-            </a:r>
+            <a:r>
+              <a:rPr lang="en-US" altLang="zh-CN" dirty="0">
+                <a:solidFill>
+                  <a:srgbClr val="FF0000"/>
+                </a:solidFill>
+              </a:rPr>
+              <a:t>ECMAScript 6</a:t>
+            </a:r>
+          </a:p>
+          <a:p>
+            <a:endParaRPr lang="en-US" altLang="zh-CN" dirty="0"/>
           </a:p>
         </p:txBody>
       </p:sp>
     </p:spTree>
     <p:extLst>
       <p:ext uri="{BB962C8B-B14F-4D97-AF65-F5344CB8AC3E}">
-        <p14:creationId xmlns:p14="http://schemas.microsoft.com/office/powerpoint/2010/main" val="2757521511"/>
+        <p14:creationId xmlns:p14="http://schemas.microsoft.com/office/powerpoint/2010/main" val="1400318511"/>
       </p:ext>
     </p:extLst>
   </p:cSld>
@@ -14786,16 +14525,8 @@
           <a:lstStyle/>
           <a:p>
             <a:r>
-              <a:rPr lang="en-US" altLang="zh-CN" dirty="0" err="1"/>
-              <a:t>Javascript</a:t>
-            </a:r>
-            <a:r>
-              <a:rPr lang="en-US" altLang="zh-CN" dirty="0"/>
-              <a:t> </a:t>
-            </a:r>
-            <a:r>
               <a:rPr lang="zh-CN" altLang="en-US" dirty="0"/>
-              <a:t>基础</a:t>
+              <a:t>开发工具</a:t>
             </a:r>
             <a:endParaRPr lang="en-US" dirty="0"/>
           </a:p>
@@ -14813,50 +14544,85 @@
         </p:nvSpPr>
         <p:spPr/>
         <p:txBody>
-          <a:bodyPr/>
+          <a:bodyPr>
+            <a:normAutofit/>
+          </a:bodyPr>
           <a:lstStyle/>
           <a:p>
             <a:r>
               <a:rPr lang="zh-CN" altLang="en-US" dirty="0"/>
-              <a:t>数据类型</a:t>
+              <a:t>终端 </a:t>
+            </a:r>
+            <a:r>
+              <a:rPr lang="en-US" altLang="zh-CN" dirty="0"/>
+              <a:t>(Developer Tool #F12)</a:t>
+            </a:r>
+          </a:p>
+          <a:p>
+            <a:pPr lvl="1"/>
+            <a:r>
+              <a:rPr lang="zh-CN" altLang="en-US" dirty="0"/>
+              <a:t>浏览器 </a:t>
+            </a:r>
+            <a:r>
+              <a:rPr lang="en-US" altLang="zh-CN" dirty="0"/>
+              <a:t>Chrome</a:t>
+            </a:r>
+            <a:r>
+              <a:rPr lang="zh-CN" altLang="en-US" dirty="0"/>
+              <a:t>，</a:t>
+            </a:r>
+            <a:r>
+              <a:rPr lang="en-US" altLang="zh-CN" dirty="0"/>
+              <a:t>Firefox</a:t>
+            </a:r>
+            <a:r>
+              <a:rPr lang="zh-CN" altLang="en-US" dirty="0"/>
+              <a:t>， </a:t>
+            </a:r>
+            <a:r>
+              <a:rPr lang="en-US" altLang="zh-CN" dirty="0"/>
+              <a:t>Edge</a:t>
+            </a:r>
+          </a:p>
+          <a:p>
+            <a:r>
+              <a:rPr lang="en-US" altLang="zh-CN" dirty="0"/>
+              <a:t>IDE </a:t>
+            </a:r>
+            <a:r>
+              <a:rPr lang="zh-CN" altLang="en-US" dirty="0"/>
+              <a:t>（整合开发环境）</a:t>
             </a:r>
             <a:endParaRPr lang="en-US" altLang="zh-CN" dirty="0"/>
           </a:p>
           <a:p>
-            <a:r>
-              <a:rPr lang="zh-CN" altLang="en-US" dirty="0"/>
-              <a:t>运算符</a:t>
-            </a:r>
-            <a:endParaRPr lang="en-US" altLang="zh-CN" dirty="0"/>
-          </a:p>
-          <a:p>
-            <a:r>
-              <a:rPr lang="zh-CN" altLang="en-US" dirty="0"/>
-              <a:t>表达式</a:t>
-            </a:r>
-            <a:endParaRPr lang="en-US" altLang="zh-CN" dirty="0"/>
-          </a:p>
-          <a:p>
-            <a:r>
-              <a:rPr lang="zh-CN" altLang="en-US" dirty="0"/>
-              <a:t>自学</a:t>
-            </a:r>
+            <a:pPr lvl="1"/>
             <a:r>
               <a:rPr lang="en-US" altLang="zh-CN" dirty="0"/>
-              <a:t> – </a:t>
-            </a:r>
-            <a:r>
-              <a:rPr lang="zh-CN" altLang="en-US" dirty="0"/>
-              <a:t>举一反三</a:t>
-            </a:r>
-            <a:endParaRPr lang="en-US" altLang="zh-CN" dirty="0"/>
+              <a:t>Visual Studio Code</a:t>
+            </a:r>
+          </a:p>
+          <a:p>
+            <a:pPr lvl="1"/>
+            <a:r>
+              <a:rPr lang="en-US" altLang="zh-CN" dirty="0"/>
+              <a:t>Nodejs</a:t>
+            </a:r>
+          </a:p>
+          <a:p>
+            <a:pPr lvl="1"/>
+            <a:r>
+              <a:rPr lang="en-US" altLang="zh-CN" dirty="0"/>
+              <a:t>Git</a:t>
+            </a:r>
           </a:p>
         </p:txBody>
       </p:sp>
     </p:spTree>
     <p:extLst>
       <p:ext uri="{BB962C8B-B14F-4D97-AF65-F5344CB8AC3E}">
-        <p14:creationId xmlns:p14="http://schemas.microsoft.com/office/powerpoint/2010/main" val="2110073569"/>
+        <p14:creationId xmlns:p14="http://schemas.microsoft.com/office/powerpoint/2010/main" val="2757521511"/>
       </p:ext>
     </p:extLst>
   </p:cSld>
@@ -14885,459 +14651,418 @@
       </p:grpSpPr>
       <p:sp>
         <p:nvSpPr>
-          <p:cNvPr id="4" name="标题 1"/>
+          <p:cNvPr id="2" name="Title 1"/>
           <p:cNvSpPr>
             <a:spLocks noGrp="1"/>
           </p:cNvSpPr>
-          <p:nvPr/>
+          <p:nvPr>
+            <p:ph type="title"/>
+          </p:nvPr>
+        </p:nvSpPr>
+        <p:spPr/>
+        <p:txBody>
+          <a:bodyPr>
+            <a:normAutofit/>
+          </a:bodyPr>
+          <a:lstStyle/>
+          <a:p>
+            <a:r>
+              <a:rPr lang="zh-CN" altLang="en-US" dirty="0"/>
+              <a:t>故事一 </a:t>
+            </a:r>
+            <a:r>
+              <a:rPr lang="en-US" altLang="zh-CN" dirty="0"/>
+              <a:t>Peter &amp; Mary</a:t>
+            </a:r>
+            <a:endParaRPr lang="en-US" dirty="0"/>
+          </a:p>
+        </p:txBody>
+      </p:sp>
+      <p:graphicFrame>
+        <p:nvGraphicFramePr>
+          <p:cNvPr id="10" name="内容占位符 9">
+            <a:extLst>
+              <a:ext uri="{FF2B5EF4-FFF2-40B4-BE49-F238E27FC236}">
+                <a16:creationId xmlns:a16="http://schemas.microsoft.com/office/drawing/2014/main" id="{AD0C6BAE-E1B2-4452-9E35-0A099425BA9F}"/>
+              </a:ext>
+            </a:extLst>
+          </p:cNvPr>
+          <p:cNvGraphicFramePr>
+            <a:graphicFrameLocks noGrp="1"/>
+          </p:cNvGraphicFramePr>
+          <p:nvPr>
+            <p:ph sz="half" idx="2"/>
+            <p:extLst>
+              <p:ext uri="{D42A27DB-BD31-4B8C-83A1-F6EECF244321}">
+                <p14:modId xmlns:p14="http://schemas.microsoft.com/office/powerpoint/2010/main" val="3575849357"/>
+              </p:ext>
+            </p:extLst>
+          </p:nvPr>
+        </p:nvGraphicFramePr>
+        <p:xfrm>
+          <a:off x="4646141" y="2362201"/>
+          <a:ext cx="6981567" cy="3814762"/>
+        </p:xfrm>
+        <a:graphic>
+          <a:graphicData uri="http://schemas.openxmlformats.org/drawingml/2006/table">
+            <a:tbl>
+              <a:tblPr firstRow="1" bandRow="1">
+                <a:tableStyleId>{5C22544A-7EE6-4342-B048-85BDC9FD1C3A}</a:tableStyleId>
+              </a:tblPr>
+              <a:tblGrid>
+                <a:gridCol w="2327189">
+                  <a:extLst>
+                    <a:ext uri="{9D8B030D-6E8A-4147-A177-3AD203B41FA5}">
+                      <a16:colId xmlns:a16="http://schemas.microsoft.com/office/drawing/2014/main" val="2766605109"/>
+                    </a:ext>
+                  </a:extLst>
+                </a:gridCol>
+                <a:gridCol w="2327189">
+                  <a:extLst>
+                    <a:ext uri="{9D8B030D-6E8A-4147-A177-3AD203B41FA5}">
+                      <a16:colId xmlns:a16="http://schemas.microsoft.com/office/drawing/2014/main" val="2038205503"/>
+                    </a:ext>
+                  </a:extLst>
+                </a:gridCol>
+                <a:gridCol w="2327189">
+                  <a:extLst>
+                    <a:ext uri="{9D8B030D-6E8A-4147-A177-3AD203B41FA5}">
+                      <a16:colId xmlns:a16="http://schemas.microsoft.com/office/drawing/2014/main" val="2155836710"/>
+                    </a:ext>
+                  </a:extLst>
+                </a:gridCol>
+              </a:tblGrid>
+              <a:tr h="859405">
+                <a:tc gridSpan="3">
+                  <a:txBody>
+                    <a:bodyPr/>
+                    <a:lstStyle/>
+                    <a:p>
+                      <a:r>
+                        <a:rPr lang="en-US" altLang="zh-CN" sz="4800" dirty="0"/>
+                        <a:t>Peter</a:t>
+                      </a:r>
+                      <a:endParaRPr lang="zh-CN" altLang="en-US" sz="4800" dirty="0"/>
+                    </a:p>
+                  </a:txBody>
+                  <a:tcPr/>
+                </a:tc>
+                <a:tc hMerge="1">
+                  <a:txBody>
+                    <a:bodyPr/>
+                    <a:lstStyle/>
+                    <a:p>
+                      <a:endParaRPr lang="zh-CN" altLang="en-US" dirty="0"/>
+                    </a:p>
+                  </a:txBody>
+                  <a:tcPr marL="45057" marR="45057"/>
+                </a:tc>
+                <a:tc hMerge="1">
+                  <a:txBody>
+                    <a:bodyPr/>
+                    <a:lstStyle/>
+                    <a:p>
+                      <a:endParaRPr lang="zh-CN" altLang="en-US" dirty="0"/>
+                    </a:p>
+                  </a:txBody>
+                  <a:tcPr marL="45057" marR="45057"/>
+                </a:tc>
+                <a:extLst>
+                  <a:ext uri="{0D108BD9-81ED-4DB2-BD59-A6C34878D82A}">
+                    <a16:rowId xmlns:a16="http://schemas.microsoft.com/office/drawing/2014/main" val="2653353577"/>
+                  </a:ext>
+                </a:extLst>
+              </a:tr>
+              <a:tr h="410154">
+                <a:tc>
+                  <a:txBody>
+                    <a:bodyPr/>
+                    <a:lstStyle/>
+                    <a:p>
+                      <a:r>
+                        <a:rPr lang="en-US" altLang="zh-CN" dirty="0"/>
+                        <a:t>name</a:t>
+                      </a:r>
+                      <a:endParaRPr lang="zh-CN" altLang="en-US" dirty="0"/>
+                    </a:p>
+                  </a:txBody>
+                  <a:tcPr/>
+                </a:tc>
+                <a:tc>
+                  <a:txBody>
+                    <a:bodyPr/>
+                    <a:lstStyle/>
+                    <a:p>
+                      <a:r>
+                        <a:rPr lang="en-US" altLang="zh-CN" dirty="0"/>
+                        <a:t>'Peter'</a:t>
+                      </a:r>
+                      <a:endParaRPr lang="zh-CN" altLang="en-US" dirty="0"/>
+                    </a:p>
+                  </a:txBody>
+                  <a:tcPr/>
+                </a:tc>
+                <a:tc>
+                  <a:txBody>
+                    <a:bodyPr/>
+                    <a:lstStyle/>
+                    <a:p>
+                      <a:r>
+                        <a:rPr lang="en-US" altLang="zh-CN" dirty="0"/>
+                        <a:t>String</a:t>
+                      </a:r>
+                    </a:p>
+                  </a:txBody>
+                  <a:tcPr/>
+                </a:tc>
+                <a:extLst>
+                  <a:ext uri="{0D108BD9-81ED-4DB2-BD59-A6C34878D82A}">
+                    <a16:rowId xmlns:a16="http://schemas.microsoft.com/office/drawing/2014/main" val="675501915"/>
+                  </a:ext>
+                </a:extLst>
+              </a:tr>
+              <a:tr h="410154">
+                <a:tc>
+                  <a:txBody>
+                    <a:bodyPr/>
+                    <a:lstStyle/>
+                    <a:p>
+                      <a:r>
+                        <a:rPr lang="en-US" altLang="zh-CN" dirty="0"/>
+                        <a:t>age</a:t>
+                      </a:r>
+                      <a:endParaRPr lang="zh-CN" altLang="en-US" dirty="0"/>
+                    </a:p>
+                  </a:txBody>
+                  <a:tcPr/>
+                </a:tc>
+                <a:tc>
+                  <a:txBody>
+                    <a:bodyPr/>
+                    <a:lstStyle/>
+                    <a:p>
+                      <a:r>
+                        <a:rPr lang="en-US" altLang="zh-CN" dirty="0"/>
+                        <a:t>30</a:t>
+                      </a:r>
+                      <a:endParaRPr lang="zh-CN" altLang="en-US" dirty="0"/>
+                    </a:p>
+                  </a:txBody>
+                  <a:tcPr/>
+                </a:tc>
+                <a:tc>
+                  <a:txBody>
+                    <a:bodyPr/>
+                    <a:lstStyle/>
+                    <a:p>
+                      <a:r>
+                        <a:rPr lang="en-US" altLang="zh-CN" dirty="0"/>
+                        <a:t>Number</a:t>
+                      </a:r>
+                      <a:endParaRPr lang="zh-CN" altLang="en-US" dirty="0"/>
+                    </a:p>
+                  </a:txBody>
+                  <a:tcPr/>
+                </a:tc>
+                <a:extLst>
+                  <a:ext uri="{0D108BD9-81ED-4DB2-BD59-A6C34878D82A}">
+                    <a16:rowId xmlns:a16="http://schemas.microsoft.com/office/drawing/2014/main" val="2849285873"/>
+                  </a:ext>
+                </a:extLst>
+              </a:tr>
+              <a:tr h="410154">
+                <a:tc>
+                  <a:txBody>
+                    <a:bodyPr/>
+                    <a:lstStyle/>
+                    <a:p>
+                      <a:r>
+                        <a:rPr lang="en-US" altLang="zh-CN" dirty="0"/>
+                        <a:t>employed</a:t>
+                      </a:r>
+                      <a:endParaRPr lang="zh-CN" altLang="en-US" dirty="0"/>
+                    </a:p>
+                  </a:txBody>
+                  <a:tcPr/>
+                </a:tc>
+                <a:tc>
+                  <a:txBody>
+                    <a:bodyPr/>
+                    <a:lstStyle/>
+                    <a:p>
+                      <a:r>
+                        <a:rPr lang="en-US" altLang="zh-CN" dirty="0"/>
+                        <a:t>True</a:t>
+                      </a:r>
+                      <a:endParaRPr lang="zh-CN" altLang="en-US" dirty="0"/>
+                    </a:p>
+                  </a:txBody>
+                  <a:tcPr/>
+                </a:tc>
+                <a:tc>
+                  <a:txBody>
+                    <a:bodyPr/>
+                    <a:lstStyle/>
+                    <a:p>
+                      <a:r>
+                        <a:rPr lang="en-US" altLang="zh-CN" dirty="0"/>
+                        <a:t>Boolean</a:t>
+                      </a:r>
+                      <a:endParaRPr lang="zh-CN" altLang="en-US" dirty="0"/>
+                    </a:p>
+                  </a:txBody>
+                  <a:tcPr/>
+                </a:tc>
+                <a:extLst>
+                  <a:ext uri="{0D108BD9-81ED-4DB2-BD59-A6C34878D82A}">
+                    <a16:rowId xmlns:a16="http://schemas.microsoft.com/office/drawing/2014/main" val="2027168054"/>
+                  </a:ext>
+                </a:extLst>
+              </a:tr>
+              <a:tr h="410154">
+                <a:tc>
+                  <a:txBody>
+                    <a:bodyPr/>
+                    <a:lstStyle/>
+                    <a:p>
+                      <a:r>
+                        <a:rPr lang="en-US" altLang="zh-CN" dirty="0"/>
+                        <a:t>location</a:t>
+                      </a:r>
+                      <a:endParaRPr lang="zh-CN" altLang="en-US" dirty="0"/>
+                    </a:p>
+                  </a:txBody>
+                  <a:tcPr/>
+                </a:tc>
+                <a:tc>
+                  <a:txBody>
+                    <a:bodyPr/>
+                    <a:lstStyle/>
+                    <a:p>
+                      <a:r>
+                        <a:rPr lang="en-US" altLang="zh-CN" dirty="0"/>
+                        <a:t>[11,4,1]</a:t>
+                      </a:r>
+                      <a:endParaRPr lang="zh-CN" altLang="en-US" dirty="0"/>
+                    </a:p>
+                  </a:txBody>
+                  <a:tcPr/>
+                </a:tc>
+                <a:tc>
+                  <a:txBody>
+                    <a:bodyPr/>
+                    <a:lstStyle/>
+                    <a:p>
+                      <a:r>
+                        <a:rPr lang="en-US" altLang="zh-CN" dirty="0"/>
+                        <a:t>Array</a:t>
+                      </a:r>
+                      <a:endParaRPr lang="zh-CN" altLang="en-US" dirty="0"/>
+                    </a:p>
+                  </a:txBody>
+                  <a:tcPr/>
+                </a:tc>
+                <a:extLst>
+                  <a:ext uri="{0D108BD9-81ED-4DB2-BD59-A6C34878D82A}">
+                    <a16:rowId xmlns:a16="http://schemas.microsoft.com/office/drawing/2014/main" val="99587776"/>
+                  </a:ext>
+                </a:extLst>
+              </a:tr>
+              <a:tr h="1314741">
+                <a:tc>
+                  <a:txBody>
+                    <a:bodyPr/>
+                    <a:lstStyle/>
+                    <a:p>
+                      <a:r>
+                        <a:rPr lang="en-US" altLang="zh-CN" dirty="0"/>
+                        <a:t>people</a:t>
+                      </a:r>
+                      <a:endParaRPr lang="zh-CN" altLang="en-US" dirty="0"/>
+                    </a:p>
+                  </a:txBody>
+                  <a:tcPr/>
+                </a:tc>
+                <a:tc>
+                  <a:txBody>
+                    <a:bodyPr/>
+                    <a:lstStyle/>
+                    <a:p>
+                      <a:r>
+                        <a:rPr lang="en-US" altLang="zh-CN" dirty="0"/>
+                        <a:t>{name: ‘Peter’, age: 30, </a:t>
+                      </a:r>
+                      <a:r>
+                        <a:rPr lang="en-US" altLang="zh-CN" dirty="0" err="1"/>
+                        <a:t>employed:true</a:t>
+                      </a:r>
+                      <a:r>
+                        <a:rPr lang="en-US" altLang="zh-CN" dirty="0"/>
+                        <a:t>, location: [11,4,1]}</a:t>
+                      </a:r>
+                      <a:endParaRPr lang="zh-CN" altLang="en-US" dirty="0"/>
+                    </a:p>
+                  </a:txBody>
+                  <a:tcPr/>
+                </a:tc>
+                <a:tc>
+                  <a:txBody>
+                    <a:bodyPr/>
+                    <a:lstStyle/>
+                    <a:p>
+                      <a:r>
+                        <a:rPr lang="en-US" altLang="zh-CN" dirty="0"/>
+                        <a:t>Object</a:t>
+                      </a:r>
+                      <a:endParaRPr lang="zh-CN" altLang="en-US" dirty="0"/>
+                    </a:p>
+                  </a:txBody>
+                  <a:tcPr/>
+                </a:tc>
+                <a:extLst>
+                  <a:ext uri="{0D108BD9-81ED-4DB2-BD59-A6C34878D82A}">
+                    <a16:rowId xmlns:a16="http://schemas.microsoft.com/office/drawing/2014/main" val="3372040586"/>
+                  </a:ext>
+                </a:extLst>
+              </a:tr>
+            </a:tbl>
+          </a:graphicData>
+        </a:graphic>
+      </p:graphicFrame>
+      <p:sp>
+        <p:nvSpPr>
+          <p:cNvPr id="9" name="内容占位符 8">
+            <a:extLst>
+              <a:ext uri="{FF2B5EF4-FFF2-40B4-BE49-F238E27FC236}">
+                <a16:creationId xmlns:a16="http://schemas.microsoft.com/office/drawing/2014/main" id="{E4241AEB-CD24-42A6-A569-903D820BF051}"/>
+              </a:ext>
+            </a:extLst>
+          </p:cNvPr>
+          <p:cNvSpPr>
+            <a:spLocks noGrp="1"/>
+          </p:cNvSpPr>
+          <p:nvPr>
+            <p:ph sz="half" idx="1"/>
+          </p:nvPr>
         </p:nvSpPr>
         <p:spPr>
           <a:xfrm>
-            <a:off x="1295400" y="841135"/>
-            <a:ext cx="9601200" cy="1142385"/>
+            <a:off x="838200" y="2362199"/>
+            <a:ext cx="3597876" cy="3814763"/>
           </a:xfrm>
-          <a:prstGeom prst="rect">
-            <a:avLst/>
-          </a:prstGeom>
         </p:spPr>
         <p:txBody>
-          <a:bodyPr vert="horz" lIns="91440" tIns="45720" rIns="91440" bIns="45720" rtlCol="0" anchor="b">
+          <a:bodyPr anchor="t">
             <a:normAutofit/>
           </a:bodyPr>
-          <a:lstStyle>
-            <a:lvl1pPr algn="l" defTabSz="914400" rtl="0" eaLnBrk="1" latinLnBrk="0" hangingPunct="1">
-              <a:lnSpc>
-                <a:spcPct val="90000"/>
-              </a:lnSpc>
-              <a:spcBef>
-                <a:spcPct val="0"/>
-              </a:spcBef>
+          <a:lstStyle/>
+          <a:p>
+            <a:pPr marL="0" indent="0" algn="ctr">
               <a:buNone/>
-              <a:defRPr lang="zh-CN" sz="3200" b="1" kern="1200">
-                <a:solidFill>
-                  <a:schemeClr val="accent1"/>
-                </a:solidFill>
-                <a:latin typeface="+mj-lt"/>
-                <a:ea typeface="Microsoft YaHei UI" panose="020B0503020204020204" pitchFamily="34" charset="-122"/>
-                <a:cs typeface="+mj-cs"/>
-              </a:defRPr>
-            </a:lvl1pPr>
-          </a:lstStyle>
-          <a:p>
-            <a:r>
-              <a:rPr lang="zh-CN" altLang="en-US" dirty="0"/>
-              <a:t>数据类型</a:t>
-            </a:r>
-          </a:p>
-        </p:txBody>
-      </p:sp>
-      <p:sp>
-        <p:nvSpPr>
-          <p:cNvPr id="5" name="内容占位符 2"/>
-          <p:cNvSpPr>
-            <a:spLocks noGrp="1"/>
-          </p:cNvSpPr>
-          <p:nvPr/>
-        </p:nvSpPr>
-        <p:spPr>
-          <a:xfrm>
-            <a:off x="5558307" y="1983519"/>
-            <a:ext cx="3482662" cy="4033345"/>
-          </a:xfrm>
-          <a:prstGeom prst="rect">
-            <a:avLst/>
-          </a:prstGeom>
-        </p:spPr>
-        <p:txBody>
-          <a:bodyPr vert="horz" lIns="91440" tIns="45720" rIns="91440" bIns="45720" rtlCol="0">
-            <a:normAutofit fontScale="92500" lnSpcReduction="20000"/>
-          </a:bodyPr>
-          <a:lstStyle>
-            <a:lvl1pPr marL="228600" indent="-228600" algn="l" defTabSz="914400" rtl="0" eaLnBrk="1" latinLnBrk="0" hangingPunct="1">
-              <a:lnSpc>
-                <a:spcPct val="90000"/>
-              </a:lnSpc>
-              <a:spcBef>
-                <a:spcPts val="1800"/>
-              </a:spcBef>
-              <a:buClr>
-                <a:schemeClr val="accent1"/>
-              </a:buClr>
-              <a:buSzPct val="100000"/>
-              <a:buFont typeface="Arial" pitchFamily="34" charset="0"/>
-              <a:buChar char="▪"/>
-              <a:defRPr lang="zh-CN" sz="2000" kern="1200">
-                <a:solidFill>
-                  <a:schemeClr val="tx1"/>
-                </a:solidFill>
-                <a:latin typeface="+mn-lt"/>
-                <a:ea typeface="Microsoft YaHei UI" panose="020B0503020204020204" pitchFamily="34" charset="-122"/>
-                <a:cs typeface="+mn-cs"/>
-              </a:defRPr>
-            </a:lvl1pPr>
-            <a:lvl2pPr marL="457200" indent="-182880" algn="l" defTabSz="914400" rtl="0" eaLnBrk="1" latinLnBrk="0" hangingPunct="1">
-              <a:lnSpc>
-                <a:spcPct val="90000"/>
-              </a:lnSpc>
-              <a:spcBef>
-                <a:spcPts val="1200"/>
-              </a:spcBef>
-              <a:buClr>
-                <a:schemeClr val="accent1"/>
-              </a:buClr>
-              <a:buSzPct val="100000"/>
-              <a:buFont typeface="Arial" pitchFamily="34" charset="0"/>
-              <a:buChar char="▪"/>
-              <a:defRPr lang="zh-CN" sz="1800" kern="1200">
-                <a:solidFill>
-                  <a:schemeClr val="tx1"/>
-                </a:solidFill>
-                <a:latin typeface="+mn-lt"/>
-                <a:ea typeface="Microsoft YaHei UI" panose="020B0503020204020204" pitchFamily="34" charset="-122"/>
-                <a:cs typeface="+mn-cs"/>
-              </a:defRPr>
-            </a:lvl2pPr>
-            <a:lvl3pPr marL="685800" indent="-179388" algn="l" defTabSz="914400" rtl="0" eaLnBrk="1" latinLnBrk="0" hangingPunct="1">
-              <a:lnSpc>
-                <a:spcPct val="90000"/>
-              </a:lnSpc>
-              <a:spcBef>
-                <a:spcPts val="800"/>
-              </a:spcBef>
-              <a:buClr>
-                <a:schemeClr val="accent1"/>
-              </a:buClr>
-              <a:buSzPct val="100000"/>
-              <a:buFont typeface="Arial" pitchFamily="34" charset="0"/>
-              <a:buChar char="▪"/>
-              <a:defRPr lang="zh-CN" sz="1600" kern="1200">
-                <a:solidFill>
-                  <a:schemeClr val="tx1"/>
-                </a:solidFill>
-                <a:latin typeface="+mn-lt"/>
-                <a:ea typeface="Microsoft YaHei UI" panose="020B0503020204020204" pitchFamily="34" charset="-122"/>
-                <a:cs typeface="+mn-cs"/>
-              </a:defRPr>
-            </a:lvl3pPr>
-            <a:lvl4pPr marL="914400" indent="-182880" algn="l" defTabSz="914400" rtl="0" eaLnBrk="1" latinLnBrk="0" hangingPunct="1">
-              <a:lnSpc>
-                <a:spcPct val="90000"/>
-              </a:lnSpc>
-              <a:spcBef>
-                <a:spcPts val="800"/>
-              </a:spcBef>
-              <a:buClr>
-                <a:schemeClr val="accent1"/>
-              </a:buClr>
-              <a:buSzPct val="100000"/>
-              <a:buFont typeface="Arial" pitchFamily="34" charset="0"/>
-              <a:buChar char="▪"/>
-              <a:defRPr lang="zh-CN" sz="1400" kern="1200">
-                <a:solidFill>
-                  <a:schemeClr val="tx1"/>
-                </a:solidFill>
-                <a:latin typeface="+mn-lt"/>
-                <a:ea typeface="Microsoft YaHei UI" panose="020B0503020204020204" pitchFamily="34" charset="-122"/>
-                <a:cs typeface="+mn-cs"/>
-              </a:defRPr>
-            </a:lvl4pPr>
-            <a:lvl5pPr marL="1143000" indent="-179388" algn="l" defTabSz="914400" rtl="0" eaLnBrk="1" latinLnBrk="0" hangingPunct="1">
-              <a:lnSpc>
-                <a:spcPct val="90000"/>
-              </a:lnSpc>
-              <a:spcBef>
-                <a:spcPts val="600"/>
-              </a:spcBef>
-              <a:buClr>
-                <a:schemeClr val="accent1"/>
-              </a:buClr>
-              <a:buSzPct val="100000"/>
-              <a:buFont typeface="Arial" pitchFamily="34" charset="0"/>
-              <a:buChar char="▪"/>
-              <a:defRPr lang="zh-CN" sz="1400" kern="1200">
-                <a:solidFill>
-                  <a:schemeClr val="tx1"/>
-                </a:solidFill>
-                <a:latin typeface="+mn-lt"/>
-                <a:ea typeface="Microsoft YaHei UI" panose="020B0503020204020204" pitchFamily="34" charset="-122"/>
-                <a:cs typeface="+mn-cs"/>
-              </a:defRPr>
-            </a:lvl5pPr>
-            <a:lvl6pPr marL="1371600" indent="-182880" algn="l" defTabSz="914400" rtl="0" eaLnBrk="1" latinLnBrk="0" hangingPunct="1">
-              <a:lnSpc>
-                <a:spcPct val="90000"/>
-              </a:lnSpc>
-              <a:spcBef>
-                <a:spcPts val="600"/>
-              </a:spcBef>
-              <a:buClr>
-                <a:schemeClr val="accent1"/>
-              </a:buClr>
-              <a:buSzPct val="100000"/>
-              <a:buFont typeface="Arial" pitchFamily="34" charset="0"/>
-              <a:buChar char="▪"/>
-              <a:defRPr lang="zh-CN" sz="1400" kern="1200">
-                <a:solidFill>
-                  <a:schemeClr val="tx1"/>
-                </a:solidFill>
-                <a:latin typeface="+mn-lt"/>
-                <a:ea typeface="+mn-ea"/>
-                <a:cs typeface="+mn-cs"/>
-              </a:defRPr>
-            </a:lvl6pPr>
-            <a:lvl7pPr marL="1600200" indent="-179388" algn="l" defTabSz="914400" rtl="0" eaLnBrk="1" latinLnBrk="0" hangingPunct="1">
-              <a:lnSpc>
-                <a:spcPct val="90000"/>
-              </a:lnSpc>
-              <a:spcBef>
-                <a:spcPts val="600"/>
-              </a:spcBef>
-              <a:buClr>
-                <a:schemeClr val="accent1"/>
-              </a:buClr>
-              <a:buSzPct val="100000"/>
-              <a:buFont typeface="Arial" pitchFamily="34" charset="0"/>
-              <a:buChar char="▪"/>
-              <a:defRPr lang="zh-CN" sz="1400" kern="1200">
-                <a:solidFill>
-                  <a:schemeClr val="tx1"/>
-                </a:solidFill>
-                <a:latin typeface="+mn-lt"/>
-                <a:ea typeface="+mn-ea"/>
-                <a:cs typeface="+mn-cs"/>
-              </a:defRPr>
-            </a:lvl7pPr>
-            <a:lvl8pPr marL="1828800" indent="-182880" algn="l" defTabSz="914400" rtl="0" eaLnBrk="1" latinLnBrk="0" hangingPunct="1">
-              <a:lnSpc>
-                <a:spcPct val="90000"/>
-              </a:lnSpc>
-              <a:spcBef>
-                <a:spcPts val="600"/>
-              </a:spcBef>
-              <a:buClr>
-                <a:schemeClr val="accent1"/>
-              </a:buClr>
-              <a:buSzPct val="100000"/>
-              <a:buFont typeface="Arial" pitchFamily="34" charset="0"/>
-              <a:buChar char="▪"/>
-              <a:defRPr lang="zh-CN" sz="1400" kern="1200">
-                <a:solidFill>
-                  <a:schemeClr val="tx1"/>
-                </a:solidFill>
-                <a:latin typeface="+mn-lt"/>
-                <a:ea typeface="+mn-ea"/>
-                <a:cs typeface="+mn-cs"/>
-              </a:defRPr>
-            </a:lvl8pPr>
-            <a:lvl9pPr marL="2057400" indent="-179388" algn="l" defTabSz="914400" rtl="0" eaLnBrk="1" latinLnBrk="0" hangingPunct="1">
-              <a:lnSpc>
-                <a:spcPct val="90000"/>
-              </a:lnSpc>
-              <a:spcBef>
-                <a:spcPts val="600"/>
-              </a:spcBef>
-              <a:buClr>
-                <a:schemeClr val="accent1"/>
-              </a:buClr>
-              <a:buSzPct val="100000"/>
-              <a:buFont typeface="Arial" pitchFamily="34" charset="0"/>
-              <a:buChar char="▪"/>
-              <a:defRPr lang="zh-CN" sz="1400" kern="1200">
-                <a:solidFill>
-                  <a:schemeClr val="tx1"/>
-                </a:solidFill>
-                <a:latin typeface="+mn-lt"/>
-                <a:ea typeface="+mn-ea"/>
-                <a:cs typeface="+mn-cs"/>
-              </a:defRPr>
-            </a:lvl9pPr>
-          </a:lstStyle>
-          <a:p>
-            <a:r>
-              <a:rPr lang="en-US" altLang="zh-CN" dirty="0"/>
-              <a:t>number</a:t>
-            </a:r>
-          </a:p>
-          <a:p>
-            <a:r>
-              <a:rPr lang="en-US" altLang="zh-CN" dirty="0"/>
-              <a:t>string</a:t>
-            </a:r>
-          </a:p>
-          <a:p>
-            <a:r>
-              <a:rPr lang="en-US" altLang="zh-CN" dirty="0" err="1"/>
-              <a:t>boolean</a:t>
-            </a:r>
-            <a:endParaRPr lang="en-US" altLang="zh-CN" dirty="0"/>
-          </a:p>
-          <a:p>
-            <a:r>
-              <a:rPr lang="en-US" altLang="zh-CN" dirty="0"/>
-              <a:t>null</a:t>
-            </a:r>
-          </a:p>
-          <a:p>
-            <a:r>
-              <a:rPr lang="en-US" altLang="zh-CN" dirty="0"/>
-              <a:t>undefined</a:t>
-            </a:r>
-          </a:p>
-          <a:p>
-            <a:r>
-              <a:rPr lang="en-US" altLang="zh-CN" dirty="0"/>
-              <a:t>object</a:t>
-            </a:r>
-          </a:p>
-          <a:p>
-            <a:pPr lvl="1"/>
-            <a:r>
-              <a:rPr lang="en-US" altLang="zh-CN" dirty="0"/>
-              <a:t>function</a:t>
-            </a:r>
-          </a:p>
-          <a:p>
-            <a:pPr lvl="1"/>
-            <a:r>
-              <a:rPr lang="en-US" altLang="zh-CN" dirty="0"/>
-              <a:t>array</a:t>
-            </a:r>
-          </a:p>
-          <a:p>
-            <a:pPr lvl="1"/>
-            <a:r>
-              <a:rPr lang="en-US" altLang="zh-CN" dirty="0"/>
-              <a:t>date</a:t>
-            </a:r>
-          </a:p>
-          <a:p>
-            <a:pPr lvl="1"/>
-            <a:r>
-              <a:rPr lang="en-US" altLang="zh-CN" dirty="0"/>
-              <a:t>…..</a:t>
-            </a:r>
-          </a:p>
-        </p:txBody>
-      </p:sp>
-      <p:sp>
-        <p:nvSpPr>
-          <p:cNvPr id="6" name="文本框 4"/>
-          <p:cNvSpPr txBox="1"/>
-          <p:nvPr/>
-        </p:nvSpPr>
-        <p:spPr>
-          <a:xfrm>
-            <a:off x="3335629" y="2858639"/>
-            <a:ext cx="2034862" cy="584775"/>
-          </a:xfrm>
-          <a:prstGeom prst="rect">
-            <a:avLst/>
-          </a:prstGeom>
-          <a:noFill/>
-        </p:spPr>
-        <p:txBody>
-          <a:bodyPr wrap="square" rtlCol="0">
-            <a:spAutoFit/>
-          </a:bodyPr>
-          <a:lstStyle>
-            <a:defPPr>
-              <a:defRPr lang="en-US"/>
-            </a:defPPr>
-            <a:lvl1pPr marL="0" algn="l" defTabSz="914400" rtl="0" eaLnBrk="1" latinLnBrk="0" hangingPunct="1">
-              <a:defRPr sz="1800" kern="1200">
-                <a:solidFill>
-                  <a:schemeClr val="tx1"/>
-                </a:solidFill>
-                <a:latin typeface="+mn-lt"/>
-                <a:ea typeface="+mn-ea"/>
-                <a:cs typeface="+mn-cs"/>
-              </a:defRPr>
-            </a:lvl1pPr>
-            <a:lvl2pPr marL="457200" algn="l" defTabSz="914400" rtl="0" eaLnBrk="1" latinLnBrk="0" hangingPunct="1">
-              <a:defRPr sz="1800" kern="1200">
-                <a:solidFill>
-                  <a:schemeClr val="tx1"/>
-                </a:solidFill>
-                <a:latin typeface="+mn-lt"/>
-                <a:ea typeface="+mn-ea"/>
-                <a:cs typeface="+mn-cs"/>
-              </a:defRPr>
-            </a:lvl2pPr>
-            <a:lvl3pPr marL="914400" algn="l" defTabSz="914400" rtl="0" eaLnBrk="1" latinLnBrk="0" hangingPunct="1">
-              <a:defRPr sz="1800" kern="1200">
-                <a:solidFill>
-                  <a:schemeClr val="tx1"/>
-                </a:solidFill>
-                <a:latin typeface="+mn-lt"/>
-                <a:ea typeface="+mn-ea"/>
-                <a:cs typeface="+mn-cs"/>
-              </a:defRPr>
-            </a:lvl3pPr>
-            <a:lvl4pPr marL="1371600" algn="l" defTabSz="914400" rtl="0" eaLnBrk="1" latinLnBrk="0" hangingPunct="1">
-              <a:defRPr sz="1800" kern="1200">
-                <a:solidFill>
-                  <a:schemeClr val="tx1"/>
-                </a:solidFill>
-                <a:latin typeface="+mn-lt"/>
-                <a:ea typeface="+mn-ea"/>
-                <a:cs typeface="+mn-cs"/>
-              </a:defRPr>
-            </a:lvl4pPr>
-            <a:lvl5pPr marL="1828800" algn="l" defTabSz="914400" rtl="0" eaLnBrk="1" latinLnBrk="0" hangingPunct="1">
-              <a:defRPr sz="1800" kern="1200">
-                <a:solidFill>
-                  <a:schemeClr val="tx1"/>
-                </a:solidFill>
-                <a:latin typeface="+mn-lt"/>
-                <a:ea typeface="+mn-ea"/>
-                <a:cs typeface="+mn-cs"/>
-              </a:defRPr>
-            </a:lvl5pPr>
-            <a:lvl6pPr marL="2286000" algn="l" defTabSz="914400" rtl="0" eaLnBrk="1" latinLnBrk="0" hangingPunct="1">
-              <a:defRPr sz="1800" kern="1200">
-                <a:solidFill>
-                  <a:schemeClr val="tx1"/>
-                </a:solidFill>
-                <a:latin typeface="+mn-lt"/>
-                <a:ea typeface="+mn-ea"/>
-                <a:cs typeface="+mn-cs"/>
-              </a:defRPr>
-            </a:lvl6pPr>
-            <a:lvl7pPr marL="2743200" algn="l" defTabSz="914400" rtl="0" eaLnBrk="1" latinLnBrk="0" hangingPunct="1">
-              <a:defRPr sz="1800" kern="1200">
-                <a:solidFill>
-                  <a:schemeClr val="tx1"/>
-                </a:solidFill>
-                <a:latin typeface="+mn-lt"/>
-                <a:ea typeface="+mn-ea"/>
-                <a:cs typeface="+mn-cs"/>
-              </a:defRPr>
-            </a:lvl7pPr>
-            <a:lvl8pPr marL="3200400" algn="l" defTabSz="914400" rtl="0" eaLnBrk="1" latinLnBrk="0" hangingPunct="1">
-              <a:defRPr sz="1800" kern="1200">
-                <a:solidFill>
-                  <a:schemeClr val="tx1"/>
-                </a:solidFill>
-                <a:latin typeface="+mn-lt"/>
-                <a:ea typeface="+mn-ea"/>
-                <a:cs typeface="+mn-cs"/>
-              </a:defRPr>
-            </a:lvl8pPr>
-            <a:lvl9pPr marL="3657600" algn="l" defTabSz="914400" rtl="0" eaLnBrk="1" latinLnBrk="0" hangingPunct="1">
-              <a:defRPr sz="1800" kern="1200">
-                <a:solidFill>
-                  <a:schemeClr val="tx1"/>
-                </a:solidFill>
-                <a:latin typeface="+mn-lt"/>
-                <a:ea typeface="+mn-ea"/>
-                <a:cs typeface="+mn-cs"/>
-              </a:defRPr>
-            </a:lvl9pPr>
-          </a:lstStyle>
-          <a:p>
-            <a:r>
-              <a:rPr lang="zh-CN" altLang="en-US" sz="3200" b="1" dirty="0"/>
-              <a:t>基础类型</a:t>
+            </a:pPr>
+            <a:r>
+              <a:rPr lang="zh-CN" altLang="en-US" sz="4400" dirty="0"/>
+              <a:t>基本数据类型</a:t>
             </a:r>
           </a:p>
         </p:txBody>
@@ -15345,7 +15070,7 @@
     </p:spTree>
     <p:extLst>
       <p:ext uri="{BB962C8B-B14F-4D97-AF65-F5344CB8AC3E}">
-        <p14:creationId xmlns:p14="http://schemas.microsoft.com/office/powerpoint/2010/main" val="1579131286"/>
+        <p14:creationId xmlns:p14="http://schemas.microsoft.com/office/powerpoint/2010/main" val="2110073569"/>
       </p:ext>
     </p:extLst>
   </p:cSld>
@@ -15374,296 +15099,57 @@
       </p:grpSpPr>
       <p:sp>
         <p:nvSpPr>
-          <p:cNvPr id="4" name="Title 1"/>
+          <p:cNvPr id="2" name="Title 1"/>
           <p:cNvSpPr>
             <a:spLocks noGrp="1"/>
           </p:cNvSpPr>
-          <p:nvPr/>
+          <p:nvPr>
+            <p:ph type="title"/>
+          </p:nvPr>
         </p:nvSpPr>
-        <p:spPr>
-          <a:xfrm>
-            <a:off x="1295400" y="785326"/>
-            <a:ext cx="9601200" cy="1142385"/>
-          </a:xfrm>
-          <a:prstGeom prst="rect">
-            <a:avLst/>
-          </a:prstGeom>
-        </p:spPr>
+        <p:spPr/>
         <p:txBody>
-          <a:bodyPr vert="horz" lIns="91440" tIns="45720" rIns="91440" bIns="45720" rtlCol="0" anchor="b">
+          <a:bodyPr>
             <a:normAutofit/>
           </a:bodyPr>
-          <a:lstStyle>
-            <a:lvl1pPr algn="l" defTabSz="914400" rtl="0" eaLnBrk="1" latinLnBrk="0" hangingPunct="1">
-              <a:lnSpc>
-                <a:spcPct val="90000"/>
-              </a:lnSpc>
-              <a:spcBef>
-                <a:spcPct val="0"/>
-              </a:spcBef>
-              <a:buNone/>
-              <a:defRPr lang="zh-CN" sz="3200" b="1" kern="1200">
-                <a:solidFill>
-                  <a:schemeClr val="accent1"/>
-                </a:solidFill>
-                <a:latin typeface="+mj-lt"/>
-                <a:ea typeface="Microsoft YaHei UI" panose="020B0503020204020204" pitchFamily="34" charset="-122"/>
-                <a:cs typeface="+mj-cs"/>
-              </a:defRPr>
-            </a:lvl1pPr>
-          </a:lstStyle>
+          <a:lstStyle/>
           <a:p>
             <a:r>
               <a:rPr lang="zh-CN" altLang="en-US" dirty="0"/>
-              <a:t>运算符</a:t>
-            </a:r>
-            <a:endParaRPr lang="en-US" dirty="0"/>
-          </a:p>
-        </p:txBody>
-      </p:sp>
-      <p:sp>
-        <p:nvSpPr>
-          <p:cNvPr id="5" name="Content Placeholder 2"/>
-          <p:cNvSpPr>
-            <a:spLocks noGrp="1"/>
-          </p:cNvSpPr>
-          <p:nvPr/>
-        </p:nvSpPr>
-        <p:spPr>
-          <a:xfrm>
-            <a:off x="1295400" y="2262674"/>
-            <a:ext cx="9601200" cy="3809999"/>
-          </a:xfrm>
-          <a:prstGeom prst="rect">
-            <a:avLst/>
-          </a:prstGeom>
-        </p:spPr>
-        <p:txBody>
-          <a:bodyPr vert="horz" lIns="91440" tIns="45720" rIns="91440" bIns="45720" rtlCol="0">
-            <a:normAutofit/>
-          </a:bodyPr>
-          <a:lstStyle>
-            <a:lvl1pPr marL="228600" indent="-228600" algn="l" defTabSz="914400" rtl="0" eaLnBrk="1" latinLnBrk="0" hangingPunct="1">
-              <a:lnSpc>
-                <a:spcPct val="90000"/>
-              </a:lnSpc>
-              <a:spcBef>
-                <a:spcPts val="1800"/>
-              </a:spcBef>
-              <a:buClr>
-                <a:schemeClr val="accent1"/>
-              </a:buClr>
-              <a:buSzPct val="100000"/>
-              <a:buFont typeface="Arial" pitchFamily="34" charset="0"/>
-              <a:buChar char="▪"/>
-              <a:defRPr lang="zh-CN" sz="2000" kern="1200">
-                <a:solidFill>
-                  <a:schemeClr val="tx1"/>
-                </a:solidFill>
-                <a:latin typeface="+mn-lt"/>
-                <a:ea typeface="Microsoft YaHei UI" panose="020B0503020204020204" pitchFamily="34" charset="-122"/>
-                <a:cs typeface="+mn-cs"/>
-              </a:defRPr>
-            </a:lvl1pPr>
-            <a:lvl2pPr marL="457200" indent="-182880" algn="l" defTabSz="914400" rtl="0" eaLnBrk="1" latinLnBrk="0" hangingPunct="1">
-              <a:lnSpc>
-                <a:spcPct val="90000"/>
-              </a:lnSpc>
-              <a:spcBef>
-                <a:spcPts val="1200"/>
-              </a:spcBef>
-              <a:buClr>
-                <a:schemeClr val="accent1"/>
-              </a:buClr>
-              <a:buSzPct val="100000"/>
-              <a:buFont typeface="Arial" pitchFamily="34" charset="0"/>
-              <a:buChar char="▪"/>
-              <a:defRPr lang="zh-CN" sz="1800" kern="1200">
-                <a:solidFill>
-                  <a:schemeClr val="tx1"/>
-                </a:solidFill>
-                <a:latin typeface="+mn-lt"/>
-                <a:ea typeface="Microsoft YaHei UI" panose="020B0503020204020204" pitchFamily="34" charset="-122"/>
-                <a:cs typeface="+mn-cs"/>
-              </a:defRPr>
-            </a:lvl2pPr>
-            <a:lvl3pPr marL="685800" indent="-179388" algn="l" defTabSz="914400" rtl="0" eaLnBrk="1" latinLnBrk="0" hangingPunct="1">
-              <a:lnSpc>
-                <a:spcPct val="90000"/>
-              </a:lnSpc>
-              <a:spcBef>
-                <a:spcPts val="800"/>
-              </a:spcBef>
-              <a:buClr>
-                <a:schemeClr val="accent1"/>
-              </a:buClr>
-              <a:buSzPct val="100000"/>
-              <a:buFont typeface="Arial" pitchFamily="34" charset="0"/>
-              <a:buChar char="▪"/>
-              <a:defRPr lang="zh-CN" sz="1600" kern="1200">
-                <a:solidFill>
-                  <a:schemeClr val="tx1"/>
-                </a:solidFill>
-                <a:latin typeface="+mn-lt"/>
-                <a:ea typeface="Microsoft YaHei UI" panose="020B0503020204020204" pitchFamily="34" charset="-122"/>
-                <a:cs typeface="+mn-cs"/>
-              </a:defRPr>
-            </a:lvl3pPr>
-            <a:lvl4pPr marL="914400" indent="-182880" algn="l" defTabSz="914400" rtl="0" eaLnBrk="1" latinLnBrk="0" hangingPunct="1">
-              <a:lnSpc>
-                <a:spcPct val="90000"/>
-              </a:lnSpc>
-              <a:spcBef>
-                <a:spcPts val="800"/>
-              </a:spcBef>
-              <a:buClr>
-                <a:schemeClr val="accent1"/>
-              </a:buClr>
-              <a:buSzPct val="100000"/>
-              <a:buFont typeface="Arial" pitchFamily="34" charset="0"/>
-              <a:buChar char="▪"/>
-              <a:defRPr lang="zh-CN" sz="1400" kern="1200">
-                <a:solidFill>
-                  <a:schemeClr val="tx1"/>
-                </a:solidFill>
-                <a:latin typeface="+mn-lt"/>
-                <a:ea typeface="Microsoft YaHei UI" panose="020B0503020204020204" pitchFamily="34" charset="-122"/>
-                <a:cs typeface="+mn-cs"/>
-              </a:defRPr>
-            </a:lvl4pPr>
-            <a:lvl5pPr marL="1143000" indent="-179388" algn="l" defTabSz="914400" rtl="0" eaLnBrk="1" latinLnBrk="0" hangingPunct="1">
-              <a:lnSpc>
-                <a:spcPct val="90000"/>
-              </a:lnSpc>
-              <a:spcBef>
-                <a:spcPts val="600"/>
-              </a:spcBef>
-              <a:buClr>
-                <a:schemeClr val="accent1"/>
-              </a:buClr>
-              <a:buSzPct val="100000"/>
-              <a:buFont typeface="Arial" pitchFamily="34" charset="0"/>
-              <a:buChar char="▪"/>
-              <a:defRPr lang="zh-CN" sz="1400" kern="1200">
-                <a:solidFill>
-                  <a:schemeClr val="tx1"/>
-                </a:solidFill>
-                <a:latin typeface="+mn-lt"/>
-                <a:ea typeface="Microsoft YaHei UI" panose="020B0503020204020204" pitchFamily="34" charset="-122"/>
-                <a:cs typeface="+mn-cs"/>
-              </a:defRPr>
-            </a:lvl5pPr>
-            <a:lvl6pPr marL="1371600" indent="-182880" algn="l" defTabSz="914400" rtl="0" eaLnBrk="1" latinLnBrk="0" hangingPunct="1">
-              <a:lnSpc>
-                <a:spcPct val="90000"/>
-              </a:lnSpc>
-              <a:spcBef>
-                <a:spcPts val="600"/>
-              </a:spcBef>
-              <a:buClr>
-                <a:schemeClr val="accent1"/>
-              </a:buClr>
-              <a:buSzPct val="100000"/>
-              <a:buFont typeface="Arial" pitchFamily="34" charset="0"/>
-              <a:buChar char="▪"/>
-              <a:defRPr lang="zh-CN" sz="1400" kern="1200">
-                <a:solidFill>
-                  <a:schemeClr val="tx1"/>
-                </a:solidFill>
-                <a:latin typeface="+mn-lt"/>
-                <a:ea typeface="+mn-ea"/>
-                <a:cs typeface="+mn-cs"/>
-              </a:defRPr>
-            </a:lvl6pPr>
-            <a:lvl7pPr marL="1600200" indent="-179388" algn="l" defTabSz="914400" rtl="0" eaLnBrk="1" latinLnBrk="0" hangingPunct="1">
-              <a:lnSpc>
-                <a:spcPct val="90000"/>
-              </a:lnSpc>
-              <a:spcBef>
-                <a:spcPts val="600"/>
-              </a:spcBef>
-              <a:buClr>
-                <a:schemeClr val="accent1"/>
-              </a:buClr>
-              <a:buSzPct val="100000"/>
-              <a:buFont typeface="Arial" pitchFamily="34" charset="0"/>
-              <a:buChar char="▪"/>
-              <a:defRPr lang="zh-CN" sz="1400" kern="1200">
-                <a:solidFill>
-                  <a:schemeClr val="tx1"/>
-                </a:solidFill>
-                <a:latin typeface="+mn-lt"/>
-                <a:ea typeface="+mn-ea"/>
-                <a:cs typeface="+mn-cs"/>
-              </a:defRPr>
-            </a:lvl7pPr>
-            <a:lvl8pPr marL="1828800" indent="-182880" algn="l" defTabSz="914400" rtl="0" eaLnBrk="1" latinLnBrk="0" hangingPunct="1">
-              <a:lnSpc>
-                <a:spcPct val="90000"/>
-              </a:lnSpc>
-              <a:spcBef>
-                <a:spcPts val="600"/>
-              </a:spcBef>
-              <a:buClr>
-                <a:schemeClr val="accent1"/>
-              </a:buClr>
-              <a:buSzPct val="100000"/>
-              <a:buFont typeface="Arial" pitchFamily="34" charset="0"/>
-              <a:buChar char="▪"/>
-              <a:defRPr lang="zh-CN" sz="1400" kern="1200">
-                <a:solidFill>
-                  <a:schemeClr val="tx1"/>
-                </a:solidFill>
-                <a:latin typeface="+mn-lt"/>
-                <a:ea typeface="+mn-ea"/>
-                <a:cs typeface="+mn-cs"/>
-              </a:defRPr>
-            </a:lvl8pPr>
-            <a:lvl9pPr marL="2057400" indent="-179388" algn="l" defTabSz="914400" rtl="0" eaLnBrk="1" latinLnBrk="0" hangingPunct="1">
-              <a:lnSpc>
-                <a:spcPct val="90000"/>
-              </a:lnSpc>
-              <a:spcBef>
-                <a:spcPts val="600"/>
-              </a:spcBef>
-              <a:buClr>
-                <a:schemeClr val="accent1"/>
-              </a:buClr>
-              <a:buSzPct val="100000"/>
-              <a:buFont typeface="Arial" pitchFamily="34" charset="0"/>
-              <a:buChar char="▪"/>
-              <a:defRPr lang="zh-CN" sz="1400" kern="1200">
-                <a:solidFill>
-                  <a:schemeClr val="tx1"/>
-                </a:solidFill>
-                <a:latin typeface="+mn-lt"/>
-                <a:ea typeface="+mn-ea"/>
-                <a:cs typeface="+mn-cs"/>
-              </a:defRPr>
-            </a:lvl9pPr>
-          </a:lstStyle>
-          <a:p>
+              <a:t>故事一 </a:t>
+            </a:r>
+            <a:r>
+              <a:rPr lang="en-US" altLang="zh-CN" dirty="0"/>
+              <a:t>Peter &amp; Mary</a:t>
+            </a:r>
             <a:endParaRPr lang="en-US" dirty="0"/>
           </a:p>
         </p:txBody>
       </p:sp>
       <p:graphicFrame>
         <p:nvGraphicFramePr>
-          <p:cNvPr id="2" name="Table 1"/>
+          <p:cNvPr id="10" name="内容占位符 9">
+            <a:extLst>
+              <a:ext uri="{FF2B5EF4-FFF2-40B4-BE49-F238E27FC236}">
+                <a16:creationId xmlns:a16="http://schemas.microsoft.com/office/drawing/2014/main" id="{AD0C6BAE-E1B2-4452-9E35-0A099425BA9F}"/>
+              </a:ext>
+            </a:extLst>
+          </p:cNvPr>
           <p:cNvGraphicFramePr>
             <a:graphicFrameLocks noGrp="1"/>
           </p:cNvGraphicFramePr>
           <p:nvPr>
+            <p:ph sz="half" idx="2"/>
             <p:extLst>
               <p:ext uri="{D42A27DB-BD31-4B8C-83A1-F6EECF244321}">
-                <p14:modId xmlns:p14="http://schemas.microsoft.com/office/powerpoint/2010/main" val="1950426954"/>
+                <p14:modId xmlns:p14="http://schemas.microsoft.com/office/powerpoint/2010/main" val="3355287152"/>
               </p:ext>
             </p:extLst>
           </p:nvPr>
         </p:nvGraphicFramePr>
         <p:xfrm>
-          <a:off x="1295400" y="2030124"/>
-          <a:ext cx="9367158" cy="4386722"/>
+          <a:off x="6096000" y="2362201"/>
+          <a:ext cx="5531708" cy="3529913"/>
         </p:xfrm>
         <a:graphic>
           <a:graphicData uri="http://schemas.openxmlformats.org/drawingml/2006/table">
@@ -15672,75 +15158,36 @@
                 <a:tableStyleId>{5C22544A-7EE6-4342-B048-85BDC9FD1C3A}</a:tableStyleId>
               </a:tblPr>
               <a:tblGrid>
-                <a:gridCol w="1856014">
+                <a:gridCol w="5531708">
                   <a:extLst>
                     <a:ext uri="{9D8B030D-6E8A-4147-A177-3AD203B41FA5}">
-                      <a16:colId xmlns:a16="http://schemas.microsoft.com/office/drawing/2014/main" val="2415965580"/>
-                    </a:ext>
-                  </a:extLst>
-                </a:gridCol>
-                <a:gridCol w="7511144">
-                  <a:extLst>
-                    <a:ext uri="{9D8B030D-6E8A-4147-A177-3AD203B41FA5}">
-                      <a16:colId xmlns:a16="http://schemas.microsoft.com/office/drawing/2014/main" val="2586788060"/>
+                      <a16:colId xmlns:a16="http://schemas.microsoft.com/office/drawing/2014/main" val="2766605109"/>
                     </a:ext>
                   </a:extLst>
                 </a:gridCol>
               </a:tblGrid>
-              <a:tr h="465100">
-                <a:tc>
-                  <a:txBody>
-                    <a:bodyPr/>
-                    <a:lstStyle/>
-                    <a:p>
-                      <a:endParaRPr lang="en-US" dirty="0">
-                        <a:latin typeface="微软雅黑" panose="020B0503020204020204" pitchFamily="34" charset="-122"/>
-                        <a:ea typeface="微软雅黑" panose="020B0503020204020204" pitchFamily="34" charset="-122"/>
-                      </a:endParaRPr>
-                    </a:p>
-                  </a:txBody>
-                  <a:tcPr/>
-                </a:tc>
-                <a:tc>
-                  <a:txBody>
-                    <a:bodyPr/>
-                    <a:lstStyle/>
-                    <a:p>
-                      <a:endParaRPr lang="en-US">
-                        <a:latin typeface="微软雅黑" panose="020B0503020204020204" pitchFamily="34" charset="-122"/>
-                        <a:ea typeface="微软雅黑" panose="020B0503020204020204" pitchFamily="34" charset="-122"/>
-                      </a:endParaRPr>
-                    </a:p>
-                  </a:txBody>
-                  <a:tcPr/>
-                </a:tc>
-                <a:extLst>
-                  <a:ext uri="{0D108BD9-81ED-4DB2-BD59-A6C34878D82A}">
-                    <a16:rowId xmlns:a16="http://schemas.microsoft.com/office/drawing/2014/main" val="1020689132"/>
-                  </a:ext>
-                </a:extLst>
-              </a:tr>
-              <a:tr h="465100">
+              <a:tr h="1115567">
                 <a:tc>
                   <a:txBody>
                     <a:bodyPr/>
                     <a:lstStyle/>
                     <a:p>
                       <a:r>
-                        <a:rPr lang="zh-CN" altLang="en-US" dirty="0">
-                          <a:latin typeface="微软雅黑" panose="020B0503020204020204" pitchFamily="34" charset="-122"/>
-                          <a:ea typeface="微软雅黑" panose="020B0503020204020204" pitchFamily="34" charset="-122"/>
-                        </a:rPr>
-                        <a:t>基本运算符 </a:t>
+                        <a:rPr lang="en-US" altLang="zh-CN" sz="4800" dirty="0"/>
+                        <a:t>Peter</a:t>
                       </a:r>
-                      <a:endParaRPr lang="en-US" dirty="0">
-                        <a:latin typeface="微软雅黑" panose="020B0503020204020204" pitchFamily="34" charset="-122"/>
-                        <a:ea typeface="微软雅黑" panose="020B0503020204020204" pitchFamily="34" charset="-122"/>
-                      </a:endParaRPr>
+                      <a:endParaRPr lang="zh-CN" altLang="en-US" sz="4800" dirty="0"/>
                     </a:p>
                   </a:txBody>
-                  <a:tcPr/>
+                  <a:tcPr anchor="ctr"/>
                 </a:tc>
+                <a:extLst>
+                  <a:ext uri="{0D108BD9-81ED-4DB2-BD59-A6C34878D82A}">
+                    <a16:rowId xmlns:a16="http://schemas.microsoft.com/office/drawing/2014/main" val="2653353577"/>
+                  </a:ext>
+                </a:extLst>
+              </a:tr>
+              <a:tr h="689218">
                 <a:tc>
                   <a:txBody>
                     <a:bodyPr/>
@@ -15764,85 +15211,133 @@
                         <a:defRPr/>
                       </a:pPr>
                       <a:r>
-                        <a:rPr lang="en-US" altLang="zh-CN" dirty="0">
-                          <a:latin typeface="微软雅黑" panose="020B0503020204020204" pitchFamily="34" charset="-122"/>
-                          <a:ea typeface="微软雅黑" panose="020B0503020204020204" pitchFamily="34" charset="-122"/>
-                        </a:rPr>
-                        <a:t>+</a:t>
+                        <a:rPr lang="en-US" altLang="zh-CN" dirty="0"/>
+                        <a:t>{name</a:t>
                       </a:r>
                       <a:r>
-                        <a:rPr lang="zh-CN" altLang="en-US" dirty="0">
-                          <a:latin typeface="微软雅黑" panose="020B0503020204020204" pitchFamily="34" charset="-122"/>
-                          <a:ea typeface="微软雅黑" panose="020B0503020204020204" pitchFamily="34" charset="-122"/>
+                        <a:rPr lang="en-US" altLang="zh-CN" sz="1800" kern="1200" dirty="0">
+                          <a:solidFill>
+                            <a:schemeClr val="dk1"/>
+                          </a:solidFill>
+                          <a:effectLst/>
+                          <a:latin typeface="+mn-lt"/>
+                          <a:ea typeface="+mn-ea"/>
+                          <a:cs typeface="+mn-cs"/>
                         </a:rPr>
-                        <a:t>，</a:t>
+                        <a:t>:'peter'</a:t>
                       </a:r>
                       <a:r>
-                        <a:rPr lang="en-US" altLang="zh-CN" dirty="0">
-                          <a:latin typeface="微软雅黑" panose="020B0503020204020204" pitchFamily="34" charset="-122"/>
-                          <a:ea typeface="微软雅黑" panose="020B0503020204020204" pitchFamily="34" charset="-122"/>
-                        </a:rPr>
-                        <a:t>-</a:t>
+                        <a:rPr lang="en-US" altLang="zh-CN" dirty="0"/>
+                        <a:t>,age</a:t>
                       </a:r>
                       <a:r>
-                        <a:rPr lang="zh-CN" altLang="en-US" dirty="0">
-                          <a:latin typeface="微软雅黑" panose="020B0503020204020204" pitchFamily="34" charset="-122"/>
-                          <a:ea typeface="微软雅黑" panose="020B0503020204020204" pitchFamily="34" charset="-122"/>
+                        <a:rPr lang="en-US" altLang="zh-CN" sz="1800" kern="1200" dirty="0">
+                          <a:solidFill>
+                            <a:schemeClr val="dk1"/>
+                          </a:solidFill>
+                          <a:effectLst/>
+                          <a:latin typeface="+mn-lt"/>
+                          <a:ea typeface="+mn-ea"/>
+                          <a:cs typeface="+mn-cs"/>
                         </a:rPr>
-                        <a:t>，* ，</a:t>
+                        <a:t>:30</a:t>
                       </a:r>
                       <a:r>
-                        <a:rPr lang="en-US" altLang="zh-CN" dirty="0">
-                          <a:latin typeface="微软雅黑" panose="020B0503020204020204" pitchFamily="34" charset="-122"/>
-                          <a:ea typeface="微软雅黑" panose="020B0503020204020204" pitchFamily="34" charset="-122"/>
-                        </a:rPr>
-                        <a:t>/</a:t>
+                        <a:rPr lang="en-US" altLang="zh-CN" dirty="0"/>
+                        <a:t>,employed</a:t>
                       </a:r>
                       <a:r>
-                        <a:rPr lang="zh-CN" altLang="en-US" dirty="0">
-                          <a:latin typeface="微软雅黑" panose="020B0503020204020204" pitchFamily="34" charset="-122"/>
-                          <a:ea typeface="微软雅黑" panose="020B0503020204020204" pitchFamily="34" charset="-122"/>
+                        <a:rPr lang="en-US" altLang="zh-CN" sz="1800" kern="1200" dirty="0">
+                          <a:solidFill>
+                            <a:schemeClr val="dk1"/>
+                          </a:solidFill>
+                          <a:effectLst/>
+                          <a:latin typeface="+mn-lt"/>
+                          <a:ea typeface="+mn-ea"/>
+                          <a:cs typeface="+mn-cs"/>
                         </a:rPr>
-                        <a:t>，</a:t>
+                        <a:t>:true</a:t>
                       </a:r>
                       <a:r>
-                        <a:rPr lang="en-US" altLang="zh-CN" dirty="0">
-                          <a:latin typeface="微软雅黑" panose="020B0503020204020204" pitchFamily="34" charset="-122"/>
-                          <a:ea typeface="微软雅黑" panose="020B0503020204020204" pitchFamily="34" charset="-122"/>
+                        <a:rPr lang="en-US" altLang="zh-CN" dirty="0"/>
+                        <a:t>,location</a:t>
+                      </a:r>
+                      <a:r>
+                        <a:rPr lang="en-US" altLang="zh-CN" sz="1800" kern="1200" dirty="0">
+                          <a:solidFill>
+                            <a:schemeClr val="dk1"/>
+                          </a:solidFill>
+                          <a:effectLst/>
+                          <a:latin typeface="+mn-lt"/>
+                          <a:ea typeface="+mn-ea"/>
+                          <a:cs typeface="+mn-cs"/>
                         </a:rPr>
-                        <a:t>%</a:t>
+                        <a:t>:</a:t>
                       </a:r>
+                      <a:r>
+                        <a:rPr lang="en-US" altLang="zh-CN" dirty="0"/>
+                        <a:t>[</a:t>
+                      </a:r>
+                      <a:r>
+                        <a:rPr lang="en-US" altLang="zh-CN" sz="1800" kern="1200" dirty="0">
+                          <a:solidFill>
+                            <a:schemeClr val="dk1"/>
+                          </a:solidFill>
+                          <a:effectLst/>
+                          <a:latin typeface="+mn-lt"/>
+                          <a:ea typeface="+mn-ea"/>
+                          <a:cs typeface="+mn-cs"/>
+                        </a:rPr>
+                        <a:t>11</a:t>
+                      </a:r>
+                      <a:r>
+                        <a:rPr lang="en-US" altLang="zh-CN" dirty="0"/>
+                        <a:t>,</a:t>
+                      </a:r>
+                      <a:r>
+                        <a:rPr lang="en-US" altLang="zh-CN" sz="1800" kern="1200" dirty="0">
+                          <a:solidFill>
+                            <a:schemeClr val="dk1"/>
+                          </a:solidFill>
+                          <a:effectLst/>
+                          <a:latin typeface="+mn-lt"/>
+                          <a:ea typeface="+mn-ea"/>
+                          <a:cs typeface="+mn-cs"/>
+                        </a:rPr>
+                        <a:t>4</a:t>
+                      </a:r>
+                      <a:r>
+                        <a:rPr lang="en-US" altLang="zh-CN" dirty="0"/>
+                        <a:t>,</a:t>
+                      </a:r>
+                      <a:r>
+                        <a:rPr lang="en-US" altLang="zh-CN" sz="1800" kern="1200" dirty="0">
+                          <a:solidFill>
+                            <a:schemeClr val="dk1"/>
+                          </a:solidFill>
+                          <a:effectLst/>
+                          <a:latin typeface="+mn-lt"/>
+                          <a:ea typeface="+mn-ea"/>
+                          <a:cs typeface="+mn-cs"/>
+                        </a:rPr>
+                        <a:t>3</a:t>
+                      </a:r>
+                      <a:r>
+                        <a:rPr lang="en-US" altLang="zh-CN" dirty="0"/>
+                        <a:t>]}</a:t>
+                      </a:r>
+                      <a:endParaRPr lang="zh-CN" altLang="en-US" sz="1800" dirty="0"/>
                     </a:p>
                   </a:txBody>
-                  <a:tcPr/>
+                  <a:tcPr anchor="ctr"/>
                 </a:tc>
                 <a:extLst>
                   <a:ext uri="{0D108BD9-81ED-4DB2-BD59-A6C34878D82A}">
-                    <a16:rowId xmlns:a16="http://schemas.microsoft.com/office/drawing/2014/main" val="246687193"/>
+                    <a16:rowId xmlns:a16="http://schemas.microsoft.com/office/drawing/2014/main" val="3372040586"/>
                   </a:ext>
                 </a:extLst>
               </a:tr>
-              <a:tr h="465100">
-                <a:tc>
-                  <a:txBody>
-                    <a:bodyPr/>
-                    <a:lstStyle/>
-                    <a:p>
-                      <a:r>
-                        <a:rPr lang="zh-CN" altLang="en-US" dirty="0">
-                          <a:latin typeface="微软雅黑" panose="020B0503020204020204" pitchFamily="34" charset="-122"/>
-                          <a:ea typeface="微软雅黑" panose="020B0503020204020204" pitchFamily="34" charset="-122"/>
-                        </a:rPr>
-                        <a:t>逻辑运算符 </a:t>
-                      </a:r>
-                      <a:endParaRPr lang="en-US" dirty="0">
-                        <a:latin typeface="微软雅黑" panose="020B0503020204020204" pitchFamily="34" charset="-122"/>
-                        <a:ea typeface="微软雅黑" panose="020B0503020204020204" pitchFamily="34" charset="-122"/>
-                      </a:endParaRPr>
-                    </a:p>
-                  </a:txBody>
-                  <a:tcPr/>
-                </a:tc>
+              <a:tr h="1073927">
                 <a:tc>
                   <a:txBody>
                     <a:bodyPr/>
@@ -15866,81 +15361,39 @@
                         <a:defRPr/>
                       </a:pPr>
                       <a:r>
-                        <a:rPr lang="en-US" altLang="zh-CN" dirty="0">
-                          <a:latin typeface="微软雅黑" panose="020B0503020204020204" pitchFamily="34" charset="-122"/>
-                          <a:ea typeface="微软雅黑" panose="020B0503020204020204" pitchFamily="34" charset="-122"/>
+                        <a:rPr lang="en-US" altLang="zh-CN" sz="4800" b="1" kern="1200" dirty="0">
+                          <a:solidFill>
+                            <a:schemeClr val="lt1"/>
+                          </a:solidFill>
+                          <a:latin typeface="+mn-lt"/>
+                          <a:ea typeface="+mn-ea"/>
+                          <a:cs typeface="+mn-cs"/>
                         </a:rPr>
-                        <a:t>&amp;&amp;</a:t>
+                        <a:t>Mary</a:t>
                       </a:r>
-                      <a:r>
-                        <a:rPr lang="zh-CN" altLang="en-US" dirty="0">
-                          <a:latin typeface="微软雅黑" panose="020B0503020204020204" pitchFamily="34" charset="-122"/>
-                          <a:ea typeface="微软雅黑" panose="020B0503020204020204" pitchFamily="34" charset="-122"/>
-                        </a:rPr>
-                        <a:t>，</a:t>
-                      </a:r>
-                      <a:r>
-                        <a:rPr lang="en-US" altLang="zh-CN" dirty="0">
-                          <a:latin typeface="微软雅黑" panose="020B0503020204020204" pitchFamily="34" charset="-122"/>
-                          <a:ea typeface="微软雅黑" panose="020B0503020204020204" pitchFamily="34" charset="-122"/>
-                        </a:rPr>
-                        <a:t>||</a:t>
-                      </a:r>
-                      <a:r>
-                        <a:rPr lang="zh-CN" altLang="en-US" dirty="0">
-                          <a:latin typeface="微软雅黑" panose="020B0503020204020204" pitchFamily="34" charset="-122"/>
-                          <a:ea typeface="微软雅黑" panose="020B0503020204020204" pitchFamily="34" charset="-122"/>
-                        </a:rPr>
-                        <a:t>，！，</a:t>
-                      </a:r>
-                      <a:r>
-                        <a:rPr lang="en-US" altLang="zh-CN" dirty="0">
-                          <a:latin typeface="微软雅黑" panose="020B0503020204020204" pitchFamily="34" charset="-122"/>
-                          <a:ea typeface="微软雅黑" panose="020B0503020204020204" pitchFamily="34" charset="-122"/>
-                        </a:rPr>
-                        <a:t>==</a:t>
-                      </a:r>
-                      <a:r>
-                        <a:rPr lang="zh-CN" altLang="en-US" dirty="0">
-                          <a:latin typeface="微软雅黑" panose="020B0503020204020204" pitchFamily="34" charset="-122"/>
-                          <a:ea typeface="微软雅黑" panose="020B0503020204020204" pitchFamily="34" charset="-122"/>
-                        </a:rPr>
-                        <a:t>，</a:t>
-                      </a:r>
-                      <a:r>
-                        <a:rPr lang="en-US" altLang="zh-CN" dirty="0">
-                          <a:latin typeface="微软雅黑" panose="020B0503020204020204" pitchFamily="34" charset="-122"/>
-                          <a:ea typeface="微软雅黑" panose="020B0503020204020204" pitchFamily="34" charset="-122"/>
-                        </a:rPr>
-                        <a:t>===</a:t>
-                      </a:r>
+                      <a:endParaRPr lang="zh-CN" altLang="en-US" sz="4800" b="1" kern="1200" dirty="0">
+                        <a:solidFill>
+                          <a:schemeClr val="lt1"/>
+                        </a:solidFill>
+                        <a:latin typeface="+mn-lt"/>
+                        <a:ea typeface="+mn-ea"/>
+                        <a:cs typeface="+mn-cs"/>
+                      </a:endParaRPr>
                     </a:p>
                   </a:txBody>
-                  <a:tcPr/>
+                  <a:tcPr anchor="ctr">
+                    <a:solidFill>
+                      <a:schemeClr val="accent1"/>
+                    </a:solidFill>
+                  </a:tcPr>
                 </a:tc>
                 <a:extLst>
                   <a:ext uri="{0D108BD9-81ED-4DB2-BD59-A6C34878D82A}">
-                    <a16:rowId xmlns:a16="http://schemas.microsoft.com/office/drawing/2014/main" val="1267637500"/>
+                    <a16:rowId xmlns:a16="http://schemas.microsoft.com/office/drawing/2014/main" val="750322014"/>
                   </a:ext>
                 </a:extLst>
               </a:tr>
-              <a:tr h="802776">
-                <a:tc>
-                  <a:txBody>
-                    <a:bodyPr/>
-                    <a:lstStyle/>
-                    <a:p>
-                      <a:r>
-                        <a:rPr lang="en-US" dirty="0">
-                          <a:latin typeface="微软雅黑" panose="020B0503020204020204" pitchFamily="34" charset="-122"/>
-                          <a:ea typeface="微软雅黑" panose="020B0503020204020204" pitchFamily="34" charset="-122"/>
-                        </a:rPr>
-                        <a:t>,</a:t>
-                      </a:r>
-                    </a:p>
-                  </a:txBody>
-                  <a:tcPr/>
-                </a:tc>
+              <a:tr h="651201">
                 <a:tc>
                   <a:txBody>
                     <a:bodyPr/>
@@ -15964,133 +15417,228 @@
                         <a:defRPr/>
                       </a:pPr>
                       <a:r>
-                        <a:rPr lang="en-US" dirty="0" err="1">
-                          <a:latin typeface="微软雅黑" panose="020B0503020204020204" pitchFamily="34" charset="-122"/>
-                          <a:ea typeface="微软雅黑" panose="020B0503020204020204" pitchFamily="34" charset="-122"/>
-                        </a:rPr>
-                        <a:t>var</a:t>
+                        <a:rPr lang="en-US" altLang="zh-CN" dirty="0"/>
+                        <a:t>{name</a:t>
                       </a:r>
                       <a:r>
-                        <a:rPr lang="en-US" dirty="0">
-                          <a:latin typeface="微软雅黑" panose="020B0503020204020204" pitchFamily="34" charset="-122"/>
-                          <a:ea typeface="微软雅黑" panose="020B0503020204020204" pitchFamily="34" charset="-122"/>
+                        <a:rPr lang="en-US" altLang="zh-CN" sz="1800" kern="1200" dirty="0">
+                          <a:solidFill>
+                            <a:schemeClr val="dk1"/>
+                          </a:solidFill>
+                          <a:effectLst/>
+                          <a:latin typeface="+mn-lt"/>
+                          <a:ea typeface="+mn-ea"/>
+                          <a:cs typeface="+mn-cs"/>
                         </a:rPr>
-                        <a:t> </a:t>
+                        <a:t>:'mary'</a:t>
                       </a:r>
                       <a:r>
-                        <a:rPr lang="en-US" dirty="0" err="1">
-                          <a:latin typeface="微软雅黑" panose="020B0503020204020204" pitchFamily="34" charset="-122"/>
-                          <a:ea typeface="微软雅黑" panose="020B0503020204020204" pitchFamily="34" charset="-122"/>
-                        </a:rPr>
-                        <a:t>a,b</a:t>
+                        <a:rPr lang="en-US" altLang="zh-CN" dirty="0"/>
+                        <a:t>,age</a:t>
                       </a:r>
                       <a:r>
-                        <a:rPr lang="en-US" dirty="0">
-                          <a:latin typeface="微软雅黑" panose="020B0503020204020204" pitchFamily="34" charset="-122"/>
-                          <a:ea typeface="微软雅黑" panose="020B0503020204020204" pitchFamily="34" charset="-122"/>
+                        <a:rPr lang="en-US" altLang="zh-CN" sz="1800" kern="1200" dirty="0">
+                          <a:solidFill>
+                            <a:schemeClr val="dk1"/>
+                          </a:solidFill>
+                          <a:effectLst/>
+                          <a:latin typeface="+mn-lt"/>
+                          <a:ea typeface="+mn-ea"/>
+                          <a:cs typeface="+mn-cs"/>
                         </a:rPr>
-                        <a:t>; a=1,b=2;</a:t>
+                        <a:t>:30</a:t>
                       </a:r>
-                      <a:br>
-                        <a:rPr lang="en-US" dirty="0">
-                          <a:latin typeface="微软雅黑" panose="020B0503020204020204" pitchFamily="34" charset="-122"/>
-                          <a:ea typeface="微软雅黑" panose="020B0503020204020204" pitchFamily="34" charset="-122"/>
+                      <a:r>
+                        <a:rPr lang="en-US" altLang="zh-CN" dirty="0"/>
+                        <a:t>,employed</a:t>
+                      </a:r>
+                      <a:r>
+                        <a:rPr lang="en-US" altLang="zh-CN" sz="1800" kern="1200" dirty="0">
+                          <a:solidFill>
+                            <a:schemeClr val="dk1"/>
+                          </a:solidFill>
+                          <a:effectLst/>
+                          <a:latin typeface="+mn-lt"/>
+                          <a:ea typeface="+mn-ea"/>
+                          <a:cs typeface="+mn-cs"/>
                         </a:rPr>
-                      </a:br>
-                      <a:endParaRPr lang="en-US" dirty="0">
-                        <a:latin typeface="微软雅黑" panose="020B0503020204020204" pitchFamily="34" charset="-122"/>
-                        <a:ea typeface="微软雅黑" panose="020B0503020204020204" pitchFamily="34" charset="-122"/>
-                      </a:endParaRPr>
+                        <a:t>:true</a:t>
+                      </a:r>
+                      <a:r>
+                        <a:rPr lang="en-US" altLang="zh-CN" dirty="0"/>
+                        <a:t>,location</a:t>
+                      </a:r>
+                      <a:r>
+                        <a:rPr lang="en-US" altLang="zh-CN" sz="1800" kern="1200" dirty="0">
+                          <a:solidFill>
+                            <a:schemeClr val="dk1"/>
+                          </a:solidFill>
+                          <a:effectLst/>
+                          <a:latin typeface="+mn-lt"/>
+                          <a:ea typeface="+mn-ea"/>
+                          <a:cs typeface="+mn-cs"/>
+                        </a:rPr>
+                        <a:t>:</a:t>
+                      </a:r>
+                      <a:r>
+                        <a:rPr lang="en-US" altLang="zh-CN" dirty="0"/>
+                        <a:t>[</a:t>
+                      </a:r>
+                      <a:r>
+                        <a:rPr lang="en-US" altLang="zh-CN" sz="1800" kern="1200" dirty="0">
+                          <a:solidFill>
+                            <a:schemeClr val="dk1"/>
+                          </a:solidFill>
+                          <a:effectLst/>
+                          <a:latin typeface="+mn-lt"/>
+                          <a:ea typeface="+mn-ea"/>
+                          <a:cs typeface="+mn-cs"/>
+                        </a:rPr>
+                        <a:t>11</a:t>
+                      </a:r>
+                      <a:r>
+                        <a:rPr lang="en-US" altLang="zh-CN" dirty="0"/>
+                        <a:t>,</a:t>
+                      </a:r>
+                      <a:r>
+                        <a:rPr lang="en-US" altLang="zh-CN" sz="1800" kern="1200" dirty="0">
+                          <a:solidFill>
+                            <a:schemeClr val="dk1"/>
+                          </a:solidFill>
+                          <a:effectLst/>
+                          <a:latin typeface="+mn-lt"/>
+                          <a:ea typeface="+mn-ea"/>
+                          <a:cs typeface="+mn-cs"/>
+                        </a:rPr>
+                        <a:t>5</a:t>
+                      </a:r>
+                      <a:r>
+                        <a:rPr lang="en-US" altLang="zh-CN" dirty="0"/>
+                        <a:t>,</a:t>
+                      </a:r>
+                      <a:r>
+                        <a:rPr lang="en-US" altLang="zh-CN" sz="1800" kern="1200" dirty="0">
+                          <a:solidFill>
+                            <a:schemeClr val="dk1"/>
+                          </a:solidFill>
+                          <a:effectLst/>
+                          <a:latin typeface="+mn-lt"/>
+                          <a:ea typeface="+mn-ea"/>
+                          <a:cs typeface="+mn-cs"/>
+                        </a:rPr>
+                        <a:t>2</a:t>
+                      </a:r>
+                      <a:r>
+                        <a:rPr lang="en-US" altLang="zh-CN" dirty="0"/>
+                        <a:t>]}</a:t>
+                      </a:r>
+                      <a:endParaRPr lang="zh-CN" altLang="en-US" dirty="0"/>
                     </a:p>
+                  </a:txBody>
+                  <a:tcPr anchor="ctr"/>
+                </a:tc>
+                <a:extLst>
+                  <a:ext uri="{0D108BD9-81ED-4DB2-BD59-A6C34878D82A}">
+                    <a16:rowId xmlns:a16="http://schemas.microsoft.com/office/drawing/2014/main" val="628619336"/>
+                  </a:ext>
+                </a:extLst>
+              </a:tr>
+            </a:tbl>
+          </a:graphicData>
+        </a:graphic>
+      </p:graphicFrame>
+      <p:graphicFrame>
+        <p:nvGraphicFramePr>
+          <p:cNvPr id="5" name="内容占位符 4">
+            <a:extLst>
+              <a:ext uri="{FF2B5EF4-FFF2-40B4-BE49-F238E27FC236}">
+                <a16:creationId xmlns:a16="http://schemas.microsoft.com/office/drawing/2014/main" id="{82707F75-952C-47D5-9D6D-B3147CF799D8}"/>
+              </a:ext>
+            </a:extLst>
+          </p:cNvPr>
+          <p:cNvGraphicFramePr>
+            <a:graphicFrameLocks noGrp="1"/>
+          </p:cNvGraphicFramePr>
+          <p:nvPr>
+            <p:ph sz="half" idx="1"/>
+            <p:extLst>
+              <p:ext uri="{D42A27DB-BD31-4B8C-83A1-F6EECF244321}">
+                <p14:modId xmlns:p14="http://schemas.microsoft.com/office/powerpoint/2010/main" val="2942767910"/>
+              </p:ext>
+            </p:extLst>
+          </p:nvPr>
+        </p:nvGraphicFramePr>
+        <p:xfrm>
+          <a:off x="838201" y="2364261"/>
+          <a:ext cx="4116860" cy="3527854"/>
+        </p:xfrm>
+        <a:graphic>
+          <a:graphicData uri="http://schemas.openxmlformats.org/drawingml/2006/table">
+            <a:tbl>
+              <a:tblPr firstRow="1" bandRow="1">
+                <a:tableStyleId>{93296810-A885-4BE3-A3E7-6D5BEEA58F35}</a:tableStyleId>
+              </a:tblPr>
+              <a:tblGrid>
+                <a:gridCol w="2058430">
+                  <a:extLst>
+                    <a:ext uri="{9D8B030D-6E8A-4147-A177-3AD203B41FA5}">
+                      <a16:colId xmlns:a16="http://schemas.microsoft.com/office/drawing/2014/main" val="1993985890"/>
+                    </a:ext>
+                  </a:extLst>
+                </a:gridCol>
+                <a:gridCol w="2058430">
+                  <a:extLst>
+                    <a:ext uri="{9D8B030D-6E8A-4147-A177-3AD203B41FA5}">
+                      <a16:colId xmlns:a16="http://schemas.microsoft.com/office/drawing/2014/main" val="1856077620"/>
+                    </a:ext>
+                  </a:extLst>
+                </a:gridCol>
+              </a:tblGrid>
+              <a:tr h="753609">
+                <a:tc gridSpan="2">
+                  <a:txBody>
+                    <a:bodyPr/>
+                    <a:lstStyle/>
                     <a:p>
                       <a:r>
-                        <a:rPr lang="en-US" dirty="0" err="1">
-                          <a:latin typeface="微软雅黑" panose="020B0503020204020204" pitchFamily="34" charset="-122"/>
-                          <a:ea typeface="微软雅黑" panose="020B0503020204020204" pitchFamily="34" charset="-122"/>
-                        </a:rPr>
-                        <a:t>var</a:t>
+                        <a:rPr lang="en-US" altLang="zh-CN" sz="4000" dirty="0"/>
+                        <a:t>Operator</a:t>
                       </a:r>
-                      <a:r>
-                        <a:rPr lang="en-US" dirty="0">
-                          <a:latin typeface="微软雅黑" panose="020B0503020204020204" pitchFamily="34" charset="-122"/>
-                          <a:ea typeface="微软雅黑" panose="020B0503020204020204" pitchFamily="34" charset="-122"/>
-                        </a:rPr>
-                        <a:t> </a:t>
-                      </a:r>
-                      <a:r>
-                        <a:rPr lang="en-US" dirty="0" err="1">
-                          <a:latin typeface="微软雅黑" panose="020B0503020204020204" pitchFamily="34" charset="-122"/>
-                          <a:ea typeface="微软雅黑" panose="020B0503020204020204" pitchFamily="34" charset="-122"/>
-                        </a:rPr>
-                        <a:t>val</a:t>
-                      </a:r>
-                      <a:r>
-                        <a:rPr lang="en-US" dirty="0">
-                          <a:latin typeface="微软雅黑" panose="020B0503020204020204" pitchFamily="34" charset="-122"/>
-                          <a:ea typeface="微软雅黑" panose="020B0503020204020204" pitchFamily="34" charset="-122"/>
-                        </a:rPr>
-                        <a:t>=(2015,2016,2017);</a:t>
-                      </a:r>
-                      <a:r>
-                        <a:rPr lang="en-US" dirty="0">
-                          <a:solidFill>
-                            <a:srgbClr val="00B050"/>
-                          </a:solidFill>
-                          <a:latin typeface="微软雅黑" panose="020B0503020204020204" pitchFamily="34" charset="-122"/>
-                          <a:ea typeface="微软雅黑" panose="020B0503020204020204" pitchFamily="34" charset="-122"/>
-                        </a:rPr>
-                        <a:t>  //</a:t>
-                      </a:r>
-                      <a:r>
-                        <a:rPr lang="en-US" dirty="0" err="1">
-                          <a:solidFill>
-                            <a:srgbClr val="00B050"/>
-                          </a:solidFill>
-                          <a:latin typeface="微软雅黑" panose="020B0503020204020204" pitchFamily="34" charset="-122"/>
-                          <a:ea typeface="微软雅黑" panose="020B0503020204020204" pitchFamily="34" charset="-122"/>
-                        </a:rPr>
-                        <a:t>val</a:t>
-                      </a:r>
-                      <a:r>
-                        <a:rPr lang="en-US" dirty="0">
-                          <a:solidFill>
-                            <a:srgbClr val="00B050"/>
-                          </a:solidFill>
-                          <a:latin typeface="微软雅黑" panose="020B0503020204020204" pitchFamily="34" charset="-122"/>
-                          <a:ea typeface="微软雅黑" panose="020B0503020204020204" pitchFamily="34" charset="-122"/>
-                        </a:rPr>
-                        <a:t> = 2017</a:t>
-                      </a:r>
-                      <a:endParaRPr lang="en-US" dirty="0">
-                        <a:latin typeface="微软雅黑" panose="020B0503020204020204" pitchFamily="34" charset="-122"/>
-                        <a:ea typeface="微软雅黑" panose="020B0503020204020204" pitchFamily="34" charset="-122"/>
-                      </a:endParaRPr>
+                      <a:endParaRPr lang="zh-CN" altLang="en-US" sz="4000" dirty="0"/>
+                    </a:p>
+                  </a:txBody>
+                  <a:tcPr/>
+                </a:tc>
+                <a:tc hMerge="1">
+                  <a:txBody>
+                    <a:bodyPr/>
+                    <a:lstStyle/>
+                    <a:p>
+                      <a:endParaRPr lang="zh-CN" altLang="en-US" dirty="0"/>
                     </a:p>
                   </a:txBody>
                   <a:tcPr/>
                 </a:tc>
                 <a:extLst>
                   <a:ext uri="{0D108BD9-81ED-4DB2-BD59-A6C34878D82A}">
-                    <a16:rowId xmlns:a16="http://schemas.microsoft.com/office/drawing/2014/main" val="1022403740"/>
+                    <a16:rowId xmlns:a16="http://schemas.microsoft.com/office/drawing/2014/main" val="117870693"/>
                   </a:ext>
                 </a:extLst>
               </a:tr>
-              <a:tr h="1146822">
+              <a:tr h="554849">
                 <a:tc>
                   <a:txBody>
                     <a:bodyPr/>
                     <a:lstStyle/>
                     <a:p>
                       <a:r>
-                        <a:rPr lang="en-US" dirty="0">
-                          <a:latin typeface="微软雅黑" panose="020B0503020204020204" pitchFamily="34" charset="-122"/>
-                          <a:ea typeface="微软雅黑" panose="020B0503020204020204" pitchFamily="34" charset="-122"/>
-                        </a:rPr>
-                        <a:t>delete</a:t>
+                        <a:rPr lang="en-US" altLang="zh-CN" dirty="0"/>
+                        <a:t>+</a:t>
                       </a:r>
+                      <a:endParaRPr lang="zh-CN" altLang="en-US" dirty="0"/>
                     </a:p>
                   </a:txBody>
-                  <a:tcPr/>
+                  <a:tcPr anchor="ctr"/>
                 </a:tc>
                 <a:tc>
                   <a:txBody>
@@ -16098,108 +15646,44 @@
                     <a:lstStyle/>
                     <a:p>
                       <a:r>
-                        <a:rPr lang="en-US" dirty="0" err="1">
-                          <a:latin typeface="微软雅黑" panose="020B0503020204020204" pitchFamily="34" charset="-122"/>
-                          <a:ea typeface="微软雅黑" panose="020B0503020204020204" pitchFamily="34" charset="-122"/>
+                        <a:rPr lang="zh-CN" altLang="en-US" sz="1800" kern="1200" dirty="0">
+                          <a:effectLst/>
                         </a:rPr>
-                        <a:t>var</a:t>
+                        <a:t>加，连接</a:t>
                       </a:r>
-                      <a:r>
-                        <a:rPr lang="en-US" dirty="0">
-                          <a:latin typeface="微软雅黑" panose="020B0503020204020204" pitchFamily="34" charset="-122"/>
-                          <a:ea typeface="微软雅黑" panose="020B0503020204020204" pitchFamily="34" charset="-122"/>
-                        </a:rPr>
-                        <a:t> </a:t>
-                      </a:r>
-                      <a:r>
-                        <a:rPr lang="en-US" dirty="0" err="1">
-                          <a:latin typeface="微软雅黑" panose="020B0503020204020204" pitchFamily="34" charset="-122"/>
-                          <a:ea typeface="微软雅黑" panose="020B0503020204020204" pitchFamily="34" charset="-122"/>
-                        </a:rPr>
-                        <a:t>obj</a:t>
-                      </a:r>
-                      <a:r>
-                        <a:rPr lang="en-US" dirty="0">
-                          <a:latin typeface="微软雅黑" panose="020B0503020204020204" pitchFamily="34" charset="-122"/>
-                          <a:ea typeface="微软雅黑" panose="020B0503020204020204" pitchFamily="34" charset="-122"/>
-                        </a:rPr>
-                        <a:t>={x:2016};</a:t>
-                      </a:r>
-                    </a:p>
-                    <a:p>
-                      <a:r>
-                        <a:rPr lang="en-US" dirty="0">
-                          <a:latin typeface="微软雅黑" panose="020B0503020204020204" pitchFamily="34" charset="-122"/>
-                          <a:ea typeface="微软雅黑" panose="020B0503020204020204" pitchFamily="34" charset="-122"/>
-                        </a:rPr>
-                        <a:t>delete </a:t>
-                      </a:r>
-                      <a:r>
-                        <a:rPr lang="en-US" dirty="0" err="1">
-                          <a:latin typeface="微软雅黑" panose="020B0503020204020204" pitchFamily="34" charset="-122"/>
-                          <a:ea typeface="微软雅黑" panose="020B0503020204020204" pitchFamily="34" charset="-122"/>
-                        </a:rPr>
-                        <a:t>obj.x</a:t>
-                      </a:r>
-                      <a:r>
-                        <a:rPr lang="en-US" dirty="0">
-                          <a:latin typeface="微软雅黑" panose="020B0503020204020204" pitchFamily="34" charset="-122"/>
-                          <a:ea typeface="微软雅黑" panose="020B0503020204020204" pitchFamily="34" charset="-122"/>
-                        </a:rPr>
-                        <a:t>;</a:t>
-                      </a:r>
-                    </a:p>
-                    <a:p>
-                      <a:r>
-                        <a:rPr lang="en-US" dirty="0" err="1">
-                          <a:latin typeface="微软雅黑" panose="020B0503020204020204" pitchFamily="34" charset="-122"/>
-                          <a:ea typeface="微软雅黑" panose="020B0503020204020204" pitchFamily="34" charset="-122"/>
-                        </a:rPr>
-                        <a:t>obj.x</a:t>
-                      </a:r>
-                      <a:r>
-                        <a:rPr lang="en-US" dirty="0">
-                          <a:latin typeface="微软雅黑" panose="020B0503020204020204" pitchFamily="34" charset="-122"/>
-                          <a:ea typeface="微软雅黑" panose="020B0503020204020204" pitchFamily="34" charset="-122"/>
-                        </a:rPr>
-                        <a:t>  </a:t>
-                      </a:r>
-                      <a:r>
-                        <a:rPr lang="en-US" dirty="0">
-                          <a:solidFill>
-                            <a:srgbClr val="00B050"/>
-                          </a:solidFill>
-                          <a:latin typeface="微软雅黑" panose="020B0503020204020204" pitchFamily="34" charset="-122"/>
-                          <a:ea typeface="微软雅黑" panose="020B0503020204020204" pitchFamily="34" charset="-122"/>
-                        </a:rPr>
-                        <a:t>// undefined</a:t>
-                      </a:r>
+                      <a:endParaRPr lang="zh-CN" altLang="en-US" dirty="0"/>
                     </a:p>
                   </a:txBody>
-                  <a:tcPr/>
+                  <a:tcPr anchor="ctr"/>
                 </a:tc>
                 <a:extLst>
                   <a:ext uri="{0D108BD9-81ED-4DB2-BD59-A6C34878D82A}">
-                    <a16:rowId xmlns:a16="http://schemas.microsoft.com/office/drawing/2014/main" val="693177122"/>
+                    <a16:rowId xmlns:a16="http://schemas.microsoft.com/office/drawing/2014/main" val="169988858"/>
                   </a:ext>
                 </a:extLst>
               </a:tr>
-              <a:tr h="465100">
+              <a:tr h="554849">
                 <a:tc>
                   <a:txBody>
                     <a:bodyPr/>
                     <a:lstStyle/>
                     <a:p>
                       <a:r>
-                        <a:rPr lang="en-US" dirty="0">
-                          <a:latin typeface="微软雅黑" panose="020B0503020204020204" pitchFamily="34" charset="-122"/>
-                          <a:ea typeface="微软雅黑" panose="020B0503020204020204" pitchFamily="34" charset="-122"/>
-                        </a:rPr>
-                        <a:t>in</a:t>
+                        <a:rPr lang="en-US" altLang="zh-CN" dirty="0"/>
+                        <a:t>- ,  </a:t>
                       </a:r>
+                      <a:r>
+                        <a:rPr lang="zh-CN" altLang="en-US" dirty="0"/>
+                        <a:t>* </a:t>
+                      </a:r>
+                      <a:r>
+                        <a:rPr lang="en-US" altLang="zh-CN" dirty="0"/>
+                        <a:t>,  /</a:t>
+                      </a:r>
+                      <a:endParaRPr lang="zh-CN" altLang="en-US" dirty="0"/>
                     </a:p>
                   </a:txBody>
-                  <a:tcPr/>
+                  <a:tcPr anchor="ctr"/>
                 </a:tc>
                 <a:tc>
                   <a:txBody>
@@ -16207,73 +15691,138 @@
                     <a:lstStyle/>
                     <a:p>
                       <a:r>
-                        <a:rPr lang="en-US" dirty="0">
-                          <a:latin typeface="微软雅黑" panose="020B0503020204020204" pitchFamily="34" charset="-122"/>
-                          <a:ea typeface="微软雅黑" panose="020B0503020204020204" pitchFamily="34" charset="-122"/>
+                        <a:rPr lang="zh-CN" altLang="en-US" sz="1800" kern="1200" dirty="0">
+                          <a:effectLst/>
                         </a:rPr>
-                        <a:t>x</a:t>
+                        <a:t>减，乘，除</a:t>
                       </a:r>
-                      <a:r>
-                        <a:rPr lang="en-US" baseline="0" dirty="0">
-                          <a:latin typeface="微软雅黑" panose="020B0503020204020204" pitchFamily="34" charset="-122"/>
-                          <a:ea typeface="微软雅黑" panose="020B0503020204020204" pitchFamily="34" charset="-122"/>
-                        </a:rPr>
-                        <a:t> in </a:t>
-                      </a:r>
-                      <a:r>
-                        <a:rPr lang="en-US" baseline="0" dirty="0" err="1">
-                          <a:latin typeface="微软雅黑" panose="020B0503020204020204" pitchFamily="34" charset="-122"/>
-                          <a:ea typeface="微软雅黑" panose="020B0503020204020204" pitchFamily="34" charset="-122"/>
-                        </a:rPr>
-                        <a:t>obj</a:t>
-                      </a:r>
-                      <a:endParaRPr lang="en-US" dirty="0">
-                        <a:latin typeface="微软雅黑" panose="020B0503020204020204" pitchFamily="34" charset="-122"/>
-                        <a:ea typeface="微软雅黑" panose="020B0503020204020204" pitchFamily="34" charset="-122"/>
-                      </a:endParaRPr>
+                      <a:endParaRPr lang="zh-CN" altLang="en-US" dirty="0"/>
                     </a:p>
                   </a:txBody>
-                  <a:tcPr/>
+                  <a:tcPr anchor="ctr"/>
                 </a:tc>
                 <a:extLst>
                   <a:ext uri="{0D108BD9-81ED-4DB2-BD59-A6C34878D82A}">
-                    <a16:rowId xmlns:a16="http://schemas.microsoft.com/office/drawing/2014/main" val="2258158384"/>
+                    <a16:rowId xmlns:a16="http://schemas.microsoft.com/office/drawing/2014/main" val="3908220923"/>
                   </a:ext>
                 </a:extLst>
               </a:tr>
-              <a:tr h="465100">
+              <a:tr h="554849">
                 <a:tc>
                   <a:txBody>
                     <a:bodyPr/>
                     <a:lstStyle/>
                     <a:p>
                       <a:r>
-                        <a:rPr lang="en-US" dirty="0">
-                          <a:latin typeface="微软雅黑" panose="020B0503020204020204" pitchFamily="34" charset="-122"/>
-                          <a:ea typeface="微软雅黑" panose="020B0503020204020204" pitchFamily="34" charset="-122"/>
-                        </a:rPr>
-                        <a:t>new</a:t>
+                        <a:rPr lang="en-US" altLang="zh-CN" dirty="0"/>
+                        <a:t>=</a:t>
                       </a:r>
+                      <a:endParaRPr lang="zh-CN" altLang="en-US" dirty="0"/>
                     </a:p>
                   </a:txBody>
-                  <a:tcPr/>
+                  <a:tcPr anchor="ctr"/>
                 </a:tc>
                 <a:tc>
                   <a:txBody>
                     <a:bodyPr/>
                     <a:lstStyle/>
                     <a:p>
-                      <a:endParaRPr lang="en-US" dirty="0">
-                        <a:latin typeface="微软雅黑" panose="020B0503020204020204" pitchFamily="34" charset="-122"/>
-                        <a:ea typeface="微软雅黑" panose="020B0503020204020204" pitchFamily="34" charset="-122"/>
-                      </a:endParaRPr>
+                      <a:r>
+                        <a:rPr lang="zh-CN" altLang="en-US" sz="1800" kern="1200" dirty="0">
+                          <a:effectLst/>
+                        </a:rPr>
+                        <a:t>赋值运算符</a:t>
+                      </a:r>
+                      <a:endParaRPr lang="zh-CN" altLang="en-US" dirty="0"/>
                     </a:p>
                   </a:txBody>
-                  <a:tcPr/>
+                  <a:tcPr anchor="ctr"/>
                 </a:tc>
                 <a:extLst>
                   <a:ext uri="{0D108BD9-81ED-4DB2-BD59-A6C34878D82A}">
-                    <a16:rowId xmlns:a16="http://schemas.microsoft.com/office/drawing/2014/main" val="4085219837"/>
+                    <a16:rowId xmlns:a16="http://schemas.microsoft.com/office/drawing/2014/main" val="82583917"/>
+                  </a:ext>
+                </a:extLst>
+              </a:tr>
+              <a:tr h="554849">
+                <a:tc>
+                  <a:txBody>
+                    <a:bodyPr/>
+                    <a:lstStyle/>
+                    <a:p>
+                      <a:r>
+                        <a:rPr lang="en-US" altLang="zh-CN" dirty="0"/>
+                        <a:t>===</a:t>
+                      </a:r>
+                      <a:endParaRPr lang="zh-CN" altLang="en-US" dirty="0"/>
+                    </a:p>
+                  </a:txBody>
+                  <a:tcPr anchor="ctr"/>
+                </a:tc>
+                <a:tc>
+                  <a:txBody>
+                    <a:bodyPr/>
+                    <a:lstStyle/>
+                    <a:p>
+                      <a:r>
+                        <a:rPr lang="zh-CN" altLang="en-US" sz="1800" kern="1200" dirty="0">
+                          <a:effectLst/>
+                        </a:rPr>
+                        <a:t>相等</a:t>
+                      </a:r>
+                      <a:endParaRPr lang="zh-CN" altLang="en-US" dirty="0"/>
+                    </a:p>
+                  </a:txBody>
+                  <a:tcPr anchor="ctr"/>
+                </a:tc>
+                <a:extLst>
+                  <a:ext uri="{0D108BD9-81ED-4DB2-BD59-A6C34878D82A}">
+                    <a16:rowId xmlns:a16="http://schemas.microsoft.com/office/drawing/2014/main" val="3030613679"/>
+                  </a:ext>
+                </a:extLst>
+              </a:tr>
+              <a:tr h="554849">
+                <a:tc>
+                  <a:txBody>
+                    <a:bodyPr/>
+                    <a:lstStyle/>
+                    <a:p>
+                      <a:r>
+                        <a:rPr lang="en-US" altLang="zh-CN" dirty="0"/>
+                        <a:t>!</a:t>
+                      </a:r>
+                      <a:r>
+                        <a:rPr lang="zh-CN" altLang="en-US" dirty="0"/>
+                        <a:t> </a:t>
+                      </a:r>
+                      <a:r>
+                        <a:rPr lang="en-US" altLang="zh-CN" dirty="0"/>
+                        <a:t>,  !==</a:t>
+                      </a:r>
+                      <a:endParaRPr lang="zh-CN" altLang="en-US" dirty="0"/>
+                    </a:p>
+                  </a:txBody>
+                  <a:tcPr anchor="ctr"/>
+                </a:tc>
+                <a:tc>
+                  <a:txBody>
+                    <a:bodyPr/>
+                    <a:lstStyle/>
+                    <a:p>
+                      <a:r>
+                        <a:rPr lang="zh-CN" altLang="en-US" sz="1800" kern="1200" dirty="0">
+                          <a:effectLst/>
+                        </a:rPr>
+                        <a:t>非，不等</a:t>
+                      </a:r>
+                      <a:endParaRPr lang="zh-CN" altLang="en-US" dirty="0"/>
+                    </a:p>
+                  </a:txBody>
+                  <a:tcPr anchor="ctr"/>
+                </a:tc>
+                <a:extLst>
+                  <a:ext uri="{0D108BD9-81ED-4DB2-BD59-A6C34878D82A}">
+                    <a16:rowId xmlns:a16="http://schemas.microsoft.com/office/drawing/2014/main" val="2051394602"/>
                   </a:ext>
                 </a:extLst>
               </a:tr>
@@ -16284,7 +15833,7 @@
     </p:spTree>
     <p:extLst>
       <p:ext uri="{BB962C8B-B14F-4D97-AF65-F5344CB8AC3E}">
-        <p14:creationId xmlns:p14="http://schemas.microsoft.com/office/powerpoint/2010/main" val="492841756"/>
+        <p14:creationId xmlns:p14="http://schemas.microsoft.com/office/powerpoint/2010/main" val="4027924992"/>
       </p:ext>
     </p:extLst>
   </p:cSld>
@@ -16329,455 +15878,132 @@
           <a:lstStyle/>
           <a:p>
             <a:r>
-              <a:rPr lang="en-US" altLang="zh-CN" dirty="0"/>
-              <a:t>==</a:t>
-            </a:r>
-            <a:r>
               <a:rPr lang="zh-CN" altLang="en-US" dirty="0"/>
-              <a:t>和</a:t>
-            </a:r>
-            <a:r>
-              <a:rPr lang="en-US" altLang="zh-CN" dirty="0"/>
-              <a:t>===</a:t>
+              <a:t>故事二 小兔子乖乖</a:t>
             </a:r>
             <a:endParaRPr lang="en-US" dirty="0"/>
           </a:p>
         </p:txBody>
       </p:sp>
-      <p:graphicFrame>
-        <p:nvGraphicFramePr>
-          <p:cNvPr id="4" name="Content Placeholder 3"/>
-          <p:cNvGraphicFramePr>
-            <a:graphicFrameLocks noGrp="1"/>
-          </p:cNvGraphicFramePr>
+      <p:sp>
+        <p:nvSpPr>
+          <p:cNvPr id="12" name="内容占位符 11">
+            <a:extLst>
+              <a:ext uri="{FF2B5EF4-FFF2-40B4-BE49-F238E27FC236}">
+                <a16:creationId xmlns:a16="http://schemas.microsoft.com/office/drawing/2014/main" id="{3F01DB22-81B5-4373-B135-AC8B48D0E8FB}"/>
+              </a:ext>
+            </a:extLst>
+          </p:cNvPr>
+          <p:cNvSpPr>
+            <a:spLocks noGrp="1"/>
+          </p:cNvSpPr>
           <p:nvPr>
-            <p:ph idx="1"/>
-            <p:extLst>
-              <p:ext uri="{D42A27DB-BD31-4B8C-83A1-F6EECF244321}">
-                <p14:modId xmlns:p14="http://schemas.microsoft.com/office/powerpoint/2010/main" val="3909934317"/>
-              </p:ext>
-            </p:extLst>
+            <p:ph sz="half" idx="1"/>
           </p:nvPr>
-        </p:nvGraphicFramePr>
-        <p:xfrm>
-          <a:off x="838200" y="2314575"/>
-          <a:ext cx="10515600" cy="2931160"/>
-        </p:xfrm>
-        <a:graphic>
-          <a:graphicData uri="http://schemas.openxmlformats.org/drawingml/2006/table">
-            <a:tbl>
-              <a:tblPr firstRow="1" bandRow="1">
-                <a:tableStyleId>{5C22544A-7EE6-4342-B048-85BDC9FD1C3A}</a:tableStyleId>
-              </a:tblPr>
-              <a:tblGrid>
-                <a:gridCol w="5257800">
-                  <a:extLst>
-                    <a:ext uri="{9D8B030D-6E8A-4147-A177-3AD203B41FA5}">
-                      <a16:colId xmlns:a16="http://schemas.microsoft.com/office/drawing/2014/main" val="3810940566"/>
-                    </a:ext>
-                  </a:extLst>
-                </a:gridCol>
-                <a:gridCol w="5257800">
-                  <a:extLst>
-                    <a:ext uri="{9D8B030D-6E8A-4147-A177-3AD203B41FA5}">
-                      <a16:colId xmlns:a16="http://schemas.microsoft.com/office/drawing/2014/main" val="2702119546"/>
-                    </a:ext>
-                  </a:extLst>
-                </a:gridCol>
-              </a:tblGrid>
-              <a:tr h="370840">
-                <a:tc>
-                  <a:txBody>
-                    <a:bodyPr/>
-                    <a:lstStyle/>
-                    <a:p>
-                      <a:pPr marL="0" marR="0" lvl="0" indent="0" algn="l" defTabSz="914400" rtl="0" eaLnBrk="1" fontAlgn="auto" latinLnBrk="0" hangingPunct="1">
-                        <a:lnSpc>
-                          <a:spcPct val="100000"/>
-                        </a:lnSpc>
-                        <a:spcBef>
-                          <a:spcPts val="0"/>
-                        </a:spcBef>
-                        <a:spcAft>
-                          <a:spcPts val="0"/>
-                        </a:spcAft>
-                        <a:buClrTx/>
-                        <a:buSzTx/>
-                        <a:buFontTx/>
-                        <a:buNone/>
-                        <a:tabLst/>
-                        <a:defRPr/>
-                      </a:pPr>
-                      <a:r>
-                        <a:rPr lang="en-US" altLang="zh-CN" dirty="0">
-                          <a:latin typeface="微软雅黑" panose="020B0503020204020204" pitchFamily="34" charset="-122"/>
-                          <a:ea typeface="微软雅黑" panose="020B0503020204020204" pitchFamily="34" charset="-122"/>
-                        </a:rPr>
-                        <a:t>===</a:t>
-                      </a:r>
-                      <a:endParaRPr lang="zh-CN" altLang="en-US" dirty="0">
-                        <a:latin typeface="微软雅黑" panose="020B0503020204020204" pitchFamily="34" charset="-122"/>
-                        <a:ea typeface="微软雅黑" panose="020B0503020204020204" pitchFamily="34" charset="-122"/>
-                      </a:endParaRPr>
-                    </a:p>
-                  </a:txBody>
-                  <a:tcPr/>
-                </a:tc>
-                <a:tc>
-                  <a:txBody>
-                    <a:bodyPr/>
-                    <a:lstStyle/>
-                    <a:p>
-                      <a:pPr marL="0" marR="0" lvl="0" indent="0" algn="l" defTabSz="914400" rtl="0" eaLnBrk="1" fontAlgn="auto" latinLnBrk="0" hangingPunct="1">
-                        <a:lnSpc>
-                          <a:spcPct val="100000"/>
-                        </a:lnSpc>
-                        <a:spcBef>
-                          <a:spcPts val="0"/>
-                        </a:spcBef>
-                        <a:spcAft>
-                          <a:spcPts val="0"/>
-                        </a:spcAft>
-                        <a:buClrTx/>
-                        <a:buSzTx/>
-                        <a:buFontTx/>
-                        <a:buNone/>
-                        <a:tabLst/>
-                        <a:defRPr/>
-                      </a:pPr>
-                      <a:r>
-                        <a:rPr lang="en-US" altLang="zh-CN" dirty="0">
-                          <a:latin typeface="微软雅黑" panose="020B0503020204020204" pitchFamily="34" charset="-122"/>
-                          <a:ea typeface="微软雅黑" panose="020B0503020204020204" pitchFamily="34" charset="-122"/>
-                        </a:rPr>
-                        <a:t>==</a:t>
-                      </a:r>
-                      <a:endParaRPr lang="zh-CN" altLang="en-US" dirty="0">
-                        <a:latin typeface="微软雅黑" panose="020B0503020204020204" pitchFamily="34" charset="-122"/>
-                        <a:ea typeface="微软雅黑" panose="020B0503020204020204" pitchFamily="34" charset="-122"/>
-                      </a:endParaRPr>
-                    </a:p>
-                  </a:txBody>
-                  <a:tcPr/>
-                </a:tc>
-                <a:extLst>
-                  <a:ext uri="{0D108BD9-81ED-4DB2-BD59-A6C34878D82A}">
-                    <a16:rowId xmlns:a16="http://schemas.microsoft.com/office/drawing/2014/main" val="1442974952"/>
-                  </a:ext>
-                </a:extLst>
-              </a:tr>
-              <a:tr h="370840">
-                <a:tc>
-                  <a:txBody>
-                    <a:bodyPr/>
-                    <a:lstStyle/>
-                    <a:p>
-                      <a:pPr marL="285750" indent="-285750">
-                        <a:buFont typeface="Arial" panose="020B0604020202020204" pitchFamily="34" charset="0"/>
-                        <a:buChar char="•"/>
-                      </a:pPr>
-                      <a:r>
-                        <a:rPr lang="zh-CN" altLang="en-US" dirty="0">
-                          <a:latin typeface="微软雅黑" panose="020B0503020204020204" pitchFamily="34" charset="-122"/>
-                          <a:ea typeface="微软雅黑" panose="020B0503020204020204" pitchFamily="34" charset="-122"/>
-                        </a:rPr>
-                        <a:t>判断类型</a:t>
-                      </a:r>
-                      <a:endParaRPr lang="en-US" altLang="zh-CN" dirty="0">
-                        <a:latin typeface="微软雅黑" panose="020B0503020204020204" pitchFamily="34" charset="-122"/>
-                        <a:ea typeface="微软雅黑" panose="020B0503020204020204" pitchFamily="34" charset="-122"/>
-                      </a:endParaRPr>
-                    </a:p>
-                    <a:p>
-                      <a:pPr marL="285750" indent="-285750">
-                        <a:buFont typeface="Arial" panose="020B0604020202020204" pitchFamily="34" charset="0"/>
-                        <a:buChar char="•"/>
-                      </a:pPr>
-                      <a:r>
-                        <a:rPr lang="zh-CN" altLang="en-US" dirty="0">
-                          <a:latin typeface="微软雅黑" panose="020B0503020204020204" pitchFamily="34" charset="-122"/>
-                          <a:ea typeface="微软雅黑" panose="020B0503020204020204" pitchFamily="34" charset="-122"/>
-                        </a:rPr>
-                        <a:t>类型相同</a:t>
-                      </a:r>
-                      <a:r>
-                        <a:rPr lang="en-US" altLang="zh-CN" dirty="0">
-                          <a:latin typeface="微软雅黑" panose="020B0503020204020204" pitchFamily="34" charset="-122"/>
-                          <a:ea typeface="微软雅黑" panose="020B0503020204020204" pitchFamily="34" charset="-122"/>
-                        </a:rPr>
-                        <a:t>:</a:t>
-                      </a:r>
-                    </a:p>
-                    <a:p>
-                      <a:pPr marL="742950" lvl="1" indent="-285750">
-                        <a:buFont typeface="Arial" panose="020B0604020202020204" pitchFamily="34" charset="0"/>
-                        <a:buChar char="•"/>
-                      </a:pPr>
-                      <a:r>
-                        <a:rPr lang="en-US" altLang="zh-CN" dirty="0">
-                          <a:latin typeface="微软雅黑" panose="020B0503020204020204" pitchFamily="34" charset="-122"/>
-                          <a:ea typeface="微软雅黑" panose="020B0503020204020204" pitchFamily="34" charset="-122"/>
-                        </a:rPr>
-                        <a:t>null === null</a:t>
-                      </a:r>
-                    </a:p>
-                    <a:p>
-                      <a:pPr marL="742950" lvl="1" indent="-285750">
-                        <a:buFont typeface="Arial" panose="020B0604020202020204" pitchFamily="34" charset="0"/>
-                        <a:buChar char="•"/>
-                      </a:pPr>
-                      <a:r>
-                        <a:rPr lang="en-US" altLang="zh-CN" dirty="0">
-                          <a:latin typeface="微软雅黑" panose="020B0503020204020204" pitchFamily="34" charset="-122"/>
-                          <a:ea typeface="微软雅黑" panose="020B0503020204020204" pitchFamily="34" charset="-122"/>
-                        </a:rPr>
-                        <a:t>undefined === undefined</a:t>
-                      </a:r>
-                    </a:p>
-                    <a:p>
-                      <a:pPr marL="742950" lvl="1" indent="-285750">
-                        <a:buFont typeface="Arial" panose="020B0604020202020204" pitchFamily="34" charset="0"/>
-                        <a:buChar char="•"/>
-                      </a:pPr>
-                      <a:r>
-                        <a:rPr lang="en-US" altLang="zh-CN" dirty="0" err="1">
-                          <a:latin typeface="微软雅黑" panose="020B0503020204020204" pitchFamily="34" charset="-122"/>
-                          <a:ea typeface="微软雅黑" panose="020B0503020204020204" pitchFamily="34" charset="-122"/>
-                        </a:rPr>
-                        <a:t>NaN</a:t>
-                      </a:r>
-                      <a:r>
-                        <a:rPr lang="en-US" altLang="zh-CN" dirty="0">
-                          <a:latin typeface="微软雅黑" panose="020B0503020204020204" pitchFamily="34" charset="-122"/>
-                          <a:ea typeface="微软雅黑" panose="020B0503020204020204" pitchFamily="34" charset="-122"/>
-                        </a:rPr>
-                        <a:t> !== </a:t>
-                      </a:r>
-                      <a:r>
-                        <a:rPr lang="en-US" altLang="zh-CN" dirty="0" err="1">
-                          <a:latin typeface="微软雅黑" panose="020B0503020204020204" pitchFamily="34" charset="-122"/>
-                          <a:ea typeface="微软雅黑" panose="020B0503020204020204" pitchFamily="34" charset="-122"/>
-                        </a:rPr>
-                        <a:t>NaN</a:t>
-                      </a:r>
-                      <a:endParaRPr lang="en-US" altLang="zh-CN" dirty="0">
-                        <a:latin typeface="微软雅黑" panose="020B0503020204020204" pitchFamily="34" charset="-122"/>
-                        <a:ea typeface="微软雅黑" panose="020B0503020204020204" pitchFamily="34" charset="-122"/>
-                      </a:endParaRPr>
-                    </a:p>
-                    <a:p>
-                      <a:pPr marL="742950" lvl="1" indent="-285750">
-                        <a:buFont typeface="Arial" panose="020B0604020202020204" pitchFamily="34" charset="0"/>
-                        <a:buChar char="•"/>
-                      </a:pPr>
-                      <a:r>
-                        <a:rPr lang="en-US" altLang="zh-CN" dirty="0">
-                          <a:latin typeface="微软雅黑" panose="020B0503020204020204" pitchFamily="34" charset="-122"/>
-                          <a:ea typeface="微软雅黑" panose="020B0503020204020204" pitchFamily="34" charset="-122"/>
-                        </a:rPr>
-                        <a:t>{} !== {}</a:t>
-                      </a:r>
-                      <a:endParaRPr lang="zh-CN" altLang="en-US" dirty="0">
-                        <a:latin typeface="微软雅黑" panose="020B0503020204020204" pitchFamily="34" charset="-122"/>
-                        <a:ea typeface="微软雅黑" panose="020B0503020204020204" pitchFamily="34" charset="-122"/>
-                      </a:endParaRPr>
-                    </a:p>
-                  </a:txBody>
-                  <a:tcPr/>
-                </a:tc>
-                <a:tc>
-                  <a:txBody>
-                    <a:bodyPr/>
-                    <a:lstStyle/>
-                    <a:p>
-                      <a:pPr marL="285750" indent="-285750">
-                        <a:buFont typeface="Arial" panose="020B0604020202020204" pitchFamily="34" charset="0"/>
-                        <a:buChar char="•"/>
-                      </a:pPr>
-                      <a:r>
-                        <a:rPr lang="zh-CN" altLang="en-US" dirty="0">
-                          <a:latin typeface="微软雅黑" panose="020B0503020204020204" pitchFamily="34" charset="-122"/>
-                          <a:ea typeface="微软雅黑" panose="020B0503020204020204" pitchFamily="34" charset="-122"/>
-                        </a:rPr>
-                        <a:t>类型相同，与</a:t>
-                      </a:r>
-                      <a:r>
-                        <a:rPr lang="en-US" altLang="zh-CN" dirty="0">
-                          <a:latin typeface="微软雅黑" panose="020B0503020204020204" pitchFamily="34" charset="-122"/>
-                          <a:ea typeface="微软雅黑" panose="020B0503020204020204" pitchFamily="34" charset="-122"/>
-                        </a:rPr>
-                        <a:t>===</a:t>
-                      </a:r>
-                      <a:r>
-                        <a:rPr lang="zh-CN" altLang="en-US" dirty="0">
-                          <a:latin typeface="微软雅黑" panose="020B0503020204020204" pitchFamily="34" charset="-122"/>
-                          <a:ea typeface="微软雅黑" panose="020B0503020204020204" pitchFamily="34" charset="-122"/>
-                        </a:rPr>
-                        <a:t>逻辑相同</a:t>
-                      </a:r>
-                      <a:endParaRPr lang="en-US" altLang="zh-CN" dirty="0">
-                        <a:latin typeface="微软雅黑" panose="020B0503020204020204" pitchFamily="34" charset="-122"/>
-                        <a:ea typeface="微软雅黑" panose="020B0503020204020204" pitchFamily="34" charset="-122"/>
-                      </a:endParaRPr>
-                    </a:p>
-                    <a:p>
-                      <a:pPr marL="285750" indent="-285750">
-                        <a:buFont typeface="Arial" panose="020B0604020202020204" pitchFamily="34" charset="0"/>
-                        <a:buChar char="•"/>
-                      </a:pPr>
-                      <a:r>
-                        <a:rPr lang="zh-CN" altLang="en-US" dirty="0">
-                          <a:latin typeface="微软雅黑" panose="020B0503020204020204" pitchFamily="34" charset="-122"/>
-                          <a:ea typeface="微软雅黑" panose="020B0503020204020204" pitchFamily="34" charset="-122"/>
-                        </a:rPr>
-                        <a:t>类型不同，进行</a:t>
-                      </a:r>
-                      <a:r>
-                        <a:rPr lang="zh-CN" altLang="en-US" b="1" dirty="0">
-                          <a:latin typeface="微软雅黑" panose="020B0503020204020204" pitchFamily="34" charset="-122"/>
-                          <a:ea typeface="微软雅黑" panose="020B0503020204020204" pitchFamily="34" charset="-122"/>
-                        </a:rPr>
-                        <a:t>尝试转换</a:t>
-                      </a:r>
-                      <a:endParaRPr lang="en-US" altLang="zh-CN" b="1" dirty="0">
-                        <a:latin typeface="微软雅黑" panose="020B0503020204020204" pitchFamily="34" charset="-122"/>
-                        <a:ea typeface="微软雅黑" panose="020B0503020204020204" pitchFamily="34" charset="-122"/>
-                      </a:endParaRPr>
-                    </a:p>
-                    <a:p>
-                      <a:pPr marL="742950" lvl="1" indent="-285750">
-                        <a:buFont typeface="Arial" panose="020B0604020202020204" pitchFamily="34" charset="0"/>
-                        <a:buChar char="•"/>
-                      </a:pPr>
-                      <a:r>
-                        <a:rPr lang="en-US" altLang="zh-CN" dirty="0">
-                          <a:latin typeface="微软雅黑" panose="020B0503020204020204" pitchFamily="34" charset="-122"/>
-                          <a:ea typeface="微软雅黑" panose="020B0503020204020204" pitchFamily="34" charset="-122"/>
-                        </a:rPr>
-                        <a:t>null == undefined </a:t>
-                      </a:r>
-                    </a:p>
-                    <a:p>
-                      <a:pPr marL="742950" lvl="1" indent="-285750">
-                        <a:buFont typeface="Arial" panose="020B0604020202020204" pitchFamily="34" charset="0"/>
-                        <a:buChar char="•"/>
-                      </a:pPr>
-                      <a:r>
-                        <a:rPr lang="en-US" altLang="zh-CN" dirty="0">
-                          <a:latin typeface="微软雅黑" panose="020B0503020204020204" pitchFamily="34" charset="-122"/>
-                          <a:ea typeface="微软雅黑" panose="020B0503020204020204" pitchFamily="34" charset="-122"/>
-                        </a:rPr>
-                        <a:t>number == string </a:t>
-                      </a:r>
-                    </a:p>
-                    <a:p>
-                      <a:pPr marL="742950" lvl="1" indent="-285750">
-                        <a:buFont typeface="Arial" panose="020B0604020202020204" pitchFamily="34" charset="0"/>
-                        <a:buChar char="•"/>
-                      </a:pPr>
-                      <a:r>
-                        <a:rPr lang="en-US" altLang="zh-CN" dirty="0" err="1">
-                          <a:latin typeface="微软雅黑" panose="020B0503020204020204" pitchFamily="34" charset="-122"/>
-                          <a:ea typeface="微软雅黑" panose="020B0503020204020204" pitchFamily="34" charset="-122"/>
-                        </a:rPr>
-                        <a:t>boolean</a:t>
-                      </a:r>
-                      <a:r>
-                        <a:rPr lang="en-US" altLang="zh-CN" dirty="0">
-                          <a:latin typeface="微软雅黑" panose="020B0503020204020204" pitchFamily="34" charset="-122"/>
-                          <a:ea typeface="微软雅黑" panose="020B0503020204020204" pitchFamily="34" charset="-122"/>
-                        </a:rPr>
-                        <a:t> == other</a:t>
-                      </a:r>
-                    </a:p>
-                    <a:p>
-                      <a:pPr marL="742950" marR="0" lvl="1" indent="-285750" algn="l" defTabSz="914400" rtl="0" eaLnBrk="1" fontAlgn="auto" latinLnBrk="0" hangingPunct="1">
-                        <a:lnSpc>
-                          <a:spcPct val="100000"/>
-                        </a:lnSpc>
-                        <a:spcBef>
-                          <a:spcPts val="0"/>
-                        </a:spcBef>
-                        <a:spcAft>
-                          <a:spcPts val="0"/>
-                        </a:spcAft>
-                        <a:buClrTx/>
-                        <a:buSzTx/>
-                        <a:buFont typeface="Arial" panose="020B0604020202020204" pitchFamily="34" charset="0"/>
-                        <a:buChar char="•"/>
-                        <a:tabLst/>
-                        <a:defRPr/>
-                      </a:pPr>
-                      <a:r>
-                        <a:rPr lang="en-US" altLang="zh-CN" dirty="0">
-                          <a:latin typeface="微软雅黑" panose="020B0503020204020204" pitchFamily="34" charset="-122"/>
-                          <a:ea typeface="微软雅黑" panose="020B0503020204020204" pitchFamily="34" charset="-122"/>
-                        </a:rPr>
-                        <a:t>object == other (</a:t>
-                      </a:r>
-                      <a:r>
-                        <a:rPr lang="zh-CN" altLang="en-US" dirty="0">
-                          <a:latin typeface="微软雅黑" panose="020B0503020204020204" pitchFamily="34" charset="-122"/>
-                          <a:ea typeface="微软雅黑" panose="020B0503020204020204" pitchFamily="34" charset="-122"/>
-                        </a:rPr>
-                        <a:t>将</a:t>
-                      </a:r>
-                      <a:r>
-                        <a:rPr lang="en-US" altLang="zh-CN" dirty="0">
-                          <a:latin typeface="微软雅黑" panose="020B0503020204020204" pitchFamily="34" charset="-122"/>
-                          <a:ea typeface="微软雅黑" panose="020B0503020204020204" pitchFamily="34" charset="-122"/>
-                        </a:rPr>
-                        <a:t>object</a:t>
-                      </a:r>
-                      <a:r>
-                        <a:rPr lang="zh-CN" altLang="en-US" dirty="0">
-                          <a:latin typeface="微软雅黑" panose="020B0503020204020204" pitchFamily="34" charset="-122"/>
-                          <a:ea typeface="微软雅黑" panose="020B0503020204020204" pitchFamily="34" charset="-122"/>
-                        </a:rPr>
-                        <a:t>转换为基本类型</a:t>
-                      </a:r>
-                      <a:r>
-                        <a:rPr lang="en-US" altLang="zh-CN" dirty="0">
-                          <a:latin typeface="微软雅黑" panose="020B0503020204020204" pitchFamily="34" charset="-122"/>
-                          <a:ea typeface="微软雅黑" panose="020B0503020204020204" pitchFamily="34" charset="-122"/>
-                        </a:rPr>
-                        <a:t>)</a:t>
-                      </a:r>
-                      <a:endParaRPr lang="en-US" dirty="0">
-                        <a:latin typeface="微软雅黑" panose="020B0503020204020204" pitchFamily="34" charset="-122"/>
-                        <a:ea typeface="微软雅黑" panose="020B0503020204020204" pitchFamily="34" charset="-122"/>
-                      </a:endParaRPr>
-                    </a:p>
-                    <a:p>
-                      <a:pPr lvl="1"/>
-                      <a:endParaRPr lang="en-US" altLang="zh-CN" dirty="0">
-                        <a:latin typeface="微软雅黑" panose="020B0503020204020204" pitchFamily="34" charset="-122"/>
-                        <a:ea typeface="微软雅黑" panose="020B0503020204020204" pitchFamily="34" charset="-122"/>
-                      </a:endParaRPr>
-                    </a:p>
-                    <a:p>
-                      <a:endParaRPr lang="en-US" dirty="0">
-                        <a:latin typeface="微软雅黑" panose="020B0503020204020204" pitchFamily="34" charset="-122"/>
-                        <a:ea typeface="微软雅黑" panose="020B0503020204020204" pitchFamily="34" charset="-122"/>
-                      </a:endParaRPr>
-                    </a:p>
-                  </a:txBody>
-                  <a:tcPr/>
-                </a:tc>
-                <a:extLst>
-                  <a:ext uri="{0D108BD9-81ED-4DB2-BD59-A6C34878D82A}">
-                    <a16:rowId xmlns:a16="http://schemas.microsoft.com/office/drawing/2014/main" val="3365815390"/>
-                  </a:ext>
-                </a:extLst>
-              </a:tr>
-            </a:tbl>
-          </a:graphicData>
-        </a:graphic>
-      </p:graphicFrame>
+        </p:nvSpPr>
+        <p:spPr>
+          <a:xfrm>
+            <a:off x="838200" y="2362199"/>
+            <a:ext cx="4561703" cy="3814763"/>
+          </a:xfrm>
+        </p:spPr>
+        <p:txBody>
+          <a:bodyPr/>
+          <a:lstStyle/>
+          <a:p>
+            <a:pPr>
+              <a:spcBef>
+                <a:spcPts val="2400"/>
+              </a:spcBef>
+            </a:pPr>
+            <a:r>
+              <a:rPr lang="zh-CN" altLang="en-US" dirty="0"/>
+              <a:t>小兔子乖乖，把门开开</a:t>
+            </a:r>
+            <a:endParaRPr lang="en-US" altLang="zh-CN" dirty="0"/>
+          </a:p>
+          <a:p>
+            <a:pPr>
+              <a:spcBef>
+                <a:spcPts val="2400"/>
+              </a:spcBef>
+            </a:pPr>
+            <a:r>
+              <a:rPr lang="zh-CN" altLang="en-US" dirty="0"/>
+              <a:t>快点儿开开，我要进来</a:t>
+            </a:r>
+            <a:endParaRPr lang="en-US" altLang="zh-CN" dirty="0"/>
+          </a:p>
+          <a:p>
+            <a:pPr>
+              <a:spcBef>
+                <a:spcPts val="2400"/>
+              </a:spcBef>
+            </a:pPr>
+            <a:r>
+              <a:rPr lang="zh-CN" altLang="en-US" dirty="0"/>
+              <a:t>就开就开，我就开</a:t>
+            </a:r>
+            <a:endParaRPr lang="en-US" altLang="zh-CN" dirty="0"/>
+          </a:p>
+          <a:p>
+            <a:pPr>
+              <a:spcBef>
+                <a:spcPts val="2400"/>
+              </a:spcBef>
+            </a:pPr>
+            <a:r>
+              <a:rPr lang="zh-CN" altLang="en-US" dirty="0"/>
+              <a:t>妈妈回来了，我就把门开</a:t>
+            </a:r>
+          </a:p>
+          <a:p>
+            <a:pPr marL="0" indent="0">
+              <a:buNone/>
+            </a:pPr>
+            <a:endParaRPr lang="en-US" altLang="zh-CN" dirty="0"/>
+          </a:p>
+        </p:txBody>
+      </p:sp>
+      <p:pic>
+        <p:nvPicPr>
+          <p:cNvPr id="15" name="内容占位符 14">
+            <a:extLst>
+              <a:ext uri="{FF2B5EF4-FFF2-40B4-BE49-F238E27FC236}">
+                <a16:creationId xmlns:a16="http://schemas.microsoft.com/office/drawing/2014/main" id="{D7F61D13-B4C5-4387-8DEC-2AEF792D78C8}"/>
+              </a:ext>
+            </a:extLst>
+          </p:cNvPr>
+          <p:cNvPicPr>
+            <a:picLocks noGrp="1" noChangeAspect="1"/>
+          </p:cNvPicPr>
+          <p:nvPr>
+            <p:ph sz="half" idx="2"/>
+          </p:nvPr>
+        </p:nvPicPr>
+        <p:blipFill>
+          <a:blip r:embed="rId3">
+            <a:extLst>
+              <a:ext uri="{28A0092B-C50C-407E-A947-70E740481C1C}">
+                <a14:useLocalDpi xmlns:a14="http://schemas.microsoft.com/office/drawing/2010/main" val="0"/>
+              </a:ext>
+            </a:extLst>
+          </a:blip>
+          <a:stretch>
+            <a:fillRect/>
+          </a:stretch>
+        </p:blipFill>
+        <p:spPr>
+          <a:xfrm>
+            <a:off x="5631657" y="2362199"/>
+            <a:ext cx="5722143" cy="3814762"/>
+          </a:xfrm>
+        </p:spPr>
+      </p:pic>
     </p:spTree>
     <p:extLst>
       <p:ext uri="{BB962C8B-B14F-4D97-AF65-F5344CB8AC3E}">
-        <p14:creationId xmlns:p14="http://schemas.microsoft.com/office/powerpoint/2010/main" val="280718863"/>
+        <p14:creationId xmlns:p14="http://schemas.microsoft.com/office/powerpoint/2010/main" val="497771498"/>
       </p:ext>
     </p:extLst>
   </p:cSld>

--- a/NLU Training - Javascript For QA.pptx
+++ b/NLU Training - Javascript For QA.pptx
@@ -5,10 +5,10 @@
     <p:sldMasterId id="2147483702" r:id="rId1"/>
   </p:sldMasterIdLst>
   <p:notesMasterIdLst>
-    <p:notesMasterId r:id="rId19"/>
+    <p:notesMasterId r:id="rId22"/>
   </p:notesMasterIdLst>
   <p:handoutMasterIdLst>
-    <p:handoutMasterId r:id="rId20"/>
+    <p:handoutMasterId r:id="rId23"/>
   </p:handoutMasterIdLst>
   <p:sldIdLst>
     <p:sldId id="256" r:id="rId2"/>
@@ -20,14 +20,17 @@
     <p:sldId id="337" r:id="rId8"/>
     <p:sldId id="343" r:id="rId9"/>
     <p:sldId id="339" r:id="rId10"/>
-    <p:sldId id="321" r:id="rId11"/>
-    <p:sldId id="331" r:id="rId12"/>
-    <p:sldId id="325" r:id="rId13"/>
-    <p:sldId id="326" r:id="rId14"/>
-    <p:sldId id="327" r:id="rId15"/>
-    <p:sldId id="340" r:id="rId16"/>
-    <p:sldId id="341" r:id="rId17"/>
-    <p:sldId id="285" r:id="rId18"/>
+    <p:sldId id="344" r:id="rId11"/>
+    <p:sldId id="345" r:id="rId12"/>
+    <p:sldId id="346" r:id="rId13"/>
+    <p:sldId id="347" r:id="rId14"/>
+    <p:sldId id="348" r:id="rId15"/>
+    <p:sldId id="349" r:id="rId16"/>
+    <p:sldId id="350" r:id="rId17"/>
+    <p:sldId id="351" r:id="rId18"/>
+    <p:sldId id="352" r:id="rId19"/>
+    <p:sldId id="353" r:id="rId20"/>
+    <p:sldId id="285" r:id="rId21"/>
   </p:sldIdLst>
   <p:sldSz cx="12192000" cy="6858000"/>
   <p:notesSz cx="6858000" cy="9144000"/>
@@ -140,13 +143,16 @@
             <p14:sldId id="337"/>
             <p14:sldId id="343"/>
             <p14:sldId id="339"/>
-            <p14:sldId id="321"/>
-            <p14:sldId id="331"/>
-            <p14:sldId id="325"/>
-            <p14:sldId id="326"/>
-            <p14:sldId id="327"/>
-            <p14:sldId id="340"/>
-            <p14:sldId id="341"/>
+            <p14:sldId id="344"/>
+            <p14:sldId id="345"/>
+            <p14:sldId id="346"/>
+            <p14:sldId id="347"/>
+            <p14:sldId id="348"/>
+            <p14:sldId id="349"/>
+            <p14:sldId id="350"/>
+            <p14:sldId id="351"/>
+            <p14:sldId id="352"/>
+            <p14:sldId id="353"/>
             <p14:sldId id="285"/>
           </p14:sldIdLst>
         </p14:section>
@@ -267,7 +273,7 @@
               <a:rPr lang="en-US" smtClean="0">
                 <a:latin typeface="Source Sans Pro" panose="020B0503030403020204" pitchFamily="34" charset="0"/>
               </a:rPr>
-              <a:t>3/18/2018</a:t>
+              <a:t>3/19/2018</a:t>
             </a:fld>
             <a:endParaRPr lang="en-US" dirty="0">
               <a:latin typeface="Source Sans Pro" panose="020B0503030403020204" pitchFamily="34" charset="0"/>
@@ -445,7 +451,7 @@
             <a:fld id="{ACAD2996-C03F-47DF-9010-22BB95A4AB9B}" type="datetimeFigureOut">
               <a:rPr lang="en-US" smtClean="0"/>
               <a:pPr/>
-              <a:t>3/18/2018</a:t>
+              <a:t>3/19/2018</a:t>
             </a:fld>
             <a:endParaRPr lang="en-US" dirty="0"/>
           </a:p>
@@ -821,7 +827,7 @@
       </p:grpSpPr>
       <p:sp>
         <p:nvSpPr>
-          <p:cNvPr id="2" name="Slide Image Placeholder 1"/>
+          <p:cNvPr id="2" name="幻灯片图像占位符 1"/>
           <p:cNvSpPr>
             <a:spLocks noGrp="1" noRot="1" noChangeAspect="1"/>
           </p:cNvSpPr>
@@ -833,7 +839,7 @@
       </p:sp>
       <p:sp>
         <p:nvSpPr>
-          <p:cNvPr id="3" name="Notes Placeholder 2"/>
+          <p:cNvPr id="3" name="备注占位符 2"/>
           <p:cNvSpPr>
             <a:spLocks noGrp="1"/>
           </p:cNvSpPr>
@@ -846,746 +852,13 @@
           <a:bodyPr/>
           <a:lstStyle/>
           <a:p>
-            <a:pPr marL="228600" marR="0" lvl="0" indent="-228600" algn="l" defTabSz="914400" rtl="0" eaLnBrk="1" fontAlgn="auto" latinLnBrk="0" hangingPunct="1">
-              <a:lnSpc>
-                <a:spcPct val="100000"/>
-              </a:lnSpc>
-              <a:spcBef>
-                <a:spcPts val="0"/>
-              </a:spcBef>
-              <a:spcAft>
-                <a:spcPts val="0"/>
-              </a:spcAft>
-              <a:buClrTx/>
-              <a:buSzTx/>
-              <a:buFontTx/>
-              <a:buAutoNum type="arabicPeriod"/>
-              <a:tabLst/>
-              <a:defRPr/>
-            </a:pPr>
-            <a:r>
-              <a:rPr lang="en-US" altLang="zh-CN" sz="1200" b="1" i="0" kern="1200" dirty="0">
-                <a:solidFill>
-                  <a:schemeClr val="tx1"/>
-                </a:solidFill>
-                <a:effectLst/>
-                <a:latin typeface="Source Sans Pro" panose="020B0503030403020204" pitchFamily="34" charset="0"/>
-                <a:ea typeface="+mn-ea"/>
-                <a:cs typeface="+mn-cs"/>
-              </a:rPr>
-              <a:t>Install Visual Studio Code [</a:t>
-            </a:r>
-            <a:r>
-              <a:rPr lang="en-US" altLang="zh-CN" sz="1200" b="0" u="sng" kern="1200" dirty="0">
-                <a:solidFill>
-                  <a:schemeClr val="tx1"/>
-                </a:solidFill>
-                <a:effectLst/>
-                <a:latin typeface="Source Sans Pro" panose="020B0503030403020204" pitchFamily="34" charset="0"/>
-                <a:ea typeface="+mn-ea"/>
-                <a:cs typeface="+mn-cs"/>
-              </a:rPr>
-              <a:t>https://code.visualstudio.com/]</a:t>
-            </a:r>
-            <a:endParaRPr lang="en-US" altLang="zh-CN" sz="1200" b="0" kern="1200" dirty="0">
-              <a:solidFill>
-                <a:schemeClr val="tx1"/>
-              </a:solidFill>
-              <a:effectLst/>
-              <a:latin typeface="Source Sans Pro" panose="020B0503030403020204" pitchFamily="34" charset="0"/>
-              <a:ea typeface="+mn-ea"/>
-              <a:cs typeface="+mn-cs"/>
-            </a:endParaRPr>
-          </a:p>
-          <a:p>
-            <a:pPr marL="228600" marR="0" lvl="0" indent="-228600" algn="l" defTabSz="914400" rtl="0" eaLnBrk="1" fontAlgn="auto" latinLnBrk="0" hangingPunct="1">
-              <a:lnSpc>
-                <a:spcPct val="100000"/>
-              </a:lnSpc>
-              <a:spcBef>
-                <a:spcPts val="0"/>
-              </a:spcBef>
-              <a:spcAft>
-                <a:spcPts val="0"/>
-              </a:spcAft>
-              <a:buClrTx/>
-              <a:buSzTx/>
-              <a:buFontTx/>
-              <a:buAutoNum type="arabicPeriod"/>
-              <a:tabLst/>
-              <a:defRPr/>
-            </a:pPr>
-            <a:r>
-              <a:rPr lang="en-US" altLang="zh-CN" sz="1200" b="1" i="0" kern="1200" dirty="0">
-                <a:solidFill>
-                  <a:schemeClr val="tx1"/>
-                </a:solidFill>
-                <a:effectLst/>
-                <a:latin typeface="Source Sans Pro" panose="020B0503030403020204" pitchFamily="34" charset="0"/>
-                <a:ea typeface="+mn-ea"/>
-                <a:cs typeface="+mn-cs"/>
-              </a:rPr>
-              <a:t>Install Git [</a:t>
-            </a:r>
-            <a:r>
-              <a:rPr lang="en-US" altLang="zh-CN" sz="1200" b="0" u="sng" kern="1200" dirty="0">
-                <a:solidFill>
-                  <a:schemeClr val="tx1"/>
-                </a:solidFill>
-                <a:effectLst/>
-                <a:latin typeface="Source Sans Pro" panose="020B0503030403020204" pitchFamily="34" charset="0"/>
-                <a:ea typeface="+mn-ea"/>
-                <a:cs typeface="+mn-cs"/>
-              </a:rPr>
-              <a:t>https://git-scm.com/</a:t>
-            </a:r>
-            <a:r>
-              <a:rPr lang="en-US" altLang="zh-CN" sz="1200" b="1" i="0" kern="1200" dirty="0">
-                <a:solidFill>
-                  <a:schemeClr val="tx1"/>
-                </a:solidFill>
-                <a:effectLst/>
-                <a:latin typeface="Source Sans Pro" panose="020B0503030403020204" pitchFamily="34" charset="0"/>
-                <a:ea typeface="+mn-ea"/>
-                <a:cs typeface="+mn-cs"/>
-              </a:rPr>
-              <a:t>]</a:t>
-            </a:r>
-          </a:p>
-          <a:p>
-            <a:pPr marL="228600" marR="0" lvl="0" indent="-228600" algn="l" defTabSz="914400" rtl="0" eaLnBrk="1" fontAlgn="auto" latinLnBrk="0" hangingPunct="1">
-              <a:lnSpc>
-                <a:spcPct val="100000"/>
-              </a:lnSpc>
-              <a:spcBef>
-                <a:spcPts val="0"/>
-              </a:spcBef>
-              <a:spcAft>
-                <a:spcPts val="0"/>
-              </a:spcAft>
-              <a:buClrTx/>
-              <a:buSzTx/>
-              <a:buFontTx/>
-              <a:buAutoNum type="arabicPeriod"/>
-              <a:tabLst/>
-              <a:defRPr/>
-            </a:pPr>
-            <a:r>
-              <a:rPr lang="en-US" altLang="zh-CN" sz="1200" b="1" i="0" kern="1200" dirty="0">
-                <a:solidFill>
-                  <a:schemeClr val="tx1"/>
-                </a:solidFill>
-                <a:effectLst/>
-                <a:latin typeface="Source Sans Pro" panose="020B0503030403020204" pitchFamily="34" charset="0"/>
-                <a:ea typeface="+mn-ea"/>
-                <a:cs typeface="+mn-cs"/>
-              </a:rPr>
-              <a:t>Install Nodejs [</a:t>
-            </a:r>
-            <a:r>
-              <a:rPr lang="en-US" altLang="zh-CN" sz="1200" b="0" u="sng" kern="1200" dirty="0">
-                <a:solidFill>
-                  <a:schemeClr val="tx1"/>
-                </a:solidFill>
-                <a:effectLst/>
-                <a:latin typeface="Source Sans Pro" panose="020B0503030403020204" pitchFamily="34" charset="0"/>
-                <a:ea typeface="+mn-ea"/>
-                <a:cs typeface="+mn-cs"/>
-              </a:rPr>
-              <a:t>http://nodejs.cn/</a:t>
-            </a:r>
-            <a:r>
-              <a:rPr lang="en-US" altLang="zh-CN" sz="1200" b="1" i="0" kern="1200" dirty="0">
-                <a:solidFill>
-                  <a:schemeClr val="tx1"/>
-                </a:solidFill>
-                <a:effectLst/>
-                <a:latin typeface="Source Sans Pro" panose="020B0503030403020204" pitchFamily="34" charset="0"/>
-                <a:ea typeface="+mn-ea"/>
-                <a:cs typeface="+mn-cs"/>
-              </a:rPr>
-              <a:t>]</a:t>
-            </a:r>
-          </a:p>
-          <a:p>
-            <a:pPr marL="228600" marR="0" lvl="0" indent="-228600" algn="l" defTabSz="914400" rtl="0" eaLnBrk="1" fontAlgn="auto" latinLnBrk="0" hangingPunct="1">
-              <a:lnSpc>
-                <a:spcPct val="100000"/>
-              </a:lnSpc>
-              <a:spcBef>
-                <a:spcPts val="0"/>
-              </a:spcBef>
-              <a:spcAft>
-                <a:spcPts val="0"/>
-              </a:spcAft>
-              <a:buClrTx/>
-              <a:buSzTx/>
-              <a:buFontTx/>
-              <a:buAutoNum type="arabicPeriod"/>
-              <a:tabLst/>
-              <a:defRPr/>
-            </a:pPr>
-            <a:r>
-              <a:rPr lang="en-US" altLang="zh-CN" sz="1200" b="1" i="0" kern="1200" dirty="0">
-                <a:solidFill>
-                  <a:schemeClr val="tx1"/>
-                </a:solidFill>
-                <a:effectLst/>
-                <a:latin typeface="Source Sans Pro" panose="020B0503030403020204" pitchFamily="34" charset="0"/>
-                <a:ea typeface="+mn-ea"/>
-                <a:cs typeface="+mn-cs"/>
-              </a:rPr>
-              <a:t>Create project folder </a:t>
-            </a:r>
-            <a:r>
-              <a:rPr lang="en-US" altLang="zh-CN" sz="1200" b="1" i="0" kern="1200" dirty="0" err="1">
-                <a:solidFill>
-                  <a:schemeClr val="tx1"/>
-                </a:solidFill>
-                <a:effectLst/>
-                <a:latin typeface="Source Sans Pro" panose="020B0503030403020204" pitchFamily="34" charset="0"/>
-                <a:ea typeface="+mn-ea"/>
-                <a:cs typeface="+mn-cs"/>
-              </a:rPr>
-              <a:t>hellojs</a:t>
-            </a:r>
-            <a:endParaRPr lang="en-US" altLang="zh-CN" sz="1200" b="1" i="0" kern="1200" dirty="0">
-              <a:solidFill>
-                <a:schemeClr val="tx1"/>
-              </a:solidFill>
-              <a:effectLst/>
-              <a:latin typeface="Source Sans Pro" panose="020B0503030403020204" pitchFamily="34" charset="0"/>
-              <a:ea typeface="+mn-ea"/>
-              <a:cs typeface="+mn-cs"/>
-            </a:endParaRPr>
-          </a:p>
-          <a:p>
-            <a:pPr marL="228600" marR="0" lvl="0" indent="-228600" algn="l" defTabSz="914400" rtl="0" eaLnBrk="1" fontAlgn="auto" latinLnBrk="0" hangingPunct="1">
-              <a:lnSpc>
-                <a:spcPct val="100000"/>
-              </a:lnSpc>
-              <a:spcBef>
-                <a:spcPts val="0"/>
-              </a:spcBef>
-              <a:spcAft>
-                <a:spcPts val="0"/>
-              </a:spcAft>
-              <a:buClrTx/>
-              <a:buSzTx/>
-              <a:buFontTx/>
-              <a:buAutoNum type="arabicPeriod"/>
-              <a:tabLst/>
-              <a:defRPr/>
-            </a:pPr>
-            <a:r>
-              <a:rPr lang="en-US" altLang="zh-CN" sz="1200" b="1" i="0" kern="1200" dirty="0" err="1">
-                <a:solidFill>
-                  <a:schemeClr val="tx1"/>
-                </a:solidFill>
-                <a:effectLst/>
-                <a:latin typeface="Source Sans Pro" panose="020B0503030403020204" pitchFamily="34" charset="0"/>
-                <a:ea typeface="+mn-ea"/>
-                <a:cs typeface="+mn-cs"/>
-              </a:rPr>
-              <a:t>Init</a:t>
-            </a:r>
-            <a:r>
-              <a:rPr lang="en-US" altLang="zh-CN" sz="1200" b="1" i="0" kern="1200" dirty="0">
-                <a:solidFill>
-                  <a:schemeClr val="tx1"/>
-                </a:solidFill>
-                <a:effectLst/>
-                <a:latin typeface="Source Sans Pro" panose="020B0503030403020204" pitchFamily="34" charset="0"/>
-                <a:ea typeface="+mn-ea"/>
-                <a:cs typeface="+mn-cs"/>
-              </a:rPr>
-              <a:t> a git repository</a:t>
-            </a:r>
-          </a:p>
-          <a:p>
-            <a:pPr marL="0" marR="0" lvl="0" indent="0" algn="l" defTabSz="914400" rtl="0" eaLnBrk="1" fontAlgn="auto" latinLnBrk="0" hangingPunct="1">
-              <a:lnSpc>
-                <a:spcPct val="100000"/>
-              </a:lnSpc>
-              <a:spcBef>
-                <a:spcPts val="0"/>
-              </a:spcBef>
-              <a:spcAft>
-                <a:spcPts val="0"/>
-              </a:spcAft>
-              <a:buClrTx/>
-              <a:buSzTx/>
-              <a:buFontTx/>
-              <a:buNone/>
-              <a:tabLst/>
-              <a:defRPr/>
-            </a:pPr>
-            <a:endParaRPr lang="en-US" altLang="zh-CN" sz="1200" b="1" i="0" kern="1200" dirty="0">
-              <a:solidFill>
-                <a:schemeClr val="tx1"/>
-              </a:solidFill>
-              <a:effectLst/>
-              <a:latin typeface="Source Sans Pro" panose="020B0503030403020204" pitchFamily="34" charset="0"/>
-              <a:ea typeface="+mn-ea"/>
-              <a:cs typeface="+mn-cs"/>
-            </a:endParaRPr>
-          </a:p>
-          <a:p>
-            <a:pPr marL="0" marR="0" lvl="0" indent="0" algn="l" defTabSz="914400" rtl="0" eaLnBrk="1" fontAlgn="auto" latinLnBrk="0" hangingPunct="1">
-              <a:lnSpc>
-                <a:spcPct val="100000"/>
-              </a:lnSpc>
-              <a:spcBef>
-                <a:spcPts val="0"/>
-              </a:spcBef>
-              <a:spcAft>
-                <a:spcPts val="0"/>
-              </a:spcAft>
-              <a:buClrTx/>
-              <a:buSzTx/>
-              <a:buFontTx/>
-              <a:buNone/>
-              <a:tabLst/>
-              <a:defRPr/>
-            </a:pPr>
-            <a:r>
-              <a:rPr lang="en-US" altLang="zh-CN" sz="1200" kern="1200" dirty="0">
-                <a:solidFill>
-                  <a:schemeClr val="tx1"/>
-                </a:solidFill>
-                <a:effectLst/>
-                <a:latin typeface="Source Sans Pro" panose="020B0503030403020204" pitchFamily="34" charset="0"/>
-                <a:ea typeface="+mn-ea"/>
-                <a:cs typeface="+mn-cs"/>
-              </a:rPr>
-              <a:t># Note: the </a:t>
-            </a:r>
-            <a:r>
-              <a:rPr lang="en-US" altLang="zh-CN" sz="1200" kern="1200" dirty="0" err="1">
-                <a:solidFill>
-                  <a:schemeClr val="tx1"/>
-                </a:solidFill>
-                <a:effectLst/>
-                <a:latin typeface="Source Sans Pro" panose="020B0503030403020204" pitchFamily="34" charset="0"/>
-                <a:ea typeface="+mn-ea"/>
-                <a:cs typeface="+mn-cs"/>
-              </a:rPr>
-              <a:t>comand</a:t>
-            </a:r>
-            <a:r>
-              <a:rPr lang="en-US" altLang="zh-CN" sz="1200" kern="1200" dirty="0">
-                <a:solidFill>
-                  <a:schemeClr val="tx1"/>
-                </a:solidFill>
-                <a:effectLst/>
-                <a:latin typeface="Source Sans Pro" panose="020B0503030403020204" pitchFamily="34" charset="0"/>
-                <a:ea typeface="+mn-ea"/>
-                <a:cs typeface="+mn-cs"/>
-              </a:rPr>
-              <a:t> </a:t>
-            </a:r>
-            <a:r>
-              <a:rPr lang="en-US" altLang="zh-CN" sz="1200" kern="1200" dirty="0" err="1">
-                <a:solidFill>
-                  <a:schemeClr val="tx1"/>
-                </a:solidFill>
-                <a:effectLst/>
-                <a:latin typeface="Source Sans Pro" panose="020B0503030403020204" pitchFamily="34" charset="0"/>
-                <a:ea typeface="+mn-ea"/>
-                <a:cs typeface="+mn-cs"/>
-              </a:rPr>
-              <a:t>pormpt</a:t>
-            </a:r>
-            <a:r>
-              <a:rPr lang="en-US" altLang="zh-CN" sz="1200" kern="1200" dirty="0">
-                <a:solidFill>
-                  <a:schemeClr val="tx1"/>
-                </a:solidFill>
-                <a:effectLst/>
-                <a:latin typeface="Source Sans Pro" panose="020B0503030403020204" pitchFamily="34" charset="0"/>
-                <a:ea typeface="+mn-ea"/>
-                <a:cs typeface="+mn-cs"/>
-              </a:rPr>
-              <a:t> appended a state '(master)’</a:t>
-            </a:r>
-            <a:r>
-              <a:rPr lang="en-US" altLang="zh-CN" dirty="0"/>
-              <a:t> </a:t>
-            </a:r>
-          </a:p>
-          <a:p>
-            <a:pPr marL="0" marR="0" lvl="0" indent="0" algn="l" defTabSz="914400" rtl="0" eaLnBrk="1" fontAlgn="auto" latinLnBrk="0" hangingPunct="1">
-              <a:lnSpc>
-                <a:spcPct val="100000"/>
-              </a:lnSpc>
-              <a:spcBef>
-                <a:spcPts val="0"/>
-              </a:spcBef>
-              <a:spcAft>
-                <a:spcPts val="0"/>
-              </a:spcAft>
-              <a:buClrTx/>
-              <a:buSzTx/>
-              <a:buFontTx/>
-              <a:buNone/>
-              <a:tabLst/>
-              <a:defRPr/>
-            </a:pPr>
-            <a:r>
-              <a:rPr lang="en-US" altLang="zh-CN" sz="1200" kern="1200" dirty="0">
-                <a:solidFill>
-                  <a:schemeClr val="tx1"/>
-                </a:solidFill>
-                <a:effectLst/>
-                <a:latin typeface="Source Sans Pro" panose="020B0503030403020204" pitchFamily="34" charset="0"/>
-                <a:ea typeface="+mn-ea"/>
-                <a:cs typeface="+mn-cs"/>
-              </a:rPr>
-              <a:t># which means the git repository initialized </a:t>
-            </a:r>
-            <a:r>
-              <a:rPr lang="en-US" altLang="zh-CN" sz="1200" kern="1200" dirty="0" err="1">
-                <a:solidFill>
-                  <a:schemeClr val="tx1"/>
-                </a:solidFill>
-                <a:effectLst/>
-                <a:latin typeface="Source Sans Pro" panose="020B0503030403020204" pitchFamily="34" charset="0"/>
-                <a:ea typeface="+mn-ea"/>
-                <a:cs typeface="+mn-cs"/>
-              </a:rPr>
-              <a:t>successfull</a:t>
-            </a:r>
-            <a:r>
-              <a:rPr lang="en-US" altLang="zh-CN" dirty="0"/>
-              <a:t> </a:t>
-            </a:r>
-          </a:p>
-          <a:p>
-            <a:pPr marL="0" marR="0" lvl="0" indent="0" algn="l" defTabSz="914400" rtl="0" eaLnBrk="1" fontAlgn="auto" latinLnBrk="0" hangingPunct="1">
-              <a:lnSpc>
-                <a:spcPct val="100000"/>
-              </a:lnSpc>
-              <a:spcBef>
-                <a:spcPts val="0"/>
-              </a:spcBef>
-              <a:spcAft>
-                <a:spcPts val="0"/>
-              </a:spcAft>
-              <a:buClrTx/>
-              <a:buSzTx/>
-              <a:buFontTx/>
-              <a:buNone/>
-              <a:tabLst/>
-              <a:defRPr/>
-            </a:pPr>
-            <a:r>
-              <a:rPr lang="en-US" altLang="zh-CN" sz="1200" kern="1200" dirty="0">
-                <a:solidFill>
-                  <a:schemeClr val="tx1"/>
-                </a:solidFill>
-                <a:effectLst/>
-                <a:latin typeface="Source Sans Pro" panose="020B0503030403020204" pitchFamily="34" charset="0"/>
-                <a:ea typeface="+mn-ea"/>
-                <a:cs typeface="+mn-cs"/>
-              </a:rPr>
-              <a:t># and the current branch being working on is master, which is the default branch usually</a:t>
-            </a:r>
-            <a:r>
-              <a:rPr lang="en-US" altLang="zh-CN" dirty="0"/>
-              <a:t> </a:t>
-            </a:r>
-          </a:p>
-          <a:p>
-            <a:pPr marL="0" marR="0" lvl="0" indent="0" algn="l" defTabSz="914400" rtl="0" eaLnBrk="1" fontAlgn="auto" latinLnBrk="0" hangingPunct="1">
-              <a:lnSpc>
-                <a:spcPct val="100000"/>
-              </a:lnSpc>
-              <a:spcBef>
-                <a:spcPts val="0"/>
-              </a:spcBef>
-              <a:spcAft>
-                <a:spcPts val="0"/>
-              </a:spcAft>
-              <a:buClrTx/>
-              <a:buSzTx/>
-              <a:buFontTx/>
-              <a:buNone/>
-              <a:tabLst/>
-              <a:defRPr/>
-            </a:pPr>
-            <a:r>
-              <a:rPr lang="en-US" altLang="zh-CN" sz="1200" kern="1200" dirty="0">
-                <a:solidFill>
-                  <a:schemeClr val="tx1"/>
-                </a:solidFill>
-                <a:effectLst/>
-                <a:latin typeface="Source Sans Pro" panose="020B0503030403020204" pitchFamily="34" charset="0"/>
-                <a:ea typeface="+mn-ea"/>
-                <a:cs typeface="+mn-cs"/>
-              </a:rPr>
-              <a:t># 1. git managers the source code </a:t>
-            </a:r>
-            <a:r>
-              <a:rPr lang="en-US" altLang="zh-CN" sz="1200" kern="1200" dirty="0" err="1">
-                <a:solidFill>
-                  <a:schemeClr val="tx1"/>
-                </a:solidFill>
-                <a:effectLst/>
-                <a:latin typeface="Source Sans Pro" panose="020B0503030403020204" pitchFamily="34" charset="0"/>
-                <a:ea typeface="+mn-ea"/>
-                <a:cs typeface="+mn-cs"/>
-              </a:rPr>
-              <a:t>wihtin</a:t>
-            </a:r>
-            <a:r>
-              <a:rPr lang="en-US" altLang="zh-CN" sz="1200" kern="1200" dirty="0">
-                <a:solidFill>
-                  <a:schemeClr val="tx1"/>
-                </a:solidFill>
-                <a:effectLst/>
-                <a:latin typeface="Source Sans Pro" panose="020B0503030403020204" pitchFamily="34" charset="0"/>
-                <a:ea typeface="+mn-ea"/>
-                <a:cs typeface="+mn-cs"/>
-              </a:rPr>
-              <a:t> a folder, locate the working folder to see the git repository.</a:t>
-            </a:r>
-            <a:r>
-              <a:rPr lang="en-US" altLang="zh-CN" dirty="0"/>
-              <a:t> </a:t>
-            </a:r>
-          </a:p>
-          <a:p>
-            <a:pPr marL="0" marR="0" lvl="0" indent="0" algn="l" defTabSz="914400" rtl="0" eaLnBrk="1" fontAlgn="auto" latinLnBrk="0" hangingPunct="1">
-              <a:lnSpc>
-                <a:spcPct val="100000"/>
-              </a:lnSpc>
-              <a:spcBef>
-                <a:spcPts val="0"/>
-              </a:spcBef>
-              <a:spcAft>
-                <a:spcPts val="0"/>
-              </a:spcAft>
-              <a:buClrTx/>
-              <a:buSzTx/>
-              <a:buFontTx/>
-              <a:buNone/>
-              <a:tabLst/>
-              <a:defRPr/>
-            </a:pPr>
-            <a:r>
-              <a:rPr lang="en-US" altLang="zh-CN" sz="1200" kern="1200" dirty="0">
-                <a:solidFill>
-                  <a:schemeClr val="tx1"/>
-                </a:solidFill>
-                <a:effectLst/>
-                <a:latin typeface="Source Sans Pro" panose="020B0503030403020204" pitchFamily="34" charset="0"/>
-                <a:ea typeface="+mn-ea"/>
-                <a:cs typeface="+mn-cs"/>
-              </a:rPr>
-              <a:t># 2. the git repository .git defaults to hidden, and not able to see in the file trees of VS-code either</a:t>
-            </a:r>
-            <a:r>
-              <a:rPr lang="en-US" altLang="zh-CN" dirty="0"/>
-              <a:t> </a:t>
-            </a:r>
-          </a:p>
-          <a:p>
-            <a:pPr marL="0" marR="0" lvl="0" indent="0" algn="l" defTabSz="914400" rtl="0" eaLnBrk="1" fontAlgn="auto" latinLnBrk="0" hangingPunct="1">
-              <a:lnSpc>
-                <a:spcPct val="100000"/>
-              </a:lnSpc>
-              <a:spcBef>
-                <a:spcPts val="0"/>
-              </a:spcBef>
-              <a:spcAft>
-                <a:spcPts val="0"/>
-              </a:spcAft>
-              <a:buClrTx/>
-              <a:buSzTx/>
-              <a:buFontTx/>
-              <a:buNone/>
-              <a:tabLst/>
-              <a:defRPr/>
-            </a:pPr>
-            <a:r>
-              <a:rPr lang="en-US" altLang="zh-CN" sz="1200" kern="1200" dirty="0">
-                <a:solidFill>
-                  <a:schemeClr val="tx1"/>
-                </a:solidFill>
-                <a:effectLst/>
-                <a:latin typeface="Source Sans Pro" panose="020B0503030403020204" pitchFamily="34" charset="0"/>
-                <a:ea typeface="+mn-ea"/>
-                <a:cs typeface="+mn-cs"/>
-              </a:rPr>
-              <a:t># 3. don't touch it</a:t>
-            </a:r>
-            <a:r>
-              <a:rPr lang="en-US" altLang="zh-CN" dirty="0"/>
-              <a:t> </a:t>
-            </a:r>
-          </a:p>
-          <a:p>
-            <a:pPr marL="0" marR="0" lvl="0" indent="0" algn="l" defTabSz="914400" rtl="0" eaLnBrk="1" fontAlgn="auto" latinLnBrk="0" hangingPunct="1">
-              <a:lnSpc>
-                <a:spcPct val="100000"/>
-              </a:lnSpc>
-              <a:spcBef>
-                <a:spcPts val="0"/>
-              </a:spcBef>
-              <a:spcAft>
-                <a:spcPts val="0"/>
-              </a:spcAft>
-              <a:buClrTx/>
-              <a:buSzTx/>
-              <a:buFontTx/>
-              <a:buNone/>
-              <a:tabLst/>
-              <a:defRPr/>
-            </a:pPr>
-            <a:endParaRPr lang="en-US" altLang="zh-CN" sz="1200" kern="1200" dirty="0">
-              <a:solidFill>
-                <a:schemeClr val="tx1"/>
-              </a:solidFill>
-              <a:effectLst/>
-              <a:latin typeface="Source Sans Pro" panose="020B0503030403020204" pitchFamily="34" charset="0"/>
-              <a:ea typeface="+mn-ea"/>
-              <a:cs typeface="+mn-cs"/>
-            </a:endParaRPr>
-          </a:p>
-          <a:p>
-            <a:pPr marL="0" marR="0" lvl="0" indent="0" algn="l" defTabSz="914400" rtl="0" eaLnBrk="1" fontAlgn="auto" latinLnBrk="0" hangingPunct="1">
-              <a:lnSpc>
-                <a:spcPct val="100000"/>
-              </a:lnSpc>
-              <a:spcBef>
-                <a:spcPts val="0"/>
-              </a:spcBef>
-              <a:spcAft>
-                <a:spcPts val="0"/>
-              </a:spcAft>
-              <a:buClrTx/>
-              <a:buSzTx/>
-              <a:buFontTx/>
-              <a:buNone/>
-              <a:tabLst/>
-              <a:defRPr/>
-            </a:pPr>
-            <a:r>
-              <a:rPr lang="en-US" altLang="zh-CN" sz="1200" kern="1200" dirty="0">
-                <a:solidFill>
-                  <a:schemeClr val="tx1"/>
-                </a:solidFill>
-                <a:effectLst/>
-                <a:latin typeface="Source Sans Pro" panose="020B0503030403020204" pitchFamily="34" charset="0"/>
-                <a:ea typeface="+mn-ea"/>
-                <a:cs typeface="+mn-cs"/>
-              </a:rPr>
-              <a:t># First of all to config user name and email in local</a:t>
-            </a:r>
-            <a:r>
-              <a:rPr lang="en-US" altLang="zh-CN" dirty="0"/>
-              <a:t> </a:t>
-            </a:r>
-          </a:p>
-          <a:p>
-            <a:pPr marL="0" marR="0" lvl="0" indent="0" algn="l" defTabSz="914400" rtl="0" eaLnBrk="1" fontAlgn="auto" latinLnBrk="0" hangingPunct="1">
-              <a:lnSpc>
-                <a:spcPct val="100000"/>
-              </a:lnSpc>
-              <a:spcBef>
-                <a:spcPts val="0"/>
-              </a:spcBef>
-              <a:spcAft>
-                <a:spcPts val="0"/>
-              </a:spcAft>
-              <a:buClrTx/>
-              <a:buSzTx/>
-              <a:buFontTx/>
-              <a:buNone/>
-              <a:tabLst/>
-              <a:defRPr/>
-            </a:pPr>
-            <a:r>
-              <a:rPr lang="en-US" altLang="zh-CN" dirty="0"/>
-              <a:t>git config --local </a:t>
-            </a:r>
-            <a:r>
-              <a:rPr lang="en-US" altLang="zh-CN" dirty="0" err="1"/>
-              <a:t>user.email</a:t>
-            </a:r>
-            <a:r>
-              <a:rPr lang="en-US" altLang="zh-CN" dirty="0"/>
-              <a:t> </a:t>
-            </a:r>
-            <a:r>
-              <a:rPr lang="en-US" altLang="zh-CN" sz="1200" kern="1200" dirty="0">
-                <a:solidFill>
-                  <a:schemeClr val="tx1"/>
-                </a:solidFill>
-                <a:effectLst/>
-                <a:latin typeface="Source Sans Pro" panose="020B0503030403020204" pitchFamily="34" charset="0"/>
-                <a:ea typeface="+mn-ea"/>
-                <a:cs typeface="+mn-cs"/>
-              </a:rPr>
-              <a:t>"baikangwang@hotmail.com"</a:t>
-            </a:r>
-            <a:r>
-              <a:rPr lang="en-US" altLang="zh-CN" dirty="0"/>
-              <a:t> </a:t>
-            </a:r>
-          </a:p>
-          <a:p>
-            <a:pPr marL="0" marR="0" lvl="0" indent="0" algn="l" defTabSz="914400" rtl="0" eaLnBrk="1" fontAlgn="auto" latinLnBrk="0" hangingPunct="1">
-              <a:lnSpc>
-                <a:spcPct val="100000"/>
-              </a:lnSpc>
-              <a:spcBef>
-                <a:spcPts val="0"/>
-              </a:spcBef>
-              <a:spcAft>
-                <a:spcPts val="0"/>
-              </a:spcAft>
-              <a:buClrTx/>
-              <a:buSzTx/>
-              <a:buFontTx/>
-              <a:buNone/>
-              <a:tabLst/>
-              <a:defRPr/>
-            </a:pPr>
-            <a:r>
-              <a:rPr lang="en-US" altLang="zh-CN" dirty="0"/>
-              <a:t>git config --local user.name </a:t>
-            </a:r>
-            <a:r>
-              <a:rPr lang="en-US" altLang="zh-CN" sz="1200" kern="1200" dirty="0">
-                <a:solidFill>
-                  <a:schemeClr val="tx1"/>
-                </a:solidFill>
-                <a:effectLst/>
-                <a:latin typeface="Source Sans Pro" panose="020B0503030403020204" pitchFamily="34" charset="0"/>
-                <a:ea typeface="+mn-ea"/>
-                <a:cs typeface="+mn-cs"/>
-              </a:rPr>
-              <a:t>"baikangwang"</a:t>
-            </a:r>
-            <a:endParaRPr lang="en-US" altLang="zh-CN" sz="1200" b="1" i="0" kern="1200" dirty="0">
-              <a:solidFill>
-                <a:schemeClr val="tx1"/>
-              </a:solidFill>
-              <a:effectLst/>
-              <a:latin typeface="Source Sans Pro" panose="020B0503030403020204" pitchFamily="34" charset="0"/>
-              <a:ea typeface="+mn-ea"/>
-              <a:cs typeface="+mn-cs"/>
-            </a:endParaRPr>
-          </a:p>
-          <a:p>
-            <a:endParaRPr lang="en-US" baseline="0" dirty="0"/>
+            <a:endParaRPr lang="zh-CN" altLang="en-US" dirty="0"/>
           </a:p>
         </p:txBody>
       </p:sp>
       <p:sp>
         <p:nvSpPr>
-          <p:cNvPr id="4" name="Slide Number Placeholder 3"/>
+          <p:cNvPr id="4" name="灯片编号占位符 3"/>
           <p:cNvSpPr>
             <a:spLocks noGrp="1"/>
           </p:cNvSpPr>
@@ -1601,7 +874,7 @@
             <a:fld id="{1F36095F-851B-4C6B-93FA-49215E044C0A}" type="slidenum">
               <a:rPr lang="en-US" smtClean="0"/>
               <a:pPr/>
-              <a:t>6</a:t>
+              <a:t>4</a:t>
             </a:fld>
             <a:endParaRPr lang="en-US" dirty="0"/>
           </a:p>
@@ -1610,7 +883,7 @@
     </p:spTree>
     <p:extLst>
       <p:ext uri="{BB962C8B-B14F-4D97-AF65-F5344CB8AC3E}">
-        <p14:creationId xmlns:p14="http://schemas.microsoft.com/office/powerpoint/2010/main" val="819850302"/>
+        <p14:creationId xmlns:p14="http://schemas.microsoft.com/office/powerpoint/2010/main" val="1735660899"/>
       </p:ext>
     </p:extLst>
   </p:cSld>
@@ -1639,7 +912,7 @@
       </p:grpSpPr>
       <p:sp>
         <p:nvSpPr>
-          <p:cNvPr id="2" name="幻灯片图像占位符 1"/>
+          <p:cNvPr id="2" name="Slide Image Placeholder 1"/>
           <p:cNvSpPr>
             <a:spLocks noGrp="1" noRot="1" noChangeAspect="1"/>
           </p:cNvSpPr>
@@ -1651,7 +924,7 @@
       </p:sp>
       <p:sp>
         <p:nvSpPr>
-          <p:cNvPr id="3" name="备注占位符 2"/>
+          <p:cNvPr id="3" name="Notes Placeholder 2"/>
           <p:cNvSpPr>
             <a:spLocks noGrp="1"/>
           </p:cNvSpPr>
@@ -1664,195 +937,836 @@
           <a:bodyPr/>
           <a:lstStyle/>
           <a:p>
+            <a:pPr marL="228600" marR="0" lvl="0" indent="-228600" algn="l" defTabSz="914400" rtl="0" eaLnBrk="1" fontAlgn="auto" latinLnBrk="0" hangingPunct="1">
+              <a:lnSpc>
+                <a:spcPct val="100000"/>
+              </a:lnSpc>
+              <a:spcBef>
+                <a:spcPts val="0"/>
+              </a:spcBef>
+              <a:spcAft>
+                <a:spcPts val="0"/>
+              </a:spcAft>
+              <a:buClrTx/>
+              <a:buSzTx/>
+              <a:buFontTx/>
+              <a:buAutoNum type="arabicPeriod"/>
+              <a:tabLst/>
+              <a:defRPr/>
+            </a:pPr>
+            <a:r>
+              <a:rPr lang="en-US" altLang="zh-CN" sz="1200" b="1" i="0" kern="1200" dirty="0">
+                <a:solidFill>
+                  <a:schemeClr val="tx1"/>
+                </a:solidFill>
+                <a:effectLst/>
+                <a:latin typeface="Source Sans Pro" panose="020B0503030403020204" pitchFamily="34" charset="0"/>
+                <a:ea typeface="+mn-ea"/>
+                <a:cs typeface="+mn-cs"/>
+              </a:rPr>
+              <a:t>Install Visual Studio Code [</a:t>
+            </a:r>
+            <a:r>
+              <a:rPr lang="en-US" altLang="zh-CN" sz="1200" b="0" u="sng" kern="1200" dirty="0">
+                <a:solidFill>
+                  <a:schemeClr val="tx1"/>
+                </a:solidFill>
+                <a:effectLst/>
+                <a:latin typeface="Source Sans Pro" panose="020B0503030403020204" pitchFamily="34" charset="0"/>
+                <a:ea typeface="+mn-ea"/>
+                <a:cs typeface="+mn-cs"/>
+              </a:rPr>
+              <a:t>https://code.visualstudio.com/]</a:t>
+            </a:r>
+            <a:endParaRPr lang="en-US" altLang="zh-CN" sz="1200" b="0" kern="1200" dirty="0">
+              <a:solidFill>
+                <a:schemeClr val="tx1"/>
+              </a:solidFill>
+              <a:effectLst/>
+              <a:latin typeface="Source Sans Pro" panose="020B0503030403020204" pitchFamily="34" charset="0"/>
+              <a:ea typeface="+mn-ea"/>
+              <a:cs typeface="+mn-cs"/>
+            </a:endParaRPr>
+          </a:p>
+          <a:p>
+            <a:pPr marL="228600" marR="0" lvl="0" indent="-228600" algn="l" defTabSz="914400" rtl="0" eaLnBrk="1" fontAlgn="auto" latinLnBrk="0" hangingPunct="1">
+              <a:lnSpc>
+                <a:spcPct val="100000"/>
+              </a:lnSpc>
+              <a:spcBef>
+                <a:spcPts val="0"/>
+              </a:spcBef>
+              <a:spcAft>
+                <a:spcPts val="0"/>
+              </a:spcAft>
+              <a:buClrTx/>
+              <a:buSzTx/>
+              <a:buFontTx/>
+              <a:buAutoNum type="arabicPeriod"/>
+              <a:tabLst/>
+              <a:defRPr/>
+            </a:pPr>
+            <a:r>
+              <a:rPr lang="en-US" altLang="zh-CN" sz="1200" b="1" i="0" kern="1200" dirty="0">
+                <a:solidFill>
+                  <a:schemeClr val="tx1"/>
+                </a:solidFill>
+                <a:effectLst/>
+                <a:latin typeface="Source Sans Pro" panose="020B0503030403020204" pitchFamily="34" charset="0"/>
+                <a:ea typeface="+mn-ea"/>
+                <a:cs typeface="+mn-cs"/>
+              </a:rPr>
+              <a:t>Install Git [</a:t>
+            </a:r>
+            <a:r>
+              <a:rPr lang="en-US" altLang="zh-CN" sz="1200" b="0" u="sng" kern="1200" dirty="0">
+                <a:solidFill>
+                  <a:schemeClr val="tx1"/>
+                </a:solidFill>
+                <a:effectLst/>
+                <a:latin typeface="Source Sans Pro" panose="020B0503030403020204" pitchFamily="34" charset="0"/>
+                <a:ea typeface="+mn-ea"/>
+                <a:cs typeface="+mn-cs"/>
+              </a:rPr>
+              <a:t>https://git-scm.com/</a:t>
+            </a:r>
+            <a:r>
+              <a:rPr lang="en-US" altLang="zh-CN" sz="1200" b="1" i="0" kern="1200" dirty="0">
+                <a:solidFill>
+                  <a:schemeClr val="tx1"/>
+                </a:solidFill>
+                <a:effectLst/>
+                <a:latin typeface="Source Sans Pro" panose="020B0503030403020204" pitchFamily="34" charset="0"/>
+                <a:ea typeface="+mn-ea"/>
+                <a:cs typeface="+mn-cs"/>
+              </a:rPr>
+              <a:t>]</a:t>
+            </a:r>
+          </a:p>
+          <a:p>
+            <a:pPr marL="228600" marR="0" lvl="0" indent="-228600" algn="l" defTabSz="914400" rtl="0" eaLnBrk="1" fontAlgn="auto" latinLnBrk="0" hangingPunct="1">
+              <a:lnSpc>
+                <a:spcPct val="100000"/>
+              </a:lnSpc>
+              <a:spcBef>
+                <a:spcPts val="0"/>
+              </a:spcBef>
+              <a:spcAft>
+                <a:spcPts val="0"/>
+              </a:spcAft>
+              <a:buClrTx/>
+              <a:buSzTx/>
+              <a:buFontTx/>
+              <a:buAutoNum type="arabicPeriod"/>
+              <a:tabLst/>
+              <a:defRPr/>
+            </a:pPr>
+            <a:r>
+              <a:rPr lang="en-US" altLang="zh-CN" sz="1200" b="1" i="0" kern="1200" dirty="0">
+                <a:solidFill>
+                  <a:schemeClr val="tx1"/>
+                </a:solidFill>
+                <a:effectLst/>
+                <a:latin typeface="Source Sans Pro" panose="020B0503030403020204" pitchFamily="34" charset="0"/>
+                <a:ea typeface="+mn-ea"/>
+                <a:cs typeface="+mn-cs"/>
+              </a:rPr>
+              <a:t>Install Nodejs [</a:t>
+            </a:r>
+            <a:r>
+              <a:rPr lang="en-US" altLang="zh-CN" sz="1200" b="0" u="sng" kern="1200" dirty="0">
+                <a:solidFill>
+                  <a:schemeClr val="tx1"/>
+                </a:solidFill>
+                <a:effectLst/>
+                <a:latin typeface="Source Sans Pro" panose="020B0503030403020204" pitchFamily="34" charset="0"/>
+                <a:ea typeface="+mn-ea"/>
+                <a:cs typeface="+mn-cs"/>
+              </a:rPr>
+              <a:t>http://nodejs.cn/</a:t>
+            </a:r>
+            <a:r>
+              <a:rPr lang="en-US" altLang="zh-CN" sz="1200" b="1" i="0" kern="1200" dirty="0">
+                <a:solidFill>
+                  <a:schemeClr val="tx1"/>
+                </a:solidFill>
+                <a:effectLst/>
+                <a:latin typeface="Source Sans Pro" panose="020B0503030403020204" pitchFamily="34" charset="0"/>
+                <a:ea typeface="+mn-ea"/>
+                <a:cs typeface="+mn-cs"/>
+              </a:rPr>
+              <a:t>]</a:t>
+            </a:r>
+          </a:p>
+          <a:p>
+            <a:pPr marL="228600" marR="0" lvl="0" indent="-228600" algn="l" defTabSz="914400" rtl="0" eaLnBrk="1" fontAlgn="auto" latinLnBrk="0" hangingPunct="1">
+              <a:lnSpc>
+                <a:spcPct val="100000"/>
+              </a:lnSpc>
+              <a:spcBef>
+                <a:spcPts val="0"/>
+              </a:spcBef>
+              <a:spcAft>
+                <a:spcPts val="0"/>
+              </a:spcAft>
+              <a:buClrTx/>
+              <a:buSzTx/>
+              <a:buFontTx/>
+              <a:buAutoNum type="arabicPeriod"/>
+              <a:tabLst/>
+              <a:defRPr/>
+            </a:pPr>
+            <a:r>
+              <a:rPr lang="en-US" altLang="zh-CN" sz="1200" b="1" i="0" kern="1200" dirty="0">
+                <a:solidFill>
+                  <a:schemeClr val="tx1"/>
+                </a:solidFill>
+                <a:effectLst/>
+                <a:latin typeface="Source Sans Pro" panose="020B0503030403020204" pitchFamily="34" charset="0"/>
+                <a:ea typeface="+mn-ea"/>
+                <a:cs typeface="+mn-cs"/>
+              </a:rPr>
+              <a:t>Create project folder </a:t>
+            </a:r>
+            <a:r>
+              <a:rPr lang="en-US" altLang="zh-CN" sz="1200" b="1" i="0" kern="1200" dirty="0" err="1">
+                <a:solidFill>
+                  <a:schemeClr val="tx1"/>
+                </a:solidFill>
+                <a:effectLst/>
+                <a:latin typeface="Source Sans Pro" panose="020B0503030403020204" pitchFamily="34" charset="0"/>
+                <a:ea typeface="+mn-ea"/>
+                <a:cs typeface="+mn-cs"/>
+              </a:rPr>
+              <a:t>hellojs</a:t>
+            </a:r>
+            <a:endParaRPr lang="en-US" altLang="zh-CN" sz="1200" b="1" i="0" kern="1200" dirty="0">
+              <a:solidFill>
+                <a:schemeClr val="tx1"/>
+              </a:solidFill>
+              <a:effectLst/>
+              <a:latin typeface="Source Sans Pro" panose="020B0503030403020204" pitchFamily="34" charset="0"/>
+              <a:ea typeface="+mn-ea"/>
+              <a:cs typeface="+mn-cs"/>
+            </a:endParaRPr>
+          </a:p>
+          <a:p>
+            <a:pPr marL="228600" marR="0" lvl="0" indent="-228600" algn="l" defTabSz="914400" rtl="0" eaLnBrk="1" fontAlgn="auto" latinLnBrk="0" hangingPunct="1">
+              <a:lnSpc>
+                <a:spcPct val="100000"/>
+              </a:lnSpc>
+              <a:spcBef>
+                <a:spcPts val="0"/>
+              </a:spcBef>
+              <a:spcAft>
+                <a:spcPts val="0"/>
+              </a:spcAft>
+              <a:buClrTx/>
+              <a:buSzTx/>
+              <a:buFontTx/>
+              <a:buAutoNum type="arabicPeriod"/>
+              <a:tabLst/>
+              <a:defRPr/>
+            </a:pPr>
+            <a:r>
+              <a:rPr lang="en-US" altLang="zh-CN" sz="1200" b="1" i="0" kern="1200" dirty="0" err="1">
+                <a:solidFill>
+                  <a:schemeClr val="tx1"/>
+                </a:solidFill>
+                <a:effectLst/>
+                <a:latin typeface="Source Sans Pro" panose="020B0503030403020204" pitchFamily="34" charset="0"/>
+                <a:ea typeface="+mn-ea"/>
+                <a:cs typeface="+mn-cs"/>
+              </a:rPr>
+              <a:t>Init</a:t>
+            </a:r>
+            <a:r>
+              <a:rPr lang="en-US" altLang="zh-CN" sz="1200" b="1" i="0" kern="1200" dirty="0">
+                <a:solidFill>
+                  <a:schemeClr val="tx1"/>
+                </a:solidFill>
+                <a:effectLst/>
+                <a:latin typeface="Source Sans Pro" panose="020B0503030403020204" pitchFamily="34" charset="0"/>
+                <a:ea typeface="+mn-ea"/>
+                <a:cs typeface="+mn-cs"/>
+              </a:rPr>
+              <a:t> a git repository</a:t>
+            </a:r>
+          </a:p>
+          <a:p>
+            <a:pPr marL="0" marR="0" lvl="0" indent="0" algn="l" defTabSz="914400" rtl="0" eaLnBrk="1" fontAlgn="auto" latinLnBrk="0" hangingPunct="1">
+              <a:lnSpc>
+                <a:spcPct val="100000"/>
+              </a:lnSpc>
+              <a:spcBef>
+                <a:spcPts val="0"/>
+              </a:spcBef>
+              <a:spcAft>
+                <a:spcPts val="0"/>
+              </a:spcAft>
+              <a:buClrTx/>
+              <a:buSzTx/>
+              <a:buFontTx/>
+              <a:buNone/>
+              <a:tabLst/>
+              <a:defRPr/>
+            </a:pPr>
+            <a:endParaRPr lang="en-US" altLang="zh-CN" sz="1200" b="1" i="0" kern="1200" dirty="0">
+              <a:solidFill>
+                <a:schemeClr val="tx1"/>
+              </a:solidFill>
+              <a:effectLst/>
+              <a:latin typeface="Source Sans Pro" panose="020B0503030403020204" pitchFamily="34" charset="0"/>
+              <a:ea typeface="+mn-ea"/>
+              <a:cs typeface="+mn-cs"/>
+            </a:endParaRPr>
+          </a:p>
+          <a:p>
+            <a:pPr marL="0" marR="0" lvl="0" indent="0" algn="l" defTabSz="914400" rtl="0" eaLnBrk="1" fontAlgn="auto" latinLnBrk="0" hangingPunct="1">
+              <a:lnSpc>
+                <a:spcPct val="100000"/>
+              </a:lnSpc>
+              <a:spcBef>
+                <a:spcPts val="0"/>
+              </a:spcBef>
+              <a:spcAft>
+                <a:spcPts val="0"/>
+              </a:spcAft>
+              <a:buClrTx/>
+              <a:buSzTx/>
+              <a:buFontTx/>
+              <a:buNone/>
+              <a:tabLst/>
+              <a:defRPr/>
+            </a:pPr>
+            <a:r>
+              <a:rPr lang="en-US" altLang="zh-CN" sz="1200" kern="1200" dirty="0">
+                <a:solidFill>
+                  <a:schemeClr val="tx1"/>
+                </a:solidFill>
+                <a:effectLst/>
+                <a:latin typeface="Source Sans Pro" panose="020B0503030403020204" pitchFamily="34" charset="0"/>
+                <a:ea typeface="+mn-ea"/>
+                <a:cs typeface="+mn-cs"/>
+              </a:rPr>
+              <a:t># Note: the </a:t>
+            </a:r>
+            <a:r>
+              <a:rPr lang="en-US" altLang="zh-CN" sz="1200" kern="1200" dirty="0" err="1">
+                <a:solidFill>
+                  <a:schemeClr val="tx1"/>
+                </a:solidFill>
+                <a:effectLst/>
+                <a:latin typeface="Source Sans Pro" panose="020B0503030403020204" pitchFamily="34" charset="0"/>
+                <a:ea typeface="+mn-ea"/>
+                <a:cs typeface="+mn-cs"/>
+              </a:rPr>
+              <a:t>comand</a:t>
+            </a:r>
+            <a:r>
+              <a:rPr lang="en-US" altLang="zh-CN" sz="1200" kern="1200" dirty="0">
+                <a:solidFill>
+                  <a:schemeClr val="tx1"/>
+                </a:solidFill>
+                <a:effectLst/>
+                <a:latin typeface="Source Sans Pro" panose="020B0503030403020204" pitchFamily="34" charset="0"/>
+                <a:ea typeface="+mn-ea"/>
+                <a:cs typeface="+mn-cs"/>
+              </a:rPr>
+              <a:t> </a:t>
+            </a:r>
+            <a:r>
+              <a:rPr lang="en-US" altLang="zh-CN" sz="1200" kern="1200" dirty="0" err="1">
+                <a:solidFill>
+                  <a:schemeClr val="tx1"/>
+                </a:solidFill>
+                <a:effectLst/>
+                <a:latin typeface="Source Sans Pro" panose="020B0503030403020204" pitchFamily="34" charset="0"/>
+                <a:ea typeface="+mn-ea"/>
+                <a:cs typeface="+mn-cs"/>
+              </a:rPr>
+              <a:t>pormpt</a:t>
+            </a:r>
+            <a:r>
+              <a:rPr lang="en-US" altLang="zh-CN" sz="1200" kern="1200" dirty="0">
+                <a:solidFill>
+                  <a:schemeClr val="tx1"/>
+                </a:solidFill>
+                <a:effectLst/>
+                <a:latin typeface="Source Sans Pro" panose="020B0503030403020204" pitchFamily="34" charset="0"/>
+                <a:ea typeface="+mn-ea"/>
+                <a:cs typeface="+mn-cs"/>
+              </a:rPr>
+              <a:t> appended a state '(master)’</a:t>
+            </a:r>
             <a:r>
               <a:rPr lang="en-US" altLang="zh-CN" dirty="0"/>
-              <a:t>Playground in node</a:t>
-            </a:r>
-          </a:p>
-          <a:p>
+              <a:t> </a:t>
+            </a:r>
+          </a:p>
+          <a:p>
+            <a:pPr marL="0" marR="0" lvl="0" indent="0" algn="l" defTabSz="914400" rtl="0" eaLnBrk="1" fontAlgn="auto" latinLnBrk="0" hangingPunct="1">
+              <a:lnSpc>
+                <a:spcPct val="100000"/>
+              </a:lnSpc>
+              <a:spcBef>
+                <a:spcPts val="0"/>
+              </a:spcBef>
+              <a:spcAft>
+                <a:spcPts val="0"/>
+              </a:spcAft>
+              <a:buClrTx/>
+              <a:buSzTx/>
+              <a:buFontTx/>
+              <a:buNone/>
+              <a:tabLst/>
+              <a:defRPr/>
+            </a:pPr>
+            <a:r>
+              <a:rPr lang="en-US" altLang="zh-CN" sz="1200" kern="1200" dirty="0">
+                <a:solidFill>
+                  <a:schemeClr val="tx1"/>
+                </a:solidFill>
+                <a:effectLst/>
+                <a:latin typeface="Source Sans Pro" panose="020B0503030403020204" pitchFamily="34" charset="0"/>
+                <a:ea typeface="+mn-ea"/>
+                <a:cs typeface="+mn-cs"/>
+              </a:rPr>
+              <a:t># which means the git repository initialized </a:t>
+            </a:r>
+            <a:r>
+              <a:rPr lang="en-US" altLang="zh-CN" sz="1200" kern="1200" dirty="0" err="1">
+                <a:solidFill>
+                  <a:schemeClr val="tx1"/>
+                </a:solidFill>
+                <a:effectLst/>
+                <a:latin typeface="Source Sans Pro" panose="020B0503030403020204" pitchFamily="34" charset="0"/>
+                <a:ea typeface="+mn-ea"/>
+                <a:cs typeface="+mn-cs"/>
+              </a:rPr>
+              <a:t>successfull</a:t>
+            </a:r>
             <a:r>
               <a:rPr lang="en-US" altLang="zh-CN" dirty="0"/>
-              <a:t>1. </a:t>
+              <a:t> </a:t>
+            </a:r>
+          </a:p>
+          <a:p>
+            <a:pPr marL="0" marR="0" lvl="0" indent="0" algn="l" defTabSz="914400" rtl="0" eaLnBrk="1" fontAlgn="auto" latinLnBrk="0" hangingPunct="1">
+              <a:lnSpc>
+                <a:spcPct val="100000"/>
+              </a:lnSpc>
+              <a:spcBef>
+                <a:spcPts val="0"/>
+              </a:spcBef>
+              <a:spcAft>
+                <a:spcPts val="0"/>
+              </a:spcAft>
+              <a:buClrTx/>
+              <a:buSzTx/>
+              <a:buFontTx/>
+              <a:buNone/>
+              <a:tabLst/>
+              <a:defRPr/>
+            </a:pPr>
+            <a:r>
+              <a:rPr lang="en-US" altLang="zh-CN" sz="1200" kern="1200" dirty="0">
+                <a:solidFill>
+                  <a:schemeClr val="tx1"/>
+                </a:solidFill>
+                <a:effectLst/>
+                <a:latin typeface="Source Sans Pro" panose="020B0503030403020204" pitchFamily="34" charset="0"/>
+                <a:ea typeface="+mn-ea"/>
+                <a:cs typeface="+mn-cs"/>
+              </a:rPr>
+              <a:t># and the current branch being working on is master, which is the default branch usually</a:t>
+            </a:r>
+            <a:r>
+              <a:rPr lang="en-US" altLang="zh-CN" dirty="0"/>
+              <a:t> </a:t>
+            </a:r>
+          </a:p>
+          <a:p>
+            <a:pPr marL="0" marR="0" lvl="0" indent="0" algn="l" defTabSz="914400" rtl="0" eaLnBrk="1" fontAlgn="auto" latinLnBrk="0" hangingPunct="1">
+              <a:lnSpc>
+                <a:spcPct val="100000"/>
+              </a:lnSpc>
+              <a:spcBef>
+                <a:spcPts val="0"/>
+              </a:spcBef>
+              <a:spcAft>
+                <a:spcPts val="0"/>
+              </a:spcAft>
+              <a:buClrTx/>
+              <a:buSzTx/>
+              <a:buFontTx/>
+              <a:buNone/>
+              <a:tabLst/>
+              <a:defRPr/>
+            </a:pPr>
+            <a:r>
+              <a:rPr lang="en-US" altLang="zh-CN" sz="1200" kern="1200" dirty="0">
+                <a:solidFill>
+                  <a:schemeClr val="tx1"/>
+                </a:solidFill>
+                <a:effectLst/>
+                <a:latin typeface="Source Sans Pro" panose="020B0503030403020204" pitchFamily="34" charset="0"/>
+                <a:ea typeface="+mn-ea"/>
+                <a:cs typeface="+mn-cs"/>
+              </a:rPr>
+              <a:t># 1. git managers the source code </a:t>
+            </a:r>
+            <a:r>
+              <a:rPr lang="en-US" altLang="zh-CN" sz="1200" kern="1200" dirty="0" err="1">
+                <a:solidFill>
+                  <a:schemeClr val="tx1"/>
+                </a:solidFill>
+                <a:effectLst/>
+                <a:latin typeface="Source Sans Pro" panose="020B0503030403020204" pitchFamily="34" charset="0"/>
+                <a:ea typeface="+mn-ea"/>
+                <a:cs typeface="+mn-cs"/>
+              </a:rPr>
+              <a:t>wihtin</a:t>
+            </a:r>
+            <a:r>
+              <a:rPr lang="en-US" altLang="zh-CN" sz="1200" kern="1200" dirty="0">
+                <a:solidFill>
+                  <a:schemeClr val="tx1"/>
+                </a:solidFill>
+                <a:effectLst/>
+                <a:latin typeface="Source Sans Pro" panose="020B0503030403020204" pitchFamily="34" charset="0"/>
+                <a:ea typeface="+mn-ea"/>
+                <a:cs typeface="+mn-cs"/>
+              </a:rPr>
+              <a:t> a folder, locate the working folder to see the git repository.</a:t>
+            </a:r>
+            <a:r>
+              <a:rPr lang="en-US" altLang="zh-CN" dirty="0"/>
+              <a:t> </a:t>
+            </a:r>
+          </a:p>
+          <a:p>
+            <a:pPr marL="0" marR="0" lvl="0" indent="0" algn="l" defTabSz="914400" rtl="0" eaLnBrk="1" fontAlgn="auto" latinLnBrk="0" hangingPunct="1">
+              <a:lnSpc>
+                <a:spcPct val="100000"/>
+              </a:lnSpc>
+              <a:spcBef>
+                <a:spcPts val="0"/>
+              </a:spcBef>
+              <a:spcAft>
+                <a:spcPts val="0"/>
+              </a:spcAft>
+              <a:buClrTx/>
+              <a:buSzTx/>
+              <a:buFontTx/>
+              <a:buNone/>
+              <a:tabLst/>
+              <a:defRPr/>
+            </a:pPr>
+            <a:r>
+              <a:rPr lang="en-US" altLang="zh-CN" sz="1200" kern="1200" dirty="0">
+                <a:solidFill>
+                  <a:schemeClr val="tx1"/>
+                </a:solidFill>
+                <a:effectLst/>
+                <a:latin typeface="Source Sans Pro" panose="020B0503030403020204" pitchFamily="34" charset="0"/>
+                <a:ea typeface="+mn-ea"/>
+                <a:cs typeface="+mn-cs"/>
+              </a:rPr>
+              <a:t># 2. the git repository .git defaults to hidden, and not able to see in the file trees of VS-code either</a:t>
+            </a:r>
+            <a:r>
+              <a:rPr lang="en-US" altLang="zh-CN" dirty="0"/>
+              <a:t> </a:t>
+            </a:r>
+          </a:p>
+          <a:p>
+            <a:pPr marL="0" marR="0" lvl="0" indent="0" algn="l" defTabSz="914400" rtl="0" eaLnBrk="1" fontAlgn="auto" latinLnBrk="0" hangingPunct="1">
+              <a:lnSpc>
+                <a:spcPct val="100000"/>
+              </a:lnSpc>
+              <a:spcBef>
+                <a:spcPts val="0"/>
+              </a:spcBef>
+              <a:spcAft>
+                <a:spcPts val="0"/>
+              </a:spcAft>
+              <a:buClrTx/>
+              <a:buSzTx/>
+              <a:buFontTx/>
+              <a:buNone/>
+              <a:tabLst/>
+              <a:defRPr/>
+            </a:pPr>
+            <a:r>
+              <a:rPr lang="en-US" altLang="zh-CN" sz="1200" kern="1200" dirty="0">
+                <a:solidFill>
+                  <a:schemeClr val="tx1"/>
+                </a:solidFill>
+                <a:effectLst/>
+                <a:latin typeface="Source Sans Pro" panose="020B0503030403020204" pitchFamily="34" charset="0"/>
+                <a:ea typeface="+mn-ea"/>
+                <a:cs typeface="+mn-cs"/>
+              </a:rPr>
+              <a:t># 3. don't touch it</a:t>
+            </a:r>
+            <a:r>
+              <a:rPr lang="en-US" altLang="zh-CN" dirty="0"/>
+              <a:t> </a:t>
+            </a:r>
+          </a:p>
+          <a:p>
+            <a:pPr marL="0" marR="0" lvl="0" indent="0" algn="l" defTabSz="914400" rtl="0" eaLnBrk="1" fontAlgn="auto" latinLnBrk="0" hangingPunct="1">
+              <a:lnSpc>
+                <a:spcPct val="100000"/>
+              </a:lnSpc>
+              <a:spcBef>
+                <a:spcPts val="0"/>
+              </a:spcBef>
+              <a:spcAft>
+                <a:spcPts val="0"/>
+              </a:spcAft>
+              <a:buClrTx/>
+              <a:buSzTx/>
+              <a:buFontTx/>
+              <a:buNone/>
+              <a:tabLst/>
+              <a:defRPr/>
+            </a:pPr>
+            <a:endParaRPr lang="en-US" altLang="zh-CN" sz="1200" kern="1200" dirty="0">
+              <a:solidFill>
+                <a:schemeClr val="tx1"/>
+              </a:solidFill>
+              <a:effectLst/>
+              <a:latin typeface="Source Sans Pro" panose="020B0503030403020204" pitchFamily="34" charset="0"/>
+              <a:ea typeface="+mn-ea"/>
+              <a:cs typeface="+mn-cs"/>
+            </a:endParaRPr>
+          </a:p>
+          <a:p>
+            <a:pPr marL="0" marR="0" lvl="0" indent="0" algn="l" defTabSz="914400" rtl="0" eaLnBrk="1" fontAlgn="auto" latinLnBrk="0" hangingPunct="1">
+              <a:lnSpc>
+                <a:spcPct val="100000"/>
+              </a:lnSpc>
+              <a:spcBef>
+                <a:spcPts val="0"/>
+              </a:spcBef>
+              <a:spcAft>
+                <a:spcPts val="0"/>
+              </a:spcAft>
+              <a:buClrTx/>
+              <a:buSzTx/>
+              <a:buFontTx/>
+              <a:buNone/>
+              <a:tabLst/>
+              <a:defRPr/>
+            </a:pPr>
+            <a:r>
+              <a:rPr lang="en-US" altLang="zh-CN" sz="1200" kern="1200" dirty="0">
+                <a:solidFill>
+                  <a:schemeClr val="tx1"/>
+                </a:solidFill>
+                <a:effectLst/>
+                <a:latin typeface="Source Sans Pro" panose="020B0503030403020204" pitchFamily="34" charset="0"/>
+                <a:ea typeface="+mn-ea"/>
+                <a:cs typeface="+mn-cs"/>
+              </a:rPr>
+              <a:t># First of all to config user name and email in local</a:t>
+            </a:r>
+            <a:r>
+              <a:rPr lang="en-US" altLang="zh-CN" dirty="0"/>
+              <a:t> </a:t>
+            </a:r>
+          </a:p>
+          <a:p>
+            <a:pPr marL="0" marR="0" lvl="0" indent="0" algn="l" defTabSz="914400" rtl="0" eaLnBrk="1" fontAlgn="auto" latinLnBrk="0" hangingPunct="1">
+              <a:lnSpc>
+                <a:spcPct val="100000"/>
+              </a:lnSpc>
+              <a:spcBef>
+                <a:spcPts val="0"/>
+              </a:spcBef>
+              <a:spcAft>
+                <a:spcPts val="0"/>
+              </a:spcAft>
+              <a:buClrTx/>
+              <a:buSzTx/>
+              <a:buFontTx/>
+              <a:buNone/>
+              <a:tabLst/>
+              <a:defRPr/>
+            </a:pPr>
+            <a:r>
+              <a:rPr lang="en-US" altLang="zh-CN" dirty="0"/>
+              <a:t>git config --local </a:t>
+            </a:r>
+            <a:r>
+              <a:rPr lang="en-US" altLang="zh-CN" dirty="0" err="1"/>
+              <a:t>user.email</a:t>
+            </a:r>
+            <a:r>
+              <a:rPr lang="en-US" altLang="zh-CN" dirty="0"/>
+              <a:t> </a:t>
+            </a:r>
+            <a:r>
+              <a:rPr lang="en-US" altLang="zh-CN" sz="1200" kern="1200" dirty="0">
+                <a:solidFill>
+                  <a:schemeClr val="tx1"/>
+                </a:solidFill>
+                <a:effectLst/>
+                <a:latin typeface="Source Sans Pro" panose="020B0503030403020204" pitchFamily="34" charset="0"/>
+                <a:ea typeface="+mn-ea"/>
+                <a:cs typeface="+mn-cs"/>
+              </a:rPr>
+              <a:t>"baikangwang@hotmail.com"</a:t>
+            </a:r>
+            <a:r>
+              <a:rPr lang="en-US" altLang="zh-CN" dirty="0"/>
+              <a:t> </a:t>
+            </a:r>
+          </a:p>
+          <a:p>
+            <a:pPr marL="0" marR="0" lvl="0" indent="0" algn="l" defTabSz="914400" rtl="0" eaLnBrk="1" fontAlgn="auto" latinLnBrk="0" hangingPunct="1">
+              <a:lnSpc>
+                <a:spcPct val="100000"/>
+              </a:lnSpc>
+              <a:spcBef>
+                <a:spcPts val="0"/>
+              </a:spcBef>
+              <a:spcAft>
+                <a:spcPts val="0"/>
+              </a:spcAft>
+              <a:buClrTx/>
+              <a:buSzTx/>
+              <a:buFontTx/>
+              <a:buNone/>
+              <a:tabLst/>
+              <a:defRPr/>
+            </a:pPr>
+            <a:r>
+              <a:rPr lang="en-US" altLang="zh-CN" dirty="0"/>
+              <a:t>git config --local user.name </a:t>
+            </a:r>
+            <a:r>
+              <a:rPr lang="en-US" altLang="zh-CN" sz="1200" kern="1200" dirty="0">
+                <a:solidFill>
+                  <a:schemeClr val="tx1"/>
+                </a:solidFill>
+                <a:effectLst/>
+                <a:latin typeface="Source Sans Pro" panose="020B0503030403020204" pitchFamily="34" charset="0"/>
+                <a:ea typeface="+mn-ea"/>
+                <a:cs typeface="+mn-cs"/>
+              </a:rPr>
+              <a:t>"baikangwang“</a:t>
+            </a:r>
+          </a:p>
+          <a:p>
+            <a:pPr marL="0" marR="0" lvl="0" indent="0" algn="l" defTabSz="914400" rtl="0" eaLnBrk="1" fontAlgn="auto" latinLnBrk="0" hangingPunct="1">
+              <a:lnSpc>
+                <a:spcPct val="100000"/>
+              </a:lnSpc>
+              <a:spcBef>
+                <a:spcPts val="0"/>
+              </a:spcBef>
+              <a:spcAft>
+                <a:spcPts val="0"/>
+              </a:spcAft>
+              <a:buClrTx/>
+              <a:buSzTx/>
+              <a:buFontTx/>
+              <a:buNone/>
+              <a:tabLst/>
+              <a:defRPr/>
+            </a:pPr>
+            <a:endParaRPr lang="en-US" altLang="zh-CN" sz="1200" b="1" i="0" kern="1200" dirty="0">
+              <a:solidFill>
+                <a:schemeClr val="tx1"/>
+              </a:solidFill>
+              <a:effectLst/>
+              <a:latin typeface="Source Sans Pro" panose="020B0503030403020204" pitchFamily="34" charset="0"/>
+              <a:ea typeface="+mn-ea"/>
+              <a:cs typeface="+mn-cs"/>
+            </a:endParaRPr>
+          </a:p>
+          <a:p>
+            <a:pPr marL="0" marR="0" lvl="0" indent="0" algn="l" defTabSz="914400" rtl="0" eaLnBrk="1" fontAlgn="auto" latinLnBrk="0" hangingPunct="1">
+              <a:lnSpc>
+                <a:spcPct val="100000"/>
+              </a:lnSpc>
+              <a:spcBef>
+                <a:spcPts val="0"/>
+              </a:spcBef>
+              <a:spcAft>
+                <a:spcPts val="0"/>
+              </a:spcAft>
+              <a:buClrTx/>
+              <a:buSzTx/>
+              <a:buFontTx/>
+              <a:buNone/>
+              <a:tabLst/>
+              <a:defRPr/>
+            </a:pPr>
+            <a:r>
+              <a:rPr lang="en-US" altLang="zh-CN" dirty="0"/>
+              <a:t>Node.js </a:t>
             </a:r>
             <a:r>
               <a:rPr lang="zh-CN" altLang="en-US" dirty="0"/>
-              <a:t>声明变量 </a:t>
+              <a:t>是一个基于 </a:t>
             </a:r>
             <a:r>
               <a:rPr lang="en-US" altLang="zh-CN" dirty="0"/>
-              <a:t>let</a:t>
-            </a:r>
-          </a:p>
-          <a:p>
+              <a:t>Chrome V8 </a:t>
+            </a:r>
+            <a:r>
+              <a:rPr lang="zh-CN" altLang="en-US" dirty="0"/>
+              <a:t>引擎的 </a:t>
+            </a:r>
             <a:r>
               <a:rPr lang="en-US" altLang="zh-CN" dirty="0"/>
-              <a:t>2. </a:t>
+              <a:t>JavaScript </a:t>
             </a:r>
             <a:r>
               <a:rPr lang="zh-CN" altLang="en-US" dirty="0"/>
-              <a:t>讲解和演示 </a:t>
-            </a:r>
+              <a:t>运行环境。 </a:t>
+            </a:r>
+            <a:br>
+              <a:rPr lang="zh-CN" altLang="en-US" dirty="0"/>
+            </a:br>
             <a:r>
               <a:rPr lang="en-US" altLang="zh-CN" dirty="0"/>
-              <a:t>String, Number, Boolean, Array, Object </a:t>
+              <a:t>Node.js </a:t>
             </a:r>
             <a:r>
               <a:rPr lang="zh-CN" altLang="en-US" dirty="0"/>
-              <a:t>数据类型</a:t>
-            </a:r>
-            <a:endParaRPr lang="en-US" altLang="zh-CN" dirty="0"/>
-          </a:p>
-          <a:p>
-            <a:endParaRPr lang="en-US" altLang="zh-CN" dirty="0"/>
-          </a:p>
-          <a:p>
-            <a:r>
-              <a:rPr lang="en-US" altLang="zh-CN" dirty="0">
-                <a:effectLst/>
-              </a:rPr>
-              <a:t>String </a:t>
-            </a:r>
-            <a:r>
-              <a:rPr lang="zh-CN" altLang="en-US" dirty="0">
-                <a:effectLst/>
-              </a:rPr>
-              <a:t>字符串，一段文本。 要指示变量是字符串，你应该将它们用引号包裹起来。</a:t>
-            </a:r>
-            <a:endParaRPr lang="en-US" altLang="zh-CN" dirty="0">
+              <a:t>使用了一个事件驱动、非阻塞式 </a:t>
+            </a:r>
+            <a:r>
+              <a:rPr lang="en-US" altLang="zh-CN" dirty="0"/>
+              <a:t>I/O </a:t>
+            </a:r>
+            <a:r>
+              <a:rPr lang="zh-CN" altLang="en-US" dirty="0"/>
+              <a:t>的模型，使其轻量又高效。 </a:t>
+            </a:r>
+            <a:endParaRPr lang="en-US" altLang="zh-CN" sz="1200" b="1" i="0" kern="1200" dirty="0">
+              <a:solidFill>
+                <a:schemeClr val="tx1"/>
+              </a:solidFill>
               <a:effectLst/>
+              <a:latin typeface="Source Sans Pro" panose="020B0503030403020204" pitchFamily="34" charset="0"/>
+              <a:ea typeface="+mn-ea"/>
+              <a:cs typeface="+mn-cs"/>
             </a:endParaRPr>
           </a:p>
           <a:p>
-            <a:r>
-              <a:rPr lang="en-US" altLang="zh-CN" dirty="0">
-                <a:effectLst/>
-              </a:rPr>
-              <a:t>Number </a:t>
-            </a:r>
-            <a:r>
-              <a:rPr lang="zh-CN" altLang="en-US" dirty="0">
-                <a:effectLst/>
-              </a:rPr>
-              <a:t>数字，一个数字。不用引号包围。</a:t>
-            </a:r>
-            <a:endParaRPr lang="en-US" altLang="zh-CN" dirty="0">
-              <a:effectLst/>
-            </a:endParaRPr>
-          </a:p>
-          <a:p>
-            <a:r>
-              <a:rPr lang="en-US" altLang="zh-CN" dirty="0">
-                <a:effectLst/>
-              </a:rPr>
-              <a:t>Boolean </a:t>
-            </a:r>
-            <a:r>
-              <a:rPr lang="zh-CN" altLang="en-US" dirty="0">
-                <a:effectLst/>
-              </a:rPr>
-              <a:t>布尔型，一个 </a:t>
-            </a:r>
-            <a:r>
-              <a:rPr lang="en-US" altLang="zh-CN" dirty="0">
-                <a:effectLst/>
-              </a:rPr>
-              <a:t>True/False </a:t>
-            </a:r>
-            <a:r>
-              <a:rPr lang="zh-CN" altLang="en-US" dirty="0">
-                <a:effectLst/>
-              </a:rPr>
-              <a:t>（真 </a:t>
-            </a:r>
-            <a:r>
-              <a:rPr lang="en-US" altLang="zh-CN" dirty="0">
-                <a:effectLst/>
-              </a:rPr>
-              <a:t>/ </a:t>
-            </a:r>
-            <a:r>
-              <a:rPr lang="zh-CN" altLang="en-US" dirty="0">
-                <a:effectLst/>
-              </a:rPr>
-              <a:t>假）值。 </a:t>
-            </a:r>
-            <a:r>
-              <a:rPr lang="en-US" altLang="zh-CN" dirty="0">
-                <a:effectLst/>
-              </a:rPr>
-              <a:t>true/false </a:t>
-            </a:r>
-            <a:r>
-              <a:rPr lang="zh-CN" altLang="en-US" dirty="0">
-                <a:effectLst/>
-              </a:rPr>
-              <a:t>是 </a:t>
-            </a:r>
-            <a:r>
-              <a:rPr lang="en-US" altLang="zh-CN" dirty="0">
-                <a:effectLst/>
-              </a:rPr>
-              <a:t>JS </a:t>
-            </a:r>
-            <a:r>
-              <a:rPr lang="zh-CN" altLang="en-US" dirty="0">
-                <a:effectLst/>
-              </a:rPr>
-              <a:t>里的特殊关键字，不需要引号。</a:t>
-            </a:r>
-            <a:endParaRPr lang="en-US" altLang="zh-CN" dirty="0">
-              <a:effectLst/>
-            </a:endParaRPr>
-          </a:p>
-          <a:p>
-            <a:r>
-              <a:rPr lang="en-US" altLang="zh-CN" dirty="0">
-                <a:effectLst/>
-              </a:rPr>
-              <a:t>Array </a:t>
-            </a:r>
-            <a:r>
-              <a:rPr lang="zh-CN" altLang="en-US" dirty="0">
-                <a:effectLst/>
-              </a:rPr>
-              <a:t>数组，一种允许你存储多个值在一个引用里的结构。</a:t>
-            </a:r>
-            <a:endParaRPr lang="en-US" altLang="zh-CN" dirty="0">
-              <a:effectLst/>
-            </a:endParaRPr>
-          </a:p>
-          <a:p>
-            <a:r>
-              <a:rPr lang="en-US" altLang="zh-CN" dirty="0">
-                <a:effectLst/>
-              </a:rPr>
-              <a:t>Object </a:t>
-            </a:r>
-            <a:r>
-              <a:rPr lang="zh-CN" altLang="en-US" dirty="0">
-                <a:effectLst/>
-              </a:rPr>
-              <a:t>对象，基本上 </a:t>
-            </a:r>
-            <a:r>
-              <a:rPr lang="en-US" altLang="zh-CN" dirty="0">
-                <a:effectLst/>
-              </a:rPr>
-              <a:t>JavaScript </a:t>
-            </a:r>
-            <a:r>
-              <a:rPr lang="zh-CN" altLang="en-US" dirty="0">
-                <a:effectLst/>
-              </a:rPr>
-              <a:t>里的任何东西都是对象，而且都可以被储存在变量里。</a:t>
-            </a:r>
-            <a:endParaRPr lang="zh-CN" altLang="en-US" dirty="0"/>
+            <a:endParaRPr lang="en-US" baseline="0" dirty="0"/>
           </a:p>
         </p:txBody>
       </p:sp>
       <p:sp>
         <p:nvSpPr>
-          <p:cNvPr id="4" name="灯片编号占位符 3"/>
+          <p:cNvPr id="4" name="Slide Number Placeholder 3"/>
           <p:cNvSpPr>
             <a:spLocks noGrp="1"/>
           </p:cNvSpPr>
@@ -1868,7 +1782,7 @@
             <a:fld id="{1F36095F-851B-4C6B-93FA-49215E044C0A}" type="slidenum">
               <a:rPr lang="en-US" smtClean="0"/>
               <a:pPr/>
-              <a:t>7</a:t>
+              <a:t>6</a:t>
             </a:fld>
             <a:endParaRPr lang="en-US" dirty="0"/>
           </a:p>
@@ -1877,7 +1791,7 @@
     </p:spTree>
     <p:extLst>
       <p:ext uri="{BB962C8B-B14F-4D97-AF65-F5344CB8AC3E}">
-        <p14:creationId xmlns:p14="http://schemas.microsoft.com/office/powerpoint/2010/main" val="2500983138"/>
+        <p14:creationId xmlns:p14="http://schemas.microsoft.com/office/powerpoint/2010/main" val="819850302"/>
       </p:ext>
     </p:extLst>
   </p:cSld>
@@ -1937,151 +1851,183 @@
             </a:r>
           </a:p>
           <a:p>
-            <a:pPr marL="228600" indent="-228600">
-              <a:buAutoNum type="arabicPeriod"/>
-            </a:pPr>
+            <a:r>
+              <a:rPr lang="en-US" altLang="zh-CN" dirty="0"/>
+              <a:t>1. </a:t>
+            </a:r>
             <a:r>
               <a:rPr lang="zh-CN" altLang="en-US" dirty="0"/>
-              <a:t>讲解和演示运算符</a:t>
+              <a:t>声明变量 </a:t>
+            </a:r>
+            <a:r>
+              <a:rPr lang="en-US" altLang="zh-CN" dirty="0"/>
+              <a:t>let</a:t>
+            </a:r>
+          </a:p>
+          <a:p>
+            <a:r>
+              <a:rPr lang="en-US" altLang="zh-CN" dirty="0"/>
+              <a:t>2. </a:t>
+            </a:r>
+            <a:r>
+              <a:rPr lang="zh-CN" altLang="en-US" dirty="0"/>
+              <a:t>讲解和演示 </a:t>
+            </a:r>
+            <a:r>
+              <a:rPr lang="en-US" altLang="zh-CN" dirty="0"/>
+              <a:t>String, Number, Boolean, Array, Object </a:t>
+            </a:r>
+            <a:r>
+              <a:rPr lang="zh-CN" altLang="en-US" dirty="0"/>
+              <a:t>数据类型</a:t>
             </a:r>
             <a:endParaRPr lang="en-US" altLang="zh-CN" dirty="0"/>
           </a:p>
           <a:p>
-            <a:pPr marL="228600" indent="-228600">
-              <a:buAutoNum type="arabicPeriod"/>
-            </a:pPr>
             <a:endParaRPr lang="en-US" altLang="zh-CN" dirty="0"/>
           </a:p>
           <a:p>
-            <a:pPr marL="0" indent="0">
-              <a:buNone/>
-            </a:pPr>
             <a:r>
               <a:rPr lang="en-US" altLang="zh-CN" dirty="0">
                 <a:effectLst/>
               </a:rPr>
-              <a:t>+,     </a:t>
+              <a:t>String </a:t>
             </a:r>
             <a:r>
               <a:rPr lang="zh-CN" altLang="en-US" dirty="0">
                 <a:effectLst/>
               </a:rPr>
-              <a:t>连接用来相加两个数字，或者连接两个字符串</a:t>
-            </a:r>
-            <a:br>
-              <a:rPr lang="en-US" altLang="zh-CN" dirty="0">
-                <a:effectLst/>
-              </a:rPr>
-            </a:br>
-            <a:r>
-              <a:rPr lang="en-US" altLang="zh-CN" dirty="0">
-                <a:effectLst/>
-              </a:rPr>
-              <a:t>- * /  </a:t>
-            </a:r>
-            <a:r>
-              <a:rPr lang="zh-CN" altLang="en-US" dirty="0">
-                <a:effectLst/>
-              </a:rPr>
-              <a:t>这些运算符操作将与你期望它们在基础数学中所做的一样。</a:t>
+              <a:t>字符串，一段文本。 要指示变量是字符串，你应该将它们用引号包裹起来。</a:t>
             </a:r>
             <a:endParaRPr lang="en-US" altLang="zh-CN" dirty="0">
               <a:effectLst/>
             </a:endParaRPr>
           </a:p>
           <a:p>
-            <a:pPr marL="0" indent="0">
-              <a:buNone/>
-            </a:pPr>
             <a:r>
               <a:rPr lang="en-US" altLang="zh-CN" dirty="0">
                 <a:effectLst/>
               </a:rPr>
-              <a:t>=      </a:t>
+              <a:t>Number </a:t>
             </a:r>
             <a:r>
               <a:rPr lang="zh-CN" altLang="en-US" dirty="0">
                 <a:effectLst/>
               </a:rPr>
-              <a:t>它将一个值赋给一个变量</a:t>
+              <a:t>数字，一个数字。不用引号包围。</a:t>
             </a:r>
             <a:endParaRPr lang="en-US" altLang="zh-CN" dirty="0">
               <a:effectLst/>
             </a:endParaRPr>
           </a:p>
           <a:p>
-            <a:pPr marL="0" indent="0">
-              <a:buNone/>
-            </a:pPr>
             <a:r>
               <a:rPr lang="en-US" altLang="zh-CN" dirty="0">
                 <a:effectLst/>
               </a:rPr>
-              <a:t>=== </a:t>
+              <a:t>Boolean </a:t>
             </a:r>
             <a:r>
               <a:rPr lang="zh-CN" altLang="en-US" dirty="0">
                 <a:effectLst/>
               </a:rPr>
-              <a:t>它将测试两个值是否相等，而且会返回一个 </a:t>
+              <a:t>布尔型，一个 </a:t>
             </a:r>
             <a:r>
               <a:rPr lang="en-US" altLang="zh-CN" dirty="0">
                 <a:effectLst/>
               </a:rPr>
-              <a:t>true/false </a:t>
+              <a:t>True/False </a:t>
             </a:r>
             <a:r>
               <a:rPr lang="zh-CN" altLang="en-US" dirty="0">
                 <a:effectLst/>
               </a:rPr>
-              <a:t>（布尔型）值。</a:t>
+              <a:t>（真 </a:t>
+            </a:r>
+            <a:r>
+              <a:rPr lang="en-US" altLang="zh-CN" dirty="0">
+                <a:effectLst/>
+              </a:rPr>
+              <a:t>/ </a:t>
+            </a:r>
+            <a:r>
+              <a:rPr lang="zh-CN" altLang="en-US" dirty="0">
+                <a:effectLst/>
+              </a:rPr>
+              <a:t>假）值。 </a:t>
+            </a:r>
+            <a:r>
+              <a:rPr lang="en-US" altLang="zh-CN" dirty="0">
+                <a:effectLst/>
+              </a:rPr>
+              <a:t>true/false </a:t>
+            </a:r>
+            <a:r>
+              <a:rPr lang="zh-CN" altLang="en-US" dirty="0">
+                <a:effectLst/>
+              </a:rPr>
+              <a:t>是 </a:t>
+            </a:r>
+            <a:r>
+              <a:rPr lang="en-US" altLang="zh-CN" dirty="0">
+                <a:effectLst/>
+              </a:rPr>
+              <a:t>JS </a:t>
+            </a:r>
+            <a:r>
+              <a:rPr lang="zh-CN" altLang="en-US" dirty="0">
+                <a:effectLst/>
+              </a:rPr>
+              <a:t>里的特殊关键字，不需要引号。</a:t>
             </a:r>
             <a:endParaRPr lang="en-US" altLang="zh-CN" dirty="0">
               <a:effectLst/>
             </a:endParaRPr>
           </a:p>
           <a:p>
-            <a:pPr marL="0" indent="0">
-              <a:buNone/>
-            </a:pPr>
             <a:r>
               <a:rPr lang="en-US" altLang="zh-CN" dirty="0">
                 <a:effectLst/>
               </a:rPr>
-              <a:t>! !== </a:t>
+              <a:t>Array </a:t>
             </a:r>
             <a:r>
               <a:rPr lang="zh-CN" altLang="en-US" dirty="0">
                 <a:effectLst/>
               </a:rPr>
-              <a:t>经常与相等运算一起使用，非运算符在</a:t>
-            </a:r>
+              <a:t>数组，一种允许你存储多个值在一个引用里的结构。</a:t>
+            </a:r>
+            <a:endParaRPr lang="en-US" altLang="zh-CN" dirty="0">
+              <a:effectLst/>
+            </a:endParaRPr>
+          </a:p>
+          <a:p>
             <a:r>
               <a:rPr lang="en-US" altLang="zh-CN" dirty="0">
                 <a:effectLst/>
               </a:rPr>
-              <a:t>JS</a:t>
+              <a:t>Object </a:t>
             </a:r>
             <a:r>
               <a:rPr lang="zh-CN" altLang="en-US" dirty="0">
                 <a:effectLst/>
               </a:rPr>
-              <a:t>中表示逻辑非</a:t>
+              <a:t>对象，基本上 </a:t>
             </a:r>
             <a:r>
               <a:rPr lang="en-US" altLang="zh-CN" dirty="0">
                 <a:effectLst/>
               </a:rPr>
-              <a:t>——</a:t>
+              <a:t>JavaScript </a:t>
             </a:r>
             <a:r>
               <a:rPr lang="zh-CN" altLang="en-US" dirty="0">
                 <a:effectLst/>
               </a:rPr>
-              <a:t>它也返回一个布尔值。</a:t>
-            </a:r>
-            <a:endParaRPr lang="en-US" altLang="zh-CN" dirty="0"/>
+              <a:t>里的任何东西都是对象，而且都可以被储存在变量里。</a:t>
+            </a:r>
+            <a:endParaRPr lang="zh-CN" altLang="en-US" dirty="0"/>
           </a:p>
         </p:txBody>
       </p:sp>
@@ -2103,7 +2049,7 @@
             <a:fld id="{1F36095F-851B-4C6B-93FA-49215E044C0A}" type="slidenum">
               <a:rPr lang="en-US" smtClean="0"/>
               <a:pPr/>
-              <a:t>8</a:t>
+              <a:t>7</a:t>
             </a:fld>
             <a:endParaRPr lang="en-US" dirty="0"/>
           </a:p>
@@ -2112,7 +2058,7 @@
     </p:spTree>
     <p:extLst>
       <p:ext uri="{BB962C8B-B14F-4D97-AF65-F5344CB8AC3E}">
-        <p14:creationId xmlns:p14="http://schemas.microsoft.com/office/powerpoint/2010/main" val="2950719829"/>
+        <p14:creationId xmlns:p14="http://schemas.microsoft.com/office/powerpoint/2010/main" val="2500983138"/>
       </p:ext>
     </p:extLst>
   </p:cSld>
@@ -2167,24 +2113,9 @@
           <a:lstStyle/>
           <a:p>
             <a:r>
-              <a:rPr lang="zh-CN" altLang="en-US" dirty="0"/>
-              <a:t>故事二 学习 </a:t>
-            </a:r>
-            <a:r>
               <a:rPr lang="en-US" altLang="zh-CN" dirty="0"/>
-              <a:t>for, while, if-else, switch, function, class, regular-</a:t>
-            </a:r>
-            <a:r>
-              <a:rPr lang="en-US" altLang="zh-CN" dirty="0" err="1"/>
-              <a:t>exp</a:t>
-            </a:r>
-            <a:r>
-              <a:rPr lang="en-US" altLang="zh-CN" dirty="0"/>
-              <a:t>, web-driver</a:t>
-            </a:r>
-          </a:p>
-          <a:p>
-            <a:endParaRPr lang="en-US" altLang="zh-CN" dirty="0"/>
+              <a:t>Playground in node</a:t>
+            </a:r>
           </a:p>
           <a:p>
             <a:pPr marL="228600" indent="-228600">
@@ -2192,20 +2123,7 @@
             </a:pPr>
             <a:r>
               <a:rPr lang="zh-CN" altLang="en-US" dirty="0"/>
-              <a:t>创建</a:t>
-            </a:r>
-            <a:r>
-              <a:rPr lang="en-US" altLang="zh-CN" dirty="0"/>
-              <a:t>story.js</a:t>
-            </a:r>
-          </a:p>
-          <a:p>
-            <a:pPr marL="228600" indent="-228600">
-              <a:buAutoNum type="arabicPeriod"/>
-            </a:pPr>
-            <a:r>
-              <a:rPr lang="zh-CN" altLang="en-US" dirty="0"/>
-              <a:t>写下故事</a:t>
+              <a:t>讲解和演示运算符</a:t>
             </a:r>
             <a:endParaRPr lang="en-US" altLang="zh-CN" dirty="0"/>
           </a:p>
@@ -2216,181 +2134,134 @@
             <a:endParaRPr lang="en-US" altLang="zh-CN" dirty="0"/>
           </a:p>
           <a:p>
-            <a:r>
-              <a:rPr lang="en-US" altLang="zh-CN" sz="1200" b="0" i="0" kern="1200" dirty="0">
-                <a:solidFill>
-                  <a:schemeClr val="tx1"/>
-                </a:solidFill>
-                <a:effectLst/>
-                <a:latin typeface="Source Sans Pro" panose="020B0503030403020204" pitchFamily="34" charset="0"/>
-                <a:ea typeface="+mn-ea"/>
-                <a:cs typeface="+mn-cs"/>
-              </a:rPr>
-              <a:t>// The Rabbit Mom stands in the front of the door </a:t>
-            </a:r>
-          </a:p>
-          <a:p>
-            <a:r>
-              <a:rPr lang="en-US" altLang="zh-CN" sz="1200" b="0" i="0" kern="1200" dirty="0">
-                <a:solidFill>
-                  <a:schemeClr val="tx1"/>
-                </a:solidFill>
-                <a:effectLst/>
-                <a:latin typeface="Source Sans Pro" panose="020B0503030403020204" pitchFamily="34" charset="0"/>
-                <a:ea typeface="+mn-ea"/>
-                <a:cs typeface="+mn-cs"/>
-              </a:rPr>
-              <a:t>// Asks the baby "Open the door" </a:t>
-            </a:r>
-          </a:p>
-          <a:p>
-            <a:r>
-              <a:rPr lang="en-US" altLang="zh-CN" sz="1200" b="0" i="0" kern="1200" dirty="0">
-                <a:solidFill>
-                  <a:schemeClr val="tx1"/>
-                </a:solidFill>
-                <a:effectLst/>
-                <a:latin typeface="Source Sans Pro" panose="020B0503030403020204" pitchFamily="34" charset="0"/>
-                <a:ea typeface="+mn-ea"/>
-                <a:cs typeface="+mn-cs"/>
-              </a:rPr>
-              <a:t>// And say "I am Mom" </a:t>
-            </a:r>
-          </a:p>
-          <a:p>
-            <a:r>
-              <a:rPr lang="en-US" altLang="zh-CN" sz="1200" b="0" i="0" kern="1200" dirty="0">
-                <a:solidFill>
-                  <a:schemeClr val="tx1"/>
-                </a:solidFill>
-                <a:effectLst/>
-                <a:latin typeface="Source Sans Pro" panose="020B0503030403020204" pitchFamily="34" charset="0"/>
-                <a:ea typeface="+mn-ea"/>
-                <a:cs typeface="+mn-cs"/>
-              </a:rPr>
-              <a:t>// The rabbit baby opens the door </a:t>
-            </a:r>
-          </a:p>
-          <a:p>
-            <a:endParaRPr lang="en-US" altLang="zh-CN" sz="1200" b="0" i="0" kern="1200" dirty="0">
-              <a:solidFill>
-                <a:schemeClr val="tx1"/>
-              </a:solidFill>
-              <a:effectLst/>
-              <a:latin typeface="Source Sans Pro" panose="020B0503030403020204" pitchFamily="34" charset="0"/>
-              <a:ea typeface="+mn-ea"/>
-              <a:cs typeface="+mn-cs"/>
-            </a:endParaRPr>
-          </a:p>
-          <a:p>
-            <a:r>
-              <a:rPr lang="en-US" altLang="zh-CN" sz="1200" b="0" i="0" kern="1200" dirty="0">
-                <a:solidFill>
-                  <a:schemeClr val="tx1"/>
-                </a:solidFill>
-                <a:effectLst/>
-                <a:latin typeface="Source Sans Pro" panose="020B0503030403020204" pitchFamily="34" charset="0"/>
-                <a:ea typeface="+mn-ea"/>
-                <a:cs typeface="+mn-cs"/>
-              </a:rPr>
-              <a:t>let given="Given: stand in the front of the door"; </a:t>
-            </a:r>
-          </a:p>
-          <a:p>
-            <a:r>
-              <a:rPr lang="en-US" altLang="zh-CN" sz="1200" b="0" i="0" kern="1200" dirty="0">
-                <a:solidFill>
-                  <a:schemeClr val="tx1"/>
-                </a:solidFill>
-                <a:effectLst/>
-                <a:latin typeface="Source Sans Pro" panose="020B0503030403020204" pitchFamily="34" charset="0"/>
-                <a:ea typeface="+mn-ea"/>
-                <a:cs typeface="+mn-cs"/>
-              </a:rPr>
-              <a:t>let when1="When: ask Open the door"; </a:t>
-            </a:r>
-          </a:p>
-          <a:p>
-            <a:r>
-              <a:rPr lang="en-US" altLang="zh-CN" sz="1200" b="0" i="0" kern="1200" dirty="0">
-                <a:solidFill>
-                  <a:schemeClr val="tx1"/>
-                </a:solidFill>
-                <a:effectLst/>
-                <a:latin typeface="Source Sans Pro" panose="020B0503030403020204" pitchFamily="34" charset="0"/>
-                <a:ea typeface="+mn-ea"/>
-                <a:cs typeface="+mn-cs"/>
-              </a:rPr>
-              <a:t>let when2="When: I am Mom"; </a:t>
-            </a:r>
-          </a:p>
-          <a:p>
-            <a:r>
-              <a:rPr lang="en-US" altLang="zh-CN" sz="1200" b="0" i="0" kern="1200">
-                <a:solidFill>
-                  <a:schemeClr val="tx1"/>
-                </a:solidFill>
-                <a:effectLst/>
-                <a:latin typeface="Source Sans Pro" panose="020B0503030403020204" pitchFamily="34" charset="0"/>
-                <a:ea typeface="+mn-ea"/>
-                <a:cs typeface="+mn-cs"/>
-              </a:rPr>
-              <a:t>let </a:t>
-            </a:r>
-            <a:r>
-              <a:rPr lang="en-US" altLang="zh-CN" sz="1200" b="0" i="0" kern="1200" dirty="0">
-                <a:solidFill>
-                  <a:schemeClr val="tx1"/>
-                </a:solidFill>
-                <a:effectLst/>
-                <a:latin typeface="Source Sans Pro" panose="020B0503030403020204" pitchFamily="34" charset="0"/>
-                <a:ea typeface="+mn-ea"/>
-                <a:cs typeface="+mn-cs"/>
-              </a:rPr>
-              <a:t>then = "Then: open the </a:t>
-            </a:r>
-            <a:r>
-              <a:rPr lang="en-US" altLang="zh-CN" sz="1200" b="0" i="0" kern="1200">
-                <a:solidFill>
-                  <a:schemeClr val="tx1"/>
-                </a:solidFill>
-                <a:effectLst/>
-                <a:latin typeface="Source Sans Pro" panose="020B0503030403020204" pitchFamily="34" charset="0"/>
-                <a:ea typeface="+mn-ea"/>
-                <a:cs typeface="+mn-cs"/>
-              </a:rPr>
-              <a:t>door";</a:t>
-            </a:r>
-          </a:p>
-          <a:p>
-            <a:endParaRPr lang="en-US" altLang="zh-CN" sz="1200" b="0" i="0" kern="1200" dirty="0">
-              <a:solidFill>
-                <a:schemeClr val="tx1"/>
-              </a:solidFill>
-              <a:effectLst/>
-              <a:latin typeface="Source Sans Pro" panose="020B0503030403020204" pitchFamily="34" charset="0"/>
-              <a:ea typeface="+mn-ea"/>
-              <a:cs typeface="+mn-cs"/>
-            </a:endParaRPr>
-          </a:p>
-          <a:p>
-            <a:r>
-              <a:rPr lang="en-US" altLang="zh-CN" sz="1200" b="0" i="0" kern="1200" dirty="0">
-                <a:solidFill>
-                  <a:schemeClr val="tx1"/>
-                </a:solidFill>
-                <a:effectLst/>
-                <a:latin typeface="Source Sans Pro" panose="020B0503030403020204" pitchFamily="34" charset="0"/>
-                <a:ea typeface="+mn-ea"/>
-                <a:cs typeface="+mn-cs"/>
-              </a:rPr>
-              <a:t># commit git add . &amp;&amp; git commit -m "initial story"</a:t>
-            </a:r>
-          </a:p>
-          <a:p>
             <a:pPr marL="0" indent="0">
               <a:buNone/>
             </a:pPr>
+            <a:r>
+              <a:rPr lang="en-US" altLang="zh-CN" dirty="0">
+                <a:effectLst/>
+              </a:rPr>
+              <a:t>+,     </a:t>
+            </a:r>
+            <a:r>
+              <a:rPr lang="zh-CN" altLang="en-US" dirty="0">
+                <a:effectLst/>
+              </a:rPr>
+              <a:t>连接用来相加两个数字，或者连接两个字符串</a:t>
+            </a:r>
+            <a:br>
+              <a:rPr lang="en-US" altLang="zh-CN" dirty="0">
+                <a:effectLst/>
+              </a:rPr>
+            </a:br>
+            <a:r>
+              <a:rPr lang="en-US" altLang="zh-CN" dirty="0">
+                <a:effectLst/>
+              </a:rPr>
+              <a:t>- * /  </a:t>
+            </a:r>
+            <a:r>
+              <a:rPr lang="zh-CN" altLang="en-US" dirty="0">
+                <a:effectLst/>
+              </a:rPr>
+              <a:t>这些运算符操作将与你期望它们在基础数学中所做的一样。</a:t>
+            </a:r>
+            <a:endParaRPr lang="en-US" altLang="zh-CN" dirty="0">
+              <a:effectLst/>
+            </a:endParaRPr>
+          </a:p>
+          <a:p>
+            <a:pPr marL="0" indent="0">
+              <a:buNone/>
+            </a:pPr>
+            <a:r>
+              <a:rPr lang="en-US" altLang="zh-CN" dirty="0">
+                <a:effectLst/>
+              </a:rPr>
+              <a:t>=      </a:t>
+            </a:r>
+            <a:r>
+              <a:rPr lang="zh-CN" altLang="en-US" dirty="0">
+                <a:effectLst/>
+              </a:rPr>
+              <a:t>它将一个值赋给一个变量</a:t>
+            </a:r>
+            <a:endParaRPr lang="en-US" altLang="zh-CN" dirty="0">
+              <a:effectLst/>
+            </a:endParaRPr>
+          </a:p>
+          <a:p>
+            <a:pPr marL="0" indent="0">
+              <a:buNone/>
+            </a:pPr>
+            <a:r>
+              <a:rPr lang="en-US" altLang="zh-CN" dirty="0">
+                <a:effectLst/>
+              </a:rPr>
+              <a:t>=== </a:t>
+            </a:r>
+            <a:r>
+              <a:rPr lang="zh-CN" altLang="en-US" dirty="0">
+                <a:effectLst/>
+              </a:rPr>
+              <a:t>它将测试两个值是否相等，而且会返回一个 </a:t>
+            </a:r>
+            <a:r>
+              <a:rPr lang="en-US" altLang="zh-CN" dirty="0">
+                <a:effectLst/>
+              </a:rPr>
+              <a:t>true/false </a:t>
+            </a:r>
+            <a:r>
+              <a:rPr lang="zh-CN" altLang="en-US" dirty="0">
+                <a:effectLst/>
+              </a:rPr>
+              <a:t>（布尔型）值。</a:t>
+            </a:r>
+            <a:endParaRPr lang="en-US" altLang="zh-CN" dirty="0">
+              <a:effectLst/>
+            </a:endParaRPr>
+          </a:p>
+          <a:p>
+            <a:pPr marL="0" indent="0">
+              <a:buNone/>
+            </a:pPr>
+            <a:r>
+              <a:rPr lang="en-US" altLang="zh-CN" dirty="0">
+                <a:effectLst/>
+              </a:rPr>
+              <a:t>! !== </a:t>
+            </a:r>
+            <a:r>
+              <a:rPr lang="zh-CN" altLang="en-US" dirty="0">
+                <a:effectLst/>
+              </a:rPr>
+              <a:t>经常与相等运算一起使用，非运算符在</a:t>
+            </a:r>
+            <a:r>
+              <a:rPr lang="en-US" altLang="zh-CN" dirty="0">
+                <a:effectLst/>
+              </a:rPr>
+              <a:t>JS</a:t>
+            </a:r>
+            <a:r>
+              <a:rPr lang="zh-CN" altLang="en-US" dirty="0">
+                <a:effectLst/>
+              </a:rPr>
+              <a:t>中表示逻辑非</a:t>
+            </a:r>
+            <a:r>
+              <a:rPr lang="en-US" altLang="zh-CN" dirty="0">
+                <a:effectLst/>
+              </a:rPr>
+              <a:t>——</a:t>
+            </a:r>
+            <a:r>
+              <a:rPr lang="zh-CN" altLang="en-US" dirty="0">
+                <a:effectLst/>
+              </a:rPr>
+              <a:t>它也返回一个布尔值。</a:t>
+            </a:r>
             <a:endParaRPr lang="en-US" altLang="zh-CN" dirty="0"/>
           </a:p>
         </p:txBody>
@@ -2413,7 +2284,7 @@
             <a:fld id="{1F36095F-851B-4C6B-93FA-49215E044C0A}" type="slidenum">
               <a:rPr lang="en-US" smtClean="0"/>
               <a:pPr/>
-              <a:t>9</a:t>
+              <a:t>8</a:t>
             </a:fld>
             <a:endParaRPr lang="en-US" dirty="0"/>
           </a:p>
@@ -2422,7 +2293,7 @@
     </p:spTree>
     <p:extLst>
       <p:ext uri="{BB962C8B-B14F-4D97-AF65-F5344CB8AC3E}">
-        <p14:creationId xmlns:p14="http://schemas.microsoft.com/office/powerpoint/2010/main" val="456700010"/>
+        <p14:creationId xmlns:p14="http://schemas.microsoft.com/office/powerpoint/2010/main" val="2950719829"/>
       </p:ext>
     </p:extLst>
   </p:cSld>
@@ -2451,7 +2322,7 @@
       </p:grpSpPr>
       <p:sp>
         <p:nvSpPr>
-          <p:cNvPr id="2" name="Slide Image Placeholder 1"/>
+          <p:cNvPr id="2" name="幻灯片图像占位符 1"/>
           <p:cNvSpPr>
             <a:spLocks noGrp="1" noRot="1" noChangeAspect="1"/>
           </p:cNvSpPr>
@@ -2463,7 +2334,7 @@
       </p:sp>
       <p:sp>
         <p:nvSpPr>
-          <p:cNvPr id="3" name="Notes Placeholder 2"/>
+          <p:cNvPr id="3" name="备注占位符 2"/>
           <p:cNvSpPr>
             <a:spLocks noGrp="1"/>
           </p:cNvSpPr>
@@ -2477,81 +2348,237 @@
           <a:lstStyle/>
           <a:p>
             <a:r>
-              <a:rPr lang="en-US" dirty="0"/>
-              <a:t>https://fiddle.jshell.net/</a:t>
-            </a:r>
-          </a:p>
-          <a:p>
-            <a:endParaRPr lang="en-US" dirty="0"/>
-          </a:p>
-          <a:p>
-            <a:r>
-              <a:rPr lang="en-US" dirty="0"/>
-              <a:t>&lt;p class="label"&gt;Hello world&lt;/p&gt;</a:t>
-            </a:r>
-          </a:p>
-          <a:p>
-            <a:r>
-              <a:rPr lang="en-US" dirty="0"/>
-              <a:t>&lt;button </a:t>
-            </a:r>
-            <a:r>
-              <a:rPr lang="en-US" dirty="0" err="1"/>
-              <a:t>onclick</a:t>
-            </a:r>
-            <a:r>
-              <a:rPr lang="en-US" dirty="0"/>
-              <a:t>="say();"&gt;Say&lt;/button&gt;</a:t>
-            </a:r>
-          </a:p>
-          <a:p>
-            <a:endParaRPr lang="en-US" dirty="0"/>
-          </a:p>
-          <a:p>
-            <a:r>
-              <a:rPr lang="en-US" dirty="0"/>
-              <a:t>function say(){</a:t>
-            </a:r>
-          </a:p>
-          <a:p>
-            <a:r>
-              <a:rPr lang="en-US" dirty="0"/>
-              <a:t>	//</a:t>
-            </a:r>
-            <a:r>
-              <a:rPr lang="en-US" dirty="0" err="1"/>
-              <a:t>document.querySelector</a:t>
-            </a:r>
-            <a:r>
-              <a:rPr lang="en-US" dirty="0"/>
-              <a:t>(".label").</a:t>
-            </a:r>
-            <a:r>
-              <a:rPr lang="en-US" dirty="0" err="1"/>
-              <a:t>innerHTML</a:t>
-            </a:r>
-            <a:r>
-              <a:rPr lang="en-US" dirty="0"/>
-              <a:t>="Hello World! I am online";</a:t>
-            </a:r>
-          </a:p>
-          <a:p>
-            <a:r>
-              <a:rPr lang="en-US" dirty="0"/>
-              <a:t>$(".label").text("Hello World! I am online!");</a:t>
-            </a:r>
-          </a:p>
-          <a:p>
-            <a:r>
-              <a:rPr lang="en-US" dirty="0"/>
-              <a:t>}</a:t>
-            </a:r>
+              <a:rPr lang="zh-CN" altLang="en-US" dirty="0"/>
+              <a:t>故事二 学习 </a:t>
+            </a:r>
+            <a:r>
+              <a:rPr lang="en-US" altLang="zh-CN" dirty="0"/>
+              <a:t>for, while, if-else, switch, function, class, regular-</a:t>
+            </a:r>
+            <a:r>
+              <a:rPr lang="en-US" altLang="zh-CN" dirty="0" err="1"/>
+              <a:t>exp</a:t>
+            </a:r>
+            <a:r>
+              <a:rPr lang="en-US" altLang="zh-CN" dirty="0"/>
+              <a:t>, web-driver</a:t>
+            </a:r>
+          </a:p>
+          <a:p>
+            <a:endParaRPr lang="en-US" altLang="zh-CN" dirty="0"/>
+          </a:p>
+          <a:p>
+            <a:pPr marL="228600" indent="-228600">
+              <a:buAutoNum type="arabicPeriod"/>
+            </a:pPr>
+            <a:r>
+              <a:rPr lang="zh-CN" altLang="en-US" dirty="0"/>
+              <a:t>创建</a:t>
+            </a:r>
+            <a:r>
+              <a:rPr lang="en-US" altLang="zh-CN" dirty="0"/>
+              <a:t>story.js</a:t>
+            </a:r>
+          </a:p>
+          <a:p>
+            <a:pPr marL="228600" indent="-228600">
+              <a:buAutoNum type="arabicPeriod"/>
+            </a:pPr>
+            <a:r>
+              <a:rPr lang="zh-CN" altLang="en-US" dirty="0"/>
+              <a:t>写下故事</a:t>
+            </a:r>
+            <a:endParaRPr lang="en-US" altLang="zh-CN" dirty="0"/>
+          </a:p>
+          <a:p>
+            <a:pPr marL="228600" indent="-228600">
+              <a:buAutoNum type="arabicPeriod"/>
+            </a:pPr>
+            <a:endParaRPr lang="en-US" altLang="zh-CN" dirty="0"/>
+          </a:p>
+          <a:p>
+            <a:r>
+              <a:rPr lang="en-US" altLang="zh-CN" sz="1200" b="0" i="0" kern="1200" dirty="0">
+                <a:solidFill>
+                  <a:schemeClr val="tx1"/>
+                </a:solidFill>
+                <a:effectLst/>
+                <a:latin typeface="Source Sans Pro" panose="020B0503030403020204" pitchFamily="34" charset="0"/>
+                <a:ea typeface="+mn-ea"/>
+                <a:cs typeface="+mn-cs"/>
+              </a:rPr>
+              <a:t>// The Rabbit Mom stands in the front of the door </a:t>
+            </a:r>
+          </a:p>
+          <a:p>
+            <a:r>
+              <a:rPr lang="en-US" altLang="zh-CN" sz="1200" b="0" i="0" kern="1200" dirty="0">
+                <a:solidFill>
+                  <a:schemeClr val="tx1"/>
+                </a:solidFill>
+                <a:effectLst/>
+                <a:latin typeface="Source Sans Pro" panose="020B0503030403020204" pitchFamily="34" charset="0"/>
+                <a:ea typeface="+mn-ea"/>
+                <a:cs typeface="+mn-cs"/>
+              </a:rPr>
+              <a:t>// Asks the baby "Open the door" </a:t>
+            </a:r>
+          </a:p>
+          <a:p>
+            <a:r>
+              <a:rPr lang="en-US" altLang="zh-CN" sz="1200" b="0" i="0" kern="1200" dirty="0">
+                <a:solidFill>
+                  <a:schemeClr val="tx1"/>
+                </a:solidFill>
+                <a:effectLst/>
+                <a:latin typeface="Source Sans Pro" panose="020B0503030403020204" pitchFamily="34" charset="0"/>
+                <a:ea typeface="+mn-ea"/>
+                <a:cs typeface="+mn-cs"/>
+              </a:rPr>
+              <a:t>// And say "I am Mom" </a:t>
+            </a:r>
+          </a:p>
+          <a:p>
+            <a:r>
+              <a:rPr lang="en-US" altLang="zh-CN" sz="1200" b="0" i="0" kern="1200" dirty="0">
+                <a:solidFill>
+                  <a:schemeClr val="tx1"/>
+                </a:solidFill>
+                <a:effectLst/>
+                <a:latin typeface="Source Sans Pro" panose="020B0503030403020204" pitchFamily="34" charset="0"/>
+                <a:ea typeface="+mn-ea"/>
+                <a:cs typeface="+mn-cs"/>
+              </a:rPr>
+              <a:t>// The rabbit baby opens the door </a:t>
+            </a:r>
+          </a:p>
+          <a:p>
+            <a:endParaRPr lang="en-US" altLang="zh-CN" sz="1200" b="0" i="0" kern="1200" dirty="0">
+              <a:solidFill>
+                <a:schemeClr val="tx1"/>
+              </a:solidFill>
+              <a:effectLst/>
+              <a:latin typeface="Source Sans Pro" panose="020B0503030403020204" pitchFamily="34" charset="0"/>
+              <a:ea typeface="+mn-ea"/>
+              <a:cs typeface="+mn-cs"/>
+            </a:endParaRPr>
+          </a:p>
+          <a:p>
+            <a:r>
+              <a:rPr lang="en-US" altLang="zh-CN" sz="1200" b="0" i="0" kern="1200" dirty="0">
+                <a:solidFill>
+                  <a:schemeClr val="tx1"/>
+                </a:solidFill>
+                <a:effectLst/>
+                <a:latin typeface="Source Sans Pro" panose="020B0503030403020204" pitchFamily="34" charset="0"/>
+                <a:ea typeface="+mn-ea"/>
+                <a:cs typeface="+mn-cs"/>
+              </a:rPr>
+              <a:t>let given="Given: stand in the front of the door"; </a:t>
+            </a:r>
+          </a:p>
+          <a:p>
+            <a:r>
+              <a:rPr lang="en-US" altLang="zh-CN" sz="1200" b="0" i="0" kern="1200" dirty="0">
+                <a:solidFill>
+                  <a:schemeClr val="tx1"/>
+                </a:solidFill>
+                <a:effectLst/>
+                <a:latin typeface="Source Sans Pro" panose="020B0503030403020204" pitchFamily="34" charset="0"/>
+                <a:ea typeface="+mn-ea"/>
+                <a:cs typeface="+mn-cs"/>
+              </a:rPr>
+              <a:t>let when1="When: ask Open the door"; </a:t>
+            </a:r>
+          </a:p>
+          <a:p>
+            <a:r>
+              <a:rPr lang="en-US" altLang="zh-CN" sz="1200" b="0" i="0" kern="1200" dirty="0">
+                <a:solidFill>
+                  <a:schemeClr val="tx1"/>
+                </a:solidFill>
+                <a:effectLst/>
+                <a:latin typeface="Source Sans Pro" panose="020B0503030403020204" pitchFamily="34" charset="0"/>
+                <a:ea typeface="+mn-ea"/>
+                <a:cs typeface="+mn-cs"/>
+              </a:rPr>
+              <a:t>let when2="When: I am Mom"; </a:t>
+            </a:r>
+          </a:p>
+          <a:p>
+            <a:r>
+              <a:rPr lang="en-US" altLang="zh-CN" sz="1200" b="0" i="0" kern="1200">
+                <a:solidFill>
+                  <a:schemeClr val="tx1"/>
+                </a:solidFill>
+                <a:effectLst/>
+                <a:latin typeface="Source Sans Pro" panose="020B0503030403020204" pitchFamily="34" charset="0"/>
+                <a:ea typeface="+mn-ea"/>
+                <a:cs typeface="+mn-cs"/>
+              </a:rPr>
+              <a:t>let </a:t>
+            </a:r>
+            <a:r>
+              <a:rPr lang="en-US" altLang="zh-CN" sz="1200" b="0" i="0" kern="1200" dirty="0">
+                <a:solidFill>
+                  <a:schemeClr val="tx1"/>
+                </a:solidFill>
+                <a:effectLst/>
+                <a:latin typeface="Source Sans Pro" panose="020B0503030403020204" pitchFamily="34" charset="0"/>
+                <a:ea typeface="+mn-ea"/>
+                <a:cs typeface="+mn-cs"/>
+              </a:rPr>
+              <a:t>then = "Then: open the </a:t>
+            </a:r>
+            <a:r>
+              <a:rPr lang="en-US" altLang="zh-CN" sz="1200" b="0" i="0" kern="1200">
+                <a:solidFill>
+                  <a:schemeClr val="tx1"/>
+                </a:solidFill>
+                <a:effectLst/>
+                <a:latin typeface="Source Sans Pro" panose="020B0503030403020204" pitchFamily="34" charset="0"/>
+                <a:ea typeface="+mn-ea"/>
+                <a:cs typeface="+mn-cs"/>
+              </a:rPr>
+              <a:t>door";</a:t>
+            </a:r>
+          </a:p>
+          <a:p>
+            <a:endParaRPr lang="en-US" altLang="zh-CN" sz="1200" b="0" i="0" kern="1200" dirty="0">
+              <a:solidFill>
+                <a:schemeClr val="tx1"/>
+              </a:solidFill>
+              <a:effectLst/>
+              <a:latin typeface="Source Sans Pro" panose="020B0503030403020204" pitchFamily="34" charset="0"/>
+              <a:ea typeface="+mn-ea"/>
+              <a:cs typeface="+mn-cs"/>
+            </a:endParaRPr>
+          </a:p>
+          <a:p>
+            <a:r>
+              <a:rPr lang="en-US" altLang="zh-CN" sz="1200" b="0" i="0" kern="1200" dirty="0">
+                <a:solidFill>
+                  <a:schemeClr val="tx1"/>
+                </a:solidFill>
+                <a:effectLst/>
+                <a:latin typeface="Source Sans Pro" panose="020B0503030403020204" pitchFamily="34" charset="0"/>
+                <a:ea typeface="+mn-ea"/>
+                <a:cs typeface="+mn-cs"/>
+              </a:rPr>
+              <a:t># commit git add . &amp;&amp; git commit -m "initial story"</a:t>
+            </a:r>
+          </a:p>
+          <a:p>
+            <a:pPr marL="0" indent="0">
+              <a:buNone/>
+            </a:pPr>
+            <a:endParaRPr lang="en-US" altLang="zh-CN" dirty="0"/>
           </a:p>
         </p:txBody>
       </p:sp>
       <p:sp>
         <p:nvSpPr>
-          <p:cNvPr id="4" name="Slide Number Placeholder 3"/>
+          <p:cNvPr id="4" name="灯片编号占位符 3"/>
           <p:cNvSpPr>
             <a:spLocks noGrp="1"/>
           </p:cNvSpPr>
@@ -2567,7 +2594,7 @@
             <a:fld id="{1F36095F-851B-4C6B-93FA-49215E044C0A}" type="slidenum">
               <a:rPr lang="en-US" smtClean="0"/>
               <a:pPr/>
-              <a:t>10</a:t>
+              <a:t>9</a:t>
             </a:fld>
             <a:endParaRPr lang="en-US" dirty="0"/>
           </a:p>
@@ -2576,7 +2603,7 @@
     </p:spTree>
     <p:extLst>
       <p:ext uri="{BB962C8B-B14F-4D97-AF65-F5344CB8AC3E}">
-        <p14:creationId xmlns:p14="http://schemas.microsoft.com/office/powerpoint/2010/main" val="3199654927"/>
+        <p14:creationId xmlns:p14="http://schemas.microsoft.com/office/powerpoint/2010/main" val="456700010"/>
       </p:ext>
     </p:extLst>
   </p:cSld>
@@ -11659,347 +11686,494 @@
       </p:grpSpPr>
       <p:sp>
         <p:nvSpPr>
-          <p:cNvPr id="4" name="标题 1"/>
+          <p:cNvPr id="2" name="标题 1">
+            <a:extLst>
+              <a:ext uri="{FF2B5EF4-FFF2-40B4-BE49-F238E27FC236}">
+                <a16:creationId xmlns:a16="http://schemas.microsoft.com/office/drawing/2014/main" id="{FB8FE091-9F14-4BF7-BF12-EA52FFF71F4F}"/>
+              </a:ext>
+            </a:extLst>
+          </p:cNvPr>
           <p:cNvSpPr>
             <a:spLocks noGrp="1"/>
           </p:cNvSpPr>
+          <p:nvPr>
+            <p:ph type="title"/>
+          </p:nvPr>
+        </p:nvSpPr>
+        <p:spPr/>
+        <p:txBody>
+          <a:bodyPr>
+            <a:normAutofit/>
+          </a:bodyPr>
+          <a:lstStyle/>
+          <a:p>
+            <a:r>
+              <a:rPr lang="zh-CN" altLang="en-US" dirty="0"/>
+              <a:t>故事二 小兔子乖乖</a:t>
+            </a:r>
+          </a:p>
+        </p:txBody>
+      </p:sp>
+      <p:sp>
+        <p:nvSpPr>
+          <p:cNvPr id="4" name="内容占位符 3">
+            <a:extLst>
+              <a:ext uri="{FF2B5EF4-FFF2-40B4-BE49-F238E27FC236}">
+                <a16:creationId xmlns:a16="http://schemas.microsoft.com/office/drawing/2014/main" id="{B8C47A43-FD6B-469A-B9A3-BDD475014787}"/>
+              </a:ext>
+            </a:extLst>
+          </p:cNvPr>
+          <p:cNvSpPr>
+            <a:spLocks noGrp="1"/>
+          </p:cNvSpPr>
+          <p:nvPr>
+            <p:ph sz="half" idx="2"/>
+          </p:nvPr>
+        </p:nvSpPr>
+        <p:spPr>
+          <a:xfrm>
+            <a:off x="3459893" y="2444262"/>
+            <a:ext cx="8328454" cy="3814764"/>
+          </a:xfrm>
+        </p:spPr>
+        <p:txBody>
+          <a:bodyPr>
+            <a:normAutofit/>
+          </a:bodyPr>
+          <a:lstStyle/>
+          <a:p>
+            <a:pPr marL="0" indent="0">
+              <a:buNone/>
+            </a:pPr>
+            <a:endParaRPr lang="en-US" altLang="zh-CN" sz="2100" dirty="0">
+              <a:solidFill>
+                <a:srgbClr val="4B83CD"/>
+              </a:solidFill>
+              <a:latin typeface="Consolas" panose="020B0609020204030204" pitchFamily="49" charset="0"/>
+            </a:endParaRPr>
+          </a:p>
+          <a:p>
+            <a:pPr marL="0" indent="0">
+              <a:buNone/>
+            </a:pPr>
+            <a:r>
+              <a:rPr lang="en-US" altLang="zh-CN" sz="2100" dirty="0">
+                <a:solidFill>
+                  <a:srgbClr val="4B83CD"/>
+                </a:solidFill>
+                <a:latin typeface="Consolas" panose="020B0609020204030204" pitchFamily="49" charset="0"/>
+              </a:rPr>
+              <a:t>for</a:t>
+            </a:r>
+            <a:r>
+              <a:rPr lang="en-US" altLang="zh-CN" sz="2100" dirty="0">
+                <a:solidFill>
+                  <a:srgbClr val="333333"/>
+                </a:solidFill>
+                <a:latin typeface="Consolas" panose="020B0609020204030204" pitchFamily="49" charset="0"/>
+              </a:rPr>
+              <a:t> (</a:t>
+            </a:r>
+            <a:r>
+              <a:rPr lang="en-US" altLang="zh-CN" sz="2100" dirty="0">
+                <a:solidFill>
+                  <a:srgbClr val="7A3E9D"/>
+                </a:solidFill>
+                <a:latin typeface="Consolas" panose="020B0609020204030204" pitchFamily="49" charset="0"/>
+              </a:rPr>
+              <a:t>let</a:t>
+            </a:r>
+            <a:r>
+              <a:rPr lang="en-US" altLang="zh-CN" sz="2100" dirty="0">
+                <a:solidFill>
+                  <a:srgbClr val="333333"/>
+                </a:solidFill>
+                <a:latin typeface="Consolas" panose="020B0609020204030204" pitchFamily="49" charset="0"/>
+              </a:rPr>
+              <a:t> </a:t>
+            </a:r>
+            <a:r>
+              <a:rPr lang="en-US" altLang="zh-CN" sz="2100" dirty="0">
+                <a:solidFill>
+                  <a:srgbClr val="7A3E9D"/>
+                </a:solidFill>
+                <a:latin typeface="Consolas" panose="020B0609020204030204" pitchFamily="49" charset="0"/>
+              </a:rPr>
+              <a:t>index</a:t>
+            </a:r>
+            <a:r>
+              <a:rPr lang="en-US" altLang="zh-CN" sz="2100" dirty="0">
+                <a:solidFill>
+                  <a:srgbClr val="333333"/>
+                </a:solidFill>
+                <a:latin typeface="Consolas" panose="020B0609020204030204" pitchFamily="49" charset="0"/>
+              </a:rPr>
+              <a:t> </a:t>
+            </a:r>
+            <a:r>
+              <a:rPr lang="en-US" altLang="zh-CN" sz="2100" dirty="0">
+                <a:solidFill>
+                  <a:srgbClr val="777777"/>
+                </a:solidFill>
+                <a:latin typeface="Consolas" panose="020B0609020204030204" pitchFamily="49" charset="0"/>
+              </a:rPr>
+              <a:t>=</a:t>
+            </a:r>
+            <a:r>
+              <a:rPr lang="en-US" altLang="zh-CN" sz="2100" dirty="0">
+                <a:solidFill>
+                  <a:srgbClr val="333333"/>
+                </a:solidFill>
+                <a:latin typeface="Consolas" panose="020B0609020204030204" pitchFamily="49" charset="0"/>
+              </a:rPr>
+              <a:t> </a:t>
+            </a:r>
+            <a:r>
+              <a:rPr lang="en-US" altLang="zh-CN" sz="2100" dirty="0">
+                <a:solidFill>
+                  <a:srgbClr val="AB6526"/>
+                </a:solidFill>
+                <a:latin typeface="Consolas" panose="020B0609020204030204" pitchFamily="49" charset="0"/>
+              </a:rPr>
+              <a:t>0</a:t>
+            </a:r>
+            <a:r>
+              <a:rPr lang="en-US" altLang="zh-CN" sz="2100" dirty="0">
+                <a:solidFill>
+                  <a:srgbClr val="777777"/>
+                </a:solidFill>
+                <a:latin typeface="Consolas" panose="020B0609020204030204" pitchFamily="49" charset="0"/>
+              </a:rPr>
+              <a:t>;</a:t>
+            </a:r>
+            <a:r>
+              <a:rPr lang="en-US" altLang="zh-CN" sz="2100" dirty="0">
+                <a:solidFill>
+                  <a:srgbClr val="333333"/>
+                </a:solidFill>
+                <a:latin typeface="Consolas" panose="020B0609020204030204" pitchFamily="49" charset="0"/>
+              </a:rPr>
+              <a:t> </a:t>
+            </a:r>
+            <a:r>
+              <a:rPr lang="en-US" altLang="zh-CN" sz="2100" dirty="0">
+                <a:solidFill>
+                  <a:srgbClr val="7A3E9D"/>
+                </a:solidFill>
+                <a:latin typeface="Consolas" panose="020B0609020204030204" pitchFamily="49" charset="0"/>
+              </a:rPr>
+              <a:t>index</a:t>
+            </a:r>
+            <a:r>
+              <a:rPr lang="en-US" altLang="zh-CN" sz="2100" dirty="0">
+                <a:solidFill>
+                  <a:srgbClr val="333333"/>
+                </a:solidFill>
+                <a:latin typeface="Consolas" panose="020B0609020204030204" pitchFamily="49" charset="0"/>
+              </a:rPr>
+              <a:t> </a:t>
+            </a:r>
+            <a:r>
+              <a:rPr lang="en-US" altLang="zh-CN" sz="2100" dirty="0">
+                <a:solidFill>
+                  <a:srgbClr val="777777"/>
+                </a:solidFill>
+                <a:latin typeface="Consolas" panose="020B0609020204030204" pitchFamily="49" charset="0"/>
+              </a:rPr>
+              <a:t>&lt;</a:t>
+            </a:r>
+            <a:r>
+              <a:rPr lang="en-US" altLang="zh-CN" sz="2100" dirty="0">
+                <a:solidFill>
+                  <a:srgbClr val="333333"/>
+                </a:solidFill>
+                <a:latin typeface="Consolas" panose="020B0609020204030204" pitchFamily="49" charset="0"/>
+              </a:rPr>
+              <a:t> </a:t>
+            </a:r>
+            <a:r>
+              <a:rPr lang="en-US" altLang="zh-CN" sz="2100" dirty="0" err="1">
+                <a:solidFill>
+                  <a:srgbClr val="7A3E9D"/>
+                </a:solidFill>
+                <a:latin typeface="Consolas" panose="020B0609020204030204" pitchFamily="49" charset="0"/>
+              </a:rPr>
+              <a:t>array</a:t>
+            </a:r>
+            <a:r>
+              <a:rPr lang="en-US" altLang="zh-CN" sz="2100" dirty="0" err="1">
+                <a:solidFill>
+                  <a:srgbClr val="777777"/>
+                </a:solidFill>
+                <a:latin typeface="Consolas" panose="020B0609020204030204" pitchFamily="49" charset="0"/>
+              </a:rPr>
+              <a:t>.</a:t>
+            </a:r>
+            <a:r>
+              <a:rPr lang="en-US" altLang="zh-CN" sz="2100" dirty="0" err="1">
+                <a:solidFill>
+                  <a:srgbClr val="7A3E9D"/>
+                </a:solidFill>
+                <a:latin typeface="Consolas" panose="020B0609020204030204" pitchFamily="49" charset="0"/>
+              </a:rPr>
+              <a:t>length</a:t>
+            </a:r>
+            <a:r>
+              <a:rPr lang="en-US" altLang="zh-CN" sz="2100" dirty="0">
+                <a:solidFill>
+                  <a:srgbClr val="777777"/>
+                </a:solidFill>
+                <a:latin typeface="Consolas" panose="020B0609020204030204" pitchFamily="49" charset="0"/>
+              </a:rPr>
+              <a:t>;</a:t>
+            </a:r>
+            <a:r>
+              <a:rPr lang="en-US" altLang="zh-CN" sz="2100" dirty="0">
+                <a:solidFill>
+                  <a:srgbClr val="333333"/>
+                </a:solidFill>
+                <a:latin typeface="Consolas" panose="020B0609020204030204" pitchFamily="49" charset="0"/>
+              </a:rPr>
+              <a:t> </a:t>
+            </a:r>
+            <a:r>
+              <a:rPr lang="en-US" altLang="zh-CN" sz="2100" dirty="0">
+                <a:solidFill>
+                  <a:srgbClr val="7A3E9D"/>
+                </a:solidFill>
+                <a:latin typeface="Consolas" panose="020B0609020204030204" pitchFamily="49" charset="0"/>
+              </a:rPr>
+              <a:t>index</a:t>
+            </a:r>
+            <a:r>
+              <a:rPr lang="en-US" altLang="zh-CN" sz="2100" dirty="0">
+                <a:solidFill>
+                  <a:srgbClr val="777777"/>
+                </a:solidFill>
+                <a:latin typeface="Consolas" panose="020B0609020204030204" pitchFamily="49" charset="0"/>
+              </a:rPr>
+              <a:t>++</a:t>
+            </a:r>
+            <a:r>
+              <a:rPr lang="en-US" altLang="zh-CN" sz="2100" dirty="0">
+                <a:solidFill>
+                  <a:srgbClr val="333333"/>
+                </a:solidFill>
+                <a:latin typeface="Consolas" panose="020B0609020204030204" pitchFamily="49" charset="0"/>
+              </a:rPr>
+              <a:t>) </a:t>
+            </a:r>
+            <a:r>
+              <a:rPr lang="en-US" altLang="zh-CN" sz="2100" dirty="0">
+                <a:solidFill>
+                  <a:srgbClr val="777777"/>
+                </a:solidFill>
+                <a:latin typeface="Consolas" panose="020B0609020204030204" pitchFamily="49" charset="0"/>
+              </a:rPr>
+              <a:t>{</a:t>
+            </a:r>
+            <a:endParaRPr lang="en-US" altLang="zh-CN" sz="2100" dirty="0">
+              <a:solidFill>
+                <a:srgbClr val="4B83CD"/>
+              </a:solidFill>
+              <a:latin typeface="Consolas" panose="020B0609020204030204" pitchFamily="49" charset="0"/>
+            </a:endParaRPr>
+          </a:p>
+          <a:p>
+            <a:pPr marL="0" indent="0">
+              <a:buNone/>
+            </a:pPr>
+            <a:r>
+              <a:rPr lang="en-US" altLang="zh-CN" sz="2100" dirty="0">
+                <a:solidFill>
+                  <a:srgbClr val="7A3E9D"/>
+                </a:solidFill>
+                <a:latin typeface="Consolas" panose="020B0609020204030204" pitchFamily="49" charset="0"/>
+              </a:rPr>
+              <a:t>    // </a:t>
+            </a:r>
+            <a:r>
+              <a:rPr lang="en-US" altLang="zh-CN" sz="2100" dirty="0" err="1">
+                <a:solidFill>
+                  <a:schemeClr val="accent6"/>
+                </a:solidFill>
+                <a:latin typeface="Consolas" panose="020B0609020204030204" pitchFamily="49" charset="0"/>
+              </a:rPr>
+              <a:t>todo</a:t>
+            </a:r>
+            <a:r>
+              <a:rPr lang="en-US" altLang="zh-CN" sz="2100" dirty="0">
+                <a:solidFill>
+                  <a:schemeClr val="accent6"/>
+                </a:solidFill>
+                <a:latin typeface="Consolas" panose="020B0609020204030204" pitchFamily="49" charset="0"/>
+              </a:rPr>
+              <a:t> something</a:t>
+            </a:r>
+          </a:p>
+          <a:p>
+            <a:pPr marL="0" indent="0">
+              <a:buNone/>
+            </a:pPr>
+            <a:r>
+              <a:rPr lang="en-US" altLang="zh-CN" sz="2100" b="1" dirty="0">
+                <a:solidFill>
+                  <a:srgbClr val="7A3E9D"/>
+                </a:solidFill>
+                <a:latin typeface="Consolas" panose="020B0609020204030204" pitchFamily="49" charset="0"/>
+              </a:rPr>
+              <a:t>    console</a:t>
+            </a:r>
+            <a:r>
+              <a:rPr lang="en-US" altLang="zh-CN" sz="2100" dirty="0">
+                <a:solidFill>
+                  <a:srgbClr val="777777"/>
+                </a:solidFill>
+                <a:latin typeface="Consolas" panose="020B0609020204030204" pitchFamily="49" charset="0"/>
+              </a:rPr>
+              <a:t>.</a:t>
+            </a:r>
+            <a:r>
+              <a:rPr lang="en-US" altLang="zh-CN" sz="2100" b="1" dirty="0">
+                <a:solidFill>
+                  <a:srgbClr val="AA3731"/>
+                </a:solidFill>
+                <a:latin typeface="Consolas" panose="020B0609020204030204" pitchFamily="49" charset="0"/>
+              </a:rPr>
+              <a:t>log</a:t>
+            </a:r>
+            <a:r>
+              <a:rPr lang="en-US" altLang="zh-CN" sz="2100" dirty="0">
+                <a:solidFill>
+                  <a:srgbClr val="333333"/>
+                </a:solidFill>
+                <a:latin typeface="Consolas" panose="020B0609020204030204" pitchFamily="49" charset="0"/>
+              </a:rPr>
+              <a:t>(</a:t>
+            </a:r>
+            <a:r>
+              <a:rPr lang="en-US" altLang="zh-CN" sz="2100" dirty="0">
+                <a:solidFill>
+                  <a:srgbClr val="7A3E9D"/>
+                </a:solidFill>
+                <a:latin typeface="Consolas" panose="020B0609020204030204" pitchFamily="49" charset="0"/>
+              </a:rPr>
+              <a:t>array[index]</a:t>
+            </a:r>
+            <a:r>
+              <a:rPr lang="en-US" altLang="zh-CN" sz="2100" dirty="0">
+                <a:solidFill>
+                  <a:srgbClr val="333333"/>
+                </a:solidFill>
+                <a:latin typeface="Consolas" panose="020B0609020204030204" pitchFamily="49" charset="0"/>
+              </a:rPr>
+              <a:t>)</a:t>
+            </a:r>
+            <a:r>
+              <a:rPr lang="en-US" altLang="zh-CN" sz="2100" dirty="0">
+                <a:solidFill>
+                  <a:srgbClr val="777777"/>
+                </a:solidFill>
+                <a:latin typeface="Consolas" panose="020B0609020204030204" pitchFamily="49" charset="0"/>
+              </a:rPr>
+              <a:t>;</a:t>
+            </a:r>
+            <a:endParaRPr lang="en-US" altLang="zh-CN" sz="2100" dirty="0">
+              <a:solidFill>
+                <a:srgbClr val="333333"/>
+              </a:solidFill>
+              <a:latin typeface="Consolas" panose="020B0609020204030204" pitchFamily="49" charset="0"/>
+            </a:endParaRPr>
+          </a:p>
+          <a:p>
+            <a:pPr marL="0" indent="0">
+              <a:buNone/>
+            </a:pPr>
+            <a:r>
+              <a:rPr lang="en-US" altLang="zh-CN" sz="2100" dirty="0">
+                <a:solidFill>
+                  <a:srgbClr val="777777"/>
+                </a:solidFill>
+                <a:latin typeface="Consolas" panose="020B0609020204030204" pitchFamily="49" charset="0"/>
+              </a:rPr>
+              <a:t>}</a:t>
+            </a:r>
+            <a:endParaRPr lang="en-US" altLang="zh-CN" sz="2100" dirty="0">
+              <a:solidFill>
+                <a:srgbClr val="333333"/>
+              </a:solidFill>
+              <a:latin typeface="Consolas" panose="020B0609020204030204" pitchFamily="49" charset="0"/>
+            </a:endParaRPr>
+          </a:p>
+          <a:p>
+            <a:pPr marL="0" indent="0">
+              <a:buNone/>
+            </a:pPr>
+            <a:endParaRPr lang="zh-CN" altLang="en-US" sz="2200" dirty="0">
+              <a:latin typeface="Consolas" panose="020B0609020204030204" pitchFamily="49" charset="0"/>
+            </a:endParaRPr>
+          </a:p>
+        </p:txBody>
+      </p:sp>
+      <p:sp>
+        <p:nvSpPr>
+          <p:cNvPr id="5" name="矩形 4">
+            <a:extLst>
+              <a:ext uri="{FF2B5EF4-FFF2-40B4-BE49-F238E27FC236}">
+                <a16:creationId xmlns:a16="http://schemas.microsoft.com/office/drawing/2014/main" id="{7F150F50-FAAF-4DB5-AE91-B9DA2BDE5F50}"/>
+              </a:ext>
+            </a:extLst>
+          </p:cNvPr>
+          <p:cNvSpPr/>
           <p:nvPr/>
         </p:nvSpPr>
         <p:spPr>
           <a:xfrm>
-            <a:off x="1295400" y="785326"/>
-            <a:ext cx="9601200" cy="1142385"/>
+            <a:off x="838200" y="2781984"/>
+            <a:ext cx="2483708" cy="1569660"/>
           </a:xfrm>
           <a:prstGeom prst="rect">
             <a:avLst/>
           </a:prstGeom>
+          <a:noFill/>
         </p:spPr>
         <p:txBody>
-          <a:bodyPr vert="horz" lIns="91440" tIns="45720" rIns="91440" bIns="45720" rtlCol="0" anchor="b">
-            <a:normAutofit/>
+          <a:bodyPr wrap="square" lIns="91440" tIns="45720" rIns="91440" bIns="45720">
+            <a:spAutoFit/>
           </a:bodyPr>
-          <a:lstStyle>
-            <a:lvl1pPr algn="l" defTabSz="914400" rtl="0" eaLnBrk="1" latinLnBrk="0" hangingPunct="1">
-              <a:lnSpc>
-                <a:spcPct val="90000"/>
-              </a:lnSpc>
-              <a:spcBef>
-                <a:spcPct val="0"/>
-              </a:spcBef>
-              <a:buNone/>
-              <a:defRPr lang="zh-CN" sz="3200" b="1" kern="1200">
-                <a:solidFill>
-                  <a:schemeClr val="accent1"/>
-                </a:solidFill>
-                <a:latin typeface="+mj-lt"/>
-                <a:ea typeface="Microsoft YaHei UI" panose="020B0503020204020204" pitchFamily="34" charset="-122"/>
-                <a:cs typeface="+mj-cs"/>
-              </a:defRPr>
-            </a:lvl1pPr>
-          </a:lstStyle>
-          <a:p>
-            <a:r>
-              <a:rPr lang="en-US" altLang="zh-CN" dirty="0"/>
-              <a:t>jQuery</a:t>
-            </a:r>
-            <a:r>
-              <a:rPr lang="zh-CN" altLang="en-US" dirty="0"/>
-              <a:t>的概念</a:t>
-            </a:r>
-          </a:p>
-        </p:txBody>
-      </p:sp>
-      <p:sp>
-        <p:nvSpPr>
-          <p:cNvPr id="5" name="内容占位符 2"/>
-          <p:cNvSpPr>
-            <a:spLocks noGrp="1"/>
-          </p:cNvSpPr>
-          <p:nvPr/>
-        </p:nvSpPr>
-        <p:spPr>
-          <a:xfrm>
-            <a:off x="1295400" y="2262674"/>
-            <a:ext cx="9601200" cy="3809999"/>
-          </a:xfrm>
-          <a:prstGeom prst="rect">
-            <a:avLst/>
-          </a:prstGeom>
-        </p:spPr>
-        <p:txBody>
-          <a:bodyPr vert="horz" lIns="91440" tIns="45720" rIns="91440" bIns="45720" rtlCol="0">
-            <a:normAutofit/>
-          </a:bodyPr>
-          <a:lstStyle>
-            <a:lvl1pPr marL="228600" indent="-228600" algn="l" defTabSz="914400" rtl="0" eaLnBrk="1" latinLnBrk="0" hangingPunct="1">
-              <a:lnSpc>
-                <a:spcPct val="90000"/>
-              </a:lnSpc>
-              <a:spcBef>
-                <a:spcPts val="1800"/>
-              </a:spcBef>
-              <a:buClr>
-                <a:schemeClr val="accent1"/>
-              </a:buClr>
-              <a:buSzPct val="100000"/>
-              <a:buFont typeface="Arial" pitchFamily="34" charset="0"/>
-              <a:buChar char="▪"/>
-              <a:defRPr lang="zh-CN" sz="2000" kern="1200">
-                <a:solidFill>
-                  <a:schemeClr val="tx1"/>
-                </a:solidFill>
-                <a:latin typeface="+mn-lt"/>
-                <a:ea typeface="Microsoft YaHei UI" panose="020B0503020204020204" pitchFamily="34" charset="-122"/>
-                <a:cs typeface="+mn-cs"/>
-              </a:defRPr>
-            </a:lvl1pPr>
-            <a:lvl2pPr marL="457200" indent="-182880" algn="l" defTabSz="914400" rtl="0" eaLnBrk="1" latinLnBrk="0" hangingPunct="1">
-              <a:lnSpc>
-                <a:spcPct val="90000"/>
-              </a:lnSpc>
-              <a:spcBef>
-                <a:spcPts val="1200"/>
-              </a:spcBef>
-              <a:buClr>
-                <a:schemeClr val="accent1"/>
-              </a:buClr>
-              <a:buSzPct val="100000"/>
-              <a:buFont typeface="Arial" pitchFamily="34" charset="0"/>
-              <a:buChar char="▪"/>
-              <a:defRPr lang="zh-CN" sz="1800" kern="1200">
-                <a:solidFill>
-                  <a:schemeClr val="tx1"/>
-                </a:solidFill>
-                <a:latin typeface="+mn-lt"/>
-                <a:ea typeface="Microsoft YaHei UI" panose="020B0503020204020204" pitchFamily="34" charset="-122"/>
-                <a:cs typeface="+mn-cs"/>
-              </a:defRPr>
-            </a:lvl2pPr>
-            <a:lvl3pPr marL="685800" indent="-179388" algn="l" defTabSz="914400" rtl="0" eaLnBrk="1" latinLnBrk="0" hangingPunct="1">
-              <a:lnSpc>
-                <a:spcPct val="90000"/>
-              </a:lnSpc>
-              <a:spcBef>
-                <a:spcPts val="800"/>
-              </a:spcBef>
-              <a:buClr>
-                <a:schemeClr val="accent1"/>
-              </a:buClr>
-              <a:buSzPct val="100000"/>
-              <a:buFont typeface="Arial" pitchFamily="34" charset="0"/>
-              <a:buChar char="▪"/>
-              <a:defRPr lang="zh-CN" sz="1600" kern="1200">
-                <a:solidFill>
-                  <a:schemeClr val="tx1"/>
-                </a:solidFill>
-                <a:latin typeface="+mn-lt"/>
-                <a:ea typeface="Microsoft YaHei UI" panose="020B0503020204020204" pitchFamily="34" charset="-122"/>
-                <a:cs typeface="+mn-cs"/>
-              </a:defRPr>
-            </a:lvl3pPr>
-            <a:lvl4pPr marL="914400" indent="-182880" algn="l" defTabSz="914400" rtl="0" eaLnBrk="1" latinLnBrk="0" hangingPunct="1">
-              <a:lnSpc>
-                <a:spcPct val="90000"/>
-              </a:lnSpc>
-              <a:spcBef>
-                <a:spcPts val="800"/>
-              </a:spcBef>
-              <a:buClr>
-                <a:schemeClr val="accent1"/>
-              </a:buClr>
-              <a:buSzPct val="100000"/>
-              <a:buFont typeface="Arial" pitchFamily="34" charset="0"/>
-              <a:buChar char="▪"/>
-              <a:defRPr lang="zh-CN" sz="1400" kern="1200">
-                <a:solidFill>
-                  <a:schemeClr val="tx1"/>
-                </a:solidFill>
-                <a:latin typeface="+mn-lt"/>
-                <a:ea typeface="Microsoft YaHei UI" panose="020B0503020204020204" pitchFamily="34" charset="-122"/>
-                <a:cs typeface="+mn-cs"/>
-              </a:defRPr>
-            </a:lvl4pPr>
-            <a:lvl5pPr marL="1143000" indent="-179388" algn="l" defTabSz="914400" rtl="0" eaLnBrk="1" latinLnBrk="0" hangingPunct="1">
-              <a:lnSpc>
-                <a:spcPct val="90000"/>
-              </a:lnSpc>
-              <a:spcBef>
-                <a:spcPts val="600"/>
-              </a:spcBef>
-              <a:buClr>
-                <a:schemeClr val="accent1"/>
-              </a:buClr>
-              <a:buSzPct val="100000"/>
-              <a:buFont typeface="Arial" pitchFamily="34" charset="0"/>
-              <a:buChar char="▪"/>
-              <a:defRPr lang="zh-CN" sz="1400" kern="1200">
-                <a:solidFill>
-                  <a:schemeClr val="tx1"/>
-                </a:solidFill>
-                <a:latin typeface="+mn-lt"/>
-                <a:ea typeface="Microsoft YaHei UI" panose="020B0503020204020204" pitchFamily="34" charset="-122"/>
-                <a:cs typeface="+mn-cs"/>
-              </a:defRPr>
-            </a:lvl5pPr>
-            <a:lvl6pPr marL="1371600" indent="-182880" algn="l" defTabSz="914400" rtl="0" eaLnBrk="1" latinLnBrk="0" hangingPunct="1">
-              <a:lnSpc>
-                <a:spcPct val="90000"/>
-              </a:lnSpc>
-              <a:spcBef>
-                <a:spcPts val="600"/>
-              </a:spcBef>
-              <a:buClr>
-                <a:schemeClr val="accent1"/>
-              </a:buClr>
-              <a:buSzPct val="100000"/>
-              <a:buFont typeface="Arial" pitchFamily="34" charset="0"/>
-              <a:buChar char="▪"/>
-              <a:defRPr lang="zh-CN" sz="1400" kern="1200">
-                <a:solidFill>
-                  <a:schemeClr val="tx1"/>
-                </a:solidFill>
-                <a:latin typeface="+mn-lt"/>
-                <a:ea typeface="+mn-ea"/>
-                <a:cs typeface="+mn-cs"/>
-              </a:defRPr>
-            </a:lvl6pPr>
-            <a:lvl7pPr marL="1600200" indent="-179388" algn="l" defTabSz="914400" rtl="0" eaLnBrk="1" latinLnBrk="0" hangingPunct="1">
-              <a:lnSpc>
-                <a:spcPct val="90000"/>
-              </a:lnSpc>
-              <a:spcBef>
-                <a:spcPts val="600"/>
-              </a:spcBef>
-              <a:buClr>
-                <a:schemeClr val="accent1"/>
-              </a:buClr>
-              <a:buSzPct val="100000"/>
-              <a:buFont typeface="Arial" pitchFamily="34" charset="0"/>
-              <a:buChar char="▪"/>
-              <a:defRPr lang="zh-CN" sz="1400" kern="1200">
-                <a:solidFill>
-                  <a:schemeClr val="tx1"/>
-                </a:solidFill>
-                <a:latin typeface="+mn-lt"/>
-                <a:ea typeface="+mn-ea"/>
-                <a:cs typeface="+mn-cs"/>
-              </a:defRPr>
-            </a:lvl7pPr>
-            <a:lvl8pPr marL="1828800" indent="-182880" algn="l" defTabSz="914400" rtl="0" eaLnBrk="1" latinLnBrk="0" hangingPunct="1">
-              <a:lnSpc>
-                <a:spcPct val="90000"/>
-              </a:lnSpc>
-              <a:spcBef>
-                <a:spcPts val="600"/>
-              </a:spcBef>
-              <a:buClr>
-                <a:schemeClr val="accent1"/>
-              </a:buClr>
-              <a:buSzPct val="100000"/>
-              <a:buFont typeface="Arial" pitchFamily="34" charset="0"/>
-              <a:buChar char="▪"/>
-              <a:defRPr lang="zh-CN" sz="1400" kern="1200">
-                <a:solidFill>
-                  <a:schemeClr val="tx1"/>
-                </a:solidFill>
-                <a:latin typeface="+mn-lt"/>
-                <a:ea typeface="+mn-ea"/>
-                <a:cs typeface="+mn-cs"/>
-              </a:defRPr>
-            </a:lvl8pPr>
-            <a:lvl9pPr marL="2057400" indent="-179388" algn="l" defTabSz="914400" rtl="0" eaLnBrk="1" latinLnBrk="0" hangingPunct="1">
-              <a:lnSpc>
-                <a:spcPct val="90000"/>
-              </a:lnSpc>
-              <a:spcBef>
-                <a:spcPts val="600"/>
-              </a:spcBef>
-              <a:buClr>
-                <a:schemeClr val="accent1"/>
-              </a:buClr>
-              <a:buSzPct val="100000"/>
-              <a:buFont typeface="Arial" pitchFamily="34" charset="0"/>
-              <a:buChar char="▪"/>
-              <a:defRPr lang="zh-CN" sz="1400" kern="1200">
-                <a:solidFill>
-                  <a:schemeClr val="tx1"/>
-                </a:solidFill>
-                <a:latin typeface="+mn-lt"/>
-                <a:ea typeface="+mn-ea"/>
-                <a:cs typeface="+mn-cs"/>
-              </a:defRPr>
-            </a:lvl9pPr>
-          </a:lstStyle>
-          <a:p>
-            <a:r>
-              <a:rPr lang="en-US" altLang="zh-CN" b="1" dirty="0"/>
-              <a:t>jQuery </a:t>
-            </a:r>
-            <a:r>
-              <a:rPr lang="zh-CN" altLang="en-US" b="1" dirty="0"/>
-              <a:t>是一个 </a:t>
-            </a:r>
-            <a:r>
-              <a:rPr lang="en-US" altLang="zh-CN" b="1" dirty="0"/>
-              <a:t>JavaScript </a:t>
-            </a:r>
-            <a:r>
-              <a:rPr lang="zh-CN" altLang="en-US" b="1" dirty="0"/>
-              <a:t>库</a:t>
-            </a:r>
-            <a:r>
-              <a:rPr lang="en-US" altLang="zh-CN" b="1" dirty="0"/>
-              <a:t>,</a:t>
-            </a:r>
-            <a:r>
-              <a:rPr lang="zh-CN" altLang="en-US" b="1" dirty="0"/>
-              <a:t>专门用于操作页面元素与后台请求</a:t>
-            </a:r>
-            <a:endParaRPr lang="en-US" altLang="zh-CN" b="1" dirty="0"/>
-          </a:p>
-          <a:p>
-            <a:r>
-              <a:rPr lang="en-US" altLang="zh-CN" b="1" dirty="0"/>
-              <a:t>jQuery </a:t>
-            </a:r>
-            <a:r>
-              <a:rPr lang="zh-CN" altLang="en-US" b="1" dirty="0"/>
-              <a:t>极大地简化了 </a:t>
-            </a:r>
-            <a:r>
-              <a:rPr lang="en-US" altLang="zh-CN" b="1" dirty="0"/>
-              <a:t>JavaScript </a:t>
-            </a:r>
-            <a:r>
-              <a:rPr lang="zh-CN" altLang="en-US" b="1" dirty="0"/>
-              <a:t>编程</a:t>
-            </a:r>
-            <a:endParaRPr lang="en-US" altLang="zh-CN" b="1" dirty="0"/>
-          </a:p>
-          <a:p>
-            <a:r>
-              <a:rPr lang="en-US" altLang="zh-CN" b="1" dirty="0">
-                <a:hlinkClick r:id="rId3"/>
-              </a:rPr>
-              <a:t>http://jquery.com/</a:t>
-            </a:r>
-            <a:endParaRPr lang="en-US" altLang="zh-CN" b="1" dirty="0"/>
-          </a:p>
-          <a:p>
-            <a:r>
-              <a:rPr lang="en-US" altLang="zh-CN" dirty="0">
-                <a:hlinkClick r:id="rId4"/>
-              </a:rPr>
-              <a:t>http://jquery.cuishifeng.cn/</a:t>
-            </a:r>
-            <a:endParaRPr lang="en-US" altLang="zh-CN" dirty="0"/>
+          <a:lstStyle/>
+          <a:p>
+            <a:pPr algn="ctr"/>
+            <a:r>
+              <a:rPr lang="en-US" altLang="zh-CN" sz="9600" dirty="0">
+                <a:ln w="0"/>
+                <a:effectLst>
+                  <a:outerShdw blurRad="38100" dist="19050" dir="2700000" algn="tl" rotWithShape="0">
+                    <a:schemeClr val="dk1">
+                      <a:alpha val="40000"/>
+                    </a:schemeClr>
+                  </a:outerShdw>
+                </a:effectLst>
+              </a:rPr>
+              <a:t>for</a:t>
+            </a:r>
+            <a:endParaRPr lang="zh-CN" altLang="en-US" sz="9600" dirty="0">
+              <a:ln w="0"/>
+              <a:effectLst>
+                <a:outerShdw blurRad="38100" dist="19050" dir="2700000" algn="tl" rotWithShape="0">
+                  <a:schemeClr val="dk1">
+                    <a:alpha val="40000"/>
+                  </a:schemeClr>
+                </a:outerShdw>
+              </a:effectLst>
+            </a:endParaRPr>
           </a:p>
         </p:txBody>
       </p:sp>
     </p:spTree>
     <p:extLst>
       <p:ext uri="{BB962C8B-B14F-4D97-AF65-F5344CB8AC3E}">
-        <p14:creationId xmlns:p14="http://schemas.microsoft.com/office/powerpoint/2010/main" val="3082768612"/>
+        <p14:creationId xmlns:p14="http://schemas.microsoft.com/office/powerpoint/2010/main" val="2887856633"/>
       </p:ext>
     </p:extLst>
   </p:cSld>
@@ -12028,320 +12202,507 @@
       </p:grpSpPr>
       <p:sp>
         <p:nvSpPr>
-          <p:cNvPr id="4" name="标题 1"/>
+          <p:cNvPr id="2" name="标题 1">
+            <a:extLst>
+              <a:ext uri="{FF2B5EF4-FFF2-40B4-BE49-F238E27FC236}">
+                <a16:creationId xmlns:a16="http://schemas.microsoft.com/office/drawing/2014/main" id="{FB8FE091-9F14-4BF7-BF12-EA52FFF71F4F}"/>
+              </a:ext>
+            </a:extLst>
+          </p:cNvPr>
           <p:cNvSpPr>
             <a:spLocks noGrp="1"/>
           </p:cNvSpPr>
+          <p:nvPr>
+            <p:ph type="title"/>
+          </p:nvPr>
+        </p:nvSpPr>
+        <p:spPr/>
+        <p:txBody>
+          <a:bodyPr>
+            <a:normAutofit/>
+          </a:bodyPr>
+          <a:lstStyle/>
+          <a:p>
+            <a:r>
+              <a:rPr lang="zh-CN" altLang="en-US" dirty="0"/>
+              <a:t>故事二 小兔子乖乖</a:t>
+            </a:r>
+          </a:p>
+        </p:txBody>
+      </p:sp>
+      <p:sp>
+        <p:nvSpPr>
+          <p:cNvPr id="4" name="内容占位符 3">
+            <a:extLst>
+              <a:ext uri="{FF2B5EF4-FFF2-40B4-BE49-F238E27FC236}">
+                <a16:creationId xmlns:a16="http://schemas.microsoft.com/office/drawing/2014/main" id="{B8C47A43-FD6B-469A-B9A3-BDD475014787}"/>
+              </a:ext>
+            </a:extLst>
+          </p:cNvPr>
+          <p:cNvSpPr>
+            <a:spLocks noGrp="1"/>
+          </p:cNvSpPr>
+          <p:nvPr>
+            <p:ph sz="half" idx="2"/>
+          </p:nvPr>
+        </p:nvSpPr>
+        <p:spPr>
+          <a:xfrm>
+            <a:off x="5484415" y="2252662"/>
+            <a:ext cx="5931244" cy="3814764"/>
+          </a:xfrm>
+        </p:spPr>
+        <p:txBody>
+          <a:bodyPr>
+            <a:normAutofit lnSpcReduction="10000"/>
+          </a:bodyPr>
+          <a:lstStyle/>
+          <a:p>
+            <a:pPr marL="0" indent="0">
+              <a:buNone/>
+            </a:pPr>
+            <a:r>
+              <a:rPr lang="en-US" altLang="zh-CN" dirty="0">
+                <a:solidFill>
+                  <a:srgbClr val="7A3E9D"/>
+                </a:solidFill>
+                <a:latin typeface="Consolas" panose="020B0609020204030204" pitchFamily="49" charset="0"/>
+              </a:rPr>
+              <a:t>let</a:t>
+            </a:r>
+            <a:r>
+              <a:rPr lang="en-US" altLang="zh-CN" dirty="0">
+                <a:solidFill>
+                  <a:srgbClr val="333333"/>
+                </a:solidFill>
+                <a:latin typeface="Consolas" panose="020B0609020204030204" pitchFamily="49" charset="0"/>
+              </a:rPr>
+              <a:t> </a:t>
+            </a:r>
+            <a:r>
+              <a:rPr lang="en-US" altLang="zh-CN" dirty="0">
+                <a:solidFill>
+                  <a:srgbClr val="7A3E9D"/>
+                </a:solidFill>
+                <a:latin typeface="Consolas" panose="020B0609020204030204" pitchFamily="49" charset="0"/>
+              </a:rPr>
+              <a:t>flag</a:t>
+            </a:r>
+            <a:r>
+              <a:rPr lang="en-US" altLang="zh-CN" dirty="0">
+                <a:solidFill>
+                  <a:srgbClr val="777777"/>
+                </a:solidFill>
+                <a:latin typeface="Consolas" panose="020B0609020204030204" pitchFamily="49" charset="0"/>
+              </a:rPr>
+              <a:t>=</a:t>
+            </a:r>
+            <a:r>
+              <a:rPr lang="en-US" altLang="zh-CN" dirty="0">
+                <a:solidFill>
+                  <a:srgbClr val="AB6526"/>
+                </a:solidFill>
+                <a:latin typeface="Consolas" panose="020B0609020204030204" pitchFamily="49" charset="0"/>
+              </a:rPr>
+              <a:t>0</a:t>
+            </a:r>
+            <a:r>
+              <a:rPr lang="en-US" altLang="zh-CN" dirty="0">
+                <a:solidFill>
+                  <a:srgbClr val="777777"/>
+                </a:solidFill>
+                <a:latin typeface="Consolas" panose="020B0609020204030204" pitchFamily="49" charset="0"/>
+              </a:rPr>
+              <a:t>;</a:t>
+            </a:r>
+            <a:endParaRPr lang="en-US" altLang="zh-CN" dirty="0">
+              <a:solidFill>
+                <a:srgbClr val="4B83CD"/>
+              </a:solidFill>
+              <a:latin typeface="Consolas" panose="020B0609020204030204" pitchFamily="49" charset="0"/>
+            </a:endParaRPr>
+          </a:p>
+          <a:p>
+            <a:pPr marL="0" indent="0">
+              <a:buNone/>
+            </a:pPr>
+            <a:r>
+              <a:rPr lang="en-US" altLang="zh-CN" dirty="0">
+                <a:solidFill>
+                  <a:srgbClr val="4B83CD"/>
+                </a:solidFill>
+                <a:latin typeface="Consolas" panose="020B0609020204030204" pitchFamily="49" charset="0"/>
+              </a:rPr>
+              <a:t>while</a:t>
+            </a:r>
+            <a:r>
+              <a:rPr lang="en-US" altLang="zh-CN" dirty="0">
+                <a:solidFill>
+                  <a:srgbClr val="333333"/>
+                </a:solidFill>
+                <a:latin typeface="Consolas" panose="020B0609020204030204" pitchFamily="49" charset="0"/>
+              </a:rPr>
+              <a:t>(</a:t>
+            </a:r>
+            <a:r>
+              <a:rPr lang="en-US" altLang="zh-CN" dirty="0">
+                <a:solidFill>
+                  <a:srgbClr val="7A3E9D"/>
+                </a:solidFill>
+                <a:latin typeface="Consolas" panose="020B0609020204030204" pitchFamily="49" charset="0"/>
+              </a:rPr>
+              <a:t>flag</a:t>
+            </a:r>
+            <a:r>
+              <a:rPr lang="en-US" altLang="zh-CN" dirty="0">
+                <a:solidFill>
+                  <a:srgbClr val="777777"/>
+                </a:solidFill>
+                <a:latin typeface="Consolas" panose="020B0609020204030204" pitchFamily="49" charset="0"/>
+              </a:rPr>
+              <a:t>&lt;</a:t>
+            </a:r>
+            <a:r>
+              <a:rPr lang="en-US" altLang="zh-CN" dirty="0" err="1">
+                <a:solidFill>
+                  <a:srgbClr val="7A3E9D"/>
+                </a:solidFill>
+                <a:latin typeface="Consolas" panose="020B0609020204030204" pitchFamily="49" charset="0"/>
+              </a:rPr>
+              <a:t>array</a:t>
+            </a:r>
+            <a:r>
+              <a:rPr lang="en-US" altLang="zh-CN" dirty="0" err="1">
+                <a:solidFill>
+                  <a:srgbClr val="777777"/>
+                </a:solidFill>
+                <a:latin typeface="Consolas" panose="020B0609020204030204" pitchFamily="49" charset="0"/>
+              </a:rPr>
+              <a:t>.</a:t>
+            </a:r>
+            <a:r>
+              <a:rPr lang="en-US" altLang="zh-CN" dirty="0" err="1">
+                <a:solidFill>
+                  <a:srgbClr val="7A3E9D"/>
+                </a:solidFill>
+                <a:latin typeface="Consolas" panose="020B0609020204030204" pitchFamily="49" charset="0"/>
+              </a:rPr>
+              <a:t>length</a:t>
+            </a:r>
+            <a:r>
+              <a:rPr lang="en-US" altLang="zh-CN" dirty="0">
+                <a:solidFill>
+                  <a:srgbClr val="333333"/>
+                </a:solidFill>
+                <a:latin typeface="Consolas" panose="020B0609020204030204" pitchFamily="49" charset="0"/>
+              </a:rPr>
+              <a:t>)</a:t>
+            </a:r>
+            <a:r>
+              <a:rPr lang="en-US" altLang="zh-CN" dirty="0">
+                <a:solidFill>
+                  <a:srgbClr val="777777"/>
+                </a:solidFill>
+                <a:latin typeface="Consolas" panose="020B0609020204030204" pitchFamily="49" charset="0"/>
+              </a:rPr>
+              <a:t>{</a:t>
+            </a:r>
+            <a:endParaRPr lang="en-US" altLang="zh-CN" dirty="0">
+              <a:solidFill>
+                <a:srgbClr val="333333"/>
+              </a:solidFill>
+              <a:latin typeface="Consolas" panose="020B0609020204030204" pitchFamily="49" charset="0"/>
+            </a:endParaRPr>
+          </a:p>
+          <a:p>
+            <a:pPr marL="0" indent="0">
+              <a:buNone/>
+            </a:pPr>
+            <a:r>
+              <a:rPr lang="en-US" altLang="zh-CN" dirty="0">
+                <a:solidFill>
+                  <a:srgbClr val="7A3E9D"/>
+                </a:solidFill>
+                <a:latin typeface="Consolas" panose="020B0609020204030204" pitchFamily="49" charset="0"/>
+              </a:rPr>
+              <a:t>   </a:t>
+            </a:r>
+            <a:r>
+              <a:rPr lang="en-US" altLang="zh-CN" dirty="0">
+                <a:solidFill>
+                  <a:schemeClr val="accent6"/>
+                </a:solidFill>
+                <a:latin typeface="Consolas" panose="020B0609020204030204" pitchFamily="49" charset="0"/>
+              </a:rPr>
+              <a:t>// </a:t>
+            </a:r>
+            <a:r>
+              <a:rPr lang="en-US" altLang="zh-CN" dirty="0" err="1">
+                <a:solidFill>
+                  <a:schemeClr val="accent6"/>
+                </a:solidFill>
+                <a:latin typeface="Consolas" panose="020B0609020204030204" pitchFamily="49" charset="0"/>
+              </a:rPr>
+              <a:t>todo</a:t>
+            </a:r>
+            <a:r>
+              <a:rPr lang="en-US" altLang="zh-CN" dirty="0">
+                <a:solidFill>
+                  <a:schemeClr val="accent6"/>
+                </a:solidFill>
+                <a:latin typeface="Consolas" panose="020B0609020204030204" pitchFamily="49" charset="0"/>
+              </a:rPr>
+              <a:t> something</a:t>
+            </a:r>
+          </a:p>
+          <a:p>
+            <a:pPr marL="0" indent="0">
+              <a:buNone/>
+            </a:pPr>
+            <a:r>
+              <a:rPr lang="en-US" altLang="zh-CN" dirty="0">
+                <a:solidFill>
+                  <a:srgbClr val="333333"/>
+                </a:solidFill>
+                <a:latin typeface="Consolas" panose="020B0609020204030204" pitchFamily="49" charset="0"/>
+              </a:rPr>
+              <a:t>   </a:t>
+            </a:r>
+            <a:r>
+              <a:rPr lang="en-US" altLang="zh-CN" dirty="0">
+                <a:solidFill>
+                  <a:srgbClr val="7A3E9D"/>
+                </a:solidFill>
+                <a:latin typeface="Consolas" panose="020B0609020204030204" pitchFamily="49" charset="0"/>
+              </a:rPr>
+              <a:t>let index </a:t>
+            </a:r>
+            <a:r>
+              <a:rPr lang="en-US" altLang="zh-CN" dirty="0">
+                <a:solidFill>
+                  <a:srgbClr val="333333"/>
+                </a:solidFill>
+                <a:latin typeface="Consolas" panose="020B0609020204030204" pitchFamily="49" charset="0"/>
+              </a:rPr>
+              <a:t>=</a:t>
+            </a:r>
+            <a:r>
+              <a:rPr lang="en-US" altLang="zh-CN" dirty="0">
+                <a:solidFill>
+                  <a:srgbClr val="7A3E9D"/>
+                </a:solidFill>
+                <a:latin typeface="Consolas" panose="020B0609020204030204" pitchFamily="49" charset="0"/>
+              </a:rPr>
+              <a:t> flag</a:t>
+            </a:r>
+            <a:endParaRPr lang="en-US" altLang="zh-CN" dirty="0">
+              <a:solidFill>
+                <a:srgbClr val="333333"/>
+              </a:solidFill>
+              <a:latin typeface="Consolas" panose="020B0609020204030204" pitchFamily="49" charset="0"/>
+            </a:endParaRPr>
+          </a:p>
+          <a:p>
+            <a:pPr marL="0" indent="0">
+              <a:buNone/>
+            </a:pPr>
+            <a:r>
+              <a:rPr lang="en-US" altLang="zh-CN" b="1" dirty="0">
+                <a:solidFill>
+                  <a:srgbClr val="7A3E9D"/>
+                </a:solidFill>
+                <a:latin typeface="Consolas" panose="020B0609020204030204" pitchFamily="49" charset="0"/>
+              </a:rPr>
+              <a:t>   console</a:t>
+            </a:r>
+            <a:r>
+              <a:rPr lang="en-US" altLang="zh-CN" dirty="0">
+                <a:solidFill>
+                  <a:srgbClr val="777777"/>
+                </a:solidFill>
+                <a:latin typeface="Consolas" panose="020B0609020204030204" pitchFamily="49" charset="0"/>
+              </a:rPr>
+              <a:t>.</a:t>
+            </a:r>
+            <a:r>
+              <a:rPr lang="en-US" altLang="zh-CN" b="1" dirty="0">
+                <a:solidFill>
+                  <a:srgbClr val="AA3731"/>
+                </a:solidFill>
+                <a:latin typeface="Consolas" panose="020B0609020204030204" pitchFamily="49" charset="0"/>
+              </a:rPr>
+              <a:t>log</a:t>
+            </a:r>
+            <a:r>
+              <a:rPr lang="en-US" altLang="zh-CN" dirty="0">
+                <a:solidFill>
+                  <a:srgbClr val="333333"/>
+                </a:solidFill>
+                <a:latin typeface="Consolas" panose="020B0609020204030204" pitchFamily="49" charset="0"/>
+              </a:rPr>
+              <a:t>(</a:t>
+            </a:r>
+            <a:r>
+              <a:rPr lang="en-US" altLang="zh-CN" dirty="0">
+                <a:solidFill>
+                  <a:srgbClr val="7A3E9D"/>
+                </a:solidFill>
+                <a:latin typeface="Consolas" panose="020B0609020204030204" pitchFamily="49" charset="0"/>
+              </a:rPr>
+              <a:t>array[index]</a:t>
+            </a:r>
+            <a:r>
+              <a:rPr lang="en-US" altLang="zh-CN" dirty="0">
+                <a:solidFill>
+                  <a:srgbClr val="333333"/>
+                </a:solidFill>
+                <a:latin typeface="Consolas" panose="020B0609020204030204" pitchFamily="49" charset="0"/>
+              </a:rPr>
+              <a:t>)</a:t>
+            </a:r>
+            <a:r>
+              <a:rPr lang="en-US" altLang="zh-CN" dirty="0">
+                <a:solidFill>
+                  <a:srgbClr val="777777"/>
+                </a:solidFill>
+                <a:latin typeface="Consolas" panose="020B0609020204030204" pitchFamily="49" charset="0"/>
+              </a:rPr>
+              <a:t>;</a:t>
+            </a:r>
+          </a:p>
+          <a:p>
+            <a:pPr marL="0" indent="0">
+              <a:buNone/>
+            </a:pPr>
+            <a:r>
+              <a:rPr lang="en-US" altLang="zh-CN" dirty="0">
+                <a:solidFill>
+                  <a:srgbClr val="7A3E9D"/>
+                </a:solidFill>
+                <a:latin typeface="Consolas" panose="020B0609020204030204" pitchFamily="49" charset="0"/>
+              </a:rPr>
+              <a:t>   flag</a:t>
+            </a:r>
+            <a:r>
+              <a:rPr lang="en-US" altLang="zh-CN" dirty="0">
+                <a:solidFill>
+                  <a:srgbClr val="777777"/>
+                </a:solidFill>
+                <a:latin typeface="Consolas" panose="020B0609020204030204" pitchFamily="49" charset="0"/>
+              </a:rPr>
+              <a:t>++;</a:t>
+            </a:r>
+            <a:endParaRPr lang="en-US" altLang="zh-CN" dirty="0">
+              <a:solidFill>
+                <a:srgbClr val="333333"/>
+              </a:solidFill>
+              <a:latin typeface="Consolas" panose="020B0609020204030204" pitchFamily="49" charset="0"/>
+            </a:endParaRPr>
+          </a:p>
+          <a:p>
+            <a:pPr marL="0" indent="0">
+              <a:buNone/>
+            </a:pPr>
+            <a:endParaRPr lang="en-US" altLang="zh-CN" dirty="0">
+              <a:solidFill>
+                <a:srgbClr val="333333"/>
+              </a:solidFill>
+              <a:latin typeface="Consolas" panose="020B0609020204030204" pitchFamily="49" charset="0"/>
+            </a:endParaRPr>
+          </a:p>
+          <a:p>
+            <a:pPr marL="0" indent="0">
+              <a:buNone/>
+            </a:pPr>
+            <a:r>
+              <a:rPr lang="en-US" altLang="zh-CN" dirty="0">
+                <a:solidFill>
+                  <a:srgbClr val="777777"/>
+                </a:solidFill>
+                <a:latin typeface="Consolas" panose="020B0609020204030204" pitchFamily="49" charset="0"/>
+              </a:rPr>
+              <a:t>}</a:t>
+            </a:r>
+            <a:endParaRPr lang="en-US" altLang="zh-CN" dirty="0">
+              <a:solidFill>
+                <a:srgbClr val="333333"/>
+              </a:solidFill>
+              <a:latin typeface="Consolas" panose="020B0609020204030204" pitchFamily="49" charset="0"/>
+            </a:endParaRPr>
+          </a:p>
+          <a:p>
+            <a:pPr marL="0" indent="0">
+              <a:buNone/>
+            </a:pPr>
+            <a:endParaRPr lang="en-US" altLang="zh-CN" b="0" dirty="0">
+              <a:solidFill>
+                <a:srgbClr val="333333"/>
+              </a:solidFill>
+              <a:effectLst/>
+              <a:latin typeface="Consolas" panose="020B0609020204030204" pitchFamily="49" charset="0"/>
+            </a:endParaRPr>
+          </a:p>
+        </p:txBody>
+      </p:sp>
+      <p:sp>
+        <p:nvSpPr>
+          <p:cNvPr id="5" name="矩形 4">
+            <a:extLst>
+              <a:ext uri="{FF2B5EF4-FFF2-40B4-BE49-F238E27FC236}">
+                <a16:creationId xmlns:a16="http://schemas.microsoft.com/office/drawing/2014/main" id="{7F150F50-FAAF-4DB5-AE91-B9DA2BDE5F50}"/>
+              </a:ext>
+            </a:extLst>
+          </p:cNvPr>
+          <p:cNvSpPr/>
           <p:nvPr/>
         </p:nvSpPr>
         <p:spPr>
           <a:xfrm>
-            <a:off x="1295400" y="785326"/>
-            <a:ext cx="9601200" cy="1142385"/>
+            <a:off x="838200" y="3140330"/>
+            <a:ext cx="2955324" cy="1569660"/>
           </a:xfrm>
           <a:prstGeom prst="rect">
             <a:avLst/>
           </a:prstGeom>
+          <a:noFill/>
         </p:spPr>
         <p:txBody>
-          <a:bodyPr vert="horz" lIns="91440" tIns="45720" rIns="91440" bIns="45720" rtlCol="0" anchor="b">
-            <a:normAutofit/>
+          <a:bodyPr wrap="square" lIns="91440" tIns="45720" rIns="91440" bIns="45720">
+            <a:spAutoFit/>
           </a:bodyPr>
-          <a:lstStyle>
-            <a:lvl1pPr algn="l" defTabSz="914400" rtl="0" eaLnBrk="1" latinLnBrk="0" hangingPunct="1">
-              <a:lnSpc>
-                <a:spcPct val="90000"/>
-              </a:lnSpc>
-              <a:spcBef>
-                <a:spcPct val="0"/>
-              </a:spcBef>
-              <a:buNone/>
-              <a:defRPr lang="zh-CN" sz="3200" b="1" kern="1200">
-                <a:solidFill>
-                  <a:schemeClr val="accent1"/>
-                </a:solidFill>
-                <a:latin typeface="+mj-lt"/>
-                <a:ea typeface="Microsoft YaHei UI" panose="020B0503020204020204" pitchFamily="34" charset="-122"/>
-                <a:cs typeface="+mj-cs"/>
-              </a:defRPr>
-            </a:lvl1pPr>
-          </a:lstStyle>
-          <a:p>
-            <a:r>
-              <a:rPr lang="en-US" altLang="zh-CN" dirty="0"/>
-              <a:t>jQuery</a:t>
-            </a:r>
-            <a:r>
-              <a:rPr lang="zh-CN" altLang="en-US" dirty="0"/>
-              <a:t>基础选择器</a:t>
-            </a:r>
-          </a:p>
-        </p:txBody>
-      </p:sp>
-      <p:sp>
-        <p:nvSpPr>
-          <p:cNvPr id="5" name="内容占位符 2"/>
-          <p:cNvSpPr>
-            <a:spLocks noGrp="1"/>
-          </p:cNvSpPr>
-          <p:nvPr/>
-        </p:nvSpPr>
-        <p:spPr>
-          <a:xfrm>
-            <a:off x="1295400" y="2262674"/>
-            <a:ext cx="9601200" cy="3809999"/>
-          </a:xfrm>
-          <a:prstGeom prst="rect">
-            <a:avLst/>
-          </a:prstGeom>
-        </p:spPr>
-        <p:txBody>
-          <a:bodyPr vert="horz" lIns="91440" tIns="45720" rIns="91440" bIns="45720" rtlCol="0">
-            <a:normAutofit/>
-          </a:bodyPr>
-          <a:lstStyle>
-            <a:lvl1pPr marL="228600" indent="-228600" algn="l" defTabSz="914400" rtl="0" eaLnBrk="1" latinLnBrk="0" hangingPunct="1">
-              <a:lnSpc>
-                <a:spcPct val="90000"/>
-              </a:lnSpc>
-              <a:spcBef>
-                <a:spcPts val="1800"/>
-              </a:spcBef>
-              <a:buClr>
-                <a:schemeClr val="accent1"/>
-              </a:buClr>
-              <a:buSzPct val="100000"/>
-              <a:buFont typeface="Arial" pitchFamily="34" charset="0"/>
-              <a:buChar char="▪"/>
-              <a:defRPr lang="zh-CN" sz="2000" kern="1200">
-                <a:solidFill>
-                  <a:schemeClr val="tx1"/>
-                </a:solidFill>
-                <a:latin typeface="+mn-lt"/>
-                <a:ea typeface="Microsoft YaHei UI" panose="020B0503020204020204" pitchFamily="34" charset="-122"/>
-                <a:cs typeface="+mn-cs"/>
-              </a:defRPr>
-            </a:lvl1pPr>
-            <a:lvl2pPr marL="457200" indent="-182880" algn="l" defTabSz="914400" rtl="0" eaLnBrk="1" latinLnBrk="0" hangingPunct="1">
-              <a:lnSpc>
-                <a:spcPct val="90000"/>
-              </a:lnSpc>
-              <a:spcBef>
-                <a:spcPts val="1200"/>
-              </a:spcBef>
-              <a:buClr>
-                <a:schemeClr val="accent1"/>
-              </a:buClr>
-              <a:buSzPct val="100000"/>
-              <a:buFont typeface="Arial" pitchFamily="34" charset="0"/>
-              <a:buChar char="▪"/>
-              <a:defRPr lang="zh-CN" sz="1800" kern="1200">
-                <a:solidFill>
-                  <a:schemeClr val="tx1"/>
-                </a:solidFill>
-                <a:latin typeface="+mn-lt"/>
-                <a:ea typeface="Microsoft YaHei UI" panose="020B0503020204020204" pitchFamily="34" charset="-122"/>
-                <a:cs typeface="+mn-cs"/>
-              </a:defRPr>
-            </a:lvl2pPr>
-            <a:lvl3pPr marL="685800" indent="-179388" algn="l" defTabSz="914400" rtl="0" eaLnBrk="1" latinLnBrk="0" hangingPunct="1">
-              <a:lnSpc>
-                <a:spcPct val="90000"/>
-              </a:lnSpc>
-              <a:spcBef>
-                <a:spcPts val="800"/>
-              </a:spcBef>
-              <a:buClr>
-                <a:schemeClr val="accent1"/>
-              </a:buClr>
-              <a:buSzPct val="100000"/>
-              <a:buFont typeface="Arial" pitchFamily="34" charset="0"/>
-              <a:buChar char="▪"/>
-              <a:defRPr lang="zh-CN" sz="1600" kern="1200">
-                <a:solidFill>
-                  <a:schemeClr val="tx1"/>
-                </a:solidFill>
-                <a:latin typeface="+mn-lt"/>
-                <a:ea typeface="Microsoft YaHei UI" panose="020B0503020204020204" pitchFamily="34" charset="-122"/>
-                <a:cs typeface="+mn-cs"/>
-              </a:defRPr>
-            </a:lvl3pPr>
-            <a:lvl4pPr marL="914400" indent="-182880" algn="l" defTabSz="914400" rtl="0" eaLnBrk="1" latinLnBrk="0" hangingPunct="1">
-              <a:lnSpc>
-                <a:spcPct val="90000"/>
-              </a:lnSpc>
-              <a:spcBef>
-                <a:spcPts val="800"/>
-              </a:spcBef>
-              <a:buClr>
-                <a:schemeClr val="accent1"/>
-              </a:buClr>
-              <a:buSzPct val="100000"/>
-              <a:buFont typeface="Arial" pitchFamily="34" charset="0"/>
-              <a:buChar char="▪"/>
-              <a:defRPr lang="zh-CN" sz="1400" kern="1200">
-                <a:solidFill>
-                  <a:schemeClr val="tx1"/>
-                </a:solidFill>
-                <a:latin typeface="+mn-lt"/>
-                <a:ea typeface="Microsoft YaHei UI" panose="020B0503020204020204" pitchFamily="34" charset="-122"/>
-                <a:cs typeface="+mn-cs"/>
-              </a:defRPr>
-            </a:lvl4pPr>
-            <a:lvl5pPr marL="1143000" indent="-179388" algn="l" defTabSz="914400" rtl="0" eaLnBrk="1" latinLnBrk="0" hangingPunct="1">
-              <a:lnSpc>
-                <a:spcPct val="90000"/>
-              </a:lnSpc>
-              <a:spcBef>
-                <a:spcPts val="600"/>
-              </a:spcBef>
-              <a:buClr>
-                <a:schemeClr val="accent1"/>
-              </a:buClr>
-              <a:buSzPct val="100000"/>
-              <a:buFont typeface="Arial" pitchFamily="34" charset="0"/>
-              <a:buChar char="▪"/>
-              <a:defRPr lang="zh-CN" sz="1400" kern="1200">
-                <a:solidFill>
-                  <a:schemeClr val="tx1"/>
-                </a:solidFill>
-                <a:latin typeface="+mn-lt"/>
-                <a:ea typeface="Microsoft YaHei UI" panose="020B0503020204020204" pitchFamily="34" charset="-122"/>
-                <a:cs typeface="+mn-cs"/>
-              </a:defRPr>
-            </a:lvl5pPr>
-            <a:lvl6pPr marL="1371600" indent="-182880" algn="l" defTabSz="914400" rtl="0" eaLnBrk="1" latinLnBrk="0" hangingPunct="1">
-              <a:lnSpc>
-                <a:spcPct val="90000"/>
-              </a:lnSpc>
-              <a:spcBef>
-                <a:spcPts val="600"/>
-              </a:spcBef>
-              <a:buClr>
-                <a:schemeClr val="accent1"/>
-              </a:buClr>
-              <a:buSzPct val="100000"/>
-              <a:buFont typeface="Arial" pitchFamily="34" charset="0"/>
-              <a:buChar char="▪"/>
-              <a:defRPr lang="zh-CN" sz="1400" kern="1200">
-                <a:solidFill>
-                  <a:schemeClr val="tx1"/>
-                </a:solidFill>
-                <a:latin typeface="+mn-lt"/>
-                <a:ea typeface="+mn-ea"/>
-                <a:cs typeface="+mn-cs"/>
-              </a:defRPr>
-            </a:lvl6pPr>
-            <a:lvl7pPr marL="1600200" indent="-179388" algn="l" defTabSz="914400" rtl="0" eaLnBrk="1" latinLnBrk="0" hangingPunct="1">
-              <a:lnSpc>
-                <a:spcPct val="90000"/>
-              </a:lnSpc>
-              <a:spcBef>
-                <a:spcPts val="600"/>
-              </a:spcBef>
-              <a:buClr>
-                <a:schemeClr val="accent1"/>
-              </a:buClr>
-              <a:buSzPct val="100000"/>
-              <a:buFont typeface="Arial" pitchFamily="34" charset="0"/>
-              <a:buChar char="▪"/>
-              <a:defRPr lang="zh-CN" sz="1400" kern="1200">
-                <a:solidFill>
-                  <a:schemeClr val="tx1"/>
-                </a:solidFill>
-                <a:latin typeface="+mn-lt"/>
-                <a:ea typeface="+mn-ea"/>
-                <a:cs typeface="+mn-cs"/>
-              </a:defRPr>
-            </a:lvl7pPr>
-            <a:lvl8pPr marL="1828800" indent="-182880" algn="l" defTabSz="914400" rtl="0" eaLnBrk="1" latinLnBrk="0" hangingPunct="1">
-              <a:lnSpc>
-                <a:spcPct val="90000"/>
-              </a:lnSpc>
-              <a:spcBef>
-                <a:spcPts val="600"/>
-              </a:spcBef>
-              <a:buClr>
-                <a:schemeClr val="accent1"/>
-              </a:buClr>
-              <a:buSzPct val="100000"/>
-              <a:buFont typeface="Arial" pitchFamily="34" charset="0"/>
-              <a:buChar char="▪"/>
-              <a:defRPr lang="zh-CN" sz="1400" kern="1200">
-                <a:solidFill>
-                  <a:schemeClr val="tx1"/>
-                </a:solidFill>
-                <a:latin typeface="+mn-lt"/>
-                <a:ea typeface="+mn-ea"/>
-                <a:cs typeface="+mn-cs"/>
-              </a:defRPr>
-            </a:lvl8pPr>
-            <a:lvl9pPr marL="2057400" indent="-179388" algn="l" defTabSz="914400" rtl="0" eaLnBrk="1" latinLnBrk="0" hangingPunct="1">
-              <a:lnSpc>
-                <a:spcPct val="90000"/>
-              </a:lnSpc>
-              <a:spcBef>
-                <a:spcPts val="600"/>
-              </a:spcBef>
-              <a:buClr>
-                <a:schemeClr val="accent1"/>
-              </a:buClr>
-              <a:buSzPct val="100000"/>
-              <a:buFont typeface="Arial" pitchFamily="34" charset="0"/>
-              <a:buChar char="▪"/>
-              <a:defRPr lang="zh-CN" sz="1400" kern="1200">
-                <a:solidFill>
-                  <a:schemeClr val="tx1"/>
-                </a:solidFill>
-                <a:latin typeface="+mn-lt"/>
-                <a:ea typeface="+mn-ea"/>
-                <a:cs typeface="+mn-cs"/>
-              </a:defRPr>
-            </a:lvl9pPr>
-          </a:lstStyle>
-          <a:p>
-            <a:r>
-              <a:rPr lang="en-US" altLang="zh-CN" dirty="0"/>
-              <a:t>id</a:t>
-            </a:r>
-            <a:r>
-              <a:rPr lang="zh-CN" altLang="en-US" dirty="0"/>
-              <a:t>选择器           </a:t>
-            </a:r>
-            <a:r>
-              <a:rPr lang="en-US" altLang="zh-CN" dirty="0"/>
-              <a:t>$(“#id”)</a:t>
-            </a:r>
-          </a:p>
-          <a:p>
-            <a:r>
-              <a:rPr lang="zh-CN" altLang="en-US" dirty="0"/>
-              <a:t>元素选择器       </a:t>
-            </a:r>
-            <a:r>
-              <a:rPr lang="en-US" altLang="zh-CN" dirty="0"/>
-              <a:t>$(“.class”)</a:t>
-            </a:r>
-          </a:p>
-          <a:p>
-            <a:r>
-              <a:rPr lang="zh-CN" altLang="en-US" dirty="0"/>
-              <a:t>类选择器           </a:t>
-            </a:r>
-            <a:r>
-              <a:rPr lang="en-US" altLang="zh-CN" dirty="0"/>
-              <a:t>$(“element”)</a:t>
-            </a:r>
-          </a:p>
-          <a:p>
-            <a:endParaRPr lang="zh-CN" altLang="en-US" dirty="0"/>
+          <a:lstStyle/>
+          <a:p>
+            <a:pPr algn="ctr"/>
+            <a:r>
+              <a:rPr lang="en-US" altLang="zh-CN" sz="9600" dirty="0">
+                <a:ln w="0"/>
+                <a:effectLst>
+                  <a:outerShdw blurRad="38100" dist="19050" dir="2700000" algn="tl" rotWithShape="0">
+                    <a:schemeClr val="dk1">
+                      <a:alpha val="40000"/>
+                    </a:schemeClr>
+                  </a:outerShdw>
+                </a:effectLst>
+              </a:rPr>
+              <a:t>while</a:t>
+            </a:r>
+            <a:endParaRPr lang="zh-CN" altLang="en-US" sz="9600" dirty="0">
+              <a:ln w="0"/>
+              <a:effectLst>
+                <a:outerShdw blurRad="38100" dist="19050" dir="2700000" algn="tl" rotWithShape="0">
+                  <a:schemeClr val="dk1">
+                    <a:alpha val="40000"/>
+                  </a:schemeClr>
+                </a:outerShdw>
+              </a:effectLst>
+            </a:endParaRPr>
           </a:p>
         </p:txBody>
       </p:sp>
     </p:spTree>
     <p:extLst>
       <p:ext uri="{BB962C8B-B14F-4D97-AF65-F5344CB8AC3E}">
-        <p14:creationId xmlns:p14="http://schemas.microsoft.com/office/powerpoint/2010/main" val="1103970233"/>
+        <p14:creationId xmlns:p14="http://schemas.microsoft.com/office/powerpoint/2010/main" val="4088646470"/>
       </p:ext>
     </p:extLst>
   </p:cSld>
@@ -12370,326 +12731,448 @@
       </p:grpSpPr>
       <p:sp>
         <p:nvSpPr>
-          <p:cNvPr id="4" name="标题 1"/>
+          <p:cNvPr id="2" name="标题 1">
+            <a:extLst>
+              <a:ext uri="{FF2B5EF4-FFF2-40B4-BE49-F238E27FC236}">
+                <a16:creationId xmlns:a16="http://schemas.microsoft.com/office/drawing/2014/main" id="{FB8FE091-9F14-4BF7-BF12-EA52FFF71F4F}"/>
+              </a:ext>
+            </a:extLst>
+          </p:cNvPr>
           <p:cNvSpPr>
             <a:spLocks noGrp="1"/>
           </p:cNvSpPr>
+          <p:nvPr>
+            <p:ph type="title"/>
+          </p:nvPr>
+        </p:nvSpPr>
+        <p:spPr/>
+        <p:txBody>
+          <a:bodyPr>
+            <a:normAutofit/>
+          </a:bodyPr>
+          <a:lstStyle/>
+          <a:p>
+            <a:r>
+              <a:rPr lang="zh-CN" altLang="en-US" dirty="0"/>
+              <a:t>故事二 小兔子乖乖</a:t>
+            </a:r>
+          </a:p>
+        </p:txBody>
+      </p:sp>
+      <p:sp>
+        <p:nvSpPr>
+          <p:cNvPr id="4" name="内容占位符 3">
+            <a:extLst>
+              <a:ext uri="{FF2B5EF4-FFF2-40B4-BE49-F238E27FC236}">
+                <a16:creationId xmlns:a16="http://schemas.microsoft.com/office/drawing/2014/main" id="{B8C47A43-FD6B-469A-B9A3-BDD475014787}"/>
+              </a:ext>
+            </a:extLst>
+          </p:cNvPr>
+          <p:cNvSpPr>
+            <a:spLocks noGrp="1"/>
+          </p:cNvSpPr>
+          <p:nvPr>
+            <p:ph sz="half" idx="2"/>
+          </p:nvPr>
+        </p:nvSpPr>
+        <p:spPr>
+          <a:xfrm>
+            <a:off x="6015755" y="2252662"/>
+            <a:ext cx="4868563" cy="3814764"/>
+          </a:xfrm>
+        </p:spPr>
+        <p:txBody>
+          <a:bodyPr>
+            <a:normAutofit/>
+          </a:bodyPr>
+          <a:lstStyle/>
+          <a:p>
+            <a:pPr marL="0" indent="0">
+              <a:buNone/>
+            </a:pPr>
+            <a:r>
+              <a:rPr lang="en-US" altLang="zh-CN" dirty="0">
+                <a:solidFill>
+                  <a:srgbClr val="4B83CD"/>
+                </a:solidFill>
+                <a:latin typeface="Consolas" panose="020B0609020204030204" pitchFamily="49" charset="0"/>
+              </a:rPr>
+              <a:t>if</a:t>
+            </a:r>
+            <a:r>
+              <a:rPr lang="en-US" altLang="zh-CN" dirty="0">
+                <a:solidFill>
+                  <a:srgbClr val="333333"/>
+                </a:solidFill>
+                <a:latin typeface="Consolas" panose="020B0609020204030204" pitchFamily="49" charset="0"/>
+              </a:rPr>
+              <a:t>(</a:t>
+            </a:r>
+            <a:r>
+              <a:rPr lang="en-US" altLang="zh-CN" dirty="0">
+                <a:solidFill>
+                  <a:srgbClr val="7A3E9D"/>
+                </a:solidFill>
+                <a:latin typeface="Consolas" panose="020B0609020204030204" pitchFamily="49" charset="0"/>
+              </a:rPr>
+              <a:t>condition1</a:t>
+            </a:r>
+            <a:r>
+              <a:rPr lang="en-US" altLang="zh-CN" dirty="0">
+                <a:solidFill>
+                  <a:srgbClr val="333333"/>
+                </a:solidFill>
+                <a:latin typeface="Consolas" panose="020B0609020204030204" pitchFamily="49" charset="0"/>
+              </a:rPr>
+              <a:t>)</a:t>
+            </a:r>
+            <a:r>
+              <a:rPr lang="en-US" altLang="zh-CN" dirty="0">
+                <a:solidFill>
+                  <a:srgbClr val="777777"/>
+                </a:solidFill>
+                <a:latin typeface="Consolas" panose="020B0609020204030204" pitchFamily="49" charset="0"/>
+              </a:rPr>
+              <a:t>{</a:t>
+            </a:r>
+            <a:endParaRPr lang="en-US" altLang="zh-CN" dirty="0">
+              <a:solidFill>
+                <a:srgbClr val="333333"/>
+              </a:solidFill>
+              <a:latin typeface="Consolas" panose="020B0609020204030204" pitchFamily="49" charset="0"/>
+            </a:endParaRPr>
+          </a:p>
+          <a:p>
+            <a:pPr marL="0" indent="0">
+              <a:buNone/>
+            </a:pPr>
+            <a:r>
+              <a:rPr lang="en-US" altLang="zh-CN" b="1" dirty="0">
+                <a:solidFill>
+                  <a:srgbClr val="7A3E9D"/>
+                </a:solidFill>
+                <a:latin typeface="Consolas" panose="020B0609020204030204" pitchFamily="49" charset="0"/>
+              </a:rPr>
+              <a:t>   </a:t>
+            </a:r>
+            <a:r>
+              <a:rPr lang="en-US" altLang="zh-CN" dirty="0">
+                <a:solidFill>
+                  <a:schemeClr val="accent6"/>
+                </a:solidFill>
+                <a:latin typeface="Consolas" panose="020B0609020204030204" pitchFamily="49" charset="0"/>
+              </a:rPr>
+              <a:t>// </a:t>
+            </a:r>
+            <a:r>
+              <a:rPr lang="en-US" altLang="zh-CN" dirty="0" err="1">
+                <a:solidFill>
+                  <a:schemeClr val="accent6"/>
+                </a:solidFill>
+                <a:latin typeface="Consolas" panose="020B0609020204030204" pitchFamily="49" charset="0"/>
+              </a:rPr>
+              <a:t>todo</a:t>
+            </a:r>
+            <a:r>
+              <a:rPr lang="en-US" altLang="zh-CN" dirty="0">
+                <a:solidFill>
+                  <a:schemeClr val="accent6"/>
+                </a:solidFill>
+                <a:latin typeface="Consolas" panose="020B0609020204030204" pitchFamily="49" charset="0"/>
+              </a:rPr>
+              <a:t> something</a:t>
+            </a:r>
+          </a:p>
+          <a:p>
+            <a:pPr marL="0" indent="0">
+              <a:buNone/>
+            </a:pPr>
+            <a:r>
+              <a:rPr lang="en-US" altLang="zh-CN" dirty="0">
+                <a:solidFill>
+                  <a:srgbClr val="777777"/>
+                </a:solidFill>
+                <a:latin typeface="Consolas" panose="020B0609020204030204" pitchFamily="49" charset="0"/>
+              </a:rPr>
+              <a:t>}</a:t>
+            </a:r>
+            <a:r>
+              <a:rPr lang="en-US" altLang="zh-CN" dirty="0">
+                <a:solidFill>
+                  <a:srgbClr val="4B83CD"/>
+                </a:solidFill>
+                <a:latin typeface="Consolas" panose="020B0609020204030204" pitchFamily="49" charset="0"/>
+              </a:rPr>
+              <a:t>else</a:t>
+            </a:r>
+            <a:r>
+              <a:rPr lang="en-US" altLang="zh-CN" dirty="0">
+                <a:solidFill>
+                  <a:srgbClr val="333333"/>
+                </a:solidFill>
+                <a:latin typeface="Consolas" panose="020B0609020204030204" pitchFamily="49" charset="0"/>
+              </a:rPr>
+              <a:t> </a:t>
+            </a:r>
+            <a:r>
+              <a:rPr lang="en-US" altLang="zh-CN" dirty="0">
+                <a:solidFill>
+                  <a:srgbClr val="4B83CD"/>
+                </a:solidFill>
+                <a:latin typeface="Consolas" panose="020B0609020204030204" pitchFamily="49" charset="0"/>
+              </a:rPr>
+              <a:t>if</a:t>
+            </a:r>
+            <a:r>
+              <a:rPr lang="en-US" altLang="zh-CN" dirty="0">
+                <a:solidFill>
+                  <a:srgbClr val="333333"/>
+                </a:solidFill>
+                <a:latin typeface="Consolas" panose="020B0609020204030204" pitchFamily="49" charset="0"/>
+              </a:rPr>
+              <a:t>(</a:t>
+            </a:r>
+            <a:r>
+              <a:rPr lang="en-US" altLang="zh-CN" dirty="0">
+                <a:solidFill>
+                  <a:srgbClr val="7A3E9D"/>
+                </a:solidFill>
+                <a:latin typeface="Consolas" panose="020B0609020204030204" pitchFamily="49" charset="0"/>
+              </a:rPr>
+              <a:t>condition2</a:t>
+            </a:r>
+            <a:r>
+              <a:rPr lang="en-US" altLang="zh-CN" dirty="0">
+                <a:solidFill>
+                  <a:srgbClr val="333333"/>
+                </a:solidFill>
+                <a:latin typeface="Consolas" panose="020B0609020204030204" pitchFamily="49" charset="0"/>
+              </a:rPr>
+              <a:t>)</a:t>
+            </a:r>
+            <a:r>
+              <a:rPr lang="en-US" altLang="zh-CN" dirty="0">
+                <a:solidFill>
+                  <a:srgbClr val="777777"/>
+                </a:solidFill>
+                <a:latin typeface="Consolas" panose="020B0609020204030204" pitchFamily="49" charset="0"/>
+              </a:rPr>
+              <a:t>{</a:t>
+            </a:r>
+            <a:endParaRPr lang="en-US" altLang="zh-CN" dirty="0">
+              <a:solidFill>
+                <a:srgbClr val="333333"/>
+              </a:solidFill>
+              <a:latin typeface="Consolas" panose="020B0609020204030204" pitchFamily="49" charset="0"/>
+            </a:endParaRPr>
+          </a:p>
+          <a:p>
+            <a:pPr marL="0" indent="0">
+              <a:buNone/>
+            </a:pPr>
+            <a:r>
+              <a:rPr lang="en-US" altLang="zh-CN" b="1" dirty="0">
+                <a:solidFill>
+                  <a:srgbClr val="7A3E9D"/>
+                </a:solidFill>
+                <a:latin typeface="Consolas" panose="020B0609020204030204" pitchFamily="49" charset="0"/>
+              </a:rPr>
+              <a:t>   </a:t>
+            </a:r>
+            <a:r>
+              <a:rPr lang="en-US" altLang="zh-CN" dirty="0">
+                <a:solidFill>
+                  <a:schemeClr val="accent6"/>
+                </a:solidFill>
+                <a:latin typeface="Consolas" panose="020B0609020204030204" pitchFamily="49" charset="0"/>
+              </a:rPr>
+              <a:t>// </a:t>
+            </a:r>
+            <a:r>
+              <a:rPr lang="en-US" altLang="zh-CN" dirty="0" err="1">
+                <a:solidFill>
+                  <a:schemeClr val="accent6"/>
+                </a:solidFill>
+                <a:latin typeface="Consolas" panose="020B0609020204030204" pitchFamily="49" charset="0"/>
+              </a:rPr>
+              <a:t>todo</a:t>
+            </a:r>
+            <a:r>
+              <a:rPr lang="en-US" altLang="zh-CN" dirty="0">
+                <a:solidFill>
+                  <a:schemeClr val="accent6"/>
+                </a:solidFill>
+                <a:latin typeface="Consolas" panose="020B0609020204030204" pitchFamily="49" charset="0"/>
+              </a:rPr>
+              <a:t> something</a:t>
+            </a:r>
+          </a:p>
+          <a:p>
+            <a:pPr marL="0" indent="0">
+              <a:buNone/>
+            </a:pPr>
+            <a:r>
+              <a:rPr lang="en-US" altLang="zh-CN" dirty="0">
+                <a:solidFill>
+                  <a:srgbClr val="777777"/>
+                </a:solidFill>
+                <a:latin typeface="Consolas" panose="020B0609020204030204" pitchFamily="49" charset="0"/>
+              </a:rPr>
+              <a:t>}</a:t>
+            </a:r>
+            <a:r>
+              <a:rPr lang="en-US" altLang="zh-CN" dirty="0">
+                <a:solidFill>
+                  <a:srgbClr val="4B83CD"/>
+                </a:solidFill>
+                <a:latin typeface="Consolas" panose="020B0609020204030204" pitchFamily="49" charset="0"/>
+              </a:rPr>
+              <a:t>else</a:t>
+            </a:r>
+            <a:r>
+              <a:rPr lang="en-US" altLang="zh-CN" dirty="0">
+                <a:solidFill>
+                  <a:srgbClr val="777777"/>
+                </a:solidFill>
+                <a:latin typeface="Consolas" panose="020B0609020204030204" pitchFamily="49" charset="0"/>
+              </a:rPr>
+              <a:t>{</a:t>
+            </a:r>
+          </a:p>
+          <a:p>
+            <a:pPr marL="0" indent="0">
+              <a:buNone/>
+            </a:pPr>
+            <a:r>
+              <a:rPr lang="en-US" altLang="zh-CN" dirty="0">
+                <a:solidFill>
+                  <a:srgbClr val="777777"/>
+                </a:solidFill>
+                <a:latin typeface="Consolas" panose="020B0609020204030204" pitchFamily="49" charset="0"/>
+              </a:rPr>
+              <a:t>   </a:t>
+            </a:r>
+            <a:r>
+              <a:rPr lang="en-US" altLang="zh-CN" dirty="0">
+                <a:solidFill>
+                  <a:schemeClr val="accent6"/>
+                </a:solidFill>
+                <a:latin typeface="Consolas" panose="020B0609020204030204" pitchFamily="49" charset="0"/>
+              </a:rPr>
+              <a:t>// </a:t>
+            </a:r>
+            <a:r>
+              <a:rPr lang="en-US" altLang="zh-CN" dirty="0" err="1">
+                <a:solidFill>
+                  <a:schemeClr val="accent6"/>
+                </a:solidFill>
+                <a:latin typeface="Consolas" panose="020B0609020204030204" pitchFamily="49" charset="0"/>
+              </a:rPr>
+              <a:t>todo</a:t>
+            </a:r>
+            <a:r>
+              <a:rPr lang="en-US" altLang="zh-CN" dirty="0">
+                <a:solidFill>
+                  <a:schemeClr val="accent6"/>
+                </a:solidFill>
+                <a:latin typeface="Consolas" panose="020B0609020204030204" pitchFamily="49" charset="0"/>
+              </a:rPr>
+              <a:t> anything</a:t>
+            </a:r>
+          </a:p>
+          <a:p>
+            <a:pPr marL="0" indent="0">
+              <a:buNone/>
+            </a:pPr>
+            <a:r>
+              <a:rPr lang="en-US" altLang="zh-CN" dirty="0">
+                <a:solidFill>
+                  <a:srgbClr val="777777"/>
+                </a:solidFill>
+                <a:latin typeface="Consolas" panose="020B0609020204030204" pitchFamily="49" charset="0"/>
+              </a:rPr>
+              <a:t>}</a:t>
+            </a:r>
+            <a:endParaRPr lang="en-US" altLang="zh-CN" dirty="0">
+              <a:solidFill>
+                <a:srgbClr val="333333"/>
+              </a:solidFill>
+              <a:latin typeface="Consolas" panose="020B0609020204030204" pitchFamily="49" charset="0"/>
+            </a:endParaRPr>
+          </a:p>
+          <a:p>
+            <a:pPr marL="0" indent="0">
+              <a:buNone/>
+            </a:pPr>
+            <a:endParaRPr lang="en-US" altLang="zh-CN" b="0" dirty="0">
+              <a:solidFill>
+                <a:srgbClr val="333333"/>
+              </a:solidFill>
+              <a:effectLst/>
+              <a:latin typeface="Consolas" panose="020B0609020204030204" pitchFamily="49" charset="0"/>
+            </a:endParaRPr>
+          </a:p>
+        </p:txBody>
+      </p:sp>
+      <p:sp>
+        <p:nvSpPr>
+          <p:cNvPr id="5" name="矩形 4">
+            <a:extLst>
+              <a:ext uri="{FF2B5EF4-FFF2-40B4-BE49-F238E27FC236}">
+                <a16:creationId xmlns:a16="http://schemas.microsoft.com/office/drawing/2014/main" id="{7F150F50-FAAF-4DB5-AE91-B9DA2BDE5F50}"/>
+              </a:ext>
+            </a:extLst>
+          </p:cNvPr>
+          <p:cNvSpPr/>
           <p:nvPr/>
         </p:nvSpPr>
         <p:spPr>
           <a:xfrm>
-            <a:off x="1295400" y="785326"/>
-            <a:ext cx="9601200" cy="1142385"/>
+            <a:off x="838199" y="3140330"/>
+            <a:ext cx="3264243" cy="1569660"/>
           </a:xfrm>
           <a:prstGeom prst="rect">
             <a:avLst/>
           </a:prstGeom>
+          <a:noFill/>
         </p:spPr>
         <p:txBody>
-          <a:bodyPr vert="horz" lIns="91440" tIns="45720" rIns="91440" bIns="45720" rtlCol="0" anchor="b">
-            <a:normAutofit/>
+          <a:bodyPr wrap="square" lIns="91440" tIns="45720" rIns="91440" bIns="45720">
+            <a:spAutoFit/>
           </a:bodyPr>
-          <a:lstStyle>
-            <a:lvl1pPr algn="l" defTabSz="914400" rtl="0" eaLnBrk="1" latinLnBrk="0" hangingPunct="1">
-              <a:lnSpc>
-                <a:spcPct val="90000"/>
-              </a:lnSpc>
-              <a:spcBef>
-                <a:spcPct val="0"/>
-              </a:spcBef>
-              <a:buNone/>
-              <a:defRPr lang="zh-CN" sz="3200" b="1" kern="1200">
-                <a:solidFill>
-                  <a:schemeClr val="accent1"/>
-                </a:solidFill>
-                <a:latin typeface="+mj-lt"/>
-                <a:ea typeface="Microsoft YaHei UI" panose="020B0503020204020204" pitchFamily="34" charset="-122"/>
-                <a:cs typeface="+mj-cs"/>
-              </a:defRPr>
-            </a:lvl1pPr>
-          </a:lstStyle>
-          <a:p>
-            <a:r>
-              <a:rPr lang="en-US" altLang="zh-CN" dirty="0"/>
-              <a:t>jQuery</a:t>
-            </a:r>
-            <a:r>
-              <a:rPr lang="zh-CN" altLang="en-US" dirty="0"/>
-              <a:t>属性选择器</a:t>
-            </a:r>
-          </a:p>
-        </p:txBody>
-      </p:sp>
-      <p:sp>
-        <p:nvSpPr>
-          <p:cNvPr id="5" name="内容占位符 2"/>
-          <p:cNvSpPr>
-            <a:spLocks noGrp="1"/>
-          </p:cNvSpPr>
-          <p:nvPr/>
-        </p:nvSpPr>
-        <p:spPr>
-          <a:xfrm>
-            <a:off x="1295400" y="2262674"/>
-            <a:ext cx="9601200" cy="3809999"/>
-          </a:xfrm>
-          <a:prstGeom prst="rect">
-            <a:avLst/>
-          </a:prstGeom>
-        </p:spPr>
-        <p:txBody>
-          <a:bodyPr vert="horz" lIns="91440" tIns="45720" rIns="91440" bIns="45720" rtlCol="0">
-            <a:normAutofit/>
-          </a:bodyPr>
-          <a:lstStyle>
-            <a:lvl1pPr marL="228600" indent="-228600" algn="l" defTabSz="914400" rtl="0" eaLnBrk="1" latinLnBrk="0" hangingPunct="1">
-              <a:lnSpc>
-                <a:spcPct val="90000"/>
-              </a:lnSpc>
-              <a:spcBef>
-                <a:spcPts val="1800"/>
-              </a:spcBef>
-              <a:buClr>
-                <a:schemeClr val="accent1"/>
-              </a:buClr>
-              <a:buSzPct val="100000"/>
-              <a:buFont typeface="Arial" pitchFamily="34" charset="0"/>
-              <a:buChar char="▪"/>
-              <a:defRPr lang="zh-CN" sz="2000" kern="1200">
-                <a:solidFill>
-                  <a:schemeClr val="tx1"/>
-                </a:solidFill>
-                <a:latin typeface="+mn-lt"/>
-                <a:ea typeface="Microsoft YaHei UI" panose="020B0503020204020204" pitchFamily="34" charset="-122"/>
-                <a:cs typeface="+mn-cs"/>
-              </a:defRPr>
-            </a:lvl1pPr>
-            <a:lvl2pPr marL="457200" indent="-182880" algn="l" defTabSz="914400" rtl="0" eaLnBrk="1" latinLnBrk="0" hangingPunct="1">
-              <a:lnSpc>
-                <a:spcPct val="90000"/>
-              </a:lnSpc>
-              <a:spcBef>
-                <a:spcPts val="1200"/>
-              </a:spcBef>
-              <a:buClr>
-                <a:schemeClr val="accent1"/>
-              </a:buClr>
-              <a:buSzPct val="100000"/>
-              <a:buFont typeface="Arial" pitchFamily="34" charset="0"/>
-              <a:buChar char="▪"/>
-              <a:defRPr lang="zh-CN" sz="1800" kern="1200">
-                <a:solidFill>
-                  <a:schemeClr val="tx1"/>
-                </a:solidFill>
-                <a:latin typeface="+mn-lt"/>
-                <a:ea typeface="Microsoft YaHei UI" panose="020B0503020204020204" pitchFamily="34" charset="-122"/>
-                <a:cs typeface="+mn-cs"/>
-              </a:defRPr>
-            </a:lvl2pPr>
-            <a:lvl3pPr marL="685800" indent="-179388" algn="l" defTabSz="914400" rtl="0" eaLnBrk="1" latinLnBrk="0" hangingPunct="1">
-              <a:lnSpc>
-                <a:spcPct val="90000"/>
-              </a:lnSpc>
-              <a:spcBef>
-                <a:spcPts val="800"/>
-              </a:spcBef>
-              <a:buClr>
-                <a:schemeClr val="accent1"/>
-              </a:buClr>
-              <a:buSzPct val="100000"/>
-              <a:buFont typeface="Arial" pitchFamily="34" charset="0"/>
-              <a:buChar char="▪"/>
-              <a:defRPr lang="zh-CN" sz="1600" kern="1200">
-                <a:solidFill>
-                  <a:schemeClr val="tx1"/>
-                </a:solidFill>
-                <a:latin typeface="+mn-lt"/>
-                <a:ea typeface="Microsoft YaHei UI" panose="020B0503020204020204" pitchFamily="34" charset="-122"/>
-                <a:cs typeface="+mn-cs"/>
-              </a:defRPr>
-            </a:lvl3pPr>
-            <a:lvl4pPr marL="914400" indent="-182880" algn="l" defTabSz="914400" rtl="0" eaLnBrk="1" latinLnBrk="0" hangingPunct="1">
-              <a:lnSpc>
-                <a:spcPct val="90000"/>
-              </a:lnSpc>
-              <a:spcBef>
-                <a:spcPts val="800"/>
-              </a:spcBef>
-              <a:buClr>
-                <a:schemeClr val="accent1"/>
-              </a:buClr>
-              <a:buSzPct val="100000"/>
-              <a:buFont typeface="Arial" pitchFamily="34" charset="0"/>
-              <a:buChar char="▪"/>
-              <a:defRPr lang="zh-CN" sz="1400" kern="1200">
-                <a:solidFill>
-                  <a:schemeClr val="tx1"/>
-                </a:solidFill>
-                <a:latin typeface="+mn-lt"/>
-                <a:ea typeface="Microsoft YaHei UI" panose="020B0503020204020204" pitchFamily="34" charset="-122"/>
-                <a:cs typeface="+mn-cs"/>
-              </a:defRPr>
-            </a:lvl4pPr>
-            <a:lvl5pPr marL="1143000" indent="-179388" algn="l" defTabSz="914400" rtl="0" eaLnBrk="1" latinLnBrk="0" hangingPunct="1">
-              <a:lnSpc>
-                <a:spcPct val="90000"/>
-              </a:lnSpc>
-              <a:spcBef>
-                <a:spcPts val="600"/>
-              </a:spcBef>
-              <a:buClr>
-                <a:schemeClr val="accent1"/>
-              </a:buClr>
-              <a:buSzPct val="100000"/>
-              <a:buFont typeface="Arial" pitchFamily="34" charset="0"/>
-              <a:buChar char="▪"/>
-              <a:defRPr lang="zh-CN" sz="1400" kern="1200">
-                <a:solidFill>
-                  <a:schemeClr val="tx1"/>
-                </a:solidFill>
-                <a:latin typeface="+mn-lt"/>
-                <a:ea typeface="Microsoft YaHei UI" panose="020B0503020204020204" pitchFamily="34" charset="-122"/>
-                <a:cs typeface="+mn-cs"/>
-              </a:defRPr>
-            </a:lvl5pPr>
-            <a:lvl6pPr marL="1371600" indent="-182880" algn="l" defTabSz="914400" rtl="0" eaLnBrk="1" latinLnBrk="0" hangingPunct="1">
-              <a:lnSpc>
-                <a:spcPct val="90000"/>
-              </a:lnSpc>
-              <a:spcBef>
-                <a:spcPts val="600"/>
-              </a:spcBef>
-              <a:buClr>
-                <a:schemeClr val="accent1"/>
-              </a:buClr>
-              <a:buSzPct val="100000"/>
-              <a:buFont typeface="Arial" pitchFamily="34" charset="0"/>
-              <a:buChar char="▪"/>
-              <a:defRPr lang="zh-CN" sz="1400" kern="1200">
-                <a:solidFill>
-                  <a:schemeClr val="tx1"/>
-                </a:solidFill>
-                <a:latin typeface="+mn-lt"/>
-                <a:ea typeface="+mn-ea"/>
-                <a:cs typeface="+mn-cs"/>
-              </a:defRPr>
-            </a:lvl6pPr>
-            <a:lvl7pPr marL="1600200" indent="-179388" algn="l" defTabSz="914400" rtl="0" eaLnBrk="1" latinLnBrk="0" hangingPunct="1">
-              <a:lnSpc>
-                <a:spcPct val="90000"/>
-              </a:lnSpc>
-              <a:spcBef>
-                <a:spcPts val="600"/>
-              </a:spcBef>
-              <a:buClr>
-                <a:schemeClr val="accent1"/>
-              </a:buClr>
-              <a:buSzPct val="100000"/>
-              <a:buFont typeface="Arial" pitchFamily="34" charset="0"/>
-              <a:buChar char="▪"/>
-              <a:defRPr lang="zh-CN" sz="1400" kern="1200">
-                <a:solidFill>
-                  <a:schemeClr val="tx1"/>
-                </a:solidFill>
-                <a:latin typeface="+mn-lt"/>
-                <a:ea typeface="+mn-ea"/>
-                <a:cs typeface="+mn-cs"/>
-              </a:defRPr>
-            </a:lvl7pPr>
-            <a:lvl8pPr marL="1828800" indent="-182880" algn="l" defTabSz="914400" rtl="0" eaLnBrk="1" latinLnBrk="0" hangingPunct="1">
-              <a:lnSpc>
-                <a:spcPct val="90000"/>
-              </a:lnSpc>
-              <a:spcBef>
-                <a:spcPts val="600"/>
-              </a:spcBef>
-              <a:buClr>
-                <a:schemeClr val="accent1"/>
-              </a:buClr>
-              <a:buSzPct val="100000"/>
-              <a:buFont typeface="Arial" pitchFamily="34" charset="0"/>
-              <a:buChar char="▪"/>
-              <a:defRPr lang="zh-CN" sz="1400" kern="1200">
-                <a:solidFill>
-                  <a:schemeClr val="tx1"/>
-                </a:solidFill>
-                <a:latin typeface="+mn-lt"/>
-                <a:ea typeface="+mn-ea"/>
-                <a:cs typeface="+mn-cs"/>
-              </a:defRPr>
-            </a:lvl8pPr>
-            <a:lvl9pPr marL="2057400" indent="-179388" algn="l" defTabSz="914400" rtl="0" eaLnBrk="1" latinLnBrk="0" hangingPunct="1">
-              <a:lnSpc>
-                <a:spcPct val="90000"/>
-              </a:lnSpc>
-              <a:spcBef>
-                <a:spcPts val="600"/>
-              </a:spcBef>
-              <a:buClr>
-                <a:schemeClr val="accent1"/>
-              </a:buClr>
-              <a:buSzPct val="100000"/>
-              <a:buFont typeface="Arial" pitchFamily="34" charset="0"/>
-              <a:buChar char="▪"/>
-              <a:defRPr lang="zh-CN" sz="1400" kern="1200">
-                <a:solidFill>
-                  <a:schemeClr val="tx1"/>
-                </a:solidFill>
-                <a:latin typeface="+mn-lt"/>
-                <a:ea typeface="+mn-ea"/>
-                <a:cs typeface="+mn-cs"/>
-              </a:defRPr>
-            </a:lvl9pPr>
-          </a:lstStyle>
-          <a:p>
-            <a:r>
-              <a:rPr lang="en-US" altLang="zh-CN" dirty="0"/>
-              <a:t>[attribute=value]</a:t>
-            </a:r>
-          </a:p>
-          <a:p>
-            <a:r>
-              <a:rPr lang="en-US" altLang="zh-CN" dirty="0"/>
-              <a:t>[attribute!=value]</a:t>
-            </a:r>
-          </a:p>
-          <a:p>
-            <a:r>
-              <a:rPr lang="en-US" altLang="zh-CN" dirty="0"/>
-              <a:t>[attribute*=value]</a:t>
-            </a:r>
-          </a:p>
-          <a:p>
-            <a:r>
-              <a:rPr lang="en-US" altLang="zh-CN" dirty="0"/>
-              <a:t>[attribute|=value]</a:t>
-            </a:r>
-          </a:p>
-          <a:p>
-            <a:r>
-              <a:rPr lang="en-US" altLang="zh-CN" dirty="0"/>
-              <a:t>[attribute~=value]</a:t>
-            </a:r>
-          </a:p>
-          <a:p>
-            <a:r>
-              <a:rPr lang="en-US" altLang="zh-CN" dirty="0"/>
-              <a:t>[attribute^=value]</a:t>
-            </a:r>
-          </a:p>
-          <a:p>
-            <a:r>
-              <a:rPr lang="en-US" altLang="zh-CN" dirty="0"/>
-              <a:t>[attribute$=value]</a:t>
-            </a:r>
-            <a:endParaRPr lang="zh-CN" altLang="en-US" dirty="0"/>
+          <a:lstStyle/>
+          <a:p>
+            <a:pPr algn="ctr"/>
+            <a:r>
+              <a:rPr lang="en-US" altLang="zh-CN" sz="9600" dirty="0">
+                <a:ln w="0"/>
+                <a:effectLst>
+                  <a:outerShdw blurRad="38100" dist="19050" dir="2700000" algn="tl" rotWithShape="0">
+                    <a:schemeClr val="dk1">
+                      <a:alpha val="40000"/>
+                    </a:schemeClr>
+                  </a:outerShdw>
+                </a:effectLst>
+              </a:rPr>
+              <a:t>If-else</a:t>
+            </a:r>
+            <a:endParaRPr lang="zh-CN" altLang="en-US" sz="9600" dirty="0">
+              <a:ln w="0"/>
+              <a:effectLst>
+                <a:outerShdw blurRad="38100" dist="19050" dir="2700000" algn="tl" rotWithShape="0">
+                  <a:schemeClr val="dk1">
+                    <a:alpha val="40000"/>
+                  </a:schemeClr>
+                </a:outerShdw>
+              </a:effectLst>
+            </a:endParaRPr>
           </a:p>
         </p:txBody>
       </p:sp>
     </p:spTree>
     <p:extLst>
       <p:ext uri="{BB962C8B-B14F-4D97-AF65-F5344CB8AC3E}">
-        <p14:creationId xmlns:p14="http://schemas.microsoft.com/office/powerpoint/2010/main" val="1565545526"/>
+        <p14:creationId xmlns:p14="http://schemas.microsoft.com/office/powerpoint/2010/main" val="3133107610"/>
       </p:ext>
     </p:extLst>
   </p:cSld>
@@ -12718,320 +13201,402 @@
       </p:grpSpPr>
       <p:sp>
         <p:nvSpPr>
-          <p:cNvPr id="4" name="标题 1"/>
+          <p:cNvPr id="2" name="标题 1">
+            <a:extLst>
+              <a:ext uri="{FF2B5EF4-FFF2-40B4-BE49-F238E27FC236}">
+                <a16:creationId xmlns:a16="http://schemas.microsoft.com/office/drawing/2014/main" id="{FB8FE091-9F14-4BF7-BF12-EA52FFF71F4F}"/>
+              </a:ext>
+            </a:extLst>
+          </p:cNvPr>
           <p:cNvSpPr>
             <a:spLocks noGrp="1"/>
           </p:cNvSpPr>
+          <p:nvPr>
+            <p:ph type="title"/>
+          </p:nvPr>
+        </p:nvSpPr>
+        <p:spPr/>
+        <p:txBody>
+          <a:bodyPr>
+            <a:normAutofit/>
+          </a:bodyPr>
+          <a:lstStyle/>
+          <a:p>
+            <a:r>
+              <a:rPr lang="zh-CN" altLang="en-US" dirty="0"/>
+              <a:t>故事二 小兔子乖乖</a:t>
+            </a:r>
+          </a:p>
+        </p:txBody>
+      </p:sp>
+      <p:sp>
+        <p:nvSpPr>
+          <p:cNvPr id="4" name="内容占位符 3">
+            <a:extLst>
+              <a:ext uri="{FF2B5EF4-FFF2-40B4-BE49-F238E27FC236}">
+                <a16:creationId xmlns:a16="http://schemas.microsoft.com/office/drawing/2014/main" id="{B8C47A43-FD6B-469A-B9A3-BDD475014787}"/>
+              </a:ext>
+            </a:extLst>
+          </p:cNvPr>
+          <p:cNvSpPr>
+            <a:spLocks noGrp="1"/>
+          </p:cNvSpPr>
+          <p:nvPr>
+            <p:ph sz="half" idx="2"/>
+          </p:nvPr>
+        </p:nvSpPr>
+        <p:spPr>
+          <a:xfrm>
+            <a:off x="6595494" y="1956358"/>
+            <a:ext cx="3709086" cy="4111068"/>
+          </a:xfrm>
+        </p:spPr>
+        <p:txBody>
+          <a:bodyPr>
+            <a:noAutofit/>
+          </a:bodyPr>
+          <a:lstStyle/>
+          <a:p>
+            <a:pPr marL="0" indent="0">
+              <a:buNone/>
+            </a:pPr>
+            <a:r>
+              <a:rPr lang="en-US" altLang="zh-CN" dirty="0">
+                <a:solidFill>
+                  <a:srgbClr val="4B83CD"/>
+                </a:solidFill>
+                <a:latin typeface="Consolas" panose="020B0609020204030204" pitchFamily="49" charset="0"/>
+              </a:rPr>
+              <a:t>switch</a:t>
+            </a:r>
+            <a:r>
+              <a:rPr lang="en-US" altLang="zh-CN" dirty="0">
+                <a:solidFill>
+                  <a:srgbClr val="333333"/>
+                </a:solidFill>
+                <a:latin typeface="Consolas" panose="020B0609020204030204" pitchFamily="49" charset="0"/>
+              </a:rPr>
+              <a:t> (</a:t>
+            </a:r>
+            <a:r>
+              <a:rPr lang="en-US" altLang="zh-CN" dirty="0">
+                <a:solidFill>
+                  <a:srgbClr val="7A3E9D"/>
+                </a:solidFill>
+                <a:latin typeface="Consolas" panose="020B0609020204030204" pitchFamily="49" charset="0"/>
+              </a:rPr>
+              <a:t>value</a:t>
+            </a:r>
+            <a:r>
+              <a:rPr lang="en-US" altLang="zh-CN" dirty="0">
+                <a:solidFill>
+                  <a:srgbClr val="333333"/>
+                </a:solidFill>
+                <a:latin typeface="Consolas" panose="020B0609020204030204" pitchFamily="49" charset="0"/>
+              </a:rPr>
+              <a:t>) </a:t>
+            </a:r>
+            <a:r>
+              <a:rPr lang="en-US" altLang="zh-CN" dirty="0">
+                <a:solidFill>
+                  <a:srgbClr val="777777"/>
+                </a:solidFill>
+                <a:latin typeface="Consolas" panose="020B0609020204030204" pitchFamily="49" charset="0"/>
+              </a:rPr>
+              <a:t>{</a:t>
+            </a:r>
+            <a:endParaRPr lang="en-US" altLang="zh-CN" dirty="0">
+              <a:solidFill>
+                <a:srgbClr val="333333"/>
+              </a:solidFill>
+              <a:latin typeface="Consolas" panose="020B0609020204030204" pitchFamily="49" charset="0"/>
+            </a:endParaRPr>
+          </a:p>
+          <a:p>
+            <a:pPr marL="0" indent="0">
+              <a:buNone/>
+            </a:pPr>
+            <a:r>
+              <a:rPr lang="en-US" altLang="zh-CN" dirty="0">
+                <a:solidFill>
+                  <a:srgbClr val="4B83CD"/>
+                </a:solidFill>
+                <a:latin typeface="Consolas" panose="020B0609020204030204" pitchFamily="49" charset="0"/>
+              </a:rPr>
+              <a:t>  case</a:t>
+            </a:r>
+            <a:r>
+              <a:rPr lang="en-US" altLang="zh-CN" dirty="0">
+                <a:solidFill>
+                  <a:srgbClr val="333333"/>
+                </a:solidFill>
+                <a:latin typeface="Consolas" panose="020B0609020204030204" pitchFamily="49" charset="0"/>
+              </a:rPr>
+              <a:t> </a:t>
+            </a:r>
+            <a:r>
+              <a:rPr lang="en-US" altLang="zh-CN" dirty="0">
+                <a:solidFill>
+                  <a:srgbClr val="777777"/>
+                </a:solidFill>
+                <a:latin typeface="Consolas" panose="020B0609020204030204" pitchFamily="49" charset="0"/>
+              </a:rPr>
+              <a:t>target1:</a:t>
+            </a:r>
+            <a:endParaRPr lang="en-US" altLang="zh-CN" dirty="0">
+              <a:solidFill>
+                <a:srgbClr val="333333"/>
+              </a:solidFill>
+              <a:latin typeface="Consolas" panose="020B0609020204030204" pitchFamily="49" charset="0"/>
+            </a:endParaRPr>
+          </a:p>
+          <a:p>
+            <a:pPr marL="0" indent="0">
+              <a:buNone/>
+            </a:pPr>
+            <a:r>
+              <a:rPr lang="en-US" altLang="zh-CN" dirty="0">
+                <a:solidFill>
+                  <a:srgbClr val="4B83CD"/>
+                </a:solidFill>
+                <a:latin typeface="Consolas" panose="020B0609020204030204" pitchFamily="49" charset="0"/>
+              </a:rPr>
+              <a:t>    break</a:t>
+            </a:r>
+            <a:r>
+              <a:rPr lang="en-US" altLang="zh-CN" dirty="0">
+                <a:solidFill>
+                  <a:srgbClr val="777777"/>
+                </a:solidFill>
+                <a:latin typeface="Consolas" panose="020B0609020204030204" pitchFamily="49" charset="0"/>
+              </a:rPr>
+              <a:t>;</a:t>
+            </a:r>
+            <a:endParaRPr lang="en-US" altLang="zh-CN" dirty="0">
+              <a:solidFill>
+                <a:srgbClr val="333333"/>
+              </a:solidFill>
+              <a:latin typeface="Consolas" panose="020B0609020204030204" pitchFamily="49" charset="0"/>
+            </a:endParaRPr>
+          </a:p>
+          <a:p>
+            <a:pPr marL="0" indent="0">
+              <a:buNone/>
+            </a:pPr>
+            <a:r>
+              <a:rPr lang="en-US" altLang="zh-CN" dirty="0">
+                <a:solidFill>
+                  <a:srgbClr val="4B83CD"/>
+                </a:solidFill>
+                <a:latin typeface="Consolas" panose="020B0609020204030204" pitchFamily="49" charset="0"/>
+              </a:rPr>
+              <a:t>  case</a:t>
+            </a:r>
+            <a:r>
+              <a:rPr lang="en-US" altLang="zh-CN" dirty="0">
+                <a:solidFill>
+                  <a:srgbClr val="333333"/>
+                </a:solidFill>
+                <a:latin typeface="Consolas" panose="020B0609020204030204" pitchFamily="49" charset="0"/>
+              </a:rPr>
+              <a:t> </a:t>
+            </a:r>
+            <a:r>
+              <a:rPr lang="en-US" altLang="zh-CN" dirty="0">
+                <a:solidFill>
+                  <a:srgbClr val="777777"/>
+                </a:solidFill>
+                <a:latin typeface="Consolas" panose="020B0609020204030204" pitchFamily="49" charset="0"/>
+              </a:rPr>
+              <a:t>target2:</a:t>
+            </a:r>
+            <a:endParaRPr lang="en-US" altLang="zh-CN" dirty="0">
+              <a:solidFill>
+                <a:srgbClr val="333333"/>
+              </a:solidFill>
+              <a:latin typeface="Consolas" panose="020B0609020204030204" pitchFamily="49" charset="0"/>
+            </a:endParaRPr>
+          </a:p>
+          <a:p>
+            <a:pPr marL="0" indent="0">
+              <a:buNone/>
+            </a:pPr>
+            <a:r>
+              <a:rPr lang="en-US" altLang="zh-CN" dirty="0">
+                <a:solidFill>
+                  <a:srgbClr val="4B83CD"/>
+                </a:solidFill>
+                <a:latin typeface="Consolas" panose="020B0609020204030204" pitchFamily="49" charset="0"/>
+              </a:rPr>
+              <a:t>    break</a:t>
+            </a:r>
+            <a:r>
+              <a:rPr lang="en-US" altLang="zh-CN" dirty="0">
+                <a:solidFill>
+                  <a:srgbClr val="777777"/>
+                </a:solidFill>
+                <a:latin typeface="Consolas" panose="020B0609020204030204" pitchFamily="49" charset="0"/>
+              </a:rPr>
+              <a:t>;</a:t>
+            </a:r>
+            <a:endParaRPr lang="en-US" altLang="zh-CN" dirty="0">
+              <a:solidFill>
+                <a:srgbClr val="333333"/>
+              </a:solidFill>
+              <a:latin typeface="Consolas" panose="020B0609020204030204" pitchFamily="49" charset="0"/>
+            </a:endParaRPr>
+          </a:p>
+          <a:p>
+            <a:pPr marL="0" indent="0">
+              <a:buNone/>
+            </a:pPr>
+            <a:r>
+              <a:rPr lang="en-US" altLang="zh-CN" dirty="0">
+                <a:solidFill>
+                  <a:srgbClr val="4B83CD"/>
+                </a:solidFill>
+                <a:latin typeface="Consolas" panose="020B0609020204030204" pitchFamily="49" charset="0"/>
+              </a:rPr>
+              <a:t>  default</a:t>
+            </a:r>
+            <a:r>
+              <a:rPr lang="en-US" altLang="zh-CN" dirty="0">
+                <a:solidFill>
+                  <a:srgbClr val="777777"/>
+                </a:solidFill>
+                <a:latin typeface="Consolas" panose="020B0609020204030204" pitchFamily="49" charset="0"/>
+              </a:rPr>
+              <a:t>:</a:t>
+            </a:r>
+            <a:endParaRPr lang="en-US" altLang="zh-CN" dirty="0">
+              <a:solidFill>
+                <a:srgbClr val="333333"/>
+              </a:solidFill>
+              <a:latin typeface="Consolas" panose="020B0609020204030204" pitchFamily="49" charset="0"/>
+            </a:endParaRPr>
+          </a:p>
+          <a:p>
+            <a:pPr marL="0" indent="0">
+              <a:buNone/>
+            </a:pPr>
+            <a:r>
+              <a:rPr lang="en-US" altLang="zh-CN" dirty="0">
+                <a:solidFill>
+                  <a:srgbClr val="4B83CD"/>
+                </a:solidFill>
+                <a:latin typeface="Consolas" panose="020B0609020204030204" pitchFamily="49" charset="0"/>
+              </a:rPr>
+              <a:t>    break</a:t>
+            </a:r>
+            <a:r>
+              <a:rPr lang="en-US" altLang="zh-CN" dirty="0">
+                <a:solidFill>
+                  <a:srgbClr val="777777"/>
+                </a:solidFill>
+                <a:latin typeface="Consolas" panose="020B0609020204030204" pitchFamily="49" charset="0"/>
+              </a:rPr>
+              <a:t>;</a:t>
+            </a:r>
+            <a:endParaRPr lang="en-US" altLang="zh-CN" dirty="0">
+              <a:solidFill>
+                <a:srgbClr val="333333"/>
+              </a:solidFill>
+              <a:latin typeface="Consolas" panose="020B0609020204030204" pitchFamily="49" charset="0"/>
+            </a:endParaRPr>
+          </a:p>
+          <a:p>
+            <a:pPr marL="0" indent="0">
+              <a:buNone/>
+            </a:pPr>
+            <a:r>
+              <a:rPr lang="en-US" altLang="zh-CN" dirty="0">
+                <a:solidFill>
+                  <a:srgbClr val="777777"/>
+                </a:solidFill>
+                <a:latin typeface="Consolas" panose="020B0609020204030204" pitchFamily="49" charset="0"/>
+              </a:rPr>
+              <a:t>}</a:t>
+            </a:r>
+            <a:endParaRPr lang="en-US" altLang="zh-CN" dirty="0">
+              <a:solidFill>
+                <a:srgbClr val="333333"/>
+              </a:solidFill>
+              <a:latin typeface="Consolas" panose="020B0609020204030204" pitchFamily="49" charset="0"/>
+            </a:endParaRPr>
+          </a:p>
+          <a:p>
+            <a:pPr marL="0" indent="0">
+              <a:buNone/>
+            </a:pPr>
+            <a:endParaRPr lang="en-US" altLang="zh-CN" b="0" dirty="0">
+              <a:solidFill>
+                <a:srgbClr val="333333"/>
+              </a:solidFill>
+              <a:effectLst/>
+              <a:latin typeface="Consolas" panose="020B0609020204030204" pitchFamily="49" charset="0"/>
+            </a:endParaRPr>
+          </a:p>
+        </p:txBody>
+      </p:sp>
+      <p:sp>
+        <p:nvSpPr>
+          <p:cNvPr id="5" name="矩形 4">
+            <a:extLst>
+              <a:ext uri="{FF2B5EF4-FFF2-40B4-BE49-F238E27FC236}">
+                <a16:creationId xmlns:a16="http://schemas.microsoft.com/office/drawing/2014/main" id="{7F150F50-FAAF-4DB5-AE91-B9DA2BDE5F50}"/>
+              </a:ext>
+            </a:extLst>
+          </p:cNvPr>
+          <p:cNvSpPr/>
           <p:nvPr/>
         </p:nvSpPr>
         <p:spPr>
           <a:xfrm>
-            <a:off x="1295400" y="785326"/>
-            <a:ext cx="9601200" cy="1142385"/>
+            <a:off x="838200" y="3140330"/>
+            <a:ext cx="3709086" cy="1569660"/>
           </a:xfrm>
           <a:prstGeom prst="rect">
             <a:avLst/>
           </a:prstGeom>
+          <a:noFill/>
         </p:spPr>
         <p:txBody>
-          <a:bodyPr vert="horz" lIns="91440" tIns="45720" rIns="91440" bIns="45720" rtlCol="0" anchor="b">
-            <a:normAutofit/>
+          <a:bodyPr wrap="square" lIns="91440" tIns="45720" rIns="91440" bIns="45720">
+            <a:spAutoFit/>
           </a:bodyPr>
-          <a:lstStyle>
-            <a:lvl1pPr algn="l" defTabSz="914400" rtl="0" eaLnBrk="1" latinLnBrk="0" hangingPunct="1">
-              <a:lnSpc>
-                <a:spcPct val="90000"/>
-              </a:lnSpc>
-              <a:spcBef>
-                <a:spcPct val="0"/>
-              </a:spcBef>
-              <a:buNone/>
-              <a:defRPr lang="zh-CN" sz="3200" b="1" kern="1200">
-                <a:solidFill>
-                  <a:schemeClr val="accent1"/>
-                </a:solidFill>
-                <a:latin typeface="+mj-lt"/>
-                <a:ea typeface="Microsoft YaHei UI" panose="020B0503020204020204" pitchFamily="34" charset="-122"/>
-                <a:cs typeface="+mj-cs"/>
-              </a:defRPr>
-            </a:lvl1pPr>
-          </a:lstStyle>
-          <a:p>
-            <a:r>
-              <a:rPr lang="en-US" altLang="zh-CN" dirty="0"/>
-              <a:t>jQuery</a:t>
-            </a:r>
-            <a:r>
-              <a:rPr lang="zh-CN" altLang="en-US" dirty="0"/>
-              <a:t>表单选择器</a:t>
-            </a:r>
-          </a:p>
-        </p:txBody>
-      </p:sp>
-      <p:sp>
-        <p:nvSpPr>
-          <p:cNvPr id="5" name="内容占位符 2"/>
-          <p:cNvSpPr>
-            <a:spLocks noGrp="1"/>
-          </p:cNvSpPr>
-          <p:nvPr/>
-        </p:nvSpPr>
-        <p:spPr>
-          <a:xfrm>
-            <a:off x="1295400" y="2262674"/>
-            <a:ext cx="9601200" cy="3809999"/>
-          </a:xfrm>
-          <a:prstGeom prst="rect">
-            <a:avLst/>
-          </a:prstGeom>
-        </p:spPr>
-        <p:txBody>
-          <a:bodyPr vert="horz" lIns="91440" tIns="45720" rIns="91440" bIns="45720" rtlCol="0">
-            <a:normAutofit/>
-          </a:bodyPr>
-          <a:lstStyle>
-            <a:lvl1pPr marL="228600" indent="-228600" algn="l" defTabSz="914400" rtl="0" eaLnBrk="1" latinLnBrk="0" hangingPunct="1">
-              <a:lnSpc>
-                <a:spcPct val="90000"/>
-              </a:lnSpc>
-              <a:spcBef>
-                <a:spcPts val="1800"/>
-              </a:spcBef>
-              <a:buClr>
-                <a:schemeClr val="accent1"/>
-              </a:buClr>
-              <a:buSzPct val="100000"/>
-              <a:buFont typeface="Arial" pitchFamily="34" charset="0"/>
-              <a:buChar char="▪"/>
-              <a:defRPr lang="zh-CN" sz="2000" kern="1200">
-                <a:solidFill>
-                  <a:schemeClr val="tx1"/>
-                </a:solidFill>
-                <a:latin typeface="+mn-lt"/>
-                <a:ea typeface="Microsoft YaHei UI" panose="020B0503020204020204" pitchFamily="34" charset="-122"/>
-                <a:cs typeface="+mn-cs"/>
-              </a:defRPr>
-            </a:lvl1pPr>
-            <a:lvl2pPr marL="457200" indent="-182880" algn="l" defTabSz="914400" rtl="0" eaLnBrk="1" latinLnBrk="0" hangingPunct="1">
-              <a:lnSpc>
-                <a:spcPct val="90000"/>
-              </a:lnSpc>
-              <a:spcBef>
-                <a:spcPts val="1200"/>
-              </a:spcBef>
-              <a:buClr>
-                <a:schemeClr val="accent1"/>
-              </a:buClr>
-              <a:buSzPct val="100000"/>
-              <a:buFont typeface="Arial" pitchFamily="34" charset="0"/>
-              <a:buChar char="▪"/>
-              <a:defRPr lang="zh-CN" sz="1800" kern="1200">
-                <a:solidFill>
-                  <a:schemeClr val="tx1"/>
-                </a:solidFill>
-                <a:latin typeface="+mn-lt"/>
-                <a:ea typeface="Microsoft YaHei UI" panose="020B0503020204020204" pitchFamily="34" charset="-122"/>
-                <a:cs typeface="+mn-cs"/>
-              </a:defRPr>
-            </a:lvl2pPr>
-            <a:lvl3pPr marL="685800" indent="-179388" algn="l" defTabSz="914400" rtl="0" eaLnBrk="1" latinLnBrk="0" hangingPunct="1">
-              <a:lnSpc>
-                <a:spcPct val="90000"/>
-              </a:lnSpc>
-              <a:spcBef>
-                <a:spcPts val="800"/>
-              </a:spcBef>
-              <a:buClr>
-                <a:schemeClr val="accent1"/>
-              </a:buClr>
-              <a:buSzPct val="100000"/>
-              <a:buFont typeface="Arial" pitchFamily="34" charset="0"/>
-              <a:buChar char="▪"/>
-              <a:defRPr lang="zh-CN" sz="1600" kern="1200">
-                <a:solidFill>
-                  <a:schemeClr val="tx1"/>
-                </a:solidFill>
-                <a:latin typeface="+mn-lt"/>
-                <a:ea typeface="Microsoft YaHei UI" panose="020B0503020204020204" pitchFamily="34" charset="-122"/>
-                <a:cs typeface="+mn-cs"/>
-              </a:defRPr>
-            </a:lvl3pPr>
-            <a:lvl4pPr marL="914400" indent="-182880" algn="l" defTabSz="914400" rtl="0" eaLnBrk="1" latinLnBrk="0" hangingPunct="1">
-              <a:lnSpc>
-                <a:spcPct val="90000"/>
-              </a:lnSpc>
-              <a:spcBef>
-                <a:spcPts val="800"/>
-              </a:spcBef>
-              <a:buClr>
-                <a:schemeClr val="accent1"/>
-              </a:buClr>
-              <a:buSzPct val="100000"/>
-              <a:buFont typeface="Arial" pitchFamily="34" charset="0"/>
-              <a:buChar char="▪"/>
-              <a:defRPr lang="zh-CN" sz="1400" kern="1200">
-                <a:solidFill>
-                  <a:schemeClr val="tx1"/>
-                </a:solidFill>
-                <a:latin typeface="+mn-lt"/>
-                <a:ea typeface="Microsoft YaHei UI" panose="020B0503020204020204" pitchFamily="34" charset="-122"/>
-                <a:cs typeface="+mn-cs"/>
-              </a:defRPr>
-            </a:lvl4pPr>
-            <a:lvl5pPr marL="1143000" indent="-179388" algn="l" defTabSz="914400" rtl="0" eaLnBrk="1" latinLnBrk="0" hangingPunct="1">
-              <a:lnSpc>
-                <a:spcPct val="90000"/>
-              </a:lnSpc>
-              <a:spcBef>
-                <a:spcPts val="600"/>
-              </a:spcBef>
-              <a:buClr>
-                <a:schemeClr val="accent1"/>
-              </a:buClr>
-              <a:buSzPct val="100000"/>
-              <a:buFont typeface="Arial" pitchFamily="34" charset="0"/>
-              <a:buChar char="▪"/>
-              <a:defRPr lang="zh-CN" sz="1400" kern="1200">
-                <a:solidFill>
-                  <a:schemeClr val="tx1"/>
-                </a:solidFill>
-                <a:latin typeface="+mn-lt"/>
-                <a:ea typeface="Microsoft YaHei UI" panose="020B0503020204020204" pitchFamily="34" charset="-122"/>
-                <a:cs typeface="+mn-cs"/>
-              </a:defRPr>
-            </a:lvl5pPr>
-            <a:lvl6pPr marL="1371600" indent="-182880" algn="l" defTabSz="914400" rtl="0" eaLnBrk="1" latinLnBrk="0" hangingPunct="1">
-              <a:lnSpc>
-                <a:spcPct val="90000"/>
-              </a:lnSpc>
-              <a:spcBef>
-                <a:spcPts val="600"/>
-              </a:spcBef>
-              <a:buClr>
-                <a:schemeClr val="accent1"/>
-              </a:buClr>
-              <a:buSzPct val="100000"/>
-              <a:buFont typeface="Arial" pitchFamily="34" charset="0"/>
-              <a:buChar char="▪"/>
-              <a:defRPr lang="zh-CN" sz="1400" kern="1200">
-                <a:solidFill>
-                  <a:schemeClr val="tx1"/>
-                </a:solidFill>
-                <a:latin typeface="+mn-lt"/>
-                <a:ea typeface="+mn-ea"/>
-                <a:cs typeface="+mn-cs"/>
-              </a:defRPr>
-            </a:lvl6pPr>
-            <a:lvl7pPr marL="1600200" indent="-179388" algn="l" defTabSz="914400" rtl="0" eaLnBrk="1" latinLnBrk="0" hangingPunct="1">
-              <a:lnSpc>
-                <a:spcPct val="90000"/>
-              </a:lnSpc>
-              <a:spcBef>
-                <a:spcPts val="600"/>
-              </a:spcBef>
-              <a:buClr>
-                <a:schemeClr val="accent1"/>
-              </a:buClr>
-              <a:buSzPct val="100000"/>
-              <a:buFont typeface="Arial" pitchFamily="34" charset="0"/>
-              <a:buChar char="▪"/>
-              <a:defRPr lang="zh-CN" sz="1400" kern="1200">
-                <a:solidFill>
-                  <a:schemeClr val="tx1"/>
-                </a:solidFill>
-                <a:latin typeface="+mn-lt"/>
-                <a:ea typeface="+mn-ea"/>
-                <a:cs typeface="+mn-cs"/>
-              </a:defRPr>
-            </a:lvl7pPr>
-            <a:lvl8pPr marL="1828800" indent="-182880" algn="l" defTabSz="914400" rtl="0" eaLnBrk="1" latinLnBrk="0" hangingPunct="1">
-              <a:lnSpc>
-                <a:spcPct val="90000"/>
-              </a:lnSpc>
-              <a:spcBef>
-                <a:spcPts val="600"/>
-              </a:spcBef>
-              <a:buClr>
-                <a:schemeClr val="accent1"/>
-              </a:buClr>
-              <a:buSzPct val="100000"/>
-              <a:buFont typeface="Arial" pitchFamily="34" charset="0"/>
-              <a:buChar char="▪"/>
-              <a:defRPr lang="zh-CN" sz="1400" kern="1200">
-                <a:solidFill>
-                  <a:schemeClr val="tx1"/>
-                </a:solidFill>
-                <a:latin typeface="+mn-lt"/>
-                <a:ea typeface="+mn-ea"/>
-                <a:cs typeface="+mn-cs"/>
-              </a:defRPr>
-            </a:lvl8pPr>
-            <a:lvl9pPr marL="2057400" indent="-179388" algn="l" defTabSz="914400" rtl="0" eaLnBrk="1" latinLnBrk="0" hangingPunct="1">
-              <a:lnSpc>
-                <a:spcPct val="90000"/>
-              </a:lnSpc>
-              <a:spcBef>
-                <a:spcPts val="600"/>
-              </a:spcBef>
-              <a:buClr>
-                <a:schemeClr val="accent1"/>
-              </a:buClr>
-              <a:buSzPct val="100000"/>
-              <a:buFont typeface="Arial" pitchFamily="34" charset="0"/>
-              <a:buChar char="▪"/>
-              <a:defRPr lang="zh-CN" sz="1400" kern="1200">
-                <a:solidFill>
-                  <a:schemeClr val="tx1"/>
-                </a:solidFill>
-                <a:latin typeface="+mn-lt"/>
-                <a:ea typeface="+mn-ea"/>
-                <a:cs typeface="+mn-cs"/>
-              </a:defRPr>
-            </a:lvl9pPr>
-          </a:lstStyle>
-          <a:p>
-            <a:r>
-              <a:rPr lang="en-US" altLang="zh-CN" dirty="0"/>
-              <a:t>$(:input)</a:t>
-            </a:r>
-          </a:p>
-          <a:p>
-            <a:r>
-              <a:rPr lang="en-US" altLang="zh-CN" dirty="0"/>
-              <a:t>$(:text)</a:t>
-            </a:r>
-          </a:p>
-          <a:p>
-            <a:r>
-              <a:rPr lang="en-US" altLang="zh-CN" dirty="0"/>
-              <a:t>$(:password)</a:t>
-            </a:r>
-          </a:p>
-          <a:p>
-            <a:r>
-              <a:rPr lang="en-US" altLang="zh-CN" dirty="0"/>
-              <a:t>$(:submit)</a:t>
-            </a:r>
-          </a:p>
-          <a:p>
-            <a:r>
-              <a:rPr lang="en-US" altLang="zh-CN" dirty="0"/>
-              <a:t>$(:checked)</a:t>
-            </a:r>
-          </a:p>
-          <a:p>
-            <a:r>
-              <a:rPr lang="en-US" altLang="zh-CN" dirty="0"/>
-              <a:t>$(':selected')</a:t>
-            </a:r>
-            <a:endParaRPr lang="zh-CN" altLang="en-US" dirty="0"/>
+          <a:lstStyle/>
+          <a:p>
+            <a:pPr algn="ctr"/>
+            <a:r>
+              <a:rPr lang="en-US" altLang="zh-CN" sz="9600" dirty="0">
+                <a:ln w="0"/>
+                <a:effectLst>
+                  <a:outerShdw blurRad="38100" dist="19050" dir="2700000" algn="tl" rotWithShape="0">
+                    <a:schemeClr val="dk1">
+                      <a:alpha val="40000"/>
+                    </a:schemeClr>
+                  </a:outerShdw>
+                </a:effectLst>
+              </a:rPr>
+              <a:t>switch</a:t>
+            </a:r>
+            <a:endParaRPr lang="zh-CN" altLang="en-US" sz="9600" dirty="0">
+              <a:ln w="0"/>
+              <a:effectLst>
+                <a:outerShdw blurRad="38100" dist="19050" dir="2700000" algn="tl" rotWithShape="0">
+                  <a:schemeClr val="dk1">
+                    <a:alpha val="40000"/>
+                  </a:schemeClr>
+                </a:outerShdw>
+              </a:effectLst>
+            </a:endParaRPr>
           </a:p>
         </p:txBody>
       </p:sp>
     </p:spTree>
     <p:extLst>
       <p:ext uri="{BB962C8B-B14F-4D97-AF65-F5344CB8AC3E}">
-        <p14:creationId xmlns:p14="http://schemas.microsoft.com/office/powerpoint/2010/main" val="4135499373"/>
+        <p14:creationId xmlns:p14="http://schemas.microsoft.com/office/powerpoint/2010/main" val="4144454910"/>
       </p:ext>
     </p:extLst>
   </p:cSld>
@@ -13060,381 +13625,291 @@
       </p:grpSpPr>
       <p:sp>
         <p:nvSpPr>
-          <p:cNvPr id="4" name="标题 1"/>
+          <p:cNvPr id="2" name="标题 1">
+            <a:extLst>
+              <a:ext uri="{FF2B5EF4-FFF2-40B4-BE49-F238E27FC236}">
+                <a16:creationId xmlns:a16="http://schemas.microsoft.com/office/drawing/2014/main" id="{FB8FE091-9F14-4BF7-BF12-EA52FFF71F4F}"/>
+              </a:ext>
+            </a:extLst>
+          </p:cNvPr>
           <p:cNvSpPr>
             <a:spLocks noGrp="1"/>
           </p:cNvSpPr>
+          <p:nvPr>
+            <p:ph type="title"/>
+          </p:nvPr>
+        </p:nvSpPr>
+        <p:spPr/>
+        <p:txBody>
+          <a:bodyPr>
+            <a:normAutofit/>
+          </a:bodyPr>
+          <a:lstStyle/>
+          <a:p>
+            <a:r>
+              <a:rPr lang="zh-CN" altLang="en-US" dirty="0"/>
+              <a:t>故事二 小兔子乖乖</a:t>
+            </a:r>
+          </a:p>
+        </p:txBody>
+      </p:sp>
+      <p:sp>
+        <p:nvSpPr>
+          <p:cNvPr id="4" name="内容占位符 3">
+            <a:extLst>
+              <a:ext uri="{FF2B5EF4-FFF2-40B4-BE49-F238E27FC236}">
+                <a16:creationId xmlns:a16="http://schemas.microsoft.com/office/drawing/2014/main" id="{B8C47A43-FD6B-469A-B9A3-BDD475014787}"/>
+              </a:ext>
+            </a:extLst>
+          </p:cNvPr>
+          <p:cNvSpPr>
+            <a:spLocks noGrp="1"/>
+          </p:cNvSpPr>
+          <p:nvPr>
+            <p:ph sz="half" idx="2"/>
+          </p:nvPr>
+        </p:nvSpPr>
+        <p:spPr>
+          <a:xfrm>
+            <a:off x="5688779" y="1956358"/>
+            <a:ext cx="5522515" cy="4111068"/>
+          </a:xfrm>
+        </p:spPr>
+        <p:txBody>
+          <a:bodyPr>
+            <a:noAutofit/>
+          </a:bodyPr>
+          <a:lstStyle/>
+          <a:p>
+            <a:pPr marL="0" indent="0">
+              <a:buNone/>
+            </a:pPr>
+            <a:r>
+              <a:rPr lang="zh-CN" altLang="en-US" sz="4800" b="0" dirty="0">
+                <a:solidFill>
+                  <a:schemeClr val="accent2">
+                    <a:lumMod val="75000"/>
+                  </a:schemeClr>
+                </a:solidFill>
+                <a:effectLst>
+                  <a:outerShdw blurRad="38100" dist="38100" dir="2700000" algn="tl">
+                    <a:srgbClr val="000000">
+                      <a:alpha val="43137"/>
+                    </a:srgbClr>
+                  </a:outerShdw>
+                </a:effectLst>
+                <a:latin typeface="微软雅黑" panose="020B0503020204020204" pitchFamily="34" charset="-122"/>
+                <a:ea typeface="微软雅黑" panose="020B0503020204020204" pitchFamily="34" charset="-122"/>
+              </a:rPr>
+              <a:t>代码是门艺术</a:t>
+            </a:r>
+            <a:endParaRPr lang="en-US" altLang="zh-CN" sz="4800" b="0" dirty="0">
+              <a:solidFill>
+                <a:schemeClr val="accent2">
+                  <a:lumMod val="75000"/>
+                </a:schemeClr>
+              </a:solidFill>
+              <a:effectLst>
+                <a:outerShdw blurRad="38100" dist="38100" dir="2700000" algn="tl">
+                  <a:srgbClr val="000000">
+                    <a:alpha val="43137"/>
+                  </a:srgbClr>
+                </a:outerShdw>
+              </a:effectLst>
+              <a:latin typeface="微软雅黑" panose="020B0503020204020204" pitchFamily="34" charset="-122"/>
+              <a:ea typeface="微软雅黑" panose="020B0503020204020204" pitchFamily="34" charset="-122"/>
+            </a:endParaRPr>
+          </a:p>
+          <a:p>
+            <a:endParaRPr lang="en-US" altLang="zh-CN" dirty="0">
+              <a:solidFill>
+                <a:srgbClr val="333333"/>
+              </a:solidFill>
+              <a:latin typeface="Consolas" panose="020B0609020204030204" pitchFamily="49" charset="0"/>
+            </a:endParaRPr>
+          </a:p>
+          <a:p>
+            <a:r>
+              <a:rPr lang="zh-CN" altLang="en-US" b="0" dirty="0">
+                <a:solidFill>
+                  <a:srgbClr val="333333"/>
+                </a:solidFill>
+                <a:effectLst/>
+                <a:latin typeface="Consolas" panose="020B0609020204030204" pitchFamily="49" charset="0"/>
+              </a:rPr>
+              <a:t>少用嵌套括号（</a:t>
+            </a:r>
+            <a:r>
+              <a:rPr lang="en-US" altLang="zh-CN" b="0" dirty="0">
+                <a:solidFill>
+                  <a:schemeClr val="bg1">
+                    <a:lumMod val="50000"/>
+                  </a:schemeClr>
+                </a:solidFill>
+                <a:effectLst/>
+                <a:latin typeface="Consolas" panose="020B0609020204030204" pitchFamily="49" charset="0"/>
+              </a:rPr>
+              <a:t>{}</a:t>
+            </a:r>
+            <a:r>
+              <a:rPr lang="zh-CN" altLang="en-US" b="0" dirty="0">
+                <a:solidFill>
+                  <a:srgbClr val="333333"/>
+                </a:solidFill>
+                <a:effectLst/>
+                <a:latin typeface="Consolas" panose="020B0609020204030204" pitchFamily="49" charset="0"/>
+              </a:rPr>
+              <a:t>）</a:t>
+            </a:r>
+            <a:endParaRPr lang="en-US" altLang="zh-CN" b="0" dirty="0">
+              <a:solidFill>
+                <a:srgbClr val="333333"/>
+              </a:solidFill>
+              <a:effectLst/>
+              <a:latin typeface="Consolas" panose="020B0609020204030204" pitchFamily="49" charset="0"/>
+            </a:endParaRPr>
+          </a:p>
+          <a:p>
+            <a:r>
+              <a:rPr lang="zh-CN" altLang="en-US" dirty="0">
+                <a:solidFill>
+                  <a:srgbClr val="333333"/>
+                </a:solidFill>
+                <a:latin typeface="Consolas" panose="020B0609020204030204" pitchFamily="49" charset="0"/>
+              </a:rPr>
+              <a:t>少用</a:t>
+            </a:r>
+            <a:r>
+              <a:rPr lang="en-US" altLang="zh-CN" dirty="0">
+                <a:solidFill>
+                  <a:schemeClr val="bg1">
+                    <a:lumMod val="50000"/>
+                  </a:schemeClr>
+                </a:solidFill>
+                <a:latin typeface="Consolas" panose="020B0609020204030204" pitchFamily="49" charset="0"/>
+              </a:rPr>
+              <a:t>else if</a:t>
+            </a:r>
+            <a:endParaRPr lang="en-US" altLang="zh-CN" b="0" dirty="0">
+              <a:solidFill>
+                <a:schemeClr val="bg1">
+                  <a:lumMod val="50000"/>
+                </a:schemeClr>
+              </a:solidFill>
+              <a:effectLst/>
+              <a:latin typeface="Consolas" panose="020B0609020204030204" pitchFamily="49" charset="0"/>
+            </a:endParaRPr>
+          </a:p>
+          <a:p>
+            <a:r>
+              <a:rPr lang="zh-CN" altLang="en-US" dirty="0">
+                <a:solidFill>
+                  <a:srgbClr val="333333"/>
+                </a:solidFill>
+                <a:latin typeface="Consolas" panose="020B0609020204030204" pitchFamily="49" charset="0"/>
+              </a:rPr>
+              <a:t>短表达式不换行</a:t>
+            </a:r>
+            <a:endParaRPr lang="en-US" altLang="zh-CN" dirty="0">
+              <a:solidFill>
+                <a:srgbClr val="333333"/>
+              </a:solidFill>
+              <a:latin typeface="Consolas" panose="020B0609020204030204" pitchFamily="49" charset="0"/>
+            </a:endParaRPr>
+          </a:p>
+          <a:p>
+            <a:r>
+              <a:rPr lang="zh-CN" altLang="en-US" dirty="0"/>
+              <a:t>长表达式用变量</a:t>
+            </a:r>
+            <a:endParaRPr lang="en-US" altLang="zh-CN" dirty="0"/>
+          </a:p>
+          <a:p>
+            <a:endParaRPr lang="en-US" altLang="zh-CN" b="0" dirty="0">
+              <a:solidFill>
+                <a:srgbClr val="333333"/>
+              </a:solidFill>
+              <a:effectLst/>
+              <a:latin typeface="Consolas" panose="020B0609020204030204" pitchFamily="49" charset="0"/>
+            </a:endParaRPr>
+          </a:p>
+        </p:txBody>
+      </p:sp>
+      <p:sp>
+        <p:nvSpPr>
+          <p:cNvPr id="5" name="矩形 4">
+            <a:extLst>
+              <a:ext uri="{FF2B5EF4-FFF2-40B4-BE49-F238E27FC236}">
+                <a16:creationId xmlns:a16="http://schemas.microsoft.com/office/drawing/2014/main" id="{7F150F50-FAAF-4DB5-AE91-B9DA2BDE5F50}"/>
+              </a:ext>
+            </a:extLst>
+          </p:cNvPr>
+          <p:cNvSpPr/>
           <p:nvPr/>
         </p:nvSpPr>
         <p:spPr>
           <a:xfrm>
-            <a:off x="1295400" y="785326"/>
-            <a:ext cx="9601200" cy="1142385"/>
+            <a:off x="838200" y="3140330"/>
+            <a:ext cx="3709086" cy="2246769"/>
           </a:xfrm>
           <a:prstGeom prst="rect">
             <a:avLst/>
           </a:prstGeom>
+          <a:noFill/>
         </p:spPr>
         <p:txBody>
-          <a:bodyPr vert="horz" lIns="91440" tIns="45720" rIns="91440" bIns="45720" rtlCol="0" anchor="b">
-            <a:normAutofit/>
+          <a:bodyPr wrap="square" lIns="91440" tIns="45720" rIns="91440" bIns="45720">
+            <a:spAutoFit/>
           </a:bodyPr>
-          <a:lstStyle>
-            <a:lvl1pPr algn="l" defTabSz="914400" rtl="0" eaLnBrk="1" latinLnBrk="0" hangingPunct="1">
-              <a:lnSpc>
-                <a:spcPct val="90000"/>
-              </a:lnSpc>
-              <a:spcBef>
-                <a:spcPct val="0"/>
-              </a:spcBef>
-              <a:buNone/>
-              <a:defRPr lang="zh-CN" sz="3200" b="1" kern="1200">
-                <a:solidFill>
-                  <a:schemeClr val="accent1"/>
-                </a:solidFill>
-                <a:latin typeface="+mj-lt"/>
-                <a:ea typeface="Microsoft YaHei UI" panose="020B0503020204020204" pitchFamily="34" charset="-122"/>
-                <a:cs typeface="+mj-cs"/>
-              </a:defRPr>
-            </a:lvl1pPr>
-          </a:lstStyle>
-          <a:p>
-            <a:r>
-              <a:rPr lang="en-US" altLang="zh-CN" dirty="0"/>
-              <a:t>DOM</a:t>
-            </a:r>
-            <a:r>
-              <a:rPr lang="zh-CN" altLang="en-US" dirty="0"/>
-              <a:t>元素操作</a:t>
-            </a:r>
-          </a:p>
-        </p:txBody>
-      </p:sp>
-      <p:sp>
-        <p:nvSpPr>
-          <p:cNvPr id="5" name="内容占位符 2"/>
-          <p:cNvSpPr>
-            <a:spLocks noGrp="1"/>
-          </p:cNvSpPr>
-          <p:nvPr/>
-        </p:nvSpPr>
-        <p:spPr>
-          <a:xfrm>
-            <a:off x="1295400" y="2262674"/>
-            <a:ext cx="9601200" cy="3809999"/>
-          </a:xfrm>
-          <a:prstGeom prst="rect">
-            <a:avLst/>
-          </a:prstGeom>
-        </p:spPr>
-        <p:txBody>
-          <a:bodyPr vert="horz" lIns="91440" tIns="45720" rIns="91440" bIns="45720" rtlCol="0">
-            <a:normAutofit lnSpcReduction="10000"/>
-          </a:bodyPr>
-          <a:lstStyle>
-            <a:lvl1pPr marL="228600" indent="-228600" algn="l" defTabSz="914400" rtl="0" eaLnBrk="1" latinLnBrk="0" hangingPunct="1">
-              <a:lnSpc>
-                <a:spcPct val="90000"/>
-              </a:lnSpc>
-              <a:spcBef>
-                <a:spcPts val="1800"/>
-              </a:spcBef>
-              <a:buClr>
-                <a:schemeClr val="accent1"/>
-              </a:buClr>
-              <a:buSzPct val="100000"/>
-              <a:buFont typeface="Arial" pitchFamily="34" charset="0"/>
-              <a:buChar char="▪"/>
-              <a:defRPr lang="zh-CN" sz="2000" kern="1200">
-                <a:solidFill>
-                  <a:schemeClr val="tx1"/>
-                </a:solidFill>
-                <a:latin typeface="+mn-lt"/>
-                <a:ea typeface="Microsoft YaHei UI" panose="020B0503020204020204" pitchFamily="34" charset="-122"/>
-                <a:cs typeface="+mn-cs"/>
-              </a:defRPr>
-            </a:lvl1pPr>
-            <a:lvl2pPr marL="457200" indent="-182880" algn="l" defTabSz="914400" rtl="0" eaLnBrk="1" latinLnBrk="0" hangingPunct="1">
-              <a:lnSpc>
-                <a:spcPct val="90000"/>
-              </a:lnSpc>
-              <a:spcBef>
-                <a:spcPts val="1200"/>
-              </a:spcBef>
-              <a:buClr>
-                <a:schemeClr val="accent1"/>
-              </a:buClr>
-              <a:buSzPct val="100000"/>
-              <a:buFont typeface="Arial" pitchFamily="34" charset="0"/>
-              <a:buChar char="▪"/>
-              <a:defRPr lang="zh-CN" sz="1800" kern="1200">
-                <a:solidFill>
-                  <a:schemeClr val="tx1"/>
-                </a:solidFill>
-                <a:latin typeface="+mn-lt"/>
-                <a:ea typeface="Microsoft YaHei UI" panose="020B0503020204020204" pitchFamily="34" charset="-122"/>
-                <a:cs typeface="+mn-cs"/>
-              </a:defRPr>
-            </a:lvl2pPr>
-            <a:lvl3pPr marL="685800" indent="-179388" algn="l" defTabSz="914400" rtl="0" eaLnBrk="1" latinLnBrk="0" hangingPunct="1">
-              <a:lnSpc>
-                <a:spcPct val="90000"/>
-              </a:lnSpc>
-              <a:spcBef>
-                <a:spcPts val="800"/>
-              </a:spcBef>
-              <a:buClr>
-                <a:schemeClr val="accent1"/>
-              </a:buClr>
-              <a:buSzPct val="100000"/>
-              <a:buFont typeface="Arial" pitchFamily="34" charset="0"/>
-              <a:buChar char="▪"/>
-              <a:defRPr lang="zh-CN" sz="1600" kern="1200">
-                <a:solidFill>
-                  <a:schemeClr val="tx1"/>
-                </a:solidFill>
-                <a:latin typeface="+mn-lt"/>
-                <a:ea typeface="Microsoft YaHei UI" panose="020B0503020204020204" pitchFamily="34" charset="-122"/>
-                <a:cs typeface="+mn-cs"/>
-              </a:defRPr>
-            </a:lvl3pPr>
-            <a:lvl4pPr marL="914400" indent="-182880" algn="l" defTabSz="914400" rtl="0" eaLnBrk="1" latinLnBrk="0" hangingPunct="1">
-              <a:lnSpc>
-                <a:spcPct val="90000"/>
-              </a:lnSpc>
-              <a:spcBef>
-                <a:spcPts val="800"/>
-              </a:spcBef>
-              <a:buClr>
-                <a:schemeClr val="accent1"/>
-              </a:buClr>
-              <a:buSzPct val="100000"/>
-              <a:buFont typeface="Arial" pitchFamily="34" charset="0"/>
-              <a:buChar char="▪"/>
-              <a:defRPr lang="zh-CN" sz="1400" kern="1200">
-                <a:solidFill>
-                  <a:schemeClr val="tx1"/>
-                </a:solidFill>
-                <a:latin typeface="+mn-lt"/>
-                <a:ea typeface="Microsoft YaHei UI" panose="020B0503020204020204" pitchFamily="34" charset="-122"/>
-                <a:cs typeface="+mn-cs"/>
-              </a:defRPr>
-            </a:lvl4pPr>
-            <a:lvl5pPr marL="1143000" indent="-179388" algn="l" defTabSz="914400" rtl="0" eaLnBrk="1" latinLnBrk="0" hangingPunct="1">
-              <a:lnSpc>
-                <a:spcPct val="90000"/>
-              </a:lnSpc>
-              <a:spcBef>
-                <a:spcPts val="600"/>
-              </a:spcBef>
-              <a:buClr>
-                <a:schemeClr val="accent1"/>
-              </a:buClr>
-              <a:buSzPct val="100000"/>
-              <a:buFont typeface="Arial" pitchFamily="34" charset="0"/>
-              <a:buChar char="▪"/>
-              <a:defRPr lang="zh-CN" sz="1400" kern="1200">
-                <a:solidFill>
-                  <a:schemeClr val="tx1"/>
-                </a:solidFill>
-                <a:latin typeface="+mn-lt"/>
-                <a:ea typeface="Microsoft YaHei UI" panose="020B0503020204020204" pitchFamily="34" charset="-122"/>
-                <a:cs typeface="+mn-cs"/>
-              </a:defRPr>
-            </a:lvl5pPr>
-            <a:lvl6pPr marL="1371600" indent="-182880" algn="l" defTabSz="914400" rtl="0" eaLnBrk="1" latinLnBrk="0" hangingPunct="1">
-              <a:lnSpc>
-                <a:spcPct val="90000"/>
-              </a:lnSpc>
-              <a:spcBef>
-                <a:spcPts val="600"/>
-              </a:spcBef>
-              <a:buClr>
-                <a:schemeClr val="accent1"/>
-              </a:buClr>
-              <a:buSzPct val="100000"/>
-              <a:buFont typeface="Arial" pitchFamily="34" charset="0"/>
-              <a:buChar char="▪"/>
-              <a:defRPr lang="zh-CN" sz="1400" kern="1200">
-                <a:solidFill>
-                  <a:schemeClr val="tx1"/>
-                </a:solidFill>
-                <a:latin typeface="+mn-lt"/>
-                <a:ea typeface="+mn-ea"/>
-                <a:cs typeface="+mn-cs"/>
-              </a:defRPr>
-            </a:lvl6pPr>
-            <a:lvl7pPr marL="1600200" indent="-179388" algn="l" defTabSz="914400" rtl="0" eaLnBrk="1" latinLnBrk="0" hangingPunct="1">
-              <a:lnSpc>
-                <a:spcPct val="90000"/>
-              </a:lnSpc>
-              <a:spcBef>
-                <a:spcPts val="600"/>
-              </a:spcBef>
-              <a:buClr>
-                <a:schemeClr val="accent1"/>
-              </a:buClr>
-              <a:buSzPct val="100000"/>
-              <a:buFont typeface="Arial" pitchFamily="34" charset="0"/>
-              <a:buChar char="▪"/>
-              <a:defRPr lang="zh-CN" sz="1400" kern="1200">
-                <a:solidFill>
-                  <a:schemeClr val="tx1"/>
-                </a:solidFill>
-                <a:latin typeface="+mn-lt"/>
-                <a:ea typeface="+mn-ea"/>
-                <a:cs typeface="+mn-cs"/>
-              </a:defRPr>
-            </a:lvl7pPr>
-            <a:lvl8pPr marL="1828800" indent="-182880" algn="l" defTabSz="914400" rtl="0" eaLnBrk="1" latinLnBrk="0" hangingPunct="1">
-              <a:lnSpc>
-                <a:spcPct val="90000"/>
-              </a:lnSpc>
-              <a:spcBef>
-                <a:spcPts val="600"/>
-              </a:spcBef>
-              <a:buClr>
-                <a:schemeClr val="accent1"/>
-              </a:buClr>
-              <a:buSzPct val="100000"/>
-              <a:buFont typeface="Arial" pitchFamily="34" charset="0"/>
-              <a:buChar char="▪"/>
-              <a:defRPr lang="zh-CN" sz="1400" kern="1200">
-                <a:solidFill>
-                  <a:schemeClr val="tx1"/>
-                </a:solidFill>
-                <a:latin typeface="+mn-lt"/>
-                <a:ea typeface="+mn-ea"/>
-                <a:cs typeface="+mn-cs"/>
-              </a:defRPr>
-            </a:lvl8pPr>
-            <a:lvl9pPr marL="2057400" indent="-179388" algn="l" defTabSz="914400" rtl="0" eaLnBrk="1" latinLnBrk="0" hangingPunct="1">
-              <a:lnSpc>
-                <a:spcPct val="90000"/>
-              </a:lnSpc>
-              <a:spcBef>
-                <a:spcPts val="600"/>
-              </a:spcBef>
-              <a:buClr>
-                <a:schemeClr val="accent1"/>
-              </a:buClr>
-              <a:buSzPct val="100000"/>
-              <a:buFont typeface="Arial" pitchFamily="34" charset="0"/>
-              <a:buChar char="▪"/>
-              <a:defRPr lang="zh-CN" sz="1400" kern="1200">
-                <a:solidFill>
-                  <a:schemeClr val="tx1"/>
-                </a:solidFill>
-                <a:latin typeface="+mn-lt"/>
-                <a:ea typeface="+mn-ea"/>
-                <a:cs typeface="+mn-cs"/>
-              </a:defRPr>
-            </a:lvl9pPr>
-          </a:lstStyle>
-          <a:p>
-            <a:r>
-              <a:rPr lang="en-US" altLang="zh-CN" dirty="0" err="1"/>
-              <a:t>attr</a:t>
-            </a:r>
-            <a:r>
-              <a:rPr lang="en-US" altLang="zh-CN" dirty="0"/>
-              <a:t>(‘</a:t>
-            </a:r>
-            <a:r>
-              <a:rPr lang="en-US" altLang="zh-CN" dirty="0" err="1"/>
-              <a:t>attribute’,’value</a:t>
-            </a:r>
-            <a:r>
-              <a:rPr lang="en-US" altLang="zh-CN" dirty="0"/>
-              <a:t>’)</a:t>
-            </a:r>
-          </a:p>
-          <a:p>
-            <a:r>
-              <a:rPr lang="en-US" altLang="zh-CN" dirty="0"/>
-              <a:t>html(value)</a:t>
-            </a:r>
-          </a:p>
-          <a:p>
-            <a:r>
-              <a:rPr lang="en-US" altLang="zh-CN" dirty="0"/>
-              <a:t>text(value)</a:t>
-            </a:r>
-          </a:p>
-          <a:p>
-            <a:r>
-              <a:rPr lang="en-US" altLang="zh-CN" dirty="0" err="1"/>
-              <a:t>addClass</a:t>
-            </a:r>
-            <a:r>
-              <a:rPr lang="en-US" altLang="zh-CN" dirty="0"/>
-              <a:t>(‘class-name’)    /    </a:t>
-            </a:r>
-            <a:r>
-              <a:rPr lang="en-US" altLang="zh-CN" dirty="0" err="1"/>
-              <a:t>removeClass</a:t>
-            </a:r>
-            <a:r>
-              <a:rPr lang="en-US" altLang="zh-CN" dirty="0"/>
-              <a:t>(‘class-name’)</a:t>
-            </a:r>
-          </a:p>
-          <a:p>
-            <a:r>
-              <a:rPr lang="en-US" altLang="zh-CN" dirty="0" err="1"/>
-              <a:t>css</a:t>
-            </a:r>
-            <a:r>
-              <a:rPr lang="en-US" altLang="zh-CN" dirty="0"/>
-              <a:t>(‘style-</a:t>
-            </a:r>
-            <a:r>
-              <a:rPr lang="en-US" altLang="zh-CN" dirty="0" err="1"/>
-              <a:t>property’,’value</a:t>
-            </a:r>
-            <a:r>
-              <a:rPr lang="en-US" altLang="zh-CN" dirty="0"/>
-              <a:t>’)</a:t>
-            </a:r>
-          </a:p>
-          <a:p>
-            <a:r>
-              <a:rPr lang="en-US" altLang="zh-CN" dirty="0"/>
-              <a:t>append() </a:t>
-            </a:r>
-            <a:r>
-              <a:rPr lang="en-US" altLang="zh-CN" dirty="0" err="1"/>
-              <a:t>appendTo</a:t>
-            </a:r>
-            <a:r>
-              <a:rPr lang="en-US" altLang="zh-CN" dirty="0"/>
-              <a:t>()</a:t>
-            </a:r>
-          </a:p>
-          <a:p>
-            <a:r>
-              <a:rPr lang="en-US" altLang="zh-CN" dirty="0"/>
-              <a:t>before()   /    after()</a:t>
-            </a:r>
-          </a:p>
-          <a:p>
-            <a:r>
-              <a:rPr lang="en-US" altLang="zh-CN" dirty="0"/>
-              <a:t>remove()   /    empty();</a:t>
-            </a:r>
-          </a:p>
-          <a:p>
-            <a:pPr marL="0" indent="0">
-              <a:buNone/>
-            </a:pPr>
-            <a:endParaRPr lang="zh-CN" altLang="en-US" dirty="0"/>
+          <a:lstStyle/>
+          <a:p>
+            <a:pPr algn="ctr"/>
+            <a:r>
+              <a:rPr lang="en-US" altLang="zh-CN" sz="4400" dirty="0">
+                <a:ln w="0"/>
+                <a:effectLst>
+                  <a:outerShdw blurRad="38100" dist="19050" dir="2700000" algn="tl" rotWithShape="0">
+                    <a:schemeClr val="dk1">
+                      <a:alpha val="40000"/>
+                    </a:schemeClr>
+                  </a:outerShdw>
+                </a:effectLst>
+              </a:rPr>
+              <a:t>Best Practice </a:t>
+            </a:r>
+          </a:p>
+          <a:p>
+            <a:pPr algn="ctr"/>
+            <a:r>
+              <a:rPr lang="en-US" altLang="zh-CN" sz="9600" b="1" dirty="0">
+                <a:ln w="0"/>
+                <a:effectLst>
+                  <a:outerShdw blurRad="38100" dist="19050" dir="2700000" algn="tl" rotWithShape="0">
+                    <a:schemeClr val="dk1">
+                      <a:alpha val="40000"/>
+                    </a:schemeClr>
+                  </a:outerShdw>
+                </a:effectLst>
+              </a:rPr>
+              <a:t>if</a:t>
+            </a:r>
+            <a:endParaRPr lang="zh-CN" altLang="en-US" sz="9600" b="1" dirty="0">
+              <a:ln w="0"/>
+              <a:effectLst>
+                <a:outerShdw blurRad="38100" dist="19050" dir="2700000" algn="tl" rotWithShape="0">
+                  <a:schemeClr val="dk1">
+                    <a:alpha val="40000"/>
+                  </a:schemeClr>
+                </a:outerShdw>
+              </a:effectLst>
+            </a:endParaRPr>
           </a:p>
         </p:txBody>
       </p:sp>
     </p:spTree>
     <p:extLst>
       <p:ext uri="{BB962C8B-B14F-4D97-AF65-F5344CB8AC3E}">
-        <p14:creationId xmlns:p14="http://schemas.microsoft.com/office/powerpoint/2010/main" val="319368085"/>
+        <p14:creationId xmlns:p14="http://schemas.microsoft.com/office/powerpoint/2010/main" val="1423304676"/>
       </p:ext>
     </p:extLst>
   </p:cSld>
@@ -13445,6 +13920,1871 @@
 </file>
 
 <file path=ppt/slides/slide15.xml><?xml version="1.0" encoding="utf-8"?>
+<p:sld xmlns:a="http://schemas.openxmlformats.org/drawingml/2006/main" xmlns:r="http://schemas.openxmlformats.org/officeDocument/2006/relationships" xmlns:p="http://schemas.openxmlformats.org/presentationml/2006/main">
+  <p:cSld>
+    <p:spTree>
+      <p:nvGrpSpPr>
+        <p:cNvPr id="1" name=""/>
+        <p:cNvGrpSpPr/>
+        <p:nvPr/>
+      </p:nvGrpSpPr>
+      <p:grpSpPr>
+        <a:xfrm>
+          <a:off x="0" y="0"/>
+          <a:ext cx="0" cy="0"/>
+          <a:chOff x="0" y="0"/>
+          <a:chExt cx="0" cy="0"/>
+        </a:xfrm>
+      </p:grpSpPr>
+      <p:sp>
+        <p:nvSpPr>
+          <p:cNvPr id="2" name="标题 1">
+            <a:extLst>
+              <a:ext uri="{FF2B5EF4-FFF2-40B4-BE49-F238E27FC236}">
+                <a16:creationId xmlns:a16="http://schemas.microsoft.com/office/drawing/2014/main" id="{FB8FE091-9F14-4BF7-BF12-EA52FFF71F4F}"/>
+              </a:ext>
+            </a:extLst>
+          </p:cNvPr>
+          <p:cNvSpPr>
+            <a:spLocks noGrp="1"/>
+          </p:cNvSpPr>
+          <p:nvPr>
+            <p:ph type="title"/>
+          </p:nvPr>
+        </p:nvSpPr>
+        <p:spPr/>
+        <p:txBody>
+          <a:bodyPr>
+            <a:normAutofit/>
+          </a:bodyPr>
+          <a:lstStyle/>
+          <a:p>
+            <a:r>
+              <a:rPr lang="zh-CN" altLang="en-US" dirty="0"/>
+              <a:t>故事二 小兔子乖乖</a:t>
+            </a:r>
+          </a:p>
+        </p:txBody>
+      </p:sp>
+      <p:sp>
+        <p:nvSpPr>
+          <p:cNvPr id="4" name="内容占位符 3">
+            <a:extLst>
+              <a:ext uri="{FF2B5EF4-FFF2-40B4-BE49-F238E27FC236}">
+                <a16:creationId xmlns:a16="http://schemas.microsoft.com/office/drawing/2014/main" id="{B8C47A43-FD6B-469A-B9A3-BDD475014787}"/>
+              </a:ext>
+            </a:extLst>
+          </p:cNvPr>
+          <p:cNvSpPr>
+            <a:spLocks noGrp="1"/>
+          </p:cNvSpPr>
+          <p:nvPr>
+            <p:ph sz="half" idx="2"/>
+          </p:nvPr>
+        </p:nvSpPr>
+        <p:spPr>
+          <a:xfrm>
+            <a:off x="6249504" y="1956358"/>
+            <a:ext cx="4401065" cy="4111068"/>
+          </a:xfrm>
+        </p:spPr>
+        <p:txBody>
+          <a:bodyPr>
+            <a:noAutofit/>
+          </a:bodyPr>
+          <a:lstStyle/>
+          <a:p>
+            <a:pPr marL="0" indent="0">
+              <a:buNone/>
+            </a:pPr>
+            <a:r>
+              <a:rPr lang="en-US" altLang="zh-CN" dirty="0">
+                <a:solidFill>
+                  <a:srgbClr val="7A3E9D"/>
+                </a:solidFill>
+                <a:latin typeface="Consolas" panose="020B0609020204030204" pitchFamily="49" charset="0"/>
+              </a:rPr>
+              <a:t>function</a:t>
+            </a:r>
+            <a:r>
+              <a:rPr lang="en-US" altLang="zh-CN" dirty="0">
+                <a:solidFill>
+                  <a:srgbClr val="333333"/>
+                </a:solidFill>
+                <a:latin typeface="Consolas" panose="020B0609020204030204" pitchFamily="49" charset="0"/>
+              </a:rPr>
+              <a:t> </a:t>
+            </a:r>
+            <a:r>
+              <a:rPr lang="en-US" altLang="zh-CN" b="1" dirty="0">
+                <a:solidFill>
+                  <a:srgbClr val="AA3731"/>
+                </a:solidFill>
+                <a:latin typeface="Consolas" panose="020B0609020204030204" pitchFamily="49" charset="0"/>
+              </a:rPr>
+              <a:t>fun1</a:t>
+            </a:r>
+            <a:r>
+              <a:rPr lang="en-US" altLang="zh-CN" dirty="0">
+                <a:solidFill>
+                  <a:srgbClr val="777777"/>
+                </a:solidFill>
+                <a:latin typeface="Consolas" panose="020B0609020204030204" pitchFamily="49" charset="0"/>
+              </a:rPr>
+              <a:t>(</a:t>
+            </a:r>
+            <a:r>
+              <a:rPr lang="en-US" altLang="zh-CN" dirty="0" err="1">
+                <a:solidFill>
+                  <a:srgbClr val="7A3E9D"/>
+                </a:solidFill>
+                <a:latin typeface="Consolas" panose="020B0609020204030204" pitchFamily="49" charset="0"/>
+              </a:rPr>
+              <a:t>args</a:t>
+            </a:r>
+            <a:r>
+              <a:rPr lang="en-US" altLang="zh-CN" dirty="0">
+                <a:solidFill>
+                  <a:srgbClr val="777777"/>
+                </a:solidFill>
+                <a:latin typeface="Consolas" panose="020B0609020204030204" pitchFamily="49" charset="0"/>
+              </a:rPr>
+              <a:t>)</a:t>
+            </a:r>
+            <a:r>
+              <a:rPr lang="en-US" altLang="zh-CN" dirty="0">
+                <a:solidFill>
+                  <a:srgbClr val="333333"/>
+                </a:solidFill>
+                <a:latin typeface="Consolas" panose="020B0609020204030204" pitchFamily="49" charset="0"/>
+              </a:rPr>
+              <a:t> </a:t>
+            </a:r>
+            <a:r>
+              <a:rPr lang="en-US" altLang="zh-CN" dirty="0">
+                <a:solidFill>
+                  <a:srgbClr val="777777"/>
+                </a:solidFill>
+                <a:latin typeface="Consolas" panose="020B0609020204030204" pitchFamily="49" charset="0"/>
+              </a:rPr>
+              <a:t>{</a:t>
+            </a:r>
+            <a:endParaRPr lang="en-US" altLang="zh-CN" dirty="0">
+              <a:solidFill>
+                <a:srgbClr val="333333"/>
+              </a:solidFill>
+              <a:latin typeface="Consolas" panose="020B0609020204030204" pitchFamily="49" charset="0"/>
+            </a:endParaRPr>
+          </a:p>
+          <a:p>
+            <a:pPr marL="0" indent="0">
+              <a:buNone/>
+            </a:pPr>
+            <a:r>
+              <a:rPr lang="en-US" altLang="zh-CN" i="1" dirty="0">
+                <a:solidFill>
+                  <a:srgbClr val="AAAAAA"/>
+                </a:solidFill>
+                <a:latin typeface="Consolas" panose="020B0609020204030204" pitchFamily="49" charset="0"/>
+              </a:rPr>
+              <a:t>  </a:t>
+            </a:r>
+            <a:r>
+              <a:rPr lang="en-US" altLang="zh-CN" i="1" dirty="0">
+                <a:solidFill>
+                  <a:schemeClr val="accent6"/>
+                </a:solidFill>
+                <a:latin typeface="Consolas" panose="020B0609020204030204" pitchFamily="49" charset="0"/>
+              </a:rPr>
+              <a:t>// </a:t>
+            </a:r>
+            <a:r>
+              <a:rPr lang="en-US" altLang="zh-CN" i="1" dirty="0" err="1">
+                <a:solidFill>
+                  <a:schemeClr val="accent6"/>
+                </a:solidFill>
+                <a:latin typeface="Consolas" panose="020B0609020204030204" pitchFamily="49" charset="0"/>
+              </a:rPr>
+              <a:t>todo</a:t>
+            </a:r>
+            <a:r>
+              <a:rPr lang="en-US" altLang="zh-CN" i="1" dirty="0">
+                <a:solidFill>
+                  <a:schemeClr val="accent6"/>
+                </a:solidFill>
+                <a:latin typeface="Consolas" panose="020B0609020204030204" pitchFamily="49" charset="0"/>
+              </a:rPr>
+              <a:t> something</a:t>
+            </a:r>
+            <a:endParaRPr lang="en-US" altLang="zh-CN" dirty="0">
+              <a:solidFill>
+                <a:schemeClr val="accent6"/>
+              </a:solidFill>
+              <a:latin typeface="Consolas" panose="020B0609020204030204" pitchFamily="49" charset="0"/>
+            </a:endParaRPr>
+          </a:p>
+          <a:p>
+            <a:pPr marL="0" indent="0">
+              <a:buNone/>
+            </a:pPr>
+            <a:r>
+              <a:rPr lang="en-US" altLang="zh-CN" b="1" dirty="0">
+                <a:solidFill>
+                  <a:srgbClr val="7A3E9D"/>
+                </a:solidFill>
+                <a:latin typeface="Consolas" panose="020B0609020204030204" pitchFamily="49" charset="0"/>
+              </a:rPr>
+              <a:t>  console</a:t>
+            </a:r>
+            <a:r>
+              <a:rPr lang="en-US" altLang="zh-CN" dirty="0">
+                <a:solidFill>
+                  <a:srgbClr val="777777"/>
+                </a:solidFill>
+                <a:latin typeface="Consolas" panose="020B0609020204030204" pitchFamily="49" charset="0"/>
+              </a:rPr>
+              <a:t>.</a:t>
+            </a:r>
+            <a:r>
+              <a:rPr lang="en-US" altLang="zh-CN" b="1" dirty="0">
+                <a:solidFill>
+                  <a:srgbClr val="AA3731"/>
+                </a:solidFill>
+                <a:latin typeface="Consolas" panose="020B0609020204030204" pitchFamily="49" charset="0"/>
+              </a:rPr>
+              <a:t>log</a:t>
+            </a:r>
+            <a:r>
+              <a:rPr lang="en-US" altLang="zh-CN" dirty="0">
+                <a:solidFill>
+                  <a:srgbClr val="333333"/>
+                </a:solidFill>
+                <a:latin typeface="Consolas" panose="020B0609020204030204" pitchFamily="49" charset="0"/>
+              </a:rPr>
+              <a:t>(</a:t>
+            </a:r>
+            <a:r>
+              <a:rPr lang="en-US" altLang="zh-CN" dirty="0" err="1">
+                <a:solidFill>
+                  <a:srgbClr val="7A3E9D"/>
+                </a:solidFill>
+                <a:latin typeface="Consolas" panose="020B0609020204030204" pitchFamily="49" charset="0"/>
+              </a:rPr>
+              <a:t>args</a:t>
+            </a:r>
+            <a:r>
+              <a:rPr lang="en-US" altLang="zh-CN" dirty="0">
+                <a:solidFill>
+                  <a:srgbClr val="333333"/>
+                </a:solidFill>
+                <a:latin typeface="Consolas" panose="020B0609020204030204" pitchFamily="49" charset="0"/>
+              </a:rPr>
+              <a:t>)</a:t>
+            </a:r>
+            <a:r>
+              <a:rPr lang="en-US" altLang="zh-CN" dirty="0">
+                <a:solidFill>
+                  <a:srgbClr val="777777"/>
+                </a:solidFill>
+                <a:latin typeface="Consolas" panose="020B0609020204030204" pitchFamily="49" charset="0"/>
+              </a:rPr>
+              <a:t>;</a:t>
+            </a:r>
+          </a:p>
+          <a:p>
+            <a:pPr marL="0" indent="0">
+              <a:buNone/>
+            </a:pPr>
+            <a:r>
+              <a:rPr lang="en-US" altLang="zh-CN" dirty="0">
+                <a:solidFill>
+                  <a:srgbClr val="777777"/>
+                </a:solidFill>
+                <a:latin typeface="Consolas" panose="020B0609020204030204" pitchFamily="49" charset="0"/>
+              </a:rPr>
+              <a:t>}</a:t>
+            </a:r>
+            <a:endParaRPr lang="en-US" altLang="zh-CN" dirty="0">
+              <a:solidFill>
+                <a:srgbClr val="333333"/>
+              </a:solidFill>
+              <a:latin typeface="Consolas" panose="020B0609020204030204" pitchFamily="49" charset="0"/>
+            </a:endParaRPr>
+          </a:p>
+          <a:p>
+            <a:pPr marL="0" indent="0">
+              <a:buNone/>
+            </a:pPr>
+            <a:endParaRPr lang="en-US" altLang="zh-CN" b="0" dirty="0">
+              <a:solidFill>
+                <a:srgbClr val="333333"/>
+              </a:solidFill>
+              <a:effectLst/>
+              <a:latin typeface="Consolas" panose="020B0609020204030204" pitchFamily="49" charset="0"/>
+            </a:endParaRPr>
+          </a:p>
+        </p:txBody>
+      </p:sp>
+      <p:sp>
+        <p:nvSpPr>
+          <p:cNvPr id="5" name="矩形 4">
+            <a:extLst>
+              <a:ext uri="{FF2B5EF4-FFF2-40B4-BE49-F238E27FC236}">
+                <a16:creationId xmlns:a16="http://schemas.microsoft.com/office/drawing/2014/main" id="{7F150F50-FAAF-4DB5-AE91-B9DA2BDE5F50}"/>
+              </a:ext>
+            </a:extLst>
+          </p:cNvPr>
+          <p:cNvSpPr/>
+          <p:nvPr/>
+        </p:nvSpPr>
+        <p:spPr>
+          <a:xfrm>
+            <a:off x="838199" y="3140330"/>
+            <a:ext cx="4401065" cy="1569660"/>
+          </a:xfrm>
+          <a:prstGeom prst="rect">
+            <a:avLst/>
+          </a:prstGeom>
+          <a:noFill/>
+        </p:spPr>
+        <p:txBody>
+          <a:bodyPr wrap="square" lIns="91440" tIns="45720" rIns="91440" bIns="45720">
+            <a:spAutoFit/>
+          </a:bodyPr>
+          <a:lstStyle/>
+          <a:p>
+            <a:pPr algn="ctr"/>
+            <a:r>
+              <a:rPr lang="en-US" altLang="zh-CN" sz="9600" dirty="0">
+                <a:ln w="0"/>
+                <a:effectLst>
+                  <a:outerShdw blurRad="38100" dist="19050" dir="2700000" algn="tl" rotWithShape="0">
+                    <a:schemeClr val="dk1">
+                      <a:alpha val="40000"/>
+                    </a:schemeClr>
+                  </a:outerShdw>
+                </a:effectLst>
+              </a:rPr>
+              <a:t>function</a:t>
+            </a:r>
+            <a:endParaRPr lang="zh-CN" altLang="en-US" sz="9600" dirty="0">
+              <a:ln w="0"/>
+              <a:effectLst>
+                <a:outerShdw blurRad="38100" dist="19050" dir="2700000" algn="tl" rotWithShape="0">
+                  <a:schemeClr val="dk1">
+                    <a:alpha val="40000"/>
+                  </a:schemeClr>
+                </a:outerShdw>
+              </a:effectLst>
+            </a:endParaRPr>
+          </a:p>
+        </p:txBody>
+      </p:sp>
+    </p:spTree>
+    <p:extLst>
+      <p:ext uri="{BB962C8B-B14F-4D97-AF65-F5344CB8AC3E}">
+        <p14:creationId xmlns:p14="http://schemas.microsoft.com/office/powerpoint/2010/main" val="1253504743"/>
+      </p:ext>
+    </p:extLst>
+  </p:cSld>
+  <p:clrMapOvr>
+    <a:masterClrMapping/>
+  </p:clrMapOvr>
+</p:sld>
+</file>
+
+<file path=ppt/slides/slide16.xml><?xml version="1.0" encoding="utf-8"?>
+<p:sld xmlns:a="http://schemas.openxmlformats.org/drawingml/2006/main" xmlns:r="http://schemas.openxmlformats.org/officeDocument/2006/relationships" xmlns:p="http://schemas.openxmlformats.org/presentationml/2006/main">
+  <p:cSld>
+    <p:spTree>
+      <p:nvGrpSpPr>
+        <p:cNvPr id="1" name=""/>
+        <p:cNvGrpSpPr/>
+        <p:nvPr/>
+      </p:nvGrpSpPr>
+      <p:grpSpPr>
+        <a:xfrm>
+          <a:off x="0" y="0"/>
+          <a:ext cx="0" cy="0"/>
+          <a:chOff x="0" y="0"/>
+          <a:chExt cx="0" cy="0"/>
+        </a:xfrm>
+      </p:grpSpPr>
+      <p:sp>
+        <p:nvSpPr>
+          <p:cNvPr id="2" name="标题 1">
+            <a:extLst>
+              <a:ext uri="{FF2B5EF4-FFF2-40B4-BE49-F238E27FC236}">
+                <a16:creationId xmlns:a16="http://schemas.microsoft.com/office/drawing/2014/main" id="{FB8FE091-9F14-4BF7-BF12-EA52FFF71F4F}"/>
+              </a:ext>
+            </a:extLst>
+          </p:cNvPr>
+          <p:cNvSpPr>
+            <a:spLocks noGrp="1"/>
+          </p:cNvSpPr>
+          <p:nvPr>
+            <p:ph type="title"/>
+          </p:nvPr>
+        </p:nvSpPr>
+        <p:spPr/>
+        <p:txBody>
+          <a:bodyPr>
+            <a:normAutofit/>
+          </a:bodyPr>
+          <a:lstStyle/>
+          <a:p>
+            <a:r>
+              <a:rPr lang="zh-CN" altLang="en-US" dirty="0"/>
+              <a:t>故事二 小兔子乖乖</a:t>
+            </a:r>
+          </a:p>
+        </p:txBody>
+      </p:sp>
+      <p:sp>
+        <p:nvSpPr>
+          <p:cNvPr id="4" name="内容占位符 3">
+            <a:extLst>
+              <a:ext uri="{FF2B5EF4-FFF2-40B4-BE49-F238E27FC236}">
+                <a16:creationId xmlns:a16="http://schemas.microsoft.com/office/drawing/2014/main" id="{B8C47A43-FD6B-469A-B9A3-BDD475014787}"/>
+              </a:ext>
+            </a:extLst>
+          </p:cNvPr>
+          <p:cNvSpPr>
+            <a:spLocks noGrp="1"/>
+          </p:cNvSpPr>
+          <p:nvPr>
+            <p:ph sz="half" idx="2"/>
+          </p:nvPr>
+        </p:nvSpPr>
+        <p:spPr>
+          <a:xfrm>
+            <a:off x="4848042" y="1956358"/>
+            <a:ext cx="6505759" cy="4111068"/>
+          </a:xfrm>
+        </p:spPr>
+        <p:txBody>
+          <a:bodyPr>
+            <a:noAutofit/>
+          </a:bodyPr>
+          <a:lstStyle/>
+          <a:p>
+            <a:pPr marL="0" indent="0">
+              <a:buNone/>
+            </a:pPr>
+            <a:r>
+              <a:rPr lang="en-US" altLang="zh-CN" dirty="0">
+                <a:solidFill>
+                  <a:srgbClr val="7A3E9D"/>
+                </a:solidFill>
+                <a:latin typeface="Consolas" panose="020B0609020204030204" pitchFamily="49" charset="0"/>
+              </a:rPr>
+              <a:t>class</a:t>
+            </a:r>
+            <a:r>
+              <a:rPr lang="en-US" altLang="zh-CN" dirty="0">
+                <a:solidFill>
+                  <a:srgbClr val="333333"/>
+                </a:solidFill>
+                <a:latin typeface="Consolas" panose="020B0609020204030204" pitchFamily="49" charset="0"/>
+              </a:rPr>
+              <a:t> </a:t>
+            </a:r>
+            <a:r>
+              <a:rPr lang="en-US" altLang="zh-CN" b="1" dirty="0">
+                <a:solidFill>
+                  <a:srgbClr val="7A3E9D"/>
+                </a:solidFill>
+                <a:latin typeface="Consolas" panose="020B0609020204030204" pitchFamily="49" charset="0"/>
+              </a:rPr>
+              <a:t>class1</a:t>
+            </a:r>
+            <a:r>
+              <a:rPr lang="en-US" altLang="zh-CN" dirty="0">
+                <a:solidFill>
+                  <a:srgbClr val="777777"/>
+                </a:solidFill>
+                <a:latin typeface="Consolas" panose="020B0609020204030204" pitchFamily="49" charset="0"/>
+              </a:rPr>
+              <a:t>{</a:t>
+            </a:r>
+            <a:endParaRPr lang="en-US" altLang="zh-CN" dirty="0">
+              <a:solidFill>
+                <a:srgbClr val="333333"/>
+              </a:solidFill>
+              <a:latin typeface="Consolas" panose="020B0609020204030204" pitchFamily="49" charset="0"/>
+            </a:endParaRPr>
+          </a:p>
+          <a:p>
+            <a:pPr marL="0" indent="0">
+              <a:buNone/>
+            </a:pPr>
+            <a:r>
+              <a:rPr lang="en-US" altLang="zh-CN" dirty="0">
+                <a:solidFill>
+                  <a:srgbClr val="7A3E9D"/>
+                </a:solidFill>
+                <a:latin typeface="Consolas" panose="020B0609020204030204" pitchFamily="49" charset="0"/>
+              </a:rPr>
+              <a:t>  constructor</a:t>
+            </a:r>
+            <a:r>
+              <a:rPr lang="en-US" altLang="zh-CN" dirty="0">
+                <a:solidFill>
+                  <a:srgbClr val="777777"/>
+                </a:solidFill>
+                <a:latin typeface="Consolas" panose="020B0609020204030204" pitchFamily="49" charset="0"/>
+              </a:rPr>
+              <a:t>(</a:t>
+            </a:r>
+            <a:r>
+              <a:rPr lang="en-US" altLang="zh-CN" dirty="0" err="1">
+                <a:solidFill>
+                  <a:srgbClr val="7A3E9D"/>
+                </a:solidFill>
+                <a:latin typeface="Consolas" panose="020B0609020204030204" pitchFamily="49" charset="0"/>
+              </a:rPr>
+              <a:t>args</a:t>
+            </a:r>
+            <a:r>
+              <a:rPr lang="en-US" altLang="zh-CN" dirty="0">
+                <a:solidFill>
+                  <a:srgbClr val="777777"/>
+                </a:solidFill>
+                <a:latin typeface="Consolas" panose="020B0609020204030204" pitchFamily="49" charset="0"/>
+              </a:rPr>
+              <a:t>){</a:t>
+            </a:r>
+            <a:endParaRPr lang="en-US" altLang="zh-CN" dirty="0">
+              <a:solidFill>
+                <a:srgbClr val="333333"/>
+              </a:solidFill>
+              <a:latin typeface="Consolas" panose="020B0609020204030204" pitchFamily="49" charset="0"/>
+            </a:endParaRPr>
+          </a:p>
+          <a:p>
+            <a:pPr marL="0" indent="0">
+              <a:buNone/>
+            </a:pPr>
+            <a:r>
+              <a:rPr lang="en-US" altLang="zh-CN" dirty="0">
+                <a:solidFill>
+                  <a:srgbClr val="AB6526"/>
+                </a:solidFill>
+                <a:latin typeface="Consolas" panose="020B0609020204030204" pitchFamily="49" charset="0"/>
+              </a:rPr>
+              <a:t>    </a:t>
+            </a:r>
+            <a:r>
+              <a:rPr lang="en-US" altLang="zh-CN" i="1" dirty="0">
+                <a:solidFill>
+                  <a:schemeClr val="accent6"/>
+                </a:solidFill>
+                <a:latin typeface="Consolas" panose="020B0609020204030204" pitchFamily="49" charset="0"/>
+              </a:rPr>
+              <a:t>// </a:t>
+            </a:r>
+            <a:r>
+              <a:rPr lang="en-US" altLang="zh-CN" i="1" dirty="0" err="1">
+                <a:solidFill>
+                  <a:schemeClr val="accent6"/>
+                </a:solidFill>
+                <a:latin typeface="Consolas" panose="020B0609020204030204" pitchFamily="49" charset="0"/>
+              </a:rPr>
+              <a:t>todo</a:t>
+            </a:r>
+            <a:r>
+              <a:rPr lang="en-US" altLang="zh-CN" i="1" dirty="0">
+                <a:solidFill>
+                  <a:schemeClr val="accent6"/>
+                </a:solidFill>
+                <a:latin typeface="Consolas" panose="020B0609020204030204" pitchFamily="49" charset="0"/>
+              </a:rPr>
+              <a:t> something</a:t>
+            </a:r>
+            <a:endParaRPr lang="en-US" altLang="zh-CN" dirty="0">
+              <a:solidFill>
+                <a:schemeClr val="accent6"/>
+              </a:solidFill>
+              <a:latin typeface="Consolas" panose="020B0609020204030204" pitchFamily="49" charset="0"/>
+            </a:endParaRPr>
+          </a:p>
+          <a:p>
+            <a:pPr marL="0" indent="0">
+              <a:buNone/>
+            </a:pPr>
+            <a:r>
+              <a:rPr lang="en-US" altLang="zh-CN" dirty="0">
+                <a:solidFill>
+                  <a:srgbClr val="777777"/>
+                </a:solidFill>
+                <a:latin typeface="Consolas" panose="020B0609020204030204" pitchFamily="49" charset="0"/>
+              </a:rPr>
+              <a:t>  }</a:t>
+            </a:r>
+          </a:p>
+          <a:p>
+            <a:pPr marL="0" indent="0">
+              <a:buNone/>
+            </a:pPr>
+            <a:r>
+              <a:rPr lang="en-US" altLang="zh-CN" b="1" dirty="0">
+                <a:solidFill>
+                  <a:srgbClr val="AA3731"/>
+                </a:solidFill>
+                <a:latin typeface="Consolas" panose="020B0609020204030204" pitchFamily="49" charset="0"/>
+              </a:rPr>
+              <a:t>  method1</a:t>
+            </a:r>
+            <a:r>
+              <a:rPr lang="en-US" altLang="zh-CN" dirty="0">
+                <a:solidFill>
+                  <a:srgbClr val="777777"/>
+                </a:solidFill>
+                <a:latin typeface="Consolas" panose="020B0609020204030204" pitchFamily="49" charset="0"/>
+              </a:rPr>
+              <a:t>(</a:t>
+            </a:r>
+            <a:r>
+              <a:rPr lang="en-US" altLang="zh-CN" dirty="0" err="1">
+                <a:solidFill>
+                  <a:srgbClr val="7A3E9D"/>
+                </a:solidFill>
+                <a:latin typeface="Consolas" panose="020B0609020204030204" pitchFamily="49" charset="0"/>
+              </a:rPr>
+              <a:t>args</a:t>
+            </a:r>
+            <a:r>
+              <a:rPr lang="en-US" altLang="zh-CN" dirty="0">
+                <a:solidFill>
+                  <a:srgbClr val="777777"/>
+                </a:solidFill>
+                <a:latin typeface="Consolas" panose="020B0609020204030204" pitchFamily="49" charset="0"/>
+              </a:rPr>
+              <a:t>)</a:t>
+            </a:r>
+            <a:r>
+              <a:rPr lang="en-US" altLang="zh-CN" dirty="0">
+                <a:solidFill>
+                  <a:srgbClr val="333333"/>
+                </a:solidFill>
+                <a:latin typeface="Consolas" panose="020B0609020204030204" pitchFamily="49" charset="0"/>
+              </a:rPr>
+              <a:t> </a:t>
+            </a:r>
+            <a:r>
+              <a:rPr lang="en-US" altLang="zh-CN" dirty="0">
+                <a:solidFill>
+                  <a:srgbClr val="777777"/>
+                </a:solidFill>
+                <a:latin typeface="Consolas" panose="020B0609020204030204" pitchFamily="49" charset="0"/>
+              </a:rPr>
+              <a:t>{</a:t>
+            </a:r>
+            <a:endParaRPr lang="en-US" altLang="zh-CN" dirty="0">
+              <a:solidFill>
+                <a:srgbClr val="333333"/>
+              </a:solidFill>
+              <a:latin typeface="Consolas" panose="020B0609020204030204" pitchFamily="49" charset="0"/>
+            </a:endParaRPr>
+          </a:p>
+          <a:p>
+            <a:pPr marL="0" indent="0">
+              <a:buNone/>
+            </a:pPr>
+            <a:r>
+              <a:rPr lang="en-US" altLang="zh-CN" i="1" dirty="0">
+                <a:solidFill>
+                  <a:srgbClr val="AAAAAA"/>
+                </a:solidFill>
+                <a:latin typeface="Consolas" panose="020B0609020204030204" pitchFamily="49" charset="0"/>
+              </a:rPr>
+              <a:t>    </a:t>
+            </a:r>
+            <a:r>
+              <a:rPr lang="en-US" altLang="zh-CN" i="1" dirty="0">
+                <a:solidFill>
+                  <a:schemeClr val="accent6"/>
+                </a:solidFill>
+                <a:latin typeface="Consolas" panose="020B0609020204030204" pitchFamily="49" charset="0"/>
+              </a:rPr>
+              <a:t>// </a:t>
+            </a:r>
+            <a:r>
+              <a:rPr lang="en-US" altLang="zh-CN" i="1" dirty="0" err="1">
+                <a:solidFill>
+                  <a:schemeClr val="accent6"/>
+                </a:solidFill>
+                <a:latin typeface="Consolas" panose="020B0609020204030204" pitchFamily="49" charset="0"/>
+              </a:rPr>
+              <a:t>todo</a:t>
+            </a:r>
+            <a:r>
+              <a:rPr lang="en-US" altLang="zh-CN" i="1" dirty="0">
+                <a:solidFill>
+                  <a:schemeClr val="accent6"/>
+                </a:solidFill>
+                <a:latin typeface="Consolas" panose="020B0609020204030204" pitchFamily="49" charset="0"/>
+              </a:rPr>
+              <a:t> something</a:t>
+            </a:r>
+            <a:endParaRPr lang="en-US" altLang="zh-CN" dirty="0">
+              <a:solidFill>
+                <a:schemeClr val="accent6"/>
+              </a:solidFill>
+              <a:latin typeface="Consolas" panose="020B0609020204030204" pitchFamily="49" charset="0"/>
+            </a:endParaRPr>
+          </a:p>
+          <a:p>
+            <a:pPr marL="0" indent="0">
+              <a:buNone/>
+            </a:pPr>
+            <a:r>
+              <a:rPr lang="en-US" altLang="zh-CN" dirty="0">
+                <a:solidFill>
+                  <a:srgbClr val="777777"/>
+                </a:solidFill>
+                <a:latin typeface="Consolas" panose="020B0609020204030204" pitchFamily="49" charset="0"/>
+              </a:rPr>
+              <a:t>  }</a:t>
+            </a:r>
+          </a:p>
+          <a:p>
+            <a:pPr marL="0" indent="0">
+              <a:buNone/>
+            </a:pPr>
+            <a:r>
+              <a:rPr lang="en-US" altLang="zh-CN" dirty="0">
+                <a:solidFill>
+                  <a:srgbClr val="777777"/>
+                </a:solidFill>
+                <a:latin typeface="Consolas" panose="020B0609020204030204" pitchFamily="49" charset="0"/>
+              </a:rPr>
+              <a:t>}</a:t>
+            </a:r>
+            <a:endParaRPr lang="en-US" altLang="zh-CN" dirty="0">
+              <a:solidFill>
+                <a:srgbClr val="333333"/>
+              </a:solidFill>
+              <a:latin typeface="Consolas" panose="020B0609020204030204" pitchFamily="49" charset="0"/>
+            </a:endParaRPr>
+          </a:p>
+          <a:p>
+            <a:pPr marL="0" indent="0">
+              <a:buNone/>
+            </a:pPr>
+            <a:endParaRPr lang="en-US" altLang="zh-CN" dirty="0">
+              <a:solidFill>
+                <a:srgbClr val="333333"/>
+              </a:solidFill>
+              <a:latin typeface="Consolas" panose="020B0609020204030204" pitchFamily="49" charset="0"/>
+            </a:endParaRPr>
+          </a:p>
+          <a:p>
+            <a:endParaRPr lang="en-US" altLang="zh-CN" dirty="0">
+              <a:solidFill>
+                <a:srgbClr val="333333"/>
+              </a:solidFill>
+              <a:latin typeface="Consolas" panose="020B0609020204030204" pitchFamily="49" charset="0"/>
+            </a:endParaRPr>
+          </a:p>
+          <a:p>
+            <a:pPr marL="0" indent="0">
+              <a:buNone/>
+            </a:pPr>
+            <a:endParaRPr lang="en-US" altLang="zh-CN" b="0" dirty="0">
+              <a:solidFill>
+                <a:srgbClr val="333333"/>
+              </a:solidFill>
+              <a:effectLst/>
+              <a:latin typeface="Consolas" panose="020B0609020204030204" pitchFamily="49" charset="0"/>
+            </a:endParaRPr>
+          </a:p>
+        </p:txBody>
+      </p:sp>
+      <p:sp>
+        <p:nvSpPr>
+          <p:cNvPr id="5" name="矩形 4">
+            <a:extLst>
+              <a:ext uri="{FF2B5EF4-FFF2-40B4-BE49-F238E27FC236}">
+                <a16:creationId xmlns:a16="http://schemas.microsoft.com/office/drawing/2014/main" id="{7F150F50-FAAF-4DB5-AE91-B9DA2BDE5F50}"/>
+              </a:ext>
+            </a:extLst>
+          </p:cNvPr>
+          <p:cNvSpPr/>
+          <p:nvPr/>
+        </p:nvSpPr>
+        <p:spPr>
+          <a:xfrm>
+            <a:off x="838199" y="3140330"/>
+            <a:ext cx="4401065" cy="1569660"/>
+          </a:xfrm>
+          <a:prstGeom prst="rect">
+            <a:avLst/>
+          </a:prstGeom>
+          <a:noFill/>
+        </p:spPr>
+        <p:txBody>
+          <a:bodyPr wrap="square" lIns="91440" tIns="45720" rIns="91440" bIns="45720">
+            <a:spAutoFit/>
+          </a:bodyPr>
+          <a:lstStyle/>
+          <a:p>
+            <a:pPr algn="ctr"/>
+            <a:r>
+              <a:rPr lang="en-US" altLang="zh-CN" sz="9600" dirty="0">
+                <a:ln w="0"/>
+                <a:effectLst>
+                  <a:outerShdw blurRad="38100" dist="19050" dir="2700000" algn="tl" rotWithShape="0">
+                    <a:schemeClr val="dk1">
+                      <a:alpha val="40000"/>
+                    </a:schemeClr>
+                  </a:outerShdw>
+                </a:effectLst>
+              </a:rPr>
+              <a:t>class</a:t>
+            </a:r>
+            <a:endParaRPr lang="zh-CN" altLang="en-US" sz="9600" dirty="0">
+              <a:ln w="0"/>
+              <a:effectLst>
+                <a:outerShdw blurRad="38100" dist="19050" dir="2700000" algn="tl" rotWithShape="0">
+                  <a:schemeClr val="dk1">
+                    <a:alpha val="40000"/>
+                  </a:schemeClr>
+                </a:outerShdw>
+              </a:effectLst>
+            </a:endParaRPr>
+          </a:p>
+        </p:txBody>
+      </p:sp>
+    </p:spTree>
+    <p:extLst>
+      <p:ext uri="{BB962C8B-B14F-4D97-AF65-F5344CB8AC3E}">
+        <p14:creationId xmlns:p14="http://schemas.microsoft.com/office/powerpoint/2010/main" val="4200480256"/>
+      </p:ext>
+    </p:extLst>
+  </p:cSld>
+  <p:clrMapOvr>
+    <a:masterClrMapping/>
+  </p:clrMapOvr>
+</p:sld>
+</file>
+
+<file path=ppt/slides/slide17.xml><?xml version="1.0" encoding="utf-8"?>
+<p:sld xmlns:a="http://schemas.openxmlformats.org/drawingml/2006/main" xmlns:r="http://schemas.openxmlformats.org/officeDocument/2006/relationships" xmlns:p="http://schemas.openxmlformats.org/presentationml/2006/main">
+  <p:cSld>
+    <p:spTree>
+      <p:nvGrpSpPr>
+        <p:cNvPr id="1" name=""/>
+        <p:cNvGrpSpPr/>
+        <p:nvPr/>
+      </p:nvGrpSpPr>
+      <p:grpSpPr>
+        <a:xfrm>
+          <a:off x="0" y="0"/>
+          <a:ext cx="0" cy="0"/>
+          <a:chOff x="0" y="0"/>
+          <a:chExt cx="0" cy="0"/>
+        </a:xfrm>
+      </p:grpSpPr>
+      <p:sp>
+        <p:nvSpPr>
+          <p:cNvPr id="2" name="标题 1">
+            <a:extLst>
+              <a:ext uri="{FF2B5EF4-FFF2-40B4-BE49-F238E27FC236}">
+                <a16:creationId xmlns:a16="http://schemas.microsoft.com/office/drawing/2014/main" id="{FB8FE091-9F14-4BF7-BF12-EA52FFF71F4F}"/>
+              </a:ext>
+            </a:extLst>
+          </p:cNvPr>
+          <p:cNvSpPr>
+            <a:spLocks noGrp="1"/>
+          </p:cNvSpPr>
+          <p:nvPr>
+            <p:ph type="title"/>
+          </p:nvPr>
+        </p:nvSpPr>
+        <p:spPr/>
+        <p:txBody>
+          <a:bodyPr>
+            <a:normAutofit/>
+          </a:bodyPr>
+          <a:lstStyle/>
+          <a:p>
+            <a:r>
+              <a:rPr lang="zh-CN" altLang="en-US" dirty="0"/>
+              <a:t>故事二 小兔子乖乖</a:t>
+            </a:r>
+          </a:p>
+        </p:txBody>
+      </p:sp>
+      <p:sp>
+        <p:nvSpPr>
+          <p:cNvPr id="4" name="内容占位符 3">
+            <a:extLst>
+              <a:ext uri="{FF2B5EF4-FFF2-40B4-BE49-F238E27FC236}">
+                <a16:creationId xmlns:a16="http://schemas.microsoft.com/office/drawing/2014/main" id="{B8C47A43-FD6B-469A-B9A3-BDD475014787}"/>
+              </a:ext>
+            </a:extLst>
+          </p:cNvPr>
+          <p:cNvSpPr>
+            <a:spLocks noGrp="1"/>
+          </p:cNvSpPr>
+          <p:nvPr>
+            <p:ph sz="half" idx="2"/>
+          </p:nvPr>
+        </p:nvSpPr>
+        <p:spPr>
+          <a:xfrm>
+            <a:off x="5324808" y="1956358"/>
+            <a:ext cx="6028991" cy="4111068"/>
+          </a:xfrm>
+        </p:spPr>
+        <p:txBody>
+          <a:bodyPr>
+            <a:noAutofit/>
+          </a:bodyPr>
+          <a:lstStyle/>
+          <a:p>
+            <a:pPr marL="0" indent="0">
+              <a:buNone/>
+            </a:pPr>
+            <a:r>
+              <a:rPr lang="en-US" altLang="zh-CN" dirty="0">
+                <a:solidFill>
+                  <a:srgbClr val="7A3E9D"/>
+                </a:solidFill>
+                <a:latin typeface="Consolas" panose="020B0609020204030204" pitchFamily="49" charset="0"/>
+              </a:rPr>
+              <a:t>class</a:t>
+            </a:r>
+            <a:r>
+              <a:rPr lang="en-US" altLang="zh-CN" dirty="0">
+                <a:solidFill>
+                  <a:srgbClr val="333333"/>
+                </a:solidFill>
+                <a:latin typeface="Consolas" panose="020B0609020204030204" pitchFamily="49" charset="0"/>
+              </a:rPr>
+              <a:t> </a:t>
+            </a:r>
+            <a:r>
+              <a:rPr lang="en-US" altLang="zh-CN" b="1" dirty="0">
+                <a:solidFill>
+                  <a:srgbClr val="7A3E9D"/>
+                </a:solidFill>
+                <a:latin typeface="Consolas" panose="020B0609020204030204" pitchFamily="49" charset="0"/>
+              </a:rPr>
+              <a:t>class2</a:t>
+            </a:r>
+            <a:r>
+              <a:rPr lang="en-US" altLang="zh-CN" dirty="0">
+                <a:solidFill>
+                  <a:srgbClr val="333333"/>
+                </a:solidFill>
+                <a:latin typeface="Consolas" panose="020B0609020204030204" pitchFamily="49" charset="0"/>
+              </a:rPr>
+              <a:t> </a:t>
+            </a:r>
+            <a:r>
+              <a:rPr lang="en-US" altLang="zh-CN" dirty="0">
+                <a:solidFill>
+                  <a:srgbClr val="4B83CD"/>
+                </a:solidFill>
+                <a:latin typeface="Consolas" panose="020B0609020204030204" pitchFamily="49" charset="0"/>
+              </a:rPr>
+              <a:t>extends</a:t>
+            </a:r>
+            <a:r>
+              <a:rPr lang="en-US" altLang="zh-CN" dirty="0">
+                <a:solidFill>
+                  <a:srgbClr val="333333"/>
+                </a:solidFill>
+                <a:latin typeface="Consolas" panose="020B0609020204030204" pitchFamily="49" charset="0"/>
+              </a:rPr>
+              <a:t> </a:t>
+            </a:r>
+            <a:r>
+              <a:rPr lang="en-US" altLang="zh-CN" b="1" dirty="0">
+                <a:solidFill>
+                  <a:srgbClr val="7A3E9D"/>
+                </a:solidFill>
+                <a:latin typeface="Consolas" panose="020B0609020204030204" pitchFamily="49" charset="0"/>
+              </a:rPr>
+              <a:t>class1</a:t>
+            </a:r>
+            <a:r>
+              <a:rPr lang="en-US" altLang="zh-CN" dirty="0">
+                <a:solidFill>
+                  <a:srgbClr val="777777"/>
+                </a:solidFill>
+                <a:latin typeface="Consolas" panose="020B0609020204030204" pitchFamily="49" charset="0"/>
+              </a:rPr>
+              <a:t>{</a:t>
+            </a:r>
+            <a:endParaRPr lang="en-US" altLang="zh-CN" dirty="0">
+              <a:solidFill>
+                <a:srgbClr val="333333"/>
+              </a:solidFill>
+              <a:latin typeface="Consolas" panose="020B0609020204030204" pitchFamily="49" charset="0"/>
+            </a:endParaRPr>
+          </a:p>
+          <a:p>
+            <a:pPr marL="0" indent="0">
+              <a:buNone/>
+            </a:pPr>
+            <a:r>
+              <a:rPr lang="en-US" altLang="zh-CN" b="1" dirty="0">
+                <a:solidFill>
+                  <a:srgbClr val="AA3731"/>
+                </a:solidFill>
+                <a:latin typeface="Consolas" panose="020B0609020204030204" pitchFamily="49" charset="0"/>
+              </a:rPr>
+              <a:t>  method1</a:t>
+            </a:r>
+            <a:r>
+              <a:rPr lang="en-US" altLang="zh-CN" dirty="0">
+                <a:solidFill>
+                  <a:srgbClr val="777777"/>
+                </a:solidFill>
+                <a:latin typeface="Consolas" panose="020B0609020204030204" pitchFamily="49" charset="0"/>
+              </a:rPr>
+              <a:t>(</a:t>
+            </a:r>
+            <a:r>
+              <a:rPr lang="en-US" altLang="zh-CN" dirty="0" err="1">
+                <a:solidFill>
+                  <a:srgbClr val="7A3E9D"/>
+                </a:solidFill>
+                <a:latin typeface="Consolas" panose="020B0609020204030204" pitchFamily="49" charset="0"/>
+              </a:rPr>
+              <a:t>args</a:t>
+            </a:r>
+            <a:r>
+              <a:rPr lang="en-US" altLang="zh-CN" dirty="0">
+                <a:solidFill>
+                  <a:srgbClr val="777777"/>
+                </a:solidFill>
+                <a:latin typeface="Consolas" panose="020B0609020204030204" pitchFamily="49" charset="0"/>
+              </a:rPr>
+              <a:t>){</a:t>
+            </a:r>
+            <a:endParaRPr lang="en-US" altLang="zh-CN" dirty="0">
+              <a:solidFill>
+                <a:srgbClr val="333333"/>
+              </a:solidFill>
+              <a:latin typeface="Consolas" panose="020B0609020204030204" pitchFamily="49" charset="0"/>
+            </a:endParaRPr>
+          </a:p>
+          <a:p>
+            <a:pPr marL="0" indent="0">
+              <a:buNone/>
+            </a:pPr>
+            <a:r>
+              <a:rPr lang="en-US" altLang="zh-CN" dirty="0">
+                <a:solidFill>
+                  <a:srgbClr val="AB6526"/>
+                </a:solidFill>
+                <a:latin typeface="Consolas" panose="020B0609020204030204" pitchFamily="49" charset="0"/>
+              </a:rPr>
+              <a:t>    super</a:t>
+            </a:r>
+            <a:r>
+              <a:rPr lang="en-US" altLang="zh-CN" dirty="0">
+                <a:solidFill>
+                  <a:srgbClr val="777777"/>
+                </a:solidFill>
+                <a:latin typeface="Consolas" panose="020B0609020204030204" pitchFamily="49" charset="0"/>
+              </a:rPr>
+              <a:t>.</a:t>
+            </a:r>
+            <a:r>
+              <a:rPr lang="en-US" altLang="zh-CN" b="1" dirty="0">
+                <a:solidFill>
+                  <a:srgbClr val="AA3731"/>
+                </a:solidFill>
+                <a:latin typeface="Consolas" panose="020B0609020204030204" pitchFamily="49" charset="0"/>
+              </a:rPr>
+              <a:t>method1</a:t>
+            </a:r>
+            <a:r>
+              <a:rPr lang="en-US" altLang="zh-CN" dirty="0">
+                <a:solidFill>
+                  <a:srgbClr val="333333"/>
+                </a:solidFill>
+                <a:latin typeface="Consolas" panose="020B0609020204030204" pitchFamily="49" charset="0"/>
+              </a:rPr>
+              <a:t>(</a:t>
+            </a:r>
+            <a:r>
+              <a:rPr lang="en-US" altLang="zh-CN" dirty="0" err="1">
+                <a:solidFill>
+                  <a:srgbClr val="7A3E9D"/>
+                </a:solidFill>
+                <a:latin typeface="Consolas" panose="020B0609020204030204" pitchFamily="49" charset="0"/>
+              </a:rPr>
+              <a:t>args</a:t>
+            </a:r>
+            <a:r>
+              <a:rPr lang="en-US" altLang="zh-CN" dirty="0">
+                <a:solidFill>
+                  <a:srgbClr val="333333"/>
+                </a:solidFill>
+                <a:latin typeface="Consolas" panose="020B0609020204030204" pitchFamily="49" charset="0"/>
+              </a:rPr>
+              <a:t>)</a:t>
+            </a:r>
+            <a:r>
+              <a:rPr lang="en-US" altLang="zh-CN" dirty="0">
+                <a:solidFill>
+                  <a:srgbClr val="777777"/>
+                </a:solidFill>
+                <a:latin typeface="Consolas" panose="020B0609020204030204" pitchFamily="49" charset="0"/>
+              </a:rPr>
+              <a:t>;</a:t>
+            </a:r>
+          </a:p>
+          <a:p>
+            <a:pPr marL="0" indent="0">
+              <a:buNone/>
+            </a:pPr>
+            <a:r>
+              <a:rPr lang="en-US" altLang="zh-CN" dirty="0">
+                <a:solidFill>
+                  <a:srgbClr val="777777"/>
+                </a:solidFill>
+                <a:latin typeface="Consolas" panose="020B0609020204030204" pitchFamily="49" charset="0"/>
+              </a:rPr>
+              <a:t>    </a:t>
+            </a:r>
+            <a:r>
+              <a:rPr lang="en-US" altLang="zh-CN" dirty="0">
+                <a:solidFill>
+                  <a:schemeClr val="accent6"/>
+                </a:solidFill>
+                <a:latin typeface="Consolas" panose="020B0609020204030204" pitchFamily="49" charset="0"/>
+              </a:rPr>
+              <a:t>// </a:t>
+            </a:r>
+            <a:r>
+              <a:rPr lang="en-US" altLang="zh-CN" dirty="0" err="1">
+                <a:solidFill>
+                  <a:schemeClr val="accent6"/>
+                </a:solidFill>
+                <a:latin typeface="Consolas" panose="020B0609020204030204" pitchFamily="49" charset="0"/>
+              </a:rPr>
+              <a:t>todo</a:t>
+            </a:r>
+            <a:r>
+              <a:rPr lang="en-US" altLang="zh-CN" dirty="0">
+                <a:solidFill>
+                  <a:schemeClr val="accent6"/>
+                </a:solidFill>
+                <a:latin typeface="Consolas" panose="020B0609020204030204" pitchFamily="49" charset="0"/>
+              </a:rPr>
+              <a:t> anything else</a:t>
+            </a:r>
+          </a:p>
+          <a:p>
+            <a:pPr marL="0" indent="0">
+              <a:buNone/>
+            </a:pPr>
+            <a:r>
+              <a:rPr lang="en-US" altLang="zh-CN" dirty="0">
+                <a:solidFill>
+                  <a:srgbClr val="777777"/>
+                </a:solidFill>
+                <a:latin typeface="Consolas" panose="020B0609020204030204" pitchFamily="49" charset="0"/>
+              </a:rPr>
+              <a:t>  }</a:t>
+            </a:r>
+            <a:endParaRPr lang="en-US" altLang="zh-CN" dirty="0">
+              <a:solidFill>
+                <a:srgbClr val="333333"/>
+              </a:solidFill>
+              <a:latin typeface="Consolas" panose="020B0609020204030204" pitchFamily="49" charset="0"/>
+            </a:endParaRPr>
+          </a:p>
+          <a:p>
+            <a:pPr marL="0" indent="0">
+              <a:buNone/>
+            </a:pPr>
+            <a:r>
+              <a:rPr lang="en-US" altLang="zh-CN" dirty="0">
+                <a:solidFill>
+                  <a:srgbClr val="777777"/>
+                </a:solidFill>
+                <a:latin typeface="Consolas" panose="020B0609020204030204" pitchFamily="49" charset="0"/>
+              </a:rPr>
+              <a:t>}</a:t>
+            </a:r>
+            <a:endParaRPr lang="en-US" altLang="zh-CN" dirty="0">
+              <a:solidFill>
+                <a:srgbClr val="333333"/>
+              </a:solidFill>
+              <a:latin typeface="Consolas" panose="020B0609020204030204" pitchFamily="49" charset="0"/>
+            </a:endParaRPr>
+          </a:p>
+          <a:p>
+            <a:pPr marL="0" indent="0">
+              <a:buNone/>
+            </a:pPr>
+            <a:endParaRPr lang="en-US" altLang="zh-CN" b="0" dirty="0">
+              <a:solidFill>
+                <a:srgbClr val="333333"/>
+              </a:solidFill>
+              <a:effectLst/>
+              <a:latin typeface="Consolas" panose="020B0609020204030204" pitchFamily="49" charset="0"/>
+            </a:endParaRPr>
+          </a:p>
+        </p:txBody>
+      </p:sp>
+      <p:sp>
+        <p:nvSpPr>
+          <p:cNvPr id="5" name="矩形 4">
+            <a:extLst>
+              <a:ext uri="{FF2B5EF4-FFF2-40B4-BE49-F238E27FC236}">
+                <a16:creationId xmlns:a16="http://schemas.microsoft.com/office/drawing/2014/main" id="{7F150F50-FAAF-4DB5-AE91-B9DA2BDE5F50}"/>
+              </a:ext>
+            </a:extLst>
+          </p:cNvPr>
+          <p:cNvSpPr/>
+          <p:nvPr/>
+        </p:nvSpPr>
+        <p:spPr>
+          <a:xfrm>
+            <a:off x="838201" y="2488398"/>
+            <a:ext cx="4401065" cy="3046988"/>
+          </a:xfrm>
+          <a:prstGeom prst="rect">
+            <a:avLst/>
+          </a:prstGeom>
+          <a:noFill/>
+        </p:spPr>
+        <p:txBody>
+          <a:bodyPr wrap="square" lIns="91440" tIns="45720" rIns="91440" bIns="45720">
+            <a:spAutoFit/>
+          </a:bodyPr>
+          <a:lstStyle/>
+          <a:p>
+            <a:pPr algn="ctr"/>
+            <a:r>
+              <a:rPr lang="en-US" altLang="zh-CN" sz="9600" dirty="0" err="1">
+                <a:ln w="0"/>
+                <a:effectLst>
+                  <a:outerShdw blurRad="38100" dist="19050" dir="2700000" algn="tl" rotWithShape="0">
+                    <a:schemeClr val="dk1">
+                      <a:alpha val="40000"/>
+                    </a:schemeClr>
+                  </a:outerShdw>
+                </a:effectLst>
+              </a:rPr>
+              <a:t>extens</a:t>
+            </a:r>
+            <a:r>
+              <a:rPr lang="en-US" altLang="zh-CN" sz="9600" dirty="0">
+                <a:ln w="0"/>
+                <a:effectLst>
+                  <a:outerShdw blurRad="38100" dist="19050" dir="2700000" algn="tl" rotWithShape="0">
+                    <a:schemeClr val="dk1">
+                      <a:alpha val="40000"/>
+                    </a:schemeClr>
+                  </a:outerShdw>
+                </a:effectLst>
+              </a:rPr>
+              <a:t> super</a:t>
+            </a:r>
+            <a:endParaRPr lang="zh-CN" altLang="en-US" sz="9600" dirty="0">
+              <a:ln w="0"/>
+              <a:effectLst>
+                <a:outerShdw blurRad="38100" dist="19050" dir="2700000" algn="tl" rotWithShape="0">
+                  <a:schemeClr val="dk1">
+                    <a:alpha val="40000"/>
+                  </a:schemeClr>
+                </a:outerShdw>
+              </a:effectLst>
+            </a:endParaRPr>
+          </a:p>
+        </p:txBody>
+      </p:sp>
+    </p:spTree>
+    <p:extLst>
+      <p:ext uri="{BB962C8B-B14F-4D97-AF65-F5344CB8AC3E}">
+        <p14:creationId xmlns:p14="http://schemas.microsoft.com/office/powerpoint/2010/main" val="3539503762"/>
+      </p:ext>
+    </p:extLst>
+  </p:cSld>
+  <p:clrMapOvr>
+    <a:masterClrMapping/>
+  </p:clrMapOvr>
+</p:sld>
+</file>
+
+<file path=ppt/slides/slide18.xml><?xml version="1.0" encoding="utf-8"?>
+<p:sld xmlns:a="http://schemas.openxmlformats.org/drawingml/2006/main" xmlns:r="http://schemas.openxmlformats.org/officeDocument/2006/relationships" xmlns:p="http://schemas.openxmlformats.org/presentationml/2006/main">
+  <p:cSld>
+    <p:spTree>
+      <p:nvGrpSpPr>
+        <p:cNvPr id="1" name=""/>
+        <p:cNvGrpSpPr/>
+        <p:nvPr/>
+      </p:nvGrpSpPr>
+      <p:grpSpPr>
+        <a:xfrm>
+          <a:off x="0" y="0"/>
+          <a:ext cx="0" cy="0"/>
+          <a:chOff x="0" y="0"/>
+          <a:chExt cx="0" cy="0"/>
+        </a:xfrm>
+      </p:grpSpPr>
+      <p:sp>
+        <p:nvSpPr>
+          <p:cNvPr id="2" name="标题 1">
+            <a:extLst>
+              <a:ext uri="{FF2B5EF4-FFF2-40B4-BE49-F238E27FC236}">
+                <a16:creationId xmlns:a16="http://schemas.microsoft.com/office/drawing/2014/main" id="{FB8FE091-9F14-4BF7-BF12-EA52FFF71F4F}"/>
+              </a:ext>
+            </a:extLst>
+          </p:cNvPr>
+          <p:cNvSpPr>
+            <a:spLocks noGrp="1"/>
+          </p:cNvSpPr>
+          <p:nvPr>
+            <p:ph type="title"/>
+          </p:nvPr>
+        </p:nvSpPr>
+        <p:spPr/>
+        <p:txBody>
+          <a:bodyPr>
+            <a:normAutofit/>
+          </a:bodyPr>
+          <a:lstStyle/>
+          <a:p>
+            <a:r>
+              <a:rPr lang="zh-CN" altLang="en-US" dirty="0"/>
+              <a:t>故事二 小兔子乖乖</a:t>
+            </a:r>
+          </a:p>
+        </p:txBody>
+      </p:sp>
+      <p:sp>
+        <p:nvSpPr>
+          <p:cNvPr id="4" name="内容占位符 3">
+            <a:extLst>
+              <a:ext uri="{FF2B5EF4-FFF2-40B4-BE49-F238E27FC236}">
+                <a16:creationId xmlns:a16="http://schemas.microsoft.com/office/drawing/2014/main" id="{B8C47A43-FD6B-469A-B9A3-BDD475014787}"/>
+              </a:ext>
+            </a:extLst>
+          </p:cNvPr>
+          <p:cNvSpPr>
+            <a:spLocks noGrp="1"/>
+          </p:cNvSpPr>
+          <p:nvPr>
+            <p:ph sz="half" idx="2"/>
+          </p:nvPr>
+        </p:nvSpPr>
+        <p:spPr>
+          <a:xfrm>
+            <a:off x="6096000" y="3334663"/>
+            <a:ext cx="5080685" cy="862014"/>
+          </a:xfrm>
+        </p:spPr>
+        <p:txBody>
+          <a:bodyPr>
+            <a:noAutofit/>
+          </a:bodyPr>
+          <a:lstStyle/>
+          <a:p>
+            <a:pPr marL="0" indent="0">
+              <a:buNone/>
+            </a:pPr>
+            <a:r>
+              <a:rPr lang="en-US" altLang="zh-CN" sz="7200" dirty="0">
+                <a:solidFill>
+                  <a:srgbClr val="777777"/>
+                </a:solidFill>
+                <a:latin typeface="Consolas" panose="020B0609020204030204" pitchFamily="49" charset="0"/>
+              </a:rPr>
+              <a:t>/</a:t>
+            </a:r>
+            <a:r>
+              <a:rPr lang="en-US" altLang="zh-CN" sz="7200" dirty="0">
+                <a:solidFill>
+                  <a:srgbClr val="4B83CD"/>
+                </a:solidFill>
+                <a:latin typeface="Consolas" panose="020B0609020204030204" pitchFamily="49" charset="0"/>
+              </a:rPr>
+              <a:t>pattern</a:t>
+            </a:r>
+            <a:r>
+              <a:rPr lang="en-US" altLang="zh-CN" sz="7200" dirty="0">
+                <a:solidFill>
+                  <a:srgbClr val="777777"/>
+                </a:solidFill>
+                <a:latin typeface="Consolas" panose="020B0609020204030204" pitchFamily="49" charset="0"/>
+              </a:rPr>
+              <a:t>/</a:t>
+            </a:r>
+            <a:endParaRPr lang="en-US" altLang="zh-CN" sz="7200" dirty="0">
+              <a:solidFill>
+                <a:srgbClr val="333333"/>
+              </a:solidFill>
+              <a:latin typeface="Consolas" panose="020B0609020204030204" pitchFamily="49" charset="0"/>
+            </a:endParaRPr>
+          </a:p>
+          <a:p>
+            <a:pPr marL="0" indent="0">
+              <a:buNone/>
+            </a:pPr>
+            <a:endParaRPr lang="en-US" altLang="zh-CN" sz="7200" b="0" dirty="0">
+              <a:solidFill>
+                <a:srgbClr val="333333"/>
+              </a:solidFill>
+              <a:effectLst/>
+              <a:latin typeface="Consolas" panose="020B0609020204030204" pitchFamily="49" charset="0"/>
+            </a:endParaRPr>
+          </a:p>
+        </p:txBody>
+      </p:sp>
+      <p:sp>
+        <p:nvSpPr>
+          <p:cNvPr id="5" name="矩形 4">
+            <a:extLst>
+              <a:ext uri="{FF2B5EF4-FFF2-40B4-BE49-F238E27FC236}">
+                <a16:creationId xmlns:a16="http://schemas.microsoft.com/office/drawing/2014/main" id="{7F150F50-FAAF-4DB5-AE91-B9DA2BDE5F50}"/>
+              </a:ext>
+            </a:extLst>
+          </p:cNvPr>
+          <p:cNvSpPr/>
+          <p:nvPr/>
+        </p:nvSpPr>
+        <p:spPr>
+          <a:xfrm>
+            <a:off x="838201" y="2488398"/>
+            <a:ext cx="5080685" cy="2554545"/>
+          </a:xfrm>
+          <a:prstGeom prst="rect">
+            <a:avLst/>
+          </a:prstGeom>
+          <a:noFill/>
+        </p:spPr>
+        <p:txBody>
+          <a:bodyPr wrap="square" lIns="91440" tIns="45720" rIns="91440" bIns="45720">
+            <a:spAutoFit/>
+          </a:bodyPr>
+          <a:lstStyle/>
+          <a:p>
+            <a:pPr algn="ctr"/>
+            <a:r>
+              <a:rPr lang="en-US" altLang="zh-CN" sz="8000" dirty="0">
+                <a:ln w="0"/>
+                <a:effectLst>
+                  <a:outerShdw blurRad="38100" dist="19050" dir="2700000" algn="tl" rotWithShape="0">
+                    <a:schemeClr val="dk1">
+                      <a:alpha val="40000"/>
+                    </a:schemeClr>
+                  </a:outerShdw>
+                </a:effectLst>
+              </a:rPr>
+              <a:t>regular</a:t>
+            </a:r>
+          </a:p>
+          <a:p>
+            <a:pPr algn="ctr"/>
+            <a:r>
+              <a:rPr lang="en-US" altLang="zh-CN" sz="8000" dirty="0">
+                <a:ln w="0"/>
+                <a:effectLst>
+                  <a:outerShdw blurRad="38100" dist="19050" dir="2700000" algn="tl" rotWithShape="0">
+                    <a:schemeClr val="dk1">
+                      <a:alpha val="40000"/>
+                    </a:schemeClr>
+                  </a:outerShdw>
+                </a:effectLst>
+              </a:rPr>
+              <a:t>expression</a:t>
+            </a:r>
+            <a:endParaRPr lang="zh-CN" altLang="en-US" sz="8000" dirty="0">
+              <a:ln w="0"/>
+              <a:effectLst>
+                <a:outerShdw blurRad="38100" dist="19050" dir="2700000" algn="tl" rotWithShape="0">
+                  <a:schemeClr val="dk1">
+                    <a:alpha val="40000"/>
+                  </a:schemeClr>
+                </a:outerShdw>
+              </a:effectLst>
+            </a:endParaRPr>
+          </a:p>
+        </p:txBody>
+      </p:sp>
+    </p:spTree>
+    <p:extLst>
+      <p:ext uri="{BB962C8B-B14F-4D97-AF65-F5344CB8AC3E}">
+        <p14:creationId xmlns:p14="http://schemas.microsoft.com/office/powerpoint/2010/main" val="2977462138"/>
+      </p:ext>
+    </p:extLst>
+  </p:cSld>
+  <p:clrMapOvr>
+    <a:masterClrMapping/>
+  </p:clrMapOvr>
+</p:sld>
+</file>
+
+<file path=ppt/slides/slide19.xml><?xml version="1.0" encoding="utf-8"?>
+<p:sld xmlns:a="http://schemas.openxmlformats.org/drawingml/2006/main" xmlns:r="http://schemas.openxmlformats.org/officeDocument/2006/relationships" xmlns:p="http://schemas.openxmlformats.org/presentationml/2006/main">
+  <p:cSld>
+    <p:spTree>
+      <p:nvGrpSpPr>
+        <p:cNvPr id="1" name=""/>
+        <p:cNvGrpSpPr/>
+        <p:nvPr/>
+      </p:nvGrpSpPr>
+      <p:grpSpPr>
+        <a:xfrm>
+          <a:off x="0" y="0"/>
+          <a:ext cx="0" cy="0"/>
+          <a:chOff x="0" y="0"/>
+          <a:chExt cx="0" cy="0"/>
+        </a:xfrm>
+      </p:grpSpPr>
+      <p:sp>
+        <p:nvSpPr>
+          <p:cNvPr id="2" name="标题 1">
+            <a:extLst>
+              <a:ext uri="{FF2B5EF4-FFF2-40B4-BE49-F238E27FC236}">
+                <a16:creationId xmlns:a16="http://schemas.microsoft.com/office/drawing/2014/main" id="{FB8FE091-9F14-4BF7-BF12-EA52FFF71F4F}"/>
+              </a:ext>
+            </a:extLst>
+          </p:cNvPr>
+          <p:cNvSpPr>
+            <a:spLocks noGrp="1"/>
+          </p:cNvSpPr>
+          <p:nvPr>
+            <p:ph type="title"/>
+          </p:nvPr>
+        </p:nvSpPr>
+        <p:spPr/>
+        <p:txBody>
+          <a:bodyPr>
+            <a:normAutofit/>
+          </a:bodyPr>
+          <a:lstStyle/>
+          <a:p>
+            <a:r>
+              <a:rPr lang="zh-CN" altLang="en-US" dirty="0"/>
+              <a:t>故事二 小兔子乖乖</a:t>
+            </a:r>
+          </a:p>
+        </p:txBody>
+      </p:sp>
+      <p:sp>
+        <p:nvSpPr>
+          <p:cNvPr id="4" name="内容占位符 3">
+            <a:extLst>
+              <a:ext uri="{FF2B5EF4-FFF2-40B4-BE49-F238E27FC236}">
+                <a16:creationId xmlns:a16="http://schemas.microsoft.com/office/drawing/2014/main" id="{B8C47A43-FD6B-469A-B9A3-BDD475014787}"/>
+              </a:ext>
+            </a:extLst>
+          </p:cNvPr>
+          <p:cNvSpPr>
+            <a:spLocks noGrp="1"/>
+          </p:cNvSpPr>
+          <p:nvPr>
+            <p:ph sz="half" idx="2"/>
+          </p:nvPr>
+        </p:nvSpPr>
+        <p:spPr>
+          <a:xfrm>
+            <a:off x="5918886" y="2820377"/>
+            <a:ext cx="5581135" cy="1890584"/>
+          </a:xfrm>
+        </p:spPr>
+        <p:txBody>
+          <a:bodyPr>
+            <a:noAutofit/>
+          </a:bodyPr>
+          <a:lstStyle/>
+          <a:p>
+            <a:pPr marL="0" indent="0">
+              <a:buNone/>
+            </a:pPr>
+            <a:r>
+              <a:rPr lang="en-US" altLang="zh-CN" sz="3200" dirty="0">
+                <a:solidFill>
+                  <a:srgbClr val="7A3E9D"/>
+                </a:solidFill>
+                <a:latin typeface="Consolas" panose="020B0609020204030204" pitchFamily="49" charset="0"/>
+              </a:rPr>
+              <a:t>let</a:t>
+            </a:r>
+            <a:r>
+              <a:rPr lang="en-US" altLang="zh-CN" sz="3200" dirty="0">
+                <a:solidFill>
+                  <a:srgbClr val="333333"/>
+                </a:solidFill>
+                <a:latin typeface="Consolas" panose="020B0609020204030204" pitchFamily="49" charset="0"/>
+              </a:rPr>
+              <a:t> </a:t>
+            </a:r>
+            <a:r>
+              <a:rPr lang="en-US" altLang="zh-CN" sz="3200" dirty="0">
+                <a:solidFill>
+                  <a:srgbClr val="7A3E9D"/>
+                </a:solidFill>
+                <a:latin typeface="Consolas" panose="020B0609020204030204" pitchFamily="49" charset="0"/>
+              </a:rPr>
+              <a:t>driver</a:t>
+            </a:r>
+            <a:r>
+              <a:rPr lang="en-US" altLang="zh-CN" sz="3200" dirty="0">
+                <a:solidFill>
+                  <a:srgbClr val="777777"/>
+                </a:solidFill>
+                <a:latin typeface="Consolas" panose="020B0609020204030204" pitchFamily="49" charset="0"/>
+              </a:rPr>
+              <a:t>=</a:t>
+            </a:r>
+            <a:r>
+              <a:rPr lang="en-US" altLang="zh-CN" sz="3200" dirty="0">
+                <a:solidFill>
+                  <a:srgbClr val="333333"/>
+                </a:solidFill>
+                <a:latin typeface="Consolas" panose="020B0609020204030204" pitchFamily="49" charset="0"/>
+              </a:rPr>
+              <a:t> </a:t>
+            </a:r>
+            <a:r>
+              <a:rPr lang="en-US" altLang="zh-CN" sz="3200" dirty="0">
+                <a:solidFill>
+                  <a:srgbClr val="777777"/>
+                </a:solidFill>
+                <a:latin typeface="Consolas" panose="020B0609020204030204" pitchFamily="49" charset="0"/>
+              </a:rPr>
+              <a:t>new</a:t>
+            </a:r>
+            <a:r>
+              <a:rPr lang="en-US" altLang="zh-CN" sz="3200" dirty="0">
+                <a:solidFill>
+                  <a:srgbClr val="333333"/>
+                </a:solidFill>
+                <a:latin typeface="Consolas" panose="020B0609020204030204" pitchFamily="49" charset="0"/>
+              </a:rPr>
+              <a:t> </a:t>
+            </a:r>
+            <a:r>
+              <a:rPr lang="en-US" altLang="zh-CN" sz="3200" b="1" dirty="0">
+                <a:solidFill>
+                  <a:srgbClr val="7A3E9D"/>
+                </a:solidFill>
+                <a:latin typeface="Consolas" panose="020B0609020204030204" pitchFamily="49" charset="0"/>
+              </a:rPr>
+              <a:t>Builder</a:t>
+            </a:r>
+            <a:r>
+              <a:rPr lang="en-US" altLang="zh-CN" sz="3200" dirty="0">
+                <a:solidFill>
+                  <a:srgbClr val="333333"/>
+                </a:solidFill>
+                <a:latin typeface="Consolas" panose="020B0609020204030204" pitchFamily="49" charset="0"/>
+              </a:rPr>
+              <a:t>()</a:t>
+            </a:r>
+          </a:p>
+          <a:p>
+            <a:pPr marL="0" indent="0">
+              <a:buNone/>
+            </a:pPr>
+            <a:r>
+              <a:rPr lang="en-US" altLang="zh-CN" sz="3200" dirty="0">
+                <a:solidFill>
+                  <a:srgbClr val="777777"/>
+                </a:solidFill>
+                <a:latin typeface="Consolas" panose="020B0609020204030204" pitchFamily="49" charset="0"/>
+              </a:rPr>
+              <a:t>.</a:t>
+            </a:r>
+            <a:r>
+              <a:rPr lang="en-US" altLang="zh-CN" sz="3200" b="1" dirty="0" err="1">
+                <a:solidFill>
+                  <a:srgbClr val="AA3731"/>
+                </a:solidFill>
+                <a:latin typeface="Consolas" panose="020B0609020204030204" pitchFamily="49" charset="0"/>
+              </a:rPr>
+              <a:t>forBrowser</a:t>
+            </a:r>
+            <a:r>
+              <a:rPr lang="en-US" altLang="zh-CN" sz="3200" dirty="0">
+                <a:solidFill>
+                  <a:srgbClr val="333333"/>
+                </a:solidFill>
+                <a:latin typeface="Consolas" panose="020B0609020204030204" pitchFamily="49" charset="0"/>
+              </a:rPr>
+              <a:t>(</a:t>
+            </a:r>
+            <a:r>
+              <a:rPr lang="en-US" altLang="zh-CN" sz="3200" dirty="0">
+                <a:solidFill>
+                  <a:srgbClr val="777777"/>
+                </a:solidFill>
+                <a:latin typeface="Consolas" panose="020B0609020204030204" pitchFamily="49" charset="0"/>
+              </a:rPr>
+              <a:t>"</a:t>
+            </a:r>
+            <a:r>
+              <a:rPr lang="en-US" altLang="zh-CN" sz="3200" dirty="0">
+                <a:solidFill>
+                  <a:srgbClr val="448C27"/>
+                </a:solidFill>
+                <a:latin typeface="Consolas" panose="020B0609020204030204" pitchFamily="49" charset="0"/>
+              </a:rPr>
+              <a:t>chrome</a:t>
+            </a:r>
+            <a:r>
+              <a:rPr lang="en-US" altLang="zh-CN" sz="3200" dirty="0">
+                <a:solidFill>
+                  <a:srgbClr val="777777"/>
+                </a:solidFill>
+                <a:latin typeface="Consolas" panose="020B0609020204030204" pitchFamily="49" charset="0"/>
+              </a:rPr>
+              <a:t>"</a:t>
+            </a:r>
+            <a:r>
+              <a:rPr lang="en-US" altLang="zh-CN" sz="3200" dirty="0">
+                <a:solidFill>
+                  <a:srgbClr val="333333"/>
+                </a:solidFill>
+                <a:latin typeface="Consolas" panose="020B0609020204030204" pitchFamily="49" charset="0"/>
+              </a:rPr>
+              <a:t>)</a:t>
+            </a:r>
+          </a:p>
+          <a:p>
+            <a:pPr marL="0" indent="0">
+              <a:buNone/>
+            </a:pPr>
+            <a:r>
+              <a:rPr lang="en-US" altLang="zh-CN" sz="3200" dirty="0">
+                <a:solidFill>
+                  <a:srgbClr val="777777"/>
+                </a:solidFill>
+                <a:latin typeface="Consolas" panose="020B0609020204030204" pitchFamily="49" charset="0"/>
+              </a:rPr>
+              <a:t>.</a:t>
+            </a:r>
+            <a:r>
+              <a:rPr lang="en-US" altLang="zh-CN" sz="3200" b="1" dirty="0">
+                <a:solidFill>
+                  <a:srgbClr val="AA3731"/>
+                </a:solidFill>
+                <a:latin typeface="Consolas" panose="020B0609020204030204" pitchFamily="49" charset="0"/>
+              </a:rPr>
+              <a:t>build</a:t>
+            </a:r>
+            <a:r>
+              <a:rPr lang="en-US" altLang="zh-CN" sz="3200" dirty="0">
+                <a:solidFill>
+                  <a:srgbClr val="333333"/>
+                </a:solidFill>
+                <a:latin typeface="Consolas" panose="020B0609020204030204" pitchFamily="49" charset="0"/>
+              </a:rPr>
+              <a:t>()</a:t>
+            </a:r>
+            <a:r>
+              <a:rPr lang="en-US" altLang="zh-CN" sz="3200" dirty="0">
+                <a:solidFill>
+                  <a:srgbClr val="777777"/>
+                </a:solidFill>
+                <a:latin typeface="Consolas" panose="020B0609020204030204" pitchFamily="49" charset="0"/>
+              </a:rPr>
+              <a:t>;</a:t>
+            </a:r>
+            <a:endParaRPr lang="en-US" altLang="zh-CN" sz="3200" dirty="0">
+              <a:solidFill>
+                <a:srgbClr val="333333"/>
+              </a:solidFill>
+              <a:latin typeface="Consolas" panose="020B0609020204030204" pitchFamily="49" charset="0"/>
+            </a:endParaRPr>
+          </a:p>
+          <a:p>
+            <a:pPr marL="0" indent="0">
+              <a:buNone/>
+            </a:pPr>
+            <a:endParaRPr lang="en-US" altLang="zh-CN" sz="1600" b="0" dirty="0">
+              <a:solidFill>
+                <a:srgbClr val="333333"/>
+              </a:solidFill>
+              <a:effectLst/>
+              <a:latin typeface="Consolas" panose="020B0609020204030204" pitchFamily="49" charset="0"/>
+            </a:endParaRPr>
+          </a:p>
+        </p:txBody>
+      </p:sp>
+      <p:sp>
+        <p:nvSpPr>
+          <p:cNvPr id="5" name="矩形 4">
+            <a:extLst>
+              <a:ext uri="{FF2B5EF4-FFF2-40B4-BE49-F238E27FC236}">
+                <a16:creationId xmlns:a16="http://schemas.microsoft.com/office/drawing/2014/main" id="{7F150F50-FAAF-4DB5-AE91-B9DA2BDE5F50}"/>
+              </a:ext>
+            </a:extLst>
+          </p:cNvPr>
+          <p:cNvSpPr/>
+          <p:nvPr/>
+        </p:nvSpPr>
+        <p:spPr>
+          <a:xfrm>
+            <a:off x="838201" y="3103950"/>
+            <a:ext cx="5080685" cy="1323439"/>
+          </a:xfrm>
+          <a:prstGeom prst="rect">
+            <a:avLst/>
+          </a:prstGeom>
+          <a:noFill/>
+        </p:spPr>
+        <p:txBody>
+          <a:bodyPr wrap="square" lIns="91440" tIns="45720" rIns="91440" bIns="45720">
+            <a:spAutoFit/>
+          </a:bodyPr>
+          <a:lstStyle/>
+          <a:p>
+            <a:pPr algn="ctr"/>
+            <a:r>
+              <a:rPr lang="en-US" altLang="zh-CN" sz="8000" dirty="0">
+                <a:ln w="0"/>
+                <a:effectLst>
+                  <a:outerShdw blurRad="38100" dist="19050" dir="2700000" algn="tl" rotWithShape="0">
+                    <a:schemeClr val="dk1">
+                      <a:alpha val="40000"/>
+                    </a:schemeClr>
+                  </a:outerShdw>
+                </a:effectLst>
+              </a:rPr>
+              <a:t>web driver</a:t>
+            </a:r>
+            <a:endParaRPr lang="zh-CN" altLang="en-US" sz="8000" dirty="0">
+              <a:ln w="0"/>
+              <a:effectLst>
+                <a:outerShdw blurRad="38100" dist="19050" dir="2700000" algn="tl" rotWithShape="0">
+                  <a:schemeClr val="dk1">
+                    <a:alpha val="40000"/>
+                  </a:schemeClr>
+                </a:outerShdw>
+              </a:effectLst>
+            </a:endParaRPr>
+          </a:p>
+        </p:txBody>
+      </p:sp>
+    </p:spTree>
+    <p:extLst>
+      <p:ext uri="{BB962C8B-B14F-4D97-AF65-F5344CB8AC3E}">
+        <p14:creationId xmlns:p14="http://schemas.microsoft.com/office/powerpoint/2010/main" val="1263529293"/>
+      </p:ext>
+    </p:extLst>
+  </p:cSld>
+  <p:clrMapOvr>
+    <a:masterClrMapping/>
+  </p:clrMapOvr>
+</p:sld>
+</file>
+
+<file path=ppt/slides/slide2.xml><?xml version="1.0" encoding="utf-8"?>
 <p:sld xmlns:a="http://schemas.openxmlformats.org/drawingml/2006/main" xmlns:r="http://schemas.openxmlformats.org/officeDocument/2006/relationships" xmlns:p="http://schemas.openxmlformats.org/presentationml/2006/main">
   <p:cSld>
     <p:spTree>
@@ -13477,8 +15817,8 @@
           <a:lstStyle/>
           <a:p>
             <a:r>
-              <a:rPr lang="en-US" dirty="0" err="1"/>
-              <a:t>Nodejs</a:t>
+              <a:rPr lang="zh-CN" altLang="en-US" b="1" dirty="0"/>
+              <a:t>培训课堂注意事项</a:t>
             </a:r>
             <a:endParaRPr lang="en-US" dirty="0"/>
           </a:p>
@@ -13499,86 +15839,66 @@
           <a:bodyPr/>
           <a:lstStyle/>
           <a:p>
-            <a:r>
-              <a:rPr lang="en-US" altLang="zh-CN" dirty="0"/>
-              <a:t>Node.js </a:t>
-            </a:r>
-            <a:r>
-              <a:rPr lang="zh-CN" altLang="en-US" dirty="0"/>
-              <a:t>是一个基于 </a:t>
-            </a:r>
-            <a:r>
-              <a:rPr lang="en-US" altLang="zh-CN" dirty="0"/>
-              <a:t>Chrome V8 </a:t>
-            </a:r>
-            <a:r>
-              <a:rPr lang="zh-CN" altLang="en-US" dirty="0"/>
-              <a:t>引擎的 </a:t>
-            </a:r>
-            <a:r>
-              <a:rPr lang="en-US" altLang="zh-CN" dirty="0"/>
-              <a:t>JavaScript </a:t>
-            </a:r>
-            <a:r>
-              <a:rPr lang="zh-CN" altLang="en-US" dirty="0"/>
-              <a:t>运行环境。 </a:t>
-            </a:r>
-            <a:br>
-              <a:rPr lang="zh-CN" altLang="en-US" dirty="0"/>
-            </a:br>
-            <a:r>
-              <a:rPr lang="en-US" altLang="zh-CN" dirty="0"/>
-              <a:t>Node.js </a:t>
-            </a:r>
-            <a:r>
-              <a:rPr lang="zh-CN" altLang="en-US" dirty="0"/>
-              <a:t>使用了一个事件驱动、非阻塞式 </a:t>
-            </a:r>
-            <a:r>
-              <a:rPr lang="en-US" altLang="zh-CN" dirty="0"/>
-              <a:t>I/O </a:t>
-            </a:r>
-            <a:r>
-              <a:rPr lang="zh-CN" altLang="en-US" dirty="0"/>
-              <a:t>的模型，使其轻量又高效。 </a:t>
-            </a:r>
-            <a:br>
-              <a:rPr lang="zh-CN" altLang="en-US" dirty="0"/>
-            </a:br>
-            <a:r>
-              <a:rPr lang="en-US" altLang="zh-CN" dirty="0"/>
-              <a:t>Node.js </a:t>
-            </a:r>
-            <a:r>
-              <a:rPr lang="zh-CN" altLang="en-US" dirty="0"/>
-              <a:t>的包管理器 </a:t>
-            </a:r>
-            <a:r>
-              <a:rPr lang="en-US" altLang="zh-CN" dirty="0" err="1"/>
-              <a:t>npm</a:t>
-            </a:r>
-            <a:r>
-              <a:rPr lang="zh-CN" altLang="en-US" dirty="0"/>
-              <a:t>，是全球最大的开源库生态系统。</a:t>
-            </a:r>
-            <a:endParaRPr lang="en-US" dirty="0"/>
-          </a:p>
-          <a:p>
-            <a:r>
-              <a:rPr lang="en-US" dirty="0">
-                <a:hlinkClick r:id="rId2"/>
-              </a:rPr>
-              <a:t>http://nodejs.cn/</a:t>
-            </a:r>
-            <a:endParaRPr lang="en-US" dirty="0"/>
-          </a:p>
-          <a:p>
-            <a:r>
-              <a:rPr lang="en-US" dirty="0">
-                <a:hlinkClick r:id="rId3"/>
-              </a:rPr>
-              <a:t>https://nodejs.org/en/</a:t>
-            </a:r>
+            <a:pPr marL="385763" indent="-385763">
+              <a:buFont typeface="+mj-lt"/>
+              <a:buAutoNum type="arabicPeriod"/>
+              <a:defRPr/>
+            </a:pPr>
+            <a:r>
+              <a:rPr lang="zh-CN" altLang="en-US" dirty="0">
+                <a:latin typeface="+mn-ea"/>
+              </a:rPr>
+              <a:t>请自觉遵守培训纪律，培训期间不得旷课，没有特殊事项，不得请假。</a:t>
+            </a:r>
+            <a:endParaRPr lang="en-US" altLang="zh-CN" dirty="0">
+              <a:latin typeface="+mn-ea"/>
+            </a:endParaRPr>
+          </a:p>
+          <a:p>
+            <a:pPr marL="385763" indent="-385763">
+              <a:buFont typeface="+mj-lt"/>
+              <a:buAutoNum type="arabicPeriod"/>
+              <a:defRPr/>
+            </a:pPr>
+            <a:r>
+              <a:rPr lang="zh-CN" altLang="en-US" dirty="0">
+                <a:latin typeface="+mn-ea"/>
+              </a:rPr>
+              <a:t>上课期间，请将手机调至静音状态，认真听讲，如有特殊原因需接听电话，在征得讲师同意后到教室外接听。</a:t>
+            </a:r>
+            <a:endParaRPr lang="en-US" altLang="zh-CN" dirty="0">
+              <a:latin typeface="+mn-ea"/>
+            </a:endParaRPr>
+          </a:p>
+          <a:p>
+            <a:pPr marL="385763" indent="-385763">
+              <a:buFont typeface="+mj-lt"/>
+              <a:buAutoNum type="arabicPeriod"/>
+              <a:defRPr/>
+            </a:pPr>
+            <a:r>
+              <a:rPr lang="zh-CN" altLang="en-US" dirty="0">
+                <a:latin typeface="+mn-ea"/>
+              </a:rPr>
+              <a:t>培训期间请提前</a:t>
+            </a:r>
+            <a:r>
+              <a:rPr lang="en-US" altLang="zh-CN" dirty="0">
+                <a:latin typeface="+mn-ea"/>
+              </a:rPr>
+              <a:t>5</a:t>
+            </a:r>
+            <a:r>
+              <a:rPr lang="zh-CN" altLang="en-US" dirty="0">
+                <a:latin typeface="+mn-ea"/>
+              </a:rPr>
+              <a:t>分钟到达教室，并及时签到，每人每节课前签到一次，不得多签或代签。</a:t>
+            </a:r>
+            <a:endParaRPr lang="en-US" dirty="0">
+              <a:latin typeface="+mn-ea"/>
+            </a:endParaRPr>
+          </a:p>
+          <a:p>
             <a:endParaRPr lang="en-US" dirty="0"/>
           </a:p>
         </p:txBody>
@@ -13586,7 +15906,7 @@
     </p:spTree>
     <p:extLst>
       <p:ext uri="{BB962C8B-B14F-4D97-AF65-F5344CB8AC3E}">
-        <p14:creationId xmlns:p14="http://schemas.microsoft.com/office/powerpoint/2010/main" val="1534142673"/>
+        <p14:creationId xmlns:p14="http://schemas.microsoft.com/office/powerpoint/2010/main" val="1141033321"/>
       </p:ext>
     </p:extLst>
   </p:cSld>
@@ -13596,120 +15916,7 @@
 </p:sld>
 </file>
 
-<file path=ppt/slides/slide16.xml><?xml version="1.0" encoding="utf-8"?>
-<p:sld xmlns:a="http://schemas.openxmlformats.org/drawingml/2006/main" xmlns:r="http://schemas.openxmlformats.org/officeDocument/2006/relationships" xmlns:p="http://schemas.openxmlformats.org/presentationml/2006/main">
-  <p:cSld>
-    <p:spTree>
-      <p:nvGrpSpPr>
-        <p:cNvPr id="1" name=""/>
-        <p:cNvGrpSpPr/>
-        <p:nvPr/>
-      </p:nvGrpSpPr>
-      <p:grpSpPr>
-        <a:xfrm>
-          <a:off x="0" y="0"/>
-          <a:ext cx="0" cy="0"/>
-          <a:chOff x="0" y="0"/>
-          <a:chExt cx="0" cy="0"/>
-        </a:xfrm>
-      </p:grpSpPr>
-      <p:sp>
-        <p:nvSpPr>
-          <p:cNvPr id="2" name="Title 1"/>
-          <p:cNvSpPr>
-            <a:spLocks noGrp="1"/>
-          </p:cNvSpPr>
-          <p:nvPr>
-            <p:ph type="title"/>
-          </p:nvPr>
-        </p:nvSpPr>
-        <p:spPr/>
-        <p:txBody>
-          <a:bodyPr/>
-          <a:lstStyle/>
-          <a:p>
-            <a:r>
-              <a:rPr lang="zh-CN" altLang="en-US" dirty="0"/>
-              <a:t>自学 </a:t>
-            </a:r>
-            <a:r>
-              <a:rPr lang="en-US" altLang="zh-CN" dirty="0"/>
-              <a:t>– </a:t>
-            </a:r>
-            <a:r>
-              <a:rPr lang="zh-CN" altLang="en-US" dirty="0"/>
-              <a:t>开源项目</a:t>
-            </a:r>
-            <a:endParaRPr lang="en-US" dirty="0"/>
-          </a:p>
-        </p:txBody>
-      </p:sp>
-      <p:sp>
-        <p:nvSpPr>
-          <p:cNvPr id="3" name="Content Placeholder 2"/>
-          <p:cNvSpPr>
-            <a:spLocks noGrp="1"/>
-          </p:cNvSpPr>
-          <p:nvPr>
-            <p:ph idx="1"/>
-          </p:nvPr>
-        </p:nvSpPr>
-        <p:spPr/>
-        <p:txBody>
-          <a:bodyPr/>
-          <a:lstStyle/>
-          <a:p>
-            <a:r>
-              <a:rPr lang="en-US" altLang="zh-CN" dirty="0"/>
-              <a:t>N-blog</a:t>
-            </a:r>
-          </a:p>
-          <a:p>
-            <a:pPr lvl="1"/>
-            <a:r>
-              <a:rPr lang="en-US" altLang="zh-CN" dirty="0">
-                <a:hlinkClick r:id="rId2"/>
-              </a:rPr>
-              <a:t>https://github.com/nswbmw/N-blog</a:t>
-            </a:r>
-            <a:endParaRPr lang="en-US" altLang="zh-CN" dirty="0"/>
-          </a:p>
-          <a:p>
-            <a:r>
-              <a:rPr lang="en-US" altLang="zh-CN" dirty="0"/>
-              <a:t>Example</a:t>
-            </a:r>
-          </a:p>
-          <a:p>
-            <a:pPr lvl="1"/>
-            <a:r>
-              <a:rPr lang="en-US" dirty="0">
-                <a:hlinkClick r:id="rId3"/>
-              </a:rPr>
-              <a:t>https://github.com/Learn365/Blog_nodejs</a:t>
-            </a:r>
-            <a:endParaRPr lang="en-US" dirty="0"/>
-          </a:p>
-          <a:p>
-            <a:pPr lvl="1"/>
-            <a:endParaRPr lang="en-US" dirty="0"/>
-          </a:p>
-        </p:txBody>
-      </p:sp>
-    </p:spTree>
-    <p:extLst>
-      <p:ext uri="{BB962C8B-B14F-4D97-AF65-F5344CB8AC3E}">
-        <p14:creationId xmlns:p14="http://schemas.microsoft.com/office/powerpoint/2010/main" val="30782059"/>
-      </p:ext>
-    </p:extLst>
-  </p:cSld>
-  <p:clrMapOvr>
-    <a:masterClrMapping/>
-  </p:clrMapOvr>
-</p:sld>
-</file>
-
-<file path=ppt/slides/slide17.xml><?xml version="1.0" encoding="utf-8"?>
+<file path=ppt/slides/slide20.xml><?xml version="1.0" encoding="utf-8"?>
 <p:sld xmlns:a="http://schemas.openxmlformats.org/drawingml/2006/main" xmlns:r="http://schemas.openxmlformats.org/officeDocument/2006/relationships" xmlns:p="http://schemas.openxmlformats.org/presentationml/2006/main">
   <p:cSld>
     <p:spTree>
@@ -13792,138 +15999,6 @@
     <p:extLst>
       <p:ext uri="{BB962C8B-B14F-4D97-AF65-F5344CB8AC3E}">
         <p14:creationId xmlns:p14="http://schemas.microsoft.com/office/powerpoint/2010/main" val="2023126054"/>
-      </p:ext>
-    </p:extLst>
-  </p:cSld>
-  <p:clrMapOvr>
-    <a:masterClrMapping/>
-  </p:clrMapOvr>
-</p:sld>
-</file>
-
-<file path=ppt/slides/slide2.xml><?xml version="1.0" encoding="utf-8"?>
-<p:sld xmlns:a="http://schemas.openxmlformats.org/drawingml/2006/main" xmlns:r="http://schemas.openxmlformats.org/officeDocument/2006/relationships" xmlns:p="http://schemas.openxmlformats.org/presentationml/2006/main">
-  <p:cSld>
-    <p:spTree>
-      <p:nvGrpSpPr>
-        <p:cNvPr id="1" name=""/>
-        <p:cNvGrpSpPr/>
-        <p:nvPr/>
-      </p:nvGrpSpPr>
-      <p:grpSpPr>
-        <a:xfrm>
-          <a:off x="0" y="0"/>
-          <a:ext cx="0" cy="0"/>
-          <a:chOff x="0" y="0"/>
-          <a:chExt cx="0" cy="0"/>
-        </a:xfrm>
-      </p:grpSpPr>
-      <p:sp>
-        <p:nvSpPr>
-          <p:cNvPr id="2" name="Title 1"/>
-          <p:cNvSpPr>
-            <a:spLocks noGrp="1"/>
-          </p:cNvSpPr>
-          <p:nvPr>
-            <p:ph type="title"/>
-          </p:nvPr>
-        </p:nvSpPr>
-        <p:spPr/>
-        <p:txBody>
-          <a:bodyPr/>
-          <a:lstStyle/>
-          <a:p>
-            <a:r>
-              <a:rPr lang="zh-CN" altLang="en-US" b="1" dirty="0"/>
-              <a:t>培训课堂注意事项</a:t>
-            </a:r>
-            <a:endParaRPr lang="en-US" dirty="0"/>
-          </a:p>
-        </p:txBody>
-      </p:sp>
-      <p:sp>
-        <p:nvSpPr>
-          <p:cNvPr id="3" name="Content Placeholder 2"/>
-          <p:cNvSpPr>
-            <a:spLocks noGrp="1"/>
-          </p:cNvSpPr>
-          <p:nvPr>
-            <p:ph idx="1"/>
-          </p:nvPr>
-        </p:nvSpPr>
-        <p:spPr/>
-        <p:txBody>
-          <a:bodyPr/>
-          <a:lstStyle/>
-          <a:p>
-            <a:pPr marL="385763" indent="-385763">
-              <a:buFont typeface="+mj-lt"/>
-              <a:buAutoNum type="arabicPeriod"/>
-              <a:defRPr/>
-            </a:pPr>
-            <a:r>
-              <a:rPr lang="zh-CN" altLang="en-US" dirty="0">
-                <a:latin typeface="+mn-ea"/>
-              </a:rPr>
-              <a:t>请自觉遵守培训纪律，培训期间不得旷课，没有特殊事项，不得请假。</a:t>
-            </a:r>
-            <a:endParaRPr lang="en-US" altLang="zh-CN" dirty="0">
-              <a:latin typeface="+mn-ea"/>
-            </a:endParaRPr>
-          </a:p>
-          <a:p>
-            <a:pPr marL="385763" indent="-385763">
-              <a:buFont typeface="+mj-lt"/>
-              <a:buAutoNum type="arabicPeriod"/>
-              <a:defRPr/>
-            </a:pPr>
-            <a:r>
-              <a:rPr lang="zh-CN" altLang="en-US" dirty="0">
-                <a:latin typeface="+mn-ea"/>
-              </a:rPr>
-              <a:t>上课期间，请将手机调至静音状态，认真听讲，如有特殊原因需接听电话，在征得讲师同意后到教室外接听。</a:t>
-            </a:r>
-            <a:endParaRPr lang="en-US" altLang="zh-CN" dirty="0">
-              <a:latin typeface="+mn-ea"/>
-            </a:endParaRPr>
-          </a:p>
-          <a:p>
-            <a:pPr marL="385763" indent="-385763">
-              <a:buFont typeface="+mj-lt"/>
-              <a:buAutoNum type="arabicPeriod"/>
-              <a:defRPr/>
-            </a:pPr>
-            <a:r>
-              <a:rPr lang="zh-CN" altLang="en-US" dirty="0">
-                <a:latin typeface="+mn-ea"/>
-              </a:rPr>
-              <a:t>培训期间请提前</a:t>
-            </a:r>
-            <a:r>
-              <a:rPr lang="en-US" altLang="zh-CN" dirty="0">
-                <a:latin typeface="+mn-ea"/>
-              </a:rPr>
-              <a:t>5</a:t>
-            </a:r>
-            <a:r>
-              <a:rPr lang="zh-CN" altLang="en-US" dirty="0">
-                <a:latin typeface="+mn-ea"/>
-              </a:rPr>
-              <a:t>分钟到达教室，并及时签到，每人每节课前签到一次，不得多签或代签。</a:t>
-            </a:r>
-            <a:endParaRPr lang="en-US" dirty="0">
-              <a:latin typeface="+mn-ea"/>
-            </a:endParaRPr>
-          </a:p>
-          <a:p>
-            <a:endParaRPr lang="en-US" dirty="0"/>
-          </a:p>
-        </p:txBody>
-      </p:sp>
-    </p:spTree>
-    <p:extLst>
-      <p:ext uri="{BB962C8B-B14F-4D97-AF65-F5344CB8AC3E}">
-        <p14:creationId xmlns:p14="http://schemas.microsoft.com/office/powerpoint/2010/main" val="1141033321"/>
       </p:ext>
     </p:extLst>
   </p:cSld>
